--- a/서버프로젝트.pptx
+++ b/서버프로젝트.pptx
@@ -30355,37 +30355,7 @@
                 <a:latin typeface="소야논8" panose="02020603020101020101" pitchFamily="18" charset="-127"/>
                 <a:ea typeface="소야논8" panose="02020603020101020101" pitchFamily="18" charset="-127"/>
               </a:rPr>
-              <a:t> </a:t>
-            </a:r>
-            <a:r>
-              <a:rPr lang="ko-KR" altLang="en-US" sz="2800" dirty="0" smtClean="0">
-                <a:solidFill>
-                  <a:schemeClr val="bg1"/>
-                </a:solidFill>
-                <a:latin typeface="소야논8" panose="02020603020101020101" pitchFamily="18" charset="-127"/>
-                <a:ea typeface="소야논8" panose="02020603020101020101" pitchFamily="18" charset="-127"/>
-              </a:rPr>
-              <a:t>빈 </a:t>
-            </a:r>
-            <a:r>
-              <a:rPr lang="ko-KR" altLang="en-US" sz="2800" dirty="0" smtClean="0">
-                <a:solidFill>
-                  <a:schemeClr val="bg1"/>
-                </a:solidFill>
-                <a:latin typeface="소야논8" panose="02020603020101020101" pitchFamily="18" charset="-127"/>
-                <a:ea typeface="소야논8" panose="02020603020101020101" pitchFamily="18" charset="-127"/>
-              </a:rPr>
-              <a:t>방으로 빠른 </a:t>
-            </a:r>
-            <a:r>
-              <a:rPr lang="ko-KR" altLang="en-US" sz="2800" dirty="0" smtClean="0">
-                <a:solidFill>
-                  <a:schemeClr val="bg1"/>
-                </a:solidFill>
-                <a:latin typeface="소야논8" panose="02020603020101020101" pitchFamily="18" charset="-127"/>
-                <a:ea typeface="소야논8" panose="02020603020101020101" pitchFamily="18" charset="-127"/>
-              </a:rPr>
-              <a:t>참여</a:t>
+              <a:t> 빈 방으로 빠른 참여</a:t>
             </a:r>
             <a:endParaRPr lang="en-US" altLang="ko-KR" sz="2800" dirty="0" smtClean="0">
               <a:solidFill>
@@ -30444,77 +30414,57 @@
                 <a:latin typeface="소야논8" panose="02020603020101020101" pitchFamily="18" charset="-127"/>
                 <a:ea typeface="소야논8" panose="02020603020101020101" pitchFamily="18" charset="-127"/>
               </a:rPr>
-              <a:t>유저마다 </a:t>
-            </a:r>
-            <a:r>
-              <a:rPr lang="ko-KR" altLang="en-US" sz="2800" dirty="0" smtClean="0">
+              <a:t>유저마다 고유 </a:t>
+            </a:r>
+            <a:r>
+              <a:rPr lang="ko-KR" altLang="en-US" sz="2800" dirty="0" err="1" smtClean="0">
                 <a:solidFill>
                   <a:schemeClr val="bg1"/>
                 </a:solidFill>
                 <a:latin typeface="소야논8" panose="02020603020101020101" pitchFamily="18" charset="-127"/>
                 <a:ea typeface="소야논8" panose="02020603020101020101" pitchFamily="18" charset="-127"/>
               </a:rPr>
-              <a:t>고유 </a:t>
-            </a:r>
-            <a:r>
-              <a:rPr lang="ko-KR" altLang="en-US" sz="2800" dirty="0" err="1" smtClean="0">
+              <a:t>포켓몬</a:t>
+            </a:r>
+            <a:r>
+              <a:rPr lang="en-US" altLang="ko-KR" sz="2800" dirty="0" smtClean="0">
                 <a:solidFill>
                   <a:schemeClr val="bg1"/>
                 </a:solidFill>
                 <a:latin typeface="소야논8" panose="02020603020101020101" pitchFamily="18" charset="-127"/>
                 <a:ea typeface="소야논8" panose="02020603020101020101" pitchFamily="18" charset="-127"/>
               </a:rPr>
-              <a:t>포켓몬</a:t>
-            </a:r>
-            <a:r>
-              <a:rPr lang="en-US" altLang="ko-KR" sz="2800" dirty="0" smtClean="0">
+              <a:t>(</a:t>
+            </a:r>
+            <a:r>
+              <a:rPr lang="ko-KR" altLang="en-US" sz="2800" dirty="0" smtClean="0">
                 <a:solidFill>
                   <a:schemeClr val="bg1"/>
                 </a:solidFill>
                 <a:latin typeface="소야논8" panose="02020603020101020101" pitchFamily="18" charset="-127"/>
                 <a:ea typeface="소야논8" panose="02020603020101020101" pitchFamily="18" charset="-127"/>
               </a:rPr>
-              <a:t>(</a:t>
-            </a:r>
-            <a:r>
-              <a:rPr lang="ko-KR" altLang="en-US" sz="2800" dirty="0" smtClean="0">
+              <a:t>아이콘</a:t>
+            </a:r>
+            <a:r>
+              <a:rPr lang="en-US" altLang="ko-KR" sz="2800" dirty="0" smtClean="0">
                 <a:solidFill>
                   <a:schemeClr val="bg1"/>
                 </a:solidFill>
                 <a:latin typeface="소야논8" panose="02020603020101020101" pitchFamily="18" charset="-127"/>
                 <a:ea typeface="소야논8" panose="02020603020101020101" pitchFamily="18" charset="-127"/>
               </a:rPr>
-              <a:t>아이콘</a:t>
-            </a:r>
-            <a:r>
-              <a:rPr lang="en-US" altLang="ko-KR" sz="2800" dirty="0" smtClean="0">
+              <a:t>)</a:t>
+            </a:r>
+            <a:r>
+              <a:rPr lang="ko-KR" altLang="en-US" sz="2800" dirty="0" smtClean="0">
                 <a:solidFill>
                   <a:schemeClr val="bg1"/>
                 </a:solidFill>
                 <a:latin typeface="소야논8" panose="02020603020101020101" pitchFamily="18" charset="-127"/>
                 <a:ea typeface="소야논8" panose="02020603020101020101" pitchFamily="18" charset="-127"/>
               </a:rPr>
-              <a:t>)</a:t>
-            </a:r>
-            <a:r>
-              <a:rPr lang="ko-KR" altLang="en-US" sz="2800" dirty="0" smtClean="0">
-                <a:solidFill>
-                  <a:schemeClr val="bg1"/>
-                </a:solidFill>
-                <a:latin typeface="소야논8" panose="02020603020101020101" pitchFamily="18" charset="-127"/>
-                <a:ea typeface="소야논8" panose="02020603020101020101" pitchFamily="18" charset="-127"/>
-              </a:rPr>
-              <a:t>이 </a:t>
-            </a:r>
-            <a:r>
-              <a:rPr lang="ko-KR" altLang="en-US" sz="2800" dirty="0" smtClean="0">
-                <a:solidFill>
-                  <a:schemeClr val="bg1"/>
-                </a:solidFill>
-                <a:latin typeface="소야논8" panose="02020603020101020101" pitchFamily="18" charset="-127"/>
-                <a:ea typeface="소야논8" panose="02020603020101020101" pitchFamily="18" charset="-127"/>
-              </a:rPr>
-              <a:t>있다</a:t>
+              <a:t>이 있다</a:t>
             </a:r>
             <a:endParaRPr lang="ko-KR" altLang="en-US" sz="2800" dirty="0">
               <a:solidFill>
@@ -31059,13 +31009,6 @@
               </a:rPr>
               <a:t>: </a:t>
             </a:r>
-            <a:endParaRPr lang="en-US" altLang="ko-KR" sz="2800" dirty="0" smtClean="0">
-              <a:solidFill>
-                <a:schemeClr val="bg1"/>
-              </a:solidFill>
-              <a:latin typeface="소야논8" panose="02020603020101020101" pitchFamily="18" charset="-127"/>
-              <a:ea typeface="소야논8" panose="02020603020101020101" pitchFamily="18" charset="-127"/>
-            </a:endParaRPr>
           </a:p>
           <a:p>
             <a:pPr lvl="1">
@@ -31111,17 +31054,7 @@
                 <a:latin typeface="소야논8" panose="02020603020101020101" pitchFamily="18" charset="-127"/>
                 <a:ea typeface="소야논8" panose="02020603020101020101" pitchFamily="18" charset="-127"/>
               </a:rPr>
-              <a:t> </a:t>
-            </a:r>
-            <a:r>
-              <a:rPr lang="ko-KR" altLang="en-US" sz="2400" dirty="0" smtClean="0">
-                <a:solidFill>
-                  <a:schemeClr val="bg1"/>
-                </a:solidFill>
-                <a:latin typeface="소야논8" panose="02020603020101020101" pitchFamily="18" charset="-127"/>
-                <a:ea typeface="소야논8" panose="02020603020101020101" pitchFamily="18" charset="-127"/>
-              </a:rPr>
-              <a:t>다수</a:t>
+              <a:t> 다수</a:t>
             </a:r>
             <a:endParaRPr lang="en-US" altLang="ko-KR" sz="2400" dirty="0">
               <a:solidFill>
@@ -32420,13 +32353,6 @@
               </a:rPr>
               <a:t>.</a:t>
             </a:r>
-            <a:endParaRPr lang="en-US" altLang="ko-KR" sz="2800" dirty="0" smtClean="0">
-              <a:solidFill>
-                <a:schemeClr val="bg1"/>
-              </a:solidFill>
-              <a:latin typeface="소야논8" panose="02020603020101020101" pitchFamily="18" charset="-127"/>
-              <a:ea typeface="소야논8" panose="02020603020101020101" pitchFamily="18" charset="-127"/>
-            </a:endParaRPr>
           </a:p>
         </p:txBody>
       </p:sp>
@@ -33642,95 +33568,78 @@
                 <a:latin typeface="소야논8" panose="02020603020101020101" pitchFamily="18" charset="-127"/>
                 <a:ea typeface="소야논8" panose="02020603020101020101" pitchFamily="18" charset="-127"/>
               </a:rPr>
-              <a:t>해당 </a:t>
-            </a:r>
-            <a:r>
-              <a:rPr lang="ko-KR" altLang="en-US" sz="2800" dirty="0" smtClean="0">
+              <a:t>해당 데이터를 </a:t>
+            </a:r>
+            <a:r>
+              <a:rPr lang="ko-KR" altLang="en-US" sz="2800" dirty="0" err="1" smtClean="0">
                 <a:solidFill>
                   <a:schemeClr val="bg1"/>
                 </a:solidFill>
                 <a:latin typeface="소야논8" panose="02020603020101020101" pitchFamily="18" charset="-127"/>
                 <a:ea typeface="소야논8" panose="02020603020101020101" pitchFamily="18" charset="-127"/>
               </a:rPr>
-              <a:t>데이터를 </a:t>
-            </a:r>
-            <a:r>
-              <a:rPr lang="ko-KR" altLang="en-US" sz="2800" dirty="0" err="1" smtClean="0">
+              <a:t>패킷으로</a:t>
+            </a:r>
+            <a:r>
+              <a:rPr lang="ko-KR" altLang="en-US" sz="2800" dirty="0" smtClean="0">
                 <a:solidFill>
                   <a:schemeClr val="bg1"/>
                 </a:solidFill>
                 <a:latin typeface="소야논8" panose="02020603020101020101" pitchFamily="18" charset="-127"/>
                 <a:ea typeface="소야논8" panose="02020603020101020101" pitchFamily="18" charset="-127"/>
               </a:rPr>
-              <a:t>패킷으로</a:t>
-            </a:r>
-            <a:r>
-              <a:rPr lang="ko-KR" altLang="en-US" sz="2800" dirty="0" smtClean="0">
+              <a:t> 만들어서 </a:t>
+            </a:r>
+            <a:r>
+              <a:rPr lang="en-US" altLang="ko-KR" sz="2800" dirty="0" err="1" smtClean="0">
                 <a:solidFill>
                   <a:schemeClr val="bg1"/>
                 </a:solidFill>
                 <a:latin typeface="소야논8" panose="02020603020101020101" pitchFamily="18" charset="-127"/>
                 <a:ea typeface="소야논8" panose="02020603020101020101" pitchFamily="18" charset="-127"/>
               </a:rPr>
-              <a:t> 만들어서 </a:t>
-            </a:r>
-            <a:r>
-              <a:rPr lang="en-US" altLang="ko-KR" sz="2800" dirty="0" err="1" smtClean="0">
+              <a:t>RecvPacketQueue</a:t>
+            </a:r>
+            <a:r>
+              <a:rPr lang="ko-KR" altLang="en-US" sz="2800" dirty="0" smtClean="0">
                 <a:solidFill>
                   <a:schemeClr val="bg1"/>
                 </a:solidFill>
                 <a:latin typeface="소야논8" panose="02020603020101020101" pitchFamily="18" charset="-127"/>
                 <a:ea typeface="소야논8" panose="02020603020101020101" pitchFamily="18" charset="-127"/>
               </a:rPr>
-              <a:t>RecvPacketQueue</a:t>
-            </a:r>
-            <a:r>
-              <a:rPr lang="ko-KR" altLang="en-US" sz="2800" dirty="0" smtClean="0">
+              <a:t>에 </a:t>
+            </a:r>
+            <a:r>
+              <a:rPr lang="en-US" altLang="ko-KR" sz="2800" dirty="0" smtClean="0">
                 <a:solidFill>
                   <a:schemeClr val="bg1"/>
                 </a:solidFill>
                 <a:latin typeface="소야논8" panose="02020603020101020101" pitchFamily="18" charset="-127"/>
                 <a:ea typeface="소야논8" panose="02020603020101020101" pitchFamily="18" charset="-127"/>
               </a:rPr>
-              <a:t>에 </a:t>
-            </a:r>
-            <a:r>
-              <a:rPr lang="en-US" altLang="ko-KR" sz="2800" dirty="0" smtClean="0">
+              <a:t>Push</a:t>
+            </a:r>
+            <a:r>
+              <a:rPr lang="ko-KR" altLang="en-US" sz="2800" dirty="0" smtClean="0">
                 <a:solidFill>
                   <a:schemeClr val="bg1"/>
                 </a:solidFill>
                 <a:latin typeface="소야논8" panose="02020603020101020101" pitchFamily="18" charset="-127"/>
                 <a:ea typeface="소야논8" panose="02020603020101020101" pitchFamily="18" charset="-127"/>
               </a:rPr>
-              <a:t>Push</a:t>
-            </a:r>
-            <a:r>
-              <a:rPr lang="ko-KR" altLang="en-US" sz="2800" dirty="0" smtClean="0">
+              <a:t>한다</a:t>
+            </a:r>
+            <a:r>
+              <a:rPr lang="en-US" altLang="ko-KR" sz="2800" dirty="0" smtClean="0">
                 <a:solidFill>
                   <a:schemeClr val="bg1"/>
                 </a:solidFill>
                 <a:latin typeface="소야논8" panose="02020603020101020101" pitchFamily="18" charset="-127"/>
                 <a:ea typeface="소야논8" panose="02020603020101020101" pitchFamily="18" charset="-127"/>
               </a:rPr>
-              <a:t>한다</a:t>
-            </a:r>
-            <a:r>
-              <a:rPr lang="en-US" altLang="ko-KR" sz="2800" dirty="0" smtClean="0">
-                <a:solidFill>
-                  <a:schemeClr val="bg1"/>
-                </a:solidFill>
-                <a:latin typeface="소야논8" panose="02020603020101020101" pitchFamily="18" charset="-127"/>
-                <a:ea typeface="소야논8" panose="02020603020101020101" pitchFamily="18" charset="-127"/>
-              </a:rPr>
               <a:t>.</a:t>
             </a:r>
-            <a:endParaRPr lang="en-US" altLang="ko-KR" sz="2800" dirty="0" smtClean="0">
-              <a:solidFill>
-                <a:schemeClr val="bg1"/>
-              </a:solidFill>
-              <a:latin typeface="소야논8" panose="02020603020101020101" pitchFamily="18" charset="-127"/>
-              <a:ea typeface="소야논8" panose="02020603020101020101" pitchFamily="18" charset="-127"/>
-            </a:endParaRPr>
           </a:p>
         </p:txBody>
       </p:sp>
@@ -33804,17 +33713,7 @@
                 <a:latin typeface="소야논8" panose="02020603020101020101" pitchFamily="18" charset="-127"/>
                 <a:ea typeface="소야논8" panose="02020603020101020101" pitchFamily="18" charset="-127"/>
               </a:rPr>
-              <a:t>: </a:t>
-            </a:r>
-            <a:r>
-              <a:rPr lang="en-US" altLang="ko-KR" dirty="0" smtClean="0">
-                <a:solidFill>
-                  <a:srgbClr val="E4007F"/>
-                </a:solidFill>
-                <a:latin typeface="소야논8" panose="02020603020101020101" pitchFamily="18" charset="-127"/>
-                <a:ea typeface="소야논8" panose="02020603020101020101" pitchFamily="18" charset="-127"/>
-              </a:rPr>
-              <a:t>Logic &amp; DB</a:t>
+              <a:t>: Logic &amp; DB</a:t>
             </a:r>
             <a:endParaRPr lang="ko-KR" altLang="en-US" dirty="0">
               <a:solidFill>
@@ -34901,17 +34800,7 @@
                 <a:latin typeface="소야논8" panose="02020603020101020101" pitchFamily="18" charset="-127"/>
                 <a:ea typeface="소야논8" panose="02020603020101020101" pitchFamily="18" charset="-127"/>
               </a:rPr>
-              <a:t>블랙</a:t>
-            </a:r>
-            <a:r>
-              <a:rPr lang="ko-KR" altLang="en-US" dirty="0" err="1" smtClean="0">
-                <a:solidFill>
-                  <a:srgbClr val="E4007F"/>
-                </a:solidFill>
-                <a:latin typeface="소야논8" panose="02020603020101020101" pitchFamily="18" charset="-127"/>
-                <a:ea typeface="소야논8" panose="02020603020101020101" pitchFamily="18" charset="-127"/>
-              </a:rPr>
-              <a:t>잭</a:t>
+              <a:t>블랙잭</a:t>
             </a:r>
             <a:endParaRPr lang="ko-KR" altLang="en-US" dirty="0">
               <a:solidFill>
@@ -35246,17 +35135,7 @@
                 <a:latin typeface="소야논8" panose="02020603020101020101" pitchFamily="18" charset="-127"/>
                 <a:ea typeface="소야논8" panose="02020603020101020101" pitchFamily="18" charset="-127"/>
               </a:rPr>
-              <a:t>에서 </a:t>
-            </a:r>
-            <a:r>
-              <a:rPr lang="ko-KR" altLang="en-US" sz="2800" dirty="0" smtClean="0">
-                <a:solidFill>
-                  <a:schemeClr val="bg1"/>
-                </a:solidFill>
-                <a:latin typeface="소야논8" panose="02020603020101020101" pitchFamily="18" charset="-127"/>
-                <a:ea typeface="소야논8" panose="02020603020101020101" pitchFamily="18" charset="-127"/>
-              </a:rPr>
-              <a:t>하나씩 꺼내서 처리한다</a:t>
+              <a:t>에서 하나씩 꺼내서 처리한다</a:t>
             </a:r>
             <a:r>
               <a:rPr lang="en-US" altLang="ko-KR" sz="2800" dirty="0" smtClean="0">
@@ -35345,13 +35224,6 @@
               </a:rPr>
               <a:t>.</a:t>
             </a:r>
-            <a:endParaRPr lang="en-US" altLang="ko-KR" sz="2800" dirty="0" smtClean="0">
-              <a:solidFill>
-                <a:schemeClr val="bg1"/>
-              </a:solidFill>
-              <a:latin typeface="소야논8" panose="02020603020101020101" pitchFamily="18" charset="-127"/>
-              <a:ea typeface="소야논8" panose="02020603020101020101" pitchFamily="18" charset="-127"/>
-            </a:endParaRPr>
           </a:p>
           <a:p>
             <a:pPr>
@@ -35427,17 +35299,7 @@
                 <a:latin typeface="소야논8" panose="02020603020101020101" pitchFamily="18" charset="-127"/>
                 <a:ea typeface="소야논8" panose="02020603020101020101" pitchFamily="18" charset="-127"/>
               </a:rPr>
-              <a:t> </a:t>
-            </a:r>
-            <a:r>
-              <a:rPr lang="ko-KR" altLang="en-US" sz="2800" dirty="0" smtClean="0">
-                <a:solidFill>
-                  <a:schemeClr val="bg1"/>
-                </a:solidFill>
-                <a:latin typeface="소야논8" panose="02020603020101020101" pitchFamily="18" charset="-127"/>
-                <a:ea typeface="소야논8" panose="02020603020101020101" pitchFamily="18" charset="-127"/>
-              </a:rPr>
-              <a:t>넣음</a:t>
+              <a:t> 넣음</a:t>
             </a:r>
             <a:endParaRPr lang="en-US" altLang="ko-KR" sz="2800" dirty="0" smtClean="0">
               <a:solidFill>
@@ -35988,17 +35850,7 @@
                 <a:latin typeface="소야논8" panose="02020603020101020101" pitchFamily="18" charset="-127"/>
                 <a:ea typeface="소야논8" panose="02020603020101020101" pitchFamily="18" charset="-127"/>
               </a:rPr>
-              <a:t>에 </a:t>
-            </a:r>
-            <a:r>
-              <a:rPr lang="ko-KR" altLang="en-US" sz="2800" dirty="0" smtClean="0">
-                <a:solidFill>
-                  <a:schemeClr val="bg1"/>
-                </a:solidFill>
-                <a:latin typeface="소야논8" panose="02020603020101020101" pitchFamily="18" charset="-127"/>
-                <a:ea typeface="소야논8" panose="02020603020101020101" pitchFamily="18" charset="-127"/>
-              </a:rPr>
-              <a:t>넣어줌</a:t>
+              <a:t>에 넣어줌</a:t>
             </a:r>
             <a:endParaRPr lang="en-US" altLang="ko-KR" sz="2800" dirty="0" smtClean="0">
               <a:solidFill>
@@ -36184,13 +36036,6 @@
               </a:rPr>
               <a:t>점</a:t>
             </a:r>
-            <a:endParaRPr lang="ko-KR" altLang="en-US" dirty="0">
-              <a:solidFill>
-                <a:srgbClr val="E4007F"/>
-              </a:solidFill>
-              <a:latin typeface="소야논8" panose="02020603020101020101" pitchFamily="18" charset="-127"/>
-              <a:ea typeface="소야논8" panose="02020603020101020101" pitchFamily="18" charset="-127"/>
-            </a:endParaRPr>
           </a:p>
         </p:txBody>
       </p:sp>
@@ -36411,13 +36256,6 @@
               </a:rPr>
               <a:t>…</a:t>
             </a:r>
-            <a:endParaRPr lang="en-US" altLang="ko-KR" dirty="0" smtClean="0">
-              <a:solidFill>
-                <a:schemeClr val="bg1"/>
-              </a:solidFill>
-              <a:latin typeface="소야논8" panose="02020603020101020101" pitchFamily="18" charset="-127"/>
-              <a:ea typeface="소야논8" panose="02020603020101020101" pitchFamily="18" charset="-127"/>
-            </a:endParaRPr>
           </a:p>
         </p:txBody>
       </p:sp>
@@ -36573,12 +36411,73 @@
               </a:rPr>
               <a:t>. </a:t>
             </a:r>
-            <a:endParaRPr lang="en-US" altLang="ko-KR" sz="2800" dirty="0" smtClean="0">
+          </a:p>
+          <a:p>
+            <a:endParaRPr lang="en-US" altLang="ko-KR" sz="2800" dirty="0">
               <a:solidFill>
                 <a:schemeClr val="bg1"/>
               </a:solidFill>
               <a:latin typeface="소야논8" panose="02020603020101020101" pitchFamily="18" charset="-127"/>
               <a:ea typeface="소야논8" panose="02020603020101020101" pitchFamily="18" charset="-127"/>
+            </a:endParaRPr>
+          </a:p>
+          <a:p>
+            <a:r>
+              <a:rPr lang="en-US" altLang="ko-KR" sz="2800" dirty="0" smtClean="0">
+                <a:solidFill>
+                  <a:schemeClr val="bg1"/>
+                </a:solidFill>
+                <a:latin typeface="소야논8" panose="020B0600000101010101" charset="-127"/>
+                <a:ea typeface="소야논8" panose="020B0600000101010101" charset="-127"/>
+              </a:rPr>
+              <a:t>AWS</a:t>
+            </a:r>
+            <a:r>
+              <a:rPr lang="ko-KR" altLang="en-US" sz="2800" dirty="0">
+                <a:solidFill>
+                  <a:schemeClr val="bg1"/>
+                </a:solidFill>
+                <a:latin typeface="소야논8" panose="020B0600000101010101" charset="-127"/>
+                <a:ea typeface="소야논8" panose="020B0600000101010101" charset="-127"/>
+              </a:rPr>
+              <a:t> </a:t>
+            </a:r>
+            <a:r>
+              <a:rPr lang="ko-KR" altLang="en-US" sz="2800" dirty="0" smtClean="0">
+                <a:solidFill>
+                  <a:schemeClr val="bg1"/>
+                </a:solidFill>
+                <a:latin typeface="소야논8" panose="020B0600000101010101" charset="-127"/>
+                <a:ea typeface="소야논8" panose="020B0600000101010101" charset="-127"/>
+              </a:rPr>
+              <a:t>위에서 </a:t>
+            </a:r>
+            <a:r>
+              <a:rPr lang="ko-KR" altLang="en-US" sz="2800" dirty="0" err="1" smtClean="0">
+                <a:solidFill>
+                  <a:schemeClr val="bg1"/>
+                </a:solidFill>
+                <a:latin typeface="소야논8" panose="020B0600000101010101" charset="-127"/>
+                <a:ea typeface="소야논8" panose="020B0600000101010101" charset="-127"/>
+              </a:rPr>
+              <a:t>돌려보는것이</a:t>
+            </a:r>
+            <a:r>
+              <a:rPr lang="ko-KR" altLang="en-US" sz="2800" dirty="0" smtClean="0">
+                <a:solidFill>
+                  <a:schemeClr val="bg1"/>
+                </a:solidFill>
+                <a:latin typeface="소야논8" panose="020B0600000101010101" charset="-127"/>
+                <a:ea typeface="소야논8" panose="020B0600000101010101" charset="-127"/>
+              </a:rPr>
+              <a:t> 목표</a:t>
+            </a:r>
+            <a:endParaRPr lang="en-US" altLang="ko-KR" sz="2800" dirty="0" smtClean="0">
+              <a:solidFill>
+                <a:schemeClr val="bg1"/>
+              </a:solidFill>
+              <a:latin typeface="소야논8" panose="020B0600000101010101" charset="-127"/>
+              <a:ea typeface="소야논8" panose="020B0600000101010101" charset="-127"/>
             </a:endParaRPr>
           </a:p>
         </p:txBody>
@@ -36995,17 +36894,7 @@
                 <a:latin typeface="소야논8" panose="02020603020101020101" pitchFamily="18" charset="-127"/>
                 <a:ea typeface="소야논8" panose="02020603020101020101" pitchFamily="18" charset="-127"/>
               </a:rPr>
-              <a:t>로그인 </a:t>
-            </a:r>
-            <a:r>
-              <a:rPr lang="ko-KR" altLang="en-US" dirty="0" smtClean="0">
-                <a:solidFill>
-                  <a:schemeClr val="bg1"/>
-                </a:solidFill>
-                <a:latin typeface="소야논8" panose="02020603020101020101" pitchFamily="18" charset="-127"/>
-                <a:ea typeface="소야논8" panose="02020603020101020101" pitchFamily="18" charset="-127"/>
-              </a:rPr>
-              <a:t>서버</a:t>
+              <a:t>로그인 서버</a:t>
             </a:r>
             <a:endParaRPr lang="en-US" altLang="ko-KR" dirty="0" smtClean="0">
               <a:solidFill>
@@ -37033,17 +36922,7 @@
                 <a:latin typeface="소야논8" panose="02020603020101020101" pitchFamily="18" charset="-127"/>
                 <a:ea typeface="소야논8" panose="02020603020101020101" pitchFamily="18" charset="-127"/>
               </a:rPr>
-              <a:t>채널 </a:t>
-            </a:r>
-            <a:r>
-              <a:rPr lang="ko-KR" altLang="en-US" dirty="0" smtClean="0">
-                <a:solidFill>
-                  <a:schemeClr val="bg1"/>
-                </a:solidFill>
-                <a:latin typeface="소야논8" panose="02020603020101020101" pitchFamily="18" charset="-127"/>
-                <a:ea typeface="소야논8" panose="02020603020101020101" pitchFamily="18" charset="-127"/>
-              </a:rPr>
-              <a:t>서버</a:t>
+              <a:t>채널 서버</a:t>
             </a:r>
             <a:endParaRPr lang="en-US" altLang="ko-KR" dirty="0" smtClean="0">
               <a:solidFill>
@@ -37271,13 +37150,6 @@
               </a:rPr>
               <a:t>클라이언트</a:t>
             </a:r>
-            <a:endParaRPr lang="ko-KR" altLang="en-US" sz="3200" dirty="0">
-              <a:solidFill>
-                <a:schemeClr val="bg1"/>
-              </a:solidFill>
-              <a:latin typeface="소야논8" panose="02020603020101020101" pitchFamily="18" charset="-127"/>
-              <a:ea typeface="소야논8" panose="02020603020101020101" pitchFamily="18" charset="-127"/>
-            </a:endParaRPr>
           </a:p>
         </p:txBody>
       </p:sp>
@@ -38203,17 +38075,17 @@
                 <a:latin typeface="소야논8" panose="02020603020101020101" pitchFamily="18" charset="-127"/>
                 <a:ea typeface="소야논8" panose="02020603020101020101" pitchFamily="18" charset="-127"/>
               </a:rPr>
-              <a:t>현재 </a:t>
-            </a:r>
-            <a:r>
-              <a:rPr lang="ko-KR" altLang="en-US" sz="2800" dirty="0" smtClean="0">
+              <a:t>현재 가동중인 서버 리스트를 관리 </a:t>
+            </a:r>
+            <a:r>
+              <a:rPr lang="en-US" altLang="ko-KR" sz="2800" dirty="0" smtClean="0">
                 <a:solidFill>
                   <a:schemeClr val="bg1"/>
                 </a:solidFill>
                 <a:latin typeface="소야논8" panose="02020603020101020101" pitchFamily="18" charset="-127"/>
                 <a:ea typeface="소야논8" panose="02020603020101020101" pitchFamily="18" charset="-127"/>
               </a:rPr>
-              <a:t>가동중인 </a:t>
+              <a:t>(IP</a:t>
             </a:r>
             <a:r>
               <a:rPr lang="ko-KR" altLang="en-US" sz="2800" dirty="0" smtClean="0">
@@ -38223,65 +38095,18 @@
                 <a:latin typeface="소야논8" panose="02020603020101020101" pitchFamily="18" charset="-127"/>
                 <a:ea typeface="소야논8" panose="02020603020101020101" pitchFamily="18" charset="-127"/>
               </a:rPr>
-              <a:t>서버 </a:t>
-            </a:r>
-            <a:r>
-              <a:rPr lang="ko-KR" altLang="en-US" sz="2800" dirty="0" smtClean="0">
+              <a:t>주소 포함</a:t>
+            </a:r>
+            <a:r>
+              <a:rPr lang="en-US" altLang="ko-KR" sz="2800" dirty="0" smtClean="0">
                 <a:solidFill>
                   <a:schemeClr val="bg1"/>
                 </a:solidFill>
                 <a:latin typeface="소야논8" panose="02020603020101020101" pitchFamily="18" charset="-127"/>
                 <a:ea typeface="소야논8" panose="02020603020101020101" pitchFamily="18" charset="-127"/>
               </a:rPr>
-              <a:t>리스트를 </a:t>
-            </a:r>
-            <a:r>
-              <a:rPr lang="ko-KR" altLang="en-US" sz="2800" dirty="0" smtClean="0">
-                <a:solidFill>
-                  <a:schemeClr val="bg1"/>
-                </a:solidFill>
-                <a:latin typeface="소야논8" panose="02020603020101020101" pitchFamily="18" charset="-127"/>
-                <a:ea typeface="소야논8" panose="02020603020101020101" pitchFamily="18" charset="-127"/>
-              </a:rPr>
-              <a:t>관리 </a:t>
-            </a:r>
-            <a:r>
-              <a:rPr lang="en-US" altLang="ko-KR" sz="2800" dirty="0" smtClean="0">
-                <a:solidFill>
-                  <a:schemeClr val="bg1"/>
-                </a:solidFill>
-                <a:latin typeface="소야논8" panose="02020603020101020101" pitchFamily="18" charset="-127"/>
-                <a:ea typeface="소야논8" panose="02020603020101020101" pitchFamily="18" charset="-127"/>
-              </a:rPr>
-              <a:t>(IP</a:t>
-            </a:r>
-            <a:r>
-              <a:rPr lang="ko-KR" altLang="en-US" sz="2800" dirty="0" smtClean="0">
-                <a:solidFill>
-                  <a:schemeClr val="bg1"/>
-                </a:solidFill>
-                <a:latin typeface="소야논8" panose="02020603020101020101" pitchFamily="18" charset="-127"/>
-                <a:ea typeface="소야논8" panose="02020603020101020101" pitchFamily="18" charset="-127"/>
-              </a:rPr>
-              <a:t>주소 포함</a:t>
-            </a:r>
-            <a:r>
-              <a:rPr lang="en-US" altLang="ko-KR" sz="2800" dirty="0" smtClean="0">
-                <a:solidFill>
-                  <a:schemeClr val="bg1"/>
-                </a:solidFill>
-                <a:latin typeface="소야논8" panose="02020603020101020101" pitchFamily="18" charset="-127"/>
-                <a:ea typeface="소야논8" panose="02020603020101020101" pitchFamily="18" charset="-127"/>
-              </a:rPr>
               <a:t>)</a:t>
             </a:r>
-            <a:endParaRPr lang="en-US" altLang="ko-KR" sz="2800" dirty="0" smtClean="0">
-              <a:solidFill>
-                <a:schemeClr val="bg1"/>
-              </a:solidFill>
-              <a:latin typeface="소야논8" panose="02020603020101020101" pitchFamily="18" charset="-127"/>
-              <a:ea typeface="소야논8" panose="02020603020101020101" pitchFamily="18" charset="-127"/>
-            </a:endParaRPr>
           </a:p>
         </p:txBody>
       </p:sp>
@@ -38545,13 +38370,6 @@
               </a:rPr>
               <a:t>.</a:t>
             </a:r>
-            <a:endParaRPr lang="en-US" altLang="ko-KR" sz="2400" dirty="0" smtClean="0">
-              <a:solidFill>
-                <a:schemeClr val="bg1"/>
-              </a:solidFill>
-              <a:latin typeface="소야논8" panose="02020603020101020101" pitchFamily="18" charset="-127"/>
-              <a:ea typeface="소야논8" panose="02020603020101020101" pitchFamily="18" charset="-127"/>
-            </a:endParaRPr>
           </a:p>
         </p:txBody>
       </p:sp>
@@ -38705,47 +38523,27 @@
                 <a:latin typeface="소야논8" panose="02020603020101020101" pitchFamily="18" charset="-127"/>
                 <a:ea typeface="소야논8" panose="02020603020101020101" pitchFamily="18" charset="-127"/>
               </a:rPr>
-              <a:t>로그인 </a:t>
-            </a:r>
-            <a:r>
-              <a:rPr lang="ko-KR" altLang="en-US" sz="2800" dirty="0" smtClean="0">
+              <a:t>로그인 서버와 </a:t>
+            </a:r>
+            <a:r>
+              <a:rPr lang="en-US" altLang="ko-KR" sz="2800" dirty="0" smtClean="0">
                 <a:solidFill>
                   <a:schemeClr val="bg1"/>
                 </a:solidFill>
                 <a:latin typeface="소야논8" panose="02020603020101020101" pitchFamily="18" charset="-127"/>
                 <a:ea typeface="소야논8" panose="02020603020101020101" pitchFamily="18" charset="-127"/>
               </a:rPr>
-              <a:t>서버와 </a:t>
-            </a:r>
-            <a:r>
-              <a:rPr lang="en-US" altLang="ko-KR" sz="2800" dirty="0" smtClean="0">
+              <a:t>http</a:t>
+            </a:r>
+            <a:r>
+              <a:rPr lang="ko-KR" altLang="en-US" sz="2800" dirty="0" smtClean="0">
                 <a:solidFill>
                   <a:schemeClr val="bg1"/>
                 </a:solidFill>
                 <a:latin typeface="소야논8" panose="02020603020101020101" pitchFamily="18" charset="-127"/>
                 <a:ea typeface="소야논8" panose="02020603020101020101" pitchFamily="18" charset="-127"/>
               </a:rPr>
-              <a:t>http</a:t>
-            </a:r>
-            <a:r>
-              <a:rPr lang="ko-KR" altLang="en-US" sz="2800" dirty="0" smtClean="0">
-                <a:solidFill>
-                  <a:schemeClr val="bg1"/>
-                </a:solidFill>
-                <a:latin typeface="소야논8" panose="02020603020101020101" pitchFamily="18" charset="-127"/>
-                <a:ea typeface="소야논8" panose="02020603020101020101" pitchFamily="18" charset="-127"/>
-              </a:rPr>
-              <a:t>로 </a:t>
-            </a:r>
-            <a:r>
-              <a:rPr lang="ko-KR" altLang="en-US" sz="2800" dirty="0" smtClean="0">
-                <a:solidFill>
-                  <a:schemeClr val="bg1"/>
-                </a:solidFill>
-                <a:latin typeface="소야논8" panose="02020603020101020101" pitchFamily="18" charset="-127"/>
-                <a:ea typeface="소야논8" panose="02020603020101020101" pitchFamily="18" charset="-127"/>
-              </a:rPr>
-              <a:t>통신 </a:t>
+              <a:t>로 통신 </a:t>
             </a:r>
             <a:r>
               <a:rPr lang="en-US" altLang="ko-KR" sz="2800" dirty="0" smtClean="0">
@@ -38786,27 +38584,7 @@
                 <a:latin typeface="소야논8" panose="02020603020101020101" pitchFamily="18" charset="-127"/>
                 <a:ea typeface="소야논8" panose="02020603020101020101" pitchFamily="18" charset="-127"/>
               </a:rPr>
-              <a:t>로그인 </a:t>
-            </a:r>
-            <a:r>
-              <a:rPr lang="ko-KR" altLang="en-US" sz="2800" dirty="0" smtClean="0">
-                <a:solidFill>
-                  <a:schemeClr val="bg1"/>
-                </a:solidFill>
-                <a:latin typeface="소야논8" panose="02020603020101020101" pitchFamily="18" charset="-127"/>
-                <a:ea typeface="소야논8" panose="02020603020101020101" pitchFamily="18" charset="-127"/>
-              </a:rPr>
-              <a:t>서버에게 받은 채널 목록에서 </a:t>
-            </a:r>
-            <a:r>
-              <a:rPr lang="ko-KR" altLang="en-US" sz="2800" dirty="0" smtClean="0">
-                <a:solidFill>
-                  <a:schemeClr val="bg1"/>
-                </a:solidFill>
-                <a:latin typeface="소야논8" panose="02020603020101020101" pitchFamily="18" charset="-127"/>
-                <a:ea typeface="소야논8" panose="02020603020101020101" pitchFamily="18" charset="-127"/>
-              </a:rPr>
-              <a:t>채널선택</a:t>
+              <a:t>로그인 서버에게 받은 채널 목록에서 채널선택</a:t>
             </a:r>
             <a:endParaRPr lang="ko-KR" altLang="en-US" sz="2800" dirty="0">
               <a:solidFill>

--- a/서버프로젝트.pptx
+++ b/서버프로젝트.pptx
@@ -11,47 +11,56 @@
     <p:sldMasterId id="2147483732" r:id="rId7"/>
     <p:sldMasterId id="2147483744" r:id="rId8"/>
     <p:sldMasterId id="2147483780" r:id="rId9"/>
+    <p:sldMasterId id="2147483792" r:id="rId10"/>
   </p:sldMasterIdLst>
+  <p:notesMasterIdLst>
+    <p:notesMasterId r:id="rId43"/>
+  </p:notesMasterIdLst>
   <p:sldIdLst>
-    <p:sldId id="256" r:id="rId10"/>
-    <p:sldId id="281" r:id="rId11"/>
-    <p:sldId id="269" r:id="rId12"/>
-    <p:sldId id="259" r:id="rId13"/>
-    <p:sldId id="280" r:id="rId14"/>
-    <p:sldId id="257" r:id="rId15"/>
-    <p:sldId id="260" r:id="rId16"/>
-    <p:sldId id="261" r:id="rId17"/>
-    <p:sldId id="262" r:id="rId18"/>
-    <p:sldId id="263" r:id="rId19"/>
-    <p:sldId id="282" r:id="rId20"/>
-    <p:sldId id="270" r:id="rId21"/>
-    <p:sldId id="265" r:id="rId22"/>
-    <p:sldId id="264" r:id="rId23"/>
-    <p:sldId id="283" r:id="rId24"/>
-    <p:sldId id="266" r:id="rId25"/>
-    <p:sldId id="284" r:id="rId26"/>
-    <p:sldId id="285" r:id="rId27"/>
-    <p:sldId id="286" r:id="rId28"/>
-    <p:sldId id="287" r:id="rId29"/>
-    <p:sldId id="267" r:id="rId30"/>
-    <p:sldId id="288" r:id="rId31"/>
-    <p:sldId id="268" r:id="rId32"/>
-    <p:sldId id="274" r:id="rId33"/>
-    <p:sldId id="271" r:id="rId34"/>
-    <p:sldId id="275" r:id="rId35"/>
-    <p:sldId id="278" r:id="rId36"/>
+    <p:sldId id="256" r:id="rId11"/>
+    <p:sldId id="281" r:id="rId12"/>
+    <p:sldId id="269" r:id="rId13"/>
+    <p:sldId id="259" r:id="rId14"/>
+    <p:sldId id="280" r:id="rId15"/>
+    <p:sldId id="257" r:id="rId16"/>
+    <p:sldId id="260" r:id="rId17"/>
+    <p:sldId id="261" r:id="rId18"/>
+    <p:sldId id="262" r:id="rId19"/>
+    <p:sldId id="263" r:id="rId20"/>
+    <p:sldId id="282" r:id="rId21"/>
+    <p:sldId id="270" r:id="rId22"/>
+    <p:sldId id="265" r:id="rId23"/>
+    <p:sldId id="264" r:id="rId24"/>
+    <p:sldId id="283" r:id="rId25"/>
+    <p:sldId id="266" r:id="rId26"/>
+    <p:sldId id="284" r:id="rId27"/>
+    <p:sldId id="285" r:id="rId28"/>
+    <p:sldId id="286" r:id="rId29"/>
+    <p:sldId id="287" r:id="rId30"/>
+    <p:sldId id="267" r:id="rId31"/>
+    <p:sldId id="288" r:id="rId32"/>
+    <p:sldId id="268" r:id="rId33"/>
+    <p:sldId id="274" r:id="rId34"/>
+    <p:sldId id="271" r:id="rId35"/>
+    <p:sldId id="290" r:id="rId36"/>
+    <p:sldId id="289" r:id="rId37"/>
+    <p:sldId id="291" r:id="rId38"/>
+    <p:sldId id="293" r:id="rId39"/>
+    <p:sldId id="292" r:id="rId40"/>
+    <p:sldId id="275" r:id="rId41"/>
+    <p:sldId id="278" r:id="rId42"/>
   </p:sldIdLst>
   <p:sldSz cx="9144000" cy="6858000" type="screen4x3"/>
   <p:notesSz cx="6858000" cy="9144000"/>
   <p:embeddedFontLst>
     <p:embeddedFont>
-      <p:font typeface="소야논8" panose="020B0600000101010101" charset="-127"/>
-      <p:regular r:id="rId37"/>
+      <p:font typeface="맑은 고딕" panose="020B0503020000020004" pitchFamily="50" charset="-127"/>
+      <p:regular r:id="rId44"/>
+      <p:bold r:id="rId45"/>
     </p:embeddedFont>
     <p:embeddedFont>
-      <p:font typeface="맑은 고딕" panose="020B0503020000020004" pitchFamily="50" charset="-127"/>
-      <p:regular r:id="rId38"/>
-      <p:bold r:id="rId39"/>
+      <p:font typeface="소야논8" panose="02020603020101020101" pitchFamily="18" charset="-127"/>
+      <p:regular r:id="rId46"/>
     </p:embeddedFont>
   </p:embeddedFontLst>
   <p:defaultTextStyle>
@@ -151,7 +160,7 @@
   </p:defaultTextStyle>
   <p:extLst>
     <p:ext uri="{EFAFB233-063F-42B5-8137-9DF3F51BA10A}">
-      <p15:sldGuideLst xmlns:p15="http://schemas.microsoft.com/office/powerpoint/2012/main">
+      <p15:sldGuideLst xmlns:p15="http://schemas.microsoft.com/office/powerpoint/2012/main" xmlns="">
         <p15:guide id="1" orient="horz" pos="2160">
           <p15:clr>
             <a:srgbClr val="A4A3A4"/>
@@ -166,6 +175,524 @@
     </p:ext>
   </p:extLst>
 </p:presentation>
+</file>
+
+<file path=ppt/notesMasters/notesMaster1.xml><?xml version="1.0" encoding="utf-8"?>
+<p:notesMaster xmlns:a="http://schemas.openxmlformats.org/drawingml/2006/main" xmlns:r="http://schemas.openxmlformats.org/officeDocument/2006/relationships" xmlns:p="http://schemas.openxmlformats.org/presentationml/2006/main">
+  <p:cSld>
+    <p:bg>
+      <p:bgRef idx="1001">
+        <a:schemeClr val="bg1"/>
+      </p:bgRef>
+    </p:bg>
+    <p:spTree>
+      <p:nvGrpSpPr>
+        <p:cNvPr id="1" name=""/>
+        <p:cNvGrpSpPr/>
+        <p:nvPr/>
+      </p:nvGrpSpPr>
+      <p:grpSpPr>
+        <a:xfrm>
+          <a:off x="0" y="0"/>
+          <a:ext cx="0" cy="0"/>
+          <a:chOff x="0" y="0"/>
+          <a:chExt cx="0" cy="0"/>
+        </a:xfrm>
+      </p:grpSpPr>
+      <p:sp>
+        <p:nvSpPr>
+          <p:cNvPr id="2" name="머리글 개체 틀 1"/>
+          <p:cNvSpPr>
+            <a:spLocks noGrp="1"/>
+          </p:cNvSpPr>
+          <p:nvPr>
+            <p:ph type="hdr" sz="quarter"/>
+          </p:nvPr>
+        </p:nvSpPr>
+        <p:spPr>
+          <a:xfrm>
+            <a:off x="0" y="0"/>
+            <a:ext cx="2971800" cy="457200"/>
+          </a:xfrm>
+          <a:prstGeom prst="rect">
+            <a:avLst/>
+          </a:prstGeom>
+        </p:spPr>
+        <p:txBody>
+          <a:bodyPr vert="horz" lIns="91440" tIns="45720" rIns="91440" bIns="45720" rtlCol="0"/>
+          <a:lstStyle>
+            <a:lvl1pPr algn="l">
+              <a:defRPr sz="1200"/>
+            </a:lvl1pPr>
+          </a:lstStyle>
+          <a:p>
+            <a:endParaRPr lang="ko-KR" altLang="en-US"/>
+          </a:p>
+        </p:txBody>
+      </p:sp>
+      <p:sp>
+        <p:nvSpPr>
+          <p:cNvPr id="3" name="날짜 개체 틀 2"/>
+          <p:cNvSpPr>
+            <a:spLocks noGrp="1"/>
+          </p:cNvSpPr>
+          <p:nvPr>
+            <p:ph type="dt" idx="1"/>
+          </p:nvPr>
+        </p:nvSpPr>
+        <p:spPr>
+          <a:xfrm>
+            <a:off x="3884613" y="0"/>
+            <a:ext cx="2971800" cy="457200"/>
+          </a:xfrm>
+          <a:prstGeom prst="rect">
+            <a:avLst/>
+          </a:prstGeom>
+        </p:spPr>
+        <p:txBody>
+          <a:bodyPr vert="horz" lIns="91440" tIns="45720" rIns="91440" bIns="45720" rtlCol="0"/>
+          <a:lstStyle>
+            <a:lvl1pPr algn="r">
+              <a:defRPr sz="1200"/>
+            </a:lvl1pPr>
+          </a:lstStyle>
+          <a:p>
+            <a:fld id="{430FBB3F-3482-45EC-A59E-708CAF8BDBF4}" type="datetimeFigureOut">
+              <a:rPr lang="ko-KR" altLang="en-US" smtClean="0"/>
+              <a:t>2016-09-07</a:t>
+            </a:fld>
+            <a:endParaRPr lang="ko-KR" altLang="en-US"/>
+          </a:p>
+        </p:txBody>
+      </p:sp>
+      <p:sp>
+        <p:nvSpPr>
+          <p:cNvPr id="4" name="슬라이드 이미지 개체 틀 3"/>
+          <p:cNvSpPr>
+            <a:spLocks noGrp="1" noRot="1" noChangeAspect="1"/>
+          </p:cNvSpPr>
+          <p:nvPr>
+            <p:ph type="sldImg" idx="2"/>
+          </p:nvPr>
+        </p:nvSpPr>
+        <p:spPr>
+          <a:xfrm>
+            <a:off x="1143000" y="685800"/>
+            <a:ext cx="4572000" cy="3429000"/>
+          </a:xfrm>
+          <a:prstGeom prst="rect">
+            <a:avLst/>
+          </a:prstGeom>
+          <a:noFill/>
+          <a:ln w="12700">
+            <a:solidFill>
+              <a:prstClr val="black"/>
+            </a:solidFill>
+          </a:ln>
+        </p:spPr>
+        <p:txBody>
+          <a:bodyPr vert="horz" lIns="91440" tIns="45720" rIns="91440" bIns="45720" rtlCol="0" anchor="ctr"/>
+          <a:lstStyle/>
+          <a:p>
+            <a:endParaRPr lang="ko-KR" altLang="en-US"/>
+          </a:p>
+        </p:txBody>
+      </p:sp>
+      <p:sp>
+        <p:nvSpPr>
+          <p:cNvPr id="5" name="슬라이드 노트 개체 틀 4"/>
+          <p:cNvSpPr>
+            <a:spLocks noGrp="1"/>
+          </p:cNvSpPr>
+          <p:nvPr>
+            <p:ph type="body" sz="quarter" idx="3"/>
+          </p:nvPr>
+        </p:nvSpPr>
+        <p:spPr>
+          <a:xfrm>
+            <a:off x="685800" y="4343400"/>
+            <a:ext cx="5486400" cy="4114800"/>
+          </a:xfrm>
+          <a:prstGeom prst="rect">
+            <a:avLst/>
+          </a:prstGeom>
+        </p:spPr>
+        <p:txBody>
+          <a:bodyPr vert="horz" lIns="91440" tIns="45720" rIns="91440" bIns="45720" rtlCol="0"/>
+          <a:lstStyle/>
+          <a:p>
+            <a:pPr lvl="0"/>
+            <a:r>
+              <a:rPr lang="ko-KR" altLang="en-US" smtClean="0"/>
+              <a:t>마스터 텍스트 스타일을 편집합니다</a:t>
+            </a:r>
+          </a:p>
+          <a:p>
+            <a:pPr lvl="1"/>
+            <a:r>
+              <a:rPr lang="ko-KR" altLang="en-US" smtClean="0"/>
+              <a:t>둘째 수준</a:t>
+            </a:r>
+          </a:p>
+          <a:p>
+            <a:pPr lvl="2"/>
+            <a:r>
+              <a:rPr lang="ko-KR" altLang="en-US" smtClean="0"/>
+              <a:t>셋째 수준</a:t>
+            </a:r>
+          </a:p>
+          <a:p>
+            <a:pPr lvl="3"/>
+            <a:r>
+              <a:rPr lang="ko-KR" altLang="en-US" smtClean="0"/>
+              <a:t>넷째 수준</a:t>
+            </a:r>
+          </a:p>
+          <a:p>
+            <a:pPr lvl="4"/>
+            <a:r>
+              <a:rPr lang="ko-KR" altLang="en-US" smtClean="0"/>
+              <a:t>다섯째 수준</a:t>
+            </a:r>
+            <a:endParaRPr lang="ko-KR" altLang="en-US"/>
+          </a:p>
+        </p:txBody>
+      </p:sp>
+      <p:sp>
+        <p:nvSpPr>
+          <p:cNvPr id="6" name="바닥글 개체 틀 5"/>
+          <p:cNvSpPr>
+            <a:spLocks noGrp="1"/>
+          </p:cNvSpPr>
+          <p:nvPr>
+            <p:ph type="ftr" sz="quarter" idx="4"/>
+          </p:nvPr>
+        </p:nvSpPr>
+        <p:spPr>
+          <a:xfrm>
+            <a:off x="0" y="8685213"/>
+            <a:ext cx="2971800" cy="457200"/>
+          </a:xfrm>
+          <a:prstGeom prst="rect">
+            <a:avLst/>
+          </a:prstGeom>
+        </p:spPr>
+        <p:txBody>
+          <a:bodyPr vert="horz" lIns="91440" tIns="45720" rIns="91440" bIns="45720" rtlCol="0" anchor="b"/>
+          <a:lstStyle>
+            <a:lvl1pPr algn="l">
+              <a:defRPr sz="1200"/>
+            </a:lvl1pPr>
+          </a:lstStyle>
+          <a:p>
+            <a:endParaRPr lang="ko-KR" altLang="en-US"/>
+          </a:p>
+        </p:txBody>
+      </p:sp>
+      <p:sp>
+        <p:nvSpPr>
+          <p:cNvPr id="7" name="슬라이드 번호 개체 틀 6"/>
+          <p:cNvSpPr>
+            <a:spLocks noGrp="1"/>
+          </p:cNvSpPr>
+          <p:nvPr>
+            <p:ph type="sldNum" sz="quarter" idx="5"/>
+          </p:nvPr>
+        </p:nvSpPr>
+        <p:spPr>
+          <a:xfrm>
+            <a:off x="3884613" y="8685213"/>
+            <a:ext cx="2971800" cy="457200"/>
+          </a:xfrm>
+          <a:prstGeom prst="rect">
+            <a:avLst/>
+          </a:prstGeom>
+        </p:spPr>
+        <p:txBody>
+          <a:bodyPr vert="horz" lIns="91440" tIns="45720" rIns="91440" bIns="45720" rtlCol="0" anchor="b"/>
+          <a:lstStyle>
+            <a:lvl1pPr algn="r">
+              <a:defRPr sz="1200"/>
+            </a:lvl1pPr>
+          </a:lstStyle>
+          <a:p>
+            <a:fld id="{7365F407-AC0D-4928-944A-EE8047EBBF50}" type="slidenum">
+              <a:rPr lang="ko-KR" altLang="en-US" smtClean="0"/>
+              <a:t>‹#›</a:t>
+            </a:fld>
+            <a:endParaRPr lang="ko-KR" altLang="en-US"/>
+          </a:p>
+        </p:txBody>
+      </p:sp>
+    </p:spTree>
+    <p:extLst>
+      <p:ext uri="{BB962C8B-B14F-4D97-AF65-F5344CB8AC3E}">
+        <p14:creationId xmlns:p14="http://schemas.microsoft.com/office/powerpoint/2010/main" val="2807323894"/>
+      </p:ext>
+    </p:extLst>
+  </p:cSld>
+  <p:clrMap bg1="lt1" tx1="dk1" bg2="lt2" tx2="dk2" accent1="accent1" accent2="accent2" accent3="accent3" accent4="accent4" accent5="accent5" accent6="accent6" hlink="hlink" folHlink="folHlink"/>
+  <p:notesStyle>
+    <a:lvl1pPr marL="0" algn="l" defTabSz="914400" rtl="0" eaLnBrk="1" latinLnBrk="1" hangingPunct="1">
+      <a:defRPr sz="1200" kern="1200">
+        <a:solidFill>
+          <a:schemeClr val="tx1"/>
+        </a:solidFill>
+        <a:latin typeface="+mn-lt"/>
+        <a:ea typeface="+mn-ea"/>
+        <a:cs typeface="+mn-cs"/>
+      </a:defRPr>
+    </a:lvl1pPr>
+    <a:lvl2pPr marL="457200" algn="l" defTabSz="914400" rtl="0" eaLnBrk="1" latinLnBrk="1" hangingPunct="1">
+      <a:defRPr sz="1200" kern="1200">
+        <a:solidFill>
+          <a:schemeClr val="tx1"/>
+        </a:solidFill>
+        <a:latin typeface="+mn-lt"/>
+        <a:ea typeface="+mn-ea"/>
+        <a:cs typeface="+mn-cs"/>
+      </a:defRPr>
+    </a:lvl2pPr>
+    <a:lvl3pPr marL="914400" algn="l" defTabSz="914400" rtl="0" eaLnBrk="1" latinLnBrk="1" hangingPunct="1">
+      <a:defRPr sz="1200" kern="1200">
+        <a:solidFill>
+          <a:schemeClr val="tx1"/>
+        </a:solidFill>
+        <a:latin typeface="+mn-lt"/>
+        <a:ea typeface="+mn-ea"/>
+        <a:cs typeface="+mn-cs"/>
+      </a:defRPr>
+    </a:lvl3pPr>
+    <a:lvl4pPr marL="1371600" algn="l" defTabSz="914400" rtl="0" eaLnBrk="1" latinLnBrk="1" hangingPunct="1">
+      <a:defRPr sz="1200" kern="1200">
+        <a:solidFill>
+          <a:schemeClr val="tx1"/>
+        </a:solidFill>
+        <a:latin typeface="+mn-lt"/>
+        <a:ea typeface="+mn-ea"/>
+        <a:cs typeface="+mn-cs"/>
+      </a:defRPr>
+    </a:lvl4pPr>
+    <a:lvl5pPr marL="1828800" algn="l" defTabSz="914400" rtl="0" eaLnBrk="1" latinLnBrk="1" hangingPunct="1">
+      <a:defRPr sz="1200" kern="1200">
+        <a:solidFill>
+          <a:schemeClr val="tx1"/>
+        </a:solidFill>
+        <a:latin typeface="+mn-lt"/>
+        <a:ea typeface="+mn-ea"/>
+        <a:cs typeface="+mn-cs"/>
+      </a:defRPr>
+    </a:lvl5pPr>
+    <a:lvl6pPr marL="2286000" algn="l" defTabSz="914400" rtl="0" eaLnBrk="1" latinLnBrk="1" hangingPunct="1">
+      <a:defRPr sz="1200" kern="1200">
+        <a:solidFill>
+          <a:schemeClr val="tx1"/>
+        </a:solidFill>
+        <a:latin typeface="+mn-lt"/>
+        <a:ea typeface="+mn-ea"/>
+        <a:cs typeface="+mn-cs"/>
+      </a:defRPr>
+    </a:lvl6pPr>
+    <a:lvl7pPr marL="2743200" algn="l" defTabSz="914400" rtl="0" eaLnBrk="1" latinLnBrk="1" hangingPunct="1">
+      <a:defRPr sz="1200" kern="1200">
+        <a:solidFill>
+          <a:schemeClr val="tx1"/>
+        </a:solidFill>
+        <a:latin typeface="+mn-lt"/>
+        <a:ea typeface="+mn-ea"/>
+        <a:cs typeface="+mn-cs"/>
+      </a:defRPr>
+    </a:lvl7pPr>
+    <a:lvl8pPr marL="3200400" algn="l" defTabSz="914400" rtl="0" eaLnBrk="1" latinLnBrk="1" hangingPunct="1">
+      <a:defRPr sz="1200" kern="1200">
+        <a:solidFill>
+          <a:schemeClr val="tx1"/>
+        </a:solidFill>
+        <a:latin typeface="+mn-lt"/>
+        <a:ea typeface="+mn-ea"/>
+        <a:cs typeface="+mn-cs"/>
+      </a:defRPr>
+    </a:lvl8pPr>
+    <a:lvl9pPr marL="3657600" algn="l" defTabSz="914400" rtl="0" eaLnBrk="1" latinLnBrk="1" hangingPunct="1">
+      <a:defRPr sz="1200" kern="1200">
+        <a:solidFill>
+          <a:schemeClr val="tx1"/>
+        </a:solidFill>
+        <a:latin typeface="+mn-lt"/>
+        <a:ea typeface="+mn-ea"/>
+        <a:cs typeface="+mn-cs"/>
+      </a:defRPr>
+    </a:lvl9pPr>
+  </p:notesStyle>
+</p:notesMaster>
+</file>
+
+<file path=ppt/notesSlides/notesSlide1.xml><?xml version="1.0" encoding="utf-8"?>
+<p:notes xmlns:a="http://schemas.openxmlformats.org/drawingml/2006/main" xmlns:r="http://schemas.openxmlformats.org/officeDocument/2006/relationships" xmlns:p="http://schemas.openxmlformats.org/presentationml/2006/main">
+  <p:cSld>
+    <p:spTree>
+      <p:nvGrpSpPr>
+        <p:cNvPr id="1" name=""/>
+        <p:cNvGrpSpPr/>
+        <p:nvPr/>
+      </p:nvGrpSpPr>
+      <p:grpSpPr>
+        <a:xfrm>
+          <a:off x="0" y="0"/>
+          <a:ext cx="0" cy="0"/>
+          <a:chOff x="0" y="0"/>
+          <a:chExt cx="0" cy="0"/>
+        </a:xfrm>
+      </p:grpSpPr>
+      <p:sp>
+        <p:nvSpPr>
+          <p:cNvPr id="2" name="슬라이드 이미지 개체 틀 1"/>
+          <p:cNvSpPr>
+            <a:spLocks noGrp="1" noRot="1" noChangeAspect="1"/>
+          </p:cNvSpPr>
+          <p:nvPr>
+            <p:ph type="sldImg"/>
+          </p:nvPr>
+        </p:nvSpPr>
+        <p:spPr/>
+      </p:sp>
+      <p:sp>
+        <p:nvSpPr>
+          <p:cNvPr id="3" name="슬라이드 노트 개체 틀 2"/>
+          <p:cNvSpPr>
+            <a:spLocks noGrp="1"/>
+          </p:cNvSpPr>
+          <p:nvPr>
+            <p:ph type="body" idx="1"/>
+          </p:nvPr>
+        </p:nvSpPr>
+        <p:spPr/>
+        <p:txBody>
+          <a:bodyPr/>
+          <a:lstStyle/>
+          <a:p>
+            <a:endParaRPr lang="ko-KR" altLang="en-US" dirty="0"/>
+          </a:p>
+        </p:txBody>
+      </p:sp>
+      <p:sp>
+        <p:nvSpPr>
+          <p:cNvPr id="4" name="슬라이드 번호 개체 틀 3"/>
+          <p:cNvSpPr>
+            <a:spLocks noGrp="1"/>
+          </p:cNvSpPr>
+          <p:nvPr>
+            <p:ph type="sldNum" sz="quarter" idx="10"/>
+          </p:nvPr>
+        </p:nvSpPr>
+        <p:spPr/>
+        <p:txBody>
+          <a:bodyPr/>
+          <a:lstStyle/>
+          <a:p>
+            <a:fld id="{7365F407-AC0D-4928-944A-EE8047EBBF50}" type="slidenum">
+              <a:rPr lang="ko-KR" altLang="en-US" smtClean="0"/>
+              <a:t>27</a:t>
+            </a:fld>
+            <a:endParaRPr lang="ko-KR" altLang="en-US"/>
+          </a:p>
+        </p:txBody>
+      </p:sp>
+    </p:spTree>
+    <p:extLst>
+      <p:ext uri="{BB962C8B-B14F-4D97-AF65-F5344CB8AC3E}">
+        <p14:creationId xmlns:p14="http://schemas.microsoft.com/office/powerpoint/2010/main" val="3334676656"/>
+      </p:ext>
+    </p:extLst>
+  </p:cSld>
+  <p:clrMapOvr>
+    <a:masterClrMapping/>
+  </p:clrMapOvr>
+</p:notes>
+</file>
+
+<file path=ppt/notesSlides/notesSlide2.xml><?xml version="1.0" encoding="utf-8"?>
+<p:notes xmlns:a="http://schemas.openxmlformats.org/drawingml/2006/main" xmlns:r="http://schemas.openxmlformats.org/officeDocument/2006/relationships" xmlns:p="http://schemas.openxmlformats.org/presentationml/2006/main">
+  <p:cSld>
+    <p:spTree>
+      <p:nvGrpSpPr>
+        <p:cNvPr id="1" name=""/>
+        <p:cNvGrpSpPr/>
+        <p:nvPr/>
+      </p:nvGrpSpPr>
+      <p:grpSpPr>
+        <a:xfrm>
+          <a:off x="0" y="0"/>
+          <a:ext cx="0" cy="0"/>
+          <a:chOff x="0" y="0"/>
+          <a:chExt cx="0" cy="0"/>
+        </a:xfrm>
+      </p:grpSpPr>
+      <p:sp>
+        <p:nvSpPr>
+          <p:cNvPr id="2" name="슬라이드 이미지 개체 틀 1"/>
+          <p:cNvSpPr>
+            <a:spLocks noGrp="1" noRot="1" noChangeAspect="1"/>
+          </p:cNvSpPr>
+          <p:nvPr>
+            <p:ph type="sldImg"/>
+          </p:nvPr>
+        </p:nvSpPr>
+        <p:spPr/>
+      </p:sp>
+      <p:sp>
+        <p:nvSpPr>
+          <p:cNvPr id="3" name="슬라이드 노트 개체 틀 2"/>
+          <p:cNvSpPr>
+            <a:spLocks noGrp="1"/>
+          </p:cNvSpPr>
+          <p:nvPr>
+            <p:ph type="body" idx="1"/>
+          </p:nvPr>
+        </p:nvSpPr>
+        <p:spPr/>
+        <p:txBody>
+          <a:bodyPr/>
+          <a:lstStyle/>
+          <a:p>
+            <a:endParaRPr lang="ko-KR" altLang="en-US" dirty="0"/>
+          </a:p>
+        </p:txBody>
+      </p:sp>
+      <p:sp>
+        <p:nvSpPr>
+          <p:cNvPr id="4" name="슬라이드 번호 개체 틀 3"/>
+          <p:cNvSpPr>
+            <a:spLocks noGrp="1"/>
+          </p:cNvSpPr>
+          <p:nvPr>
+            <p:ph type="sldNum" sz="quarter" idx="10"/>
+          </p:nvPr>
+        </p:nvSpPr>
+        <p:spPr/>
+        <p:txBody>
+          <a:bodyPr/>
+          <a:lstStyle/>
+          <a:p>
+            <a:fld id="{7365F407-AC0D-4928-944A-EE8047EBBF50}" type="slidenum">
+              <a:rPr lang="ko-KR" altLang="en-US" smtClean="0"/>
+              <a:t>29</a:t>
+            </a:fld>
+            <a:endParaRPr lang="ko-KR" altLang="en-US"/>
+          </a:p>
+        </p:txBody>
+      </p:sp>
+    </p:spTree>
+    <p:extLst>
+      <p:ext uri="{BB962C8B-B14F-4D97-AF65-F5344CB8AC3E}">
+        <p14:creationId xmlns:p14="http://schemas.microsoft.com/office/powerpoint/2010/main" val="3334676656"/>
+      </p:ext>
+    </p:extLst>
+  </p:cSld>
+  <p:clrMapOvr>
+    <a:masterClrMapping/>
+  </p:clrMapOvr>
+</p:notes>
 </file>
 
 <file path=ppt/slideLayouts/slideLayout1.xml><?xml version="1.0" encoding="utf-8"?>
@@ -580,6 +1107,2607 @@
 </p:sldLayout>
 </file>
 
+<file path=ppt/slideLayouts/slideLayout100.xml><?xml version="1.0" encoding="utf-8"?>
+<p:sldLayout xmlns:a="http://schemas.openxmlformats.org/drawingml/2006/main" xmlns:r="http://schemas.openxmlformats.org/officeDocument/2006/relationships" xmlns:p="http://schemas.openxmlformats.org/presentationml/2006/main" showMasterSp="0" type="title" preserve="1">
+  <p:cSld name="제목 슬라이드">
+    <p:spTree>
+      <p:nvGrpSpPr>
+        <p:cNvPr id="1" name=""/>
+        <p:cNvGrpSpPr/>
+        <p:nvPr/>
+      </p:nvGrpSpPr>
+      <p:grpSpPr>
+        <a:xfrm>
+          <a:off x="0" y="0"/>
+          <a:ext cx="0" cy="0"/>
+          <a:chOff x="0" y="0"/>
+          <a:chExt cx="0" cy="0"/>
+        </a:xfrm>
+      </p:grpSpPr>
+      <p:sp>
+        <p:nvSpPr>
+          <p:cNvPr id="2" name="제목 1"/>
+          <p:cNvSpPr>
+            <a:spLocks noGrp="1"/>
+          </p:cNvSpPr>
+          <p:nvPr>
+            <p:ph type="ctrTitle"/>
+          </p:nvPr>
+        </p:nvSpPr>
+        <p:spPr>
+          <a:xfrm>
+            <a:off x="685800" y="2130425"/>
+            <a:ext cx="7772400" cy="1470025"/>
+          </a:xfrm>
+        </p:spPr>
+        <p:txBody>
+          <a:bodyPr/>
+          <a:lstStyle/>
+          <a:p>
+            <a:r>
+              <a:rPr lang="ko-KR" altLang="en-US" smtClean="0"/>
+              <a:t>마스터 제목 스타일 편집</a:t>
+            </a:r>
+            <a:endParaRPr lang="ko-KR" altLang="en-US"/>
+          </a:p>
+        </p:txBody>
+      </p:sp>
+      <p:sp>
+        <p:nvSpPr>
+          <p:cNvPr id="3" name="부제목 2"/>
+          <p:cNvSpPr>
+            <a:spLocks noGrp="1"/>
+          </p:cNvSpPr>
+          <p:nvPr>
+            <p:ph type="subTitle" idx="1"/>
+          </p:nvPr>
+        </p:nvSpPr>
+        <p:spPr>
+          <a:xfrm>
+            <a:off x="1371600" y="3886200"/>
+            <a:ext cx="6400800" cy="1752600"/>
+          </a:xfrm>
+        </p:spPr>
+        <p:txBody>
+          <a:bodyPr/>
+          <a:lstStyle>
+            <a:lvl1pPr marL="0" indent="0" algn="ctr">
+              <a:buNone/>
+              <a:defRPr>
+                <a:solidFill>
+                  <a:schemeClr val="tx1">
+                    <a:tint val="75000"/>
+                  </a:schemeClr>
+                </a:solidFill>
+              </a:defRPr>
+            </a:lvl1pPr>
+            <a:lvl2pPr marL="457200" indent="0" algn="ctr">
+              <a:buNone/>
+              <a:defRPr>
+                <a:solidFill>
+                  <a:schemeClr val="tx1">
+                    <a:tint val="75000"/>
+                  </a:schemeClr>
+                </a:solidFill>
+              </a:defRPr>
+            </a:lvl2pPr>
+            <a:lvl3pPr marL="914400" indent="0" algn="ctr">
+              <a:buNone/>
+              <a:defRPr>
+                <a:solidFill>
+                  <a:schemeClr val="tx1">
+                    <a:tint val="75000"/>
+                  </a:schemeClr>
+                </a:solidFill>
+              </a:defRPr>
+            </a:lvl3pPr>
+            <a:lvl4pPr marL="1371600" indent="0" algn="ctr">
+              <a:buNone/>
+              <a:defRPr>
+                <a:solidFill>
+                  <a:schemeClr val="tx1">
+                    <a:tint val="75000"/>
+                  </a:schemeClr>
+                </a:solidFill>
+              </a:defRPr>
+            </a:lvl4pPr>
+            <a:lvl5pPr marL="1828800" indent="0" algn="ctr">
+              <a:buNone/>
+              <a:defRPr>
+                <a:solidFill>
+                  <a:schemeClr val="tx1">
+                    <a:tint val="75000"/>
+                  </a:schemeClr>
+                </a:solidFill>
+              </a:defRPr>
+            </a:lvl5pPr>
+            <a:lvl6pPr marL="2286000" indent="0" algn="ctr">
+              <a:buNone/>
+              <a:defRPr>
+                <a:solidFill>
+                  <a:schemeClr val="tx1">
+                    <a:tint val="75000"/>
+                  </a:schemeClr>
+                </a:solidFill>
+              </a:defRPr>
+            </a:lvl6pPr>
+            <a:lvl7pPr marL="2743200" indent="0" algn="ctr">
+              <a:buNone/>
+              <a:defRPr>
+                <a:solidFill>
+                  <a:schemeClr val="tx1">
+                    <a:tint val="75000"/>
+                  </a:schemeClr>
+                </a:solidFill>
+              </a:defRPr>
+            </a:lvl7pPr>
+            <a:lvl8pPr marL="3200400" indent="0" algn="ctr">
+              <a:buNone/>
+              <a:defRPr>
+                <a:solidFill>
+                  <a:schemeClr val="tx1">
+                    <a:tint val="75000"/>
+                  </a:schemeClr>
+                </a:solidFill>
+              </a:defRPr>
+            </a:lvl8pPr>
+            <a:lvl9pPr marL="3657600" indent="0" algn="ctr">
+              <a:buNone/>
+              <a:defRPr>
+                <a:solidFill>
+                  <a:schemeClr val="tx1">
+                    <a:tint val="75000"/>
+                  </a:schemeClr>
+                </a:solidFill>
+              </a:defRPr>
+            </a:lvl9pPr>
+          </a:lstStyle>
+          <a:p>
+            <a:r>
+              <a:rPr lang="ko-KR" altLang="en-US" smtClean="0"/>
+              <a:t>마스터 부제목 스타일 편집</a:t>
+            </a:r>
+            <a:endParaRPr lang="ko-KR" altLang="en-US"/>
+          </a:p>
+        </p:txBody>
+      </p:sp>
+      <p:sp>
+        <p:nvSpPr>
+          <p:cNvPr id="4" name="날짜 개체 틀 3"/>
+          <p:cNvSpPr>
+            <a:spLocks noGrp="1"/>
+          </p:cNvSpPr>
+          <p:nvPr>
+            <p:ph type="dt" sz="half" idx="10"/>
+          </p:nvPr>
+        </p:nvSpPr>
+        <p:spPr/>
+        <p:txBody>
+          <a:bodyPr/>
+          <a:lstStyle/>
+          <a:p>
+            <a:fld id="{F707E34C-A3BC-41D6-B8FA-2FD524A2DDB2}" type="datetimeFigureOut">
+              <a:rPr lang="ko-KR" altLang="en-US" smtClean="0">
+                <a:solidFill>
+                  <a:prstClr val="black">
+                    <a:tint val="75000"/>
+                  </a:prstClr>
+                </a:solidFill>
+              </a:rPr>
+              <a:pPr/>
+              <a:t>2016-09-07</a:t>
+            </a:fld>
+            <a:endParaRPr lang="ko-KR" altLang="en-US">
+              <a:solidFill>
+                <a:prstClr val="black">
+                  <a:tint val="75000"/>
+                </a:prstClr>
+              </a:solidFill>
+            </a:endParaRPr>
+          </a:p>
+        </p:txBody>
+      </p:sp>
+      <p:sp>
+        <p:nvSpPr>
+          <p:cNvPr id="5" name="바닥글 개체 틀 4"/>
+          <p:cNvSpPr>
+            <a:spLocks noGrp="1"/>
+          </p:cNvSpPr>
+          <p:nvPr>
+            <p:ph type="ftr" sz="quarter" idx="11"/>
+          </p:nvPr>
+        </p:nvSpPr>
+        <p:spPr/>
+        <p:txBody>
+          <a:bodyPr/>
+          <a:lstStyle/>
+          <a:p>
+            <a:endParaRPr lang="ko-KR" altLang="en-US">
+              <a:solidFill>
+                <a:prstClr val="black">
+                  <a:tint val="75000"/>
+                </a:prstClr>
+              </a:solidFill>
+            </a:endParaRPr>
+          </a:p>
+        </p:txBody>
+      </p:sp>
+      <p:sp>
+        <p:nvSpPr>
+          <p:cNvPr id="6" name="슬라이드 번호 개체 틀 5"/>
+          <p:cNvSpPr>
+            <a:spLocks noGrp="1"/>
+          </p:cNvSpPr>
+          <p:nvPr>
+            <p:ph type="sldNum" sz="quarter" idx="12"/>
+          </p:nvPr>
+        </p:nvSpPr>
+        <p:spPr/>
+        <p:txBody>
+          <a:bodyPr/>
+          <a:lstStyle/>
+          <a:p>
+            <a:fld id="{8B155CE1-4ABC-4771-99B0-8A36ABB1CF96}" type="slidenum">
+              <a:rPr lang="ko-KR" altLang="en-US" smtClean="0">
+                <a:solidFill>
+                  <a:prstClr val="black">
+                    <a:tint val="75000"/>
+                  </a:prstClr>
+                </a:solidFill>
+              </a:rPr>
+              <a:pPr/>
+              <a:t>‹#›</a:t>
+            </a:fld>
+            <a:endParaRPr lang="ko-KR" altLang="en-US">
+              <a:solidFill>
+                <a:prstClr val="black">
+                  <a:tint val="75000"/>
+                </a:prstClr>
+              </a:solidFill>
+            </a:endParaRPr>
+          </a:p>
+        </p:txBody>
+      </p:sp>
+    </p:spTree>
+    <p:extLst>
+      <p:ext uri="{BB962C8B-B14F-4D97-AF65-F5344CB8AC3E}">
+        <p14:creationId xmlns:p14="http://schemas.microsoft.com/office/powerpoint/2010/main" val="891588691"/>
+      </p:ext>
+    </p:extLst>
+  </p:cSld>
+  <p:clrMapOvr>
+    <a:masterClrMapping/>
+  </p:clrMapOvr>
+</p:sldLayout>
+</file>
+
+<file path=ppt/slideLayouts/slideLayout101.xml><?xml version="1.0" encoding="utf-8"?>
+<p:sldLayout xmlns:a="http://schemas.openxmlformats.org/drawingml/2006/main" xmlns:r="http://schemas.openxmlformats.org/officeDocument/2006/relationships" xmlns:p="http://schemas.openxmlformats.org/presentationml/2006/main" showMasterSp="0" type="obj" preserve="1">
+  <p:cSld name="제목 및 내용">
+    <p:spTree>
+      <p:nvGrpSpPr>
+        <p:cNvPr id="1" name=""/>
+        <p:cNvGrpSpPr/>
+        <p:nvPr/>
+      </p:nvGrpSpPr>
+      <p:grpSpPr>
+        <a:xfrm>
+          <a:off x="0" y="0"/>
+          <a:ext cx="0" cy="0"/>
+          <a:chOff x="0" y="0"/>
+          <a:chExt cx="0" cy="0"/>
+        </a:xfrm>
+      </p:grpSpPr>
+      <p:sp>
+        <p:nvSpPr>
+          <p:cNvPr id="2" name="제목 1"/>
+          <p:cNvSpPr>
+            <a:spLocks noGrp="1"/>
+          </p:cNvSpPr>
+          <p:nvPr>
+            <p:ph type="title"/>
+          </p:nvPr>
+        </p:nvSpPr>
+        <p:spPr/>
+        <p:txBody>
+          <a:bodyPr/>
+          <a:lstStyle/>
+          <a:p>
+            <a:r>
+              <a:rPr lang="ko-KR" altLang="en-US" smtClean="0"/>
+              <a:t>마스터 제목 스타일 편집</a:t>
+            </a:r>
+            <a:endParaRPr lang="ko-KR" altLang="en-US"/>
+          </a:p>
+        </p:txBody>
+      </p:sp>
+      <p:sp>
+        <p:nvSpPr>
+          <p:cNvPr id="3" name="내용 개체 틀 2"/>
+          <p:cNvSpPr>
+            <a:spLocks noGrp="1"/>
+          </p:cNvSpPr>
+          <p:nvPr>
+            <p:ph idx="1"/>
+          </p:nvPr>
+        </p:nvSpPr>
+        <p:spPr/>
+        <p:txBody>
+          <a:bodyPr/>
+          <a:lstStyle/>
+          <a:p>
+            <a:pPr lvl="0"/>
+            <a:r>
+              <a:rPr lang="ko-KR" altLang="en-US" smtClean="0"/>
+              <a:t>마스터 텍스트 스타일을 편집합니다</a:t>
+            </a:r>
+          </a:p>
+          <a:p>
+            <a:pPr lvl="1"/>
+            <a:r>
+              <a:rPr lang="ko-KR" altLang="en-US" smtClean="0"/>
+              <a:t>둘째 수준</a:t>
+            </a:r>
+          </a:p>
+          <a:p>
+            <a:pPr lvl="2"/>
+            <a:r>
+              <a:rPr lang="ko-KR" altLang="en-US" smtClean="0"/>
+              <a:t>셋째 수준</a:t>
+            </a:r>
+          </a:p>
+          <a:p>
+            <a:pPr lvl="3"/>
+            <a:r>
+              <a:rPr lang="ko-KR" altLang="en-US" smtClean="0"/>
+              <a:t>넷째 수준</a:t>
+            </a:r>
+          </a:p>
+          <a:p>
+            <a:pPr lvl="4"/>
+            <a:r>
+              <a:rPr lang="ko-KR" altLang="en-US" smtClean="0"/>
+              <a:t>다섯째 수준</a:t>
+            </a:r>
+            <a:endParaRPr lang="ko-KR" altLang="en-US"/>
+          </a:p>
+        </p:txBody>
+      </p:sp>
+      <p:sp>
+        <p:nvSpPr>
+          <p:cNvPr id="4" name="날짜 개체 틀 3"/>
+          <p:cNvSpPr>
+            <a:spLocks noGrp="1"/>
+          </p:cNvSpPr>
+          <p:nvPr>
+            <p:ph type="dt" sz="half" idx="10"/>
+          </p:nvPr>
+        </p:nvSpPr>
+        <p:spPr/>
+        <p:txBody>
+          <a:bodyPr/>
+          <a:lstStyle/>
+          <a:p>
+            <a:fld id="{F707E34C-A3BC-41D6-B8FA-2FD524A2DDB2}" type="datetimeFigureOut">
+              <a:rPr lang="ko-KR" altLang="en-US" smtClean="0">
+                <a:solidFill>
+                  <a:prstClr val="black">
+                    <a:tint val="75000"/>
+                  </a:prstClr>
+                </a:solidFill>
+              </a:rPr>
+              <a:pPr/>
+              <a:t>2016-09-07</a:t>
+            </a:fld>
+            <a:endParaRPr lang="ko-KR" altLang="en-US">
+              <a:solidFill>
+                <a:prstClr val="black">
+                  <a:tint val="75000"/>
+                </a:prstClr>
+              </a:solidFill>
+            </a:endParaRPr>
+          </a:p>
+        </p:txBody>
+      </p:sp>
+      <p:sp>
+        <p:nvSpPr>
+          <p:cNvPr id="5" name="바닥글 개체 틀 4"/>
+          <p:cNvSpPr>
+            <a:spLocks noGrp="1"/>
+          </p:cNvSpPr>
+          <p:nvPr>
+            <p:ph type="ftr" sz="quarter" idx="11"/>
+          </p:nvPr>
+        </p:nvSpPr>
+        <p:spPr/>
+        <p:txBody>
+          <a:bodyPr/>
+          <a:lstStyle/>
+          <a:p>
+            <a:endParaRPr lang="ko-KR" altLang="en-US">
+              <a:solidFill>
+                <a:prstClr val="black">
+                  <a:tint val="75000"/>
+                </a:prstClr>
+              </a:solidFill>
+            </a:endParaRPr>
+          </a:p>
+        </p:txBody>
+      </p:sp>
+      <p:sp>
+        <p:nvSpPr>
+          <p:cNvPr id="6" name="슬라이드 번호 개체 틀 5"/>
+          <p:cNvSpPr>
+            <a:spLocks noGrp="1"/>
+          </p:cNvSpPr>
+          <p:nvPr>
+            <p:ph type="sldNum" sz="quarter" idx="12"/>
+          </p:nvPr>
+        </p:nvSpPr>
+        <p:spPr/>
+        <p:txBody>
+          <a:bodyPr/>
+          <a:lstStyle/>
+          <a:p>
+            <a:fld id="{8B155CE1-4ABC-4771-99B0-8A36ABB1CF96}" type="slidenum">
+              <a:rPr lang="ko-KR" altLang="en-US" smtClean="0">
+                <a:solidFill>
+                  <a:prstClr val="black">
+                    <a:tint val="75000"/>
+                  </a:prstClr>
+                </a:solidFill>
+              </a:rPr>
+              <a:pPr/>
+              <a:t>‹#›</a:t>
+            </a:fld>
+            <a:endParaRPr lang="ko-KR" altLang="en-US">
+              <a:solidFill>
+                <a:prstClr val="black">
+                  <a:tint val="75000"/>
+                </a:prstClr>
+              </a:solidFill>
+            </a:endParaRPr>
+          </a:p>
+        </p:txBody>
+      </p:sp>
+    </p:spTree>
+    <p:extLst>
+      <p:ext uri="{BB962C8B-B14F-4D97-AF65-F5344CB8AC3E}">
+        <p14:creationId xmlns:p14="http://schemas.microsoft.com/office/powerpoint/2010/main" val="3442802609"/>
+      </p:ext>
+    </p:extLst>
+  </p:cSld>
+  <p:clrMapOvr>
+    <a:masterClrMapping/>
+  </p:clrMapOvr>
+</p:sldLayout>
+</file>
+
+<file path=ppt/slideLayouts/slideLayout102.xml><?xml version="1.0" encoding="utf-8"?>
+<p:sldLayout xmlns:a="http://schemas.openxmlformats.org/drawingml/2006/main" xmlns:r="http://schemas.openxmlformats.org/officeDocument/2006/relationships" xmlns:p="http://schemas.openxmlformats.org/presentationml/2006/main" showMasterSp="0" type="secHead" preserve="1">
+  <p:cSld name="구역 머리글">
+    <p:spTree>
+      <p:nvGrpSpPr>
+        <p:cNvPr id="1" name=""/>
+        <p:cNvGrpSpPr/>
+        <p:nvPr/>
+      </p:nvGrpSpPr>
+      <p:grpSpPr>
+        <a:xfrm>
+          <a:off x="0" y="0"/>
+          <a:ext cx="0" cy="0"/>
+          <a:chOff x="0" y="0"/>
+          <a:chExt cx="0" cy="0"/>
+        </a:xfrm>
+      </p:grpSpPr>
+      <p:sp>
+        <p:nvSpPr>
+          <p:cNvPr id="2" name="제목 1"/>
+          <p:cNvSpPr>
+            <a:spLocks noGrp="1"/>
+          </p:cNvSpPr>
+          <p:nvPr>
+            <p:ph type="title"/>
+          </p:nvPr>
+        </p:nvSpPr>
+        <p:spPr>
+          <a:xfrm>
+            <a:off x="722313" y="4406900"/>
+            <a:ext cx="7772400" cy="1362075"/>
+          </a:xfrm>
+        </p:spPr>
+        <p:txBody>
+          <a:bodyPr anchor="t"/>
+          <a:lstStyle>
+            <a:lvl1pPr algn="l">
+              <a:defRPr sz="4000" b="1" cap="all"/>
+            </a:lvl1pPr>
+          </a:lstStyle>
+          <a:p>
+            <a:r>
+              <a:rPr lang="ko-KR" altLang="en-US" smtClean="0"/>
+              <a:t>마스터 제목 스타일 편집</a:t>
+            </a:r>
+            <a:endParaRPr lang="ko-KR" altLang="en-US"/>
+          </a:p>
+        </p:txBody>
+      </p:sp>
+      <p:sp>
+        <p:nvSpPr>
+          <p:cNvPr id="3" name="텍스트 개체 틀 2"/>
+          <p:cNvSpPr>
+            <a:spLocks noGrp="1"/>
+          </p:cNvSpPr>
+          <p:nvPr>
+            <p:ph type="body" idx="1"/>
+          </p:nvPr>
+        </p:nvSpPr>
+        <p:spPr>
+          <a:xfrm>
+            <a:off x="722313" y="2906713"/>
+            <a:ext cx="7772400" cy="1500187"/>
+          </a:xfrm>
+        </p:spPr>
+        <p:txBody>
+          <a:bodyPr anchor="b"/>
+          <a:lstStyle>
+            <a:lvl1pPr marL="0" indent="0">
+              <a:buNone/>
+              <a:defRPr sz="2000">
+                <a:solidFill>
+                  <a:schemeClr val="tx1">
+                    <a:tint val="75000"/>
+                  </a:schemeClr>
+                </a:solidFill>
+              </a:defRPr>
+            </a:lvl1pPr>
+            <a:lvl2pPr marL="457200" indent="0">
+              <a:buNone/>
+              <a:defRPr sz="1800">
+                <a:solidFill>
+                  <a:schemeClr val="tx1">
+                    <a:tint val="75000"/>
+                  </a:schemeClr>
+                </a:solidFill>
+              </a:defRPr>
+            </a:lvl2pPr>
+            <a:lvl3pPr marL="914400" indent="0">
+              <a:buNone/>
+              <a:defRPr sz="1600">
+                <a:solidFill>
+                  <a:schemeClr val="tx1">
+                    <a:tint val="75000"/>
+                  </a:schemeClr>
+                </a:solidFill>
+              </a:defRPr>
+            </a:lvl3pPr>
+            <a:lvl4pPr marL="1371600" indent="0">
+              <a:buNone/>
+              <a:defRPr sz="1400">
+                <a:solidFill>
+                  <a:schemeClr val="tx1">
+                    <a:tint val="75000"/>
+                  </a:schemeClr>
+                </a:solidFill>
+              </a:defRPr>
+            </a:lvl4pPr>
+            <a:lvl5pPr marL="1828800" indent="0">
+              <a:buNone/>
+              <a:defRPr sz="1400">
+                <a:solidFill>
+                  <a:schemeClr val="tx1">
+                    <a:tint val="75000"/>
+                  </a:schemeClr>
+                </a:solidFill>
+              </a:defRPr>
+            </a:lvl5pPr>
+            <a:lvl6pPr marL="2286000" indent="0">
+              <a:buNone/>
+              <a:defRPr sz="1400">
+                <a:solidFill>
+                  <a:schemeClr val="tx1">
+                    <a:tint val="75000"/>
+                  </a:schemeClr>
+                </a:solidFill>
+              </a:defRPr>
+            </a:lvl6pPr>
+            <a:lvl7pPr marL="2743200" indent="0">
+              <a:buNone/>
+              <a:defRPr sz="1400">
+                <a:solidFill>
+                  <a:schemeClr val="tx1">
+                    <a:tint val="75000"/>
+                  </a:schemeClr>
+                </a:solidFill>
+              </a:defRPr>
+            </a:lvl7pPr>
+            <a:lvl8pPr marL="3200400" indent="0">
+              <a:buNone/>
+              <a:defRPr sz="1400">
+                <a:solidFill>
+                  <a:schemeClr val="tx1">
+                    <a:tint val="75000"/>
+                  </a:schemeClr>
+                </a:solidFill>
+              </a:defRPr>
+            </a:lvl8pPr>
+            <a:lvl9pPr marL="3657600" indent="0">
+              <a:buNone/>
+              <a:defRPr sz="1400">
+                <a:solidFill>
+                  <a:schemeClr val="tx1">
+                    <a:tint val="75000"/>
+                  </a:schemeClr>
+                </a:solidFill>
+              </a:defRPr>
+            </a:lvl9pPr>
+          </a:lstStyle>
+          <a:p>
+            <a:pPr lvl="0"/>
+            <a:r>
+              <a:rPr lang="ko-KR" altLang="en-US" smtClean="0"/>
+              <a:t>마스터 텍스트 스타일을 편집합니다</a:t>
+            </a:r>
+          </a:p>
+        </p:txBody>
+      </p:sp>
+      <p:sp>
+        <p:nvSpPr>
+          <p:cNvPr id="4" name="날짜 개체 틀 3"/>
+          <p:cNvSpPr>
+            <a:spLocks noGrp="1"/>
+          </p:cNvSpPr>
+          <p:nvPr>
+            <p:ph type="dt" sz="half" idx="10"/>
+          </p:nvPr>
+        </p:nvSpPr>
+        <p:spPr/>
+        <p:txBody>
+          <a:bodyPr/>
+          <a:lstStyle/>
+          <a:p>
+            <a:fld id="{F707E34C-A3BC-41D6-B8FA-2FD524A2DDB2}" type="datetimeFigureOut">
+              <a:rPr lang="ko-KR" altLang="en-US" smtClean="0">
+                <a:solidFill>
+                  <a:prstClr val="black">
+                    <a:tint val="75000"/>
+                  </a:prstClr>
+                </a:solidFill>
+              </a:rPr>
+              <a:pPr/>
+              <a:t>2016-09-07</a:t>
+            </a:fld>
+            <a:endParaRPr lang="ko-KR" altLang="en-US">
+              <a:solidFill>
+                <a:prstClr val="black">
+                  <a:tint val="75000"/>
+                </a:prstClr>
+              </a:solidFill>
+            </a:endParaRPr>
+          </a:p>
+        </p:txBody>
+      </p:sp>
+      <p:sp>
+        <p:nvSpPr>
+          <p:cNvPr id="5" name="바닥글 개체 틀 4"/>
+          <p:cNvSpPr>
+            <a:spLocks noGrp="1"/>
+          </p:cNvSpPr>
+          <p:nvPr>
+            <p:ph type="ftr" sz="quarter" idx="11"/>
+          </p:nvPr>
+        </p:nvSpPr>
+        <p:spPr/>
+        <p:txBody>
+          <a:bodyPr/>
+          <a:lstStyle/>
+          <a:p>
+            <a:endParaRPr lang="ko-KR" altLang="en-US">
+              <a:solidFill>
+                <a:prstClr val="black">
+                  <a:tint val="75000"/>
+                </a:prstClr>
+              </a:solidFill>
+            </a:endParaRPr>
+          </a:p>
+        </p:txBody>
+      </p:sp>
+      <p:sp>
+        <p:nvSpPr>
+          <p:cNvPr id="6" name="슬라이드 번호 개체 틀 5"/>
+          <p:cNvSpPr>
+            <a:spLocks noGrp="1"/>
+          </p:cNvSpPr>
+          <p:nvPr>
+            <p:ph type="sldNum" sz="quarter" idx="12"/>
+          </p:nvPr>
+        </p:nvSpPr>
+        <p:spPr/>
+        <p:txBody>
+          <a:bodyPr/>
+          <a:lstStyle/>
+          <a:p>
+            <a:fld id="{8B155CE1-4ABC-4771-99B0-8A36ABB1CF96}" type="slidenum">
+              <a:rPr lang="ko-KR" altLang="en-US" smtClean="0">
+                <a:solidFill>
+                  <a:prstClr val="black">
+                    <a:tint val="75000"/>
+                  </a:prstClr>
+                </a:solidFill>
+              </a:rPr>
+              <a:pPr/>
+              <a:t>‹#›</a:t>
+            </a:fld>
+            <a:endParaRPr lang="ko-KR" altLang="en-US">
+              <a:solidFill>
+                <a:prstClr val="black">
+                  <a:tint val="75000"/>
+                </a:prstClr>
+              </a:solidFill>
+            </a:endParaRPr>
+          </a:p>
+        </p:txBody>
+      </p:sp>
+    </p:spTree>
+    <p:extLst>
+      <p:ext uri="{BB962C8B-B14F-4D97-AF65-F5344CB8AC3E}">
+        <p14:creationId xmlns:p14="http://schemas.microsoft.com/office/powerpoint/2010/main" val="1234944114"/>
+      </p:ext>
+    </p:extLst>
+  </p:cSld>
+  <p:clrMapOvr>
+    <a:masterClrMapping/>
+  </p:clrMapOvr>
+</p:sldLayout>
+</file>
+
+<file path=ppt/slideLayouts/slideLayout103.xml><?xml version="1.0" encoding="utf-8"?>
+<p:sldLayout xmlns:a="http://schemas.openxmlformats.org/drawingml/2006/main" xmlns:r="http://schemas.openxmlformats.org/officeDocument/2006/relationships" xmlns:p="http://schemas.openxmlformats.org/presentationml/2006/main" showMasterSp="0" type="twoObj" preserve="1">
+  <p:cSld name="콘텐츠 2개">
+    <p:spTree>
+      <p:nvGrpSpPr>
+        <p:cNvPr id="1" name=""/>
+        <p:cNvGrpSpPr/>
+        <p:nvPr/>
+      </p:nvGrpSpPr>
+      <p:grpSpPr>
+        <a:xfrm>
+          <a:off x="0" y="0"/>
+          <a:ext cx="0" cy="0"/>
+          <a:chOff x="0" y="0"/>
+          <a:chExt cx="0" cy="0"/>
+        </a:xfrm>
+      </p:grpSpPr>
+      <p:sp>
+        <p:nvSpPr>
+          <p:cNvPr id="2" name="제목 1"/>
+          <p:cNvSpPr>
+            <a:spLocks noGrp="1"/>
+          </p:cNvSpPr>
+          <p:nvPr>
+            <p:ph type="title"/>
+          </p:nvPr>
+        </p:nvSpPr>
+        <p:spPr/>
+        <p:txBody>
+          <a:bodyPr/>
+          <a:lstStyle/>
+          <a:p>
+            <a:r>
+              <a:rPr lang="ko-KR" altLang="en-US" smtClean="0"/>
+              <a:t>마스터 제목 스타일 편집</a:t>
+            </a:r>
+            <a:endParaRPr lang="ko-KR" altLang="en-US"/>
+          </a:p>
+        </p:txBody>
+      </p:sp>
+      <p:sp>
+        <p:nvSpPr>
+          <p:cNvPr id="3" name="내용 개체 틀 2"/>
+          <p:cNvSpPr>
+            <a:spLocks noGrp="1"/>
+          </p:cNvSpPr>
+          <p:nvPr>
+            <p:ph sz="half" idx="1"/>
+          </p:nvPr>
+        </p:nvSpPr>
+        <p:spPr>
+          <a:xfrm>
+            <a:off x="457200" y="1600200"/>
+            <a:ext cx="4038600" cy="4525963"/>
+          </a:xfrm>
+        </p:spPr>
+        <p:txBody>
+          <a:bodyPr/>
+          <a:lstStyle>
+            <a:lvl1pPr>
+              <a:defRPr sz="2800"/>
+            </a:lvl1pPr>
+            <a:lvl2pPr>
+              <a:defRPr sz="2400"/>
+            </a:lvl2pPr>
+            <a:lvl3pPr>
+              <a:defRPr sz="2000"/>
+            </a:lvl3pPr>
+            <a:lvl4pPr>
+              <a:defRPr sz="1800"/>
+            </a:lvl4pPr>
+            <a:lvl5pPr>
+              <a:defRPr sz="1800"/>
+            </a:lvl5pPr>
+            <a:lvl6pPr>
+              <a:defRPr sz="1800"/>
+            </a:lvl6pPr>
+            <a:lvl7pPr>
+              <a:defRPr sz="1800"/>
+            </a:lvl7pPr>
+            <a:lvl8pPr>
+              <a:defRPr sz="1800"/>
+            </a:lvl8pPr>
+            <a:lvl9pPr>
+              <a:defRPr sz="1800"/>
+            </a:lvl9pPr>
+          </a:lstStyle>
+          <a:p>
+            <a:pPr lvl="0"/>
+            <a:r>
+              <a:rPr lang="ko-KR" altLang="en-US" smtClean="0"/>
+              <a:t>마스터 텍스트 스타일을 편집합니다</a:t>
+            </a:r>
+          </a:p>
+          <a:p>
+            <a:pPr lvl="1"/>
+            <a:r>
+              <a:rPr lang="ko-KR" altLang="en-US" smtClean="0"/>
+              <a:t>둘째 수준</a:t>
+            </a:r>
+          </a:p>
+          <a:p>
+            <a:pPr lvl="2"/>
+            <a:r>
+              <a:rPr lang="ko-KR" altLang="en-US" smtClean="0"/>
+              <a:t>셋째 수준</a:t>
+            </a:r>
+          </a:p>
+          <a:p>
+            <a:pPr lvl="3"/>
+            <a:r>
+              <a:rPr lang="ko-KR" altLang="en-US" smtClean="0"/>
+              <a:t>넷째 수준</a:t>
+            </a:r>
+          </a:p>
+          <a:p>
+            <a:pPr lvl="4"/>
+            <a:r>
+              <a:rPr lang="ko-KR" altLang="en-US" smtClean="0"/>
+              <a:t>다섯째 수준</a:t>
+            </a:r>
+            <a:endParaRPr lang="ko-KR" altLang="en-US"/>
+          </a:p>
+        </p:txBody>
+      </p:sp>
+      <p:sp>
+        <p:nvSpPr>
+          <p:cNvPr id="4" name="내용 개체 틀 3"/>
+          <p:cNvSpPr>
+            <a:spLocks noGrp="1"/>
+          </p:cNvSpPr>
+          <p:nvPr>
+            <p:ph sz="half" idx="2"/>
+          </p:nvPr>
+        </p:nvSpPr>
+        <p:spPr>
+          <a:xfrm>
+            <a:off x="4648200" y="1600200"/>
+            <a:ext cx="4038600" cy="4525963"/>
+          </a:xfrm>
+        </p:spPr>
+        <p:txBody>
+          <a:bodyPr/>
+          <a:lstStyle>
+            <a:lvl1pPr>
+              <a:defRPr sz="2800"/>
+            </a:lvl1pPr>
+            <a:lvl2pPr>
+              <a:defRPr sz="2400"/>
+            </a:lvl2pPr>
+            <a:lvl3pPr>
+              <a:defRPr sz="2000"/>
+            </a:lvl3pPr>
+            <a:lvl4pPr>
+              <a:defRPr sz="1800"/>
+            </a:lvl4pPr>
+            <a:lvl5pPr>
+              <a:defRPr sz="1800"/>
+            </a:lvl5pPr>
+            <a:lvl6pPr>
+              <a:defRPr sz="1800"/>
+            </a:lvl6pPr>
+            <a:lvl7pPr>
+              <a:defRPr sz="1800"/>
+            </a:lvl7pPr>
+            <a:lvl8pPr>
+              <a:defRPr sz="1800"/>
+            </a:lvl8pPr>
+            <a:lvl9pPr>
+              <a:defRPr sz="1800"/>
+            </a:lvl9pPr>
+          </a:lstStyle>
+          <a:p>
+            <a:pPr lvl="0"/>
+            <a:r>
+              <a:rPr lang="ko-KR" altLang="en-US" smtClean="0"/>
+              <a:t>마스터 텍스트 스타일을 편집합니다</a:t>
+            </a:r>
+          </a:p>
+          <a:p>
+            <a:pPr lvl="1"/>
+            <a:r>
+              <a:rPr lang="ko-KR" altLang="en-US" smtClean="0"/>
+              <a:t>둘째 수준</a:t>
+            </a:r>
+          </a:p>
+          <a:p>
+            <a:pPr lvl="2"/>
+            <a:r>
+              <a:rPr lang="ko-KR" altLang="en-US" smtClean="0"/>
+              <a:t>셋째 수준</a:t>
+            </a:r>
+          </a:p>
+          <a:p>
+            <a:pPr lvl="3"/>
+            <a:r>
+              <a:rPr lang="ko-KR" altLang="en-US" smtClean="0"/>
+              <a:t>넷째 수준</a:t>
+            </a:r>
+          </a:p>
+          <a:p>
+            <a:pPr lvl="4"/>
+            <a:r>
+              <a:rPr lang="ko-KR" altLang="en-US" smtClean="0"/>
+              <a:t>다섯째 수준</a:t>
+            </a:r>
+            <a:endParaRPr lang="ko-KR" altLang="en-US"/>
+          </a:p>
+        </p:txBody>
+      </p:sp>
+      <p:sp>
+        <p:nvSpPr>
+          <p:cNvPr id="5" name="날짜 개체 틀 4"/>
+          <p:cNvSpPr>
+            <a:spLocks noGrp="1"/>
+          </p:cNvSpPr>
+          <p:nvPr>
+            <p:ph type="dt" sz="half" idx="10"/>
+          </p:nvPr>
+        </p:nvSpPr>
+        <p:spPr/>
+        <p:txBody>
+          <a:bodyPr/>
+          <a:lstStyle/>
+          <a:p>
+            <a:fld id="{F707E34C-A3BC-41D6-B8FA-2FD524A2DDB2}" type="datetimeFigureOut">
+              <a:rPr lang="ko-KR" altLang="en-US" smtClean="0">
+                <a:solidFill>
+                  <a:prstClr val="black">
+                    <a:tint val="75000"/>
+                  </a:prstClr>
+                </a:solidFill>
+              </a:rPr>
+              <a:pPr/>
+              <a:t>2016-09-07</a:t>
+            </a:fld>
+            <a:endParaRPr lang="ko-KR" altLang="en-US">
+              <a:solidFill>
+                <a:prstClr val="black">
+                  <a:tint val="75000"/>
+                </a:prstClr>
+              </a:solidFill>
+            </a:endParaRPr>
+          </a:p>
+        </p:txBody>
+      </p:sp>
+      <p:sp>
+        <p:nvSpPr>
+          <p:cNvPr id="6" name="바닥글 개체 틀 5"/>
+          <p:cNvSpPr>
+            <a:spLocks noGrp="1"/>
+          </p:cNvSpPr>
+          <p:nvPr>
+            <p:ph type="ftr" sz="quarter" idx="11"/>
+          </p:nvPr>
+        </p:nvSpPr>
+        <p:spPr/>
+        <p:txBody>
+          <a:bodyPr/>
+          <a:lstStyle/>
+          <a:p>
+            <a:endParaRPr lang="ko-KR" altLang="en-US">
+              <a:solidFill>
+                <a:prstClr val="black">
+                  <a:tint val="75000"/>
+                </a:prstClr>
+              </a:solidFill>
+            </a:endParaRPr>
+          </a:p>
+        </p:txBody>
+      </p:sp>
+      <p:sp>
+        <p:nvSpPr>
+          <p:cNvPr id="7" name="슬라이드 번호 개체 틀 6"/>
+          <p:cNvSpPr>
+            <a:spLocks noGrp="1"/>
+          </p:cNvSpPr>
+          <p:nvPr>
+            <p:ph type="sldNum" sz="quarter" idx="12"/>
+          </p:nvPr>
+        </p:nvSpPr>
+        <p:spPr/>
+        <p:txBody>
+          <a:bodyPr/>
+          <a:lstStyle/>
+          <a:p>
+            <a:fld id="{8B155CE1-4ABC-4771-99B0-8A36ABB1CF96}" type="slidenum">
+              <a:rPr lang="ko-KR" altLang="en-US" smtClean="0">
+                <a:solidFill>
+                  <a:prstClr val="black">
+                    <a:tint val="75000"/>
+                  </a:prstClr>
+                </a:solidFill>
+              </a:rPr>
+              <a:pPr/>
+              <a:t>‹#›</a:t>
+            </a:fld>
+            <a:endParaRPr lang="ko-KR" altLang="en-US">
+              <a:solidFill>
+                <a:prstClr val="black">
+                  <a:tint val="75000"/>
+                </a:prstClr>
+              </a:solidFill>
+            </a:endParaRPr>
+          </a:p>
+        </p:txBody>
+      </p:sp>
+    </p:spTree>
+    <p:extLst>
+      <p:ext uri="{BB962C8B-B14F-4D97-AF65-F5344CB8AC3E}">
+        <p14:creationId xmlns:p14="http://schemas.microsoft.com/office/powerpoint/2010/main" val="3944511817"/>
+      </p:ext>
+    </p:extLst>
+  </p:cSld>
+  <p:clrMapOvr>
+    <a:masterClrMapping/>
+  </p:clrMapOvr>
+</p:sldLayout>
+</file>
+
+<file path=ppt/slideLayouts/slideLayout104.xml><?xml version="1.0" encoding="utf-8"?>
+<p:sldLayout xmlns:a="http://schemas.openxmlformats.org/drawingml/2006/main" xmlns:r="http://schemas.openxmlformats.org/officeDocument/2006/relationships" xmlns:p="http://schemas.openxmlformats.org/presentationml/2006/main" showMasterSp="0" type="twoTxTwoObj" preserve="1">
+  <p:cSld name="비교">
+    <p:spTree>
+      <p:nvGrpSpPr>
+        <p:cNvPr id="1" name=""/>
+        <p:cNvGrpSpPr/>
+        <p:nvPr/>
+      </p:nvGrpSpPr>
+      <p:grpSpPr>
+        <a:xfrm>
+          <a:off x="0" y="0"/>
+          <a:ext cx="0" cy="0"/>
+          <a:chOff x="0" y="0"/>
+          <a:chExt cx="0" cy="0"/>
+        </a:xfrm>
+      </p:grpSpPr>
+      <p:sp>
+        <p:nvSpPr>
+          <p:cNvPr id="2" name="제목 1"/>
+          <p:cNvSpPr>
+            <a:spLocks noGrp="1"/>
+          </p:cNvSpPr>
+          <p:nvPr>
+            <p:ph type="title"/>
+          </p:nvPr>
+        </p:nvSpPr>
+        <p:spPr/>
+        <p:txBody>
+          <a:bodyPr/>
+          <a:lstStyle>
+            <a:lvl1pPr>
+              <a:defRPr/>
+            </a:lvl1pPr>
+          </a:lstStyle>
+          <a:p>
+            <a:r>
+              <a:rPr lang="ko-KR" altLang="en-US" smtClean="0"/>
+              <a:t>마스터 제목 스타일 편집</a:t>
+            </a:r>
+            <a:endParaRPr lang="ko-KR" altLang="en-US"/>
+          </a:p>
+        </p:txBody>
+      </p:sp>
+      <p:sp>
+        <p:nvSpPr>
+          <p:cNvPr id="3" name="텍스트 개체 틀 2"/>
+          <p:cNvSpPr>
+            <a:spLocks noGrp="1"/>
+          </p:cNvSpPr>
+          <p:nvPr>
+            <p:ph type="body" idx="1"/>
+          </p:nvPr>
+        </p:nvSpPr>
+        <p:spPr>
+          <a:xfrm>
+            <a:off x="457200" y="1535113"/>
+            <a:ext cx="4040188" cy="639762"/>
+          </a:xfrm>
+        </p:spPr>
+        <p:txBody>
+          <a:bodyPr anchor="b"/>
+          <a:lstStyle>
+            <a:lvl1pPr marL="0" indent="0">
+              <a:buNone/>
+              <a:defRPr sz="2400" b="1"/>
+            </a:lvl1pPr>
+            <a:lvl2pPr marL="457200" indent="0">
+              <a:buNone/>
+              <a:defRPr sz="2000" b="1"/>
+            </a:lvl2pPr>
+            <a:lvl3pPr marL="914400" indent="0">
+              <a:buNone/>
+              <a:defRPr sz="1800" b="1"/>
+            </a:lvl3pPr>
+            <a:lvl4pPr marL="1371600" indent="0">
+              <a:buNone/>
+              <a:defRPr sz="1600" b="1"/>
+            </a:lvl4pPr>
+            <a:lvl5pPr marL="1828800" indent="0">
+              <a:buNone/>
+              <a:defRPr sz="1600" b="1"/>
+            </a:lvl5pPr>
+            <a:lvl6pPr marL="2286000" indent="0">
+              <a:buNone/>
+              <a:defRPr sz="1600" b="1"/>
+            </a:lvl6pPr>
+            <a:lvl7pPr marL="2743200" indent="0">
+              <a:buNone/>
+              <a:defRPr sz="1600" b="1"/>
+            </a:lvl7pPr>
+            <a:lvl8pPr marL="3200400" indent="0">
+              <a:buNone/>
+              <a:defRPr sz="1600" b="1"/>
+            </a:lvl8pPr>
+            <a:lvl9pPr marL="3657600" indent="0">
+              <a:buNone/>
+              <a:defRPr sz="1600" b="1"/>
+            </a:lvl9pPr>
+          </a:lstStyle>
+          <a:p>
+            <a:pPr lvl="0"/>
+            <a:r>
+              <a:rPr lang="ko-KR" altLang="en-US" smtClean="0"/>
+              <a:t>마스터 텍스트 스타일을 편집합니다</a:t>
+            </a:r>
+          </a:p>
+        </p:txBody>
+      </p:sp>
+      <p:sp>
+        <p:nvSpPr>
+          <p:cNvPr id="4" name="내용 개체 틀 3"/>
+          <p:cNvSpPr>
+            <a:spLocks noGrp="1"/>
+          </p:cNvSpPr>
+          <p:nvPr>
+            <p:ph sz="half" idx="2"/>
+          </p:nvPr>
+        </p:nvSpPr>
+        <p:spPr>
+          <a:xfrm>
+            <a:off x="457200" y="2174875"/>
+            <a:ext cx="4040188" cy="3951288"/>
+          </a:xfrm>
+        </p:spPr>
+        <p:txBody>
+          <a:bodyPr/>
+          <a:lstStyle>
+            <a:lvl1pPr>
+              <a:defRPr sz="2400"/>
+            </a:lvl1pPr>
+            <a:lvl2pPr>
+              <a:defRPr sz="2000"/>
+            </a:lvl2pPr>
+            <a:lvl3pPr>
+              <a:defRPr sz="1800"/>
+            </a:lvl3pPr>
+            <a:lvl4pPr>
+              <a:defRPr sz="1600"/>
+            </a:lvl4pPr>
+            <a:lvl5pPr>
+              <a:defRPr sz="1600"/>
+            </a:lvl5pPr>
+            <a:lvl6pPr>
+              <a:defRPr sz="1600"/>
+            </a:lvl6pPr>
+            <a:lvl7pPr>
+              <a:defRPr sz="1600"/>
+            </a:lvl7pPr>
+            <a:lvl8pPr>
+              <a:defRPr sz="1600"/>
+            </a:lvl8pPr>
+            <a:lvl9pPr>
+              <a:defRPr sz="1600"/>
+            </a:lvl9pPr>
+          </a:lstStyle>
+          <a:p>
+            <a:pPr lvl="0"/>
+            <a:r>
+              <a:rPr lang="ko-KR" altLang="en-US" smtClean="0"/>
+              <a:t>마스터 텍스트 스타일을 편집합니다</a:t>
+            </a:r>
+          </a:p>
+          <a:p>
+            <a:pPr lvl="1"/>
+            <a:r>
+              <a:rPr lang="ko-KR" altLang="en-US" smtClean="0"/>
+              <a:t>둘째 수준</a:t>
+            </a:r>
+          </a:p>
+          <a:p>
+            <a:pPr lvl="2"/>
+            <a:r>
+              <a:rPr lang="ko-KR" altLang="en-US" smtClean="0"/>
+              <a:t>셋째 수준</a:t>
+            </a:r>
+          </a:p>
+          <a:p>
+            <a:pPr lvl="3"/>
+            <a:r>
+              <a:rPr lang="ko-KR" altLang="en-US" smtClean="0"/>
+              <a:t>넷째 수준</a:t>
+            </a:r>
+          </a:p>
+          <a:p>
+            <a:pPr lvl="4"/>
+            <a:r>
+              <a:rPr lang="ko-KR" altLang="en-US" smtClean="0"/>
+              <a:t>다섯째 수준</a:t>
+            </a:r>
+            <a:endParaRPr lang="ko-KR" altLang="en-US"/>
+          </a:p>
+        </p:txBody>
+      </p:sp>
+      <p:sp>
+        <p:nvSpPr>
+          <p:cNvPr id="5" name="텍스트 개체 틀 4"/>
+          <p:cNvSpPr>
+            <a:spLocks noGrp="1"/>
+          </p:cNvSpPr>
+          <p:nvPr>
+            <p:ph type="body" sz="quarter" idx="3"/>
+          </p:nvPr>
+        </p:nvSpPr>
+        <p:spPr>
+          <a:xfrm>
+            <a:off x="4645025" y="1535113"/>
+            <a:ext cx="4041775" cy="639762"/>
+          </a:xfrm>
+        </p:spPr>
+        <p:txBody>
+          <a:bodyPr anchor="b"/>
+          <a:lstStyle>
+            <a:lvl1pPr marL="0" indent="0">
+              <a:buNone/>
+              <a:defRPr sz="2400" b="1"/>
+            </a:lvl1pPr>
+            <a:lvl2pPr marL="457200" indent="0">
+              <a:buNone/>
+              <a:defRPr sz="2000" b="1"/>
+            </a:lvl2pPr>
+            <a:lvl3pPr marL="914400" indent="0">
+              <a:buNone/>
+              <a:defRPr sz="1800" b="1"/>
+            </a:lvl3pPr>
+            <a:lvl4pPr marL="1371600" indent="0">
+              <a:buNone/>
+              <a:defRPr sz="1600" b="1"/>
+            </a:lvl4pPr>
+            <a:lvl5pPr marL="1828800" indent="0">
+              <a:buNone/>
+              <a:defRPr sz="1600" b="1"/>
+            </a:lvl5pPr>
+            <a:lvl6pPr marL="2286000" indent="0">
+              <a:buNone/>
+              <a:defRPr sz="1600" b="1"/>
+            </a:lvl6pPr>
+            <a:lvl7pPr marL="2743200" indent="0">
+              <a:buNone/>
+              <a:defRPr sz="1600" b="1"/>
+            </a:lvl7pPr>
+            <a:lvl8pPr marL="3200400" indent="0">
+              <a:buNone/>
+              <a:defRPr sz="1600" b="1"/>
+            </a:lvl8pPr>
+            <a:lvl9pPr marL="3657600" indent="0">
+              <a:buNone/>
+              <a:defRPr sz="1600" b="1"/>
+            </a:lvl9pPr>
+          </a:lstStyle>
+          <a:p>
+            <a:pPr lvl="0"/>
+            <a:r>
+              <a:rPr lang="ko-KR" altLang="en-US" smtClean="0"/>
+              <a:t>마스터 텍스트 스타일을 편집합니다</a:t>
+            </a:r>
+          </a:p>
+        </p:txBody>
+      </p:sp>
+      <p:sp>
+        <p:nvSpPr>
+          <p:cNvPr id="6" name="내용 개체 틀 5"/>
+          <p:cNvSpPr>
+            <a:spLocks noGrp="1"/>
+          </p:cNvSpPr>
+          <p:nvPr>
+            <p:ph sz="quarter" idx="4"/>
+          </p:nvPr>
+        </p:nvSpPr>
+        <p:spPr>
+          <a:xfrm>
+            <a:off x="4645025" y="2174875"/>
+            <a:ext cx="4041775" cy="3951288"/>
+          </a:xfrm>
+        </p:spPr>
+        <p:txBody>
+          <a:bodyPr/>
+          <a:lstStyle>
+            <a:lvl1pPr>
+              <a:defRPr sz="2400"/>
+            </a:lvl1pPr>
+            <a:lvl2pPr>
+              <a:defRPr sz="2000"/>
+            </a:lvl2pPr>
+            <a:lvl3pPr>
+              <a:defRPr sz="1800"/>
+            </a:lvl3pPr>
+            <a:lvl4pPr>
+              <a:defRPr sz="1600"/>
+            </a:lvl4pPr>
+            <a:lvl5pPr>
+              <a:defRPr sz="1600"/>
+            </a:lvl5pPr>
+            <a:lvl6pPr>
+              <a:defRPr sz="1600"/>
+            </a:lvl6pPr>
+            <a:lvl7pPr>
+              <a:defRPr sz="1600"/>
+            </a:lvl7pPr>
+            <a:lvl8pPr>
+              <a:defRPr sz="1600"/>
+            </a:lvl8pPr>
+            <a:lvl9pPr>
+              <a:defRPr sz="1600"/>
+            </a:lvl9pPr>
+          </a:lstStyle>
+          <a:p>
+            <a:pPr lvl="0"/>
+            <a:r>
+              <a:rPr lang="ko-KR" altLang="en-US" smtClean="0"/>
+              <a:t>마스터 텍스트 스타일을 편집합니다</a:t>
+            </a:r>
+          </a:p>
+          <a:p>
+            <a:pPr lvl="1"/>
+            <a:r>
+              <a:rPr lang="ko-KR" altLang="en-US" smtClean="0"/>
+              <a:t>둘째 수준</a:t>
+            </a:r>
+          </a:p>
+          <a:p>
+            <a:pPr lvl="2"/>
+            <a:r>
+              <a:rPr lang="ko-KR" altLang="en-US" smtClean="0"/>
+              <a:t>셋째 수준</a:t>
+            </a:r>
+          </a:p>
+          <a:p>
+            <a:pPr lvl="3"/>
+            <a:r>
+              <a:rPr lang="ko-KR" altLang="en-US" smtClean="0"/>
+              <a:t>넷째 수준</a:t>
+            </a:r>
+          </a:p>
+          <a:p>
+            <a:pPr lvl="4"/>
+            <a:r>
+              <a:rPr lang="ko-KR" altLang="en-US" smtClean="0"/>
+              <a:t>다섯째 수준</a:t>
+            </a:r>
+            <a:endParaRPr lang="ko-KR" altLang="en-US"/>
+          </a:p>
+        </p:txBody>
+      </p:sp>
+      <p:sp>
+        <p:nvSpPr>
+          <p:cNvPr id="7" name="날짜 개체 틀 6"/>
+          <p:cNvSpPr>
+            <a:spLocks noGrp="1"/>
+          </p:cNvSpPr>
+          <p:nvPr>
+            <p:ph type="dt" sz="half" idx="10"/>
+          </p:nvPr>
+        </p:nvSpPr>
+        <p:spPr/>
+        <p:txBody>
+          <a:bodyPr/>
+          <a:lstStyle/>
+          <a:p>
+            <a:fld id="{F707E34C-A3BC-41D6-B8FA-2FD524A2DDB2}" type="datetimeFigureOut">
+              <a:rPr lang="ko-KR" altLang="en-US" smtClean="0">
+                <a:solidFill>
+                  <a:prstClr val="black">
+                    <a:tint val="75000"/>
+                  </a:prstClr>
+                </a:solidFill>
+              </a:rPr>
+              <a:pPr/>
+              <a:t>2016-09-07</a:t>
+            </a:fld>
+            <a:endParaRPr lang="ko-KR" altLang="en-US">
+              <a:solidFill>
+                <a:prstClr val="black">
+                  <a:tint val="75000"/>
+                </a:prstClr>
+              </a:solidFill>
+            </a:endParaRPr>
+          </a:p>
+        </p:txBody>
+      </p:sp>
+      <p:sp>
+        <p:nvSpPr>
+          <p:cNvPr id="8" name="바닥글 개체 틀 7"/>
+          <p:cNvSpPr>
+            <a:spLocks noGrp="1"/>
+          </p:cNvSpPr>
+          <p:nvPr>
+            <p:ph type="ftr" sz="quarter" idx="11"/>
+          </p:nvPr>
+        </p:nvSpPr>
+        <p:spPr/>
+        <p:txBody>
+          <a:bodyPr/>
+          <a:lstStyle/>
+          <a:p>
+            <a:endParaRPr lang="ko-KR" altLang="en-US">
+              <a:solidFill>
+                <a:prstClr val="black">
+                  <a:tint val="75000"/>
+                </a:prstClr>
+              </a:solidFill>
+            </a:endParaRPr>
+          </a:p>
+        </p:txBody>
+      </p:sp>
+      <p:sp>
+        <p:nvSpPr>
+          <p:cNvPr id="9" name="슬라이드 번호 개체 틀 8"/>
+          <p:cNvSpPr>
+            <a:spLocks noGrp="1"/>
+          </p:cNvSpPr>
+          <p:nvPr>
+            <p:ph type="sldNum" sz="quarter" idx="12"/>
+          </p:nvPr>
+        </p:nvSpPr>
+        <p:spPr/>
+        <p:txBody>
+          <a:bodyPr/>
+          <a:lstStyle/>
+          <a:p>
+            <a:fld id="{8B155CE1-4ABC-4771-99B0-8A36ABB1CF96}" type="slidenum">
+              <a:rPr lang="ko-KR" altLang="en-US" smtClean="0">
+                <a:solidFill>
+                  <a:prstClr val="black">
+                    <a:tint val="75000"/>
+                  </a:prstClr>
+                </a:solidFill>
+              </a:rPr>
+              <a:pPr/>
+              <a:t>‹#›</a:t>
+            </a:fld>
+            <a:endParaRPr lang="ko-KR" altLang="en-US">
+              <a:solidFill>
+                <a:prstClr val="black">
+                  <a:tint val="75000"/>
+                </a:prstClr>
+              </a:solidFill>
+            </a:endParaRPr>
+          </a:p>
+        </p:txBody>
+      </p:sp>
+    </p:spTree>
+    <p:extLst>
+      <p:ext uri="{BB962C8B-B14F-4D97-AF65-F5344CB8AC3E}">
+        <p14:creationId xmlns:p14="http://schemas.microsoft.com/office/powerpoint/2010/main" val="1218591246"/>
+      </p:ext>
+    </p:extLst>
+  </p:cSld>
+  <p:clrMapOvr>
+    <a:masterClrMapping/>
+  </p:clrMapOvr>
+</p:sldLayout>
+</file>
+
+<file path=ppt/slideLayouts/slideLayout105.xml><?xml version="1.0" encoding="utf-8"?>
+<p:sldLayout xmlns:a="http://schemas.openxmlformats.org/drawingml/2006/main" xmlns:r="http://schemas.openxmlformats.org/officeDocument/2006/relationships" xmlns:p="http://schemas.openxmlformats.org/presentationml/2006/main" showMasterSp="0" type="titleOnly" preserve="1">
+  <p:cSld name="제목만">
+    <p:spTree>
+      <p:nvGrpSpPr>
+        <p:cNvPr id="1" name=""/>
+        <p:cNvGrpSpPr/>
+        <p:nvPr/>
+      </p:nvGrpSpPr>
+      <p:grpSpPr>
+        <a:xfrm>
+          <a:off x="0" y="0"/>
+          <a:ext cx="0" cy="0"/>
+          <a:chOff x="0" y="0"/>
+          <a:chExt cx="0" cy="0"/>
+        </a:xfrm>
+      </p:grpSpPr>
+      <p:sp>
+        <p:nvSpPr>
+          <p:cNvPr id="2" name="제목 1"/>
+          <p:cNvSpPr>
+            <a:spLocks noGrp="1"/>
+          </p:cNvSpPr>
+          <p:nvPr>
+            <p:ph type="title"/>
+          </p:nvPr>
+        </p:nvSpPr>
+        <p:spPr/>
+        <p:txBody>
+          <a:bodyPr/>
+          <a:lstStyle/>
+          <a:p>
+            <a:r>
+              <a:rPr lang="ko-KR" altLang="en-US" smtClean="0"/>
+              <a:t>마스터 제목 스타일 편집</a:t>
+            </a:r>
+            <a:endParaRPr lang="ko-KR" altLang="en-US"/>
+          </a:p>
+        </p:txBody>
+      </p:sp>
+      <p:sp>
+        <p:nvSpPr>
+          <p:cNvPr id="3" name="날짜 개체 틀 2"/>
+          <p:cNvSpPr>
+            <a:spLocks noGrp="1"/>
+          </p:cNvSpPr>
+          <p:nvPr>
+            <p:ph type="dt" sz="half" idx="10"/>
+          </p:nvPr>
+        </p:nvSpPr>
+        <p:spPr/>
+        <p:txBody>
+          <a:bodyPr/>
+          <a:lstStyle/>
+          <a:p>
+            <a:fld id="{F707E34C-A3BC-41D6-B8FA-2FD524A2DDB2}" type="datetimeFigureOut">
+              <a:rPr lang="ko-KR" altLang="en-US" smtClean="0">
+                <a:solidFill>
+                  <a:prstClr val="black">
+                    <a:tint val="75000"/>
+                  </a:prstClr>
+                </a:solidFill>
+              </a:rPr>
+              <a:pPr/>
+              <a:t>2016-09-07</a:t>
+            </a:fld>
+            <a:endParaRPr lang="ko-KR" altLang="en-US">
+              <a:solidFill>
+                <a:prstClr val="black">
+                  <a:tint val="75000"/>
+                </a:prstClr>
+              </a:solidFill>
+            </a:endParaRPr>
+          </a:p>
+        </p:txBody>
+      </p:sp>
+      <p:sp>
+        <p:nvSpPr>
+          <p:cNvPr id="4" name="바닥글 개체 틀 3"/>
+          <p:cNvSpPr>
+            <a:spLocks noGrp="1"/>
+          </p:cNvSpPr>
+          <p:nvPr>
+            <p:ph type="ftr" sz="quarter" idx="11"/>
+          </p:nvPr>
+        </p:nvSpPr>
+        <p:spPr/>
+        <p:txBody>
+          <a:bodyPr/>
+          <a:lstStyle/>
+          <a:p>
+            <a:endParaRPr lang="ko-KR" altLang="en-US">
+              <a:solidFill>
+                <a:prstClr val="black">
+                  <a:tint val="75000"/>
+                </a:prstClr>
+              </a:solidFill>
+            </a:endParaRPr>
+          </a:p>
+        </p:txBody>
+      </p:sp>
+      <p:sp>
+        <p:nvSpPr>
+          <p:cNvPr id="5" name="슬라이드 번호 개체 틀 4"/>
+          <p:cNvSpPr>
+            <a:spLocks noGrp="1"/>
+          </p:cNvSpPr>
+          <p:nvPr>
+            <p:ph type="sldNum" sz="quarter" idx="12"/>
+          </p:nvPr>
+        </p:nvSpPr>
+        <p:spPr/>
+        <p:txBody>
+          <a:bodyPr/>
+          <a:lstStyle/>
+          <a:p>
+            <a:fld id="{8B155CE1-4ABC-4771-99B0-8A36ABB1CF96}" type="slidenum">
+              <a:rPr lang="ko-KR" altLang="en-US" smtClean="0">
+                <a:solidFill>
+                  <a:prstClr val="black">
+                    <a:tint val="75000"/>
+                  </a:prstClr>
+                </a:solidFill>
+              </a:rPr>
+              <a:pPr/>
+              <a:t>‹#›</a:t>
+            </a:fld>
+            <a:endParaRPr lang="ko-KR" altLang="en-US">
+              <a:solidFill>
+                <a:prstClr val="black">
+                  <a:tint val="75000"/>
+                </a:prstClr>
+              </a:solidFill>
+            </a:endParaRPr>
+          </a:p>
+        </p:txBody>
+      </p:sp>
+    </p:spTree>
+    <p:extLst>
+      <p:ext uri="{BB962C8B-B14F-4D97-AF65-F5344CB8AC3E}">
+        <p14:creationId xmlns:p14="http://schemas.microsoft.com/office/powerpoint/2010/main" val="631701097"/>
+      </p:ext>
+    </p:extLst>
+  </p:cSld>
+  <p:clrMapOvr>
+    <a:masterClrMapping/>
+  </p:clrMapOvr>
+</p:sldLayout>
+</file>
+
+<file path=ppt/slideLayouts/slideLayout106.xml><?xml version="1.0" encoding="utf-8"?>
+<p:sldLayout xmlns:a="http://schemas.openxmlformats.org/drawingml/2006/main" xmlns:r="http://schemas.openxmlformats.org/officeDocument/2006/relationships" xmlns:p="http://schemas.openxmlformats.org/presentationml/2006/main" showMasterSp="0" type="blank" preserve="1">
+  <p:cSld name="빈 화면">
+    <p:spTree>
+      <p:nvGrpSpPr>
+        <p:cNvPr id="1" name=""/>
+        <p:cNvGrpSpPr/>
+        <p:nvPr/>
+      </p:nvGrpSpPr>
+      <p:grpSpPr>
+        <a:xfrm>
+          <a:off x="0" y="0"/>
+          <a:ext cx="0" cy="0"/>
+          <a:chOff x="0" y="0"/>
+          <a:chExt cx="0" cy="0"/>
+        </a:xfrm>
+      </p:grpSpPr>
+      <p:sp>
+        <p:nvSpPr>
+          <p:cNvPr id="2" name="날짜 개체 틀 1"/>
+          <p:cNvSpPr>
+            <a:spLocks noGrp="1"/>
+          </p:cNvSpPr>
+          <p:nvPr>
+            <p:ph type="dt" sz="half" idx="10"/>
+          </p:nvPr>
+        </p:nvSpPr>
+        <p:spPr/>
+        <p:txBody>
+          <a:bodyPr/>
+          <a:lstStyle/>
+          <a:p>
+            <a:fld id="{F707E34C-A3BC-41D6-B8FA-2FD524A2DDB2}" type="datetimeFigureOut">
+              <a:rPr lang="ko-KR" altLang="en-US" smtClean="0">
+                <a:solidFill>
+                  <a:prstClr val="black">
+                    <a:tint val="75000"/>
+                  </a:prstClr>
+                </a:solidFill>
+              </a:rPr>
+              <a:pPr/>
+              <a:t>2016-09-07</a:t>
+            </a:fld>
+            <a:endParaRPr lang="ko-KR" altLang="en-US">
+              <a:solidFill>
+                <a:prstClr val="black">
+                  <a:tint val="75000"/>
+                </a:prstClr>
+              </a:solidFill>
+            </a:endParaRPr>
+          </a:p>
+        </p:txBody>
+      </p:sp>
+      <p:sp>
+        <p:nvSpPr>
+          <p:cNvPr id="3" name="바닥글 개체 틀 2"/>
+          <p:cNvSpPr>
+            <a:spLocks noGrp="1"/>
+          </p:cNvSpPr>
+          <p:nvPr>
+            <p:ph type="ftr" sz="quarter" idx="11"/>
+          </p:nvPr>
+        </p:nvSpPr>
+        <p:spPr/>
+        <p:txBody>
+          <a:bodyPr/>
+          <a:lstStyle/>
+          <a:p>
+            <a:endParaRPr lang="ko-KR" altLang="en-US">
+              <a:solidFill>
+                <a:prstClr val="black">
+                  <a:tint val="75000"/>
+                </a:prstClr>
+              </a:solidFill>
+            </a:endParaRPr>
+          </a:p>
+        </p:txBody>
+      </p:sp>
+      <p:sp>
+        <p:nvSpPr>
+          <p:cNvPr id="4" name="슬라이드 번호 개체 틀 3"/>
+          <p:cNvSpPr>
+            <a:spLocks noGrp="1"/>
+          </p:cNvSpPr>
+          <p:nvPr>
+            <p:ph type="sldNum" sz="quarter" idx="12"/>
+          </p:nvPr>
+        </p:nvSpPr>
+        <p:spPr/>
+        <p:txBody>
+          <a:bodyPr/>
+          <a:lstStyle/>
+          <a:p>
+            <a:fld id="{8B155CE1-4ABC-4771-99B0-8A36ABB1CF96}" type="slidenum">
+              <a:rPr lang="ko-KR" altLang="en-US" smtClean="0">
+                <a:solidFill>
+                  <a:prstClr val="black">
+                    <a:tint val="75000"/>
+                  </a:prstClr>
+                </a:solidFill>
+              </a:rPr>
+              <a:pPr/>
+              <a:t>‹#›</a:t>
+            </a:fld>
+            <a:endParaRPr lang="ko-KR" altLang="en-US">
+              <a:solidFill>
+                <a:prstClr val="black">
+                  <a:tint val="75000"/>
+                </a:prstClr>
+              </a:solidFill>
+            </a:endParaRPr>
+          </a:p>
+        </p:txBody>
+      </p:sp>
+    </p:spTree>
+    <p:extLst>
+      <p:ext uri="{BB962C8B-B14F-4D97-AF65-F5344CB8AC3E}">
+        <p14:creationId xmlns:p14="http://schemas.microsoft.com/office/powerpoint/2010/main" val="224221152"/>
+      </p:ext>
+    </p:extLst>
+  </p:cSld>
+  <p:clrMapOvr>
+    <a:masterClrMapping/>
+  </p:clrMapOvr>
+</p:sldLayout>
+</file>
+
+<file path=ppt/slideLayouts/slideLayout107.xml><?xml version="1.0" encoding="utf-8"?>
+<p:sldLayout xmlns:a="http://schemas.openxmlformats.org/drawingml/2006/main" xmlns:r="http://schemas.openxmlformats.org/officeDocument/2006/relationships" xmlns:p="http://schemas.openxmlformats.org/presentationml/2006/main" showMasterSp="0" type="objTx" preserve="1">
+  <p:cSld name="캡션 있는 콘텐츠">
+    <p:spTree>
+      <p:nvGrpSpPr>
+        <p:cNvPr id="1" name=""/>
+        <p:cNvGrpSpPr/>
+        <p:nvPr/>
+      </p:nvGrpSpPr>
+      <p:grpSpPr>
+        <a:xfrm>
+          <a:off x="0" y="0"/>
+          <a:ext cx="0" cy="0"/>
+          <a:chOff x="0" y="0"/>
+          <a:chExt cx="0" cy="0"/>
+        </a:xfrm>
+      </p:grpSpPr>
+      <p:sp>
+        <p:nvSpPr>
+          <p:cNvPr id="2" name="제목 1"/>
+          <p:cNvSpPr>
+            <a:spLocks noGrp="1"/>
+          </p:cNvSpPr>
+          <p:nvPr>
+            <p:ph type="title"/>
+          </p:nvPr>
+        </p:nvSpPr>
+        <p:spPr>
+          <a:xfrm>
+            <a:off x="457200" y="273050"/>
+            <a:ext cx="3008313" cy="1162050"/>
+          </a:xfrm>
+        </p:spPr>
+        <p:txBody>
+          <a:bodyPr anchor="b"/>
+          <a:lstStyle>
+            <a:lvl1pPr algn="l">
+              <a:defRPr sz="2000" b="1"/>
+            </a:lvl1pPr>
+          </a:lstStyle>
+          <a:p>
+            <a:r>
+              <a:rPr lang="ko-KR" altLang="en-US" smtClean="0"/>
+              <a:t>마스터 제목 스타일 편집</a:t>
+            </a:r>
+            <a:endParaRPr lang="ko-KR" altLang="en-US"/>
+          </a:p>
+        </p:txBody>
+      </p:sp>
+      <p:sp>
+        <p:nvSpPr>
+          <p:cNvPr id="3" name="내용 개체 틀 2"/>
+          <p:cNvSpPr>
+            <a:spLocks noGrp="1"/>
+          </p:cNvSpPr>
+          <p:nvPr>
+            <p:ph idx="1"/>
+          </p:nvPr>
+        </p:nvSpPr>
+        <p:spPr>
+          <a:xfrm>
+            <a:off x="3575050" y="273050"/>
+            <a:ext cx="5111750" cy="5853113"/>
+          </a:xfrm>
+        </p:spPr>
+        <p:txBody>
+          <a:bodyPr/>
+          <a:lstStyle>
+            <a:lvl1pPr>
+              <a:defRPr sz="3200"/>
+            </a:lvl1pPr>
+            <a:lvl2pPr>
+              <a:defRPr sz="2800"/>
+            </a:lvl2pPr>
+            <a:lvl3pPr>
+              <a:defRPr sz="2400"/>
+            </a:lvl3pPr>
+            <a:lvl4pPr>
+              <a:defRPr sz="2000"/>
+            </a:lvl4pPr>
+            <a:lvl5pPr>
+              <a:defRPr sz="2000"/>
+            </a:lvl5pPr>
+            <a:lvl6pPr>
+              <a:defRPr sz="2000"/>
+            </a:lvl6pPr>
+            <a:lvl7pPr>
+              <a:defRPr sz="2000"/>
+            </a:lvl7pPr>
+            <a:lvl8pPr>
+              <a:defRPr sz="2000"/>
+            </a:lvl8pPr>
+            <a:lvl9pPr>
+              <a:defRPr sz="2000"/>
+            </a:lvl9pPr>
+          </a:lstStyle>
+          <a:p>
+            <a:pPr lvl="0"/>
+            <a:r>
+              <a:rPr lang="ko-KR" altLang="en-US" smtClean="0"/>
+              <a:t>마스터 텍스트 스타일을 편집합니다</a:t>
+            </a:r>
+          </a:p>
+          <a:p>
+            <a:pPr lvl="1"/>
+            <a:r>
+              <a:rPr lang="ko-KR" altLang="en-US" smtClean="0"/>
+              <a:t>둘째 수준</a:t>
+            </a:r>
+          </a:p>
+          <a:p>
+            <a:pPr lvl="2"/>
+            <a:r>
+              <a:rPr lang="ko-KR" altLang="en-US" smtClean="0"/>
+              <a:t>셋째 수준</a:t>
+            </a:r>
+          </a:p>
+          <a:p>
+            <a:pPr lvl="3"/>
+            <a:r>
+              <a:rPr lang="ko-KR" altLang="en-US" smtClean="0"/>
+              <a:t>넷째 수준</a:t>
+            </a:r>
+          </a:p>
+          <a:p>
+            <a:pPr lvl="4"/>
+            <a:r>
+              <a:rPr lang="ko-KR" altLang="en-US" smtClean="0"/>
+              <a:t>다섯째 수준</a:t>
+            </a:r>
+            <a:endParaRPr lang="ko-KR" altLang="en-US"/>
+          </a:p>
+        </p:txBody>
+      </p:sp>
+      <p:sp>
+        <p:nvSpPr>
+          <p:cNvPr id="4" name="텍스트 개체 틀 3"/>
+          <p:cNvSpPr>
+            <a:spLocks noGrp="1"/>
+          </p:cNvSpPr>
+          <p:nvPr>
+            <p:ph type="body" sz="half" idx="2"/>
+          </p:nvPr>
+        </p:nvSpPr>
+        <p:spPr>
+          <a:xfrm>
+            <a:off x="457200" y="1435100"/>
+            <a:ext cx="3008313" cy="4691063"/>
+          </a:xfrm>
+        </p:spPr>
+        <p:txBody>
+          <a:bodyPr/>
+          <a:lstStyle>
+            <a:lvl1pPr marL="0" indent="0">
+              <a:buNone/>
+              <a:defRPr sz="1400"/>
+            </a:lvl1pPr>
+            <a:lvl2pPr marL="457200" indent="0">
+              <a:buNone/>
+              <a:defRPr sz="1200"/>
+            </a:lvl2pPr>
+            <a:lvl3pPr marL="914400" indent="0">
+              <a:buNone/>
+              <a:defRPr sz="1000"/>
+            </a:lvl3pPr>
+            <a:lvl4pPr marL="1371600" indent="0">
+              <a:buNone/>
+              <a:defRPr sz="900"/>
+            </a:lvl4pPr>
+            <a:lvl5pPr marL="1828800" indent="0">
+              <a:buNone/>
+              <a:defRPr sz="900"/>
+            </a:lvl5pPr>
+            <a:lvl6pPr marL="2286000" indent="0">
+              <a:buNone/>
+              <a:defRPr sz="900"/>
+            </a:lvl6pPr>
+            <a:lvl7pPr marL="2743200" indent="0">
+              <a:buNone/>
+              <a:defRPr sz="900"/>
+            </a:lvl7pPr>
+            <a:lvl8pPr marL="3200400" indent="0">
+              <a:buNone/>
+              <a:defRPr sz="900"/>
+            </a:lvl8pPr>
+            <a:lvl9pPr marL="3657600" indent="0">
+              <a:buNone/>
+              <a:defRPr sz="900"/>
+            </a:lvl9pPr>
+          </a:lstStyle>
+          <a:p>
+            <a:pPr lvl="0"/>
+            <a:r>
+              <a:rPr lang="ko-KR" altLang="en-US" smtClean="0"/>
+              <a:t>마스터 텍스트 스타일을 편집합니다</a:t>
+            </a:r>
+          </a:p>
+        </p:txBody>
+      </p:sp>
+      <p:sp>
+        <p:nvSpPr>
+          <p:cNvPr id="5" name="날짜 개체 틀 4"/>
+          <p:cNvSpPr>
+            <a:spLocks noGrp="1"/>
+          </p:cNvSpPr>
+          <p:nvPr>
+            <p:ph type="dt" sz="half" idx="10"/>
+          </p:nvPr>
+        </p:nvSpPr>
+        <p:spPr/>
+        <p:txBody>
+          <a:bodyPr/>
+          <a:lstStyle/>
+          <a:p>
+            <a:fld id="{F707E34C-A3BC-41D6-B8FA-2FD524A2DDB2}" type="datetimeFigureOut">
+              <a:rPr lang="ko-KR" altLang="en-US" smtClean="0">
+                <a:solidFill>
+                  <a:prstClr val="black">
+                    <a:tint val="75000"/>
+                  </a:prstClr>
+                </a:solidFill>
+              </a:rPr>
+              <a:pPr/>
+              <a:t>2016-09-07</a:t>
+            </a:fld>
+            <a:endParaRPr lang="ko-KR" altLang="en-US">
+              <a:solidFill>
+                <a:prstClr val="black">
+                  <a:tint val="75000"/>
+                </a:prstClr>
+              </a:solidFill>
+            </a:endParaRPr>
+          </a:p>
+        </p:txBody>
+      </p:sp>
+      <p:sp>
+        <p:nvSpPr>
+          <p:cNvPr id="6" name="바닥글 개체 틀 5"/>
+          <p:cNvSpPr>
+            <a:spLocks noGrp="1"/>
+          </p:cNvSpPr>
+          <p:nvPr>
+            <p:ph type="ftr" sz="quarter" idx="11"/>
+          </p:nvPr>
+        </p:nvSpPr>
+        <p:spPr/>
+        <p:txBody>
+          <a:bodyPr/>
+          <a:lstStyle/>
+          <a:p>
+            <a:endParaRPr lang="ko-KR" altLang="en-US">
+              <a:solidFill>
+                <a:prstClr val="black">
+                  <a:tint val="75000"/>
+                </a:prstClr>
+              </a:solidFill>
+            </a:endParaRPr>
+          </a:p>
+        </p:txBody>
+      </p:sp>
+      <p:sp>
+        <p:nvSpPr>
+          <p:cNvPr id="7" name="슬라이드 번호 개체 틀 6"/>
+          <p:cNvSpPr>
+            <a:spLocks noGrp="1"/>
+          </p:cNvSpPr>
+          <p:nvPr>
+            <p:ph type="sldNum" sz="quarter" idx="12"/>
+          </p:nvPr>
+        </p:nvSpPr>
+        <p:spPr/>
+        <p:txBody>
+          <a:bodyPr/>
+          <a:lstStyle/>
+          <a:p>
+            <a:fld id="{8B155CE1-4ABC-4771-99B0-8A36ABB1CF96}" type="slidenum">
+              <a:rPr lang="ko-KR" altLang="en-US" smtClean="0">
+                <a:solidFill>
+                  <a:prstClr val="black">
+                    <a:tint val="75000"/>
+                  </a:prstClr>
+                </a:solidFill>
+              </a:rPr>
+              <a:pPr/>
+              <a:t>‹#›</a:t>
+            </a:fld>
+            <a:endParaRPr lang="ko-KR" altLang="en-US">
+              <a:solidFill>
+                <a:prstClr val="black">
+                  <a:tint val="75000"/>
+                </a:prstClr>
+              </a:solidFill>
+            </a:endParaRPr>
+          </a:p>
+        </p:txBody>
+      </p:sp>
+    </p:spTree>
+    <p:extLst>
+      <p:ext uri="{BB962C8B-B14F-4D97-AF65-F5344CB8AC3E}">
+        <p14:creationId xmlns:p14="http://schemas.microsoft.com/office/powerpoint/2010/main" val="10130500"/>
+      </p:ext>
+    </p:extLst>
+  </p:cSld>
+  <p:clrMapOvr>
+    <a:masterClrMapping/>
+  </p:clrMapOvr>
+</p:sldLayout>
+</file>
+
+<file path=ppt/slideLayouts/slideLayout108.xml><?xml version="1.0" encoding="utf-8"?>
+<p:sldLayout xmlns:a="http://schemas.openxmlformats.org/drawingml/2006/main" xmlns:r="http://schemas.openxmlformats.org/officeDocument/2006/relationships" xmlns:p="http://schemas.openxmlformats.org/presentationml/2006/main" showMasterSp="0" type="picTx" preserve="1">
+  <p:cSld name="캡션 있는 그림">
+    <p:spTree>
+      <p:nvGrpSpPr>
+        <p:cNvPr id="1" name=""/>
+        <p:cNvGrpSpPr/>
+        <p:nvPr/>
+      </p:nvGrpSpPr>
+      <p:grpSpPr>
+        <a:xfrm>
+          <a:off x="0" y="0"/>
+          <a:ext cx="0" cy="0"/>
+          <a:chOff x="0" y="0"/>
+          <a:chExt cx="0" cy="0"/>
+        </a:xfrm>
+      </p:grpSpPr>
+      <p:sp>
+        <p:nvSpPr>
+          <p:cNvPr id="2" name="제목 1"/>
+          <p:cNvSpPr>
+            <a:spLocks noGrp="1"/>
+          </p:cNvSpPr>
+          <p:nvPr>
+            <p:ph type="title"/>
+          </p:nvPr>
+        </p:nvSpPr>
+        <p:spPr>
+          <a:xfrm>
+            <a:off x="1792288" y="4800600"/>
+            <a:ext cx="5486400" cy="566738"/>
+          </a:xfrm>
+        </p:spPr>
+        <p:txBody>
+          <a:bodyPr anchor="b"/>
+          <a:lstStyle>
+            <a:lvl1pPr algn="l">
+              <a:defRPr sz="2000" b="1"/>
+            </a:lvl1pPr>
+          </a:lstStyle>
+          <a:p>
+            <a:r>
+              <a:rPr lang="ko-KR" altLang="en-US" smtClean="0"/>
+              <a:t>마스터 제목 스타일 편집</a:t>
+            </a:r>
+            <a:endParaRPr lang="ko-KR" altLang="en-US"/>
+          </a:p>
+        </p:txBody>
+      </p:sp>
+      <p:sp>
+        <p:nvSpPr>
+          <p:cNvPr id="3" name="그림 개체 틀 2"/>
+          <p:cNvSpPr>
+            <a:spLocks noGrp="1"/>
+          </p:cNvSpPr>
+          <p:nvPr>
+            <p:ph type="pic" idx="1"/>
+          </p:nvPr>
+        </p:nvSpPr>
+        <p:spPr>
+          <a:xfrm>
+            <a:off x="1792288" y="612775"/>
+            <a:ext cx="5486400" cy="4114800"/>
+          </a:xfrm>
+        </p:spPr>
+        <p:txBody>
+          <a:bodyPr/>
+          <a:lstStyle>
+            <a:lvl1pPr marL="0" indent="0">
+              <a:buNone/>
+              <a:defRPr sz="3200"/>
+            </a:lvl1pPr>
+            <a:lvl2pPr marL="457200" indent="0">
+              <a:buNone/>
+              <a:defRPr sz="2800"/>
+            </a:lvl2pPr>
+            <a:lvl3pPr marL="914400" indent="0">
+              <a:buNone/>
+              <a:defRPr sz="2400"/>
+            </a:lvl3pPr>
+            <a:lvl4pPr marL="1371600" indent="0">
+              <a:buNone/>
+              <a:defRPr sz="2000"/>
+            </a:lvl4pPr>
+            <a:lvl5pPr marL="1828800" indent="0">
+              <a:buNone/>
+              <a:defRPr sz="2000"/>
+            </a:lvl5pPr>
+            <a:lvl6pPr marL="2286000" indent="0">
+              <a:buNone/>
+              <a:defRPr sz="2000"/>
+            </a:lvl6pPr>
+            <a:lvl7pPr marL="2743200" indent="0">
+              <a:buNone/>
+              <a:defRPr sz="2000"/>
+            </a:lvl7pPr>
+            <a:lvl8pPr marL="3200400" indent="0">
+              <a:buNone/>
+              <a:defRPr sz="2000"/>
+            </a:lvl8pPr>
+            <a:lvl9pPr marL="3657600" indent="0">
+              <a:buNone/>
+              <a:defRPr sz="2000"/>
+            </a:lvl9pPr>
+          </a:lstStyle>
+          <a:p>
+            <a:endParaRPr lang="ko-KR" altLang="en-US"/>
+          </a:p>
+        </p:txBody>
+      </p:sp>
+      <p:sp>
+        <p:nvSpPr>
+          <p:cNvPr id="4" name="텍스트 개체 틀 3"/>
+          <p:cNvSpPr>
+            <a:spLocks noGrp="1"/>
+          </p:cNvSpPr>
+          <p:nvPr>
+            <p:ph type="body" sz="half" idx="2"/>
+          </p:nvPr>
+        </p:nvSpPr>
+        <p:spPr>
+          <a:xfrm>
+            <a:off x="1792288" y="5367338"/>
+            <a:ext cx="5486400" cy="804862"/>
+          </a:xfrm>
+        </p:spPr>
+        <p:txBody>
+          <a:bodyPr/>
+          <a:lstStyle>
+            <a:lvl1pPr marL="0" indent="0">
+              <a:buNone/>
+              <a:defRPr sz="1400"/>
+            </a:lvl1pPr>
+            <a:lvl2pPr marL="457200" indent="0">
+              <a:buNone/>
+              <a:defRPr sz="1200"/>
+            </a:lvl2pPr>
+            <a:lvl3pPr marL="914400" indent="0">
+              <a:buNone/>
+              <a:defRPr sz="1000"/>
+            </a:lvl3pPr>
+            <a:lvl4pPr marL="1371600" indent="0">
+              <a:buNone/>
+              <a:defRPr sz="900"/>
+            </a:lvl4pPr>
+            <a:lvl5pPr marL="1828800" indent="0">
+              <a:buNone/>
+              <a:defRPr sz="900"/>
+            </a:lvl5pPr>
+            <a:lvl6pPr marL="2286000" indent="0">
+              <a:buNone/>
+              <a:defRPr sz="900"/>
+            </a:lvl6pPr>
+            <a:lvl7pPr marL="2743200" indent="0">
+              <a:buNone/>
+              <a:defRPr sz="900"/>
+            </a:lvl7pPr>
+            <a:lvl8pPr marL="3200400" indent="0">
+              <a:buNone/>
+              <a:defRPr sz="900"/>
+            </a:lvl8pPr>
+            <a:lvl9pPr marL="3657600" indent="0">
+              <a:buNone/>
+              <a:defRPr sz="900"/>
+            </a:lvl9pPr>
+          </a:lstStyle>
+          <a:p>
+            <a:pPr lvl="0"/>
+            <a:r>
+              <a:rPr lang="ko-KR" altLang="en-US" smtClean="0"/>
+              <a:t>마스터 텍스트 스타일을 편집합니다</a:t>
+            </a:r>
+          </a:p>
+        </p:txBody>
+      </p:sp>
+      <p:sp>
+        <p:nvSpPr>
+          <p:cNvPr id="5" name="날짜 개체 틀 4"/>
+          <p:cNvSpPr>
+            <a:spLocks noGrp="1"/>
+          </p:cNvSpPr>
+          <p:nvPr>
+            <p:ph type="dt" sz="half" idx="10"/>
+          </p:nvPr>
+        </p:nvSpPr>
+        <p:spPr/>
+        <p:txBody>
+          <a:bodyPr/>
+          <a:lstStyle/>
+          <a:p>
+            <a:fld id="{F707E34C-A3BC-41D6-B8FA-2FD524A2DDB2}" type="datetimeFigureOut">
+              <a:rPr lang="ko-KR" altLang="en-US" smtClean="0">
+                <a:solidFill>
+                  <a:prstClr val="black">
+                    <a:tint val="75000"/>
+                  </a:prstClr>
+                </a:solidFill>
+              </a:rPr>
+              <a:pPr/>
+              <a:t>2016-09-07</a:t>
+            </a:fld>
+            <a:endParaRPr lang="ko-KR" altLang="en-US">
+              <a:solidFill>
+                <a:prstClr val="black">
+                  <a:tint val="75000"/>
+                </a:prstClr>
+              </a:solidFill>
+            </a:endParaRPr>
+          </a:p>
+        </p:txBody>
+      </p:sp>
+      <p:sp>
+        <p:nvSpPr>
+          <p:cNvPr id="6" name="바닥글 개체 틀 5"/>
+          <p:cNvSpPr>
+            <a:spLocks noGrp="1"/>
+          </p:cNvSpPr>
+          <p:nvPr>
+            <p:ph type="ftr" sz="quarter" idx="11"/>
+          </p:nvPr>
+        </p:nvSpPr>
+        <p:spPr/>
+        <p:txBody>
+          <a:bodyPr/>
+          <a:lstStyle/>
+          <a:p>
+            <a:endParaRPr lang="ko-KR" altLang="en-US">
+              <a:solidFill>
+                <a:prstClr val="black">
+                  <a:tint val="75000"/>
+                </a:prstClr>
+              </a:solidFill>
+            </a:endParaRPr>
+          </a:p>
+        </p:txBody>
+      </p:sp>
+      <p:sp>
+        <p:nvSpPr>
+          <p:cNvPr id="7" name="슬라이드 번호 개체 틀 6"/>
+          <p:cNvSpPr>
+            <a:spLocks noGrp="1"/>
+          </p:cNvSpPr>
+          <p:nvPr>
+            <p:ph type="sldNum" sz="quarter" idx="12"/>
+          </p:nvPr>
+        </p:nvSpPr>
+        <p:spPr/>
+        <p:txBody>
+          <a:bodyPr/>
+          <a:lstStyle/>
+          <a:p>
+            <a:fld id="{8B155CE1-4ABC-4771-99B0-8A36ABB1CF96}" type="slidenum">
+              <a:rPr lang="ko-KR" altLang="en-US" smtClean="0">
+                <a:solidFill>
+                  <a:prstClr val="black">
+                    <a:tint val="75000"/>
+                  </a:prstClr>
+                </a:solidFill>
+              </a:rPr>
+              <a:pPr/>
+              <a:t>‹#›</a:t>
+            </a:fld>
+            <a:endParaRPr lang="ko-KR" altLang="en-US">
+              <a:solidFill>
+                <a:prstClr val="black">
+                  <a:tint val="75000"/>
+                </a:prstClr>
+              </a:solidFill>
+            </a:endParaRPr>
+          </a:p>
+        </p:txBody>
+      </p:sp>
+    </p:spTree>
+    <p:extLst>
+      <p:ext uri="{BB962C8B-B14F-4D97-AF65-F5344CB8AC3E}">
+        <p14:creationId xmlns:p14="http://schemas.microsoft.com/office/powerpoint/2010/main" val="1448081834"/>
+      </p:ext>
+    </p:extLst>
+  </p:cSld>
+  <p:clrMapOvr>
+    <a:masterClrMapping/>
+  </p:clrMapOvr>
+</p:sldLayout>
+</file>
+
+<file path=ppt/slideLayouts/slideLayout109.xml><?xml version="1.0" encoding="utf-8"?>
+<p:sldLayout xmlns:a="http://schemas.openxmlformats.org/drawingml/2006/main" xmlns:r="http://schemas.openxmlformats.org/officeDocument/2006/relationships" xmlns:p="http://schemas.openxmlformats.org/presentationml/2006/main" showMasterSp="0" type="vertTx" preserve="1">
+  <p:cSld name="제목 및 세로 텍스트">
+    <p:spTree>
+      <p:nvGrpSpPr>
+        <p:cNvPr id="1" name=""/>
+        <p:cNvGrpSpPr/>
+        <p:nvPr/>
+      </p:nvGrpSpPr>
+      <p:grpSpPr>
+        <a:xfrm>
+          <a:off x="0" y="0"/>
+          <a:ext cx="0" cy="0"/>
+          <a:chOff x="0" y="0"/>
+          <a:chExt cx="0" cy="0"/>
+        </a:xfrm>
+      </p:grpSpPr>
+      <p:sp>
+        <p:nvSpPr>
+          <p:cNvPr id="2" name="제목 1"/>
+          <p:cNvSpPr>
+            <a:spLocks noGrp="1"/>
+          </p:cNvSpPr>
+          <p:nvPr>
+            <p:ph type="title"/>
+          </p:nvPr>
+        </p:nvSpPr>
+        <p:spPr/>
+        <p:txBody>
+          <a:bodyPr/>
+          <a:lstStyle/>
+          <a:p>
+            <a:r>
+              <a:rPr lang="ko-KR" altLang="en-US" smtClean="0"/>
+              <a:t>마스터 제목 스타일 편집</a:t>
+            </a:r>
+            <a:endParaRPr lang="ko-KR" altLang="en-US"/>
+          </a:p>
+        </p:txBody>
+      </p:sp>
+      <p:sp>
+        <p:nvSpPr>
+          <p:cNvPr id="3" name="세로 텍스트 개체 틀 2"/>
+          <p:cNvSpPr>
+            <a:spLocks noGrp="1"/>
+          </p:cNvSpPr>
+          <p:nvPr>
+            <p:ph type="body" orient="vert" idx="1"/>
+          </p:nvPr>
+        </p:nvSpPr>
+        <p:spPr/>
+        <p:txBody>
+          <a:bodyPr vert="eaVert"/>
+          <a:lstStyle/>
+          <a:p>
+            <a:pPr lvl="0"/>
+            <a:r>
+              <a:rPr lang="ko-KR" altLang="en-US" smtClean="0"/>
+              <a:t>마스터 텍스트 스타일을 편집합니다</a:t>
+            </a:r>
+          </a:p>
+          <a:p>
+            <a:pPr lvl="1"/>
+            <a:r>
+              <a:rPr lang="ko-KR" altLang="en-US" smtClean="0"/>
+              <a:t>둘째 수준</a:t>
+            </a:r>
+          </a:p>
+          <a:p>
+            <a:pPr lvl="2"/>
+            <a:r>
+              <a:rPr lang="ko-KR" altLang="en-US" smtClean="0"/>
+              <a:t>셋째 수준</a:t>
+            </a:r>
+          </a:p>
+          <a:p>
+            <a:pPr lvl="3"/>
+            <a:r>
+              <a:rPr lang="ko-KR" altLang="en-US" smtClean="0"/>
+              <a:t>넷째 수준</a:t>
+            </a:r>
+          </a:p>
+          <a:p>
+            <a:pPr lvl="4"/>
+            <a:r>
+              <a:rPr lang="ko-KR" altLang="en-US" smtClean="0"/>
+              <a:t>다섯째 수준</a:t>
+            </a:r>
+            <a:endParaRPr lang="ko-KR" altLang="en-US"/>
+          </a:p>
+        </p:txBody>
+      </p:sp>
+      <p:sp>
+        <p:nvSpPr>
+          <p:cNvPr id="4" name="날짜 개체 틀 3"/>
+          <p:cNvSpPr>
+            <a:spLocks noGrp="1"/>
+          </p:cNvSpPr>
+          <p:nvPr>
+            <p:ph type="dt" sz="half" idx="10"/>
+          </p:nvPr>
+        </p:nvSpPr>
+        <p:spPr/>
+        <p:txBody>
+          <a:bodyPr/>
+          <a:lstStyle/>
+          <a:p>
+            <a:fld id="{F707E34C-A3BC-41D6-B8FA-2FD524A2DDB2}" type="datetimeFigureOut">
+              <a:rPr lang="ko-KR" altLang="en-US" smtClean="0">
+                <a:solidFill>
+                  <a:prstClr val="black">
+                    <a:tint val="75000"/>
+                  </a:prstClr>
+                </a:solidFill>
+              </a:rPr>
+              <a:pPr/>
+              <a:t>2016-09-07</a:t>
+            </a:fld>
+            <a:endParaRPr lang="ko-KR" altLang="en-US">
+              <a:solidFill>
+                <a:prstClr val="black">
+                  <a:tint val="75000"/>
+                </a:prstClr>
+              </a:solidFill>
+            </a:endParaRPr>
+          </a:p>
+        </p:txBody>
+      </p:sp>
+      <p:sp>
+        <p:nvSpPr>
+          <p:cNvPr id="5" name="바닥글 개체 틀 4"/>
+          <p:cNvSpPr>
+            <a:spLocks noGrp="1"/>
+          </p:cNvSpPr>
+          <p:nvPr>
+            <p:ph type="ftr" sz="quarter" idx="11"/>
+          </p:nvPr>
+        </p:nvSpPr>
+        <p:spPr/>
+        <p:txBody>
+          <a:bodyPr/>
+          <a:lstStyle/>
+          <a:p>
+            <a:endParaRPr lang="ko-KR" altLang="en-US">
+              <a:solidFill>
+                <a:prstClr val="black">
+                  <a:tint val="75000"/>
+                </a:prstClr>
+              </a:solidFill>
+            </a:endParaRPr>
+          </a:p>
+        </p:txBody>
+      </p:sp>
+      <p:sp>
+        <p:nvSpPr>
+          <p:cNvPr id="6" name="슬라이드 번호 개체 틀 5"/>
+          <p:cNvSpPr>
+            <a:spLocks noGrp="1"/>
+          </p:cNvSpPr>
+          <p:nvPr>
+            <p:ph type="sldNum" sz="quarter" idx="12"/>
+          </p:nvPr>
+        </p:nvSpPr>
+        <p:spPr/>
+        <p:txBody>
+          <a:bodyPr/>
+          <a:lstStyle/>
+          <a:p>
+            <a:fld id="{8B155CE1-4ABC-4771-99B0-8A36ABB1CF96}" type="slidenum">
+              <a:rPr lang="ko-KR" altLang="en-US" smtClean="0">
+                <a:solidFill>
+                  <a:prstClr val="black">
+                    <a:tint val="75000"/>
+                  </a:prstClr>
+                </a:solidFill>
+              </a:rPr>
+              <a:pPr/>
+              <a:t>‹#›</a:t>
+            </a:fld>
+            <a:endParaRPr lang="ko-KR" altLang="en-US">
+              <a:solidFill>
+                <a:prstClr val="black">
+                  <a:tint val="75000"/>
+                </a:prstClr>
+              </a:solidFill>
+            </a:endParaRPr>
+          </a:p>
+        </p:txBody>
+      </p:sp>
+    </p:spTree>
+    <p:extLst>
+      <p:ext uri="{BB962C8B-B14F-4D97-AF65-F5344CB8AC3E}">
+        <p14:creationId xmlns:p14="http://schemas.microsoft.com/office/powerpoint/2010/main" val="980162893"/>
+      </p:ext>
+    </p:extLst>
+  </p:cSld>
+  <p:clrMapOvr>
+    <a:masterClrMapping/>
+  </p:clrMapOvr>
+</p:sldLayout>
+</file>
+
 <file path=ppt/slideLayouts/slideLayout11.xml><?xml version="1.0" encoding="utf-8"?>
 <p:sldLayout xmlns:a="http://schemas.openxmlformats.org/drawingml/2006/main" xmlns:r="http://schemas.openxmlformats.org/officeDocument/2006/relationships" xmlns:p="http://schemas.openxmlformats.org/presentationml/2006/main" showMasterSp="0" type="vertTitleAndTx" preserve="1">
   <p:cSld name="세로 제목 및 텍스트">
@@ -751,6 +3879,218 @@
     <p:extLst>
       <p:ext uri="{BB962C8B-B14F-4D97-AF65-F5344CB8AC3E}">
         <p14:creationId xmlns:p14="http://schemas.microsoft.com/office/powerpoint/2010/main" val="2077460728"/>
+      </p:ext>
+    </p:extLst>
+  </p:cSld>
+  <p:clrMapOvr>
+    <a:masterClrMapping/>
+  </p:clrMapOvr>
+</p:sldLayout>
+</file>
+
+<file path=ppt/slideLayouts/slideLayout110.xml><?xml version="1.0" encoding="utf-8"?>
+<p:sldLayout xmlns:a="http://schemas.openxmlformats.org/drawingml/2006/main" xmlns:r="http://schemas.openxmlformats.org/officeDocument/2006/relationships" xmlns:p="http://schemas.openxmlformats.org/presentationml/2006/main" showMasterSp="0" type="vertTitleAndTx" preserve="1">
+  <p:cSld name="세로 제목 및 텍스트">
+    <p:spTree>
+      <p:nvGrpSpPr>
+        <p:cNvPr id="1" name=""/>
+        <p:cNvGrpSpPr/>
+        <p:nvPr/>
+      </p:nvGrpSpPr>
+      <p:grpSpPr>
+        <a:xfrm>
+          <a:off x="0" y="0"/>
+          <a:ext cx="0" cy="0"/>
+          <a:chOff x="0" y="0"/>
+          <a:chExt cx="0" cy="0"/>
+        </a:xfrm>
+      </p:grpSpPr>
+      <p:sp>
+        <p:nvSpPr>
+          <p:cNvPr id="2" name="세로 제목 1"/>
+          <p:cNvSpPr>
+            <a:spLocks noGrp="1"/>
+          </p:cNvSpPr>
+          <p:nvPr>
+            <p:ph type="title" orient="vert"/>
+          </p:nvPr>
+        </p:nvSpPr>
+        <p:spPr>
+          <a:xfrm>
+            <a:off x="6629400" y="274638"/>
+            <a:ext cx="2057400" cy="5851525"/>
+          </a:xfrm>
+        </p:spPr>
+        <p:txBody>
+          <a:bodyPr vert="eaVert"/>
+          <a:lstStyle/>
+          <a:p>
+            <a:r>
+              <a:rPr lang="ko-KR" altLang="en-US" smtClean="0"/>
+              <a:t>마스터 제목 스타일 편집</a:t>
+            </a:r>
+            <a:endParaRPr lang="ko-KR" altLang="en-US"/>
+          </a:p>
+        </p:txBody>
+      </p:sp>
+      <p:sp>
+        <p:nvSpPr>
+          <p:cNvPr id="3" name="세로 텍스트 개체 틀 2"/>
+          <p:cNvSpPr>
+            <a:spLocks noGrp="1"/>
+          </p:cNvSpPr>
+          <p:nvPr>
+            <p:ph type="body" orient="vert" idx="1"/>
+          </p:nvPr>
+        </p:nvSpPr>
+        <p:spPr>
+          <a:xfrm>
+            <a:off x="457200" y="274638"/>
+            <a:ext cx="6019800" cy="5851525"/>
+          </a:xfrm>
+        </p:spPr>
+        <p:txBody>
+          <a:bodyPr vert="eaVert"/>
+          <a:lstStyle/>
+          <a:p>
+            <a:pPr lvl="0"/>
+            <a:r>
+              <a:rPr lang="ko-KR" altLang="en-US" smtClean="0"/>
+              <a:t>마스터 텍스트 스타일을 편집합니다</a:t>
+            </a:r>
+          </a:p>
+          <a:p>
+            <a:pPr lvl="1"/>
+            <a:r>
+              <a:rPr lang="ko-KR" altLang="en-US" smtClean="0"/>
+              <a:t>둘째 수준</a:t>
+            </a:r>
+          </a:p>
+          <a:p>
+            <a:pPr lvl="2"/>
+            <a:r>
+              <a:rPr lang="ko-KR" altLang="en-US" smtClean="0"/>
+              <a:t>셋째 수준</a:t>
+            </a:r>
+          </a:p>
+          <a:p>
+            <a:pPr lvl="3"/>
+            <a:r>
+              <a:rPr lang="ko-KR" altLang="en-US" smtClean="0"/>
+              <a:t>넷째 수준</a:t>
+            </a:r>
+          </a:p>
+          <a:p>
+            <a:pPr lvl="4"/>
+            <a:r>
+              <a:rPr lang="ko-KR" altLang="en-US" smtClean="0"/>
+              <a:t>다섯째 수준</a:t>
+            </a:r>
+            <a:endParaRPr lang="ko-KR" altLang="en-US"/>
+          </a:p>
+        </p:txBody>
+      </p:sp>
+      <p:sp>
+        <p:nvSpPr>
+          <p:cNvPr id="4" name="날짜 개체 틀 3"/>
+          <p:cNvSpPr>
+            <a:spLocks noGrp="1"/>
+          </p:cNvSpPr>
+          <p:nvPr>
+            <p:ph type="dt" sz="half" idx="10"/>
+          </p:nvPr>
+        </p:nvSpPr>
+        <p:spPr/>
+        <p:txBody>
+          <a:bodyPr/>
+          <a:lstStyle/>
+          <a:p>
+            <a:fld id="{F707E34C-A3BC-41D6-B8FA-2FD524A2DDB2}" type="datetimeFigureOut">
+              <a:rPr lang="ko-KR" altLang="en-US" smtClean="0">
+                <a:solidFill>
+                  <a:prstClr val="black">
+                    <a:tint val="75000"/>
+                  </a:prstClr>
+                </a:solidFill>
+              </a:rPr>
+              <a:pPr/>
+              <a:t>2016-09-07</a:t>
+            </a:fld>
+            <a:endParaRPr lang="ko-KR" altLang="en-US">
+              <a:solidFill>
+                <a:prstClr val="black">
+                  <a:tint val="75000"/>
+                </a:prstClr>
+              </a:solidFill>
+            </a:endParaRPr>
+          </a:p>
+        </p:txBody>
+      </p:sp>
+      <p:sp>
+        <p:nvSpPr>
+          <p:cNvPr id="5" name="바닥글 개체 틀 4"/>
+          <p:cNvSpPr>
+            <a:spLocks noGrp="1"/>
+          </p:cNvSpPr>
+          <p:nvPr>
+            <p:ph type="ftr" sz="quarter" idx="11"/>
+          </p:nvPr>
+        </p:nvSpPr>
+        <p:spPr/>
+        <p:txBody>
+          <a:bodyPr/>
+          <a:lstStyle/>
+          <a:p>
+            <a:endParaRPr lang="ko-KR" altLang="en-US">
+              <a:solidFill>
+                <a:prstClr val="black">
+                  <a:tint val="75000"/>
+                </a:prstClr>
+              </a:solidFill>
+            </a:endParaRPr>
+          </a:p>
+        </p:txBody>
+      </p:sp>
+      <p:sp>
+        <p:nvSpPr>
+          <p:cNvPr id="6" name="슬라이드 번호 개체 틀 5"/>
+          <p:cNvSpPr>
+            <a:spLocks noGrp="1"/>
+          </p:cNvSpPr>
+          <p:nvPr>
+            <p:ph type="sldNum" sz="quarter" idx="12"/>
+          </p:nvPr>
+        </p:nvSpPr>
+        <p:spPr/>
+        <p:txBody>
+          <a:bodyPr/>
+          <a:lstStyle/>
+          <a:p>
+            <a:fld id="{8B155CE1-4ABC-4771-99B0-8A36ABB1CF96}" type="slidenum">
+              <a:rPr lang="ko-KR" altLang="en-US" smtClean="0">
+                <a:solidFill>
+                  <a:prstClr val="black">
+                    <a:tint val="75000"/>
+                  </a:prstClr>
+                </a:solidFill>
+              </a:rPr>
+              <a:pPr/>
+              <a:t>‹#›</a:t>
+            </a:fld>
+            <a:endParaRPr lang="ko-KR" altLang="en-US">
+              <a:solidFill>
+                <a:prstClr val="black">
+                  <a:tint val="75000"/>
+                </a:prstClr>
+              </a:solidFill>
+            </a:endParaRPr>
+          </a:p>
+        </p:txBody>
+      </p:sp>
+    </p:spTree>
+    <p:extLst>
+      <p:ext uri="{BB962C8B-B14F-4D97-AF65-F5344CB8AC3E}">
+        <p14:creationId xmlns:p14="http://schemas.microsoft.com/office/powerpoint/2010/main" val="2741327097"/>
       </p:ext>
     </p:extLst>
   </p:cSld>
@@ -25399,6 +28739,558 @@
     <p:sldLayoutId id="2147483657" r:id="rId9"/>
     <p:sldLayoutId id="2147483658" r:id="rId10"/>
     <p:sldLayoutId id="2147483659" r:id="rId11"/>
+  </p:sldLayoutIdLst>
+  <p:txStyles>
+    <p:titleStyle>
+      <a:lvl1pPr algn="ctr" defTabSz="914400" rtl="0" eaLnBrk="1" latinLnBrk="1" hangingPunct="1">
+        <a:spcBef>
+          <a:spcPct val="0"/>
+        </a:spcBef>
+        <a:buNone/>
+        <a:defRPr sz="4400" kern="1200">
+          <a:solidFill>
+            <a:schemeClr val="tx1"/>
+          </a:solidFill>
+          <a:latin typeface="+mj-lt"/>
+          <a:ea typeface="+mj-ea"/>
+          <a:cs typeface="+mj-cs"/>
+        </a:defRPr>
+      </a:lvl1pPr>
+    </p:titleStyle>
+    <p:bodyStyle>
+      <a:lvl1pPr marL="342900" indent="-342900" algn="l" defTabSz="914400" rtl="0" eaLnBrk="1" latinLnBrk="1" hangingPunct="1">
+        <a:spcBef>
+          <a:spcPct val="20000"/>
+        </a:spcBef>
+        <a:buFont typeface="Arial" panose="020B0604020202020204" pitchFamily="34" charset="0"/>
+        <a:buChar char="•"/>
+        <a:defRPr sz="3200" kern="1200">
+          <a:solidFill>
+            <a:schemeClr val="tx1"/>
+          </a:solidFill>
+          <a:latin typeface="+mn-lt"/>
+          <a:ea typeface="+mn-ea"/>
+          <a:cs typeface="+mn-cs"/>
+        </a:defRPr>
+      </a:lvl1pPr>
+      <a:lvl2pPr marL="742950" indent="-285750" algn="l" defTabSz="914400" rtl="0" eaLnBrk="1" latinLnBrk="1" hangingPunct="1">
+        <a:spcBef>
+          <a:spcPct val="20000"/>
+        </a:spcBef>
+        <a:buFont typeface="Arial" panose="020B0604020202020204" pitchFamily="34" charset="0"/>
+        <a:buChar char="–"/>
+        <a:defRPr sz="2800" kern="1200">
+          <a:solidFill>
+            <a:schemeClr val="tx1"/>
+          </a:solidFill>
+          <a:latin typeface="+mn-lt"/>
+          <a:ea typeface="+mn-ea"/>
+          <a:cs typeface="+mn-cs"/>
+        </a:defRPr>
+      </a:lvl2pPr>
+      <a:lvl3pPr marL="1143000" indent="-228600" algn="l" defTabSz="914400" rtl="0" eaLnBrk="1" latinLnBrk="1" hangingPunct="1">
+        <a:spcBef>
+          <a:spcPct val="20000"/>
+        </a:spcBef>
+        <a:buFont typeface="Arial" panose="020B0604020202020204" pitchFamily="34" charset="0"/>
+        <a:buChar char="•"/>
+        <a:defRPr sz="2400" kern="1200">
+          <a:solidFill>
+            <a:schemeClr val="tx1"/>
+          </a:solidFill>
+          <a:latin typeface="+mn-lt"/>
+          <a:ea typeface="+mn-ea"/>
+          <a:cs typeface="+mn-cs"/>
+        </a:defRPr>
+      </a:lvl3pPr>
+      <a:lvl4pPr marL="1600200" indent="-228600" algn="l" defTabSz="914400" rtl="0" eaLnBrk="1" latinLnBrk="1" hangingPunct="1">
+        <a:spcBef>
+          <a:spcPct val="20000"/>
+        </a:spcBef>
+        <a:buFont typeface="Arial" panose="020B0604020202020204" pitchFamily="34" charset="0"/>
+        <a:buChar char="–"/>
+        <a:defRPr sz="2000" kern="1200">
+          <a:solidFill>
+            <a:schemeClr val="tx1"/>
+          </a:solidFill>
+          <a:latin typeface="+mn-lt"/>
+          <a:ea typeface="+mn-ea"/>
+          <a:cs typeface="+mn-cs"/>
+        </a:defRPr>
+      </a:lvl4pPr>
+      <a:lvl5pPr marL="2057400" indent="-228600" algn="l" defTabSz="914400" rtl="0" eaLnBrk="1" latinLnBrk="1" hangingPunct="1">
+        <a:spcBef>
+          <a:spcPct val="20000"/>
+        </a:spcBef>
+        <a:buFont typeface="Arial" panose="020B0604020202020204" pitchFamily="34" charset="0"/>
+        <a:buChar char="»"/>
+        <a:defRPr sz="2000" kern="1200">
+          <a:solidFill>
+            <a:schemeClr val="tx1"/>
+          </a:solidFill>
+          <a:latin typeface="+mn-lt"/>
+          <a:ea typeface="+mn-ea"/>
+          <a:cs typeface="+mn-cs"/>
+        </a:defRPr>
+      </a:lvl5pPr>
+      <a:lvl6pPr marL="2514600" indent="-228600" algn="l" defTabSz="914400" rtl="0" eaLnBrk="1" latinLnBrk="1" hangingPunct="1">
+        <a:spcBef>
+          <a:spcPct val="20000"/>
+        </a:spcBef>
+        <a:buFont typeface="Arial" panose="020B0604020202020204" pitchFamily="34" charset="0"/>
+        <a:buChar char="•"/>
+        <a:defRPr sz="2000" kern="1200">
+          <a:solidFill>
+            <a:schemeClr val="tx1"/>
+          </a:solidFill>
+          <a:latin typeface="+mn-lt"/>
+          <a:ea typeface="+mn-ea"/>
+          <a:cs typeface="+mn-cs"/>
+        </a:defRPr>
+      </a:lvl6pPr>
+      <a:lvl7pPr marL="2971800" indent="-228600" algn="l" defTabSz="914400" rtl="0" eaLnBrk="1" latinLnBrk="1" hangingPunct="1">
+        <a:spcBef>
+          <a:spcPct val="20000"/>
+        </a:spcBef>
+        <a:buFont typeface="Arial" panose="020B0604020202020204" pitchFamily="34" charset="0"/>
+        <a:buChar char="•"/>
+        <a:defRPr sz="2000" kern="1200">
+          <a:solidFill>
+            <a:schemeClr val="tx1"/>
+          </a:solidFill>
+          <a:latin typeface="+mn-lt"/>
+          <a:ea typeface="+mn-ea"/>
+          <a:cs typeface="+mn-cs"/>
+        </a:defRPr>
+      </a:lvl7pPr>
+      <a:lvl8pPr marL="3429000" indent="-228600" algn="l" defTabSz="914400" rtl="0" eaLnBrk="1" latinLnBrk="1" hangingPunct="1">
+        <a:spcBef>
+          <a:spcPct val="20000"/>
+        </a:spcBef>
+        <a:buFont typeface="Arial" panose="020B0604020202020204" pitchFamily="34" charset="0"/>
+        <a:buChar char="•"/>
+        <a:defRPr sz="2000" kern="1200">
+          <a:solidFill>
+            <a:schemeClr val="tx1"/>
+          </a:solidFill>
+          <a:latin typeface="+mn-lt"/>
+          <a:ea typeface="+mn-ea"/>
+          <a:cs typeface="+mn-cs"/>
+        </a:defRPr>
+      </a:lvl8pPr>
+      <a:lvl9pPr marL="3886200" indent="-228600" algn="l" defTabSz="914400" rtl="0" eaLnBrk="1" latinLnBrk="1" hangingPunct="1">
+        <a:spcBef>
+          <a:spcPct val="20000"/>
+        </a:spcBef>
+        <a:buFont typeface="Arial" panose="020B0604020202020204" pitchFamily="34" charset="0"/>
+        <a:buChar char="•"/>
+        <a:defRPr sz="2000" kern="1200">
+          <a:solidFill>
+            <a:schemeClr val="tx1"/>
+          </a:solidFill>
+          <a:latin typeface="+mn-lt"/>
+          <a:ea typeface="+mn-ea"/>
+          <a:cs typeface="+mn-cs"/>
+        </a:defRPr>
+      </a:lvl9pPr>
+    </p:bodyStyle>
+    <p:otherStyle>
+      <a:defPPr>
+        <a:defRPr lang="ko-KR"/>
+      </a:defPPr>
+      <a:lvl1pPr marL="0" algn="l" defTabSz="914400" rtl="0" eaLnBrk="1" latinLnBrk="1" hangingPunct="1">
+        <a:defRPr sz="1800" kern="1200">
+          <a:solidFill>
+            <a:schemeClr val="tx1"/>
+          </a:solidFill>
+          <a:latin typeface="+mn-lt"/>
+          <a:ea typeface="+mn-ea"/>
+          <a:cs typeface="+mn-cs"/>
+        </a:defRPr>
+      </a:lvl1pPr>
+      <a:lvl2pPr marL="457200" algn="l" defTabSz="914400" rtl="0" eaLnBrk="1" latinLnBrk="1" hangingPunct="1">
+        <a:defRPr sz="1800" kern="1200">
+          <a:solidFill>
+            <a:schemeClr val="tx1"/>
+          </a:solidFill>
+          <a:latin typeface="+mn-lt"/>
+          <a:ea typeface="+mn-ea"/>
+          <a:cs typeface="+mn-cs"/>
+        </a:defRPr>
+      </a:lvl2pPr>
+      <a:lvl3pPr marL="914400" algn="l" defTabSz="914400" rtl="0" eaLnBrk="1" latinLnBrk="1" hangingPunct="1">
+        <a:defRPr sz="1800" kern="1200">
+          <a:solidFill>
+            <a:schemeClr val="tx1"/>
+          </a:solidFill>
+          <a:latin typeface="+mn-lt"/>
+          <a:ea typeface="+mn-ea"/>
+          <a:cs typeface="+mn-cs"/>
+        </a:defRPr>
+      </a:lvl3pPr>
+      <a:lvl4pPr marL="1371600" algn="l" defTabSz="914400" rtl="0" eaLnBrk="1" latinLnBrk="1" hangingPunct="1">
+        <a:defRPr sz="1800" kern="1200">
+          <a:solidFill>
+            <a:schemeClr val="tx1"/>
+          </a:solidFill>
+          <a:latin typeface="+mn-lt"/>
+          <a:ea typeface="+mn-ea"/>
+          <a:cs typeface="+mn-cs"/>
+        </a:defRPr>
+      </a:lvl4pPr>
+      <a:lvl5pPr marL="1828800" algn="l" defTabSz="914400" rtl="0" eaLnBrk="1" latinLnBrk="1" hangingPunct="1">
+        <a:defRPr sz="1800" kern="1200">
+          <a:solidFill>
+            <a:schemeClr val="tx1"/>
+          </a:solidFill>
+          <a:latin typeface="+mn-lt"/>
+          <a:ea typeface="+mn-ea"/>
+          <a:cs typeface="+mn-cs"/>
+        </a:defRPr>
+      </a:lvl5pPr>
+      <a:lvl6pPr marL="2286000" algn="l" defTabSz="914400" rtl="0" eaLnBrk="1" latinLnBrk="1" hangingPunct="1">
+        <a:defRPr sz="1800" kern="1200">
+          <a:solidFill>
+            <a:schemeClr val="tx1"/>
+          </a:solidFill>
+          <a:latin typeface="+mn-lt"/>
+          <a:ea typeface="+mn-ea"/>
+          <a:cs typeface="+mn-cs"/>
+        </a:defRPr>
+      </a:lvl6pPr>
+      <a:lvl7pPr marL="2743200" algn="l" defTabSz="914400" rtl="0" eaLnBrk="1" latinLnBrk="1" hangingPunct="1">
+        <a:defRPr sz="1800" kern="1200">
+          <a:solidFill>
+            <a:schemeClr val="tx1"/>
+          </a:solidFill>
+          <a:latin typeface="+mn-lt"/>
+          <a:ea typeface="+mn-ea"/>
+          <a:cs typeface="+mn-cs"/>
+        </a:defRPr>
+      </a:lvl7pPr>
+      <a:lvl8pPr marL="3200400" algn="l" defTabSz="914400" rtl="0" eaLnBrk="1" latinLnBrk="1" hangingPunct="1">
+        <a:defRPr sz="1800" kern="1200">
+          <a:solidFill>
+            <a:schemeClr val="tx1"/>
+          </a:solidFill>
+          <a:latin typeface="+mn-lt"/>
+          <a:ea typeface="+mn-ea"/>
+          <a:cs typeface="+mn-cs"/>
+        </a:defRPr>
+      </a:lvl8pPr>
+      <a:lvl9pPr marL="3657600" algn="l" defTabSz="914400" rtl="0" eaLnBrk="1" latinLnBrk="1" hangingPunct="1">
+        <a:defRPr sz="1800" kern="1200">
+          <a:solidFill>
+            <a:schemeClr val="tx1"/>
+          </a:solidFill>
+          <a:latin typeface="+mn-lt"/>
+          <a:ea typeface="+mn-ea"/>
+          <a:cs typeface="+mn-cs"/>
+        </a:defRPr>
+      </a:lvl9pPr>
+    </p:otherStyle>
+  </p:txStyles>
+</p:sldMaster>
+</file>
+
+<file path=ppt/slideMasters/slideMaster10.xml><?xml version="1.0" encoding="utf-8"?>
+<p:sldMaster xmlns:a="http://schemas.openxmlformats.org/drawingml/2006/main" xmlns:r="http://schemas.openxmlformats.org/officeDocument/2006/relationships" xmlns:p="http://schemas.openxmlformats.org/presentationml/2006/main">
+  <p:cSld>
+    <p:bg>
+      <p:bgPr>
+        <a:blipFill dpi="0" rotWithShape="1">
+          <a:blip r:embed="rId13">
+            <a:alphaModFix amt="95000"/>
+            <a:lum/>
+          </a:blip>
+          <a:srcRect/>
+          <a:stretch>
+            <a:fillRect l="-17000" r="-17000"/>
+          </a:stretch>
+        </a:blipFill>
+        <a:effectLst/>
+      </p:bgPr>
+    </p:bg>
+    <p:spTree>
+      <p:nvGrpSpPr>
+        <p:cNvPr id="1" name=""/>
+        <p:cNvGrpSpPr/>
+        <p:nvPr/>
+      </p:nvGrpSpPr>
+      <p:grpSpPr>
+        <a:xfrm>
+          <a:off x="0" y="0"/>
+          <a:ext cx="0" cy="0"/>
+          <a:chOff x="0" y="0"/>
+          <a:chExt cx="0" cy="0"/>
+        </a:xfrm>
+      </p:grpSpPr>
+      <p:sp>
+        <p:nvSpPr>
+          <p:cNvPr id="2" name="제목 개체 틀 1"/>
+          <p:cNvSpPr>
+            <a:spLocks noGrp="1"/>
+          </p:cNvSpPr>
+          <p:nvPr>
+            <p:ph type="title"/>
+          </p:nvPr>
+        </p:nvSpPr>
+        <p:spPr>
+          <a:xfrm>
+            <a:off x="457200" y="274638"/>
+            <a:ext cx="8229600" cy="1143000"/>
+          </a:xfrm>
+          <a:prstGeom prst="rect">
+            <a:avLst/>
+          </a:prstGeom>
+        </p:spPr>
+        <p:txBody>
+          <a:bodyPr vert="horz" lIns="91440" tIns="45720" rIns="91440" bIns="45720" rtlCol="0" anchor="ctr">
+            <a:normAutofit/>
+          </a:bodyPr>
+          <a:lstStyle/>
+          <a:p>
+            <a:r>
+              <a:rPr lang="ko-KR" altLang="en-US" smtClean="0"/>
+              <a:t>마스터 제목 스타일 편집</a:t>
+            </a:r>
+            <a:endParaRPr lang="ko-KR" altLang="en-US"/>
+          </a:p>
+        </p:txBody>
+      </p:sp>
+      <p:sp>
+        <p:nvSpPr>
+          <p:cNvPr id="3" name="텍스트 개체 틀 2"/>
+          <p:cNvSpPr>
+            <a:spLocks noGrp="1"/>
+          </p:cNvSpPr>
+          <p:nvPr>
+            <p:ph type="body" idx="1"/>
+          </p:nvPr>
+        </p:nvSpPr>
+        <p:spPr>
+          <a:xfrm>
+            <a:off x="457200" y="1600200"/>
+            <a:ext cx="8229600" cy="4525963"/>
+          </a:xfrm>
+          <a:prstGeom prst="rect">
+            <a:avLst/>
+          </a:prstGeom>
+        </p:spPr>
+        <p:txBody>
+          <a:bodyPr vert="horz" lIns="91440" tIns="45720" rIns="91440" bIns="45720" rtlCol="0">
+            <a:normAutofit/>
+          </a:bodyPr>
+          <a:lstStyle/>
+          <a:p>
+            <a:pPr lvl="0"/>
+            <a:r>
+              <a:rPr lang="ko-KR" altLang="en-US" smtClean="0"/>
+              <a:t>마스터 텍스트 스타일을 편집합니다</a:t>
+            </a:r>
+          </a:p>
+          <a:p>
+            <a:pPr lvl="1"/>
+            <a:r>
+              <a:rPr lang="ko-KR" altLang="en-US" smtClean="0"/>
+              <a:t>둘째 수준</a:t>
+            </a:r>
+          </a:p>
+          <a:p>
+            <a:pPr lvl="2"/>
+            <a:r>
+              <a:rPr lang="ko-KR" altLang="en-US" smtClean="0"/>
+              <a:t>셋째 수준</a:t>
+            </a:r>
+          </a:p>
+          <a:p>
+            <a:pPr lvl="3"/>
+            <a:r>
+              <a:rPr lang="ko-KR" altLang="en-US" smtClean="0"/>
+              <a:t>넷째 수준</a:t>
+            </a:r>
+          </a:p>
+          <a:p>
+            <a:pPr lvl="4"/>
+            <a:r>
+              <a:rPr lang="ko-KR" altLang="en-US" smtClean="0"/>
+              <a:t>다섯째 수준</a:t>
+            </a:r>
+            <a:endParaRPr lang="ko-KR" altLang="en-US"/>
+          </a:p>
+        </p:txBody>
+      </p:sp>
+      <p:sp>
+        <p:nvSpPr>
+          <p:cNvPr id="4" name="날짜 개체 틀 3"/>
+          <p:cNvSpPr>
+            <a:spLocks noGrp="1"/>
+          </p:cNvSpPr>
+          <p:nvPr>
+            <p:ph type="dt" sz="half" idx="2"/>
+          </p:nvPr>
+        </p:nvSpPr>
+        <p:spPr>
+          <a:xfrm>
+            <a:off x="457200" y="6356350"/>
+            <a:ext cx="2133600" cy="365125"/>
+          </a:xfrm>
+          <a:prstGeom prst="rect">
+            <a:avLst/>
+          </a:prstGeom>
+        </p:spPr>
+        <p:txBody>
+          <a:bodyPr vert="horz" lIns="91440" tIns="45720" rIns="91440" bIns="45720" rtlCol="0" anchor="ctr"/>
+          <a:lstStyle>
+            <a:lvl1pPr algn="l">
+              <a:defRPr sz="1200">
+                <a:solidFill>
+                  <a:schemeClr val="tx1">
+                    <a:tint val="75000"/>
+                  </a:schemeClr>
+                </a:solidFill>
+              </a:defRPr>
+            </a:lvl1pPr>
+          </a:lstStyle>
+          <a:p>
+            <a:fld id="{F707E34C-A3BC-41D6-B8FA-2FD524A2DDB2}" type="datetimeFigureOut">
+              <a:rPr lang="ko-KR" altLang="en-US" smtClean="0">
+                <a:solidFill>
+                  <a:prstClr val="black">
+                    <a:tint val="75000"/>
+                  </a:prstClr>
+                </a:solidFill>
+              </a:rPr>
+              <a:pPr/>
+              <a:t>2016-09-07</a:t>
+            </a:fld>
+            <a:endParaRPr lang="ko-KR" altLang="en-US">
+              <a:solidFill>
+                <a:prstClr val="black">
+                  <a:tint val="75000"/>
+                </a:prstClr>
+              </a:solidFill>
+            </a:endParaRPr>
+          </a:p>
+        </p:txBody>
+      </p:sp>
+      <p:sp>
+        <p:nvSpPr>
+          <p:cNvPr id="5" name="바닥글 개체 틀 4"/>
+          <p:cNvSpPr>
+            <a:spLocks noGrp="1"/>
+          </p:cNvSpPr>
+          <p:nvPr>
+            <p:ph type="ftr" sz="quarter" idx="3"/>
+          </p:nvPr>
+        </p:nvSpPr>
+        <p:spPr>
+          <a:xfrm>
+            <a:off x="3124200" y="6356350"/>
+            <a:ext cx="2895600" cy="365125"/>
+          </a:xfrm>
+          <a:prstGeom prst="rect">
+            <a:avLst/>
+          </a:prstGeom>
+        </p:spPr>
+        <p:txBody>
+          <a:bodyPr vert="horz" lIns="91440" tIns="45720" rIns="91440" bIns="45720" rtlCol="0" anchor="ctr"/>
+          <a:lstStyle>
+            <a:lvl1pPr algn="ctr">
+              <a:defRPr sz="1200">
+                <a:solidFill>
+                  <a:schemeClr val="tx1">
+                    <a:tint val="75000"/>
+                  </a:schemeClr>
+                </a:solidFill>
+              </a:defRPr>
+            </a:lvl1pPr>
+          </a:lstStyle>
+          <a:p>
+            <a:endParaRPr lang="ko-KR" altLang="en-US">
+              <a:solidFill>
+                <a:prstClr val="black">
+                  <a:tint val="75000"/>
+                </a:prstClr>
+              </a:solidFill>
+            </a:endParaRPr>
+          </a:p>
+        </p:txBody>
+      </p:sp>
+      <p:sp>
+        <p:nvSpPr>
+          <p:cNvPr id="6" name="슬라이드 번호 개체 틀 5"/>
+          <p:cNvSpPr>
+            <a:spLocks noGrp="1"/>
+          </p:cNvSpPr>
+          <p:nvPr>
+            <p:ph type="sldNum" sz="quarter" idx="4"/>
+          </p:nvPr>
+        </p:nvSpPr>
+        <p:spPr>
+          <a:xfrm>
+            <a:off x="6553200" y="6356350"/>
+            <a:ext cx="2133600" cy="365125"/>
+          </a:xfrm>
+          <a:prstGeom prst="rect">
+            <a:avLst/>
+          </a:prstGeom>
+        </p:spPr>
+        <p:txBody>
+          <a:bodyPr vert="horz" lIns="91440" tIns="45720" rIns="91440" bIns="45720" rtlCol="0" anchor="ctr"/>
+          <a:lstStyle>
+            <a:lvl1pPr algn="r">
+              <a:defRPr sz="1200">
+                <a:solidFill>
+                  <a:schemeClr val="tx1">
+                    <a:tint val="75000"/>
+                  </a:schemeClr>
+                </a:solidFill>
+              </a:defRPr>
+            </a:lvl1pPr>
+          </a:lstStyle>
+          <a:p>
+            <a:fld id="{8B155CE1-4ABC-4771-99B0-8A36ABB1CF96}" type="slidenum">
+              <a:rPr lang="ko-KR" altLang="en-US" smtClean="0">
+                <a:solidFill>
+                  <a:prstClr val="black">
+                    <a:tint val="75000"/>
+                  </a:prstClr>
+                </a:solidFill>
+              </a:rPr>
+              <a:pPr/>
+              <a:t>‹#›</a:t>
+            </a:fld>
+            <a:endParaRPr lang="ko-KR" altLang="en-US">
+              <a:solidFill>
+                <a:prstClr val="black">
+                  <a:tint val="75000"/>
+                </a:prstClr>
+              </a:solidFill>
+            </a:endParaRPr>
+          </a:p>
+        </p:txBody>
+      </p:sp>
+    </p:spTree>
+    <p:extLst>
+      <p:ext uri="{BB962C8B-B14F-4D97-AF65-F5344CB8AC3E}">
+        <p14:creationId xmlns:p14="http://schemas.microsoft.com/office/powerpoint/2010/main" val="2370446595"/>
+      </p:ext>
+    </p:extLst>
+  </p:cSld>
+  <p:clrMap bg1="lt1" tx1="dk1" bg2="lt2" tx2="dk2" accent1="accent1" accent2="accent2" accent3="accent3" accent4="accent4" accent5="accent5" accent6="accent6" hlink="hlink" folHlink="folHlink"/>
+  <p:sldLayoutIdLst>
+    <p:sldLayoutId id="2147483793" r:id="rId1"/>
+    <p:sldLayoutId id="2147483794" r:id="rId2"/>
+    <p:sldLayoutId id="2147483795" r:id="rId3"/>
+    <p:sldLayoutId id="2147483796" r:id="rId4"/>
+    <p:sldLayoutId id="2147483797" r:id="rId5"/>
+    <p:sldLayoutId id="2147483798" r:id="rId6"/>
+    <p:sldLayoutId id="2147483799" r:id="rId7"/>
+    <p:sldLayoutId id="2147483800" r:id="rId8"/>
+    <p:sldLayoutId id="2147483801" r:id="rId9"/>
+    <p:sldLayoutId id="2147483802" r:id="rId10"/>
+    <p:sldLayoutId id="2147483803" r:id="rId11"/>
   </p:sldLayoutIdLst>
   <p:txStyles>
     <p:titleStyle>
@@ -30338,54 +34230,14 @@
               <a:t>, </a:t>
             </a:r>
             <a:r>
-              <a:rPr lang="ko-KR" altLang="en-US" sz="2800" dirty="0" err="1" smtClean="0">
+              <a:rPr lang="ko-KR" altLang="en-US" sz="2800" dirty="0" smtClean="0">
                 <a:solidFill>
                   <a:schemeClr val="bg1"/>
                 </a:solidFill>
                 <a:latin typeface="소야논8" panose="02020603020101020101" pitchFamily="18" charset="-127"/>
                 <a:ea typeface="소야논8" panose="02020603020101020101" pitchFamily="18" charset="-127"/>
               </a:rPr>
-              <a:t>접속시</a:t>
-            </a:r>
-            <a:r>
-              <a:rPr lang="ko-KR" altLang="en-US" sz="2800" dirty="0" smtClean="0">
-                <a:solidFill>
-                  <a:schemeClr val="bg1"/>
-                </a:solidFill>
-                <a:latin typeface="소야논8" panose="02020603020101020101" pitchFamily="18" charset="-127"/>
-                <a:ea typeface="소야논8" panose="02020603020101020101" pitchFamily="18" charset="-127"/>
-              </a:rPr>
-              <a:t> </a:t>
-            </a:r>
-            <a:r>
-              <a:rPr lang="ko-KR" altLang="en-US" sz="2800" dirty="0" smtClean="0">
-                <a:solidFill>
-                  <a:schemeClr val="bg1"/>
-                </a:solidFill>
-                <a:latin typeface="소야논8" panose="02020603020101020101" pitchFamily="18" charset="-127"/>
-                <a:ea typeface="소야논8" panose="02020603020101020101" pitchFamily="18" charset="-127"/>
-              </a:rPr>
-              <a:t>빈 </a:t>
-            </a:r>
-            <a:r>
-              <a:rPr lang="ko-KR" altLang="en-US" sz="2800" dirty="0" smtClean="0">
-                <a:solidFill>
-                  <a:schemeClr val="bg1"/>
-                </a:solidFill>
-                <a:latin typeface="소야논8" panose="02020603020101020101" pitchFamily="18" charset="-127"/>
-                <a:ea typeface="소야논8" panose="02020603020101020101" pitchFamily="18" charset="-127"/>
-              </a:rPr>
-              <a:t>방으로 빠른 </a:t>
-            </a:r>
-            <a:r>
-              <a:rPr lang="ko-KR" altLang="en-US" sz="2800" dirty="0" smtClean="0">
-                <a:solidFill>
-                  <a:schemeClr val="bg1"/>
-                </a:solidFill>
-                <a:latin typeface="소야논8" panose="02020603020101020101" pitchFamily="18" charset="-127"/>
-                <a:ea typeface="소야논8" panose="02020603020101020101" pitchFamily="18" charset="-127"/>
-              </a:rPr>
-              <a:t>참여</a:t>
+              <a:t>접속 시 빈 방으로 빠른 참여</a:t>
             </a:r>
             <a:endParaRPr lang="en-US" altLang="ko-KR" sz="2800" dirty="0" smtClean="0">
               <a:solidFill>
@@ -30444,77 +34296,57 @@
                 <a:latin typeface="소야논8" panose="02020603020101020101" pitchFamily="18" charset="-127"/>
                 <a:ea typeface="소야논8" panose="02020603020101020101" pitchFamily="18" charset="-127"/>
               </a:rPr>
-              <a:t>유저마다 </a:t>
-            </a:r>
-            <a:r>
-              <a:rPr lang="ko-KR" altLang="en-US" sz="2800" dirty="0" smtClean="0">
+              <a:t>유저마다 고유 </a:t>
+            </a:r>
+            <a:r>
+              <a:rPr lang="ko-KR" altLang="en-US" sz="2800" dirty="0" err="1" smtClean="0">
                 <a:solidFill>
                   <a:schemeClr val="bg1"/>
                 </a:solidFill>
                 <a:latin typeface="소야논8" panose="02020603020101020101" pitchFamily="18" charset="-127"/>
                 <a:ea typeface="소야논8" panose="02020603020101020101" pitchFamily="18" charset="-127"/>
               </a:rPr>
-              <a:t>고유 </a:t>
-            </a:r>
-            <a:r>
-              <a:rPr lang="ko-KR" altLang="en-US" sz="2800" dirty="0" err="1" smtClean="0">
+              <a:t>포켓몬</a:t>
+            </a:r>
+            <a:r>
+              <a:rPr lang="en-US" altLang="ko-KR" sz="2800" dirty="0" smtClean="0">
                 <a:solidFill>
                   <a:schemeClr val="bg1"/>
                 </a:solidFill>
                 <a:latin typeface="소야논8" panose="02020603020101020101" pitchFamily="18" charset="-127"/>
                 <a:ea typeface="소야논8" panose="02020603020101020101" pitchFamily="18" charset="-127"/>
               </a:rPr>
-              <a:t>포켓몬</a:t>
-            </a:r>
-            <a:r>
-              <a:rPr lang="en-US" altLang="ko-KR" sz="2800" dirty="0" smtClean="0">
+              <a:t>(</a:t>
+            </a:r>
+            <a:r>
+              <a:rPr lang="ko-KR" altLang="en-US" sz="2800" dirty="0" smtClean="0">
                 <a:solidFill>
                   <a:schemeClr val="bg1"/>
                 </a:solidFill>
                 <a:latin typeface="소야논8" panose="02020603020101020101" pitchFamily="18" charset="-127"/>
                 <a:ea typeface="소야논8" panose="02020603020101020101" pitchFamily="18" charset="-127"/>
               </a:rPr>
-              <a:t>(</a:t>
-            </a:r>
-            <a:r>
-              <a:rPr lang="ko-KR" altLang="en-US" sz="2800" dirty="0" smtClean="0">
+              <a:t>아이콘</a:t>
+            </a:r>
+            <a:r>
+              <a:rPr lang="en-US" altLang="ko-KR" sz="2800" dirty="0" smtClean="0">
                 <a:solidFill>
                   <a:schemeClr val="bg1"/>
                 </a:solidFill>
                 <a:latin typeface="소야논8" panose="02020603020101020101" pitchFamily="18" charset="-127"/>
                 <a:ea typeface="소야논8" panose="02020603020101020101" pitchFamily="18" charset="-127"/>
               </a:rPr>
-              <a:t>아이콘</a:t>
-            </a:r>
-            <a:r>
-              <a:rPr lang="en-US" altLang="ko-KR" sz="2800" dirty="0" smtClean="0">
+              <a:t>)</a:t>
+            </a:r>
+            <a:r>
+              <a:rPr lang="ko-KR" altLang="en-US" sz="2800" dirty="0" smtClean="0">
                 <a:solidFill>
                   <a:schemeClr val="bg1"/>
                 </a:solidFill>
                 <a:latin typeface="소야논8" panose="02020603020101020101" pitchFamily="18" charset="-127"/>
                 <a:ea typeface="소야논8" panose="02020603020101020101" pitchFamily="18" charset="-127"/>
               </a:rPr>
-              <a:t>)</a:t>
-            </a:r>
-            <a:r>
-              <a:rPr lang="ko-KR" altLang="en-US" sz="2800" dirty="0" smtClean="0">
-                <a:solidFill>
-                  <a:schemeClr val="bg1"/>
-                </a:solidFill>
-                <a:latin typeface="소야논8" panose="02020603020101020101" pitchFamily="18" charset="-127"/>
-                <a:ea typeface="소야논8" panose="02020603020101020101" pitchFamily="18" charset="-127"/>
-              </a:rPr>
-              <a:t>이 </a:t>
-            </a:r>
-            <a:r>
-              <a:rPr lang="ko-KR" altLang="en-US" sz="2800" dirty="0" smtClean="0">
-                <a:solidFill>
-                  <a:schemeClr val="bg1"/>
-                </a:solidFill>
-                <a:latin typeface="소야논8" panose="02020603020101020101" pitchFamily="18" charset="-127"/>
-                <a:ea typeface="소야논8" panose="02020603020101020101" pitchFamily="18" charset="-127"/>
-              </a:rPr>
-              <a:t>있다</a:t>
+              <a:t>이 있다</a:t>
             </a:r>
             <a:endParaRPr lang="ko-KR" altLang="en-US" sz="2800" dirty="0">
               <a:solidFill>
@@ -30616,14 +34448,14 @@
           <a:lstStyle/>
           <a:p>
             <a:r>
-              <a:rPr lang="ko-KR" altLang="en-US" sz="2800" dirty="0" err="1" smtClean="0">
+              <a:rPr lang="ko-KR" altLang="en-US" sz="2800" dirty="0" smtClean="0">
                 <a:solidFill>
                   <a:schemeClr val="bg1"/>
                 </a:solidFill>
                 <a:latin typeface="소야논8" panose="02020603020101020101" pitchFamily="18" charset="-127"/>
                 <a:ea typeface="소야논8" panose="02020603020101020101" pitchFamily="18" charset="-127"/>
               </a:rPr>
-              <a:t>게임룰</a:t>
+              <a:t>게임 룰</a:t>
             </a:r>
             <a:endParaRPr lang="en-US" altLang="ko-KR" sz="2800" dirty="0" smtClean="0">
               <a:solidFill>
@@ -31059,13 +34891,6 @@
               </a:rPr>
               <a:t>: </a:t>
             </a:r>
-            <a:endParaRPr lang="en-US" altLang="ko-KR" sz="2800" dirty="0" smtClean="0">
-              <a:solidFill>
-                <a:schemeClr val="bg1"/>
-              </a:solidFill>
-              <a:latin typeface="소야논8" panose="02020603020101020101" pitchFamily="18" charset="-127"/>
-              <a:ea typeface="소야논8" panose="02020603020101020101" pitchFamily="18" charset="-127"/>
-            </a:endParaRPr>
           </a:p>
           <a:p>
             <a:pPr lvl="1">
@@ -31111,17 +34936,7 @@
                 <a:latin typeface="소야논8" panose="02020603020101020101" pitchFamily="18" charset="-127"/>
                 <a:ea typeface="소야논8" panose="02020603020101020101" pitchFamily="18" charset="-127"/>
               </a:rPr>
-              <a:t> </a:t>
-            </a:r>
-            <a:r>
-              <a:rPr lang="ko-KR" altLang="en-US" sz="2400" dirty="0" smtClean="0">
-                <a:solidFill>
-                  <a:schemeClr val="bg1"/>
-                </a:solidFill>
-                <a:latin typeface="소야논8" panose="02020603020101020101" pitchFamily="18" charset="-127"/>
-                <a:ea typeface="소야논8" panose="02020603020101020101" pitchFamily="18" charset="-127"/>
-              </a:rPr>
-              <a:t>다수</a:t>
+              <a:t> 다수</a:t>
             </a:r>
             <a:endParaRPr lang="en-US" altLang="ko-KR" sz="2400" dirty="0">
               <a:solidFill>
@@ -31362,38 +35177,6 @@
       </p:sp>
       <p:sp>
         <p:nvSpPr>
-          <p:cNvPr id="3" name="내용 개체 틀 2"/>
-          <p:cNvSpPr>
-            <a:spLocks noGrp="1"/>
-          </p:cNvSpPr>
-          <p:nvPr>
-            <p:ph idx="1"/>
-          </p:nvPr>
-        </p:nvSpPr>
-        <p:spPr/>
-        <p:txBody>
-          <a:bodyPr>
-            <a:normAutofit/>
-          </a:bodyPr>
-          <a:lstStyle/>
-          <a:p>
-            <a:pPr>
-              <a:lnSpc>
-                <a:spcPct val="150000"/>
-              </a:lnSpc>
-            </a:pPr>
-            <a:endParaRPr lang="en-US" altLang="ko-KR" sz="2800" dirty="0" smtClean="0">
-              <a:solidFill>
-                <a:schemeClr val="bg1"/>
-              </a:solidFill>
-              <a:latin typeface="소야논8" panose="02020603020101020101" pitchFamily="18" charset="-127"/>
-              <a:ea typeface="소야논8" panose="02020603020101020101" pitchFamily="18" charset="-127"/>
-            </a:endParaRPr>
-          </a:p>
-        </p:txBody>
-      </p:sp>
-      <p:sp>
-        <p:nvSpPr>
           <p:cNvPr id="4" name="직사각형 3"/>
           <p:cNvSpPr/>
           <p:nvPr/>
@@ -31429,14 +35212,23 @@
           <a:p>
             <a:pPr algn="ctr"/>
             <a:r>
-              <a:rPr lang="ko-KR" altLang="en-US" dirty="0" smtClean="0"/>
+              <a:rPr lang="ko-KR" altLang="en-US" dirty="0" smtClean="0">
+                <a:latin typeface="소야논8" panose="02020603020101020101" pitchFamily="18" charset="-127"/>
+                <a:ea typeface="소야논8" panose="02020603020101020101" pitchFamily="18" charset="-127"/>
+              </a:rPr>
               <a:t>메인 </a:t>
             </a:r>
             <a:r>
-              <a:rPr lang="ko-KR" altLang="en-US" dirty="0" err="1" smtClean="0"/>
+              <a:rPr lang="ko-KR" altLang="en-US" dirty="0" err="1" smtClean="0">
+                <a:latin typeface="소야논8" panose="02020603020101020101" pitchFamily="18" charset="-127"/>
+                <a:ea typeface="소야논8" panose="02020603020101020101" pitchFamily="18" charset="-127"/>
+              </a:rPr>
               <a:t>스레드</a:t>
             </a:r>
-            <a:endParaRPr lang="ko-KR" altLang="en-US" dirty="0"/>
+            <a:endParaRPr lang="ko-KR" altLang="en-US" dirty="0">
+              <a:latin typeface="소야논8" panose="02020603020101020101" pitchFamily="18" charset="-127"/>
+              <a:ea typeface="소야논8" panose="02020603020101020101" pitchFamily="18" charset="-127"/>
+            </a:endParaRPr>
           </a:p>
         </p:txBody>
       </p:sp>
@@ -31477,10 +35269,16 @@
           <a:p>
             <a:pPr algn="ctr"/>
             <a:r>
-              <a:rPr lang="ko-KR" altLang="en-US" smtClean="0"/>
+              <a:rPr lang="ko-KR" altLang="en-US" smtClean="0">
+                <a:latin typeface="소야논8" panose="02020603020101020101" pitchFamily="18" charset="-127"/>
+                <a:ea typeface="소야논8" panose="02020603020101020101" pitchFamily="18" charset="-127"/>
+              </a:rPr>
               <a:t>작업 큐</a:t>
             </a:r>
-            <a:endParaRPr lang="ko-KR" altLang="en-US" dirty="0"/>
+            <a:endParaRPr lang="ko-KR" altLang="en-US" dirty="0">
+              <a:latin typeface="소야논8" panose="02020603020101020101" pitchFamily="18" charset="-127"/>
+              <a:ea typeface="소야논8" panose="02020603020101020101" pitchFamily="18" charset="-127"/>
+            </a:endParaRPr>
           </a:p>
         </p:txBody>
       </p:sp>
@@ -31521,29 +35319,47 @@
           <a:p>
             <a:pPr algn="ctr"/>
             <a:r>
-              <a:rPr lang="en-US" altLang="ko-KR" dirty="0" smtClean="0"/>
+              <a:rPr lang="en-US" altLang="ko-KR" dirty="0" smtClean="0">
+                <a:latin typeface="소야논8" panose="02020603020101020101" pitchFamily="18" charset="-127"/>
+                <a:ea typeface="소야논8" panose="02020603020101020101" pitchFamily="18" charset="-127"/>
+              </a:rPr>
               <a:t>IOCP</a:t>
             </a:r>
           </a:p>
           <a:p>
             <a:pPr algn="ctr"/>
             <a:r>
-              <a:rPr lang="en-US" altLang="ko-KR" dirty="0" smtClean="0"/>
+              <a:rPr lang="en-US" altLang="ko-KR" dirty="0" smtClean="0">
+                <a:latin typeface="소야논8" panose="02020603020101020101" pitchFamily="18" charset="-127"/>
+                <a:ea typeface="소야논8" panose="02020603020101020101" pitchFamily="18" charset="-127"/>
+              </a:rPr>
               <a:t>Listen</a:t>
             </a:r>
             <a:r>
-              <a:rPr lang="ko-KR" altLang="en-US" dirty="0" smtClean="0"/>
+              <a:rPr lang="ko-KR" altLang="en-US" dirty="0" smtClean="0">
+                <a:latin typeface="소야논8" panose="02020603020101020101" pitchFamily="18" charset="-127"/>
+                <a:ea typeface="소야논8" panose="02020603020101020101" pitchFamily="18" charset="-127"/>
+              </a:rPr>
               <a:t> </a:t>
             </a:r>
-            <a:endParaRPr lang="en-US" altLang="ko-KR" dirty="0" smtClean="0"/>
+            <a:endParaRPr lang="en-US" altLang="ko-KR" dirty="0" smtClean="0">
+              <a:latin typeface="소야논8" panose="02020603020101020101" pitchFamily="18" charset="-127"/>
+              <a:ea typeface="소야논8" panose="02020603020101020101" pitchFamily="18" charset="-127"/>
+            </a:endParaRPr>
           </a:p>
           <a:p>
             <a:pPr algn="ctr"/>
             <a:r>
-              <a:rPr lang="ko-KR" altLang="en-US" dirty="0" err="1" smtClean="0"/>
+              <a:rPr lang="ko-KR" altLang="en-US" dirty="0" err="1" smtClean="0">
+                <a:latin typeface="소야논8" panose="02020603020101020101" pitchFamily="18" charset="-127"/>
+                <a:ea typeface="소야논8" panose="02020603020101020101" pitchFamily="18" charset="-127"/>
+              </a:rPr>
               <a:t>스레드</a:t>
             </a:r>
-            <a:endParaRPr lang="ko-KR" altLang="en-US" dirty="0"/>
+            <a:endParaRPr lang="ko-KR" altLang="en-US" dirty="0">
+              <a:latin typeface="소야논8" panose="02020603020101020101" pitchFamily="18" charset="-127"/>
+              <a:ea typeface="소야논8" panose="02020603020101020101" pitchFamily="18" charset="-127"/>
+            </a:endParaRPr>
           </a:p>
         </p:txBody>
       </p:sp>
@@ -31556,7 +35372,7 @@
         <p:spPr>
           <a:xfrm>
             <a:off x="2555776" y="2276872"/>
-            <a:ext cx="936104" cy="624069"/>
+            <a:ext cx="1059464" cy="624069"/>
           </a:xfrm>
           <a:prstGeom prst="rect">
             <a:avLst/>
@@ -31584,10 +35400,16 @@
           <a:p>
             <a:pPr algn="ctr"/>
             <a:r>
-              <a:rPr lang="en-US" altLang="ko-KR" dirty="0" smtClean="0"/>
+              <a:rPr lang="en-US" altLang="ko-KR" dirty="0" smtClean="0">
+                <a:latin typeface="소야논8" panose="02020603020101020101" pitchFamily="18" charset="-127"/>
+                <a:ea typeface="소야논8" panose="02020603020101020101" pitchFamily="18" charset="-127"/>
+              </a:rPr>
               <a:t>Worker</a:t>
             </a:r>
-            <a:endParaRPr lang="ko-KR" altLang="en-US" dirty="0"/>
+            <a:endParaRPr lang="ko-KR" altLang="en-US" dirty="0">
+              <a:latin typeface="소야논8" panose="02020603020101020101" pitchFamily="18" charset="-127"/>
+              <a:ea typeface="소야논8" panose="02020603020101020101" pitchFamily="18" charset="-127"/>
+            </a:endParaRPr>
           </a:p>
         </p:txBody>
       </p:sp>
@@ -31600,7 +35422,7 @@
         <p:spPr>
           <a:xfrm>
             <a:off x="2551604" y="3265552"/>
-            <a:ext cx="936104" cy="667504"/>
+            <a:ext cx="1063636" cy="667504"/>
           </a:xfrm>
           <a:prstGeom prst="rect">
             <a:avLst/>
@@ -31628,10 +35450,16 @@
           <a:p>
             <a:pPr algn="ctr"/>
             <a:r>
-              <a:rPr lang="en-US" altLang="ko-KR" dirty="0" smtClean="0"/>
+              <a:rPr lang="en-US" altLang="ko-KR" dirty="0" smtClean="0">
+                <a:latin typeface="소야논8" panose="02020603020101020101" pitchFamily="18" charset="-127"/>
+                <a:ea typeface="소야논8" panose="02020603020101020101" pitchFamily="18" charset="-127"/>
+              </a:rPr>
               <a:t>Worker</a:t>
             </a:r>
-            <a:endParaRPr lang="ko-KR" altLang="en-US" dirty="0"/>
+            <a:endParaRPr lang="ko-KR" altLang="en-US" dirty="0">
+              <a:latin typeface="소야논8" panose="02020603020101020101" pitchFamily="18" charset="-127"/>
+              <a:ea typeface="소야논8" panose="02020603020101020101" pitchFamily="18" charset="-127"/>
+            </a:endParaRPr>
           </a:p>
         </p:txBody>
       </p:sp>
@@ -31644,7 +35472,7 @@
         <p:spPr>
           <a:xfrm>
             <a:off x="2551604" y="4293096"/>
-            <a:ext cx="936104" cy="667504"/>
+            <a:ext cx="1012284" cy="667504"/>
           </a:xfrm>
           <a:prstGeom prst="rect">
             <a:avLst/>
@@ -31672,10 +35500,16 @@
           <a:p>
             <a:pPr algn="ctr"/>
             <a:r>
-              <a:rPr lang="en-US" altLang="ko-KR" dirty="0" smtClean="0"/>
+              <a:rPr lang="en-US" altLang="ko-KR" dirty="0" smtClean="0">
+                <a:latin typeface="소야논8" panose="02020603020101020101" pitchFamily="18" charset="-127"/>
+                <a:ea typeface="소야논8" panose="02020603020101020101" pitchFamily="18" charset="-127"/>
+              </a:rPr>
               <a:t>Worker</a:t>
             </a:r>
-            <a:endParaRPr lang="ko-KR" altLang="en-US" dirty="0"/>
+            <a:endParaRPr lang="ko-KR" altLang="en-US" dirty="0">
+              <a:latin typeface="소야논8" panose="02020603020101020101" pitchFamily="18" charset="-127"/>
+              <a:ea typeface="소야논8" panose="02020603020101020101" pitchFamily="18" charset="-127"/>
+            </a:endParaRPr>
           </a:p>
         </p:txBody>
       </p:sp>
@@ -31688,7 +35522,7 @@
         <p:spPr>
           <a:xfrm>
             <a:off x="2551604" y="5320640"/>
-            <a:ext cx="936104" cy="667504"/>
+            <a:ext cx="1012284" cy="667504"/>
           </a:xfrm>
           <a:prstGeom prst="rect">
             <a:avLst/>
@@ -31716,10 +35550,16 @@
           <a:p>
             <a:pPr algn="ctr"/>
             <a:r>
-              <a:rPr lang="en-US" altLang="ko-KR" dirty="0" smtClean="0"/>
+              <a:rPr lang="en-US" altLang="ko-KR" dirty="0" smtClean="0">
+                <a:latin typeface="소야논8" panose="02020603020101020101" pitchFamily="18" charset="-127"/>
+                <a:ea typeface="소야논8" panose="02020603020101020101" pitchFamily="18" charset="-127"/>
+              </a:rPr>
               <a:t>Worker</a:t>
             </a:r>
-            <a:endParaRPr lang="ko-KR" altLang="en-US" dirty="0"/>
+            <a:endParaRPr lang="ko-KR" altLang="en-US" dirty="0">
+              <a:latin typeface="소야논8" panose="02020603020101020101" pitchFamily="18" charset="-127"/>
+              <a:ea typeface="소야논8" panose="02020603020101020101" pitchFamily="18" charset="-127"/>
+            </a:endParaRPr>
           </a:p>
         </p:txBody>
       </p:sp>
@@ -32014,6 +35854,8 @@
                 <a:solidFill>
                   <a:schemeClr val="bg1"/>
                 </a:solidFill>
+                <a:latin typeface="소야논8" panose="02020603020101020101" pitchFamily="18" charset="-127"/>
+                <a:ea typeface="소야논8" panose="02020603020101020101" pitchFamily="18" charset="-127"/>
               </a:rPr>
               <a:t>Awake</a:t>
             </a:r>
@@ -32021,6 +35863,8 @@
               <a:solidFill>
                 <a:schemeClr val="bg1"/>
               </a:solidFill>
+              <a:latin typeface="소야논8" panose="02020603020101020101" pitchFamily="18" charset="-127"/>
+              <a:ea typeface="소야논8" panose="02020603020101020101" pitchFamily="18" charset="-127"/>
             </a:endParaRPr>
           </a:p>
         </p:txBody>
@@ -32052,6 +35896,8 @@
                 <a:solidFill>
                   <a:schemeClr val="bg1"/>
                 </a:solidFill>
+                <a:latin typeface="소야논8" panose="02020603020101020101" pitchFamily="18" charset="-127"/>
+                <a:ea typeface="소야논8" panose="02020603020101020101" pitchFamily="18" charset="-127"/>
               </a:rPr>
               <a:t>Enque</a:t>
             </a:r>
@@ -32059,6 +35905,8 @@
               <a:solidFill>
                 <a:schemeClr val="bg1"/>
               </a:solidFill>
+              <a:latin typeface="소야논8" panose="02020603020101020101" pitchFamily="18" charset="-127"/>
+              <a:ea typeface="소야논8" panose="02020603020101020101" pitchFamily="18" charset="-127"/>
             </a:endParaRPr>
           </a:p>
         </p:txBody>
@@ -32072,7 +35920,7 @@
         <p:spPr>
           <a:xfrm>
             <a:off x="6519759" y="3179185"/>
-            <a:ext cx="795411" cy="338554"/>
+            <a:ext cx="761747" cy="338554"/>
           </a:xfrm>
           <a:prstGeom prst="rect">
             <a:avLst/>
@@ -32090,6 +35938,8 @@
                 <a:solidFill>
                   <a:schemeClr val="bg1"/>
                 </a:solidFill>
+                <a:latin typeface="소야논8" panose="02020603020101020101" pitchFamily="18" charset="-127"/>
+                <a:ea typeface="소야논8" panose="02020603020101020101" pitchFamily="18" charset="-127"/>
               </a:rPr>
               <a:t>Deque</a:t>
             </a:r>
@@ -32097,6 +35947,8 @@
               <a:solidFill>
                 <a:schemeClr val="bg1"/>
               </a:solidFill>
+              <a:latin typeface="소야논8" panose="02020603020101020101" pitchFamily="18" charset="-127"/>
+              <a:ea typeface="소야논8" panose="02020603020101020101" pitchFamily="18" charset="-127"/>
             </a:endParaRPr>
           </a:p>
         </p:txBody>
@@ -32157,10 +36009,12 @@
           <a:lstStyle/>
           <a:p>
             <a:r>
-              <a:rPr lang="ko-KR" altLang="en-US" sz="1600" smtClean="0">
+              <a:rPr lang="ko-KR" altLang="en-US" sz="1600" dirty="0" err="1" smtClean="0">
                 <a:solidFill>
                   <a:schemeClr val="bg1"/>
                 </a:solidFill>
+                <a:latin typeface="소야논8" panose="02020603020101020101" pitchFamily="18" charset="-127"/>
+                <a:ea typeface="소야논8" panose="02020603020101020101" pitchFamily="18" charset="-127"/>
               </a:rPr>
               <a:t>패킷</a:t>
             </a:r>
@@ -32169,6 +36023,8 @@
                 <a:solidFill>
                   <a:schemeClr val="bg1"/>
                 </a:solidFill>
+                <a:latin typeface="소야논8" panose="02020603020101020101" pitchFamily="18" charset="-127"/>
+                <a:ea typeface="소야논8" panose="02020603020101020101" pitchFamily="18" charset="-127"/>
               </a:rPr>
               <a:t> </a:t>
             </a:r>
@@ -32177,6 +36033,8 @@
                 <a:solidFill>
                   <a:schemeClr val="bg1"/>
                 </a:solidFill>
+                <a:latin typeface="소야논8" panose="02020603020101020101" pitchFamily="18" charset="-127"/>
+                <a:ea typeface="소야논8" panose="02020603020101020101" pitchFamily="18" charset="-127"/>
               </a:rPr>
               <a:t>작업</a:t>
             </a:r>
@@ -32184,6 +36042,8 @@
               <a:solidFill>
                 <a:schemeClr val="bg1"/>
               </a:solidFill>
+              <a:latin typeface="소야논8" panose="02020603020101020101" pitchFamily="18" charset="-127"/>
+              <a:ea typeface="소야논8" panose="02020603020101020101" pitchFamily="18" charset="-127"/>
             </a:endParaRPr>
           </a:p>
         </p:txBody>
@@ -32197,7 +36057,7 @@
         <p:spPr>
           <a:xfrm>
             <a:off x="7694862" y="2784325"/>
-            <a:ext cx="595035" cy="338554"/>
+            <a:ext cx="569387" cy="338554"/>
           </a:xfrm>
           <a:prstGeom prst="rect">
             <a:avLst/>
@@ -32215,6 +36075,8 @@
                 <a:solidFill>
                   <a:schemeClr val="bg1"/>
                 </a:solidFill>
+                <a:latin typeface="소야논8" panose="02020603020101020101" pitchFamily="18" charset="-127"/>
+                <a:ea typeface="소야논8" panose="02020603020101020101" pitchFamily="18" charset="-127"/>
               </a:rPr>
               <a:t>로직</a:t>
             </a:r>
@@ -32222,6 +36084,8 @@
               <a:solidFill>
                 <a:schemeClr val="bg1"/>
               </a:solidFill>
+              <a:latin typeface="소야논8" panose="02020603020101020101" pitchFamily="18" charset="-127"/>
+              <a:ea typeface="소야논8" panose="02020603020101020101" pitchFamily="18" charset="-127"/>
             </a:endParaRPr>
           </a:p>
         </p:txBody>
@@ -32420,13 +36284,6 @@
               </a:rPr>
               <a:t>.</a:t>
             </a:r>
-            <a:endParaRPr lang="en-US" altLang="ko-KR" sz="2800" dirty="0" smtClean="0">
-              <a:solidFill>
-                <a:schemeClr val="bg1"/>
-              </a:solidFill>
-              <a:latin typeface="소야논8" panose="02020603020101020101" pitchFamily="18" charset="-127"/>
-              <a:ea typeface="소야논8" panose="02020603020101020101" pitchFamily="18" charset="-127"/>
-            </a:endParaRPr>
           </a:p>
         </p:txBody>
       </p:sp>
@@ -32504,38 +36361,6 @@
       </p:sp>
       <p:sp>
         <p:nvSpPr>
-          <p:cNvPr id="3" name="내용 개체 틀 2"/>
-          <p:cNvSpPr>
-            <a:spLocks noGrp="1"/>
-          </p:cNvSpPr>
-          <p:nvPr>
-            <p:ph idx="1"/>
-          </p:nvPr>
-        </p:nvSpPr>
-        <p:spPr/>
-        <p:txBody>
-          <a:bodyPr>
-            <a:normAutofit/>
-          </a:bodyPr>
-          <a:lstStyle/>
-          <a:p>
-            <a:pPr>
-              <a:lnSpc>
-                <a:spcPct val="150000"/>
-              </a:lnSpc>
-            </a:pPr>
-            <a:endParaRPr lang="en-US" altLang="ko-KR" sz="2800" dirty="0" smtClean="0">
-              <a:solidFill>
-                <a:schemeClr val="bg1"/>
-              </a:solidFill>
-              <a:latin typeface="소야논8" panose="02020603020101020101" pitchFamily="18" charset="-127"/>
-              <a:ea typeface="소야논8" panose="02020603020101020101" pitchFamily="18" charset="-127"/>
-            </a:endParaRPr>
-          </a:p>
-        </p:txBody>
-      </p:sp>
-      <p:sp>
-        <p:nvSpPr>
           <p:cNvPr id="4" name="직사각형 3"/>
           <p:cNvSpPr/>
           <p:nvPr/>
@@ -32571,14 +36396,23 @@
           <a:p>
             <a:pPr algn="ctr"/>
             <a:r>
-              <a:rPr lang="ko-KR" altLang="en-US" dirty="0" smtClean="0"/>
+              <a:rPr lang="ko-KR" altLang="en-US" dirty="0" smtClean="0">
+                <a:latin typeface="소야논8" panose="02020603020101020101" pitchFamily="18" charset="-127"/>
+                <a:ea typeface="소야논8" panose="02020603020101020101" pitchFamily="18" charset="-127"/>
+              </a:rPr>
               <a:t>메인 </a:t>
             </a:r>
             <a:r>
-              <a:rPr lang="ko-KR" altLang="en-US" dirty="0" err="1" smtClean="0"/>
+              <a:rPr lang="ko-KR" altLang="en-US" dirty="0" err="1" smtClean="0">
+                <a:latin typeface="소야논8" panose="02020603020101020101" pitchFamily="18" charset="-127"/>
+                <a:ea typeface="소야논8" panose="02020603020101020101" pitchFamily="18" charset="-127"/>
+              </a:rPr>
               <a:t>스레드</a:t>
             </a:r>
-            <a:endParaRPr lang="ko-KR" altLang="en-US" dirty="0"/>
+            <a:endParaRPr lang="ko-KR" altLang="en-US" dirty="0">
+              <a:latin typeface="소야논8" panose="02020603020101020101" pitchFamily="18" charset="-127"/>
+              <a:ea typeface="소야논8" panose="02020603020101020101" pitchFamily="18" charset="-127"/>
+            </a:endParaRPr>
           </a:p>
         </p:txBody>
       </p:sp>
@@ -32619,10 +36453,16 @@
           <a:p>
             <a:pPr algn="ctr"/>
             <a:r>
-              <a:rPr lang="ko-KR" altLang="en-US" smtClean="0"/>
+              <a:rPr lang="ko-KR" altLang="en-US" smtClean="0">
+                <a:latin typeface="소야논8" panose="02020603020101020101" pitchFamily="18" charset="-127"/>
+                <a:ea typeface="소야논8" panose="02020603020101020101" pitchFamily="18" charset="-127"/>
+              </a:rPr>
               <a:t>작업 큐</a:t>
             </a:r>
-            <a:endParaRPr lang="ko-KR" altLang="en-US" dirty="0"/>
+            <a:endParaRPr lang="ko-KR" altLang="en-US" dirty="0">
+              <a:latin typeface="소야논8" panose="02020603020101020101" pitchFamily="18" charset="-127"/>
+              <a:ea typeface="소야논8" panose="02020603020101020101" pitchFamily="18" charset="-127"/>
+            </a:endParaRPr>
           </a:p>
         </p:txBody>
       </p:sp>
@@ -32663,29 +36503,47 @@
           <a:p>
             <a:pPr algn="ctr"/>
             <a:r>
-              <a:rPr lang="en-US" altLang="ko-KR" dirty="0" smtClean="0"/>
+              <a:rPr lang="en-US" altLang="ko-KR" dirty="0" smtClean="0">
+                <a:latin typeface="소야논8" panose="02020603020101020101" pitchFamily="18" charset="-127"/>
+                <a:ea typeface="소야논8" panose="02020603020101020101" pitchFamily="18" charset="-127"/>
+              </a:rPr>
               <a:t>IOCP</a:t>
             </a:r>
           </a:p>
           <a:p>
             <a:pPr algn="ctr"/>
             <a:r>
-              <a:rPr lang="en-US" altLang="ko-KR" dirty="0" smtClean="0"/>
+              <a:rPr lang="en-US" altLang="ko-KR" dirty="0" smtClean="0">
+                <a:latin typeface="소야논8" panose="02020603020101020101" pitchFamily="18" charset="-127"/>
+                <a:ea typeface="소야논8" panose="02020603020101020101" pitchFamily="18" charset="-127"/>
+              </a:rPr>
               <a:t>Listen</a:t>
             </a:r>
             <a:r>
-              <a:rPr lang="ko-KR" altLang="en-US" dirty="0" smtClean="0"/>
+              <a:rPr lang="ko-KR" altLang="en-US" dirty="0" smtClean="0">
+                <a:latin typeface="소야논8" panose="02020603020101020101" pitchFamily="18" charset="-127"/>
+                <a:ea typeface="소야논8" panose="02020603020101020101" pitchFamily="18" charset="-127"/>
+              </a:rPr>
               <a:t> </a:t>
             </a:r>
-            <a:endParaRPr lang="en-US" altLang="ko-KR" dirty="0" smtClean="0"/>
+            <a:endParaRPr lang="en-US" altLang="ko-KR" dirty="0" smtClean="0">
+              <a:latin typeface="소야논8" panose="02020603020101020101" pitchFamily="18" charset="-127"/>
+              <a:ea typeface="소야논8" panose="02020603020101020101" pitchFamily="18" charset="-127"/>
+            </a:endParaRPr>
           </a:p>
           <a:p>
             <a:pPr algn="ctr"/>
             <a:r>
-              <a:rPr lang="ko-KR" altLang="en-US" dirty="0" err="1" smtClean="0"/>
+              <a:rPr lang="ko-KR" altLang="en-US" dirty="0" err="1" smtClean="0">
+                <a:latin typeface="소야논8" panose="02020603020101020101" pitchFamily="18" charset="-127"/>
+                <a:ea typeface="소야논8" panose="02020603020101020101" pitchFamily="18" charset="-127"/>
+              </a:rPr>
               <a:t>스레드</a:t>
             </a:r>
-            <a:endParaRPr lang="ko-KR" altLang="en-US" dirty="0"/>
+            <a:endParaRPr lang="ko-KR" altLang="en-US" dirty="0">
+              <a:latin typeface="소야논8" panose="02020603020101020101" pitchFamily="18" charset="-127"/>
+              <a:ea typeface="소야논8" panose="02020603020101020101" pitchFamily="18" charset="-127"/>
+            </a:endParaRPr>
           </a:p>
         </p:txBody>
       </p:sp>
@@ -32726,10 +36584,16 @@
           <a:p>
             <a:pPr algn="ctr"/>
             <a:r>
-              <a:rPr lang="en-US" altLang="ko-KR" dirty="0" smtClean="0"/>
+              <a:rPr lang="en-US" altLang="ko-KR" sz="1600" dirty="0" smtClean="0">
+                <a:latin typeface="소야논8" panose="02020603020101020101" pitchFamily="18" charset="-127"/>
+                <a:ea typeface="소야논8" panose="02020603020101020101" pitchFamily="18" charset="-127"/>
+              </a:rPr>
               <a:t>Worker</a:t>
             </a:r>
-            <a:endParaRPr lang="ko-KR" altLang="en-US" dirty="0"/>
+            <a:endParaRPr lang="ko-KR" altLang="en-US" sz="1600" dirty="0">
+              <a:latin typeface="소야논8" panose="02020603020101020101" pitchFamily="18" charset="-127"/>
+              <a:ea typeface="소야논8" panose="02020603020101020101" pitchFamily="18" charset="-127"/>
+            </a:endParaRPr>
           </a:p>
         </p:txBody>
       </p:sp>
@@ -32770,10 +36634,16 @@
           <a:p>
             <a:pPr algn="ctr"/>
             <a:r>
-              <a:rPr lang="en-US" altLang="ko-KR" dirty="0" smtClean="0"/>
+              <a:rPr lang="en-US" altLang="ko-KR" sz="1600" dirty="0" smtClean="0">
+                <a:latin typeface="소야논8" panose="02020603020101020101" pitchFamily="18" charset="-127"/>
+                <a:ea typeface="소야논8" panose="02020603020101020101" pitchFamily="18" charset="-127"/>
+              </a:rPr>
               <a:t>Worker</a:t>
             </a:r>
-            <a:endParaRPr lang="ko-KR" altLang="en-US" dirty="0"/>
+            <a:endParaRPr lang="ko-KR" altLang="en-US" sz="1600" dirty="0">
+              <a:latin typeface="소야논8" panose="02020603020101020101" pitchFamily="18" charset="-127"/>
+              <a:ea typeface="소야논8" panose="02020603020101020101" pitchFamily="18" charset="-127"/>
+            </a:endParaRPr>
           </a:p>
         </p:txBody>
       </p:sp>
@@ -32814,10 +36684,16 @@
           <a:p>
             <a:pPr algn="ctr"/>
             <a:r>
-              <a:rPr lang="en-US" altLang="ko-KR" dirty="0" smtClean="0"/>
+              <a:rPr lang="en-US" altLang="ko-KR" sz="1600" dirty="0" smtClean="0">
+                <a:latin typeface="소야논8" panose="02020603020101020101" pitchFamily="18" charset="-127"/>
+                <a:ea typeface="소야논8" panose="02020603020101020101" pitchFamily="18" charset="-127"/>
+              </a:rPr>
               <a:t>Worker</a:t>
             </a:r>
-            <a:endParaRPr lang="ko-KR" altLang="en-US" dirty="0"/>
+            <a:endParaRPr lang="ko-KR" altLang="en-US" sz="1600" dirty="0">
+              <a:latin typeface="소야논8" panose="02020603020101020101" pitchFamily="18" charset="-127"/>
+              <a:ea typeface="소야논8" panose="02020603020101020101" pitchFamily="18" charset="-127"/>
+            </a:endParaRPr>
           </a:p>
         </p:txBody>
       </p:sp>
@@ -32858,10 +36734,16 @@
           <a:p>
             <a:pPr algn="ctr"/>
             <a:r>
-              <a:rPr lang="en-US" altLang="ko-KR" dirty="0" smtClean="0"/>
+              <a:rPr lang="en-US" altLang="ko-KR" sz="1600" dirty="0" smtClean="0">
+                <a:latin typeface="소야논8" panose="02020603020101020101" pitchFamily="18" charset="-127"/>
+                <a:ea typeface="소야논8" panose="02020603020101020101" pitchFamily="18" charset="-127"/>
+              </a:rPr>
               <a:t>Worker</a:t>
             </a:r>
-            <a:endParaRPr lang="ko-KR" altLang="en-US" dirty="0"/>
+            <a:endParaRPr lang="ko-KR" altLang="en-US" sz="1600" dirty="0">
+              <a:latin typeface="소야논8" panose="02020603020101020101" pitchFamily="18" charset="-127"/>
+              <a:ea typeface="소야논8" panose="02020603020101020101" pitchFamily="18" charset="-127"/>
+            </a:endParaRPr>
           </a:p>
         </p:txBody>
       </p:sp>
@@ -33156,6 +37038,8 @@
                 <a:solidFill>
                   <a:schemeClr val="bg1"/>
                 </a:solidFill>
+                <a:latin typeface="소야논8" panose="02020603020101020101" pitchFamily="18" charset="-127"/>
+                <a:ea typeface="소야논8" panose="02020603020101020101" pitchFamily="18" charset="-127"/>
               </a:rPr>
               <a:t>Awake</a:t>
             </a:r>
@@ -33163,6 +37047,8 @@
               <a:solidFill>
                 <a:schemeClr val="bg1"/>
               </a:solidFill>
+              <a:latin typeface="소야논8" panose="02020603020101020101" pitchFamily="18" charset="-127"/>
+              <a:ea typeface="소야논8" panose="02020603020101020101" pitchFamily="18" charset="-127"/>
             </a:endParaRPr>
           </a:p>
         </p:txBody>
@@ -33194,6 +37080,8 @@
                 <a:solidFill>
                   <a:schemeClr val="bg1"/>
                 </a:solidFill>
+                <a:latin typeface="소야논8" panose="02020603020101020101" pitchFamily="18" charset="-127"/>
+                <a:ea typeface="소야논8" panose="02020603020101020101" pitchFamily="18" charset="-127"/>
               </a:rPr>
               <a:t>Enque</a:t>
             </a:r>
@@ -33201,6 +37089,8 @@
               <a:solidFill>
                 <a:schemeClr val="bg1"/>
               </a:solidFill>
+              <a:latin typeface="소야논8" panose="02020603020101020101" pitchFamily="18" charset="-127"/>
+              <a:ea typeface="소야논8" panose="02020603020101020101" pitchFamily="18" charset="-127"/>
             </a:endParaRPr>
           </a:p>
         </p:txBody>
@@ -33214,7 +37104,7 @@
         <p:spPr>
           <a:xfrm>
             <a:off x="6519759" y="3179185"/>
-            <a:ext cx="795411" cy="338554"/>
+            <a:ext cx="761747" cy="338554"/>
           </a:xfrm>
           <a:prstGeom prst="rect">
             <a:avLst/>
@@ -33232,6 +37122,8 @@
                 <a:solidFill>
                   <a:schemeClr val="bg1"/>
                 </a:solidFill>
+                <a:latin typeface="소야논8" panose="02020603020101020101" pitchFamily="18" charset="-127"/>
+                <a:ea typeface="소야논8" panose="02020603020101020101" pitchFamily="18" charset="-127"/>
               </a:rPr>
               <a:t>Deque</a:t>
             </a:r>
@@ -33239,6 +37131,8 @@
               <a:solidFill>
                 <a:schemeClr val="bg1"/>
               </a:solidFill>
+              <a:latin typeface="소야논8" panose="02020603020101020101" pitchFamily="18" charset="-127"/>
+              <a:ea typeface="소야논8" panose="02020603020101020101" pitchFamily="18" charset="-127"/>
             </a:endParaRPr>
           </a:p>
         </p:txBody>
@@ -33303,6 +37197,8 @@
                 <a:solidFill>
                   <a:schemeClr val="bg1"/>
                 </a:solidFill>
+                <a:latin typeface="소야논8" panose="02020603020101020101" pitchFamily="18" charset="-127"/>
+                <a:ea typeface="소야논8" panose="02020603020101020101" pitchFamily="18" charset="-127"/>
               </a:rPr>
               <a:t>패킷</a:t>
             </a:r>
@@ -33311,6 +37207,8 @@
                 <a:solidFill>
                   <a:schemeClr val="bg1"/>
                 </a:solidFill>
+                <a:latin typeface="소야논8" panose="02020603020101020101" pitchFamily="18" charset="-127"/>
+                <a:ea typeface="소야논8" panose="02020603020101020101" pitchFamily="18" charset="-127"/>
               </a:rPr>
               <a:t> </a:t>
             </a:r>
@@ -33319,6 +37217,8 @@
                 <a:solidFill>
                   <a:schemeClr val="bg1"/>
                 </a:solidFill>
+                <a:latin typeface="소야논8" panose="02020603020101020101" pitchFamily="18" charset="-127"/>
+                <a:ea typeface="소야논8" panose="02020603020101020101" pitchFamily="18" charset="-127"/>
               </a:rPr>
               <a:t>작업</a:t>
             </a:r>
@@ -33326,6 +37226,8 @@
               <a:solidFill>
                 <a:schemeClr val="bg1"/>
               </a:solidFill>
+              <a:latin typeface="소야논8" panose="02020603020101020101" pitchFamily="18" charset="-127"/>
+              <a:ea typeface="소야논8" panose="02020603020101020101" pitchFamily="18" charset="-127"/>
             </a:endParaRPr>
           </a:p>
         </p:txBody>
@@ -33339,7 +37241,7 @@
         <p:spPr>
           <a:xfrm>
             <a:off x="7694862" y="2784325"/>
-            <a:ext cx="595035" cy="338554"/>
+            <a:ext cx="569387" cy="338554"/>
           </a:xfrm>
           <a:prstGeom prst="rect">
             <a:avLst/>
@@ -33357,6 +37259,8 @@
                 <a:solidFill>
                   <a:schemeClr val="bg1"/>
                 </a:solidFill>
+                <a:latin typeface="소야논8" panose="02020603020101020101" pitchFamily="18" charset="-127"/>
+                <a:ea typeface="소야논8" panose="02020603020101020101" pitchFamily="18" charset="-127"/>
               </a:rPr>
               <a:t>로직</a:t>
             </a:r>
@@ -33364,6 +37268,8 @@
               <a:solidFill>
                 <a:schemeClr val="bg1"/>
               </a:solidFill>
+              <a:latin typeface="소야논8" panose="02020603020101020101" pitchFamily="18" charset="-127"/>
+              <a:ea typeface="소야논8" panose="02020603020101020101" pitchFamily="18" charset="-127"/>
             </a:endParaRPr>
           </a:p>
         </p:txBody>
@@ -33405,10 +37311,16 @@
           <a:p>
             <a:pPr algn="ctr"/>
             <a:r>
-              <a:rPr lang="en-US" altLang="ko-KR" sz="1000" dirty="0" smtClean="0"/>
+              <a:rPr lang="en-US" altLang="ko-KR" sz="1000" dirty="0" smtClean="0">
+                <a:latin typeface="소야논8" panose="02020603020101020101" pitchFamily="18" charset="-127"/>
+                <a:ea typeface="소야논8" panose="02020603020101020101" pitchFamily="18" charset="-127"/>
+              </a:rPr>
               <a:t>DATA</a:t>
             </a:r>
-            <a:endParaRPr lang="ko-KR" altLang="en-US" sz="1000" dirty="0"/>
+            <a:endParaRPr lang="ko-KR" altLang="en-US" sz="1000" dirty="0">
+              <a:latin typeface="소야논8" panose="02020603020101020101" pitchFamily="18" charset="-127"/>
+              <a:ea typeface="소야논8" panose="02020603020101020101" pitchFamily="18" charset="-127"/>
+            </a:endParaRPr>
           </a:p>
         </p:txBody>
       </p:sp>
@@ -33449,10 +37361,16 @@
           <a:p>
             <a:pPr algn="ctr"/>
             <a:r>
-              <a:rPr lang="en-US" altLang="ko-KR" sz="1000" dirty="0" smtClean="0"/>
+              <a:rPr lang="en-US" altLang="ko-KR" sz="1000" dirty="0" smtClean="0">
+                <a:latin typeface="소야논8" panose="02020603020101020101" pitchFamily="18" charset="-127"/>
+                <a:ea typeface="소야논8" panose="02020603020101020101" pitchFamily="18" charset="-127"/>
+              </a:rPr>
               <a:t>DATA</a:t>
             </a:r>
-            <a:endParaRPr lang="ko-KR" altLang="en-US" sz="1000" dirty="0"/>
+            <a:endParaRPr lang="ko-KR" altLang="en-US" sz="1000" dirty="0">
+              <a:latin typeface="소야논8" panose="02020603020101020101" pitchFamily="18" charset="-127"/>
+              <a:ea typeface="소야논8" panose="02020603020101020101" pitchFamily="18" charset="-127"/>
+            </a:endParaRPr>
           </a:p>
         </p:txBody>
       </p:sp>
@@ -33642,95 +37560,78 @@
                 <a:latin typeface="소야논8" panose="02020603020101020101" pitchFamily="18" charset="-127"/>
                 <a:ea typeface="소야논8" panose="02020603020101020101" pitchFamily="18" charset="-127"/>
               </a:rPr>
-              <a:t>해당 </a:t>
-            </a:r>
-            <a:r>
-              <a:rPr lang="ko-KR" altLang="en-US" sz="2800" dirty="0" smtClean="0">
+              <a:t>해당 데이터를 </a:t>
+            </a:r>
+            <a:r>
+              <a:rPr lang="ko-KR" altLang="en-US" sz="2800" dirty="0" err="1" smtClean="0">
                 <a:solidFill>
                   <a:schemeClr val="bg1"/>
                 </a:solidFill>
                 <a:latin typeface="소야논8" panose="02020603020101020101" pitchFamily="18" charset="-127"/>
                 <a:ea typeface="소야논8" panose="02020603020101020101" pitchFamily="18" charset="-127"/>
               </a:rPr>
-              <a:t>데이터를 </a:t>
-            </a:r>
-            <a:r>
-              <a:rPr lang="ko-KR" altLang="en-US" sz="2800" dirty="0" err="1" smtClean="0">
+              <a:t>패킷으로</a:t>
+            </a:r>
+            <a:r>
+              <a:rPr lang="ko-KR" altLang="en-US" sz="2800" dirty="0" smtClean="0">
                 <a:solidFill>
                   <a:schemeClr val="bg1"/>
                 </a:solidFill>
                 <a:latin typeface="소야논8" panose="02020603020101020101" pitchFamily="18" charset="-127"/>
                 <a:ea typeface="소야논8" panose="02020603020101020101" pitchFamily="18" charset="-127"/>
               </a:rPr>
-              <a:t>패킷으로</a:t>
-            </a:r>
-            <a:r>
-              <a:rPr lang="ko-KR" altLang="en-US" sz="2800" dirty="0" smtClean="0">
+              <a:t> 만들어서 </a:t>
+            </a:r>
+            <a:r>
+              <a:rPr lang="en-US" altLang="ko-KR" sz="2800" dirty="0" err="1" smtClean="0">
                 <a:solidFill>
                   <a:schemeClr val="bg1"/>
                 </a:solidFill>
                 <a:latin typeface="소야논8" panose="02020603020101020101" pitchFamily="18" charset="-127"/>
                 <a:ea typeface="소야논8" panose="02020603020101020101" pitchFamily="18" charset="-127"/>
               </a:rPr>
-              <a:t> 만들어서 </a:t>
-            </a:r>
-            <a:r>
-              <a:rPr lang="en-US" altLang="ko-KR" sz="2800" dirty="0" err="1" smtClean="0">
+              <a:t>RecvPacketQueue</a:t>
+            </a:r>
+            <a:r>
+              <a:rPr lang="ko-KR" altLang="en-US" sz="2800" dirty="0" smtClean="0">
                 <a:solidFill>
                   <a:schemeClr val="bg1"/>
                 </a:solidFill>
                 <a:latin typeface="소야논8" panose="02020603020101020101" pitchFamily="18" charset="-127"/>
                 <a:ea typeface="소야논8" panose="02020603020101020101" pitchFamily="18" charset="-127"/>
               </a:rPr>
-              <a:t>RecvPacketQueue</a:t>
-            </a:r>
-            <a:r>
-              <a:rPr lang="ko-KR" altLang="en-US" sz="2800" dirty="0" smtClean="0">
+              <a:t>에 </a:t>
+            </a:r>
+            <a:r>
+              <a:rPr lang="en-US" altLang="ko-KR" sz="2800" dirty="0" smtClean="0">
                 <a:solidFill>
                   <a:schemeClr val="bg1"/>
                 </a:solidFill>
                 <a:latin typeface="소야논8" panose="02020603020101020101" pitchFamily="18" charset="-127"/>
                 <a:ea typeface="소야논8" panose="02020603020101020101" pitchFamily="18" charset="-127"/>
               </a:rPr>
-              <a:t>에 </a:t>
-            </a:r>
-            <a:r>
-              <a:rPr lang="en-US" altLang="ko-KR" sz="2800" dirty="0" smtClean="0">
+              <a:t>Push</a:t>
+            </a:r>
+            <a:r>
+              <a:rPr lang="ko-KR" altLang="en-US" sz="2800" dirty="0" smtClean="0">
                 <a:solidFill>
                   <a:schemeClr val="bg1"/>
                 </a:solidFill>
                 <a:latin typeface="소야논8" panose="02020603020101020101" pitchFamily="18" charset="-127"/>
                 <a:ea typeface="소야논8" panose="02020603020101020101" pitchFamily="18" charset="-127"/>
               </a:rPr>
-              <a:t>Push</a:t>
-            </a:r>
-            <a:r>
-              <a:rPr lang="ko-KR" altLang="en-US" sz="2800" dirty="0" smtClean="0">
+              <a:t>한다</a:t>
+            </a:r>
+            <a:r>
+              <a:rPr lang="en-US" altLang="ko-KR" sz="2800" dirty="0" smtClean="0">
                 <a:solidFill>
                   <a:schemeClr val="bg1"/>
                 </a:solidFill>
                 <a:latin typeface="소야논8" panose="02020603020101020101" pitchFamily="18" charset="-127"/>
                 <a:ea typeface="소야논8" panose="02020603020101020101" pitchFamily="18" charset="-127"/>
               </a:rPr>
-              <a:t>한다</a:t>
-            </a:r>
-            <a:r>
-              <a:rPr lang="en-US" altLang="ko-KR" sz="2800" dirty="0" smtClean="0">
-                <a:solidFill>
-                  <a:schemeClr val="bg1"/>
-                </a:solidFill>
-                <a:latin typeface="소야논8" panose="02020603020101020101" pitchFamily="18" charset="-127"/>
-                <a:ea typeface="소야논8" panose="02020603020101020101" pitchFamily="18" charset="-127"/>
-              </a:rPr>
               <a:t>.</a:t>
             </a:r>
-            <a:endParaRPr lang="en-US" altLang="ko-KR" sz="2800" dirty="0" smtClean="0">
-              <a:solidFill>
-                <a:schemeClr val="bg1"/>
-              </a:solidFill>
-              <a:latin typeface="소야논8" panose="02020603020101020101" pitchFamily="18" charset="-127"/>
-              <a:ea typeface="소야논8" panose="02020603020101020101" pitchFamily="18" charset="-127"/>
-            </a:endParaRPr>
           </a:p>
         </p:txBody>
       </p:sp>
@@ -33804,17 +37705,7 @@
                 <a:latin typeface="소야논8" panose="02020603020101020101" pitchFamily="18" charset="-127"/>
                 <a:ea typeface="소야논8" panose="02020603020101020101" pitchFamily="18" charset="-127"/>
               </a:rPr>
-              <a:t>: </a:t>
-            </a:r>
-            <a:r>
-              <a:rPr lang="en-US" altLang="ko-KR" dirty="0" smtClean="0">
-                <a:solidFill>
-                  <a:srgbClr val="E4007F"/>
-                </a:solidFill>
-                <a:latin typeface="소야논8" panose="02020603020101020101" pitchFamily="18" charset="-127"/>
-                <a:ea typeface="소야논8" panose="02020603020101020101" pitchFamily="18" charset="-127"/>
-              </a:rPr>
-              <a:t>Logic &amp; DB</a:t>
+              <a:t>: Logic &amp; DB</a:t>
             </a:r>
             <a:endParaRPr lang="ko-KR" altLang="en-US" dirty="0">
               <a:solidFill>
@@ -33863,14 +37754,23 @@
           <a:p>
             <a:pPr algn="ctr"/>
             <a:r>
-              <a:rPr lang="ko-KR" altLang="en-US" dirty="0" smtClean="0"/>
+              <a:rPr lang="ko-KR" altLang="en-US" dirty="0" smtClean="0">
+                <a:latin typeface="소야논8" panose="02020603020101020101" pitchFamily="18" charset="-127"/>
+                <a:ea typeface="소야논8" panose="02020603020101020101" pitchFamily="18" charset="-127"/>
+              </a:rPr>
               <a:t>메인 </a:t>
             </a:r>
             <a:r>
-              <a:rPr lang="ko-KR" altLang="en-US" dirty="0" err="1" smtClean="0"/>
+              <a:rPr lang="ko-KR" altLang="en-US" dirty="0" err="1" smtClean="0">
+                <a:latin typeface="소야논8" panose="02020603020101020101" pitchFamily="18" charset="-127"/>
+                <a:ea typeface="소야논8" panose="02020603020101020101" pitchFamily="18" charset="-127"/>
+              </a:rPr>
               <a:t>스레드</a:t>
             </a:r>
-            <a:endParaRPr lang="ko-KR" altLang="en-US" dirty="0"/>
+            <a:endParaRPr lang="ko-KR" altLang="en-US" dirty="0">
+              <a:latin typeface="소야논8" panose="02020603020101020101" pitchFamily="18" charset="-127"/>
+              <a:ea typeface="소야논8" panose="02020603020101020101" pitchFamily="18" charset="-127"/>
+            </a:endParaRPr>
           </a:p>
         </p:txBody>
       </p:sp>
@@ -33911,14 +37811,23 @@
           <a:p>
             <a:pPr algn="ctr"/>
             <a:r>
-              <a:rPr lang="en-US" altLang="ko-KR" dirty="0" smtClean="0"/>
+              <a:rPr lang="en-US" altLang="ko-KR" dirty="0" smtClean="0">
+                <a:latin typeface="소야논8" panose="02020603020101020101" pitchFamily="18" charset="-127"/>
+                <a:ea typeface="소야논8" panose="02020603020101020101" pitchFamily="18" charset="-127"/>
+              </a:rPr>
               <a:t>send</a:t>
             </a:r>
             <a:r>
-              <a:rPr lang="ko-KR" altLang="en-US" dirty="0" smtClean="0"/>
+              <a:rPr lang="ko-KR" altLang="en-US" dirty="0" smtClean="0">
+                <a:latin typeface="소야논8" panose="02020603020101020101" pitchFamily="18" charset="-127"/>
+                <a:ea typeface="소야논8" panose="02020603020101020101" pitchFamily="18" charset="-127"/>
+              </a:rPr>
               <a:t> 큐</a:t>
             </a:r>
-            <a:endParaRPr lang="ko-KR" altLang="en-US" dirty="0"/>
+            <a:endParaRPr lang="ko-KR" altLang="en-US" dirty="0">
+              <a:latin typeface="소야논8" panose="02020603020101020101" pitchFamily="18" charset="-127"/>
+              <a:ea typeface="소야논8" panose="02020603020101020101" pitchFamily="18" charset="-127"/>
+            </a:endParaRPr>
           </a:p>
         </p:txBody>
       </p:sp>
@@ -33982,6 +37891,8 @@
                 <a:solidFill>
                   <a:schemeClr val="bg1"/>
                 </a:solidFill>
+                <a:latin typeface="소야논8" panose="02020603020101020101" pitchFamily="18" charset="-127"/>
+                <a:ea typeface="소야논8" panose="02020603020101020101" pitchFamily="18" charset="-127"/>
               </a:rPr>
               <a:t>로직</a:t>
             </a:r>
@@ -33990,6 +37901,8 @@
                 <a:solidFill>
                   <a:schemeClr val="bg1"/>
                 </a:solidFill>
+                <a:latin typeface="소야논8" panose="02020603020101020101" pitchFamily="18" charset="-127"/>
+                <a:ea typeface="소야논8" panose="02020603020101020101" pitchFamily="18" charset="-127"/>
               </a:rPr>
               <a:t> 처리</a:t>
             </a:r>
@@ -33997,6 +37910,8 @@
               <a:solidFill>
                 <a:schemeClr val="bg1"/>
               </a:solidFill>
+              <a:latin typeface="소야논8" panose="02020603020101020101" pitchFamily="18" charset="-127"/>
+              <a:ea typeface="소야논8" panose="02020603020101020101" pitchFamily="18" charset="-127"/>
             </a:endParaRPr>
           </a:p>
         </p:txBody>
@@ -34038,17 +37953,26 @@
           <a:p>
             <a:pPr algn="ctr"/>
             <a:r>
-              <a:rPr lang="en-US" altLang="ko-KR" dirty="0" smtClean="0"/>
+              <a:rPr lang="en-US" altLang="ko-KR" dirty="0" smtClean="0">
+                <a:latin typeface="소야논8" panose="02020603020101020101" pitchFamily="18" charset="-127"/>
+                <a:ea typeface="소야논8" panose="02020603020101020101" pitchFamily="18" charset="-127"/>
+              </a:rPr>
               <a:t>DB</a:t>
             </a:r>
           </a:p>
           <a:p>
             <a:pPr algn="ctr"/>
             <a:r>
-              <a:rPr lang="en-US" altLang="ko-KR" dirty="0" smtClean="0"/>
+              <a:rPr lang="en-US" altLang="ko-KR" dirty="0" smtClean="0">
+                <a:latin typeface="소야논8" panose="02020603020101020101" pitchFamily="18" charset="-127"/>
+                <a:ea typeface="소야논8" panose="02020603020101020101" pitchFamily="18" charset="-127"/>
+              </a:rPr>
               <a:t>manager</a:t>
             </a:r>
-            <a:endParaRPr lang="ko-KR" altLang="en-US" dirty="0"/>
+            <a:endParaRPr lang="ko-KR" altLang="en-US" dirty="0">
+              <a:latin typeface="소야논8" panose="02020603020101020101" pitchFamily="18" charset="-127"/>
+              <a:ea typeface="소야논8" panose="02020603020101020101" pitchFamily="18" charset="-127"/>
+            </a:endParaRPr>
           </a:p>
         </p:txBody>
       </p:sp>
@@ -34094,7 +38018,7 @@
         <p:spPr>
           <a:xfrm>
             <a:off x="2712293" y="4295350"/>
-            <a:ext cx="862737" cy="338554"/>
+            <a:ext cx="800219" cy="338554"/>
           </a:xfrm>
           <a:prstGeom prst="rect">
             <a:avLst/>
@@ -34112,6 +38036,8 @@
                 <a:solidFill>
                   <a:schemeClr val="bg1"/>
                 </a:solidFill>
+                <a:latin typeface="소야논8" panose="02020603020101020101" pitchFamily="18" charset="-127"/>
+                <a:ea typeface="소야논8" panose="02020603020101020101" pitchFamily="18" charset="-127"/>
               </a:rPr>
               <a:t>DB</a:t>
             </a:r>
@@ -34120,6 +38046,8 @@
                 <a:solidFill>
                   <a:schemeClr val="bg1"/>
                 </a:solidFill>
+                <a:latin typeface="소야논8" panose="02020603020101020101" pitchFamily="18" charset="-127"/>
+                <a:ea typeface="소야논8" panose="02020603020101020101" pitchFamily="18" charset="-127"/>
               </a:rPr>
               <a:t>담당</a:t>
             </a:r>
@@ -34127,6 +38055,8 @@
               <a:solidFill>
                 <a:schemeClr val="bg1"/>
               </a:solidFill>
+              <a:latin typeface="소야논8" panose="02020603020101020101" pitchFamily="18" charset="-127"/>
+              <a:ea typeface="소야논8" panose="02020603020101020101" pitchFamily="18" charset="-127"/>
             </a:endParaRPr>
           </a:p>
         </p:txBody>
@@ -34203,18 +38133,30 @@
           <a:p>
             <a:pPr algn="ctr"/>
             <a:r>
-              <a:rPr lang="en-US" altLang="ko-KR" dirty="0" smtClean="0"/>
+              <a:rPr lang="en-US" altLang="ko-KR" dirty="0" smtClean="0">
+                <a:latin typeface="소야논8" panose="02020603020101020101" pitchFamily="18" charset="-127"/>
+                <a:ea typeface="소야논8" panose="02020603020101020101" pitchFamily="18" charset="-127"/>
+              </a:rPr>
               <a:t>Send</a:t>
             </a:r>
             <a:r>
-              <a:rPr lang="ko-KR" altLang="en-US" dirty="0" smtClean="0"/>
+              <a:rPr lang="ko-KR" altLang="en-US" dirty="0" smtClean="0">
+                <a:latin typeface="소야논8" panose="02020603020101020101" pitchFamily="18" charset="-127"/>
+                <a:ea typeface="소야논8" panose="02020603020101020101" pitchFamily="18" charset="-127"/>
+              </a:rPr>
               <a:t> </a:t>
             </a:r>
             <a:r>
-              <a:rPr lang="ko-KR" altLang="en-US" dirty="0" err="1" smtClean="0"/>
+              <a:rPr lang="ko-KR" altLang="en-US" dirty="0" err="1" smtClean="0">
+                <a:latin typeface="소야논8" panose="02020603020101020101" pitchFamily="18" charset="-127"/>
+                <a:ea typeface="소야논8" panose="02020603020101020101" pitchFamily="18" charset="-127"/>
+              </a:rPr>
               <a:t>스레드</a:t>
             </a:r>
-            <a:endParaRPr lang="ko-KR" altLang="en-US" dirty="0"/>
+            <a:endParaRPr lang="ko-KR" altLang="en-US" dirty="0">
+              <a:latin typeface="소야논8" panose="02020603020101020101" pitchFamily="18" charset="-127"/>
+              <a:ea typeface="소야논8" panose="02020603020101020101" pitchFamily="18" charset="-127"/>
+            </a:endParaRPr>
           </a:p>
         </p:txBody>
       </p:sp>
@@ -34287,7 +38229,10 @@
           <a:lstStyle/>
           <a:p>
             <a:pPr algn="ctr"/>
-            <a:endParaRPr lang="ko-KR" altLang="en-US"/>
+            <a:endParaRPr lang="ko-KR" altLang="en-US">
+              <a:latin typeface="소야논8" panose="02020603020101020101" pitchFamily="18" charset="-127"/>
+              <a:ea typeface="소야논8" panose="02020603020101020101" pitchFamily="18" charset="-127"/>
+            </a:endParaRPr>
           </a:p>
         </p:txBody>
       </p:sp>
@@ -34300,7 +38245,7 @@
         <p:spPr>
           <a:xfrm>
             <a:off x="8091765" y="2896474"/>
-            <a:ext cx="595035" cy="338554"/>
+            <a:ext cx="569387" cy="338554"/>
           </a:xfrm>
           <a:prstGeom prst="rect">
             <a:avLst/>
@@ -34318,6 +38263,8 @@
                 <a:solidFill>
                   <a:schemeClr val="bg1"/>
                 </a:solidFill>
+                <a:latin typeface="소야논8" panose="02020603020101020101" pitchFamily="18" charset="-127"/>
+                <a:ea typeface="소야논8" panose="02020603020101020101" pitchFamily="18" charset="-127"/>
               </a:rPr>
               <a:t>전송</a:t>
             </a:r>
@@ -34325,6 +38272,8 @@
               <a:solidFill>
                 <a:schemeClr val="bg1"/>
               </a:solidFill>
+              <a:latin typeface="소야논8" panose="02020603020101020101" pitchFamily="18" charset="-127"/>
+              <a:ea typeface="소야논8" panose="02020603020101020101" pitchFamily="18" charset="-127"/>
             </a:endParaRPr>
           </a:p>
         </p:txBody>
@@ -34366,22 +38315,37 @@
           <a:p>
             <a:pPr algn="ctr"/>
             <a:r>
-              <a:rPr lang="en-US" altLang="ko-KR" dirty="0" smtClean="0"/>
+              <a:rPr lang="en-US" altLang="ko-KR" dirty="0" smtClean="0">
+                <a:latin typeface="소야논8" panose="02020603020101020101" pitchFamily="18" charset="-127"/>
+                <a:ea typeface="소야논8" panose="02020603020101020101" pitchFamily="18" charset="-127"/>
+              </a:rPr>
               <a:t>DB </a:t>
             </a:r>
             <a:r>
-              <a:rPr lang="en-US" altLang="ko-KR" dirty="0" err="1" smtClean="0"/>
+              <a:rPr lang="en-US" altLang="ko-KR" dirty="0" err="1" smtClean="0">
+                <a:latin typeface="소야논8" panose="02020603020101020101" pitchFamily="18" charset="-127"/>
+                <a:ea typeface="소야논8" panose="02020603020101020101" pitchFamily="18" charset="-127"/>
+              </a:rPr>
               <a:t>recv</a:t>
             </a:r>
             <a:r>
-              <a:rPr lang="en-US" altLang="ko-KR" dirty="0" smtClean="0"/>
+              <a:rPr lang="en-US" altLang="ko-KR" dirty="0" smtClean="0">
+                <a:latin typeface="소야논8" panose="02020603020101020101" pitchFamily="18" charset="-127"/>
+                <a:ea typeface="소야논8" panose="02020603020101020101" pitchFamily="18" charset="-127"/>
+              </a:rPr>
               <a:t> </a:t>
             </a:r>
             <a:r>
-              <a:rPr lang="ko-KR" altLang="en-US" dirty="0" smtClean="0"/>
+              <a:rPr lang="ko-KR" altLang="en-US" dirty="0" smtClean="0">
+                <a:latin typeface="소야논8" panose="02020603020101020101" pitchFamily="18" charset="-127"/>
+                <a:ea typeface="소야논8" panose="02020603020101020101" pitchFamily="18" charset="-127"/>
+              </a:rPr>
               <a:t>큐</a:t>
             </a:r>
-            <a:endParaRPr lang="ko-KR" altLang="en-US" dirty="0"/>
+            <a:endParaRPr lang="ko-KR" altLang="en-US" dirty="0">
+              <a:latin typeface="소야논8" panose="02020603020101020101" pitchFamily="18" charset="-127"/>
+              <a:ea typeface="소야논8" panose="02020603020101020101" pitchFamily="18" charset="-127"/>
+            </a:endParaRPr>
           </a:p>
         </p:txBody>
       </p:sp>
@@ -34455,17 +38419,26 @@
           <a:p>
             <a:pPr algn="ctr"/>
             <a:r>
-              <a:rPr lang="en-US" altLang="ko-KR" smtClean="0"/>
+              <a:rPr lang="en-US" altLang="ko-KR" smtClean="0">
+                <a:latin typeface="소야논8" panose="02020603020101020101" pitchFamily="18" charset="-127"/>
+                <a:ea typeface="소야논8" panose="02020603020101020101" pitchFamily="18" charset="-127"/>
+              </a:rPr>
               <a:t>DB</a:t>
             </a:r>
           </a:p>
           <a:p>
             <a:pPr algn="ctr"/>
             <a:r>
-              <a:rPr lang="ko-KR" altLang="en-US" dirty="0" err="1" smtClean="0"/>
+              <a:rPr lang="ko-KR" altLang="en-US" dirty="0" err="1" smtClean="0">
+                <a:latin typeface="소야논8" panose="02020603020101020101" pitchFamily="18" charset="-127"/>
+                <a:ea typeface="소야논8" panose="02020603020101020101" pitchFamily="18" charset="-127"/>
+              </a:rPr>
               <a:t>스레드</a:t>
             </a:r>
-            <a:endParaRPr lang="ko-KR" altLang="en-US" dirty="0"/>
+            <a:endParaRPr lang="ko-KR" altLang="en-US" dirty="0">
+              <a:latin typeface="소야논8" panose="02020603020101020101" pitchFamily="18" charset="-127"/>
+              <a:ea typeface="소야논8" panose="02020603020101020101" pitchFamily="18" charset="-127"/>
+            </a:endParaRPr>
           </a:p>
         </p:txBody>
       </p:sp>
@@ -34506,17 +38479,26 @@
           <a:p>
             <a:pPr algn="ctr"/>
             <a:r>
-              <a:rPr lang="en-US" altLang="ko-KR" smtClean="0"/>
+              <a:rPr lang="en-US" altLang="ko-KR" smtClean="0">
+                <a:latin typeface="소야논8" panose="02020603020101020101" pitchFamily="18" charset="-127"/>
+                <a:ea typeface="소야논8" panose="02020603020101020101" pitchFamily="18" charset="-127"/>
+              </a:rPr>
               <a:t>DB</a:t>
             </a:r>
           </a:p>
           <a:p>
             <a:pPr algn="ctr"/>
             <a:r>
-              <a:rPr lang="ko-KR" altLang="en-US" dirty="0" err="1" smtClean="0"/>
+              <a:rPr lang="ko-KR" altLang="en-US" dirty="0" err="1" smtClean="0">
+                <a:latin typeface="소야논8" panose="02020603020101020101" pitchFamily="18" charset="-127"/>
+                <a:ea typeface="소야논8" panose="02020603020101020101" pitchFamily="18" charset="-127"/>
+              </a:rPr>
               <a:t>스레드</a:t>
             </a:r>
-            <a:endParaRPr lang="ko-KR" altLang="en-US" dirty="0"/>
+            <a:endParaRPr lang="ko-KR" altLang="en-US" dirty="0">
+              <a:latin typeface="소야논8" panose="02020603020101020101" pitchFamily="18" charset="-127"/>
+              <a:ea typeface="소야논8" panose="02020603020101020101" pitchFamily="18" charset="-127"/>
+            </a:endParaRPr>
           </a:p>
         </p:txBody>
       </p:sp>
@@ -34557,17 +38539,26 @@
           <a:p>
             <a:pPr algn="ctr"/>
             <a:r>
-              <a:rPr lang="en-US" altLang="ko-KR" smtClean="0"/>
+              <a:rPr lang="en-US" altLang="ko-KR" smtClean="0">
+                <a:latin typeface="소야논8" panose="02020603020101020101" pitchFamily="18" charset="-127"/>
+                <a:ea typeface="소야논8" panose="02020603020101020101" pitchFamily="18" charset="-127"/>
+              </a:rPr>
               <a:t>DB</a:t>
             </a:r>
           </a:p>
           <a:p>
             <a:pPr algn="ctr"/>
             <a:r>
-              <a:rPr lang="ko-KR" altLang="en-US" dirty="0" err="1" smtClean="0"/>
+              <a:rPr lang="ko-KR" altLang="en-US" dirty="0" err="1" smtClean="0">
+                <a:latin typeface="소야논8" panose="02020603020101020101" pitchFamily="18" charset="-127"/>
+                <a:ea typeface="소야논8" panose="02020603020101020101" pitchFamily="18" charset="-127"/>
+              </a:rPr>
               <a:t>스레드</a:t>
             </a:r>
-            <a:endParaRPr lang="ko-KR" altLang="en-US" dirty="0"/>
+            <a:endParaRPr lang="ko-KR" altLang="en-US" dirty="0">
+              <a:latin typeface="소야논8" panose="02020603020101020101" pitchFamily="18" charset="-127"/>
+              <a:ea typeface="소야논8" panose="02020603020101020101" pitchFamily="18" charset="-127"/>
+            </a:endParaRPr>
           </a:p>
         </p:txBody>
       </p:sp>
@@ -34608,17 +38599,26 @@
           <a:p>
             <a:pPr algn="ctr"/>
             <a:r>
-              <a:rPr lang="en-US" altLang="ko-KR" smtClean="0"/>
+              <a:rPr lang="en-US" altLang="ko-KR" smtClean="0">
+                <a:latin typeface="소야논8" panose="02020603020101020101" pitchFamily="18" charset="-127"/>
+                <a:ea typeface="소야논8" panose="02020603020101020101" pitchFamily="18" charset="-127"/>
+              </a:rPr>
               <a:t>DB</a:t>
             </a:r>
           </a:p>
           <a:p>
             <a:pPr algn="ctr"/>
             <a:r>
-              <a:rPr lang="ko-KR" altLang="en-US" dirty="0" err="1" smtClean="0"/>
+              <a:rPr lang="ko-KR" altLang="en-US" dirty="0" err="1" smtClean="0">
+                <a:latin typeface="소야논8" panose="02020603020101020101" pitchFamily="18" charset="-127"/>
+                <a:ea typeface="소야논8" panose="02020603020101020101" pitchFamily="18" charset="-127"/>
+              </a:rPr>
               <a:t>스레드</a:t>
             </a:r>
-            <a:endParaRPr lang="ko-KR" altLang="en-US" dirty="0"/>
+            <a:endParaRPr lang="ko-KR" altLang="en-US" dirty="0">
+              <a:latin typeface="소야논8" panose="02020603020101020101" pitchFamily="18" charset="-127"/>
+              <a:ea typeface="소야논8" panose="02020603020101020101" pitchFamily="18" charset="-127"/>
+            </a:endParaRPr>
           </a:p>
         </p:txBody>
       </p:sp>
@@ -34691,7 +38691,10 @@
           <a:lstStyle/>
           <a:p>
             <a:pPr algn="ctr"/>
-            <a:endParaRPr lang="ko-KR" altLang="en-US"/>
+            <a:endParaRPr lang="ko-KR" altLang="en-US">
+              <a:latin typeface="소야논8" panose="02020603020101020101" pitchFamily="18" charset="-127"/>
+              <a:ea typeface="소야논8" panose="02020603020101020101" pitchFamily="18" charset="-127"/>
+            </a:endParaRPr>
           </a:p>
         </p:txBody>
       </p:sp>
@@ -34731,7 +38734,10 @@
           <a:lstStyle/>
           <a:p>
             <a:pPr algn="ctr"/>
-            <a:endParaRPr lang="ko-KR" altLang="en-US"/>
+            <a:endParaRPr lang="ko-KR" altLang="en-US">
+              <a:latin typeface="소야논8" panose="02020603020101020101" pitchFamily="18" charset="-127"/>
+              <a:ea typeface="소야논8" panose="02020603020101020101" pitchFamily="18" charset="-127"/>
+            </a:endParaRPr>
           </a:p>
         </p:txBody>
       </p:sp>
@@ -34744,7 +38750,7 @@
         <p:spPr>
           <a:xfrm>
             <a:off x="6457880" y="5599064"/>
-            <a:ext cx="595035" cy="338554"/>
+            <a:ext cx="569387" cy="338554"/>
           </a:xfrm>
           <a:prstGeom prst="rect">
             <a:avLst/>
@@ -34762,6 +38768,8 @@
                 <a:solidFill>
                   <a:schemeClr val="bg1"/>
                 </a:solidFill>
+                <a:latin typeface="소야논8" panose="02020603020101020101" pitchFamily="18" charset="-127"/>
+                <a:ea typeface="소야논8" panose="02020603020101020101" pitchFamily="18" charset="-127"/>
               </a:rPr>
               <a:t>전송</a:t>
             </a:r>
@@ -34769,6 +38777,8 @@
               <a:solidFill>
                 <a:schemeClr val="bg1"/>
               </a:solidFill>
+              <a:latin typeface="소야논8" panose="02020603020101020101" pitchFamily="18" charset="-127"/>
+              <a:ea typeface="소야논8" panose="02020603020101020101" pitchFamily="18" charset="-127"/>
             </a:endParaRPr>
           </a:p>
         </p:txBody>
@@ -34782,7 +38792,7 @@
         <p:spPr>
           <a:xfrm>
             <a:off x="3576910" y="5875680"/>
-            <a:ext cx="595035" cy="338554"/>
+            <a:ext cx="569387" cy="338554"/>
           </a:xfrm>
           <a:prstGeom prst="rect">
             <a:avLst/>
@@ -34800,6 +38810,8 @@
                 <a:solidFill>
                   <a:schemeClr val="bg1"/>
                 </a:solidFill>
+                <a:latin typeface="소야논8" panose="02020603020101020101" pitchFamily="18" charset="-127"/>
+                <a:ea typeface="소야논8" panose="02020603020101020101" pitchFamily="18" charset="-127"/>
               </a:rPr>
               <a:t>응답</a:t>
             </a:r>
@@ -34807,6 +38819,8 @@
               <a:solidFill>
                 <a:schemeClr val="bg1"/>
               </a:solidFill>
+              <a:latin typeface="소야논8" panose="02020603020101020101" pitchFamily="18" charset="-127"/>
+              <a:ea typeface="소야논8" panose="02020603020101020101" pitchFamily="18" charset="-127"/>
             </a:endParaRPr>
           </a:p>
         </p:txBody>
@@ -34901,17 +38915,7 @@
                 <a:latin typeface="소야논8" panose="02020603020101020101" pitchFamily="18" charset="-127"/>
                 <a:ea typeface="소야논8" panose="02020603020101020101" pitchFamily="18" charset="-127"/>
               </a:rPr>
-              <a:t>블랙</a:t>
-            </a:r>
-            <a:r>
-              <a:rPr lang="ko-KR" altLang="en-US" dirty="0" err="1" smtClean="0">
-                <a:solidFill>
-                  <a:srgbClr val="E4007F"/>
-                </a:solidFill>
-                <a:latin typeface="소야논8" panose="02020603020101020101" pitchFamily="18" charset="-127"/>
-                <a:ea typeface="소야논8" panose="02020603020101020101" pitchFamily="18" charset="-127"/>
-              </a:rPr>
-              <a:t>잭</a:t>
+              <a:t>블랙잭</a:t>
             </a:r>
             <a:endParaRPr lang="ko-KR" altLang="en-US" dirty="0">
               <a:solidFill>
@@ -35246,17 +39250,7 @@
                 <a:latin typeface="소야논8" panose="02020603020101020101" pitchFamily="18" charset="-127"/>
                 <a:ea typeface="소야논8" panose="02020603020101020101" pitchFamily="18" charset="-127"/>
               </a:rPr>
-              <a:t>에서 </a:t>
-            </a:r>
-            <a:r>
-              <a:rPr lang="ko-KR" altLang="en-US" sz="2800" dirty="0" smtClean="0">
-                <a:solidFill>
-                  <a:schemeClr val="bg1"/>
-                </a:solidFill>
-                <a:latin typeface="소야논8" panose="02020603020101020101" pitchFamily="18" charset="-127"/>
-                <a:ea typeface="소야논8" panose="02020603020101020101" pitchFamily="18" charset="-127"/>
-              </a:rPr>
-              <a:t>하나씩 꺼내서 처리한다</a:t>
+              <a:t>에서 하나씩 꺼내서 처리한다</a:t>
             </a:r>
             <a:r>
               <a:rPr lang="en-US" altLang="ko-KR" sz="2800" dirty="0" smtClean="0">
@@ -35345,13 +39339,6 @@
               </a:rPr>
               <a:t>.</a:t>
             </a:r>
-            <a:endParaRPr lang="en-US" altLang="ko-KR" sz="2800" dirty="0" smtClean="0">
-              <a:solidFill>
-                <a:schemeClr val="bg1"/>
-              </a:solidFill>
-              <a:latin typeface="소야논8" panose="02020603020101020101" pitchFamily="18" charset="-127"/>
-              <a:ea typeface="소야논8" panose="02020603020101020101" pitchFamily="18" charset="-127"/>
-            </a:endParaRPr>
           </a:p>
           <a:p>
             <a:pPr>
@@ -35427,17 +39414,7 @@
                 <a:latin typeface="소야논8" panose="02020603020101020101" pitchFamily="18" charset="-127"/>
                 <a:ea typeface="소야논8" panose="02020603020101020101" pitchFamily="18" charset="-127"/>
               </a:rPr>
-              <a:t> </a:t>
-            </a:r>
-            <a:r>
-              <a:rPr lang="ko-KR" altLang="en-US" sz="2800" dirty="0" smtClean="0">
-                <a:solidFill>
-                  <a:schemeClr val="bg1"/>
-                </a:solidFill>
-                <a:latin typeface="소야논8" panose="02020603020101020101" pitchFamily="18" charset="-127"/>
-                <a:ea typeface="소야논8" panose="02020603020101020101" pitchFamily="18" charset="-127"/>
-              </a:rPr>
-              <a:t>넣음</a:t>
+              <a:t> 넣음</a:t>
             </a:r>
             <a:endParaRPr lang="en-US" altLang="ko-KR" sz="2800" dirty="0" smtClean="0">
               <a:solidFill>
@@ -35988,17 +39965,7 @@
                 <a:latin typeface="소야논8" panose="02020603020101020101" pitchFamily="18" charset="-127"/>
                 <a:ea typeface="소야논8" panose="02020603020101020101" pitchFamily="18" charset="-127"/>
               </a:rPr>
-              <a:t>에 </a:t>
-            </a:r>
-            <a:r>
-              <a:rPr lang="ko-KR" altLang="en-US" sz="2800" dirty="0" smtClean="0">
-                <a:solidFill>
-                  <a:schemeClr val="bg1"/>
-                </a:solidFill>
-                <a:latin typeface="소야논8" panose="02020603020101020101" pitchFamily="18" charset="-127"/>
-                <a:ea typeface="소야논8" panose="02020603020101020101" pitchFamily="18" charset="-127"/>
-              </a:rPr>
-              <a:t>넣어줌</a:t>
+              <a:t>에 넣어줌</a:t>
             </a:r>
             <a:endParaRPr lang="en-US" altLang="ko-KR" sz="2800" dirty="0" smtClean="0">
               <a:solidFill>
@@ -36093,14 +40060,24 @@
           <a:lstStyle/>
           <a:p>
             <a:r>
-              <a:rPr lang="ko-KR" altLang="en-US" sz="4800" dirty="0" smtClean="0">
+              <a:rPr lang="ko-KR" altLang="en-US" sz="4800" dirty="0" err="1" smtClean="0">
                 <a:solidFill>
                   <a:srgbClr val="E4007F"/>
                 </a:solidFill>
                 <a:latin typeface="소야논8" panose="02020603020101020101" pitchFamily="18" charset="-127"/>
                 <a:ea typeface="소야논8" panose="02020603020101020101" pitchFamily="18" charset="-127"/>
               </a:rPr>
-              <a:t>힘들었던 점</a:t>
+              <a:t>힘들좋았었던</a:t>
+            </a:r>
+            <a:r>
+              <a:rPr lang="ko-KR" altLang="en-US" sz="4800" dirty="0" smtClean="0">
+                <a:solidFill>
+                  <a:srgbClr val="E4007F"/>
+                </a:solidFill>
+                <a:latin typeface="소야논8" panose="02020603020101020101" pitchFamily="18" charset="-127"/>
+                <a:ea typeface="소야논8" panose="02020603020101020101" pitchFamily="18" charset="-127"/>
+              </a:rPr>
+              <a:t> 점</a:t>
             </a:r>
             <a:endParaRPr lang="ko-KR" altLang="en-US" sz="4800" dirty="0">
               <a:solidFill>
@@ -36172,17 +40149,27 @@
                 <a:latin typeface="소야논8" panose="02020603020101020101" pitchFamily="18" charset="-127"/>
                 <a:ea typeface="소야논8" panose="02020603020101020101" pitchFamily="18" charset="-127"/>
               </a:rPr>
-              <a:t>힘들었던 </a:t>
-            </a:r>
-            <a:r>
-              <a:rPr lang="ko-KR" altLang="en-US" dirty="0">
+              <a:t>힘들었던 점 </a:t>
+            </a:r>
+            <a:r>
+              <a:rPr lang="en-US" altLang="ko-KR" dirty="0" smtClean="0">
                 <a:solidFill>
                   <a:srgbClr val="E4007F"/>
                 </a:solidFill>
                 <a:latin typeface="소야논8" panose="02020603020101020101" pitchFamily="18" charset="-127"/>
                 <a:ea typeface="소야논8" panose="02020603020101020101" pitchFamily="18" charset="-127"/>
               </a:rPr>
-              <a:t>점</a:t>
+              <a:t>- </a:t>
+            </a:r>
+            <a:r>
+              <a:rPr lang="ko-KR" altLang="en-US" dirty="0" smtClean="0">
+                <a:solidFill>
+                  <a:srgbClr val="E4007F"/>
+                </a:solidFill>
+                <a:latin typeface="소야논8" panose="02020603020101020101" pitchFamily="18" charset="-127"/>
+                <a:ea typeface="소야논8" panose="02020603020101020101" pitchFamily="18" charset="-127"/>
+              </a:rPr>
+              <a:t>명찬</a:t>
             </a:r>
             <a:endParaRPr lang="ko-KR" altLang="en-US" dirty="0">
               <a:solidFill>
@@ -36411,13 +40398,6 @@
               </a:rPr>
               <a:t>…</a:t>
             </a:r>
-            <a:endParaRPr lang="en-US" altLang="ko-KR" dirty="0" smtClean="0">
-              <a:solidFill>
-                <a:schemeClr val="bg1"/>
-              </a:solidFill>
-              <a:latin typeface="소야논8" panose="02020603020101020101" pitchFamily="18" charset="-127"/>
-              <a:ea typeface="소야논8" panose="02020603020101020101" pitchFamily="18" charset="-127"/>
-            </a:endParaRPr>
           </a:p>
         </p:txBody>
       </p:sp>
@@ -36481,7 +40461,7 @@
                 <a:latin typeface="소야논8" panose="02020603020101020101" pitchFamily="18" charset="-127"/>
                 <a:ea typeface="소야논8" panose="02020603020101020101" pitchFamily="18" charset="-127"/>
               </a:rPr>
-              <a:t>다시 만든다면</a:t>
+              <a:t>좋았던 점 </a:t>
             </a:r>
             <a:r>
               <a:rPr lang="en-US" altLang="ko-KR" dirty="0" smtClean="0">
@@ -36491,7 +40471,7 @@
                 <a:latin typeface="소야논8" panose="02020603020101020101" pitchFamily="18" charset="-127"/>
                 <a:ea typeface="소야논8" panose="02020603020101020101" pitchFamily="18" charset="-127"/>
               </a:rPr>
-              <a:t>? - </a:t>
+              <a:t>- </a:t>
             </a:r>
             <a:r>
               <a:rPr lang="ko-KR" altLang="en-US" dirty="0" smtClean="0">
@@ -36501,18 +40481,15 @@
                 <a:latin typeface="소야논8" panose="02020603020101020101" pitchFamily="18" charset="-127"/>
                 <a:ea typeface="소야논8" panose="02020603020101020101" pitchFamily="18" charset="-127"/>
               </a:rPr>
-              <a:t>명</a:t>
-            </a:r>
-            <a:r>
-              <a:rPr lang="ko-KR" altLang="en-US" dirty="0">
-                <a:solidFill>
-                  <a:srgbClr val="E4007F"/>
-                </a:solidFill>
-                <a:latin typeface="소야논8" panose="02020603020101020101" pitchFamily="18" charset="-127"/>
-                <a:ea typeface="소야논8" panose="02020603020101020101" pitchFamily="18" charset="-127"/>
-              </a:rPr>
-              <a:t>찬</a:t>
-            </a:r>
+              <a:t>명찬</a:t>
+            </a:r>
+            <a:endParaRPr lang="ko-KR" altLang="en-US" dirty="0">
+              <a:solidFill>
+                <a:srgbClr val="E4007F"/>
+              </a:solidFill>
+              <a:latin typeface="소야논8" panose="02020603020101020101" pitchFamily="18" charset="-127"/>
+              <a:ea typeface="소야논8" panose="02020603020101020101" pitchFamily="18" charset="-127"/>
+            </a:endParaRPr>
           </a:p>
         </p:txBody>
       </p:sp>
@@ -36534,44 +40511,14 @@
           <a:lstStyle/>
           <a:p>
             <a:r>
-              <a:rPr lang="en-US" altLang="ko-KR" sz="2800" dirty="0" smtClean="0">
+              <a:rPr lang="ko-KR" altLang="en-US" sz="2800" dirty="0" smtClean="0">
                 <a:solidFill>
                   <a:schemeClr val="bg1"/>
                 </a:solidFill>
                 <a:latin typeface="소야논8" panose="02020603020101020101" pitchFamily="18" charset="-127"/>
                 <a:ea typeface="소야논8" panose="02020603020101020101" pitchFamily="18" charset="-127"/>
               </a:rPr>
-              <a:t>DB </a:t>
-            </a:r>
-            <a:r>
-              <a:rPr lang="ko-KR" altLang="en-US" sz="2800" dirty="0" err="1" smtClean="0">
-                <a:solidFill>
-                  <a:schemeClr val="bg1"/>
-                </a:solidFill>
-                <a:latin typeface="소야논8" panose="02020603020101020101" pitchFamily="18" charset="-127"/>
-                <a:ea typeface="소야논8" panose="02020603020101020101" pitchFamily="18" charset="-127"/>
-              </a:rPr>
-              <a:t>쓰레드쪽을</a:t>
-            </a:r>
-            <a:r>
-              <a:rPr lang="ko-KR" altLang="en-US" sz="2800" dirty="0" smtClean="0">
-                <a:solidFill>
-                  <a:schemeClr val="bg1"/>
-                </a:solidFill>
-                <a:latin typeface="소야논8" panose="02020603020101020101" pitchFamily="18" charset="-127"/>
-                <a:ea typeface="소야논8" panose="02020603020101020101" pitchFamily="18" charset="-127"/>
-              </a:rPr>
-              <a:t> 최적화 하고 싶음</a:t>
-            </a:r>
-            <a:r>
-              <a:rPr lang="en-US" altLang="ko-KR" sz="2800" dirty="0" smtClean="0">
-                <a:solidFill>
-                  <a:schemeClr val="bg1"/>
-                </a:solidFill>
-                <a:latin typeface="소야논8" panose="02020603020101020101" pitchFamily="18" charset="-127"/>
-                <a:ea typeface="소야논8" panose="02020603020101020101" pitchFamily="18" charset="-127"/>
-              </a:rPr>
-              <a:t>. </a:t>
+              <a:t>전우여 들리는가</a:t>
             </a:r>
             <a:endParaRPr lang="en-US" altLang="ko-KR" sz="2800" dirty="0" smtClean="0">
               <a:solidFill>
@@ -36581,12 +40528,32 @@
               <a:ea typeface="소야논8" panose="02020603020101020101" pitchFamily="18" charset="-127"/>
             </a:endParaRPr>
           </a:p>
+          <a:p>
+            <a:pPr lvl="1"/>
+            <a:r>
+              <a:rPr lang="ko-KR" altLang="en-US" sz="2400" dirty="0" smtClean="0">
+                <a:solidFill>
+                  <a:schemeClr val="bg1"/>
+                </a:solidFill>
+                <a:latin typeface="소야논8" panose="02020603020101020101" pitchFamily="18" charset="-127"/>
+                <a:ea typeface="소야논8" panose="02020603020101020101" pitchFamily="18" charset="-127"/>
+              </a:rPr>
+              <a:t>그 성난 목소리</a:t>
+            </a:r>
+            <a:endParaRPr lang="en-US" altLang="ko-KR" sz="2400" dirty="0">
+              <a:solidFill>
+                <a:schemeClr val="bg1"/>
+              </a:solidFill>
+              <a:latin typeface="소야논8" panose="02020603020101020101" pitchFamily="18" charset="-127"/>
+              <a:ea typeface="소야논8" panose="02020603020101020101" pitchFamily="18" charset="-127"/>
+            </a:endParaRPr>
+          </a:p>
         </p:txBody>
       </p:sp>
     </p:spTree>
     <p:extLst>
       <p:ext uri="{BB962C8B-B14F-4D97-AF65-F5344CB8AC3E}">
-        <p14:creationId xmlns:p14="http://schemas.microsoft.com/office/powerpoint/2010/main" val="1497429585"/>
+        <p14:creationId xmlns:p14="http://schemas.microsoft.com/office/powerpoint/2010/main" val="840281228"/>
       </p:ext>
     </p:extLst>
   </p:cSld>
@@ -36604,7 +40571,7 @@
 </file>
 
 <file path=ppt/slides/slide27.xml><?xml version="1.0" encoding="utf-8"?>
-<p:sld xmlns:a="http://schemas.openxmlformats.org/drawingml/2006/main" xmlns:r="http://schemas.openxmlformats.org/officeDocument/2006/relationships" xmlns:p="http://schemas.openxmlformats.org/presentationml/2006/main" showMasterSp="0">
+<p:sld xmlns:a="http://schemas.openxmlformats.org/drawingml/2006/main" xmlns:r="http://schemas.openxmlformats.org/officeDocument/2006/relationships" xmlns:p="http://schemas.openxmlformats.org/presentationml/2006/main">
   <p:cSld>
     <p:spTree>
       <p:nvGrpSpPr>
@@ -36627,7 +40594,693 @@
             <a:spLocks noGrp="1"/>
           </p:cNvSpPr>
           <p:nvPr>
-            <p:ph type="ctrTitle"/>
+            <p:ph type="title"/>
+          </p:nvPr>
+        </p:nvSpPr>
+        <p:spPr/>
+        <p:txBody>
+          <a:bodyPr/>
+          <a:lstStyle/>
+          <a:p>
+            <a:r>
+              <a:rPr lang="ko-KR" altLang="en-US" dirty="0" smtClean="0">
+                <a:solidFill>
+                  <a:srgbClr val="E4007F"/>
+                </a:solidFill>
+                <a:latin typeface="소야논8" panose="02020603020101020101" pitchFamily="18" charset="-127"/>
+                <a:ea typeface="소야논8" panose="02020603020101020101" pitchFamily="18" charset="-127"/>
+              </a:rPr>
+              <a:t>힘들었던 점 </a:t>
+            </a:r>
+            <a:r>
+              <a:rPr lang="en-US" altLang="ko-KR" dirty="0" smtClean="0">
+                <a:solidFill>
+                  <a:srgbClr val="E4007F"/>
+                </a:solidFill>
+                <a:latin typeface="소야논8" panose="02020603020101020101" pitchFamily="18" charset="-127"/>
+                <a:ea typeface="소야논8" panose="02020603020101020101" pitchFamily="18" charset="-127"/>
+              </a:rPr>
+              <a:t>- </a:t>
+            </a:r>
+            <a:r>
+              <a:rPr lang="ko-KR" altLang="en-US" dirty="0" smtClean="0">
+                <a:solidFill>
+                  <a:srgbClr val="E4007F"/>
+                </a:solidFill>
+                <a:latin typeface="소야논8" panose="02020603020101020101" pitchFamily="18" charset="-127"/>
+                <a:ea typeface="소야논8" panose="02020603020101020101" pitchFamily="18" charset="-127"/>
+              </a:rPr>
+              <a:t>석</a:t>
+            </a:r>
+            <a:r>
+              <a:rPr lang="ko-KR" altLang="en-US" dirty="0">
+                <a:solidFill>
+                  <a:srgbClr val="E4007F"/>
+                </a:solidFill>
+                <a:latin typeface="소야논8" panose="02020603020101020101" pitchFamily="18" charset="-127"/>
+                <a:ea typeface="소야논8" panose="02020603020101020101" pitchFamily="18" charset="-127"/>
+              </a:rPr>
+              <a:t>민</a:t>
+            </a:r>
+          </a:p>
+        </p:txBody>
+      </p:sp>
+      <p:sp>
+        <p:nvSpPr>
+          <p:cNvPr id="3" name="내용 개체 틀 2"/>
+          <p:cNvSpPr>
+            <a:spLocks noGrp="1"/>
+          </p:cNvSpPr>
+          <p:nvPr>
+            <p:ph idx="1"/>
+          </p:nvPr>
+        </p:nvSpPr>
+        <p:spPr/>
+        <p:txBody>
+          <a:bodyPr>
+            <a:normAutofit fontScale="85000" lnSpcReduction="20000"/>
+          </a:bodyPr>
+          <a:lstStyle/>
+          <a:p>
+            <a:r>
+              <a:rPr lang="ko-KR" altLang="en-US" dirty="0" smtClean="0">
+                <a:solidFill>
+                  <a:schemeClr val="bg1"/>
+                </a:solidFill>
+                <a:latin typeface="소야논8" panose="02020603020101020101" pitchFamily="18" charset="-127"/>
+                <a:ea typeface="소야논8" panose="02020603020101020101" pitchFamily="18" charset="-127"/>
+              </a:rPr>
+              <a:t>시간이 부족</a:t>
+            </a:r>
+            <a:endParaRPr lang="en-US" altLang="ko-KR" dirty="0">
+              <a:solidFill>
+                <a:schemeClr val="bg1"/>
+              </a:solidFill>
+              <a:latin typeface="소야논8" panose="02020603020101020101" pitchFamily="18" charset="-127"/>
+              <a:ea typeface="소야논8" panose="02020603020101020101" pitchFamily="18" charset="-127"/>
+            </a:endParaRPr>
+          </a:p>
+          <a:p>
+            <a:pPr lvl="1"/>
+            <a:r>
+              <a:rPr lang="ko-KR" altLang="en-US" sz="2000" dirty="0" err="1" smtClean="0">
+                <a:solidFill>
+                  <a:schemeClr val="bg1"/>
+                </a:solidFill>
+                <a:latin typeface="소야논8" panose="02020603020101020101" pitchFamily="18" charset="-127"/>
+                <a:ea typeface="소야논8" panose="02020603020101020101" pitchFamily="18" charset="-127"/>
+              </a:rPr>
+              <a:t>초중반까지는</a:t>
+            </a:r>
+            <a:r>
+              <a:rPr lang="ko-KR" altLang="en-US" sz="2000" dirty="0" smtClean="0">
+                <a:solidFill>
+                  <a:schemeClr val="bg1"/>
+                </a:solidFill>
+                <a:latin typeface="소야논8" panose="02020603020101020101" pitchFamily="18" charset="-127"/>
+                <a:ea typeface="소야논8" panose="02020603020101020101" pitchFamily="18" charset="-127"/>
+              </a:rPr>
+              <a:t> 구조 고민해가며 최선이라고 생각하는 방법으로 짰지만</a:t>
+            </a:r>
+            <a:r>
+              <a:rPr lang="en-US" altLang="ko-KR" sz="2000" dirty="0" smtClean="0">
+                <a:solidFill>
+                  <a:schemeClr val="bg1"/>
+                </a:solidFill>
+                <a:latin typeface="소야논8" panose="02020603020101020101" pitchFamily="18" charset="-127"/>
+                <a:ea typeface="소야논8" panose="02020603020101020101" pitchFamily="18" charset="-127"/>
+              </a:rPr>
+              <a:t>, </a:t>
+            </a:r>
+            <a:r>
+              <a:rPr lang="ko-KR" altLang="en-US" sz="2000" dirty="0" smtClean="0">
+                <a:solidFill>
+                  <a:schemeClr val="bg1"/>
+                </a:solidFill>
+                <a:latin typeface="소야논8" panose="02020603020101020101" pitchFamily="18" charset="-127"/>
+                <a:ea typeface="소야논8" panose="02020603020101020101" pitchFamily="18" charset="-127"/>
+              </a:rPr>
+              <a:t>나중에는 시간이 없어서 노가다 코드</a:t>
+            </a:r>
+            <a:r>
+              <a:rPr lang="en-US" altLang="ko-KR" sz="2000" dirty="0" smtClean="0">
+                <a:solidFill>
+                  <a:schemeClr val="bg1"/>
+                </a:solidFill>
+                <a:latin typeface="소야논8" panose="02020603020101020101" pitchFamily="18" charset="-127"/>
+                <a:ea typeface="소야논8" panose="02020603020101020101" pitchFamily="18" charset="-127"/>
+              </a:rPr>
+              <a:t>, </a:t>
+            </a:r>
+            <a:r>
+              <a:rPr lang="ko-KR" altLang="en-US" sz="2000" dirty="0" err="1" smtClean="0">
+                <a:solidFill>
+                  <a:schemeClr val="bg1"/>
+                </a:solidFill>
+                <a:latin typeface="소야논8" panose="02020603020101020101" pitchFamily="18" charset="-127"/>
+                <a:ea typeface="소야논8" panose="02020603020101020101" pitchFamily="18" charset="-127"/>
+              </a:rPr>
+              <a:t>땜빵</a:t>
+            </a:r>
+            <a:r>
+              <a:rPr lang="ko-KR" altLang="en-US" sz="2000" dirty="0" smtClean="0">
+                <a:solidFill>
+                  <a:schemeClr val="bg1"/>
+                </a:solidFill>
+                <a:latin typeface="소야논8" panose="02020603020101020101" pitchFamily="18" charset="-127"/>
+                <a:ea typeface="소야논8" panose="02020603020101020101" pitchFamily="18" charset="-127"/>
+              </a:rPr>
+              <a:t> 코드</a:t>
+            </a:r>
+            <a:r>
+              <a:rPr lang="en-US" altLang="ko-KR" sz="2000" dirty="0" smtClean="0">
+                <a:solidFill>
+                  <a:schemeClr val="bg1"/>
+                </a:solidFill>
+                <a:latin typeface="소야논8" panose="02020603020101020101" pitchFamily="18" charset="-127"/>
+                <a:ea typeface="소야논8" panose="02020603020101020101" pitchFamily="18" charset="-127"/>
+              </a:rPr>
+              <a:t>, </a:t>
+            </a:r>
+            <a:r>
+              <a:rPr lang="ko-KR" altLang="en-US" sz="2000" dirty="0" err="1" smtClean="0">
+                <a:solidFill>
+                  <a:schemeClr val="bg1"/>
+                </a:solidFill>
+                <a:latin typeface="소야논8" panose="02020603020101020101" pitchFamily="18" charset="-127"/>
+                <a:ea typeface="소야논8" panose="02020603020101020101" pitchFamily="18" charset="-127"/>
+              </a:rPr>
+              <a:t>더티</a:t>
+            </a:r>
+            <a:r>
+              <a:rPr lang="ko-KR" altLang="en-US" sz="2000" dirty="0" smtClean="0">
+                <a:solidFill>
+                  <a:schemeClr val="bg1"/>
+                </a:solidFill>
+                <a:latin typeface="소야논8" panose="02020603020101020101" pitchFamily="18" charset="-127"/>
+                <a:ea typeface="소야논8" panose="02020603020101020101" pitchFamily="18" charset="-127"/>
+              </a:rPr>
+              <a:t> 코드 작렬</a:t>
+            </a:r>
+            <a:r>
+              <a:rPr lang="en-US" altLang="ko-KR" sz="2000" dirty="0" smtClean="0">
+                <a:solidFill>
+                  <a:schemeClr val="bg1"/>
+                </a:solidFill>
+                <a:latin typeface="소야논8" panose="02020603020101020101" pitchFamily="18" charset="-127"/>
+                <a:ea typeface="소야논8" panose="02020603020101020101" pitchFamily="18" charset="-127"/>
+              </a:rPr>
+              <a:t>(</a:t>
+            </a:r>
+            <a:r>
+              <a:rPr lang="ko-KR" altLang="en-US" sz="2000" dirty="0" smtClean="0">
+                <a:solidFill>
+                  <a:schemeClr val="bg1"/>
+                </a:solidFill>
+                <a:latin typeface="소야논8" panose="02020603020101020101" pitchFamily="18" charset="-127"/>
+                <a:ea typeface="소야논8" panose="02020603020101020101" pitchFamily="18" charset="-127"/>
+              </a:rPr>
+              <a:t>특히 클라</a:t>
+            </a:r>
+            <a:r>
+              <a:rPr lang="en-US" altLang="ko-KR" sz="2000" dirty="0" smtClean="0">
+                <a:solidFill>
+                  <a:schemeClr val="bg1"/>
+                </a:solidFill>
+                <a:latin typeface="소야논8" panose="02020603020101020101" pitchFamily="18" charset="-127"/>
+                <a:ea typeface="소야논8" panose="02020603020101020101" pitchFamily="18" charset="-127"/>
+              </a:rPr>
+              <a:t>)</a:t>
+            </a:r>
+          </a:p>
+          <a:p>
+            <a:pPr lvl="1"/>
+            <a:endParaRPr lang="en-US" altLang="ko-KR" sz="2000" dirty="0">
+              <a:solidFill>
+                <a:schemeClr val="bg1"/>
+              </a:solidFill>
+              <a:latin typeface="소야논8" panose="02020603020101020101" pitchFamily="18" charset="-127"/>
+              <a:ea typeface="소야논8" panose="02020603020101020101" pitchFamily="18" charset="-127"/>
+            </a:endParaRPr>
+          </a:p>
+          <a:p>
+            <a:r>
+              <a:rPr lang="ko-KR" altLang="en-US" dirty="0" smtClean="0">
+                <a:solidFill>
+                  <a:schemeClr val="bg1"/>
+                </a:solidFill>
+                <a:latin typeface="소야논8" panose="02020603020101020101" pitchFamily="18" charset="-127"/>
+                <a:ea typeface="소야논8" panose="02020603020101020101" pitchFamily="18" charset="-127"/>
+              </a:rPr>
+              <a:t>네트워크 게임을 처음 만들어봄</a:t>
+            </a:r>
+            <a:endParaRPr lang="en-US" altLang="ko-KR" dirty="0" smtClean="0">
+              <a:solidFill>
+                <a:schemeClr val="bg1"/>
+              </a:solidFill>
+              <a:latin typeface="소야논8" panose="02020603020101020101" pitchFamily="18" charset="-127"/>
+              <a:ea typeface="소야논8" panose="02020603020101020101" pitchFamily="18" charset="-127"/>
+            </a:endParaRPr>
+          </a:p>
+          <a:p>
+            <a:pPr lvl="1"/>
+            <a:r>
+              <a:rPr lang="ko-KR" altLang="en-US" sz="2000" dirty="0" smtClean="0">
+                <a:solidFill>
+                  <a:schemeClr val="bg1"/>
+                </a:solidFill>
+                <a:latin typeface="소야논8" panose="02020603020101020101" pitchFamily="18" charset="-127"/>
+                <a:ea typeface="소야논8" panose="02020603020101020101" pitchFamily="18" charset="-127"/>
+              </a:rPr>
+              <a:t>문제 발생 </a:t>
+            </a:r>
+            <a:r>
+              <a:rPr lang="en-US" altLang="ko-KR" sz="2000" dirty="0" smtClean="0">
+                <a:solidFill>
+                  <a:schemeClr val="bg1"/>
+                </a:solidFill>
+                <a:latin typeface="소야논8" panose="02020603020101020101" pitchFamily="18" charset="-127"/>
+                <a:ea typeface="소야논8" panose="02020603020101020101" pitchFamily="18" charset="-127"/>
+              </a:rPr>
+              <a:t>-&gt; </a:t>
+            </a:r>
+            <a:r>
+              <a:rPr lang="ko-KR" altLang="en-US" sz="2000" dirty="0" err="1" smtClean="0">
+                <a:solidFill>
+                  <a:schemeClr val="bg1"/>
+                </a:solidFill>
+                <a:latin typeface="소야논8" panose="02020603020101020101" pitchFamily="18" charset="-127"/>
+                <a:ea typeface="소야논8" panose="02020603020101020101" pitchFamily="18" charset="-127"/>
+              </a:rPr>
+              <a:t>로</a:t>
+            </a:r>
+            <a:r>
+              <a:rPr lang="ko-KR" altLang="en-US" sz="2000" dirty="0" err="1">
+                <a:solidFill>
+                  <a:schemeClr val="bg1"/>
+                </a:solidFill>
+                <a:latin typeface="소야논8" panose="02020603020101020101" pitchFamily="18" charset="-127"/>
+                <a:ea typeface="소야논8" panose="02020603020101020101" pitchFamily="18" charset="-127"/>
+              </a:rPr>
+              <a:t>직</a:t>
+            </a:r>
+            <a:r>
+              <a:rPr lang="ko-KR" altLang="en-US" sz="2000" dirty="0" smtClean="0">
+                <a:solidFill>
+                  <a:schemeClr val="bg1"/>
+                </a:solidFill>
+                <a:latin typeface="소야논8" panose="02020603020101020101" pitchFamily="18" charset="-127"/>
+                <a:ea typeface="소야논8" panose="02020603020101020101" pitchFamily="18" charset="-127"/>
+              </a:rPr>
+              <a:t> 문제일거야 </a:t>
+            </a:r>
+            <a:r>
+              <a:rPr lang="en-US" altLang="ko-KR" sz="2000" dirty="0" smtClean="0">
+                <a:solidFill>
+                  <a:schemeClr val="bg1"/>
+                </a:solidFill>
+                <a:latin typeface="소야논8" panose="02020603020101020101" pitchFamily="18" charset="-127"/>
+                <a:ea typeface="소야논8" panose="02020603020101020101" pitchFamily="18" charset="-127"/>
+              </a:rPr>
+              <a:t>-&gt; </a:t>
+            </a:r>
+            <a:r>
+              <a:rPr lang="ko-KR" altLang="en-US" sz="2000" dirty="0" smtClean="0">
+                <a:solidFill>
+                  <a:schemeClr val="bg1"/>
+                </a:solidFill>
+                <a:latin typeface="소야논8" panose="02020603020101020101" pitchFamily="18" charset="-127"/>
+                <a:ea typeface="소야논8" panose="02020603020101020101" pitchFamily="18" charset="-127"/>
+              </a:rPr>
+              <a:t>형</a:t>
+            </a:r>
+            <a:r>
+              <a:rPr lang="en-US" altLang="ko-KR" sz="2000" dirty="0" smtClean="0">
+                <a:solidFill>
+                  <a:schemeClr val="bg1"/>
+                </a:solidFill>
+                <a:latin typeface="소야논8" panose="02020603020101020101" pitchFamily="18" charset="-127"/>
+                <a:ea typeface="소야논8" panose="02020603020101020101" pitchFamily="18" charset="-127"/>
+              </a:rPr>
+              <a:t>, </a:t>
+            </a:r>
+            <a:r>
+              <a:rPr lang="ko-KR" altLang="en-US" sz="2000" dirty="0" smtClean="0">
+                <a:solidFill>
+                  <a:schemeClr val="bg1"/>
+                </a:solidFill>
+                <a:latin typeface="소야논8" panose="02020603020101020101" pitchFamily="18" charset="-127"/>
+                <a:ea typeface="소야논8" panose="02020603020101020101" pitchFamily="18" charset="-127"/>
+              </a:rPr>
+              <a:t>서버 코드 봐봐요 </a:t>
+            </a:r>
+            <a:r>
+              <a:rPr lang="ko-KR" altLang="en-US" sz="2000" dirty="0" err="1" smtClean="0">
+                <a:solidFill>
+                  <a:schemeClr val="bg1"/>
+                </a:solidFill>
+                <a:latin typeface="소야논8" panose="02020603020101020101" pitchFamily="18" charset="-127"/>
+                <a:ea typeface="소야논8" panose="02020603020101020101" pitchFamily="18" charset="-127"/>
+              </a:rPr>
+              <a:t>패킷</a:t>
+            </a:r>
+            <a:r>
+              <a:rPr lang="ko-KR" altLang="en-US" sz="2000" dirty="0" smtClean="0">
+                <a:solidFill>
+                  <a:schemeClr val="bg1"/>
+                </a:solidFill>
+                <a:latin typeface="소야논8" panose="02020603020101020101" pitchFamily="18" charset="-127"/>
+                <a:ea typeface="소야논8" panose="02020603020101020101" pitchFamily="18" charset="-127"/>
+              </a:rPr>
+              <a:t> 이상하게 오는 거 같은데</a:t>
+            </a:r>
+            <a:r>
+              <a:rPr lang="en-US" altLang="ko-KR" sz="2000" dirty="0" smtClean="0">
+                <a:solidFill>
+                  <a:schemeClr val="bg1"/>
+                </a:solidFill>
+                <a:latin typeface="소야논8" panose="02020603020101020101" pitchFamily="18" charset="-127"/>
+                <a:ea typeface="소야논8" panose="02020603020101020101" pitchFamily="18" charset="-127"/>
+              </a:rPr>
+              <a:t>.. -&gt; </a:t>
+            </a:r>
+            <a:r>
+              <a:rPr lang="ko-KR" altLang="en-US" sz="2000" dirty="0" err="1" smtClean="0">
+                <a:solidFill>
+                  <a:schemeClr val="bg1"/>
+                </a:solidFill>
+                <a:latin typeface="소야논8" panose="02020603020101020101" pitchFamily="18" charset="-127"/>
+                <a:ea typeface="소야논8" panose="02020603020101020101" pitchFamily="18" charset="-127"/>
+              </a:rPr>
+              <a:t>클라문제</a:t>
+            </a:r>
+            <a:r>
+              <a:rPr lang="ko-KR" altLang="en-US" sz="2000" dirty="0" smtClean="0">
+                <a:solidFill>
+                  <a:schemeClr val="bg1"/>
+                </a:solidFill>
+                <a:latin typeface="소야논8" panose="02020603020101020101" pitchFamily="18" charset="-127"/>
+                <a:ea typeface="소야논8" panose="02020603020101020101" pitchFamily="18" charset="-127"/>
+              </a:rPr>
+              <a:t> </a:t>
+            </a:r>
+            <a:r>
+              <a:rPr lang="en-US" altLang="ko-KR" sz="2000" dirty="0" smtClean="0">
+                <a:solidFill>
+                  <a:schemeClr val="bg1"/>
+                </a:solidFill>
+                <a:latin typeface="소야논8" panose="02020603020101020101" pitchFamily="18" charset="-127"/>
+                <a:ea typeface="소야논8" panose="02020603020101020101" pitchFamily="18" charset="-127"/>
+              </a:rPr>
+              <a:t>-&gt; </a:t>
+            </a:r>
+            <a:r>
+              <a:rPr lang="ko-KR" altLang="en-US" sz="2000" dirty="0" smtClean="0">
+                <a:solidFill>
+                  <a:schemeClr val="bg1"/>
+                </a:solidFill>
+                <a:latin typeface="소야논8" panose="02020603020101020101" pitchFamily="18" charset="-127"/>
+                <a:ea typeface="소야논8" panose="02020603020101020101" pitchFamily="18" charset="-127"/>
+              </a:rPr>
+              <a:t>반복</a:t>
+            </a:r>
+            <a:endParaRPr lang="en-US" altLang="ko-KR" sz="2000" dirty="0" smtClean="0">
+              <a:solidFill>
+                <a:schemeClr val="bg1"/>
+              </a:solidFill>
+              <a:latin typeface="소야논8" panose="02020603020101020101" pitchFamily="18" charset="-127"/>
+              <a:ea typeface="소야논8" panose="02020603020101020101" pitchFamily="18" charset="-127"/>
+            </a:endParaRPr>
+          </a:p>
+          <a:p>
+            <a:pPr lvl="1"/>
+            <a:endParaRPr lang="en-US" altLang="ko-KR" sz="2000" dirty="0">
+              <a:solidFill>
+                <a:schemeClr val="bg1"/>
+              </a:solidFill>
+              <a:latin typeface="소야논8" panose="02020603020101020101" pitchFamily="18" charset="-127"/>
+              <a:ea typeface="소야논8" panose="02020603020101020101" pitchFamily="18" charset="-127"/>
+            </a:endParaRPr>
+          </a:p>
+          <a:p>
+            <a:r>
+              <a:rPr lang="ko-KR" altLang="en-US" dirty="0" smtClean="0">
+                <a:solidFill>
+                  <a:schemeClr val="bg1"/>
+                </a:solidFill>
+                <a:latin typeface="소야논8" panose="02020603020101020101" pitchFamily="18" charset="-127"/>
+                <a:ea typeface="소야논8" panose="02020603020101020101" pitchFamily="18" charset="-127"/>
+              </a:rPr>
+              <a:t>코딩 실력이 딸림</a:t>
+            </a:r>
+            <a:endParaRPr lang="en-US" altLang="ko-KR" dirty="0">
+              <a:solidFill>
+                <a:schemeClr val="bg1"/>
+              </a:solidFill>
+              <a:latin typeface="소야논8" panose="02020603020101020101" pitchFamily="18" charset="-127"/>
+              <a:ea typeface="소야논8" panose="02020603020101020101" pitchFamily="18" charset="-127"/>
+            </a:endParaRPr>
+          </a:p>
+          <a:p>
+            <a:pPr lvl="1"/>
+            <a:r>
+              <a:rPr lang="ko-KR" altLang="en-US" sz="2000" dirty="0" smtClean="0">
+                <a:solidFill>
+                  <a:schemeClr val="bg1"/>
+                </a:solidFill>
+                <a:latin typeface="소야논8" panose="02020603020101020101" pitchFamily="18" charset="-127"/>
+                <a:ea typeface="소야논8" panose="02020603020101020101" pitchFamily="18" charset="-127"/>
+              </a:rPr>
+              <a:t>하면서 많이 늘긴 했다</a:t>
+            </a:r>
+            <a:r>
+              <a:rPr lang="en-US" altLang="ko-KR" sz="2000" dirty="0" smtClean="0">
+                <a:solidFill>
+                  <a:schemeClr val="bg1"/>
+                </a:solidFill>
+                <a:latin typeface="소야논8" panose="02020603020101020101" pitchFamily="18" charset="-127"/>
+                <a:ea typeface="소야논8" panose="02020603020101020101" pitchFamily="18" charset="-127"/>
+              </a:rPr>
+              <a:t>.</a:t>
+            </a:r>
+          </a:p>
+          <a:p>
+            <a:pPr lvl="1"/>
+            <a:endParaRPr lang="en-US" altLang="ko-KR" sz="2000" dirty="0" smtClean="0">
+              <a:solidFill>
+                <a:schemeClr val="bg1"/>
+              </a:solidFill>
+              <a:latin typeface="소야논8" panose="02020603020101020101" pitchFamily="18" charset="-127"/>
+              <a:ea typeface="소야논8" panose="02020603020101020101" pitchFamily="18" charset="-127"/>
+            </a:endParaRPr>
+          </a:p>
+          <a:p>
+            <a:r>
+              <a:rPr lang="ko-KR" altLang="en-US" dirty="0" smtClean="0">
+                <a:solidFill>
+                  <a:schemeClr val="bg1"/>
+                </a:solidFill>
+                <a:latin typeface="소야논8" panose="02020603020101020101" pitchFamily="18" charset="-127"/>
+                <a:ea typeface="소야논8" panose="02020603020101020101" pitchFamily="18" charset="-127"/>
+              </a:rPr>
+              <a:t>죄</a:t>
+            </a:r>
+            <a:r>
+              <a:rPr lang="ko-KR" altLang="en-US" dirty="0">
+                <a:solidFill>
+                  <a:schemeClr val="bg1"/>
+                </a:solidFill>
+                <a:latin typeface="소야논8" panose="02020603020101020101" pitchFamily="18" charset="-127"/>
+                <a:ea typeface="소야논8" panose="02020603020101020101" pitchFamily="18" charset="-127"/>
+              </a:rPr>
+              <a:t>송</a:t>
+            </a:r>
+            <a:endParaRPr lang="en-US" altLang="ko-KR" dirty="0" smtClean="0">
+              <a:solidFill>
+                <a:schemeClr val="bg1"/>
+              </a:solidFill>
+              <a:latin typeface="소야논8" panose="02020603020101020101" pitchFamily="18" charset="-127"/>
+              <a:ea typeface="소야논8" panose="02020603020101020101" pitchFamily="18" charset="-127"/>
+            </a:endParaRPr>
+          </a:p>
+          <a:p>
+            <a:pPr lvl="1"/>
+            <a:r>
+              <a:rPr lang="ko-KR" altLang="en-US" sz="2000" dirty="0" smtClean="0">
+                <a:solidFill>
+                  <a:schemeClr val="bg1"/>
+                </a:solidFill>
+                <a:latin typeface="소야논8" panose="02020603020101020101" pitchFamily="18" charset="-127"/>
+                <a:ea typeface="소야논8" panose="02020603020101020101" pitchFamily="18" charset="-127"/>
+              </a:rPr>
+              <a:t>기획 등등 거의 내 위주로 주장하고 내 의견만 고집했던 것 같다</a:t>
+            </a:r>
+            <a:r>
+              <a:rPr lang="en-US" altLang="ko-KR" sz="2000" dirty="0" smtClean="0">
+                <a:solidFill>
+                  <a:schemeClr val="bg1"/>
+                </a:solidFill>
+                <a:latin typeface="소야논8" panose="02020603020101020101" pitchFamily="18" charset="-127"/>
+                <a:ea typeface="소야논8" panose="02020603020101020101" pitchFamily="18" charset="-127"/>
+              </a:rPr>
+              <a:t>.</a:t>
+            </a:r>
+          </a:p>
+          <a:p>
+            <a:pPr lvl="1"/>
+            <a:r>
+              <a:rPr lang="ko-KR" altLang="en-US" sz="2000" dirty="0" smtClean="0">
+                <a:solidFill>
+                  <a:schemeClr val="bg1"/>
+                </a:solidFill>
+                <a:latin typeface="소야논8" panose="02020603020101020101" pitchFamily="18" charset="-127"/>
+                <a:ea typeface="소야논8" panose="02020603020101020101" pitchFamily="18" charset="-127"/>
+              </a:rPr>
+              <a:t>팀원들이 잘 받아주어서 문제는 없었지만</a:t>
+            </a:r>
+            <a:r>
+              <a:rPr lang="en-US" altLang="ko-KR" sz="2000" dirty="0" smtClean="0">
+                <a:solidFill>
+                  <a:schemeClr val="bg1"/>
+                </a:solidFill>
+                <a:latin typeface="소야논8" panose="02020603020101020101" pitchFamily="18" charset="-127"/>
+                <a:ea typeface="소야논8" panose="02020603020101020101" pitchFamily="18" charset="-127"/>
+              </a:rPr>
+              <a:t>, </a:t>
+            </a:r>
+            <a:r>
+              <a:rPr lang="ko-KR" altLang="en-US" sz="2000" dirty="0" smtClean="0">
+                <a:solidFill>
+                  <a:schemeClr val="bg1"/>
+                </a:solidFill>
+                <a:latin typeface="소야논8" panose="02020603020101020101" pitchFamily="18" charset="-127"/>
+                <a:ea typeface="소야논8" panose="02020603020101020101" pitchFamily="18" charset="-127"/>
+              </a:rPr>
+              <a:t>조화롭게 잘 섞여서 프로젝트 진행하는 법도 배우고 싶었는데 잘 안됐다</a:t>
+            </a:r>
+            <a:r>
+              <a:rPr lang="en-US" altLang="ko-KR" sz="2000" dirty="0" smtClean="0">
+                <a:solidFill>
+                  <a:schemeClr val="bg1"/>
+                </a:solidFill>
+                <a:latin typeface="소야논8" panose="02020603020101020101" pitchFamily="18" charset="-127"/>
+                <a:ea typeface="소야논8" panose="02020603020101020101" pitchFamily="18" charset="-127"/>
+              </a:rPr>
+              <a:t>.</a:t>
+            </a:r>
+            <a:endParaRPr lang="en-US" altLang="ko-KR" sz="2000" dirty="0">
+              <a:solidFill>
+                <a:schemeClr val="bg1"/>
+              </a:solidFill>
+              <a:latin typeface="소야논8" panose="02020603020101020101" pitchFamily="18" charset="-127"/>
+              <a:ea typeface="소야논8" panose="02020603020101020101" pitchFamily="18" charset="-127"/>
+            </a:endParaRPr>
+          </a:p>
+        </p:txBody>
+      </p:sp>
+    </p:spTree>
+    <p:extLst>
+      <p:ext uri="{BB962C8B-B14F-4D97-AF65-F5344CB8AC3E}">
+        <p14:creationId xmlns:p14="http://schemas.microsoft.com/office/powerpoint/2010/main" val="840281228"/>
+      </p:ext>
+    </p:extLst>
+  </p:cSld>
+  <p:clrMapOvr>
+    <a:masterClrMapping/>
+  </p:clrMapOvr>
+  <p:timing>
+    <p:tnLst>
+      <p:par>
+        <p:cTn id="1" dur="indefinite" restart="never" nodeType="tmRoot"/>
+      </p:par>
+    </p:tnLst>
+  </p:timing>
+</p:sld>
+</file>
+
+<file path=ppt/slides/slide28.xml><?xml version="1.0" encoding="utf-8"?>
+<p:sld xmlns:a="http://schemas.openxmlformats.org/drawingml/2006/main" xmlns:r="http://schemas.openxmlformats.org/officeDocument/2006/relationships" xmlns:p="http://schemas.openxmlformats.org/presentationml/2006/main">
+  <p:cSld>
+    <p:spTree>
+      <p:nvGrpSpPr>
+        <p:cNvPr id="1" name=""/>
+        <p:cNvGrpSpPr/>
+        <p:nvPr/>
+      </p:nvGrpSpPr>
+      <p:grpSpPr>
+        <a:xfrm>
+          <a:off x="0" y="0"/>
+          <a:ext cx="0" cy="0"/>
+          <a:chOff x="0" y="0"/>
+          <a:chExt cx="0" cy="0"/>
+        </a:xfrm>
+      </p:grpSpPr>
+      <p:sp>
+        <p:nvSpPr>
+          <p:cNvPr id="2" name="제목 1"/>
+          <p:cNvSpPr>
+            <a:spLocks noGrp="1"/>
+          </p:cNvSpPr>
+          <p:nvPr>
+            <p:ph type="title"/>
+          </p:nvPr>
+        </p:nvSpPr>
+        <p:spPr/>
+        <p:txBody>
+          <a:bodyPr/>
+          <a:lstStyle/>
+          <a:p>
+            <a:r>
+              <a:rPr lang="ko-KR" altLang="en-US" dirty="0" smtClean="0">
+                <a:solidFill>
+                  <a:srgbClr val="E4007F"/>
+                </a:solidFill>
+                <a:latin typeface="소야논8" panose="02020603020101020101" pitchFamily="18" charset="-127"/>
+                <a:ea typeface="소야논8" panose="02020603020101020101" pitchFamily="18" charset="-127"/>
+              </a:rPr>
+              <a:t>좋았던 점 </a:t>
+            </a:r>
+            <a:r>
+              <a:rPr lang="en-US" altLang="ko-KR" dirty="0" smtClean="0">
+                <a:solidFill>
+                  <a:srgbClr val="E4007F"/>
+                </a:solidFill>
+                <a:latin typeface="소야논8" panose="02020603020101020101" pitchFamily="18" charset="-127"/>
+                <a:ea typeface="소야논8" panose="02020603020101020101" pitchFamily="18" charset="-127"/>
+              </a:rPr>
+              <a:t>- </a:t>
+            </a:r>
+            <a:r>
+              <a:rPr lang="ko-KR" altLang="en-US" dirty="0" smtClean="0">
+                <a:solidFill>
+                  <a:srgbClr val="E4007F"/>
+                </a:solidFill>
+                <a:latin typeface="소야논8" panose="02020603020101020101" pitchFamily="18" charset="-127"/>
+                <a:ea typeface="소야논8" panose="02020603020101020101" pitchFamily="18" charset="-127"/>
+              </a:rPr>
+              <a:t>석</a:t>
+            </a:r>
+            <a:r>
+              <a:rPr lang="ko-KR" altLang="en-US" dirty="0">
+                <a:solidFill>
+                  <a:srgbClr val="E4007F"/>
+                </a:solidFill>
+                <a:latin typeface="소야논8" panose="02020603020101020101" pitchFamily="18" charset="-127"/>
+                <a:ea typeface="소야논8" panose="02020603020101020101" pitchFamily="18" charset="-127"/>
+              </a:rPr>
+              <a:t>민</a:t>
+            </a:r>
+          </a:p>
+        </p:txBody>
+      </p:sp>
+      <p:sp>
+        <p:nvSpPr>
+          <p:cNvPr id="3" name="내용 개체 틀 2"/>
+          <p:cNvSpPr>
+            <a:spLocks noGrp="1"/>
+          </p:cNvSpPr>
+          <p:nvPr>
+            <p:ph idx="1"/>
           </p:nvPr>
         </p:nvSpPr>
         <p:spPr/>
@@ -36638,16 +41291,350 @@
           <a:lstStyle/>
           <a:p>
             <a:r>
-              <a:rPr lang="ko-KR" altLang="en-US" sz="4800" dirty="0" err="1" smtClean="0">
-                <a:solidFill>
-                  <a:srgbClr val="E4007F"/>
+              <a:rPr lang="ko-KR" altLang="en-US" dirty="0" smtClean="0">
+                <a:solidFill>
+                  <a:schemeClr val="bg1"/>
                 </a:solidFill>
                 <a:latin typeface="소야논8" panose="02020603020101020101" pitchFamily="18" charset="-127"/>
                 <a:ea typeface="소야논8" panose="02020603020101020101" pitchFamily="18" charset="-127"/>
               </a:rPr>
-              <a:t>땡큐</a:t>
-            </a:r>
-            <a:endParaRPr lang="ko-KR" altLang="en-US" sz="4800" dirty="0">
+              <a:t>팀원</a:t>
+            </a:r>
+            <a:r>
+              <a:rPr lang="ko-KR" altLang="en-US" dirty="0">
+                <a:solidFill>
+                  <a:schemeClr val="bg1"/>
+                </a:solidFill>
+                <a:latin typeface="소야논8" panose="02020603020101020101" pitchFamily="18" charset="-127"/>
+                <a:ea typeface="소야논8" panose="02020603020101020101" pitchFamily="18" charset="-127"/>
+              </a:rPr>
+              <a:t>들</a:t>
+            </a:r>
+            <a:endParaRPr lang="en-US" altLang="ko-KR" dirty="0" smtClean="0">
+              <a:solidFill>
+                <a:schemeClr val="bg1"/>
+              </a:solidFill>
+              <a:latin typeface="소야논8" panose="02020603020101020101" pitchFamily="18" charset="-127"/>
+              <a:ea typeface="소야논8" panose="02020603020101020101" pitchFamily="18" charset="-127"/>
+            </a:endParaRPr>
+          </a:p>
+          <a:p>
+            <a:pPr lvl="1"/>
+            <a:r>
+              <a:rPr lang="ko-KR" altLang="en-US" sz="2400" dirty="0" smtClean="0">
+                <a:solidFill>
+                  <a:schemeClr val="bg1"/>
+                </a:solidFill>
+                <a:latin typeface="소야논8" panose="02020603020101020101" pitchFamily="18" charset="-127"/>
+                <a:ea typeface="소야논8" panose="02020603020101020101" pitchFamily="18" charset="-127"/>
+              </a:rPr>
+              <a:t>많이 떼쓰고 그랬는데 잘 받아주셨다</a:t>
+            </a:r>
+            <a:r>
+              <a:rPr lang="en-US" altLang="ko-KR" sz="2400" dirty="0" smtClean="0">
+                <a:solidFill>
+                  <a:schemeClr val="bg1"/>
+                </a:solidFill>
+                <a:latin typeface="소야논8" panose="02020603020101020101" pitchFamily="18" charset="-127"/>
+                <a:ea typeface="소야논8" panose="02020603020101020101" pitchFamily="18" charset="-127"/>
+              </a:rPr>
+              <a:t>.</a:t>
+            </a:r>
+          </a:p>
+          <a:p>
+            <a:pPr lvl="1"/>
+            <a:r>
+              <a:rPr lang="ko-KR" altLang="en-US" sz="2400" dirty="0" smtClean="0">
+                <a:solidFill>
+                  <a:schemeClr val="bg1"/>
+                </a:solidFill>
+                <a:latin typeface="소야논8" panose="02020603020101020101" pitchFamily="18" charset="-127"/>
+                <a:ea typeface="소야논8" panose="02020603020101020101" pitchFamily="18" charset="-127"/>
+              </a:rPr>
+              <a:t>협업하는 과정에서 많이 배웠다</a:t>
+            </a:r>
+            <a:r>
+              <a:rPr lang="en-US" altLang="ko-KR" sz="2400" dirty="0" smtClean="0">
+                <a:solidFill>
+                  <a:schemeClr val="bg1"/>
+                </a:solidFill>
+                <a:latin typeface="소야논8" panose="02020603020101020101" pitchFamily="18" charset="-127"/>
+                <a:ea typeface="소야논8" panose="02020603020101020101" pitchFamily="18" charset="-127"/>
+              </a:rPr>
+              <a:t>.</a:t>
+            </a:r>
+          </a:p>
+          <a:p>
+            <a:r>
+              <a:rPr lang="ko-KR" altLang="en-US" dirty="0" smtClean="0">
+                <a:solidFill>
+                  <a:schemeClr val="bg1"/>
+                </a:solidFill>
+                <a:latin typeface="소야논8" panose="02020603020101020101" pitchFamily="18" charset="-127"/>
+                <a:ea typeface="소야논8" panose="02020603020101020101" pitchFamily="18" charset="-127"/>
+              </a:rPr>
+              <a:t>클라 완성도</a:t>
+            </a:r>
+            <a:endParaRPr lang="en-US" altLang="ko-KR" dirty="0" smtClean="0">
+              <a:solidFill>
+                <a:schemeClr val="bg1"/>
+              </a:solidFill>
+              <a:latin typeface="소야논8" panose="02020603020101020101" pitchFamily="18" charset="-127"/>
+              <a:ea typeface="소야논8" panose="02020603020101020101" pitchFamily="18" charset="-127"/>
+            </a:endParaRPr>
+          </a:p>
+          <a:p>
+            <a:pPr lvl="1"/>
+            <a:r>
+              <a:rPr lang="ko-KR" altLang="en-US" sz="2400" dirty="0" smtClean="0">
+                <a:solidFill>
+                  <a:schemeClr val="bg1"/>
+                </a:solidFill>
+                <a:latin typeface="소야논8" panose="02020603020101020101" pitchFamily="18" charset="-127"/>
+                <a:ea typeface="소야논8" panose="02020603020101020101" pitchFamily="18" charset="-127"/>
+              </a:rPr>
+              <a:t>검증된 리소스를 막 긁어다 붙였더니</a:t>
+            </a:r>
+            <a:r>
+              <a:rPr lang="en-US" altLang="ko-KR" sz="2400" dirty="0" smtClean="0">
+                <a:solidFill>
+                  <a:schemeClr val="bg1"/>
+                </a:solidFill>
+                <a:latin typeface="소야논8" panose="02020603020101020101" pitchFamily="18" charset="-127"/>
+                <a:ea typeface="소야논8" panose="02020603020101020101" pitchFamily="18" charset="-127"/>
+              </a:rPr>
+              <a:t/>
+            </a:r>
+            <a:br>
+              <a:rPr lang="en-US" altLang="ko-KR" sz="2400" dirty="0" smtClean="0">
+                <a:solidFill>
+                  <a:schemeClr val="bg1"/>
+                </a:solidFill>
+                <a:latin typeface="소야논8" panose="02020603020101020101" pitchFamily="18" charset="-127"/>
+                <a:ea typeface="소야논8" panose="02020603020101020101" pitchFamily="18" charset="-127"/>
+              </a:rPr>
+            </a:br>
+            <a:r>
+              <a:rPr lang="ko-KR" altLang="en-US" sz="2400" dirty="0" smtClean="0">
+                <a:solidFill>
+                  <a:schemeClr val="bg1"/>
+                </a:solidFill>
+                <a:latin typeface="소야논8" panose="02020603020101020101" pitchFamily="18" charset="-127"/>
+                <a:ea typeface="소야논8" panose="02020603020101020101" pitchFamily="18" charset="-127"/>
+              </a:rPr>
+              <a:t>예쁘게</a:t>
+            </a:r>
+            <a:r>
+              <a:rPr lang="en-US" altLang="ko-KR" sz="2400" dirty="0" smtClean="0">
+                <a:solidFill>
+                  <a:schemeClr val="bg1"/>
+                </a:solidFill>
+                <a:latin typeface="소야논8" panose="02020603020101020101" pitchFamily="18" charset="-127"/>
+                <a:ea typeface="소야논8" panose="02020603020101020101" pitchFamily="18" charset="-127"/>
+              </a:rPr>
+              <a:t>(</a:t>
+            </a:r>
+            <a:r>
+              <a:rPr lang="ko-KR" altLang="en-US" sz="2400" dirty="0" smtClean="0">
+                <a:solidFill>
+                  <a:schemeClr val="bg1"/>
+                </a:solidFill>
+                <a:latin typeface="소야논8" panose="02020603020101020101" pitchFamily="18" charset="-127"/>
+                <a:ea typeface="소야논8" panose="02020603020101020101" pitchFamily="18" charset="-127"/>
+              </a:rPr>
+              <a:t>순전히 내 기준</a:t>
+            </a:r>
+            <a:r>
+              <a:rPr lang="en-US" altLang="ko-KR" sz="2400" dirty="0" smtClean="0">
+                <a:solidFill>
+                  <a:schemeClr val="bg1"/>
+                </a:solidFill>
+                <a:latin typeface="소야논8" panose="02020603020101020101" pitchFamily="18" charset="-127"/>
+                <a:ea typeface="소야논8" panose="02020603020101020101" pitchFamily="18" charset="-127"/>
+              </a:rPr>
+              <a:t>) </a:t>
+            </a:r>
+            <a:r>
+              <a:rPr lang="ko-KR" altLang="en-US" sz="2400" dirty="0" smtClean="0">
+                <a:solidFill>
+                  <a:schemeClr val="bg1"/>
+                </a:solidFill>
+                <a:latin typeface="소야논8" panose="02020603020101020101" pitchFamily="18" charset="-127"/>
+                <a:ea typeface="소야논8" panose="02020603020101020101" pitchFamily="18" charset="-127"/>
+              </a:rPr>
+              <a:t>나왔다</a:t>
+            </a:r>
+            <a:r>
+              <a:rPr lang="en-US" altLang="ko-KR" sz="2400" dirty="0" smtClean="0">
+                <a:solidFill>
+                  <a:schemeClr val="bg1"/>
+                </a:solidFill>
+                <a:latin typeface="소야논8" panose="02020603020101020101" pitchFamily="18" charset="-127"/>
+                <a:ea typeface="소야논8" panose="02020603020101020101" pitchFamily="18" charset="-127"/>
+              </a:rPr>
+              <a:t>.</a:t>
+            </a:r>
+          </a:p>
+          <a:p>
+            <a:r>
+              <a:rPr lang="ko-KR" altLang="en-US" dirty="0" smtClean="0">
+                <a:solidFill>
+                  <a:schemeClr val="bg1"/>
+                </a:solidFill>
+                <a:latin typeface="소야논8" panose="02020603020101020101" pitchFamily="18" charset="-127"/>
+                <a:ea typeface="소야논8" panose="02020603020101020101" pitchFamily="18" charset="-127"/>
+              </a:rPr>
+              <a:t>실력</a:t>
+            </a:r>
+            <a:endParaRPr lang="en-US" altLang="ko-KR" dirty="0" smtClean="0">
+              <a:solidFill>
+                <a:schemeClr val="bg1"/>
+              </a:solidFill>
+              <a:latin typeface="소야논8" panose="02020603020101020101" pitchFamily="18" charset="-127"/>
+              <a:ea typeface="소야논8" panose="02020603020101020101" pitchFamily="18" charset="-127"/>
+            </a:endParaRPr>
+          </a:p>
+          <a:p>
+            <a:pPr lvl="1"/>
+            <a:r>
+              <a:rPr lang="ko-KR" altLang="en-US" sz="2400" dirty="0" smtClean="0">
+                <a:solidFill>
+                  <a:schemeClr val="bg1"/>
+                </a:solidFill>
+                <a:latin typeface="소야논8" panose="02020603020101020101" pitchFamily="18" charset="-127"/>
+                <a:ea typeface="소야논8" panose="02020603020101020101" pitchFamily="18" charset="-127"/>
+              </a:rPr>
+              <a:t>정말 많이 늘었다</a:t>
+            </a:r>
+            <a:r>
+              <a:rPr lang="en-US" altLang="ko-KR" sz="2400" dirty="0" smtClean="0">
+                <a:solidFill>
+                  <a:schemeClr val="bg1"/>
+                </a:solidFill>
+                <a:latin typeface="소야논8" panose="02020603020101020101" pitchFamily="18" charset="-127"/>
+                <a:ea typeface="소야논8" panose="02020603020101020101" pitchFamily="18" charset="-127"/>
+              </a:rPr>
+              <a:t>.</a:t>
+            </a:r>
+          </a:p>
+          <a:p>
+            <a:pPr lvl="1"/>
+            <a:r>
+              <a:rPr lang="en-US" altLang="ko-KR" sz="2400" dirty="0" smtClean="0">
+                <a:solidFill>
+                  <a:schemeClr val="bg1"/>
+                </a:solidFill>
+                <a:latin typeface="소야논8" panose="02020603020101020101" pitchFamily="18" charset="-127"/>
+                <a:ea typeface="소야논8" panose="02020603020101020101" pitchFamily="18" charset="-127"/>
+              </a:rPr>
+              <a:t>10,000</a:t>
+            </a:r>
+            <a:r>
+              <a:rPr lang="ko-KR" altLang="en-US" sz="2400" dirty="0" smtClean="0">
+                <a:solidFill>
+                  <a:schemeClr val="bg1"/>
+                </a:solidFill>
+                <a:latin typeface="소야논8" panose="02020603020101020101" pitchFamily="18" charset="-127"/>
+                <a:ea typeface="소야논8" panose="02020603020101020101" pitchFamily="18" charset="-127"/>
+              </a:rPr>
+              <a:t>줄짜리 프로그램 살면서 처음 짜봤다</a:t>
+            </a:r>
+            <a:r>
+              <a:rPr lang="en-US" altLang="ko-KR" sz="2400" dirty="0" smtClean="0">
+                <a:solidFill>
+                  <a:schemeClr val="bg1"/>
+                </a:solidFill>
+                <a:latin typeface="소야논8" panose="02020603020101020101" pitchFamily="18" charset="-127"/>
+                <a:ea typeface="소야논8" panose="02020603020101020101" pitchFamily="18" charset="-127"/>
+              </a:rPr>
+              <a:t>.</a:t>
+            </a:r>
+          </a:p>
+        </p:txBody>
+      </p:sp>
+    </p:spTree>
+    <p:extLst>
+      <p:ext uri="{BB962C8B-B14F-4D97-AF65-F5344CB8AC3E}">
+        <p14:creationId xmlns:p14="http://schemas.microsoft.com/office/powerpoint/2010/main" val="724899493"/>
+      </p:ext>
+    </p:extLst>
+  </p:cSld>
+  <p:clrMapOvr>
+    <a:masterClrMapping/>
+  </p:clrMapOvr>
+  <p:timing>
+    <p:tnLst>
+      <p:par>
+        <p:cTn id="1" dur="indefinite" restart="never" nodeType="tmRoot"/>
+      </p:par>
+    </p:tnLst>
+  </p:timing>
+</p:sld>
+</file>
+
+<file path=ppt/slides/slide29.xml><?xml version="1.0" encoding="utf-8"?>
+<p:sld xmlns:a="http://schemas.openxmlformats.org/drawingml/2006/main" xmlns:r="http://schemas.openxmlformats.org/officeDocument/2006/relationships" xmlns:p="http://schemas.openxmlformats.org/presentationml/2006/main">
+  <p:cSld>
+    <p:spTree>
+      <p:nvGrpSpPr>
+        <p:cNvPr id="1" name=""/>
+        <p:cNvGrpSpPr/>
+        <p:nvPr/>
+      </p:nvGrpSpPr>
+      <p:grpSpPr>
+        <a:xfrm>
+          <a:off x="0" y="0"/>
+          <a:ext cx="0" cy="0"/>
+          <a:chOff x="0" y="0"/>
+          <a:chExt cx="0" cy="0"/>
+        </a:xfrm>
+      </p:grpSpPr>
+      <p:sp>
+        <p:nvSpPr>
+          <p:cNvPr id="2" name="제목 1"/>
+          <p:cNvSpPr>
+            <a:spLocks noGrp="1"/>
+          </p:cNvSpPr>
+          <p:nvPr>
+            <p:ph type="title"/>
+          </p:nvPr>
+        </p:nvSpPr>
+        <p:spPr/>
+        <p:txBody>
+          <a:bodyPr/>
+          <a:lstStyle/>
+          <a:p>
+            <a:r>
+              <a:rPr lang="ko-KR" altLang="en-US" dirty="0" smtClean="0">
+                <a:solidFill>
+                  <a:srgbClr val="E4007F"/>
+                </a:solidFill>
+                <a:latin typeface="소야논8" panose="02020603020101020101" pitchFamily="18" charset="-127"/>
+                <a:ea typeface="소야논8" panose="02020603020101020101" pitchFamily="18" charset="-127"/>
+              </a:rPr>
+              <a:t>힘들었던 점 </a:t>
+            </a:r>
+            <a:r>
+              <a:rPr lang="en-US" altLang="ko-KR" dirty="0" smtClean="0">
+                <a:solidFill>
+                  <a:srgbClr val="E4007F"/>
+                </a:solidFill>
+                <a:latin typeface="소야논8" panose="02020603020101020101" pitchFamily="18" charset="-127"/>
+                <a:ea typeface="소야논8" panose="02020603020101020101" pitchFamily="18" charset="-127"/>
+              </a:rPr>
+              <a:t>- </a:t>
+            </a:r>
+            <a:r>
+              <a:rPr lang="ko-KR" altLang="en-US" dirty="0" smtClean="0">
+                <a:solidFill>
+                  <a:srgbClr val="E4007F"/>
+                </a:solidFill>
+                <a:latin typeface="소야논8" panose="02020603020101020101" pitchFamily="18" charset="-127"/>
+                <a:ea typeface="소야논8" panose="02020603020101020101" pitchFamily="18" charset="-127"/>
+              </a:rPr>
+              <a:t>원석</a:t>
+            </a:r>
+            <a:endParaRPr lang="ko-KR" altLang="en-US" dirty="0">
               <a:solidFill>
                 <a:srgbClr val="E4007F"/>
               </a:solidFill>
@@ -36657,10 +41644,77 @@
           </a:p>
         </p:txBody>
       </p:sp>
+      <p:sp>
+        <p:nvSpPr>
+          <p:cNvPr id="3" name="내용 개체 틀 2"/>
+          <p:cNvSpPr>
+            <a:spLocks noGrp="1"/>
+          </p:cNvSpPr>
+          <p:nvPr>
+            <p:ph idx="1"/>
+          </p:nvPr>
+        </p:nvSpPr>
+        <p:spPr/>
+        <p:txBody>
+          <a:bodyPr>
+            <a:normAutofit/>
+          </a:bodyPr>
+          <a:lstStyle/>
+          <a:p>
+            <a:r>
+              <a:rPr lang="ko-KR" altLang="en-US" dirty="0" smtClean="0">
+                <a:solidFill>
+                  <a:schemeClr val="bg1"/>
+                </a:solidFill>
+                <a:latin typeface="소야논8" panose="02020603020101020101" pitchFamily="18" charset="-127"/>
+                <a:ea typeface="소야논8" panose="02020603020101020101" pitchFamily="18" charset="-127"/>
+              </a:rPr>
+              <a:t>고</a:t>
+            </a:r>
+            <a:r>
+              <a:rPr lang="ko-KR" altLang="en-US" dirty="0">
+                <a:solidFill>
+                  <a:schemeClr val="bg1"/>
+                </a:solidFill>
+                <a:latin typeface="소야논8" panose="02020603020101020101" pitchFamily="18" charset="-127"/>
+                <a:ea typeface="소야논8" panose="02020603020101020101" pitchFamily="18" charset="-127"/>
+              </a:rPr>
+              <a:t>기</a:t>
+            </a:r>
+            <a:endParaRPr lang="en-US" altLang="ko-KR" dirty="0">
+              <a:solidFill>
+                <a:schemeClr val="bg1"/>
+              </a:solidFill>
+              <a:latin typeface="소야논8" panose="02020603020101020101" pitchFamily="18" charset="-127"/>
+              <a:ea typeface="소야논8" panose="02020603020101020101" pitchFamily="18" charset="-127"/>
+            </a:endParaRPr>
+          </a:p>
+          <a:p>
+            <a:pPr lvl="1"/>
+            <a:r>
+              <a:rPr lang="ko-KR" altLang="en-US" sz="2000" dirty="0" smtClean="0">
+                <a:solidFill>
+                  <a:schemeClr val="bg1"/>
+                </a:solidFill>
+                <a:latin typeface="소야논8" panose="02020603020101020101" pitchFamily="18" charset="-127"/>
+                <a:ea typeface="소야논8" panose="02020603020101020101" pitchFamily="18" charset="-127"/>
+              </a:rPr>
+              <a:t>소갈비</a:t>
+            </a:r>
+            <a:endParaRPr lang="en-US" altLang="ko-KR" sz="2000" dirty="0" smtClean="0">
+              <a:solidFill>
+                <a:schemeClr val="bg1"/>
+              </a:solidFill>
+              <a:latin typeface="소야논8" panose="02020603020101020101" pitchFamily="18" charset="-127"/>
+              <a:ea typeface="소야논8" panose="02020603020101020101" pitchFamily="18" charset="-127"/>
+            </a:endParaRPr>
+          </a:p>
+        </p:txBody>
+      </p:sp>
     </p:spTree>
     <p:extLst>
       <p:ext uri="{BB962C8B-B14F-4D97-AF65-F5344CB8AC3E}">
-        <p14:creationId xmlns:p14="http://schemas.microsoft.com/office/powerpoint/2010/main" val="500221103"/>
+        <p14:creationId xmlns:p14="http://schemas.microsoft.com/office/powerpoint/2010/main" val="4188181443"/>
       </p:ext>
     </p:extLst>
   </p:cSld>
@@ -36826,10 +41880,677 @@
           </a:p>
         </p:txBody>
       </p:sp>
+      <p:sp>
+        <p:nvSpPr>
+          <p:cNvPr id="3" name="직사각형 2"/>
+          <p:cNvSpPr/>
+          <p:nvPr/>
+        </p:nvSpPr>
+        <p:spPr>
+          <a:xfrm>
+            <a:off x="0" y="0"/>
+            <a:ext cx="9144000" cy="6858000"/>
+          </a:xfrm>
+          <a:prstGeom prst="rect">
+            <a:avLst/>
+          </a:prstGeom>
+          <a:blipFill dpi="0" rotWithShape="1">
+            <a:blip r:embed="rId2">
+              <a:alphaModFix amt="7000"/>
+            </a:blip>
+            <a:srcRect/>
+            <a:stretch>
+              <a:fillRect/>
+            </a:stretch>
+          </a:blipFill>
+          <a:ln>
+            <a:noFill/>
+          </a:ln>
+        </p:spPr>
+        <p:style>
+          <a:lnRef idx="2">
+            <a:schemeClr val="accent1">
+              <a:shade val="50000"/>
+            </a:schemeClr>
+          </a:lnRef>
+          <a:fillRef idx="1">
+            <a:schemeClr val="accent1"/>
+          </a:fillRef>
+          <a:effectRef idx="0">
+            <a:schemeClr val="accent1"/>
+          </a:effectRef>
+          <a:fontRef idx="minor">
+            <a:schemeClr val="lt1"/>
+          </a:fontRef>
+        </p:style>
+        <p:txBody>
+          <a:bodyPr rot="0" spcFirstLastPara="0" vertOverflow="overflow" horzOverflow="overflow" vert="horz" wrap="square" lIns="91440" tIns="45720" rIns="91440" bIns="45720" numCol="1" spcCol="0" rtlCol="0" fromWordArt="0" anchor="ctr" anchorCtr="0" forceAA="0" compatLnSpc="1">
+            <a:prstTxWarp prst="textNoShape">
+              <a:avLst/>
+            </a:prstTxWarp>
+            <a:noAutofit/>
+          </a:bodyPr>
+          <a:lstStyle/>
+          <a:p>
+            <a:pPr algn="ctr"/>
+            <a:endParaRPr lang="ko-KR" altLang="en-US"/>
+          </a:p>
+        </p:txBody>
+      </p:sp>
     </p:spTree>
     <p:extLst>
       <p:ext uri="{BB962C8B-B14F-4D97-AF65-F5344CB8AC3E}">
         <p14:creationId xmlns:p14="http://schemas.microsoft.com/office/powerpoint/2010/main" val="3913161157"/>
+      </p:ext>
+    </p:extLst>
+  </p:cSld>
+  <p:clrMapOvr>
+    <a:masterClrMapping/>
+  </p:clrMapOvr>
+  <p:timing>
+    <p:tnLst>
+      <p:par>
+        <p:cTn id="1" dur="indefinite" restart="never" nodeType="tmRoot"/>
+      </p:par>
+    </p:tnLst>
+  </p:timing>
+</p:sld>
+</file>
+
+<file path=ppt/slides/slide30.xml><?xml version="1.0" encoding="utf-8"?>
+<p:sld xmlns:a="http://schemas.openxmlformats.org/drawingml/2006/main" xmlns:r="http://schemas.openxmlformats.org/officeDocument/2006/relationships" xmlns:p="http://schemas.openxmlformats.org/presentationml/2006/main">
+  <p:cSld>
+    <p:spTree>
+      <p:nvGrpSpPr>
+        <p:cNvPr id="1" name=""/>
+        <p:cNvGrpSpPr/>
+        <p:nvPr/>
+      </p:nvGrpSpPr>
+      <p:grpSpPr>
+        <a:xfrm>
+          <a:off x="0" y="0"/>
+          <a:ext cx="0" cy="0"/>
+          <a:chOff x="0" y="0"/>
+          <a:chExt cx="0" cy="0"/>
+        </a:xfrm>
+      </p:grpSpPr>
+      <p:sp>
+        <p:nvSpPr>
+          <p:cNvPr id="2" name="제목 1"/>
+          <p:cNvSpPr>
+            <a:spLocks noGrp="1"/>
+          </p:cNvSpPr>
+          <p:nvPr>
+            <p:ph type="title"/>
+          </p:nvPr>
+        </p:nvSpPr>
+        <p:spPr/>
+        <p:txBody>
+          <a:bodyPr/>
+          <a:lstStyle/>
+          <a:p>
+            <a:r>
+              <a:rPr lang="ko-KR" altLang="en-US" dirty="0" smtClean="0">
+                <a:solidFill>
+                  <a:srgbClr val="E4007F"/>
+                </a:solidFill>
+                <a:latin typeface="소야논8" panose="02020603020101020101" pitchFamily="18" charset="-127"/>
+                <a:ea typeface="소야논8" panose="02020603020101020101" pitchFamily="18" charset="-127"/>
+              </a:rPr>
+              <a:t>좋았던 점 </a:t>
+            </a:r>
+            <a:r>
+              <a:rPr lang="en-US" altLang="ko-KR" dirty="0" smtClean="0">
+                <a:solidFill>
+                  <a:srgbClr val="E4007F"/>
+                </a:solidFill>
+                <a:latin typeface="소야논8" panose="02020603020101020101" pitchFamily="18" charset="-127"/>
+                <a:ea typeface="소야논8" panose="02020603020101020101" pitchFamily="18" charset="-127"/>
+              </a:rPr>
+              <a:t>- </a:t>
+            </a:r>
+            <a:r>
+              <a:rPr lang="ko-KR" altLang="en-US" dirty="0" smtClean="0">
+                <a:solidFill>
+                  <a:srgbClr val="E4007F"/>
+                </a:solidFill>
+                <a:latin typeface="소야논8" panose="02020603020101020101" pitchFamily="18" charset="-127"/>
+                <a:ea typeface="소야논8" panose="02020603020101020101" pitchFamily="18" charset="-127"/>
+              </a:rPr>
+              <a:t>원석</a:t>
+            </a:r>
+            <a:endParaRPr lang="ko-KR" altLang="en-US" dirty="0">
+              <a:solidFill>
+                <a:srgbClr val="E4007F"/>
+              </a:solidFill>
+              <a:latin typeface="소야논8" panose="02020603020101020101" pitchFamily="18" charset="-127"/>
+              <a:ea typeface="소야논8" panose="02020603020101020101" pitchFamily="18" charset="-127"/>
+            </a:endParaRPr>
+          </a:p>
+        </p:txBody>
+      </p:sp>
+      <p:sp>
+        <p:nvSpPr>
+          <p:cNvPr id="3" name="내용 개체 틀 2"/>
+          <p:cNvSpPr>
+            <a:spLocks noGrp="1"/>
+          </p:cNvSpPr>
+          <p:nvPr>
+            <p:ph idx="1"/>
+          </p:nvPr>
+        </p:nvSpPr>
+        <p:spPr/>
+        <p:txBody>
+          <a:bodyPr>
+            <a:normAutofit/>
+          </a:bodyPr>
+          <a:lstStyle/>
+          <a:p>
+            <a:r>
+              <a:rPr lang="ko-KR" altLang="en-US" sz="2800" dirty="0" smtClean="0">
+                <a:solidFill>
+                  <a:schemeClr val="bg1"/>
+                </a:solidFill>
+                <a:latin typeface="소야논8" panose="02020603020101020101" pitchFamily="18" charset="-127"/>
+                <a:ea typeface="소야논8" panose="02020603020101020101" pitchFamily="18" charset="-127"/>
+              </a:rPr>
+              <a:t>늴리리야</a:t>
+            </a:r>
+            <a:endParaRPr lang="en-US" altLang="ko-KR" sz="2800" dirty="0" smtClean="0">
+              <a:solidFill>
+                <a:schemeClr val="bg1"/>
+              </a:solidFill>
+              <a:latin typeface="소야논8" panose="02020603020101020101" pitchFamily="18" charset="-127"/>
+              <a:ea typeface="소야논8" panose="02020603020101020101" pitchFamily="18" charset="-127"/>
+            </a:endParaRPr>
+          </a:p>
+          <a:p>
+            <a:pPr lvl="1"/>
+            <a:r>
+              <a:rPr lang="ko-KR" altLang="en-US" sz="2400" dirty="0" err="1" smtClean="0">
+                <a:solidFill>
+                  <a:schemeClr val="bg1"/>
+                </a:solidFill>
+                <a:latin typeface="소야논8" panose="02020603020101020101" pitchFamily="18" charset="-127"/>
+                <a:ea typeface="소야논8" panose="02020603020101020101" pitchFamily="18" charset="-127"/>
+              </a:rPr>
+              <a:t>니나노</a:t>
+            </a:r>
+            <a:r>
+              <a:rPr lang="ko-KR" altLang="en-US" sz="2400" dirty="0" smtClean="0">
+                <a:solidFill>
+                  <a:schemeClr val="bg1"/>
+                </a:solidFill>
+                <a:latin typeface="소야논8" panose="02020603020101020101" pitchFamily="18" charset="-127"/>
+                <a:ea typeface="소야논8" panose="02020603020101020101" pitchFamily="18" charset="-127"/>
+              </a:rPr>
+              <a:t> </a:t>
+            </a:r>
+            <a:r>
+              <a:rPr lang="ko-KR" altLang="en-US" sz="2400" dirty="0" err="1" smtClean="0">
+                <a:solidFill>
+                  <a:schemeClr val="bg1"/>
+                </a:solidFill>
+                <a:latin typeface="소야논8" panose="02020603020101020101" pitchFamily="18" charset="-127"/>
+                <a:ea typeface="소야논8" panose="02020603020101020101" pitchFamily="18" charset="-127"/>
+              </a:rPr>
+              <a:t>난실로</a:t>
+            </a:r>
+            <a:r>
+              <a:rPr lang="ko-KR" altLang="en-US" sz="2400" dirty="0" smtClean="0">
+                <a:solidFill>
+                  <a:schemeClr val="bg1"/>
+                </a:solidFill>
+                <a:latin typeface="소야논8" panose="02020603020101020101" pitchFamily="18" charset="-127"/>
+                <a:ea typeface="소야논8" panose="02020603020101020101" pitchFamily="18" charset="-127"/>
+              </a:rPr>
+              <a:t> 내가 돌아간다</a:t>
+            </a:r>
+            <a:r>
+              <a:rPr lang="en-US" altLang="ko-KR" sz="2400" dirty="0" smtClean="0">
+                <a:solidFill>
+                  <a:schemeClr val="bg1"/>
+                </a:solidFill>
+                <a:latin typeface="소야논8" panose="02020603020101020101" pitchFamily="18" charset="-127"/>
+                <a:ea typeface="소야논8" panose="02020603020101020101" pitchFamily="18" charset="-127"/>
+              </a:rPr>
+              <a:t>.</a:t>
+            </a:r>
+            <a:endParaRPr lang="en-US" altLang="ko-KR" sz="2400" dirty="0">
+              <a:solidFill>
+                <a:schemeClr val="bg1"/>
+              </a:solidFill>
+              <a:latin typeface="소야논8" panose="02020603020101020101" pitchFamily="18" charset="-127"/>
+              <a:ea typeface="소야논8" panose="02020603020101020101" pitchFamily="18" charset="-127"/>
+            </a:endParaRPr>
+          </a:p>
+        </p:txBody>
+      </p:sp>
+    </p:spTree>
+    <p:extLst>
+      <p:ext uri="{BB962C8B-B14F-4D97-AF65-F5344CB8AC3E}">
+        <p14:creationId xmlns:p14="http://schemas.microsoft.com/office/powerpoint/2010/main" val="724899493"/>
+      </p:ext>
+    </p:extLst>
+  </p:cSld>
+  <p:clrMapOvr>
+    <a:masterClrMapping/>
+  </p:clrMapOvr>
+  <p:timing>
+    <p:tnLst>
+      <p:par>
+        <p:cTn id="1" dur="indefinite" restart="never" nodeType="tmRoot"/>
+      </p:par>
+    </p:tnLst>
+  </p:timing>
+</p:sld>
+</file>
+
+<file path=ppt/slides/slide31.xml><?xml version="1.0" encoding="utf-8"?>
+<p:sld xmlns:a="http://schemas.openxmlformats.org/drawingml/2006/main" xmlns:r="http://schemas.openxmlformats.org/officeDocument/2006/relationships" xmlns:p="http://schemas.openxmlformats.org/presentationml/2006/main" showMasterSp="0">
+  <p:cSld>
+    <p:spTree>
+      <p:nvGrpSpPr>
+        <p:cNvPr id="1" name=""/>
+        <p:cNvGrpSpPr/>
+        <p:nvPr/>
+      </p:nvGrpSpPr>
+      <p:grpSpPr>
+        <a:xfrm>
+          <a:off x="0" y="0"/>
+          <a:ext cx="0" cy="0"/>
+          <a:chOff x="0" y="0"/>
+          <a:chExt cx="0" cy="0"/>
+        </a:xfrm>
+      </p:grpSpPr>
+      <p:sp>
+        <p:nvSpPr>
+          <p:cNvPr id="2" name="제목 1"/>
+          <p:cNvSpPr>
+            <a:spLocks noGrp="1"/>
+          </p:cNvSpPr>
+          <p:nvPr>
+            <p:ph type="title"/>
+          </p:nvPr>
+        </p:nvSpPr>
+        <p:spPr/>
+        <p:txBody>
+          <a:bodyPr/>
+          <a:lstStyle/>
+          <a:p>
+            <a:r>
+              <a:rPr lang="ko-KR" altLang="en-US" dirty="0" smtClean="0">
+                <a:solidFill>
+                  <a:srgbClr val="E4007F"/>
+                </a:solidFill>
+                <a:latin typeface="소야논8" panose="02020603020101020101" pitchFamily="18" charset="-127"/>
+                <a:ea typeface="소야논8" panose="02020603020101020101" pitchFamily="18" charset="-127"/>
+              </a:rPr>
+              <a:t>다시 만든다면</a:t>
+            </a:r>
+            <a:r>
+              <a:rPr lang="en-US" altLang="ko-KR" dirty="0" smtClean="0">
+                <a:solidFill>
+                  <a:srgbClr val="E4007F"/>
+                </a:solidFill>
+                <a:latin typeface="소야논8" panose="02020603020101020101" pitchFamily="18" charset="-127"/>
+                <a:ea typeface="소야논8" panose="02020603020101020101" pitchFamily="18" charset="-127"/>
+              </a:rPr>
+              <a:t>?</a:t>
+            </a:r>
+            <a:endParaRPr lang="ko-KR" altLang="en-US" dirty="0">
+              <a:solidFill>
+                <a:srgbClr val="E4007F"/>
+              </a:solidFill>
+              <a:latin typeface="소야논8" panose="02020603020101020101" pitchFamily="18" charset="-127"/>
+              <a:ea typeface="소야논8" panose="02020603020101020101" pitchFamily="18" charset="-127"/>
+            </a:endParaRPr>
+          </a:p>
+        </p:txBody>
+      </p:sp>
+      <p:sp>
+        <p:nvSpPr>
+          <p:cNvPr id="3" name="내용 개체 틀 2"/>
+          <p:cNvSpPr>
+            <a:spLocks noGrp="1"/>
+          </p:cNvSpPr>
+          <p:nvPr>
+            <p:ph idx="1"/>
+          </p:nvPr>
+        </p:nvSpPr>
+        <p:spPr/>
+        <p:txBody>
+          <a:bodyPr>
+            <a:normAutofit/>
+          </a:bodyPr>
+          <a:lstStyle/>
+          <a:p>
+            <a:r>
+              <a:rPr lang="ko-KR" altLang="en-US" sz="2800" dirty="0" smtClean="0">
+                <a:solidFill>
+                  <a:schemeClr val="bg1"/>
+                </a:solidFill>
+                <a:latin typeface="소야논8" panose="02020603020101020101" pitchFamily="18" charset="-127"/>
+                <a:ea typeface="소야논8" panose="02020603020101020101" pitchFamily="18" charset="-127"/>
+              </a:rPr>
+              <a:t>명찬</a:t>
+            </a:r>
+            <a:endParaRPr lang="en-US" altLang="ko-KR" sz="2800" dirty="0" smtClean="0">
+              <a:solidFill>
+                <a:schemeClr val="bg1"/>
+              </a:solidFill>
+              <a:latin typeface="소야논8" panose="02020603020101020101" pitchFamily="18" charset="-127"/>
+              <a:ea typeface="소야논8" panose="02020603020101020101" pitchFamily="18" charset="-127"/>
+            </a:endParaRPr>
+          </a:p>
+          <a:p>
+            <a:pPr lvl="1"/>
+            <a:r>
+              <a:rPr lang="en-US" altLang="ko-KR" sz="2400" dirty="0" smtClean="0">
+                <a:solidFill>
+                  <a:schemeClr val="bg1"/>
+                </a:solidFill>
+                <a:latin typeface="소야논8" panose="02020603020101020101" pitchFamily="18" charset="-127"/>
+                <a:ea typeface="소야논8" panose="02020603020101020101" pitchFamily="18" charset="-127"/>
+              </a:rPr>
+              <a:t>DB </a:t>
+            </a:r>
+            <a:r>
+              <a:rPr lang="ko-KR" altLang="en-US" sz="2400" dirty="0" err="1" smtClean="0">
+                <a:solidFill>
+                  <a:schemeClr val="bg1"/>
+                </a:solidFill>
+                <a:latin typeface="소야논8" panose="02020603020101020101" pitchFamily="18" charset="-127"/>
+                <a:ea typeface="소야논8" panose="02020603020101020101" pitchFamily="18" charset="-127"/>
+              </a:rPr>
+              <a:t>쓰레드</a:t>
+            </a:r>
+            <a:r>
+              <a:rPr lang="ko-KR" altLang="en-US" sz="2400" dirty="0" smtClean="0">
+                <a:solidFill>
+                  <a:schemeClr val="bg1"/>
+                </a:solidFill>
+                <a:latin typeface="소야논8" panose="02020603020101020101" pitchFamily="18" charset="-127"/>
+                <a:ea typeface="소야논8" panose="02020603020101020101" pitchFamily="18" charset="-127"/>
+              </a:rPr>
+              <a:t> 쪽을 최적화 하고 싶음</a:t>
+            </a:r>
+            <a:r>
+              <a:rPr lang="en-US" altLang="ko-KR" sz="2400" dirty="0" smtClean="0">
+                <a:solidFill>
+                  <a:schemeClr val="bg1"/>
+                </a:solidFill>
+                <a:latin typeface="소야논8" panose="02020603020101020101" pitchFamily="18" charset="-127"/>
+                <a:ea typeface="소야논8" panose="02020603020101020101" pitchFamily="18" charset="-127"/>
+              </a:rPr>
+              <a:t>.</a:t>
+            </a:r>
+          </a:p>
+          <a:p>
+            <a:r>
+              <a:rPr lang="ko-KR" altLang="en-US" dirty="0" smtClean="0">
+                <a:solidFill>
+                  <a:schemeClr val="bg1"/>
+                </a:solidFill>
+                <a:latin typeface="소야논8" panose="02020603020101020101" pitchFamily="18" charset="-127"/>
+                <a:ea typeface="소야논8" panose="02020603020101020101" pitchFamily="18" charset="-127"/>
+              </a:rPr>
+              <a:t>석민</a:t>
+            </a:r>
+            <a:endParaRPr lang="en-US" altLang="ko-KR" dirty="0" smtClean="0">
+              <a:solidFill>
+                <a:schemeClr val="bg1"/>
+              </a:solidFill>
+              <a:latin typeface="소야논8" panose="02020603020101020101" pitchFamily="18" charset="-127"/>
+              <a:ea typeface="소야논8" panose="02020603020101020101" pitchFamily="18" charset="-127"/>
+            </a:endParaRPr>
+          </a:p>
+          <a:p>
+            <a:pPr lvl="1"/>
+            <a:r>
+              <a:rPr lang="ko-KR" altLang="en-US" sz="2400" dirty="0" err="1" smtClean="0">
+                <a:solidFill>
+                  <a:schemeClr val="bg1"/>
+                </a:solidFill>
+                <a:latin typeface="소야논8" panose="02020603020101020101" pitchFamily="18" charset="-127"/>
+                <a:ea typeface="소야논8" panose="02020603020101020101" pitchFamily="18" charset="-127"/>
+              </a:rPr>
+              <a:t>닌텐도와</a:t>
+            </a:r>
+            <a:r>
+              <a:rPr lang="ko-KR" altLang="en-US" sz="2400" dirty="0" smtClean="0">
+                <a:solidFill>
+                  <a:schemeClr val="bg1"/>
+                </a:solidFill>
+                <a:latin typeface="소야논8" panose="02020603020101020101" pitchFamily="18" charset="-127"/>
+                <a:ea typeface="소야논8" panose="02020603020101020101" pitchFamily="18" charset="-127"/>
+              </a:rPr>
+              <a:t> </a:t>
+            </a:r>
+            <a:r>
+              <a:rPr lang="ko-KR" altLang="en-US" sz="2400" dirty="0" err="1" smtClean="0">
+                <a:solidFill>
+                  <a:schemeClr val="bg1"/>
+                </a:solidFill>
+                <a:latin typeface="소야논8" panose="02020603020101020101" pitchFamily="18" charset="-127"/>
+                <a:ea typeface="소야논8" panose="02020603020101020101" pitchFamily="18" charset="-127"/>
+              </a:rPr>
+              <a:t>잭블랙에게</a:t>
+            </a:r>
+            <a:r>
+              <a:rPr lang="ko-KR" altLang="en-US" sz="2400" dirty="0" smtClean="0">
+                <a:solidFill>
+                  <a:schemeClr val="bg1"/>
+                </a:solidFill>
+                <a:latin typeface="소야논8" panose="02020603020101020101" pitchFamily="18" charset="-127"/>
+                <a:ea typeface="소야논8" panose="02020603020101020101" pitchFamily="18" charset="-127"/>
+              </a:rPr>
+              <a:t> 라이선스를 받아 출시하고 싶다</a:t>
+            </a:r>
+            <a:r>
+              <a:rPr lang="en-US" altLang="ko-KR" sz="2400" dirty="0" smtClean="0">
+                <a:solidFill>
+                  <a:schemeClr val="bg1"/>
+                </a:solidFill>
+                <a:latin typeface="소야논8" panose="02020603020101020101" pitchFamily="18" charset="-127"/>
+                <a:ea typeface="소야논8" panose="02020603020101020101" pitchFamily="18" charset="-127"/>
+              </a:rPr>
+              <a:t>.</a:t>
+            </a:r>
+          </a:p>
+          <a:p>
+            <a:r>
+              <a:rPr lang="ko-KR" altLang="en-US" dirty="0" smtClean="0">
+                <a:solidFill>
+                  <a:schemeClr val="bg1"/>
+                </a:solidFill>
+                <a:latin typeface="소야논8" panose="02020603020101020101" pitchFamily="18" charset="-127"/>
+                <a:ea typeface="소야논8" panose="02020603020101020101" pitchFamily="18" charset="-127"/>
+              </a:rPr>
+              <a:t>원</a:t>
+            </a:r>
+            <a:r>
+              <a:rPr lang="ko-KR" altLang="en-US" dirty="0">
+                <a:solidFill>
+                  <a:schemeClr val="bg1"/>
+                </a:solidFill>
+                <a:latin typeface="소야논8" panose="02020603020101020101" pitchFamily="18" charset="-127"/>
+                <a:ea typeface="소야논8" panose="02020603020101020101" pitchFamily="18" charset="-127"/>
+              </a:rPr>
+              <a:t>석</a:t>
+            </a:r>
+            <a:endParaRPr lang="en-US" altLang="ko-KR" dirty="0" smtClean="0">
+              <a:solidFill>
+                <a:schemeClr val="bg1"/>
+              </a:solidFill>
+              <a:latin typeface="소야논8" panose="02020603020101020101" pitchFamily="18" charset="-127"/>
+              <a:ea typeface="소야논8" panose="02020603020101020101" pitchFamily="18" charset="-127"/>
+            </a:endParaRPr>
+          </a:p>
+          <a:p>
+            <a:pPr lvl="1"/>
+            <a:r>
+              <a:rPr lang="ko-KR" altLang="en-US" sz="2400" dirty="0" smtClean="0">
+                <a:solidFill>
+                  <a:schemeClr val="bg1"/>
+                </a:solidFill>
+                <a:latin typeface="소야논8" panose="02020603020101020101" pitchFamily="18" charset="-127"/>
+                <a:ea typeface="소야논8" panose="02020603020101020101" pitchFamily="18" charset="-127"/>
+              </a:rPr>
+              <a:t>청사초롱 불 밝혀라</a:t>
+            </a:r>
+            <a:r>
+              <a:rPr lang="en-US" altLang="ko-KR" sz="2400" dirty="0" smtClean="0">
+                <a:solidFill>
+                  <a:schemeClr val="bg1"/>
+                </a:solidFill>
+                <a:latin typeface="소야논8" panose="02020603020101020101" pitchFamily="18" charset="-127"/>
+                <a:ea typeface="소야논8" panose="02020603020101020101" pitchFamily="18" charset="-127"/>
+              </a:rPr>
+              <a:t>.</a:t>
+            </a:r>
+          </a:p>
+          <a:p>
+            <a:endParaRPr lang="en-US" altLang="ko-KR" sz="2800" dirty="0" smtClean="0">
+              <a:solidFill>
+                <a:schemeClr val="bg1"/>
+              </a:solidFill>
+              <a:latin typeface="소야논8" panose="02020603020101020101" pitchFamily="18" charset="-127"/>
+              <a:ea typeface="소야논8" panose="02020603020101020101" pitchFamily="18" charset="-127"/>
+            </a:endParaRPr>
+          </a:p>
+        </p:txBody>
+      </p:sp>
+    </p:spTree>
+    <p:extLst>
+      <p:ext uri="{BB962C8B-B14F-4D97-AF65-F5344CB8AC3E}">
+        <p14:creationId xmlns:p14="http://schemas.microsoft.com/office/powerpoint/2010/main" val="1497429585"/>
+      </p:ext>
+    </p:extLst>
+  </p:cSld>
+  <p:clrMapOvr>
+    <a:masterClrMapping/>
+  </p:clrMapOvr>
+  <p:timing>
+    <p:tnLst>
+      <p:par>
+        <p:cTn id="1" dur="indefinite" restart="never" nodeType="tmRoot"/>
+      </p:par>
+    </p:tnLst>
+  </p:timing>
+</p:sld>
+</file>
+
+<file path=ppt/slides/slide32.xml><?xml version="1.0" encoding="utf-8"?>
+<p:sld xmlns:a="http://schemas.openxmlformats.org/drawingml/2006/main" xmlns:r="http://schemas.openxmlformats.org/officeDocument/2006/relationships" xmlns:p="http://schemas.openxmlformats.org/presentationml/2006/main" showMasterSp="0">
+  <p:cSld>
+    <p:spTree>
+      <p:nvGrpSpPr>
+        <p:cNvPr id="1" name=""/>
+        <p:cNvGrpSpPr/>
+        <p:nvPr/>
+      </p:nvGrpSpPr>
+      <p:grpSpPr>
+        <a:xfrm>
+          <a:off x="0" y="0"/>
+          <a:ext cx="0" cy="0"/>
+          <a:chOff x="0" y="0"/>
+          <a:chExt cx="0" cy="0"/>
+        </a:xfrm>
+      </p:grpSpPr>
+      <p:sp>
+        <p:nvSpPr>
+          <p:cNvPr id="2" name="제목 1"/>
+          <p:cNvSpPr>
+            <a:spLocks noGrp="1"/>
+          </p:cNvSpPr>
+          <p:nvPr>
+            <p:ph type="ctrTitle"/>
+          </p:nvPr>
+        </p:nvSpPr>
+        <p:spPr/>
+        <p:txBody>
+          <a:bodyPr>
+            <a:normAutofit/>
+          </a:bodyPr>
+          <a:lstStyle/>
+          <a:p>
+            <a:r>
+              <a:rPr lang="ko-KR" altLang="en-US" sz="4800" dirty="0" err="1" smtClean="0">
+                <a:solidFill>
+                  <a:srgbClr val="E4007F"/>
+                </a:solidFill>
+                <a:latin typeface="소야논8" panose="02020603020101020101" pitchFamily="18" charset="-127"/>
+                <a:ea typeface="소야논8" panose="02020603020101020101" pitchFamily="18" charset="-127"/>
+              </a:rPr>
+              <a:t>쌩큐</a:t>
+            </a:r>
+            <a:endParaRPr lang="ko-KR" altLang="en-US" sz="4800" dirty="0">
+              <a:solidFill>
+                <a:srgbClr val="E4007F"/>
+              </a:solidFill>
+              <a:latin typeface="소야논8" panose="02020603020101020101" pitchFamily="18" charset="-127"/>
+              <a:ea typeface="소야논8" panose="02020603020101020101" pitchFamily="18" charset="-127"/>
+            </a:endParaRPr>
+          </a:p>
+        </p:txBody>
+      </p:sp>
+      <p:sp>
+        <p:nvSpPr>
+          <p:cNvPr id="3" name="직사각형 2"/>
+          <p:cNvSpPr/>
+          <p:nvPr/>
+        </p:nvSpPr>
+        <p:spPr>
+          <a:xfrm>
+            <a:off x="0" y="0"/>
+            <a:ext cx="9144000" cy="6858000"/>
+          </a:xfrm>
+          <a:prstGeom prst="rect">
+            <a:avLst/>
+          </a:prstGeom>
+          <a:blipFill dpi="0" rotWithShape="1">
+            <a:blip r:embed="rId2">
+              <a:alphaModFix amt="19000"/>
+            </a:blip>
+            <a:srcRect/>
+            <a:stretch>
+              <a:fillRect/>
+            </a:stretch>
+          </a:blipFill>
+          <a:ln>
+            <a:noFill/>
+          </a:ln>
+        </p:spPr>
+        <p:style>
+          <a:lnRef idx="2">
+            <a:schemeClr val="accent1">
+              <a:shade val="50000"/>
+            </a:schemeClr>
+          </a:lnRef>
+          <a:fillRef idx="1">
+            <a:schemeClr val="accent1"/>
+          </a:fillRef>
+          <a:effectRef idx="0">
+            <a:schemeClr val="accent1"/>
+          </a:effectRef>
+          <a:fontRef idx="minor">
+            <a:schemeClr val="lt1"/>
+          </a:fontRef>
+        </p:style>
+        <p:txBody>
+          <a:bodyPr rtlCol="0" anchor="ctr"/>
+          <a:lstStyle/>
+          <a:p>
+            <a:pPr algn="ctr"/>
+            <a:endParaRPr lang="ko-KR" altLang="en-US"/>
+          </a:p>
+        </p:txBody>
+      </p:sp>
+    </p:spTree>
+    <p:extLst>
+      <p:ext uri="{BB962C8B-B14F-4D97-AF65-F5344CB8AC3E}">
+        <p14:creationId xmlns:p14="http://schemas.microsoft.com/office/powerpoint/2010/main" val="500221103"/>
       </p:ext>
     </p:extLst>
   </p:cSld>
@@ -36995,17 +42716,7 @@
                 <a:latin typeface="소야논8" panose="02020603020101020101" pitchFamily="18" charset="-127"/>
                 <a:ea typeface="소야논8" panose="02020603020101020101" pitchFamily="18" charset="-127"/>
               </a:rPr>
-              <a:t>로그인 </a:t>
-            </a:r>
-            <a:r>
-              <a:rPr lang="ko-KR" altLang="en-US" dirty="0" smtClean="0">
-                <a:solidFill>
-                  <a:schemeClr val="bg1"/>
-                </a:solidFill>
-                <a:latin typeface="소야논8" panose="02020603020101020101" pitchFamily="18" charset="-127"/>
-                <a:ea typeface="소야논8" panose="02020603020101020101" pitchFamily="18" charset="-127"/>
-              </a:rPr>
-              <a:t>서버</a:t>
+              <a:t>로그인 서버</a:t>
             </a:r>
             <a:endParaRPr lang="en-US" altLang="ko-KR" dirty="0" smtClean="0">
               <a:solidFill>
@@ -37033,17 +42744,7 @@
                 <a:latin typeface="소야논8" panose="02020603020101020101" pitchFamily="18" charset="-127"/>
                 <a:ea typeface="소야논8" panose="02020603020101020101" pitchFamily="18" charset="-127"/>
               </a:rPr>
-              <a:t>채널 </a:t>
-            </a:r>
-            <a:r>
-              <a:rPr lang="ko-KR" altLang="en-US" dirty="0" smtClean="0">
-                <a:solidFill>
-                  <a:schemeClr val="bg1"/>
-                </a:solidFill>
-                <a:latin typeface="소야논8" panose="02020603020101020101" pitchFamily="18" charset="-127"/>
-                <a:ea typeface="소야논8" panose="02020603020101020101" pitchFamily="18" charset="-127"/>
-              </a:rPr>
-              <a:t>서버</a:t>
+              <a:t>채널 서버</a:t>
             </a:r>
             <a:endParaRPr lang="en-US" altLang="ko-KR" dirty="0" smtClean="0">
               <a:solidFill>
@@ -37271,13 +42972,6 @@
               </a:rPr>
               <a:t>클라이언트</a:t>
             </a:r>
-            <a:endParaRPr lang="ko-KR" altLang="en-US" sz="3200" dirty="0">
-              <a:solidFill>
-                <a:schemeClr val="bg1"/>
-              </a:solidFill>
-              <a:latin typeface="소야논8" panose="02020603020101020101" pitchFamily="18" charset="-127"/>
-              <a:ea typeface="소야논8" panose="02020603020101020101" pitchFamily="18" charset="-127"/>
-            </a:endParaRPr>
           </a:p>
         </p:txBody>
       </p:sp>
@@ -37422,7 +43116,7 @@
         <p:spPr>
           <a:xfrm>
             <a:off x="2050446" y="2192399"/>
-            <a:ext cx="1210588" cy="338554"/>
+            <a:ext cx="1242648" cy="338554"/>
           </a:xfrm>
           <a:prstGeom prst="rect">
             <a:avLst/>
@@ -37436,17 +43130,21 @@
           <a:lstStyle/>
           <a:p>
             <a:r>
-              <a:rPr lang="ko-KR" altLang="en-US" sz="1600" dirty="0" err="1" smtClean="0">
+              <a:rPr lang="ko-KR" altLang="en-US" sz="1600" dirty="0" smtClean="0">
                 <a:solidFill>
                   <a:schemeClr val="bg1"/>
                 </a:solidFill>
-              </a:rPr>
-              <a:t>로그인요청</a:t>
+                <a:latin typeface="소야논8" panose="02020603020101020101" pitchFamily="18" charset="-127"/>
+                <a:ea typeface="소야논8" panose="02020603020101020101" pitchFamily="18" charset="-127"/>
+              </a:rPr>
+              <a:t>로그인 요청</a:t>
             </a:r>
             <a:endParaRPr lang="ko-KR" altLang="en-US" sz="1600" dirty="0">
               <a:solidFill>
                 <a:schemeClr val="bg1"/>
               </a:solidFill>
+              <a:latin typeface="소야논8" panose="02020603020101020101" pitchFamily="18" charset="-127"/>
+              <a:ea typeface="소야논8" panose="02020603020101020101" pitchFamily="18" charset="-127"/>
             </a:endParaRPr>
           </a:p>
         </p:txBody>
@@ -37460,7 +43158,7 @@
         <p:spPr>
           <a:xfrm>
             <a:off x="3270607" y="2692146"/>
-            <a:ext cx="1107996" cy="369332"/>
+            <a:ext cx="1159292" cy="369332"/>
           </a:xfrm>
           <a:prstGeom prst="rect">
             <a:avLst/>
@@ -37478,13 +43176,17 @@
                 <a:solidFill>
                   <a:schemeClr val="bg1"/>
                 </a:solidFill>
-              </a:rPr>
-              <a:t>토큰발급</a:t>
+                <a:latin typeface="소야논8" panose="02020603020101020101" pitchFamily="18" charset="-127"/>
+                <a:ea typeface="소야논8" panose="02020603020101020101" pitchFamily="18" charset="-127"/>
+              </a:rPr>
+              <a:t>토큰 발급</a:t>
             </a:r>
             <a:endParaRPr lang="ko-KR" altLang="en-US" dirty="0">
               <a:solidFill>
                 <a:schemeClr val="bg1"/>
               </a:solidFill>
+              <a:latin typeface="소야논8" panose="02020603020101020101" pitchFamily="18" charset="-127"/>
+              <a:ea typeface="소야논8" panose="02020603020101020101" pitchFamily="18" charset="-127"/>
             </a:endParaRPr>
           </a:p>
         </p:txBody>
@@ -37516,6 +43218,8 @@
                 <a:solidFill>
                   <a:schemeClr val="bg1"/>
                 </a:solidFill>
+                <a:latin typeface="소야논8" panose="02020603020101020101" pitchFamily="18" charset="-127"/>
+                <a:ea typeface="소야논8" panose="02020603020101020101" pitchFamily="18" charset="-127"/>
               </a:rPr>
               <a:t>토큰정보 기록</a:t>
             </a:r>
@@ -37523,6 +43227,8 @@
               <a:solidFill>
                 <a:schemeClr val="bg1"/>
               </a:solidFill>
+              <a:latin typeface="소야논8" panose="02020603020101020101" pitchFamily="18" charset="-127"/>
+              <a:ea typeface="소야논8" panose="02020603020101020101" pitchFamily="18" charset="-127"/>
             </a:endParaRPr>
           </a:p>
         </p:txBody>
@@ -37643,7 +43349,7 @@
         <p:spPr>
           <a:xfrm>
             <a:off x="5306416" y="4383283"/>
-            <a:ext cx="1005403" cy="338554"/>
+            <a:ext cx="954107" cy="338554"/>
           </a:xfrm>
           <a:prstGeom prst="rect">
             <a:avLst/>
@@ -37661,6 +43367,8 @@
                 <a:solidFill>
                   <a:schemeClr val="bg1"/>
                 </a:solidFill>
+                <a:latin typeface="소야논8" panose="02020603020101020101" pitchFamily="18" charset="-127"/>
+                <a:ea typeface="소야논8" panose="02020603020101020101" pitchFamily="18" charset="-127"/>
               </a:rPr>
               <a:t>게임기록</a:t>
             </a:r>
@@ -37668,6 +43376,8 @@
               <a:solidFill>
                 <a:schemeClr val="bg1"/>
               </a:solidFill>
+              <a:latin typeface="소야논8" panose="02020603020101020101" pitchFamily="18" charset="-127"/>
+              <a:ea typeface="소야논8" panose="02020603020101020101" pitchFamily="18" charset="-127"/>
             </a:endParaRPr>
           </a:p>
         </p:txBody>
@@ -37681,7 +43391,7 @@
         <p:spPr>
           <a:xfrm>
             <a:off x="6414412" y="4857140"/>
-            <a:ext cx="646331" cy="369332"/>
+            <a:ext cx="617477" cy="369332"/>
           </a:xfrm>
           <a:prstGeom prst="rect">
             <a:avLst/>
@@ -37699,6 +43409,8 @@
                 <a:solidFill>
                   <a:schemeClr val="bg1"/>
                 </a:solidFill>
+                <a:latin typeface="소야논8" panose="02020603020101020101" pitchFamily="18" charset="-127"/>
+                <a:ea typeface="소야논8" panose="02020603020101020101" pitchFamily="18" charset="-127"/>
               </a:rPr>
               <a:t>조회</a:t>
             </a:r>
@@ -37706,6 +43418,8 @@
               <a:solidFill>
                 <a:schemeClr val="bg1"/>
               </a:solidFill>
+              <a:latin typeface="소야논8" panose="02020603020101020101" pitchFamily="18" charset="-127"/>
+              <a:ea typeface="소야논8" panose="02020603020101020101" pitchFamily="18" charset="-127"/>
             </a:endParaRPr>
           </a:p>
         </p:txBody>
@@ -37770,6 +43484,8 @@
                 <a:solidFill>
                   <a:schemeClr val="bg1"/>
                 </a:solidFill>
+                <a:latin typeface="소야논8" panose="02020603020101020101" pitchFamily="18" charset="-127"/>
+                <a:ea typeface="소야논8" panose="02020603020101020101" pitchFamily="18" charset="-127"/>
               </a:rPr>
               <a:t>로그인</a:t>
             </a:r>
@@ -37777,6 +43493,8 @@
               <a:solidFill>
                 <a:schemeClr val="bg1"/>
               </a:solidFill>
+              <a:latin typeface="소야논8" panose="02020603020101020101" pitchFamily="18" charset="-127"/>
+              <a:ea typeface="소야논8" panose="02020603020101020101" pitchFamily="18" charset="-127"/>
             </a:endParaRPr>
           </a:p>
           <a:p>
@@ -37785,6 +43503,8 @@
                 <a:solidFill>
                   <a:schemeClr val="bg1"/>
                 </a:solidFill>
+                <a:latin typeface="소야논8" panose="02020603020101020101" pitchFamily="18" charset="-127"/>
+                <a:ea typeface="소야논8" panose="02020603020101020101" pitchFamily="18" charset="-127"/>
               </a:rPr>
               <a:t>정보 조회</a:t>
             </a:r>
@@ -37792,6 +43512,8 @@
               <a:solidFill>
                 <a:schemeClr val="bg1"/>
               </a:solidFill>
+              <a:latin typeface="소야논8" panose="02020603020101020101" pitchFamily="18" charset="-127"/>
+              <a:ea typeface="소야논8" panose="02020603020101020101" pitchFamily="18" charset="-127"/>
             </a:endParaRPr>
           </a:p>
         </p:txBody>
@@ -37838,7 +43560,7 @@
         <p:spPr>
           <a:xfrm>
             <a:off x="1986559" y="4721789"/>
-            <a:ext cx="877163" cy="369332"/>
+            <a:ext cx="833883" cy="369332"/>
           </a:xfrm>
           <a:prstGeom prst="rect">
             <a:avLst/>
@@ -37856,6 +43578,8 @@
                 <a:solidFill>
                   <a:schemeClr val="bg1"/>
                 </a:solidFill>
+                <a:latin typeface="소야논8" panose="02020603020101020101" pitchFamily="18" charset="-127"/>
+                <a:ea typeface="소야논8" panose="02020603020101020101" pitchFamily="18" charset="-127"/>
               </a:rPr>
               <a:t>플레이</a:t>
             </a:r>
@@ -37863,6 +43587,8 @@
               <a:solidFill>
                 <a:schemeClr val="bg1"/>
               </a:solidFill>
+              <a:latin typeface="소야논8" panose="02020603020101020101" pitchFamily="18" charset="-127"/>
+              <a:ea typeface="소야논8" panose="02020603020101020101" pitchFamily="18" charset="-127"/>
             </a:endParaRPr>
           </a:p>
         </p:txBody>
@@ -38203,17 +43929,17 @@
                 <a:latin typeface="소야논8" panose="02020603020101020101" pitchFamily="18" charset="-127"/>
                 <a:ea typeface="소야논8" panose="02020603020101020101" pitchFamily="18" charset="-127"/>
               </a:rPr>
-              <a:t>현재 </a:t>
-            </a:r>
-            <a:r>
-              <a:rPr lang="ko-KR" altLang="en-US" sz="2800" dirty="0" smtClean="0">
+              <a:t>현재 가동중인 서버 리스트를 관리 </a:t>
+            </a:r>
+            <a:r>
+              <a:rPr lang="en-US" altLang="ko-KR" sz="2800" dirty="0" smtClean="0">
                 <a:solidFill>
                   <a:schemeClr val="bg1"/>
                 </a:solidFill>
                 <a:latin typeface="소야논8" panose="02020603020101020101" pitchFamily="18" charset="-127"/>
                 <a:ea typeface="소야논8" panose="02020603020101020101" pitchFamily="18" charset="-127"/>
               </a:rPr>
-              <a:t>가동중인 </a:t>
+              <a:t>(IP</a:t>
             </a:r>
             <a:r>
               <a:rPr lang="ko-KR" altLang="en-US" sz="2800" dirty="0" smtClean="0">
@@ -38223,65 +43949,18 @@
                 <a:latin typeface="소야논8" panose="02020603020101020101" pitchFamily="18" charset="-127"/>
                 <a:ea typeface="소야논8" panose="02020603020101020101" pitchFamily="18" charset="-127"/>
               </a:rPr>
-              <a:t>서버 </a:t>
-            </a:r>
-            <a:r>
-              <a:rPr lang="ko-KR" altLang="en-US" sz="2800" dirty="0" smtClean="0">
+              <a:t>주소 포함</a:t>
+            </a:r>
+            <a:r>
+              <a:rPr lang="en-US" altLang="ko-KR" sz="2800" dirty="0" smtClean="0">
                 <a:solidFill>
                   <a:schemeClr val="bg1"/>
                 </a:solidFill>
                 <a:latin typeface="소야논8" panose="02020603020101020101" pitchFamily="18" charset="-127"/>
                 <a:ea typeface="소야논8" panose="02020603020101020101" pitchFamily="18" charset="-127"/>
               </a:rPr>
-              <a:t>리스트를 </a:t>
-            </a:r>
-            <a:r>
-              <a:rPr lang="ko-KR" altLang="en-US" sz="2800" dirty="0" smtClean="0">
-                <a:solidFill>
-                  <a:schemeClr val="bg1"/>
-                </a:solidFill>
-                <a:latin typeface="소야논8" panose="02020603020101020101" pitchFamily="18" charset="-127"/>
-                <a:ea typeface="소야논8" panose="02020603020101020101" pitchFamily="18" charset="-127"/>
-              </a:rPr>
-              <a:t>관리 </a:t>
-            </a:r>
-            <a:r>
-              <a:rPr lang="en-US" altLang="ko-KR" sz="2800" dirty="0" smtClean="0">
-                <a:solidFill>
-                  <a:schemeClr val="bg1"/>
-                </a:solidFill>
-                <a:latin typeface="소야논8" panose="02020603020101020101" pitchFamily="18" charset="-127"/>
-                <a:ea typeface="소야논8" panose="02020603020101020101" pitchFamily="18" charset="-127"/>
-              </a:rPr>
-              <a:t>(IP</a:t>
-            </a:r>
-            <a:r>
-              <a:rPr lang="ko-KR" altLang="en-US" sz="2800" dirty="0" smtClean="0">
-                <a:solidFill>
-                  <a:schemeClr val="bg1"/>
-                </a:solidFill>
-                <a:latin typeface="소야논8" panose="02020603020101020101" pitchFamily="18" charset="-127"/>
-                <a:ea typeface="소야논8" panose="02020603020101020101" pitchFamily="18" charset="-127"/>
-              </a:rPr>
-              <a:t>주소 포함</a:t>
-            </a:r>
-            <a:r>
-              <a:rPr lang="en-US" altLang="ko-KR" sz="2800" dirty="0" smtClean="0">
-                <a:solidFill>
-                  <a:schemeClr val="bg1"/>
-                </a:solidFill>
-                <a:latin typeface="소야논8" panose="02020603020101020101" pitchFamily="18" charset="-127"/>
-                <a:ea typeface="소야논8" panose="02020603020101020101" pitchFamily="18" charset="-127"/>
-              </a:rPr>
               <a:t>)</a:t>
             </a:r>
-            <a:endParaRPr lang="en-US" altLang="ko-KR" sz="2800" dirty="0" smtClean="0">
-              <a:solidFill>
-                <a:schemeClr val="bg1"/>
-              </a:solidFill>
-              <a:latin typeface="소야논8" panose="02020603020101020101" pitchFamily="18" charset="-127"/>
-              <a:ea typeface="소야논8" panose="02020603020101020101" pitchFamily="18" charset="-127"/>
-            </a:endParaRPr>
           </a:p>
         </p:txBody>
       </p:sp>
@@ -38545,13 +44224,6 @@
               </a:rPr>
               <a:t>.</a:t>
             </a:r>
-            <a:endParaRPr lang="en-US" altLang="ko-KR" sz="2400" dirty="0" smtClean="0">
-              <a:solidFill>
-                <a:schemeClr val="bg1"/>
-              </a:solidFill>
-              <a:latin typeface="소야논8" panose="02020603020101020101" pitchFamily="18" charset="-127"/>
-              <a:ea typeface="소야논8" panose="02020603020101020101" pitchFamily="18" charset="-127"/>
-            </a:endParaRPr>
           </a:p>
         </p:txBody>
       </p:sp>
@@ -38705,47 +44377,27 @@
                 <a:latin typeface="소야논8" panose="02020603020101020101" pitchFamily="18" charset="-127"/>
                 <a:ea typeface="소야논8" panose="02020603020101020101" pitchFamily="18" charset="-127"/>
               </a:rPr>
-              <a:t>로그인 </a:t>
-            </a:r>
-            <a:r>
-              <a:rPr lang="ko-KR" altLang="en-US" sz="2800" dirty="0" smtClean="0">
+              <a:t>로그인 서버와 </a:t>
+            </a:r>
+            <a:r>
+              <a:rPr lang="en-US" altLang="ko-KR" sz="2800" dirty="0" smtClean="0">
                 <a:solidFill>
                   <a:schemeClr val="bg1"/>
                 </a:solidFill>
                 <a:latin typeface="소야논8" panose="02020603020101020101" pitchFamily="18" charset="-127"/>
                 <a:ea typeface="소야논8" panose="02020603020101020101" pitchFamily="18" charset="-127"/>
               </a:rPr>
-              <a:t>서버와 </a:t>
-            </a:r>
-            <a:r>
-              <a:rPr lang="en-US" altLang="ko-KR" sz="2800" dirty="0" smtClean="0">
+              <a:t>http</a:t>
+            </a:r>
+            <a:r>
+              <a:rPr lang="ko-KR" altLang="en-US" sz="2800" dirty="0" smtClean="0">
                 <a:solidFill>
                   <a:schemeClr val="bg1"/>
                 </a:solidFill>
                 <a:latin typeface="소야논8" panose="02020603020101020101" pitchFamily="18" charset="-127"/>
                 <a:ea typeface="소야논8" panose="02020603020101020101" pitchFamily="18" charset="-127"/>
               </a:rPr>
-              <a:t>http</a:t>
-            </a:r>
-            <a:r>
-              <a:rPr lang="ko-KR" altLang="en-US" sz="2800" dirty="0" smtClean="0">
-                <a:solidFill>
-                  <a:schemeClr val="bg1"/>
-                </a:solidFill>
-                <a:latin typeface="소야논8" panose="02020603020101020101" pitchFamily="18" charset="-127"/>
-                <a:ea typeface="소야논8" panose="02020603020101020101" pitchFamily="18" charset="-127"/>
-              </a:rPr>
-              <a:t>로 </a:t>
-            </a:r>
-            <a:r>
-              <a:rPr lang="ko-KR" altLang="en-US" sz="2800" dirty="0" smtClean="0">
-                <a:solidFill>
-                  <a:schemeClr val="bg1"/>
-                </a:solidFill>
-                <a:latin typeface="소야논8" panose="02020603020101020101" pitchFamily="18" charset="-127"/>
-                <a:ea typeface="소야논8" panose="02020603020101020101" pitchFamily="18" charset="-127"/>
-              </a:rPr>
-              <a:t>통신 </a:t>
+              <a:t>로 통신 </a:t>
             </a:r>
             <a:r>
               <a:rPr lang="en-US" altLang="ko-KR" sz="2800" dirty="0" smtClean="0">
@@ -38786,27 +44438,7 @@
                 <a:latin typeface="소야논8" panose="02020603020101020101" pitchFamily="18" charset="-127"/>
                 <a:ea typeface="소야논8" panose="02020603020101020101" pitchFamily="18" charset="-127"/>
               </a:rPr>
-              <a:t>로그인 </a:t>
-            </a:r>
-            <a:r>
-              <a:rPr lang="ko-KR" altLang="en-US" sz="2800" dirty="0" smtClean="0">
-                <a:solidFill>
-                  <a:schemeClr val="bg1"/>
-                </a:solidFill>
-                <a:latin typeface="소야논8" panose="02020603020101020101" pitchFamily="18" charset="-127"/>
-                <a:ea typeface="소야논8" panose="02020603020101020101" pitchFamily="18" charset="-127"/>
-              </a:rPr>
-              <a:t>서버에게 받은 채널 목록에서 </a:t>
-            </a:r>
-            <a:r>
-              <a:rPr lang="ko-KR" altLang="en-US" sz="2800" dirty="0" smtClean="0">
-                <a:solidFill>
-                  <a:schemeClr val="bg1"/>
-                </a:solidFill>
-                <a:latin typeface="소야논8" panose="02020603020101020101" pitchFamily="18" charset="-127"/>
-                <a:ea typeface="소야논8" panose="02020603020101020101" pitchFamily="18" charset="-127"/>
-              </a:rPr>
-              <a:t>채널선택</a:t>
+              <a:t>로그인 서버에게 받은 채널 목록에서 채널선택</a:t>
             </a:r>
             <a:endParaRPr lang="ko-KR" altLang="en-US" sz="2800" dirty="0">
               <a:solidFill>
@@ -38839,6 +44471,612 @@
 </file>
 
 <file path=ppt/theme/theme1.xml><?xml version="1.0" encoding="utf-8"?>
+<a:theme xmlns:a="http://schemas.openxmlformats.org/drawingml/2006/main" name="Office 테마">
+  <a:themeElements>
+    <a:clrScheme name="Office">
+      <a:dk1>
+        <a:sysClr val="windowText" lastClr="000000"/>
+      </a:dk1>
+      <a:lt1>
+        <a:sysClr val="window" lastClr="FFFFFF"/>
+      </a:lt1>
+      <a:dk2>
+        <a:srgbClr val="1F497D"/>
+      </a:dk2>
+      <a:lt2>
+        <a:srgbClr val="EEECE1"/>
+      </a:lt2>
+      <a:accent1>
+        <a:srgbClr val="4F81BD"/>
+      </a:accent1>
+      <a:accent2>
+        <a:srgbClr val="C0504D"/>
+      </a:accent2>
+      <a:accent3>
+        <a:srgbClr val="9BBB59"/>
+      </a:accent3>
+      <a:accent4>
+        <a:srgbClr val="8064A2"/>
+      </a:accent4>
+      <a:accent5>
+        <a:srgbClr val="4BACC6"/>
+      </a:accent5>
+      <a:accent6>
+        <a:srgbClr val="F79646"/>
+      </a:accent6>
+      <a:hlink>
+        <a:srgbClr val="0000FF"/>
+      </a:hlink>
+      <a:folHlink>
+        <a:srgbClr val="800080"/>
+      </a:folHlink>
+    </a:clrScheme>
+    <a:fontScheme name="Office">
+      <a:majorFont>
+        <a:latin typeface="맑은 고딕"/>
+        <a:ea typeface=""/>
+        <a:cs typeface=""/>
+        <a:font script="Jpan" typeface="ＭＳ Ｐゴシック"/>
+        <a:font script="Hang" typeface="맑은 고딕"/>
+        <a:font script="Hans" typeface="宋体"/>
+        <a:font script="Hant" typeface="新細明體"/>
+        <a:font script="Arab" typeface="Times New Roman"/>
+        <a:font script="Hebr" typeface="Times New Roman"/>
+        <a:font script="Thai" typeface="Angsana New"/>
+        <a:font script="Ethi" typeface="Nyala"/>
+        <a:font script="Beng" typeface="Vrinda"/>
+        <a:font script="Gujr" typeface="Shruti"/>
+        <a:font script="Khmr" typeface="MoolBoran"/>
+        <a:font script="Knda" typeface="Tunga"/>
+        <a:font script="Guru" typeface="Raavi"/>
+        <a:font script="Cans" typeface="Euphemia"/>
+        <a:font script="Cher" typeface="Plantagenet Cherokee"/>
+        <a:font script="Yiii" typeface="Microsoft Yi Baiti"/>
+        <a:font script="Tibt" typeface="Microsoft Himalaya"/>
+        <a:font script="Thaa" typeface="MV Boli"/>
+        <a:font script="Deva" typeface="Mangal"/>
+        <a:font script="Telu" typeface="Gautami"/>
+        <a:font script="Taml" typeface="Latha"/>
+        <a:font script="Syrc" typeface="Estrangelo Edessa"/>
+        <a:font script="Orya" typeface="Kalinga"/>
+        <a:font script="Mlym" typeface="Kartika"/>
+        <a:font script="Laoo" typeface="DokChampa"/>
+        <a:font script="Sinh" typeface="Iskoola Pota"/>
+        <a:font script="Mong" typeface="Mongolian Baiti"/>
+        <a:font script="Viet" typeface="Times New Roman"/>
+        <a:font script="Uigh" typeface="Microsoft Uighur"/>
+        <a:font script="Geor" typeface="Sylfaen"/>
+      </a:majorFont>
+      <a:minorFont>
+        <a:latin typeface="맑은 고딕"/>
+        <a:ea typeface=""/>
+        <a:cs typeface=""/>
+        <a:font script="Jpan" typeface="ＭＳ Ｐゴシック"/>
+        <a:font script="Hang" typeface="맑은 고딕"/>
+        <a:font script="Hans" typeface="宋体"/>
+        <a:font script="Hant" typeface="新細明體"/>
+        <a:font script="Arab" typeface="Arial"/>
+        <a:font script="Hebr" typeface="Arial"/>
+        <a:font script="Thai" typeface="Cordia New"/>
+        <a:font script="Ethi" typeface="Nyala"/>
+        <a:font script="Beng" typeface="Vrinda"/>
+        <a:font script="Gujr" typeface="Shruti"/>
+        <a:font script="Khmr" typeface="DaunPenh"/>
+        <a:font script="Knda" typeface="Tunga"/>
+        <a:font script="Guru" typeface="Raavi"/>
+        <a:font script="Cans" typeface="Euphemia"/>
+        <a:font script="Cher" typeface="Plantagenet Cherokee"/>
+        <a:font script="Yiii" typeface="Microsoft Yi Baiti"/>
+        <a:font script="Tibt" typeface="Microsoft Himalaya"/>
+        <a:font script="Thaa" typeface="MV Boli"/>
+        <a:font script="Deva" typeface="Mangal"/>
+        <a:font script="Telu" typeface="Gautami"/>
+        <a:font script="Taml" typeface="Latha"/>
+        <a:font script="Syrc" typeface="Estrangelo Edessa"/>
+        <a:font script="Orya" typeface="Kalinga"/>
+        <a:font script="Mlym" typeface="Kartika"/>
+        <a:font script="Laoo" typeface="DokChampa"/>
+        <a:font script="Sinh" typeface="Iskoola Pota"/>
+        <a:font script="Mong" typeface="Mongolian Baiti"/>
+        <a:font script="Viet" typeface="Arial"/>
+        <a:font script="Uigh" typeface="Microsoft Uighur"/>
+        <a:font script="Geor" typeface="Sylfaen"/>
+      </a:minorFont>
+    </a:fontScheme>
+    <a:fmtScheme name="Office">
+      <a:fillStyleLst>
+        <a:solidFill>
+          <a:schemeClr val="phClr"/>
+        </a:solidFill>
+        <a:gradFill rotWithShape="1">
+          <a:gsLst>
+            <a:gs pos="0">
+              <a:schemeClr val="phClr">
+                <a:tint val="50000"/>
+                <a:satMod val="300000"/>
+              </a:schemeClr>
+            </a:gs>
+            <a:gs pos="35000">
+              <a:schemeClr val="phClr">
+                <a:tint val="37000"/>
+                <a:satMod val="300000"/>
+              </a:schemeClr>
+            </a:gs>
+            <a:gs pos="100000">
+              <a:schemeClr val="phClr">
+                <a:tint val="15000"/>
+                <a:satMod val="350000"/>
+              </a:schemeClr>
+            </a:gs>
+          </a:gsLst>
+          <a:lin ang="16200000" scaled="1"/>
+        </a:gradFill>
+        <a:gradFill rotWithShape="1">
+          <a:gsLst>
+            <a:gs pos="0">
+              <a:schemeClr val="phClr">
+                <a:shade val="51000"/>
+                <a:satMod val="130000"/>
+              </a:schemeClr>
+            </a:gs>
+            <a:gs pos="80000">
+              <a:schemeClr val="phClr">
+                <a:shade val="93000"/>
+                <a:satMod val="130000"/>
+              </a:schemeClr>
+            </a:gs>
+            <a:gs pos="100000">
+              <a:schemeClr val="phClr">
+                <a:shade val="94000"/>
+                <a:satMod val="135000"/>
+              </a:schemeClr>
+            </a:gs>
+          </a:gsLst>
+          <a:lin ang="16200000" scaled="0"/>
+        </a:gradFill>
+      </a:fillStyleLst>
+      <a:lnStyleLst>
+        <a:ln w="9525" cap="flat" cmpd="sng" algn="ctr">
+          <a:solidFill>
+            <a:schemeClr val="phClr">
+              <a:shade val="95000"/>
+              <a:satMod val="105000"/>
+            </a:schemeClr>
+          </a:solidFill>
+          <a:prstDash val="solid"/>
+        </a:ln>
+        <a:ln w="25400" cap="flat" cmpd="sng" algn="ctr">
+          <a:solidFill>
+            <a:schemeClr val="phClr"/>
+          </a:solidFill>
+          <a:prstDash val="solid"/>
+        </a:ln>
+        <a:ln w="38100" cap="flat" cmpd="sng" algn="ctr">
+          <a:solidFill>
+            <a:schemeClr val="phClr"/>
+          </a:solidFill>
+          <a:prstDash val="solid"/>
+        </a:ln>
+      </a:lnStyleLst>
+      <a:effectStyleLst>
+        <a:effectStyle>
+          <a:effectLst>
+            <a:outerShdw blurRad="40000" dist="20000" dir="5400000" rotWithShape="0">
+              <a:srgbClr val="000000">
+                <a:alpha val="38000"/>
+              </a:srgbClr>
+            </a:outerShdw>
+          </a:effectLst>
+        </a:effectStyle>
+        <a:effectStyle>
+          <a:effectLst>
+            <a:outerShdw blurRad="40000" dist="23000" dir="5400000" rotWithShape="0">
+              <a:srgbClr val="000000">
+                <a:alpha val="35000"/>
+              </a:srgbClr>
+            </a:outerShdw>
+          </a:effectLst>
+        </a:effectStyle>
+        <a:effectStyle>
+          <a:effectLst>
+            <a:outerShdw blurRad="40000" dist="23000" dir="5400000" rotWithShape="0">
+              <a:srgbClr val="000000">
+                <a:alpha val="35000"/>
+              </a:srgbClr>
+            </a:outerShdw>
+          </a:effectLst>
+          <a:scene3d>
+            <a:camera prst="orthographicFront">
+              <a:rot lat="0" lon="0" rev="0"/>
+            </a:camera>
+            <a:lightRig rig="threePt" dir="t">
+              <a:rot lat="0" lon="0" rev="1200000"/>
+            </a:lightRig>
+          </a:scene3d>
+          <a:sp3d>
+            <a:bevelT w="63500" h="25400"/>
+          </a:sp3d>
+        </a:effectStyle>
+      </a:effectStyleLst>
+      <a:bgFillStyleLst>
+        <a:solidFill>
+          <a:schemeClr val="phClr"/>
+        </a:solidFill>
+        <a:gradFill rotWithShape="1">
+          <a:gsLst>
+            <a:gs pos="0">
+              <a:schemeClr val="phClr">
+                <a:tint val="40000"/>
+                <a:satMod val="350000"/>
+              </a:schemeClr>
+            </a:gs>
+            <a:gs pos="40000">
+              <a:schemeClr val="phClr">
+                <a:tint val="45000"/>
+                <a:shade val="99000"/>
+                <a:satMod val="350000"/>
+              </a:schemeClr>
+            </a:gs>
+            <a:gs pos="100000">
+              <a:schemeClr val="phClr">
+                <a:shade val="20000"/>
+                <a:satMod val="255000"/>
+              </a:schemeClr>
+            </a:gs>
+          </a:gsLst>
+          <a:path path="circle">
+            <a:fillToRect l="50000" t="-80000" r="50000" b="180000"/>
+          </a:path>
+        </a:gradFill>
+        <a:gradFill rotWithShape="1">
+          <a:gsLst>
+            <a:gs pos="0">
+              <a:schemeClr val="phClr">
+                <a:tint val="80000"/>
+                <a:satMod val="300000"/>
+              </a:schemeClr>
+            </a:gs>
+            <a:gs pos="100000">
+              <a:schemeClr val="phClr">
+                <a:shade val="30000"/>
+                <a:satMod val="200000"/>
+              </a:schemeClr>
+            </a:gs>
+          </a:gsLst>
+          <a:path path="circle">
+            <a:fillToRect l="50000" t="50000" r="50000" b="50000"/>
+          </a:path>
+        </a:gradFill>
+      </a:bgFillStyleLst>
+    </a:fmtScheme>
+  </a:themeElements>
+  <a:objectDefaults>
+    <a:spDef>
+      <a:spPr>
+        <a:blipFill dpi="0" rotWithShape="1">
+          <a:blip xmlns:r="http://schemas.openxmlformats.org/officeDocument/2006/relationships" r:embed="rId1">
+            <a:alphaModFix amt="19000"/>
+          </a:blip>
+          <a:srcRect/>
+          <a:stretch>
+            <a:fillRect/>
+          </a:stretch>
+        </a:blipFill>
+      </a:spPr>
+      <a:bodyPr rtlCol="0" anchor="ctr"/>
+      <a:lstStyle>
+        <a:defPPr algn="ctr">
+          <a:defRPr/>
+        </a:defPPr>
+      </a:lstStyle>
+      <a:style>
+        <a:lnRef idx="2">
+          <a:schemeClr val="accent1">
+            <a:shade val="50000"/>
+          </a:schemeClr>
+        </a:lnRef>
+        <a:fillRef idx="1">
+          <a:schemeClr val="accent1"/>
+        </a:fillRef>
+        <a:effectRef idx="0">
+          <a:schemeClr val="accent1"/>
+        </a:effectRef>
+        <a:fontRef idx="minor">
+          <a:schemeClr val="lt1"/>
+        </a:fontRef>
+      </a:style>
+    </a:spDef>
+  </a:objectDefaults>
+  <a:extraClrSchemeLst/>
+</a:theme>
+</file>
+
+<file path=ppt/theme/theme10.xml><?xml version="1.0" encoding="utf-8"?>
+<a:theme xmlns:a="http://schemas.openxmlformats.org/drawingml/2006/main" name="1_Office 테마">
+  <a:themeElements>
+    <a:clrScheme name="Office">
+      <a:dk1>
+        <a:sysClr val="windowText" lastClr="000000"/>
+      </a:dk1>
+      <a:lt1>
+        <a:sysClr val="window" lastClr="FFFFFF"/>
+      </a:lt1>
+      <a:dk2>
+        <a:srgbClr val="1F497D"/>
+      </a:dk2>
+      <a:lt2>
+        <a:srgbClr val="EEECE1"/>
+      </a:lt2>
+      <a:accent1>
+        <a:srgbClr val="4F81BD"/>
+      </a:accent1>
+      <a:accent2>
+        <a:srgbClr val="C0504D"/>
+      </a:accent2>
+      <a:accent3>
+        <a:srgbClr val="9BBB59"/>
+      </a:accent3>
+      <a:accent4>
+        <a:srgbClr val="8064A2"/>
+      </a:accent4>
+      <a:accent5>
+        <a:srgbClr val="4BACC6"/>
+      </a:accent5>
+      <a:accent6>
+        <a:srgbClr val="F79646"/>
+      </a:accent6>
+      <a:hlink>
+        <a:srgbClr val="0000FF"/>
+      </a:hlink>
+      <a:folHlink>
+        <a:srgbClr val="800080"/>
+      </a:folHlink>
+    </a:clrScheme>
+    <a:fontScheme name="Office">
+      <a:majorFont>
+        <a:latin typeface="맑은 고딕"/>
+        <a:ea typeface=""/>
+        <a:cs typeface=""/>
+        <a:font script="Jpan" typeface="ＭＳ Ｐゴシック"/>
+        <a:font script="Hang" typeface="맑은 고딕"/>
+        <a:font script="Hans" typeface="宋体"/>
+        <a:font script="Hant" typeface="新細明體"/>
+        <a:font script="Arab" typeface="Times New Roman"/>
+        <a:font script="Hebr" typeface="Times New Roman"/>
+        <a:font script="Thai" typeface="Angsana New"/>
+        <a:font script="Ethi" typeface="Nyala"/>
+        <a:font script="Beng" typeface="Vrinda"/>
+        <a:font script="Gujr" typeface="Shruti"/>
+        <a:font script="Khmr" typeface="MoolBoran"/>
+        <a:font script="Knda" typeface="Tunga"/>
+        <a:font script="Guru" typeface="Raavi"/>
+        <a:font script="Cans" typeface="Euphemia"/>
+        <a:font script="Cher" typeface="Plantagenet Cherokee"/>
+        <a:font script="Yiii" typeface="Microsoft Yi Baiti"/>
+        <a:font script="Tibt" typeface="Microsoft Himalaya"/>
+        <a:font script="Thaa" typeface="MV Boli"/>
+        <a:font script="Deva" typeface="Mangal"/>
+        <a:font script="Telu" typeface="Gautami"/>
+        <a:font script="Taml" typeface="Latha"/>
+        <a:font script="Syrc" typeface="Estrangelo Edessa"/>
+        <a:font script="Orya" typeface="Kalinga"/>
+        <a:font script="Mlym" typeface="Kartika"/>
+        <a:font script="Laoo" typeface="DokChampa"/>
+        <a:font script="Sinh" typeface="Iskoola Pota"/>
+        <a:font script="Mong" typeface="Mongolian Baiti"/>
+        <a:font script="Viet" typeface="Times New Roman"/>
+        <a:font script="Uigh" typeface="Microsoft Uighur"/>
+        <a:font script="Geor" typeface="Sylfaen"/>
+      </a:majorFont>
+      <a:minorFont>
+        <a:latin typeface="맑은 고딕"/>
+        <a:ea typeface=""/>
+        <a:cs typeface=""/>
+        <a:font script="Jpan" typeface="ＭＳ Ｐゴシック"/>
+        <a:font script="Hang" typeface="맑은 고딕"/>
+        <a:font script="Hans" typeface="宋体"/>
+        <a:font script="Hant" typeface="新細明體"/>
+        <a:font script="Arab" typeface="Arial"/>
+        <a:font script="Hebr" typeface="Arial"/>
+        <a:font script="Thai" typeface="Cordia New"/>
+        <a:font script="Ethi" typeface="Nyala"/>
+        <a:font script="Beng" typeface="Vrinda"/>
+        <a:font script="Gujr" typeface="Shruti"/>
+        <a:font script="Khmr" typeface="DaunPenh"/>
+        <a:font script="Knda" typeface="Tunga"/>
+        <a:font script="Guru" typeface="Raavi"/>
+        <a:font script="Cans" typeface="Euphemia"/>
+        <a:font script="Cher" typeface="Plantagenet Cherokee"/>
+        <a:font script="Yiii" typeface="Microsoft Yi Baiti"/>
+        <a:font script="Tibt" typeface="Microsoft Himalaya"/>
+        <a:font script="Thaa" typeface="MV Boli"/>
+        <a:font script="Deva" typeface="Mangal"/>
+        <a:font script="Telu" typeface="Gautami"/>
+        <a:font script="Taml" typeface="Latha"/>
+        <a:font script="Syrc" typeface="Estrangelo Edessa"/>
+        <a:font script="Orya" typeface="Kalinga"/>
+        <a:font script="Mlym" typeface="Kartika"/>
+        <a:font script="Laoo" typeface="DokChampa"/>
+        <a:font script="Sinh" typeface="Iskoola Pota"/>
+        <a:font script="Mong" typeface="Mongolian Baiti"/>
+        <a:font script="Viet" typeface="Arial"/>
+        <a:font script="Uigh" typeface="Microsoft Uighur"/>
+        <a:font script="Geor" typeface="Sylfaen"/>
+      </a:minorFont>
+    </a:fontScheme>
+    <a:fmtScheme name="Office">
+      <a:fillStyleLst>
+        <a:solidFill>
+          <a:schemeClr val="phClr"/>
+        </a:solidFill>
+        <a:gradFill rotWithShape="1">
+          <a:gsLst>
+            <a:gs pos="0">
+              <a:schemeClr val="phClr">
+                <a:tint val="50000"/>
+                <a:satMod val="300000"/>
+              </a:schemeClr>
+            </a:gs>
+            <a:gs pos="35000">
+              <a:schemeClr val="phClr">
+                <a:tint val="37000"/>
+                <a:satMod val="300000"/>
+              </a:schemeClr>
+            </a:gs>
+            <a:gs pos="100000">
+              <a:schemeClr val="phClr">
+                <a:tint val="15000"/>
+                <a:satMod val="350000"/>
+              </a:schemeClr>
+            </a:gs>
+          </a:gsLst>
+          <a:lin ang="16200000" scaled="1"/>
+        </a:gradFill>
+        <a:gradFill rotWithShape="1">
+          <a:gsLst>
+            <a:gs pos="0">
+              <a:schemeClr val="phClr">
+                <a:shade val="51000"/>
+                <a:satMod val="130000"/>
+              </a:schemeClr>
+            </a:gs>
+            <a:gs pos="80000">
+              <a:schemeClr val="phClr">
+                <a:shade val="93000"/>
+                <a:satMod val="130000"/>
+              </a:schemeClr>
+            </a:gs>
+            <a:gs pos="100000">
+              <a:schemeClr val="phClr">
+                <a:shade val="94000"/>
+                <a:satMod val="135000"/>
+              </a:schemeClr>
+            </a:gs>
+          </a:gsLst>
+          <a:lin ang="16200000" scaled="0"/>
+        </a:gradFill>
+      </a:fillStyleLst>
+      <a:lnStyleLst>
+        <a:ln w="9525" cap="flat" cmpd="sng" algn="ctr">
+          <a:solidFill>
+            <a:schemeClr val="phClr">
+              <a:shade val="95000"/>
+              <a:satMod val="105000"/>
+            </a:schemeClr>
+          </a:solidFill>
+          <a:prstDash val="solid"/>
+        </a:ln>
+        <a:ln w="25400" cap="flat" cmpd="sng" algn="ctr">
+          <a:solidFill>
+            <a:schemeClr val="phClr"/>
+          </a:solidFill>
+          <a:prstDash val="solid"/>
+        </a:ln>
+        <a:ln w="38100" cap="flat" cmpd="sng" algn="ctr">
+          <a:solidFill>
+            <a:schemeClr val="phClr"/>
+          </a:solidFill>
+          <a:prstDash val="solid"/>
+        </a:ln>
+      </a:lnStyleLst>
+      <a:effectStyleLst>
+        <a:effectStyle>
+          <a:effectLst>
+            <a:outerShdw blurRad="40000" dist="20000" dir="5400000" rotWithShape="0">
+              <a:srgbClr val="000000">
+                <a:alpha val="38000"/>
+              </a:srgbClr>
+            </a:outerShdw>
+          </a:effectLst>
+        </a:effectStyle>
+        <a:effectStyle>
+          <a:effectLst>
+            <a:outerShdw blurRad="40000" dist="23000" dir="5400000" rotWithShape="0">
+              <a:srgbClr val="000000">
+                <a:alpha val="35000"/>
+              </a:srgbClr>
+            </a:outerShdw>
+          </a:effectLst>
+        </a:effectStyle>
+        <a:effectStyle>
+          <a:effectLst>
+            <a:outerShdw blurRad="40000" dist="23000" dir="5400000" rotWithShape="0">
+              <a:srgbClr val="000000">
+                <a:alpha val="35000"/>
+              </a:srgbClr>
+            </a:outerShdw>
+          </a:effectLst>
+          <a:scene3d>
+            <a:camera prst="orthographicFront">
+              <a:rot lat="0" lon="0" rev="0"/>
+            </a:camera>
+            <a:lightRig rig="threePt" dir="t">
+              <a:rot lat="0" lon="0" rev="1200000"/>
+            </a:lightRig>
+          </a:scene3d>
+          <a:sp3d>
+            <a:bevelT w="63500" h="25400"/>
+          </a:sp3d>
+        </a:effectStyle>
+      </a:effectStyleLst>
+      <a:bgFillStyleLst>
+        <a:solidFill>
+          <a:schemeClr val="phClr"/>
+        </a:solidFill>
+        <a:gradFill rotWithShape="1">
+          <a:gsLst>
+            <a:gs pos="0">
+              <a:schemeClr val="phClr">
+                <a:tint val="40000"/>
+                <a:satMod val="350000"/>
+              </a:schemeClr>
+            </a:gs>
+            <a:gs pos="40000">
+              <a:schemeClr val="phClr">
+                <a:tint val="45000"/>
+                <a:shade val="99000"/>
+                <a:satMod val="350000"/>
+              </a:schemeClr>
+            </a:gs>
+            <a:gs pos="100000">
+              <a:schemeClr val="phClr">
+                <a:shade val="20000"/>
+                <a:satMod val="255000"/>
+              </a:schemeClr>
+            </a:gs>
+          </a:gsLst>
+          <a:path path="circle">
+            <a:fillToRect l="50000" t="-80000" r="50000" b="180000"/>
+          </a:path>
+        </a:gradFill>
+        <a:gradFill rotWithShape="1">
+          <a:gsLst>
+            <a:gs pos="0">
+              <a:schemeClr val="phClr">
+                <a:tint val="80000"/>
+                <a:satMod val="300000"/>
+              </a:schemeClr>
+            </a:gs>
+            <a:gs pos="100000">
+              <a:schemeClr val="phClr">
+                <a:shade val="30000"/>
+                <a:satMod val="200000"/>
+              </a:schemeClr>
+            </a:gs>
+          </a:gsLst>
+          <a:path path="circle">
+            <a:fillToRect l="50000" t="50000" r="50000" b="50000"/>
+          </a:path>
+        </a:gradFill>
+      </a:bgFillStyleLst>
+    </a:fmtScheme>
+  </a:themeElements>
+  <a:objectDefaults/>
+  <a:extraClrSchemeLst/>
+</a:theme>
+</file>
+
+<file path=ppt/theme/theme11.xml><?xml version="1.0" encoding="utf-8"?>
 <a:theme xmlns:a="http://schemas.openxmlformats.org/drawingml/2006/main" name="Office 테마">
   <a:themeElements>
     <a:clrScheme name="Office">

--- a/서버프로젝트.pptx
+++ b/서버프로젝트.pptx
@@ -160,7 +160,7 @@
   </p:defaultTextStyle>
   <p:extLst>
     <p:ext uri="{EFAFB233-063F-42B5-8137-9DF3F51BA10A}">
-      <p15:sldGuideLst xmlns:p15="http://schemas.microsoft.com/office/powerpoint/2012/main" xmlns="">
+      <p15:sldGuideLst xmlns="" xmlns:p15="http://schemas.microsoft.com/office/powerpoint/2012/main">
         <p15:guide id="1" orient="horz" pos="2160">
           <p15:clr>
             <a:srgbClr val="A4A3A4"/>
@@ -40511,34 +40511,14 @@
           <a:lstStyle/>
           <a:p>
             <a:r>
-              <a:rPr lang="ko-KR" altLang="en-US" sz="2800" dirty="0" smtClean="0">
+              <a:rPr lang="ko-KR" altLang="en-US" sz="2400" dirty="0" smtClean="0">
                 <a:solidFill>
                   <a:schemeClr val="bg1"/>
                 </a:solidFill>
                 <a:latin typeface="소야논8" panose="02020603020101020101" pitchFamily="18" charset="-127"/>
                 <a:ea typeface="소야논8" panose="02020603020101020101" pitchFamily="18" charset="-127"/>
               </a:rPr>
-              <a:t>전우여 들리는가</a:t>
-            </a:r>
-            <a:endParaRPr lang="en-US" altLang="ko-KR" sz="2800" dirty="0" smtClean="0">
-              <a:solidFill>
-                <a:schemeClr val="bg1"/>
-              </a:solidFill>
-              <a:latin typeface="소야논8" panose="02020603020101020101" pitchFamily="18" charset="-127"/>
-              <a:ea typeface="소야논8" panose="02020603020101020101" pitchFamily="18" charset="-127"/>
-            </a:endParaRPr>
-          </a:p>
-          <a:p>
-            <a:pPr lvl="1"/>
-            <a:r>
-              <a:rPr lang="ko-KR" altLang="en-US" sz="2400" dirty="0" smtClean="0">
-                <a:solidFill>
-                  <a:schemeClr val="bg1"/>
-                </a:solidFill>
-                <a:latin typeface="소야논8" panose="02020603020101020101" pitchFamily="18" charset="-127"/>
-                <a:ea typeface="소야논8" panose="02020603020101020101" pitchFamily="18" charset="-127"/>
-              </a:rPr>
-              <a:t>그 성난 목소리</a:t>
+              <a:t>구두</a:t>
             </a:r>
             <a:endParaRPr lang="en-US" altLang="ko-KR" sz="2400" dirty="0">
               <a:solidFill>
@@ -41662,44 +41642,14 @@
           <a:lstStyle/>
           <a:p>
             <a:r>
-              <a:rPr lang="ko-KR" altLang="en-US" dirty="0" smtClean="0">
+              <a:rPr lang="ko-KR" altLang="en-US" sz="2000" dirty="0" smtClean="0">
                 <a:solidFill>
                   <a:schemeClr val="bg1"/>
                 </a:solidFill>
                 <a:latin typeface="소야논8" panose="02020603020101020101" pitchFamily="18" charset="-127"/>
                 <a:ea typeface="소야논8" panose="02020603020101020101" pitchFamily="18" charset="-127"/>
               </a:rPr>
-              <a:t>고</a:t>
-            </a:r>
-            <a:r>
-              <a:rPr lang="ko-KR" altLang="en-US" dirty="0">
-                <a:solidFill>
-                  <a:schemeClr val="bg1"/>
-                </a:solidFill>
-                <a:latin typeface="소야논8" panose="02020603020101020101" pitchFamily="18" charset="-127"/>
-                <a:ea typeface="소야논8" panose="02020603020101020101" pitchFamily="18" charset="-127"/>
-              </a:rPr>
-              <a:t>기</a:t>
-            </a:r>
-            <a:endParaRPr lang="en-US" altLang="ko-KR" dirty="0">
-              <a:solidFill>
-                <a:schemeClr val="bg1"/>
-              </a:solidFill>
-              <a:latin typeface="소야논8" panose="02020603020101020101" pitchFamily="18" charset="-127"/>
-              <a:ea typeface="소야논8" panose="02020603020101020101" pitchFamily="18" charset="-127"/>
-            </a:endParaRPr>
-          </a:p>
-          <a:p>
-            <a:pPr lvl="1"/>
-            <a:r>
-              <a:rPr lang="ko-KR" altLang="en-US" sz="2000" dirty="0" smtClean="0">
-                <a:solidFill>
-                  <a:schemeClr val="bg1"/>
-                </a:solidFill>
-                <a:latin typeface="소야논8" panose="02020603020101020101" pitchFamily="18" charset="-127"/>
-                <a:ea typeface="소야논8" panose="02020603020101020101" pitchFamily="18" charset="-127"/>
-              </a:rPr>
-              <a:t>소갈비</a:t>
+              <a:t>구두</a:t>
             </a:r>
             <a:endParaRPr lang="en-US" altLang="ko-KR" sz="2000" dirty="0" smtClean="0">
               <a:solidFill>
@@ -42047,74 +41997,14 @@
           <a:lstStyle/>
           <a:p>
             <a:r>
-              <a:rPr lang="ko-KR" altLang="en-US" sz="2800" dirty="0" smtClean="0">
+              <a:rPr lang="ko-KR" altLang="en-US" sz="2400" dirty="0" smtClean="0">
                 <a:solidFill>
                   <a:schemeClr val="bg1"/>
                 </a:solidFill>
                 <a:latin typeface="소야논8" panose="02020603020101020101" pitchFamily="18" charset="-127"/>
                 <a:ea typeface="소야논8" panose="02020603020101020101" pitchFamily="18" charset="-127"/>
               </a:rPr>
-              <a:t>늴리리야</a:t>
-            </a:r>
-            <a:endParaRPr lang="en-US" altLang="ko-KR" sz="2800" dirty="0" smtClean="0">
-              <a:solidFill>
-                <a:schemeClr val="bg1"/>
-              </a:solidFill>
-              <a:latin typeface="소야논8" panose="02020603020101020101" pitchFamily="18" charset="-127"/>
-              <a:ea typeface="소야논8" panose="02020603020101020101" pitchFamily="18" charset="-127"/>
-            </a:endParaRPr>
-          </a:p>
-          <a:p>
-            <a:pPr lvl="1"/>
-            <a:r>
-              <a:rPr lang="ko-KR" altLang="en-US" sz="2400" dirty="0" err="1" smtClean="0">
-                <a:solidFill>
-                  <a:schemeClr val="bg1"/>
-                </a:solidFill>
-                <a:latin typeface="소야논8" panose="02020603020101020101" pitchFamily="18" charset="-127"/>
-                <a:ea typeface="소야논8" panose="02020603020101020101" pitchFamily="18" charset="-127"/>
-              </a:rPr>
-              <a:t>니나노</a:t>
-            </a:r>
-            <a:r>
-              <a:rPr lang="ko-KR" altLang="en-US" sz="2400" dirty="0" smtClean="0">
-                <a:solidFill>
-                  <a:schemeClr val="bg1"/>
-                </a:solidFill>
-                <a:latin typeface="소야논8" panose="02020603020101020101" pitchFamily="18" charset="-127"/>
-                <a:ea typeface="소야논8" panose="02020603020101020101" pitchFamily="18" charset="-127"/>
-              </a:rPr>
-              <a:t> </a:t>
-            </a:r>
-            <a:r>
-              <a:rPr lang="ko-KR" altLang="en-US" sz="2400" dirty="0" err="1" smtClean="0">
-                <a:solidFill>
-                  <a:schemeClr val="bg1"/>
-                </a:solidFill>
-                <a:latin typeface="소야논8" panose="02020603020101020101" pitchFamily="18" charset="-127"/>
-                <a:ea typeface="소야논8" panose="02020603020101020101" pitchFamily="18" charset="-127"/>
-              </a:rPr>
-              <a:t>난실로</a:t>
-            </a:r>
-            <a:r>
-              <a:rPr lang="ko-KR" altLang="en-US" sz="2400" dirty="0" smtClean="0">
-                <a:solidFill>
-                  <a:schemeClr val="bg1"/>
-                </a:solidFill>
-                <a:latin typeface="소야논8" panose="02020603020101020101" pitchFamily="18" charset="-127"/>
-                <a:ea typeface="소야논8" panose="02020603020101020101" pitchFamily="18" charset="-127"/>
-              </a:rPr>
-              <a:t> 내가 돌아간다</a:t>
-            </a:r>
-            <a:r>
-              <a:rPr lang="en-US" altLang="ko-KR" sz="2400" dirty="0" smtClean="0">
-                <a:solidFill>
-                  <a:schemeClr val="bg1"/>
-                </a:solidFill>
-                <a:latin typeface="소야논8" panose="02020603020101020101" pitchFamily="18" charset="-127"/>
-                <a:ea typeface="소야논8" panose="02020603020101020101" pitchFamily="18" charset="-127"/>
-              </a:rPr>
-              <a:t>.</a:t>
+              <a:t>구두</a:t>
             </a:r>
             <a:endParaRPr lang="en-US" altLang="ko-KR" sz="2400" dirty="0">
               <a:solidFill>

--- a/서버프로젝트.pptx
+++ b/서버프로젝트.pptx
@@ -54,13 +54,13 @@
   <p:notesSz cx="6858000" cy="9144000"/>
   <p:embeddedFontLst>
     <p:embeddedFont>
-      <p:font typeface="맑은 고딕" panose="020B0503020000020004" pitchFamily="50" charset="-127"/>
+      <p:font typeface="소야논8" panose="020B0600000101010101" charset="-127"/>
       <p:regular r:id="rId44"/>
-      <p:bold r:id="rId45"/>
     </p:embeddedFont>
     <p:embeddedFont>
-      <p:font typeface="소야논8" panose="02020603020101020101" pitchFamily="18" charset="-127"/>
-      <p:regular r:id="rId46"/>
+      <p:font typeface="맑은 고딕" panose="020B0503020000020004" pitchFamily="50" charset="-127"/>
+      <p:regular r:id="rId45"/>
+      <p:bold r:id="rId46"/>
     </p:embeddedFont>
   </p:embeddedFontLst>
   <p:defaultTextStyle>
@@ -160,7 +160,7 @@
   </p:defaultTextStyle>
   <p:extLst>
     <p:ext uri="{EFAFB233-063F-42B5-8137-9DF3F51BA10A}">
-      <p15:sldGuideLst xmlns="" xmlns:p15="http://schemas.microsoft.com/office/powerpoint/2012/main">
+      <p15:sldGuideLst xmlns:p15="http://schemas.microsoft.com/office/powerpoint/2012/main">
         <p15:guide id="1" orient="horz" pos="2160">
           <p15:clr>
             <a:srgbClr val="A4A3A4"/>
@@ -39517,7 +39517,7 @@
           <a:p>
             <a:pPr>
               <a:lnSpc>
-                <a:spcPct val="200000"/>
+                <a:spcPct val="150000"/>
               </a:lnSpc>
             </a:pPr>
             <a:r>
@@ -39608,7 +39608,67 @@
                 <a:latin typeface="소야논8" panose="02020603020101020101" pitchFamily="18" charset="-127"/>
                 <a:ea typeface="소야논8" panose="02020603020101020101" pitchFamily="18" charset="-127"/>
               </a:rPr>
-              <a:t> 내용물이 들어올 때마다 해당 작업을 처리한 후 </a:t>
+              <a:t> 내용물이 </a:t>
+            </a:r>
+            <a:r>
+              <a:rPr lang="ko-KR" altLang="en-US" sz="2800" smtClean="0">
+                <a:solidFill>
+                  <a:schemeClr val="bg1"/>
+                </a:solidFill>
+                <a:latin typeface="소야논8" panose="02020603020101020101" pitchFamily="18" charset="-127"/>
+                <a:ea typeface="소야논8" panose="02020603020101020101" pitchFamily="18" charset="-127"/>
+              </a:rPr>
+              <a:t>들어올 </a:t>
+            </a:r>
+            <a:r>
+              <a:rPr lang="ko-KR" altLang="en-US" sz="2800" smtClean="0">
+                <a:solidFill>
+                  <a:schemeClr val="bg1"/>
+                </a:solidFill>
+                <a:latin typeface="소야논8" panose="02020603020101020101" pitchFamily="18" charset="-127"/>
+                <a:ea typeface="소야논8" panose="02020603020101020101" pitchFamily="18" charset="-127"/>
+              </a:rPr>
+              <a:t>때마다</a:t>
+            </a:r>
+            <a:r>
+              <a:rPr lang="en-US" altLang="ko-KR" sz="2800" smtClean="0">
+                <a:solidFill>
+                  <a:schemeClr val="bg1"/>
+                </a:solidFill>
+                <a:latin typeface="소야논8" panose="02020603020101020101" pitchFamily="18" charset="-127"/>
+                <a:ea typeface="소야논8" panose="02020603020101020101" pitchFamily="18" charset="-127"/>
+              </a:rPr>
+              <a:t>(</a:t>
+            </a:r>
+            <a:r>
+              <a:rPr lang="en-US" altLang="ko-KR" sz="2800" smtClean="0">
+                <a:solidFill>
+                  <a:schemeClr val="bg1"/>
+                </a:solidFill>
+                <a:latin typeface="소야논8" panose="02020603020101020101" pitchFamily="18" charset="-127"/>
+                <a:ea typeface="소야논8" panose="02020603020101020101" pitchFamily="18" charset="-127"/>
+              </a:rPr>
+              <a:t>SetEvent)</a:t>
+            </a:r>
+            <a:r>
+              <a:rPr lang="ko-KR" altLang="en-US" sz="2800" smtClean="0">
+                <a:solidFill>
+                  <a:schemeClr val="bg1"/>
+                </a:solidFill>
+                <a:latin typeface="소야논8" panose="02020603020101020101" pitchFamily="18" charset="-127"/>
+                <a:ea typeface="소야논8" panose="02020603020101020101" pitchFamily="18" charset="-127"/>
+              </a:rPr>
+              <a:t> </a:t>
+            </a:r>
+            <a:r>
+              <a:rPr lang="ko-KR" altLang="en-US" sz="2800" dirty="0" smtClean="0">
+                <a:solidFill>
+                  <a:schemeClr val="bg1"/>
+                </a:solidFill>
+                <a:latin typeface="소야논8" panose="02020603020101020101" pitchFamily="18" charset="-127"/>
+                <a:ea typeface="소야논8" panose="02020603020101020101" pitchFamily="18" charset="-127"/>
+              </a:rPr>
+              <a:t>해당 작업을 처리한 후 </a:t>
             </a:r>
             <a:r>
               <a:rPr lang="en-US" altLang="ko-KR" sz="2800" dirty="0" smtClean="0">
@@ -41642,22 +41702,241 @@
           <a:lstStyle/>
           <a:p>
             <a:r>
-              <a:rPr lang="ko-KR" altLang="en-US" sz="2000" dirty="0" smtClean="0">
+              <a:rPr lang="ko-KR" altLang="en-US" sz="2000" smtClean="0">
                 <a:solidFill>
                   <a:schemeClr val="bg1"/>
                 </a:solidFill>
                 <a:latin typeface="소야논8" panose="02020603020101020101" pitchFamily="18" charset="-127"/>
                 <a:ea typeface="소야논8" panose="02020603020101020101" pitchFamily="18" charset="-127"/>
               </a:rPr>
-              <a:t>구두</a:t>
-            </a:r>
-            <a:endParaRPr lang="en-US" altLang="ko-KR" sz="2000" dirty="0" smtClean="0">
+              <a:t>다른 프로젝트</a:t>
+            </a:r>
+            <a:r>
+              <a:rPr lang="en-US" altLang="ko-KR" sz="2000" smtClean="0">
+                <a:solidFill>
+                  <a:schemeClr val="bg1"/>
+                </a:solidFill>
+                <a:latin typeface="소야논8" panose="02020603020101020101" pitchFamily="18" charset="-127"/>
+                <a:ea typeface="소야논8" panose="02020603020101020101" pitchFamily="18" charset="-127"/>
+              </a:rPr>
+              <a:t>/</a:t>
+            </a:r>
+            <a:r>
+              <a:rPr lang="ko-KR" altLang="en-US" sz="2000" smtClean="0">
+                <a:solidFill>
+                  <a:schemeClr val="bg1"/>
+                </a:solidFill>
+                <a:latin typeface="소야논8" panose="02020603020101020101" pitchFamily="18" charset="-127"/>
+                <a:ea typeface="소야논8" panose="02020603020101020101" pitchFamily="18" charset="-127"/>
+              </a:rPr>
+              <a:t>과제랑 동시에 진행하는 것</a:t>
+            </a:r>
+            <a:endParaRPr lang="en-US" altLang="ko-KR" sz="2000" smtClean="0">
               <a:solidFill>
                 <a:schemeClr val="bg1"/>
               </a:solidFill>
               <a:latin typeface="소야논8" panose="02020603020101020101" pitchFamily="18" charset="-127"/>
               <a:ea typeface="소야논8" panose="02020603020101020101" pitchFamily="18" charset="-127"/>
             </a:endParaRPr>
+          </a:p>
+          <a:p>
+            <a:pPr lvl="1"/>
+            <a:r>
+              <a:rPr lang="ko-KR" altLang="en-US" sz="1600" smtClean="0">
+                <a:solidFill>
+                  <a:schemeClr val="bg1"/>
+                </a:solidFill>
+                <a:latin typeface="소야논8" panose="02020603020101020101" pitchFamily="18" charset="-127"/>
+                <a:ea typeface="소야논8" panose="02020603020101020101" pitchFamily="18" charset="-127"/>
+              </a:rPr>
+              <a:t>제대로 프로젝트를 하려면 너무 일을 크게 벌리면 안될 듯</a:t>
+            </a:r>
+            <a:r>
+              <a:rPr lang="en-US" altLang="ko-KR" sz="1600" smtClean="0">
+                <a:solidFill>
+                  <a:schemeClr val="bg1"/>
+                </a:solidFill>
+                <a:latin typeface="소야논8" panose="02020603020101020101" pitchFamily="18" charset="-127"/>
+                <a:ea typeface="소야논8" panose="02020603020101020101" pitchFamily="18" charset="-127"/>
+              </a:rPr>
+              <a:t>..</a:t>
+            </a:r>
+          </a:p>
+          <a:p>
+            <a:pPr lvl="1"/>
+            <a:endParaRPr lang="en-US" altLang="ko-KR" sz="1600">
+              <a:solidFill>
+                <a:schemeClr val="bg1"/>
+              </a:solidFill>
+              <a:latin typeface="소야논8" panose="02020603020101020101" pitchFamily="18" charset="-127"/>
+              <a:ea typeface="소야논8" panose="02020603020101020101" pitchFamily="18" charset="-127"/>
+            </a:endParaRPr>
+          </a:p>
+          <a:p>
+            <a:r>
+              <a:rPr lang="ko-KR" altLang="en-US" sz="2000" smtClean="0">
+                <a:solidFill>
+                  <a:schemeClr val="bg1"/>
+                </a:solidFill>
+                <a:latin typeface="소야논8" panose="02020603020101020101" pitchFamily="18" charset="-127"/>
+                <a:ea typeface="소야논8" panose="02020603020101020101" pitchFamily="18" charset="-127"/>
+              </a:rPr>
+              <a:t>코드 마음에 들게 짜는게 어려움</a:t>
+            </a:r>
+            <a:endParaRPr lang="en-US" altLang="ko-KR" sz="2000" smtClean="0">
+              <a:solidFill>
+                <a:schemeClr val="bg1"/>
+              </a:solidFill>
+              <a:latin typeface="소야논8" panose="02020603020101020101" pitchFamily="18" charset="-127"/>
+              <a:ea typeface="소야논8" panose="02020603020101020101" pitchFamily="18" charset="-127"/>
+            </a:endParaRPr>
+          </a:p>
+          <a:p>
+            <a:pPr lvl="1"/>
+            <a:r>
+              <a:rPr lang="ko-KR" altLang="en-US" sz="1600" smtClean="0">
+                <a:solidFill>
+                  <a:schemeClr val="bg1"/>
+                </a:solidFill>
+                <a:latin typeface="소야논8" panose="02020603020101020101" pitchFamily="18" charset="-127"/>
+                <a:ea typeface="소야논8" panose="02020603020101020101" pitchFamily="18" charset="-127"/>
+              </a:rPr>
+              <a:t>시간이 부족하고</a:t>
+            </a:r>
+            <a:r>
+              <a:rPr lang="en-US" altLang="ko-KR" sz="1600" smtClean="0">
+                <a:solidFill>
+                  <a:schemeClr val="bg1"/>
+                </a:solidFill>
+                <a:latin typeface="소야논8" panose="02020603020101020101" pitchFamily="18" charset="-127"/>
+                <a:ea typeface="소야논8" panose="02020603020101020101" pitchFamily="18" charset="-127"/>
+              </a:rPr>
+              <a:t>.. </a:t>
+            </a:r>
+            <a:r>
+              <a:rPr lang="ko-KR" altLang="en-US" sz="1600" smtClean="0">
+                <a:solidFill>
+                  <a:schemeClr val="bg1"/>
+                </a:solidFill>
+                <a:latin typeface="소야논8" panose="02020603020101020101" pitchFamily="18" charset="-127"/>
+                <a:ea typeface="소야논8" panose="02020603020101020101" pitchFamily="18" charset="-127"/>
+              </a:rPr>
+              <a:t>피곤하고</a:t>
+            </a:r>
+            <a:r>
+              <a:rPr lang="en-US" altLang="ko-KR" sz="1600" smtClean="0">
+                <a:solidFill>
+                  <a:schemeClr val="bg1"/>
+                </a:solidFill>
+                <a:latin typeface="소야논8" panose="02020603020101020101" pitchFamily="18" charset="-127"/>
+                <a:ea typeface="소야논8" panose="02020603020101020101" pitchFamily="18" charset="-127"/>
+              </a:rPr>
+              <a:t>.. </a:t>
+            </a:r>
+            <a:r>
+              <a:rPr lang="ko-KR" altLang="en-US" sz="1600" smtClean="0">
+                <a:solidFill>
+                  <a:schemeClr val="bg1"/>
+                </a:solidFill>
+                <a:latin typeface="소야논8" panose="02020603020101020101" pitchFamily="18" charset="-127"/>
+                <a:ea typeface="소야논8" panose="02020603020101020101" pitchFamily="18" charset="-127"/>
+              </a:rPr>
+              <a:t>코딩하면서 빚이 늘어남</a:t>
+            </a:r>
+            <a:r>
+              <a:rPr lang="en-US" altLang="ko-KR" sz="1600" smtClean="0">
+                <a:solidFill>
+                  <a:schemeClr val="bg1"/>
+                </a:solidFill>
+                <a:latin typeface="소야논8" panose="02020603020101020101" pitchFamily="18" charset="-127"/>
+                <a:ea typeface="소야논8" panose="02020603020101020101" pitchFamily="18" charset="-127"/>
+              </a:rPr>
+              <a:t>..</a:t>
+            </a:r>
+          </a:p>
+          <a:p>
+            <a:pPr lvl="1"/>
+            <a:endParaRPr lang="en-US" altLang="ko-KR" sz="1600">
+              <a:solidFill>
+                <a:schemeClr val="bg1"/>
+              </a:solidFill>
+              <a:latin typeface="소야논8" panose="02020603020101020101" pitchFamily="18" charset="-127"/>
+              <a:ea typeface="소야논8" panose="02020603020101020101" pitchFamily="18" charset="-127"/>
+            </a:endParaRPr>
+          </a:p>
+          <a:p>
+            <a:r>
+              <a:rPr lang="ko-KR" altLang="en-US" sz="2000" smtClean="0">
+                <a:solidFill>
+                  <a:schemeClr val="bg1"/>
+                </a:solidFill>
+                <a:latin typeface="소야논8" panose="02020603020101020101" pitchFamily="18" charset="-127"/>
+                <a:ea typeface="소야논8" panose="02020603020101020101" pitchFamily="18" charset="-127"/>
+              </a:rPr>
+              <a:t>멀티 스레드 프로그래밍</a:t>
+            </a:r>
+            <a:endParaRPr lang="en-US" altLang="ko-KR" sz="2000" smtClean="0">
+              <a:solidFill>
+                <a:schemeClr val="bg1"/>
+              </a:solidFill>
+              <a:latin typeface="소야논8" panose="02020603020101020101" pitchFamily="18" charset="-127"/>
+              <a:ea typeface="소야논8" panose="02020603020101020101" pitchFamily="18" charset="-127"/>
+            </a:endParaRPr>
+          </a:p>
+          <a:p>
+            <a:pPr lvl="1"/>
+            <a:r>
+              <a:rPr lang="ko-KR" altLang="en-US" sz="1600" smtClean="0">
+                <a:solidFill>
+                  <a:schemeClr val="bg1"/>
+                </a:solidFill>
+                <a:latin typeface="소야논8" panose="02020603020101020101" pitchFamily="18" charset="-127"/>
+                <a:ea typeface="소야논8" panose="02020603020101020101" pitchFamily="18" charset="-127"/>
+              </a:rPr>
+              <a:t>어려움</a:t>
+            </a:r>
+            <a:r>
+              <a:rPr lang="en-US" altLang="ko-KR" sz="1600" smtClean="0">
+                <a:solidFill>
+                  <a:schemeClr val="bg1"/>
+                </a:solidFill>
+                <a:latin typeface="소야논8" panose="02020603020101020101" pitchFamily="18" charset="-127"/>
+                <a:ea typeface="소야논8" panose="02020603020101020101" pitchFamily="18" charset="-127"/>
+              </a:rPr>
+              <a:t>..</a:t>
+            </a:r>
+          </a:p>
+          <a:p>
+            <a:pPr lvl="1"/>
+            <a:endParaRPr lang="en-US" altLang="ko-KR" sz="1600">
+              <a:solidFill>
+                <a:schemeClr val="bg1"/>
+              </a:solidFill>
+              <a:latin typeface="소야논8" panose="02020603020101020101" pitchFamily="18" charset="-127"/>
+              <a:ea typeface="소야논8" panose="02020603020101020101" pitchFamily="18" charset="-127"/>
+            </a:endParaRPr>
+          </a:p>
+          <a:p>
+            <a:r>
+              <a:rPr lang="ko-KR" altLang="en-US" sz="2000" smtClean="0">
+                <a:solidFill>
+                  <a:schemeClr val="bg1"/>
+                </a:solidFill>
+                <a:latin typeface="소야논8" panose="02020603020101020101" pitchFamily="18" charset="-127"/>
+                <a:ea typeface="소야논8" panose="02020603020101020101" pitchFamily="18" charset="-127"/>
+              </a:rPr>
+              <a:t>밤 새면 힘들어요</a:t>
+            </a:r>
+            <a:r>
+              <a:rPr lang="en-US" altLang="ko-KR" sz="2000" smtClean="0">
+                <a:solidFill>
+                  <a:schemeClr val="bg1"/>
+                </a:solidFill>
+                <a:latin typeface="소야논8" panose="02020603020101020101" pitchFamily="18" charset="-127"/>
+                <a:ea typeface="소야논8" panose="02020603020101020101" pitchFamily="18" charset="-127"/>
+              </a:rPr>
+              <a:t>..</a:t>
+            </a:r>
           </a:p>
         </p:txBody>
       </p:sp>
@@ -41997,16 +42276,147 @@
           <a:lstStyle/>
           <a:p>
             <a:r>
-              <a:rPr lang="ko-KR" altLang="en-US" sz="2400" dirty="0" smtClean="0">
+              <a:rPr lang="ko-KR" altLang="en-US" sz="2400" smtClean="0">
                 <a:solidFill>
                   <a:schemeClr val="bg1"/>
                 </a:solidFill>
                 <a:latin typeface="소야논8" panose="02020603020101020101" pitchFamily="18" charset="-127"/>
                 <a:ea typeface="소야논8" panose="02020603020101020101" pitchFamily="18" charset="-127"/>
               </a:rPr>
-              <a:t>구두</a:t>
-            </a:r>
-            <a:endParaRPr lang="en-US" altLang="ko-KR" sz="2400" dirty="0">
+              <a:t>네트워크 게임을 만드는 것</a:t>
+            </a:r>
+            <a:endParaRPr lang="en-US" altLang="ko-KR" sz="2400" smtClean="0">
+              <a:solidFill>
+                <a:schemeClr val="bg1"/>
+              </a:solidFill>
+              <a:latin typeface="소야논8" panose="02020603020101020101" pitchFamily="18" charset="-127"/>
+              <a:ea typeface="소야논8" panose="02020603020101020101" pitchFamily="18" charset="-127"/>
+            </a:endParaRPr>
+          </a:p>
+          <a:p>
+            <a:pPr lvl="1"/>
+            <a:r>
+              <a:rPr lang="ko-KR" altLang="en-US" sz="2000" smtClean="0">
+                <a:solidFill>
+                  <a:schemeClr val="bg1"/>
+                </a:solidFill>
+                <a:latin typeface="소야논8" panose="02020603020101020101" pitchFamily="18" charset="-127"/>
+                <a:ea typeface="소야논8" panose="02020603020101020101" pitchFamily="18" charset="-127"/>
+              </a:rPr>
+              <a:t>자체로 좋았음</a:t>
+            </a:r>
+            <a:endParaRPr lang="en-US" altLang="ko-KR" sz="2000" smtClean="0">
+              <a:solidFill>
+                <a:schemeClr val="bg1"/>
+              </a:solidFill>
+              <a:latin typeface="소야논8" panose="02020603020101020101" pitchFamily="18" charset="-127"/>
+              <a:ea typeface="소야논8" panose="02020603020101020101" pitchFamily="18" charset="-127"/>
+            </a:endParaRPr>
+          </a:p>
+          <a:p>
+            <a:pPr lvl="1"/>
+            <a:endParaRPr lang="en-US" altLang="ko-KR" sz="2000">
+              <a:solidFill>
+                <a:schemeClr val="bg1"/>
+              </a:solidFill>
+              <a:latin typeface="소야논8" panose="02020603020101020101" pitchFamily="18" charset="-127"/>
+              <a:ea typeface="소야논8" panose="02020603020101020101" pitchFamily="18" charset="-127"/>
+            </a:endParaRPr>
+          </a:p>
+          <a:p>
+            <a:r>
+              <a:rPr lang="ko-KR" altLang="en-US" sz="2400" smtClean="0">
+                <a:solidFill>
+                  <a:schemeClr val="bg1"/>
+                </a:solidFill>
+                <a:latin typeface="소야논8" panose="02020603020101020101" pitchFamily="18" charset="-127"/>
+                <a:ea typeface="소야논8" panose="02020603020101020101" pitchFamily="18" charset="-127"/>
+              </a:rPr>
+              <a:t>새로운 것들을 많이 해봄</a:t>
+            </a:r>
+            <a:endParaRPr lang="en-US" altLang="ko-KR" sz="2400" smtClean="0">
+              <a:solidFill>
+                <a:schemeClr val="bg1"/>
+              </a:solidFill>
+              <a:latin typeface="소야논8" panose="02020603020101020101" pitchFamily="18" charset="-127"/>
+              <a:ea typeface="소야논8" panose="02020603020101020101" pitchFamily="18" charset="-127"/>
+            </a:endParaRPr>
+          </a:p>
+          <a:p>
+            <a:pPr lvl="1"/>
+            <a:r>
+              <a:rPr lang="ko-KR" altLang="en-US" sz="2000" smtClean="0">
+                <a:solidFill>
+                  <a:schemeClr val="bg1"/>
+                </a:solidFill>
+                <a:latin typeface="소야논8" panose="02020603020101020101" pitchFamily="18" charset="-127"/>
+                <a:ea typeface="소야논8" panose="02020603020101020101" pitchFamily="18" charset="-127"/>
+              </a:rPr>
+              <a:t>멀티 스레딩</a:t>
+            </a:r>
+            <a:r>
+              <a:rPr lang="en-US" altLang="ko-KR" sz="2000" smtClean="0">
+                <a:solidFill>
+                  <a:schemeClr val="bg1"/>
+                </a:solidFill>
+                <a:latin typeface="소야논8" panose="02020603020101020101" pitchFamily="18" charset="-127"/>
+                <a:ea typeface="소야논8" panose="02020603020101020101" pitchFamily="18" charset="-127"/>
+              </a:rPr>
+              <a:t>, </a:t>
+            </a:r>
+            <a:r>
+              <a:rPr lang="en-US" altLang="ko-KR" sz="2000" smtClean="0">
+                <a:solidFill>
+                  <a:schemeClr val="bg1"/>
+                </a:solidFill>
+                <a:latin typeface="소야논8" panose="02020603020101020101" pitchFamily="18" charset="-127"/>
+                <a:ea typeface="소야논8" panose="02020603020101020101" pitchFamily="18" charset="-127"/>
+              </a:rPr>
+              <a:t>ASP.NET </a:t>
+            </a:r>
+            <a:r>
+              <a:rPr lang="ko-KR" altLang="en-US" sz="2000" smtClean="0">
+                <a:solidFill>
+                  <a:schemeClr val="bg1"/>
+                </a:solidFill>
+                <a:latin typeface="소야논8" panose="02020603020101020101" pitchFamily="18" charset="-127"/>
+                <a:ea typeface="소야논8" panose="02020603020101020101" pitchFamily="18" charset="-127"/>
+              </a:rPr>
+              <a:t>등</a:t>
+            </a:r>
+            <a:r>
+              <a:rPr lang="en-US" altLang="ko-KR" sz="2000" smtClean="0">
+                <a:solidFill>
+                  <a:schemeClr val="bg1"/>
+                </a:solidFill>
+                <a:latin typeface="소야논8" panose="02020603020101020101" pitchFamily="18" charset="-127"/>
+                <a:ea typeface="소야논8" panose="02020603020101020101" pitchFamily="18" charset="-127"/>
+              </a:rPr>
+              <a:t>..</a:t>
+            </a:r>
+          </a:p>
+          <a:p>
+            <a:pPr lvl="1"/>
+            <a:endParaRPr lang="en-US" altLang="ko-KR" sz="2000">
+              <a:solidFill>
+                <a:schemeClr val="bg1"/>
+              </a:solidFill>
+              <a:latin typeface="소야논8" panose="02020603020101020101" pitchFamily="18" charset="-127"/>
+              <a:ea typeface="소야논8" panose="02020603020101020101" pitchFamily="18" charset="-127"/>
+            </a:endParaRPr>
+          </a:p>
+          <a:p>
+            <a:r>
+              <a:rPr lang="ko-KR" altLang="en-US" sz="2400" smtClean="0">
+                <a:solidFill>
+                  <a:schemeClr val="bg1"/>
+                </a:solidFill>
+                <a:latin typeface="소야논8" panose="02020603020101020101" pitchFamily="18" charset="-127"/>
+                <a:ea typeface="소야논8" panose="02020603020101020101" pitchFamily="18" charset="-127"/>
+              </a:rPr>
+              <a:t>돌아가는게 신기해서 좋았음</a:t>
+            </a:r>
+            <a:endParaRPr lang="en-US" altLang="ko-KR" sz="2400" smtClean="0">
               <a:solidFill>
                 <a:schemeClr val="bg1"/>
               </a:solidFill>
@@ -42280,28 +42690,46 @@
           <a:p>
             <a:pPr lvl="1"/>
             <a:r>
-              <a:rPr lang="ko-KR" altLang="en-US" sz="2400" dirty="0" smtClean="0">
+              <a:rPr lang="ko-KR" altLang="en-US" sz="2400" smtClean="0">
                 <a:solidFill>
                   <a:schemeClr val="bg1"/>
                 </a:solidFill>
                 <a:latin typeface="소야논8" panose="02020603020101020101" pitchFamily="18" charset="-127"/>
                 <a:ea typeface="소야논8" panose="02020603020101020101" pitchFamily="18" charset="-127"/>
               </a:rPr>
-              <a:t>청사초롱 불 밝혀라</a:t>
-            </a:r>
-            <a:r>
-              <a:rPr lang="en-US" altLang="ko-KR" sz="2400" dirty="0" smtClean="0">
+              <a:t>로그인 서버를 제대로 만들고 싶음</a:t>
+            </a:r>
+            <a:r>
+              <a:rPr lang="en-US" altLang="ko-KR" sz="2400" smtClean="0">
                 <a:solidFill>
                   <a:schemeClr val="bg1"/>
                 </a:solidFill>
                 <a:latin typeface="소야논8" panose="02020603020101020101" pitchFamily="18" charset="-127"/>
                 <a:ea typeface="소야논8" panose="02020603020101020101" pitchFamily="18" charset="-127"/>
               </a:rPr>
-              <a:t>.</a:t>
-            </a:r>
-          </a:p>
-          <a:p>
-            <a:endParaRPr lang="en-US" altLang="ko-KR" sz="2800" dirty="0" smtClean="0">
+              <a:t>. </a:t>
+            </a:r>
+            <a:r>
+              <a:rPr lang="ko-KR" altLang="en-US" sz="2400" smtClean="0">
+                <a:solidFill>
+                  <a:schemeClr val="bg1"/>
+                </a:solidFill>
+                <a:latin typeface="소야논8" panose="02020603020101020101" pitchFamily="18" charset="-127"/>
+                <a:ea typeface="소야논8" panose="02020603020101020101" pitchFamily="18" charset="-127"/>
+              </a:rPr>
+              <a:t>레디스도</a:t>
+            </a:r>
+            <a:r>
+              <a:rPr lang="en-US" altLang="ko-KR" sz="2400" smtClean="0">
+                <a:solidFill>
+                  <a:schemeClr val="bg1"/>
+                </a:solidFill>
+                <a:latin typeface="소야논8" panose="02020603020101020101" pitchFamily="18" charset="-127"/>
+                <a:ea typeface="소야논8" panose="02020603020101020101" pitchFamily="18" charset="-127"/>
+              </a:rPr>
+              <a:t>..</a:t>
+            </a:r>
+            <a:endParaRPr lang="en-US" altLang="ko-KR" sz="2400" dirty="0" smtClean="0">
               <a:solidFill>
                 <a:schemeClr val="bg1"/>
               </a:solidFill>

--- a/서버프로젝트.pptx
+++ b/서버프로젝트.pptx
@@ -54,13 +54,13 @@
   <p:notesSz cx="6858000" cy="9144000"/>
   <p:embeddedFontLst>
     <p:embeddedFont>
-      <p:font typeface="소야논8" panose="020B0600000101010101" charset="-127"/>
+      <p:font typeface="맑은 고딕" panose="020B0503020000020004" pitchFamily="50" charset="-127"/>
       <p:regular r:id="rId44"/>
+      <p:bold r:id="rId45"/>
     </p:embeddedFont>
     <p:embeddedFont>
-      <p:font typeface="맑은 고딕" panose="020B0503020000020004" pitchFamily="50" charset="-127"/>
-      <p:regular r:id="rId45"/>
-      <p:bold r:id="rId46"/>
+      <p:font typeface="소야논8" panose="02020603020101020101" pitchFamily="18" charset="-127"/>
+      <p:regular r:id="rId46"/>
     </p:embeddedFont>
   </p:embeddedFontLst>
   <p:defaultTextStyle>
@@ -160,7 +160,7 @@
   </p:defaultTextStyle>
   <p:extLst>
     <p:ext uri="{EFAFB233-063F-42B5-8137-9DF3F51BA10A}">
-      <p15:sldGuideLst xmlns:p15="http://schemas.microsoft.com/office/powerpoint/2012/main">
+      <p15:sldGuideLst xmlns:p15="http://schemas.microsoft.com/office/powerpoint/2012/main" xmlns="">
         <p15:guide id="1" orient="horz" pos="2160">
           <p15:clr>
             <a:srgbClr val="A4A3A4"/>
@@ -39618,37 +39618,17 @@
                 <a:latin typeface="소야논8" panose="02020603020101020101" pitchFamily="18" charset="-127"/>
                 <a:ea typeface="소야논8" panose="02020603020101020101" pitchFamily="18" charset="-127"/>
               </a:rPr>
-              <a:t>들어올 </a:t>
-            </a:r>
-            <a:r>
-              <a:rPr lang="ko-KR" altLang="en-US" sz="2800" smtClean="0">
+              <a:t>들어올 때마다</a:t>
+            </a:r>
+            <a:r>
+              <a:rPr lang="en-US" altLang="ko-KR" sz="2800" smtClean="0">
                 <a:solidFill>
                   <a:schemeClr val="bg1"/>
                 </a:solidFill>
                 <a:latin typeface="소야논8" panose="02020603020101020101" pitchFamily="18" charset="-127"/>
                 <a:ea typeface="소야논8" panose="02020603020101020101" pitchFamily="18" charset="-127"/>
               </a:rPr>
-              <a:t>때마다</a:t>
-            </a:r>
-            <a:r>
-              <a:rPr lang="en-US" altLang="ko-KR" sz="2800" smtClean="0">
-                <a:solidFill>
-                  <a:schemeClr val="bg1"/>
-                </a:solidFill>
-                <a:latin typeface="소야논8" panose="02020603020101020101" pitchFamily="18" charset="-127"/>
-                <a:ea typeface="소야논8" panose="02020603020101020101" pitchFamily="18" charset="-127"/>
-              </a:rPr>
-              <a:t>(</a:t>
-            </a:r>
-            <a:r>
-              <a:rPr lang="en-US" altLang="ko-KR" sz="2800" smtClean="0">
-                <a:solidFill>
-                  <a:schemeClr val="bg1"/>
-                </a:solidFill>
-                <a:latin typeface="소야논8" panose="02020603020101020101" pitchFamily="18" charset="-127"/>
-                <a:ea typeface="소야논8" panose="02020603020101020101" pitchFamily="18" charset="-127"/>
-              </a:rPr>
-              <a:t>SetEvent)</a:t>
+              <a:t>(SetEvent)</a:t>
             </a:r>
             <a:r>
               <a:rPr lang="ko-KR" altLang="en-US" sz="2800" smtClean="0">
@@ -40127,7 +40107,7 @@
                 <a:latin typeface="소야논8" panose="02020603020101020101" pitchFamily="18" charset="-127"/>
                 <a:ea typeface="소야논8" panose="02020603020101020101" pitchFamily="18" charset="-127"/>
               </a:rPr>
-              <a:t>힘들좋았었던</a:t>
+              <a:t>힘들좋았던</a:t>
             </a:r>
             <a:r>
               <a:rPr lang="ko-KR" altLang="en-US" sz="4800" dirty="0" smtClean="0">
@@ -40137,7 +40117,17 @@
                 <a:latin typeface="소야논8" panose="02020603020101020101" pitchFamily="18" charset="-127"/>
                 <a:ea typeface="소야논8" panose="02020603020101020101" pitchFamily="18" charset="-127"/>
               </a:rPr>
-              <a:t> 점</a:t>
+              <a:t> </a:t>
+            </a:r>
+            <a:r>
+              <a:rPr lang="ko-KR" altLang="en-US" sz="4800" dirty="0" smtClean="0">
+                <a:solidFill>
+                  <a:srgbClr val="E4007F"/>
+                </a:solidFill>
+                <a:latin typeface="소야논8" panose="02020603020101020101" pitchFamily="18" charset="-127"/>
+                <a:ea typeface="소야논8" panose="02020603020101020101" pitchFamily="18" charset="-127"/>
+              </a:rPr>
+              <a:t>점</a:t>
             </a:r>
             <a:endParaRPr lang="ko-KR" altLang="en-US" sz="4800" dirty="0">
               <a:solidFill>
@@ -42362,17 +42352,7 @@
                 <a:latin typeface="소야논8" panose="02020603020101020101" pitchFamily="18" charset="-127"/>
                 <a:ea typeface="소야논8" panose="02020603020101020101" pitchFamily="18" charset="-127"/>
               </a:rPr>
-              <a:t>, </a:t>
-            </a:r>
-            <a:r>
-              <a:rPr lang="en-US" altLang="ko-KR" sz="2000" smtClean="0">
-                <a:solidFill>
-                  <a:schemeClr val="bg1"/>
-                </a:solidFill>
-                <a:latin typeface="소야논8" panose="02020603020101020101" pitchFamily="18" charset="-127"/>
-                <a:ea typeface="소야논8" panose="02020603020101020101" pitchFamily="18" charset="-127"/>
-              </a:rPr>
-              <a:t>ASP.NET </a:t>
+              <a:t>, ASP.NET </a:t>
             </a:r>
             <a:r>
               <a:rPr lang="ko-KR" altLang="en-US" sz="2000" smtClean="0">

--- a/서버프로젝트.pptx
+++ b/서버프로젝트.pptx
@@ -160,7 +160,7 @@
   </p:defaultTextStyle>
   <p:extLst>
     <p:ext uri="{EFAFB233-063F-42B5-8137-9DF3F51BA10A}">
-      <p15:sldGuideLst xmlns:p15="http://schemas.microsoft.com/office/powerpoint/2012/main" xmlns="">
+      <p15:sldGuideLst xmlns="" xmlns:p15="http://schemas.microsoft.com/office/powerpoint/2012/main">
         <p15:guide id="1" orient="horz" pos="2160">
           <p15:clr>
             <a:srgbClr val="A4A3A4"/>
@@ -40117,17 +40117,7 @@
                 <a:latin typeface="소야논8" panose="02020603020101020101" pitchFamily="18" charset="-127"/>
                 <a:ea typeface="소야논8" panose="02020603020101020101" pitchFamily="18" charset="-127"/>
               </a:rPr>
-              <a:t> </a:t>
-            </a:r>
-            <a:r>
-              <a:rPr lang="ko-KR" altLang="en-US" sz="4800" dirty="0" smtClean="0">
-                <a:solidFill>
-                  <a:srgbClr val="E4007F"/>
-                </a:solidFill>
-                <a:latin typeface="소야논8" panose="02020603020101020101" pitchFamily="18" charset="-127"/>
-                <a:ea typeface="소야논8" panose="02020603020101020101" pitchFamily="18" charset="-127"/>
-              </a:rPr>
-              <a:t>점</a:t>
+              <a:t> 점</a:t>
             </a:r>
             <a:endParaRPr lang="ko-KR" altLang="en-US" sz="4800" dirty="0">
               <a:solidFill>
@@ -40244,7 +40234,7 @@
         <p:spPr/>
         <p:txBody>
           <a:bodyPr>
-            <a:normAutofit/>
+            <a:normAutofit fontScale="92500" lnSpcReduction="20000"/>
           </a:bodyPr>
           <a:lstStyle/>
           <a:p>
@@ -40289,14 +40279,14 @@
               <a:t>성능이 </a:t>
             </a:r>
             <a:r>
-              <a:rPr lang="ko-KR" altLang="en-US" sz="2400" dirty="0" err="1" smtClean="0">
+              <a:rPr lang="ko-KR" altLang="en-US" sz="2400" dirty="0" smtClean="0">
                 <a:solidFill>
                   <a:schemeClr val="bg1"/>
                 </a:solidFill>
                 <a:latin typeface="소야논8" panose="02020603020101020101" pitchFamily="18" charset="-127"/>
                 <a:ea typeface="소야논8" panose="02020603020101020101" pitchFamily="18" charset="-127"/>
               </a:rPr>
-              <a:t>안나오는데</a:t>
+              <a:t>안 나오는데 </a:t>
             </a:r>
             <a:r>
               <a:rPr lang="ko-KR" altLang="en-US" sz="2400" dirty="0" smtClean="0">
@@ -40306,7 +40296,7 @@
                 <a:latin typeface="소야논8" panose="02020603020101020101" pitchFamily="18" charset="-127"/>
                 <a:ea typeface="소야논8" panose="02020603020101020101" pitchFamily="18" charset="-127"/>
               </a:rPr>
-              <a:t> 이유를 몰라서 고생</a:t>
+              <a:t>이유를 몰라서 고생</a:t>
             </a:r>
             <a:endParaRPr lang="en-US" altLang="ko-KR" sz="2400" dirty="0" smtClean="0">
               <a:solidFill>
@@ -40335,17 +40325,47 @@
                 <a:latin typeface="소야논8" panose="02020603020101020101" pitchFamily="18" charset="-127"/>
                 <a:ea typeface="소야논8" panose="02020603020101020101" pitchFamily="18" charset="-127"/>
               </a:rPr>
-              <a:t>DB, ASP.NET, IOCP </a:t>
-            </a:r>
-            <a:r>
-              <a:rPr lang="ko-KR" altLang="en-US" dirty="0" smtClean="0">
+              <a:t>DB, ASP.NET, </a:t>
+            </a:r>
+            <a:r>
+              <a:rPr lang="en-US" altLang="ko-KR" dirty="0" smtClean="0">
                 <a:solidFill>
                   <a:schemeClr val="bg1"/>
                 </a:solidFill>
                 <a:latin typeface="소야논8" panose="02020603020101020101" pitchFamily="18" charset="-127"/>
                 <a:ea typeface="소야논8" panose="02020603020101020101" pitchFamily="18" charset="-127"/>
               </a:rPr>
-              <a:t>골고루 사용하느라</a:t>
+              <a:t>IOCP </a:t>
+            </a:r>
+            <a:r>
+              <a:rPr lang="ko-KR" altLang="en-US" dirty="0" smtClean="0">
+                <a:solidFill>
+                  <a:schemeClr val="bg1"/>
+                </a:solidFill>
+                <a:latin typeface="소야논8" panose="02020603020101020101" pitchFamily="18" charset="-127"/>
+                <a:ea typeface="소야논8" panose="02020603020101020101" pitchFamily="18" charset="-127"/>
+              </a:rPr>
+              <a:t>처음 써보는 것들이 많아</a:t>
+            </a:r>
+            <a:r>
+              <a:rPr lang="en-US" altLang="ko-KR" dirty="0" smtClean="0">
+                <a:solidFill>
+                  <a:schemeClr val="bg1"/>
+                </a:solidFill>
+                <a:latin typeface="소야논8" panose="02020603020101020101" pitchFamily="18" charset="-127"/>
+                <a:ea typeface="소야논8" panose="02020603020101020101" pitchFamily="18" charset="-127"/>
+              </a:rPr>
+              <a:t> </a:t>
+            </a:r>
+            <a:r>
+              <a:rPr lang="ko-KR" altLang="en-US" dirty="0" smtClean="0">
+                <a:solidFill>
+                  <a:schemeClr val="bg1"/>
+                </a:solidFill>
+                <a:latin typeface="소야논8" panose="02020603020101020101" pitchFamily="18" charset="-127"/>
+                <a:ea typeface="소야논8" panose="02020603020101020101" pitchFamily="18" charset="-127"/>
+              </a:rPr>
+              <a:t>노력에 비해 생산성이 떨어진 듯</a:t>
             </a:r>
             <a:r>
               <a:rPr lang="en-US" altLang="ko-KR" dirty="0" smtClean="0">
@@ -40379,14 +40399,14 @@
               <a:t>미리 좀 </a:t>
             </a:r>
             <a:r>
-              <a:rPr lang="ko-KR" altLang="en-US" dirty="0" err="1" smtClean="0">
+              <a:rPr lang="ko-KR" altLang="en-US" dirty="0" smtClean="0">
                 <a:solidFill>
                   <a:schemeClr val="bg1"/>
                 </a:solidFill>
                 <a:latin typeface="소야논8" panose="02020603020101020101" pitchFamily="18" charset="-127"/>
                 <a:ea typeface="소야논8" panose="02020603020101020101" pitchFamily="18" charset="-127"/>
               </a:rPr>
-              <a:t>할껄</a:t>
+              <a:t>할걸</a:t>
             </a:r>
             <a:endParaRPr lang="en-US" altLang="ko-KR" dirty="0" smtClean="0">
               <a:solidFill>
@@ -40399,7 +40419,7 @@
           <a:p>
             <a:pPr lvl="1"/>
             <a:r>
-              <a:rPr lang="ko-KR" altLang="en-US" dirty="0" smtClean="0">
+              <a:rPr lang="ko-KR" altLang="en-US" sz="2600" dirty="0" smtClean="0">
                 <a:solidFill>
                   <a:schemeClr val="bg1"/>
                 </a:solidFill>
@@ -40409,17 +40429,17 @@
               <a:t>지금이 제일 </a:t>
             </a:r>
             <a:r>
-              <a:rPr lang="ko-KR" altLang="en-US" dirty="0" err="1" smtClean="0">
+              <a:rPr lang="ko-KR" altLang="en-US" sz="2600" dirty="0" smtClean="0">
                 <a:solidFill>
                   <a:schemeClr val="bg1"/>
                 </a:solidFill>
                 <a:latin typeface="소야논8" panose="02020603020101020101" pitchFamily="18" charset="-127"/>
                 <a:ea typeface="소야논8" panose="02020603020101020101" pitchFamily="18" charset="-127"/>
               </a:rPr>
-              <a:t>힘듬</a:t>
-            </a:r>
-            <a:r>
-              <a:rPr lang="en-US" altLang="ko-KR" dirty="0" smtClean="0">
+              <a:t>힘듦</a:t>
+            </a:r>
+            <a:r>
+              <a:rPr lang="en-US" altLang="ko-KR" sz="2600" dirty="0" smtClean="0">
                 <a:solidFill>
                   <a:schemeClr val="bg1"/>
                 </a:solidFill>
@@ -40429,7 +40449,7 @@
               <a:t>. </a:t>
             </a:r>
             <a:r>
-              <a:rPr lang="ko-KR" altLang="en-US" dirty="0" smtClean="0">
+              <a:rPr lang="ko-KR" altLang="en-US" sz="2600" dirty="0" smtClean="0">
                 <a:solidFill>
                   <a:schemeClr val="bg1"/>
                 </a:solidFill>
@@ -40439,7 +40459,7 @@
               <a:t>졸려</a:t>
             </a:r>
             <a:r>
-              <a:rPr lang="en-US" altLang="ko-KR" dirty="0" smtClean="0">
+              <a:rPr lang="en-US" altLang="ko-KR" sz="2600" dirty="0" smtClean="0">
                 <a:solidFill>
                   <a:schemeClr val="bg1"/>
                 </a:solidFill>
@@ -40448,6 +40468,104 @@
               </a:rPr>
               <a:t>…</a:t>
             </a:r>
+            <a:endParaRPr lang="en-US" altLang="ko-KR" sz="2600" dirty="0">
+              <a:solidFill>
+                <a:schemeClr val="bg1"/>
+              </a:solidFill>
+              <a:latin typeface="소야논8" panose="02020603020101020101" pitchFamily="18" charset="-127"/>
+              <a:ea typeface="소야논8" panose="02020603020101020101" pitchFamily="18" charset="-127"/>
+            </a:endParaRPr>
+          </a:p>
+          <a:p>
+            <a:endParaRPr lang="en-US" altLang="ko-KR" dirty="0" smtClean="0">
+              <a:solidFill>
+                <a:schemeClr val="bg1"/>
+              </a:solidFill>
+              <a:latin typeface="소야논8" panose="02020603020101020101" pitchFamily="18" charset="-127"/>
+              <a:ea typeface="소야논8" panose="02020603020101020101" pitchFamily="18" charset="-127"/>
+            </a:endParaRPr>
+          </a:p>
+          <a:p>
+            <a:r>
+              <a:rPr lang="ko-KR" altLang="en-US" dirty="0" smtClean="0">
+                <a:solidFill>
+                  <a:schemeClr val="bg1"/>
+                </a:solidFill>
+                <a:latin typeface="소야논8" panose="02020603020101020101" pitchFamily="18" charset="-127"/>
+                <a:ea typeface="소야논8" panose="02020603020101020101" pitchFamily="18" charset="-127"/>
+              </a:rPr>
+              <a:t>교수님 </a:t>
+            </a:r>
+            <a:r>
+              <a:rPr lang="ko-KR" altLang="en-US" dirty="0" err="1" smtClean="0">
+                <a:solidFill>
+                  <a:schemeClr val="bg1"/>
+                </a:solidFill>
+                <a:latin typeface="소야논8" panose="02020603020101020101" pitchFamily="18" charset="-127"/>
+                <a:ea typeface="소야논8" panose="02020603020101020101" pitchFamily="18" charset="-127"/>
+              </a:rPr>
+              <a:t>ㅠㅠ</a:t>
+            </a:r>
+            <a:r>
+              <a:rPr lang="en-US" altLang="ko-KR" dirty="0" smtClean="0">
+                <a:solidFill>
+                  <a:schemeClr val="bg1"/>
+                </a:solidFill>
+                <a:latin typeface="소야논8" panose="02020603020101020101" pitchFamily="18" charset="-127"/>
+                <a:ea typeface="소야논8" panose="02020603020101020101" pitchFamily="18" charset="-127"/>
+              </a:rPr>
+              <a:t> </a:t>
+            </a:r>
+            <a:r>
+              <a:rPr lang="ko-KR" altLang="en-US" dirty="0" smtClean="0">
+                <a:solidFill>
+                  <a:schemeClr val="bg1"/>
+                </a:solidFill>
+                <a:latin typeface="소야논8" panose="02020603020101020101" pitchFamily="18" charset="-127"/>
+                <a:ea typeface="소야논8" panose="02020603020101020101" pitchFamily="18" charset="-127"/>
+              </a:rPr>
+              <a:t>코드리뷰 좀</a:t>
+            </a:r>
+            <a:r>
+              <a:rPr lang="en-US" altLang="ko-KR" dirty="0" smtClean="0">
+                <a:solidFill>
+                  <a:schemeClr val="bg1"/>
+                </a:solidFill>
+                <a:latin typeface="소야논8" panose="02020603020101020101" pitchFamily="18" charset="-127"/>
+                <a:ea typeface="소야논8" panose="02020603020101020101" pitchFamily="18" charset="-127"/>
+              </a:rPr>
+              <a:t>,</a:t>
+            </a:r>
+          </a:p>
+          <a:p>
+            <a:pPr lvl="1"/>
+            <a:r>
+              <a:rPr lang="ko-KR" altLang="en-US" sz="2600" dirty="0" smtClean="0">
+                <a:solidFill>
+                  <a:schemeClr val="bg1"/>
+                </a:solidFill>
+                <a:latin typeface="소야논8" panose="02020603020101020101" pitchFamily="18" charset="-127"/>
+                <a:ea typeface="소야논8" panose="02020603020101020101" pitchFamily="18" charset="-127"/>
+              </a:rPr>
+              <a:t>지금 짜고 있는 패턴이 잘한 건지 못한 건지</a:t>
+            </a:r>
+            <a:r>
+              <a:rPr lang="en-US" altLang="ko-KR" sz="2600" dirty="0" smtClean="0">
+                <a:solidFill>
+                  <a:schemeClr val="bg1"/>
+                </a:solidFill>
+                <a:latin typeface="소야논8" panose="02020603020101020101" pitchFamily="18" charset="-127"/>
+                <a:ea typeface="소야논8" panose="02020603020101020101" pitchFamily="18" charset="-127"/>
+              </a:rPr>
+              <a:t>…</a:t>
+            </a:r>
+            <a:endParaRPr lang="en-US" altLang="ko-KR" sz="2600" dirty="0" smtClean="0">
+              <a:solidFill>
+                <a:schemeClr val="bg1"/>
+              </a:solidFill>
+              <a:latin typeface="소야논8" panose="02020603020101020101" pitchFamily="18" charset="-127"/>
+              <a:ea typeface="소야논8" panose="02020603020101020101" pitchFamily="18" charset="-127"/>
+            </a:endParaRPr>
           </a:p>
         </p:txBody>
       </p:sp>
@@ -40561,16 +40679,202 @@
           <a:lstStyle/>
           <a:p>
             <a:r>
-              <a:rPr lang="ko-KR" altLang="en-US" sz="2400" dirty="0" smtClean="0">
+              <a:rPr lang="ko-KR" altLang="en-US" sz="2400" dirty="0" err="1" smtClean="0">
                 <a:solidFill>
                   <a:schemeClr val="bg1"/>
                 </a:solidFill>
                 <a:latin typeface="소야논8" panose="02020603020101020101" pitchFamily="18" charset="-127"/>
                 <a:ea typeface="소야논8" panose="02020603020101020101" pitchFamily="18" charset="-127"/>
               </a:rPr>
-              <a:t>구두</a:t>
-            </a:r>
+              <a:t>리팩토링</a:t>
+            </a:r>
+            <a:endParaRPr lang="en-US" altLang="ko-KR" sz="2400" dirty="0" smtClean="0">
+              <a:solidFill>
+                <a:schemeClr val="bg1"/>
+              </a:solidFill>
+              <a:latin typeface="소야논8" panose="02020603020101020101" pitchFamily="18" charset="-127"/>
+              <a:ea typeface="소야논8" panose="02020603020101020101" pitchFamily="18" charset="-127"/>
+            </a:endParaRPr>
+          </a:p>
+          <a:p>
+            <a:pPr lvl="1"/>
+            <a:r>
+              <a:rPr lang="ko-KR" altLang="en-US" sz="2000" dirty="0" smtClean="0">
+                <a:solidFill>
+                  <a:schemeClr val="bg1"/>
+                </a:solidFill>
+                <a:latin typeface="소야논8" panose="02020603020101020101" pitchFamily="18" charset="-127"/>
+                <a:ea typeface="소야논8" panose="02020603020101020101" pitchFamily="18" charset="-127"/>
+              </a:rPr>
+              <a:t>내 맘대로 해도 팀원들이 잘 받아줌</a:t>
+            </a:r>
+            <a:endParaRPr lang="en-US" altLang="ko-KR" sz="2000" dirty="0" smtClean="0">
+              <a:solidFill>
+                <a:schemeClr val="bg1"/>
+              </a:solidFill>
+              <a:latin typeface="소야논8" panose="02020603020101020101" pitchFamily="18" charset="-127"/>
+              <a:ea typeface="소야논8" panose="02020603020101020101" pitchFamily="18" charset="-127"/>
+            </a:endParaRPr>
+          </a:p>
+          <a:p>
+            <a:endParaRPr lang="en-US" altLang="ko-KR" sz="2400" dirty="0" smtClean="0">
+              <a:solidFill>
+                <a:schemeClr val="bg1"/>
+              </a:solidFill>
+              <a:latin typeface="소야논8" panose="02020603020101020101" pitchFamily="18" charset="-127"/>
+              <a:ea typeface="소야논8" panose="02020603020101020101" pitchFamily="18" charset="-127"/>
+            </a:endParaRPr>
+          </a:p>
+          <a:p>
+            <a:r>
+              <a:rPr lang="ko-KR" altLang="en-US" sz="2400" dirty="0" err="1" smtClean="0">
+                <a:solidFill>
+                  <a:schemeClr val="bg1"/>
+                </a:solidFill>
+                <a:latin typeface="소야논8" panose="02020603020101020101" pitchFamily="18" charset="-127"/>
+                <a:ea typeface="소야논8" panose="02020603020101020101" pitchFamily="18" charset="-127"/>
+              </a:rPr>
+              <a:t>멀티스레드</a:t>
+            </a:r>
+            <a:endParaRPr lang="en-US" altLang="ko-KR" sz="2400" dirty="0" smtClean="0">
+              <a:solidFill>
+                <a:schemeClr val="bg1"/>
+              </a:solidFill>
+              <a:latin typeface="소야논8" panose="02020603020101020101" pitchFamily="18" charset="-127"/>
+              <a:ea typeface="소야논8" panose="02020603020101020101" pitchFamily="18" charset="-127"/>
+            </a:endParaRPr>
+          </a:p>
+          <a:p>
+            <a:pPr lvl="1"/>
+            <a:r>
+              <a:rPr lang="ko-KR" altLang="en-US" sz="2000" dirty="0" err="1" smtClean="0">
+                <a:solidFill>
+                  <a:schemeClr val="bg1"/>
+                </a:solidFill>
+                <a:latin typeface="소야논8" panose="02020603020101020101" pitchFamily="18" charset="-127"/>
+                <a:ea typeface="소야논8" panose="02020603020101020101" pitchFamily="18" charset="-127"/>
+              </a:rPr>
+              <a:t>하다보니</a:t>
+            </a:r>
+            <a:r>
+              <a:rPr lang="ko-KR" altLang="en-US" sz="2000" dirty="0" smtClean="0">
+                <a:solidFill>
+                  <a:schemeClr val="bg1"/>
+                </a:solidFill>
+                <a:latin typeface="소야논8" panose="02020603020101020101" pitchFamily="18" charset="-127"/>
+                <a:ea typeface="소야논8" panose="02020603020101020101" pitchFamily="18" charset="-127"/>
+              </a:rPr>
+              <a:t> </a:t>
+            </a:r>
+            <a:r>
+              <a:rPr lang="ko-KR" altLang="en-US" sz="2000" dirty="0" err="1" smtClean="0">
+                <a:solidFill>
+                  <a:schemeClr val="bg1"/>
+                </a:solidFill>
+                <a:latin typeface="소야논8" panose="02020603020101020101" pitchFamily="18" charset="-127"/>
+                <a:ea typeface="소야논8" panose="02020603020101020101" pitchFamily="18" charset="-127"/>
+              </a:rPr>
+              <a:t>재밌음</a:t>
+            </a:r>
+            <a:endParaRPr lang="en-US" altLang="ko-KR" sz="2000" dirty="0" smtClean="0">
+              <a:solidFill>
+                <a:schemeClr val="bg1"/>
+              </a:solidFill>
+              <a:latin typeface="소야논8" panose="02020603020101020101" pitchFamily="18" charset="-127"/>
+              <a:ea typeface="소야논8" panose="02020603020101020101" pitchFamily="18" charset="-127"/>
+            </a:endParaRPr>
+          </a:p>
+          <a:p>
             <a:endParaRPr lang="en-US" altLang="ko-KR" sz="2400" dirty="0">
+              <a:solidFill>
+                <a:schemeClr val="bg1"/>
+              </a:solidFill>
+              <a:latin typeface="소야논8" panose="02020603020101020101" pitchFamily="18" charset="-127"/>
+              <a:ea typeface="소야논8" panose="02020603020101020101" pitchFamily="18" charset="-127"/>
+            </a:endParaRPr>
+          </a:p>
+          <a:p>
+            <a:r>
+              <a:rPr lang="ko-KR" altLang="en-US" sz="2400" dirty="0" smtClean="0">
+                <a:solidFill>
+                  <a:schemeClr val="bg1"/>
+                </a:solidFill>
+                <a:latin typeface="소야논8" panose="02020603020101020101" pitchFamily="18" charset="-127"/>
+                <a:ea typeface="소야논8" panose="02020603020101020101" pitchFamily="18" charset="-127"/>
+              </a:rPr>
+              <a:t>추상적인 설계</a:t>
+            </a:r>
+            <a:endParaRPr lang="en-US" altLang="ko-KR" sz="2400" dirty="0" smtClean="0">
+              <a:solidFill>
+                <a:schemeClr val="bg1"/>
+              </a:solidFill>
+              <a:latin typeface="소야논8" panose="02020603020101020101" pitchFamily="18" charset="-127"/>
+              <a:ea typeface="소야논8" panose="02020603020101020101" pitchFamily="18" charset="-127"/>
+            </a:endParaRPr>
+          </a:p>
+          <a:p>
+            <a:pPr lvl="1"/>
+            <a:r>
+              <a:rPr lang="en-US" altLang="ko-KR" sz="2000" dirty="0" err="1" smtClean="0">
+                <a:solidFill>
+                  <a:schemeClr val="bg1"/>
+                </a:solidFill>
+                <a:latin typeface="소야논8" panose="02020603020101020101" pitchFamily="18" charset="-127"/>
+                <a:ea typeface="소야논8" panose="02020603020101020101" pitchFamily="18" charset="-127"/>
+              </a:rPr>
+              <a:t>Proactor</a:t>
+            </a:r>
+            <a:endParaRPr lang="en-US" altLang="ko-KR" sz="2000" dirty="0" smtClean="0">
+              <a:solidFill>
+                <a:schemeClr val="bg1"/>
+              </a:solidFill>
+              <a:latin typeface="소야논8" panose="02020603020101020101" pitchFamily="18" charset="-127"/>
+              <a:ea typeface="소야논8" panose="02020603020101020101" pitchFamily="18" charset="-127"/>
+            </a:endParaRPr>
+          </a:p>
+          <a:p>
+            <a:pPr lvl="1"/>
+            <a:r>
+              <a:rPr lang="ko-KR" altLang="en-US" sz="2000" dirty="0" smtClean="0">
+                <a:solidFill>
+                  <a:schemeClr val="bg1"/>
+                </a:solidFill>
+                <a:latin typeface="소야논8" panose="02020603020101020101" pitchFamily="18" charset="-127"/>
+                <a:ea typeface="소야논8" panose="02020603020101020101" pitchFamily="18" charset="-127"/>
+              </a:rPr>
+              <a:t>생각한대로 된다고</a:t>
+            </a:r>
+            <a:r>
+              <a:rPr lang="en-US" altLang="ko-KR" sz="2000" dirty="0" smtClean="0">
+                <a:solidFill>
+                  <a:schemeClr val="bg1"/>
+                </a:solidFill>
+                <a:latin typeface="소야논8" panose="02020603020101020101" pitchFamily="18" charset="-127"/>
+                <a:ea typeface="소야논8" panose="02020603020101020101" pitchFamily="18" charset="-127"/>
+              </a:rPr>
+              <a:t>? </a:t>
+            </a:r>
+            <a:r>
+              <a:rPr lang="ko-KR" altLang="en-US" sz="2000" dirty="0" smtClean="0">
+                <a:solidFill>
+                  <a:schemeClr val="bg1"/>
+                </a:solidFill>
+                <a:latin typeface="소야논8" panose="02020603020101020101" pitchFamily="18" charset="-127"/>
+                <a:ea typeface="소야논8" panose="02020603020101020101" pitchFamily="18" charset="-127"/>
+              </a:rPr>
+              <a:t>신기하네</a:t>
+            </a:r>
+            <a:r>
+              <a:rPr lang="en-US" altLang="ko-KR" sz="2000" dirty="0" smtClean="0">
+                <a:solidFill>
+                  <a:schemeClr val="bg1"/>
+                </a:solidFill>
+                <a:latin typeface="소야논8" panose="02020603020101020101" pitchFamily="18" charset="-127"/>
+                <a:ea typeface="소야논8" panose="02020603020101020101" pitchFamily="18" charset="-127"/>
+              </a:rPr>
+              <a:t>…</a:t>
+            </a:r>
+            <a:endParaRPr lang="en-US" altLang="ko-KR" sz="2000" dirty="0">
               <a:solidFill>
                 <a:schemeClr val="bg1"/>
               </a:solidFill>
@@ -42567,6 +42871,36 @@
             </a:r>
           </a:p>
           <a:p>
+            <a:pPr lvl="1"/>
+            <a:r>
+              <a:rPr lang="ko-KR" altLang="en-US" sz="2400" dirty="0" smtClean="0">
+                <a:solidFill>
+                  <a:schemeClr val="bg1"/>
+                </a:solidFill>
+                <a:latin typeface="소야논8" panose="02020603020101020101" pitchFamily="18" charset="-127"/>
+                <a:ea typeface="소야논8" panose="02020603020101020101" pitchFamily="18" charset="-127"/>
+              </a:rPr>
+              <a:t>감정표현 추가 해서 발표해야지</a:t>
+            </a:r>
+            <a:r>
+              <a:rPr lang="en-US" altLang="ko-KR" sz="2400" dirty="0" smtClean="0">
+                <a:solidFill>
+                  <a:schemeClr val="bg1"/>
+                </a:solidFill>
+                <a:latin typeface="소야논8" panose="02020603020101020101" pitchFamily="18" charset="-127"/>
+                <a:ea typeface="소야논8" panose="02020603020101020101" pitchFamily="18" charset="-127"/>
+              </a:rPr>
+              <a:t>…</a:t>
+            </a:r>
+            <a:endParaRPr lang="en-US" altLang="ko-KR" sz="2400" dirty="0" smtClean="0">
+              <a:solidFill>
+                <a:schemeClr val="bg1"/>
+              </a:solidFill>
+              <a:latin typeface="소야논8" panose="02020603020101020101" pitchFamily="18" charset="-127"/>
+              <a:ea typeface="소야논8" panose="02020603020101020101" pitchFamily="18" charset="-127"/>
+            </a:endParaRPr>
+          </a:p>
+          <a:p>
             <a:r>
               <a:rPr lang="ko-KR" altLang="en-US" dirty="0" smtClean="0">
                 <a:solidFill>
@@ -42670,7 +43004,7 @@
           <a:p>
             <a:pPr lvl="1"/>
             <a:r>
-              <a:rPr lang="ko-KR" altLang="en-US" sz="2400" smtClean="0">
+              <a:rPr lang="ko-KR" altLang="en-US" sz="2400" dirty="0" smtClean="0">
                 <a:solidFill>
                   <a:schemeClr val="bg1"/>
                 </a:solidFill>
@@ -42680,7 +43014,7 @@
               <a:t>로그인 서버를 제대로 만들고 싶음</a:t>
             </a:r>
             <a:r>
-              <a:rPr lang="en-US" altLang="ko-KR" sz="2400" smtClean="0">
+              <a:rPr lang="en-US" altLang="ko-KR" sz="2400" dirty="0" smtClean="0">
                 <a:solidFill>
                   <a:schemeClr val="bg1"/>
                 </a:solidFill>
@@ -42690,7 +43024,7 @@
               <a:t>. </a:t>
             </a:r>
             <a:r>
-              <a:rPr lang="ko-KR" altLang="en-US" sz="2400" smtClean="0">
+              <a:rPr lang="ko-KR" altLang="en-US" sz="2400" dirty="0" err="1" smtClean="0">
                 <a:solidFill>
                   <a:schemeClr val="bg1"/>
                 </a:solidFill>
@@ -42700,7 +43034,7 @@
               <a:t>레디스도</a:t>
             </a:r>
             <a:r>
-              <a:rPr lang="en-US" altLang="ko-KR" sz="2400" smtClean="0">
+              <a:rPr lang="en-US" altLang="ko-KR" sz="2400" dirty="0" smtClean="0">
                 <a:solidFill>
                   <a:schemeClr val="bg1"/>
                 </a:solidFill>
@@ -42709,13 +43043,6 @@
               </a:rPr>
               <a:t>..</a:t>
             </a:r>
-            <a:endParaRPr lang="en-US" altLang="ko-KR" sz="2400" dirty="0" smtClean="0">
-              <a:solidFill>
-                <a:schemeClr val="bg1"/>
-              </a:solidFill>
-              <a:latin typeface="소야논8" panose="02020603020101020101" pitchFamily="18" charset="-127"/>
-              <a:ea typeface="소야논8" panose="02020603020101020101" pitchFamily="18" charset="-127"/>
-            </a:endParaRPr>
           </a:p>
         </p:txBody>
       </p:sp>

--- a/서버프로젝트.pptx
+++ b/서버프로젝트.pptx
@@ -160,7 +160,7 @@
   </p:defaultTextStyle>
   <p:extLst>
     <p:ext uri="{EFAFB233-063F-42B5-8137-9DF3F51BA10A}">
-      <p15:sldGuideLst xmlns="" xmlns:p15="http://schemas.microsoft.com/office/powerpoint/2012/main">
+      <p15:sldGuideLst xmlns:p15="http://schemas.microsoft.com/office/powerpoint/2012/main" xmlns="">
         <p15:guide id="1" orient="horz" pos="2160">
           <p15:clr>
             <a:srgbClr val="A4A3A4"/>
@@ -34025,6 +34025,16 @@
               </a:rPr>
             </a:br>
             <a:r>
+              <a:rPr lang="en-US" altLang="ko-KR" sz="2400" dirty="0" smtClean="0">
+                <a:solidFill>
+                  <a:srgbClr val="FFFF00"/>
+                </a:solidFill>
+                <a:latin typeface="소야논8" panose="02020603020101020101" pitchFamily="18" charset="-127"/>
+                <a:ea typeface="소야논8" panose="02020603020101020101" pitchFamily="18" charset="-127"/>
+              </a:rPr>
+              <a:t>                </a:t>
+            </a:r>
+            <a:r>
               <a:rPr lang="en-US" altLang="ko-KR" sz="2400" dirty="0" err="1" smtClean="0">
                 <a:solidFill>
                   <a:srgbClr val="A40000"/>
@@ -40276,27 +40286,7 @@
                 <a:latin typeface="소야논8" panose="02020603020101020101" pitchFamily="18" charset="-127"/>
                 <a:ea typeface="소야논8" panose="02020603020101020101" pitchFamily="18" charset="-127"/>
               </a:rPr>
-              <a:t>성능이 </a:t>
-            </a:r>
-            <a:r>
-              <a:rPr lang="ko-KR" altLang="en-US" sz="2400" dirty="0" smtClean="0">
-                <a:solidFill>
-                  <a:schemeClr val="bg1"/>
-                </a:solidFill>
-                <a:latin typeface="소야논8" panose="02020603020101020101" pitchFamily="18" charset="-127"/>
-                <a:ea typeface="소야논8" panose="02020603020101020101" pitchFamily="18" charset="-127"/>
-              </a:rPr>
-              <a:t>안 나오는데 </a:t>
-            </a:r>
-            <a:r>
-              <a:rPr lang="ko-KR" altLang="en-US" sz="2400" dirty="0" smtClean="0">
-                <a:solidFill>
-                  <a:schemeClr val="bg1"/>
-                </a:solidFill>
-                <a:latin typeface="소야논8" panose="02020603020101020101" pitchFamily="18" charset="-127"/>
-                <a:ea typeface="소야논8" panose="02020603020101020101" pitchFamily="18" charset="-127"/>
-              </a:rPr>
-              <a:t>이유를 몰라서 고생</a:t>
+              <a:t>성능이 안 나오는데 이유를 몰라서 고생</a:t>
             </a:r>
             <a:endParaRPr lang="en-US" altLang="ko-KR" sz="2400" dirty="0" smtClean="0">
               <a:solidFill>
@@ -40325,17 +40315,7 @@
                 <a:latin typeface="소야논8" panose="02020603020101020101" pitchFamily="18" charset="-127"/>
                 <a:ea typeface="소야논8" panose="02020603020101020101" pitchFamily="18" charset="-127"/>
               </a:rPr>
-              <a:t>DB, ASP.NET, </a:t>
-            </a:r>
-            <a:r>
-              <a:rPr lang="en-US" altLang="ko-KR" dirty="0" smtClean="0">
-                <a:solidFill>
-                  <a:schemeClr val="bg1"/>
-                </a:solidFill>
-                <a:latin typeface="소야논8" panose="02020603020101020101" pitchFamily="18" charset="-127"/>
-                <a:ea typeface="소야논8" panose="02020603020101020101" pitchFamily="18" charset="-127"/>
-              </a:rPr>
-              <a:t>IOCP </a:t>
+              <a:t>DB, ASP.NET, IOCP </a:t>
             </a:r>
             <a:r>
               <a:rPr lang="ko-KR" altLang="en-US" dirty="0" smtClean="0">
@@ -40396,17 +40376,7 @@
                 <a:latin typeface="소야논8" panose="02020603020101020101" pitchFamily="18" charset="-127"/>
                 <a:ea typeface="소야논8" panose="02020603020101020101" pitchFamily="18" charset="-127"/>
               </a:rPr>
-              <a:t>미리 좀 </a:t>
-            </a:r>
-            <a:r>
-              <a:rPr lang="ko-KR" altLang="en-US" dirty="0" smtClean="0">
-                <a:solidFill>
-                  <a:schemeClr val="bg1"/>
-                </a:solidFill>
-                <a:latin typeface="소야논8" panose="02020603020101020101" pitchFamily="18" charset="-127"/>
-                <a:ea typeface="소야논8" panose="02020603020101020101" pitchFamily="18" charset="-127"/>
-              </a:rPr>
-              <a:t>할걸</a:t>
+              <a:t>미리 좀 할걸</a:t>
             </a:r>
             <a:endParaRPr lang="en-US" altLang="ko-KR" dirty="0" smtClean="0">
               <a:solidFill>
@@ -40426,17 +40396,7 @@
                 <a:latin typeface="소야논8" panose="02020603020101020101" pitchFamily="18" charset="-127"/>
                 <a:ea typeface="소야논8" panose="02020603020101020101" pitchFamily="18" charset="-127"/>
               </a:rPr>
-              <a:t>지금이 제일 </a:t>
-            </a:r>
-            <a:r>
-              <a:rPr lang="ko-KR" altLang="en-US" sz="2600" dirty="0" smtClean="0">
-                <a:solidFill>
-                  <a:schemeClr val="bg1"/>
-                </a:solidFill>
-                <a:latin typeface="소야논8" panose="02020603020101020101" pitchFamily="18" charset="-127"/>
-                <a:ea typeface="소야논8" panose="02020603020101020101" pitchFamily="18" charset="-127"/>
-              </a:rPr>
-              <a:t>힘듦</a:t>
+              <a:t>지금이 제일 힘듦</a:t>
             </a:r>
             <a:r>
               <a:rPr lang="en-US" altLang="ko-KR" sz="2600" dirty="0" smtClean="0">
@@ -40559,13 +40519,6 @@
               </a:rPr>
               <a:t>…</a:t>
             </a:r>
-            <a:endParaRPr lang="en-US" altLang="ko-KR" sz="2600" dirty="0" smtClean="0">
-              <a:solidFill>
-                <a:schemeClr val="bg1"/>
-              </a:solidFill>
-              <a:latin typeface="소야논8" panose="02020603020101020101" pitchFamily="18" charset="-127"/>
-              <a:ea typeface="소야논8" panose="02020603020101020101" pitchFamily="18" charset="-127"/>
-            </a:endParaRPr>
           </a:p>
         </p:txBody>
       </p:sp>
@@ -41397,6 +41350,13 @@
               </a:rPr>
               <a:t>.</a:t>
             </a:r>
+            <a:endParaRPr lang="en-US" altLang="ko-KR" sz="2000" dirty="0" smtClean="0">
+              <a:solidFill>
+                <a:schemeClr val="bg1"/>
+              </a:solidFill>
+              <a:latin typeface="소야논8" panose="02020603020101020101" pitchFamily="18" charset="-127"/>
+              <a:ea typeface="소야논8" panose="02020603020101020101" pitchFamily="18" charset="-127"/>
+            </a:endParaRPr>
           </a:p>
           <a:p>
             <a:pPr lvl="1"/>
@@ -42892,13 +42852,6 @@
               </a:rPr>
               <a:t>…</a:t>
             </a:r>
-            <a:endParaRPr lang="en-US" altLang="ko-KR" sz="2400" dirty="0" smtClean="0">
-              <a:solidFill>
-                <a:schemeClr val="bg1"/>
-              </a:solidFill>
-              <a:latin typeface="소야논8" panose="02020603020101020101" pitchFamily="18" charset="-127"/>
-              <a:ea typeface="소야논8" panose="02020603020101020101" pitchFamily="18" charset="-127"/>
-            </a:endParaRPr>
           </a:p>
           <a:p>
             <a:r>

--- a/서버프로젝트.pptx
+++ b/서버프로젝트.pptx
@@ -15,43 +15,54 @@
   <p:sldIdLst>
     <p:sldId id="256" r:id="rId10"/>
     <p:sldId id="281" r:id="rId11"/>
-    <p:sldId id="269" r:id="rId12"/>
-    <p:sldId id="259" r:id="rId13"/>
-    <p:sldId id="280" r:id="rId14"/>
-    <p:sldId id="257" r:id="rId15"/>
-    <p:sldId id="260" r:id="rId16"/>
-    <p:sldId id="261" r:id="rId17"/>
-    <p:sldId id="262" r:id="rId18"/>
-    <p:sldId id="263" r:id="rId19"/>
-    <p:sldId id="282" r:id="rId20"/>
-    <p:sldId id="270" r:id="rId21"/>
-    <p:sldId id="265" r:id="rId22"/>
-    <p:sldId id="264" r:id="rId23"/>
-    <p:sldId id="283" r:id="rId24"/>
-    <p:sldId id="266" r:id="rId25"/>
-    <p:sldId id="284" r:id="rId26"/>
-    <p:sldId id="285" r:id="rId27"/>
-    <p:sldId id="286" r:id="rId28"/>
-    <p:sldId id="287" r:id="rId29"/>
-    <p:sldId id="267" r:id="rId30"/>
-    <p:sldId id="288" r:id="rId31"/>
-    <p:sldId id="268" r:id="rId32"/>
-    <p:sldId id="274" r:id="rId33"/>
-    <p:sldId id="271" r:id="rId34"/>
-    <p:sldId id="275" r:id="rId35"/>
-    <p:sldId id="278" r:id="rId36"/>
+    <p:sldId id="295" r:id="rId12"/>
+    <p:sldId id="290" r:id="rId13"/>
+    <p:sldId id="291" r:id="rId14"/>
+    <p:sldId id="292" r:id="rId15"/>
+    <p:sldId id="289" r:id="rId16"/>
+    <p:sldId id="293" r:id="rId17"/>
+    <p:sldId id="294" r:id="rId18"/>
+    <p:sldId id="269" r:id="rId19"/>
+    <p:sldId id="259" r:id="rId20"/>
+    <p:sldId id="280" r:id="rId21"/>
+    <p:sldId id="257" r:id="rId22"/>
+    <p:sldId id="260" r:id="rId23"/>
+    <p:sldId id="261" r:id="rId24"/>
+    <p:sldId id="262" r:id="rId25"/>
+    <p:sldId id="263" r:id="rId26"/>
+    <p:sldId id="282" r:id="rId27"/>
+    <p:sldId id="265" r:id="rId28"/>
+    <p:sldId id="264" r:id="rId29"/>
+    <p:sldId id="283" r:id="rId30"/>
+    <p:sldId id="266" r:id="rId31"/>
+    <p:sldId id="284" r:id="rId32"/>
+    <p:sldId id="285" r:id="rId33"/>
+    <p:sldId id="286" r:id="rId34"/>
+    <p:sldId id="287" r:id="rId35"/>
+    <p:sldId id="267" r:id="rId36"/>
+    <p:sldId id="288" r:id="rId37"/>
+    <p:sldId id="268" r:id="rId38"/>
+    <p:sldId id="274" r:id="rId39"/>
+    <p:sldId id="271" r:id="rId40"/>
+    <p:sldId id="275" r:id="rId41"/>
+    <p:sldId id="278" r:id="rId42"/>
   </p:sldIdLst>
   <p:sldSz cx="9144000" cy="6858000" type="screen4x3"/>
   <p:notesSz cx="6858000" cy="9144000"/>
   <p:embeddedFontLst>
     <p:embeddedFont>
-      <p:font typeface="소야논8" panose="020B0600000101010101" charset="-127"/>
-      <p:regular r:id="rId37"/>
+      <p:font typeface="나눔고딕" panose="020D0604000000000000" pitchFamily="50" charset="-127"/>
+      <p:regular r:id="rId43"/>
+      <p:bold r:id="rId44"/>
+    </p:embeddedFont>
+    <p:embeddedFont>
+      <p:font typeface="소야논8" panose="02020603020101020101" pitchFamily="18" charset="-127"/>
+      <p:regular r:id="rId45"/>
     </p:embeddedFont>
     <p:embeddedFont>
       <p:font typeface="맑은 고딕" panose="020B0503020000020004" pitchFamily="50" charset="-127"/>
-      <p:regular r:id="rId38"/>
-      <p:bold r:id="rId39"/>
+      <p:regular r:id="rId46"/>
+      <p:bold r:id="rId47"/>
     </p:embeddedFont>
   </p:embeddedFontLst>
   <p:defaultTextStyle>
@@ -151,7 +162,7 @@
   </p:defaultTextStyle>
   <p:extLst>
     <p:ext uri="{EFAFB233-063F-42B5-8137-9DF3F51BA10A}">
-      <p15:sldGuideLst xmlns:p15="http://schemas.microsoft.com/office/powerpoint/2012/main">
+      <p15:sldGuideLst xmlns:p15="http://schemas.microsoft.com/office/powerpoint/2012/main" xmlns="">
         <p15:guide id="1" orient="horz" pos="2160">
           <p15:clr>
             <a:srgbClr val="A4A3A4"/>
@@ -349,7 +360,7 @@
           <a:p>
             <a:fld id="{F707E34C-A3BC-41D6-B8FA-2FD524A2DDB2}" type="datetimeFigureOut">
               <a:rPr lang="ko-KR" altLang="en-US" smtClean="0"/>
-              <a:t>2016-09-07</a:t>
+              <a:t>2016-10-05</a:t>
             </a:fld>
             <a:endParaRPr lang="ko-KR" altLang="en-US"/>
           </a:p>
@@ -519,7 +530,7 @@
           <a:p>
             <a:fld id="{F707E34C-A3BC-41D6-B8FA-2FD524A2DDB2}" type="datetimeFigureOut">
               <a:rPr lang="ko-KR" altLang="en-US" smtClean="0"/>
-              <a:t>2016-09-07</a:t>
+              <a:t>2016-10-05</a:t>
             </a:fld>
             <a:endParaRPr lang="ko-KR" altLang="en-US"/>
           </a:p>
@@ -699,7 +710,7 @@
           <a:p>
             <a:fld id="{F707E34C-A3BC-41D6-B8FA-2FD524A2DDB2}" type="datetimeFigureOut">
               <a:rPr lang="ko-KR" altLang="en-US" smtClean="0"/>
-              <a:t>2016-09-07</a:t>
+              <a:t>2016-10-05</a:t>
             </a:fld>
             <a:endParaRPr lang="ko-KR" altLang="en-US"/>
           </a:p>
@@ -948,7 +959,7 @@
                 </a:solidFill>
               </a:rPr>
               <a:pPr/>
-              <a:t>2016-09-07</a:t>
+              <a:t>2016-10-05</a:t>
             </a:fld>
             <a:endParaRPr lang="ko-KR" altLang="en-US">
               <a:solidFill>
@@ -1150,7 +1161,7 @@
                 </a:solidFill>
               </a:rPr>
               <a:pPr/>
-              <a:t>2016-09-07</a:t>
+              <a:t>2016-10-05</a:t>
             </a:fld>
             <a:endParaRPr lang="ko-KR" altLang="en-US">
               <a:solidFill>
@@ -1428,7 +1439,7 @@
                 </a:solidFill>
               </a:rPr>
               <a:pPr/>
-              <a:t>2016-09-07</a:t>
+              <a:t>2016-10-05</a:t>
             </a:fld>
             <a:endParaRPr lang="ko-KR" altLang="en-US">
               <a:solidFill>
@@ -1748,7 +1759,7 @@
                 </a:solidFill>
               </a:rPr>
               <a:pPr/>
-              <a:t>2016-09-07</a:t>
+              <a:t>2016-10-05</a:t>
             </a:fld>
             <a:endParaRPr lang="ko-KR" altLang="en-US">
               <a:solidFill>
@@ -2202,7 +2213,7 @@
                 </a:solidFill>
               </a:rPr>
               <a:pPr/>
-              <a:t>2016-09-07</a:t>
+              <a:t>2016-10-05</a:t>
             </a:fld>
             <a:endParaRPr lang="ko-KR" altLang="en-US">
               <a:solidFill>
@@ -2352,7 +2363,7 @@
                 </a:solidFill>
               </a:rPr>
               <a:pPr/>
-              <a:t>2016-09-07</a:t>
+              <a:t>2016-10-05</a:t>
             </a:fld>
             <a:endParaRPr lang="ko-KR" altLang="en-US">
               <a:solidFill>
@@ -2479,7 +2490,7 @@
                 </a:solidFill>
               </a:rPr>
               <a:pPr/>
-              <a:t>2016-09-07</a:t>
+              <a:t>2016-10-05</a:t>
             </a:fld>
             <a:endParaRPr lang="ko-KR" altLang="en-US">
               <a:solidFill>
@@ -2788,7 +2799,7 @@
                 </a:solidFill>
               </a:rPr>
               <a:pPr/>
-              <a:t>2016-09-07</a:t>
+              <a:t>2016-10-05</a:t>
             </a:fld>
             <a:endParaRPr lang="ko-KR" altLang="en-US">
               <a:solidFill>
@@ -2983,7 +2994,7 @@
           <a:p>
             <a:fld id="{F707E34C-A3BC-41D6-B8FA-2FD524A2DDB2}" type="datetimeFigureOut">
               <a:rPr lang="ko-KR" altLang="en-US" smtClean="0"/>
-              <a:t>2016-09-07</a:t>
+              <a:t>2016-10-05</a:t>
             </a:fld>
             <a:endParaRPr lang="ko-KR" altLang="en-US"/>
           </a:p>
@@ -3243,7 +3254,7 @@
                 </a:solidFill>
               </a:rPr>
               <a:pPr/>
-              <a:t>2016-09-07</a:t>
+              <a:t>2016-10-05</a:t>
             </a:fld>
             <a:endParaRPr lang="ko-KR" altLang="en-US">
               <a:solidFill>
@@ -3445,7 +3456,7 @@
                 </a:solidFill>
               </a:rPr>
               <a:pPr/>
-              <a:t>2016-09-07</a:t>
+              <a:t>2016-10-05</a:t>
             </a:fld>
             <a:endParaRPr lang="ko-KR" altLang="en-US">
               <a:solidFill>
@@ -3657,7 +3668,7 @@
                 </a:solidFill>
               </a:rPr>
               <a:pPr/>
-              <a:t>2016-09-07</a:t>
+              <a:t>2016-10-05</a:t>
             </a:fld>
             <a:endParaRPr lang="ko-KR" altLang="en-US">
               <a:solidFill>
@@ -3931,7 +3942,7 @@
                 </a:solidFill>
               </a:rPr>
               <a:pPr/>
-              <a:t>2016-09-07</a:t>
+              <a:t>2016-10-05</a:t>
             </a:fld>
             <a:endParaRPr lang="ko-KR" altLang="en-US">
               <a:solidFill>
@@ -4133,7 +4144,7 @@
                 </a:solidFill>
               </a:rPr>
               <a:pPr/>
-              <a:t>2016-09-07</a:t>
+              <a:t>2016-10-05</a:t>
             </a:fld>
             <a:endParaRPr lang="ko-KR" altLang="en-US">
               <a:solidFill>
@@ -4411,7 +4422,7 @@
                 </a:solidFill>
               </a:rPr>
               <a:pPr/>
-              <a:t>2016-09-07</a:t>
+              <a:t>2016-10-05</a:t>
             </a:fld>
             <a:endParaRPr lang="ko-KR" altLang="en-US">
               <a:solidFill>
@@ -4731,7 +4742,7 @@
                 </a:solidFill>
               </a:rPr>
               <a:pPr/>
-              <a:t>2016-09-07</a:t>
+              <a:t>2016-10-05</a:t>
             </a:fld>
             <a:endParaRPr lang="ko-KR" altLang="en-US">
               <a:solidFill>
@@ -5185,7 +5196,7 @@
                 </a:solidFill>
               </a:rPr>
               <a:pPr/>
-              <a:t>2016-09-07</a:t>
+              <a:t>2016-10-05</a:t>
             </a:fld>
             <a:endParaRPr lang="ko-KR" altLang="en-US">
               <a:solidFill>
@@ -5335,7 +5346,7 @@
                 </a:solidFill>
               </a:rPr>
               <a:pPr/>
-              <a:t>2016-09-07</a:t>
+              <a:t>2016-10-05</a:t>
             </a:fld>
             <a:endParaRPr lang="ko-KR" altLang="en-US">
               <a:solidFill>
@@ -5462,7 +5473,7 @@
                 </a:solidFill>
               </a:rPr>
               <a:pPr/>
-              <a:t>2016-09-07</a:t>
+              <a:t>2016-10-05</a:t>
             </a:fld>
             <a:endParaRPr lang="ko-KR" altLang="en-US">
               <a:solidFill>
@@ -5733,7 +5744,7 @@
           <a:p>
             <a:fld id="{F707E34C-A3BC-41D6-B8FA-2FD524A2DDB2}" type="datetimeFigureOut">
               <a:rPr lang="ko-KR" altLang="en-US" smtClean="0"/>
-              <a:t>2016-09-07</a:t>
+              <a:t>2016-10-05</a:t>
             </a:fld>
             <a:endParaRPr lang="ko-KR" altLang="en-US"/>
           </a:p>
@@ -6017,7 +6028,7 @@
                 </a:solidFill>
               </a:rPr>
               <a:pPr/>
-              <a:t>2016-09-07</a:t>
+              <a:t>2016-10-05</a:t>
             </a:fld>
             <a:endParaRPr lang="ko-KR" altLang="en-US">
               <a:solidFill>
@@ -6302,7 +6313,7 @@
                 </a:solidFill>
               </a:rPr>
               <a:pPr/>
-              <a:t>2016-09-07</a:t>
+              <a:t>2016-10-05</a:t>
             </a:fld>
             <a:endParaRPr lang="ko-KR" altLang="en-US">
               <a:solidFill>
@@ -6504,7 +6515,7 @@
                 </a:solidFill>
               </a:rPr>
               <a:pPr/>
-              <a:t>2016-09-07</a:t>
+              <a:t>2016-10-05</a:t>
             </a:fld>
             <a:endParaRPr lang="ko-KR" altLang="en-US">
               <a:solidFill>
@@ -6716,7 +6727,7 @@
                 </a:solidFill>
               </a:rPr>
               <a:pPr/>
-              <a:t>2016-09-07</a:t>
+              <a:t>2016-10-05</a:t>
             </a:fld>
             <a:endParaRPr lang="ko-KR" altLang="en-US">
               <a:solidFill>
@@ -6990,7 +7001,7 @@
                 </a:solidFill>
               </a:rPr>
               <a:pPr/>
-              <a:t>2016-09-07</a:t>
+              <a:t>2016-10-05</a:t>
             </a:fld>
             <a:endParaRPr lang="ko-KR" altLang="en-US">
               <a:solidFill>
@@ -7192,7 +7203,7 @@
                 </a:solidFill>
               </a:rPr>
               <a:pPr/>
-              <a:t>2016-09-07</a:t>
+              <a:t>2016-10-05</a:t>
             </a:fld>
             <a:endParaRPr lang="ko-KR" altLang="en-US">
               <a:solidFill>
@@ -7470,7 +7481,7 @@
                 </a:solidFill>
               </a:rPr>
               <a:pPr/>
-              <a:t>2016-09-07</a:t>
+              <a:t>2016-10-05</a:t>
             </a:fld>
             <a:endParaRPr lang="ko-KR" altLang="en-US">
               <a:solidFill>
@@ -7790,7 +7801,7 @@
                 </a:solidFill>
               </a:rPr>
               <a:pPr/>
-              <a:t>2016-09-07</a:t>
+              <a:t>2016-10-05</a:t>
             </a:fld>
             <a:endParaRPr lang="ko-KR" altLang="en-US">
               <a:solidFill>
@@ -8244,7 +8255,7 @@
                 </a:solidFill>
               </a:rPr>
               <a:pPr/>
-              <a:t>2016-09-07</a:t>
+              <a:t>2016-10-05</a:t>
             </a:fld>
             <a:endParaRPr lang="ko-KR" altLang="en-US">
               <a:solidFill>
@@ -8394,7 +8405,7 @@
                 </a:solidFill>
               </a:rPr>
               <a:pPr/>
-              <a:t>2016-09-07</a:t>
+              <a:t>2016-10-05</a:t>
             </a:fld>
             <a:endParaRPr lang="ko-KR" altLang="en-US">
               <a:solidFill>
@@ -8707,7 +8718,7 @@
           <a:p>
             <a:fld id="{F707E34C-A3BC-41D6-B8FA-2FD524A2DDB2}" type="datetimeFigureOut">
               <a:rPr lang="ko-KR" altLang="en-US" smtClean="0"/>
-              <a:t>2016-09-07</a:t>
+              <a:t>2016-10-05</a:t>
             </a:fld>
             <a:endParaRPr lang="ko-KR" altLang="en-US"/>
           </a:p>
@@ -8809,7 +8820,7 @@
                 </a:solidFill>
               </a:rPr>
               <a:pPr/>
-              <a:t>2016-09-07</a:t>
+              <a:t>2016-10-05</a:t>
             </a:fld>
             <a:endParaRPr lang="ko-KR" altLang="en-US">
               <a:solidFill>
@@ -9118,7 +9129,7 @@
                 </a:solidFill>
               </a:rPr>
               <a:pPr/>
-              <a:t>2016-09-07</a:t>
+              <a:t>2016-10-05</a:t>
             </a:fld>
             <a:endParaRPr lang="ko-KR" altLang="en-US">
               <a:solidFill>
@@ -9403,7 +9414,7 @@
                 </a:solidFill>
               </a:rPr>
               <a:pPr/>
-              <a:t>2016-09-07</a:t>
+              <a:t>2016-10-05</a:t>
             </a:fld>
             <a:endParaRPr lang="ko-KR" altLang="en-US">
               <a:solidFill>
@@ -9605,7 +9616,7 @@
                 </a:solidFill>
               </a:rPr>
               <a:pPr/>
-              <a:t>2016-09-07</a:t>
+              <a:t>2016-10-05</a:t>
             </a:fld>
             <a:endParaRPr lang="ko-KR" altLang="en-US">
               <a:solidFill>
@@ -9817,7 +9828,7 @@
                 </a:solidFill>
               </a:rPr>
               <a:pPr/>
-              <a:t>2016-09-07</a:t>
+              <a:t>2016-10-05</a:t>
             </a:fld>
             <a:endParaRPr lang="ko-KR" altLang="en-US">
               <a:solidFill>
@@ -10091,7 +10102,7 @@
                 </a:solidFill>
               </a:rPr>
               <a:pPr/>
-              <a:t>2016-09-07</a:t>
+              <a:t>2016-10-05</a:t>
             </a:fld>
             <a:endParaRPr lang="ko-KR" altLang="en-US">
               <a:solidFill>
@@ -10293,7 +10304,7 @@
                 </a:solidFill>
               </a:rPr>
               <a:pPr/>
-              <a:t>2016-09-07</a:t>
+              <a:t>2016-10-05</a:t>
             </a:fld>
             <a:endParaRPr lang="ko-KR" altLang="en-US">
               <a:solidFill>
@@ -10571,7 +10582,7 @@
                 </a:solidFill>
               </a:rPr>
               <a:pPr/>
-              <a:t>2016-09-07</a:t>
+              <a:t>2016-10-05</a:t>
             </a:fld>
             <a:endParaRPr lang="ko-KR" altLang="en-US">
               <a:solidFill>
@@ -10891,7 +10902,7 @@
                 </a:solidFill>
               </a:rPr>
               <a:pPr/>
-              <a:t>2016-09-07</a:t>
+              <a:t>2016-10-05</a:t>
             </a:fld>
             <a:endParaRPr lang="ko-KR" altLang="en-US">
               <a:solidFill>
@@ -11345,7 +11356,7 @@
                 </a:solidFill>
               </a:rPr>
               <a:pPr/>
-              <a:t>2016-09-07</a:t>
+              <a:t>2016-10-05</a:t>
             </a:fld>
             <a:endParaRPr lang="ko-KR" altLang="en-US">
               <a:solidFill>
@@ -11792,7 +11803,7 @@
           <a:p>
             <a:fld id="{F707E34C-A3BC-41D6-B8FA-2FD524A2DDB2}" type="datetimeFigureOut">
               <a:rPr lang="ko-KR" altLang="en-US" smtClean="0"/>
-              <a:t>2016-09-07</a:t>
+              <a:t>2016-10-05</a:t>
             </a:fld>
             <a:endParaRPr lang="ko-KR" altLang="en-US"/>
           </a:p>
@@ -11917,7 +11928,7 @@
                 </a:solidFill>
               </a:rPr>
               <a:pPr/>
-              <a:t>2016-09-07</a:t>
+              <a:t>2016-10-05</a:t>
             </a:fld>
             <a:endParaRPr lang="ko-KR" altLang="en-US">
               <a:solidFill>
@@ -12044,7 +12055,7 @@
                 </a:solidFill>
               </a:rPr>
               <a:pPr/>
-              <a:t>2016-09-07</a:t>
+              <a:t>2016-10-05</a:t>
             </a:fld>
             <a:endParaRPr lang="ko-KR" altLang="en-US">
               <a:solidFill>
@@ -12353,7 +12364,7 @@
                 </a:solidFill>
               </a:rPr>
               <a:pPr/>
-              <a:t>2016-09-07</a:t>
+              <a:t>2016-10-05</a:t>
             </a:fld>
             <a:endParaRPr lang="ko-KR" altLang="en-US">
               <a:solidFill>
@@ -12638,7 +12649,7 @@
                 </a:solidFill>
               </a:rPr>
               <a:pPr/>
-              <a:t>2016-09-07</a:t>
+              <a:t>2016-10-05</a:t>
             </a:fld>
             <a:endParaRPr lang="ko-KR" altLang="en-US">
               <a:solidFill>
@@ -12840,7 +12851,7 @@
                 </a:solidFill>
               </a:rPr>
               <a:pPr/>
-              <a:t>2016-09-07</a:t>
+              <a:t>2016-10-05</a:t>
             </a:fld>
             <a:endParaRPr lang="ko-KR" altLang="en-US">
               <a:solidFill>
@@ -13052,7 +13063,7 @@
                 </a:solidFill>
               </a:rPr>
               <a:pPr/>
-              <a:t>2016-09-07</a:t>
+              <a:t>2016-10-05</a:t>
             </a:fld>
             <a:endParaRPr lang="ko-KR" altLang="en-US">
               <a:solidFill>
@@ -13326,7 +13337,7 @@
                 </a:solidFill>
               </a:rPr>
               <a:pPr/>
-              <a:t>2016-09-07</a:t>
+              <a:t>2016-10-05</a:t>
             </a:fld>
             <a:endParaRPr lang="ko-KR" altLang="en-US">
               <a:solidFill>
@@ -13528,7 +13539,7 @@
                 </a:solidFill>
               </a:rPr>
               <a:pPr/>
-              <a:t>2016-09-07</a:t>
+              <a:t>2016-10-05</a:t>
             </a:fld>
             <a:endParaRPr lang="ko-KR" altLang="en-US">
               <a:solidFill>
@@ -13806,7 +13817,7 @@
                 </a:solidFill>
               </a:rPr>
               <a:pPr/>
-              <a:t>2016-09-07</a:t>
+              <a:t>2016-10-05</a:t>
             </a:fld>
             <a:endParaRPr lang="ko-KR" altLang="en-US">
               <a:solidFill>
@@ -14126,7 +14137,7 @@
                 </a:solidFill>
               </a:rPr>
               <a:pPr/>
-              <a:t>2016-09-07</a:t>
+              <a:t>2016-10-05</a:t>
             </a:fld>
             <a:endParaRPr lang="ko-KR" altLang="en-US">
               <a:solidFill>
@@ -14269,7 +14280,7 @@
           <a:p>
             <a:fld id="{F707E34C-A3BC-41D6-B8FA-2FD524A2DDB2}" type="datetimeFigureOut">
               <a:rPr lang="ko-KR" altLang="en-US" smtClean="0"/>
-              <a:t>2016-09-07</a:t>
+              <a:t>2016-10-05</a:t>
             </a:fld>
             <a:endParaRPr lang="ko-KR" altLang="en-US"/>
           </a:p>
@@ -14698,7 +14709,7 @@
                 </a:solidFill>
               </a:rPr>
               <a:pPr/>
-              <a:t>2016-09-07</a:t>
+              <a:t>2016-10-05</a:t>
             </a:fld>
             <a:endParaRPr lang="ko-KR" altLang="en-US">
               <a:solidFill>
@@ -14848,7 +14859,7 @@
                 </a:solidFill>
               </a:rPr>
               <a:pPr/>
-              <a:t>2016-09-07</a:t>
+              <a:t>2016-10-05</a:t>
             </a:fld>
             <a:endParaRPr lang="ko-KR" altLang="en-US">
               <a:solidFill>
@@ -14975,7 +14986,7 @@
                 </a:solidFill>
               </a:rPr>
               <a:pPr/>
-              <a:t>2016-09-07</a:t>
+              <a:t>2016-10-05</a:t>
             </a:fld>
             <a:endParaRPr lang="ko-KR" altLang="en-US">
               <a:solidFill>
@@ -15284,7 +15295,7 @@
                 </a:solidFill>
               </a:rPr>
               <a:pPr/>
-              <a:t>2016-09-07</a:t>
+              <a:t>2016-10-05</a:t>
             </a:fld>
             <a:endParaRPr lang="ko-KR" altLang="en-US">
               <a:solidFill>
@@ -15569,7 +15580,7 @@
                 </a:solidFill>
               </a:rPr>
               <a:pPr/>
-              <a:t>2016-09-07</a:t>
+              <a:t>2016-10-05</a:t>
             </a:fld>
             <a:endParaRPr lang="ko-KR" altLang="en-US">
               <a:solidFill>
@@ -15771,7 +15782,7 @@
                 </a:solidFill>
               </a:rPr>
               <a:pPr/>
-              <a:t>2016-09-07</a:t>
+              <a:t>2016-10-05</a:t>
             </a:fld>
             <a:endParaRPr lang="ko-KR" altLang="en-US">
               <a:solidFill>
@@ -15983,7 +15994,7 @@
                 </a:solidFill>
               </a:rPr>
               <a:pPr/>
-              <a:t>2016-09-07</a:t>
+              <a:t>2016-10-05</a:t>
             </a:fld>
             <a:endParaRPr lang="ko-KR" altLang="en-US">
               <a:solidFill>
@@ -16257,7 +16268,7 @@
                 </a:solidFill>
               </a:rPr>
               <a:pPr/>
-              <a:t>2016-09-07</a:t>
+              <a:t>2016-10-05</a:t>
             </a:fld>
             <a:endParaRPr lang="ko-KR" altLang="en-US">
               <a:solidFill>
@@ -16459,7 +16470,7 @@
                 </a:solidFill>
               </a:rPr>
               <a:pPr/>
-              <a:t>2016-09-07</a:t>
+              <a:t>2016-10-05</a:t>
             </a:fld>
             <a:endParaRPr lang="ko-KR" altLang="en-US">
               <a:solidFill>
@@ -16737,7 +16748,7 @@
                 </a:solidFill>
               </a:rPr>
               <a:pPr/>
-              <a:t>2016-09-07</a:t>
+              <a:t>2016-10-05</a:t>
             </a:fld>
             <a:endParaRPr lang="ko-KR" altLang="en-US">
               <a:solidFill>
@@ -16857,7 +16868,7 @@
           <a:p>
             <a:fld id="{F707E34C-A3BC-41D6-B8FA-2FD524A2DDB2}" type="datetimeFigureOut">
               <a:rPr lang="ko-KR" altLang="en-US" smtClean="0"/>
-              <a:t>2016-09-07</a:t>
+              <a:t>2016-10-05</a:t>
             </a:fld>
             <a:endParaRPr lang="ko-KR" altLang="en-US"/>
           </a:p>
@@ -17152,7 +17163,7 @@
                 </a:solidFill>
               </a:rPr>
               <a:pPr/>
-              <a:t>2016-09-07</a:t>
+              <a:t>2016-10-05</a:t>
             </a:fld>
             <a:endParaRPr lang="ko-KR" altLang="en-US">
               <a:solidFill>
@@ -17606,7 +17617,7 @@
                 </a:solidFill>
               </a:rPr>
               <a:pPr/>
-              <a:t>2016-09-07</a:t>
+              <a:t>2016-10-05</a:t>
             </a:fld>
             <a:endParaRPr lang="ko-KR" altLang="en-US">
               <a:solidFill>
@@ -17756,7 +17767,7 @@
                 </a:solidFill>
               </a:rPr>
               <a:pPr/>
-              <a:t>2016-09-07</a:t>
+              <a:t>2016-10-05</a:t>
             </a:fld>
             <a:endParaRPr lang="ko-KR" altLang="en-US">
               <a:solidFill>
@@ -17883,7 +17894,7 @@
                 </a:solidFill>
               </a:rPr>
               <a:pPr/>
-              <a:t>2016-09-07</a:t>
+              <a:t>2016-10-05</a:t>
             </a:fld>
             <a:endParaRPr lang="ko-KR" altLang="en-US">
               <a:solidFill>
@@ -18192,7 +18203,7 @@
                 </a:solidFill>
               </a:rPr>
               <a:pPr/>
-              <a:t>2016-09-07</a:t>
+              <a:t>2016-10-05</a:t>
             </a:fld>
             <a:endParaRPr lang="ko-KR" altLang="en-US">
               <a:solidFill>
@@ -18477,7 +18488,7 @@
                 </a:solidFill>
               </a:rPr>
               <a:pPr/>
-              <a:t>2016-09-07</a:t>
+              <a:t>2016-10-05</a:t>
             </a:fld>
             <a:endParaRPr lang="ko-KR" altLang="en-US">
               <a:solidFill>
@@ -18679,7 +18690,7 @@
                 </a:solidFill>
               </a:rPr>
               <a:pPr/>
-              <a:t>2016-09-07</a:t>
+              <a:t>2016-10-05</a:t>
             </a:fld>
             <a:endParaRPr lang="ko-KR" altLang="en-US">
               <a:solidFill>
@@ -18891,7 +18902,7 @@
                 </a:solidFill>
               </a:rPr>
               <a:pPr/>
-              <a:t>2016-09-07</a:t>
+              <a:t>2016-10-05</a:t>
             </a:fld>
             <a:endParaRPr lang="ko-KR" altLang="en-US">
               <a:solidFill>
@@ -19165,7 +19176,7 @@
                 </a:solidFill>
               </a:rPr>
               <a:pPr/>
-              <a:t>2016-09-07</a:t>
+              <a:t>2016-10-05</a:t>
             </a:fld>
             <a:endParaRPr lang="ko-KR" altLang="en-US">
               <a:solidFill>
@@ -19367,7 +19378,7 @@
                 </a:solidFill>
               </a:rPr>
               <a:pPr/>
-              <a:t>2016-09-07</a:t>
+              <a:t>2016-10-05</a:t>
             </a:fld>
             <a:endParaRPr lang="ko-KR" altLang="en-US">
               <a:solidFill>
@@ -19669,7 +19680,7 @@
           <a:p>
             <a:fld id="{F707E34C-A3BC-41D6-B8FA-2FD524A2DDB2}" type="datetimeFigureOut">
               <a:rPr lang="ko-KR" altLang="en-US" smtClean="0"/>
-              <a:t>2016-09-07</a:t>
+              <a:t>2016-10-05</a:t>
             </a:fld>
             <a:endParaRPr lang="ko-KR" altLang="en-US"/>
           </a:p>
@@ -19922,7 +19933,7 @@
                 </a:solidFill>
               </a:rPr>
               <a:pPr/>
-              <a:t>2016-09-07</a:t>
+              <a:t>2016-10-05</a:t>
             </a:fld>
             <a:endParaRPr lang="ko-KR" altLang="en-US">
               <a:solidFill>
@@ -20242,7 +20253,7 @@
                 </a:solidFill>
               </a:rPr>
               <a:pPr/>
-              <a:t>2016-09-07</a:t>
+              <a:t>2016-10-05</a:t>
             </a:fld>
             <a:endParaRPr lang="ko-KR" altLang="en-US">
               <a:solidFill>
@@ -20696,7 +20707,7 @@
                 </a:solidFill>
               </a:rPr>
               <a:pPr/>
-              <a:t>2016-09-07</a:t>
+              <a:t>2016-10-05</a:t>
             </a:fld>
             <a:endParaRPr lang="ko-KR" altLang="en-US">
               <a:solidFill>
@@ -20846,7 +20857,7 @@
                 </a:solidFill>
               </a:rPr>
               <a:pPr/>
-              <a:t>2016-09-07</a:t>
+              <a:t>2016-10-05</a:t>
             </a:fld>
             <a:endParaRPr lang="ko-KR" altLang="en-US">
               <a:solidFill>
@@ -20973,7 +20984,7 @@
                 </a:solidFill>
               </a:rPr>
               <a:pPr/>
-              <a:t>2016-09-07</a:t>
+              <a:t>2016-10-05</a:t>
             </a:fld>
             <a:endParaRPr lang="ko-KR" altLang="en-US">
               <a:solidFill>
@@ -21282,7 +21293,7 @@
                 </a:solidFill>
               </a:rPr>
               <a:pPr/>
-              <a:t>2016-09-07</a:t>
+              <a:t>2016-10-05</a:t>
             </a:fld>
             <a:endParaRPr lang="ko-KR" altLang="en-US">
               <a:solidFill>
@@ -21567,7 +21578,7 @@
                 </a:solidFill>
               </a:rPr>
               <a:pPr/>
-              <a:t>2016-09-07</a:t>
+              <a:t>2016-10-05</a:t>
             </a:fld>
             <a:endParaRPr lang="ko-KR" altLang="en-US">
               <a:solidFill>
@@ -21769,7 +21780,7 @@
                 </a:solidFill>
               </a:rPr>
               <a:pPr/>
-              <a:t>2016-09-07</a:t>
+              <a:t>2016-10-05</a:t>
             </a:fld>
             <a:endParaRPr lang="ko-KR" altLang="en-US">
               <a:solidFill>
@@ -21981,7 +21992,7 @@
                 </a:solidFill>
               </a:rPr>
               <a:pPr/>
-              <a:t>2016-09-07</a:t>
+              <a:t>2016-10-05</a:t>
             </a:fld>
             <a:endParaRPr lang="ko-KR" altLang="en-US">
               <a:solidFill>
@@ -22255,7 +22266,7 @@
                 </a:solidFill>
               </a:rPr>
               <a:pPr/>
-              <a:t>2016-09-07</a:t>
+              <a:t>2016-10-05</a:t>
             </a:fld>
             <a:endParaRPr lang="ko-KR" altLang="en-US">
               <a:solidFill>
@@ -22533,7 +22544,7 @@
           <a:p>
             <a:fld id="{F707E34C-A3BC-41D6-B8FA-2FD524A2DDB2}" type="datetimeFigureOut">
               <a:rPr lang="ko-KR" altLang="en-US" smtClean="0"/>
-              <a:t>2016-09-07</a:t>
+              <a:t>2016-10-05</a:t>
             </a:fld>
             <a:endParaRPr lang="ko-KR" altLang="en-US"/>
           </a:p>
@@ -22710,7 +22721,7 @@
                 </a:solidFill>
               </a:rPr>
               <a:pPr/>
-              <a:t>2016-09-07</a:t>
+              <a:t>2016-10-05</a:t>
             </a:fld>
             <a:endParaRPr lang="ko-KR" altLang="en-US">
               <a:solidFill>
@@ -22988,7 +22999,7 @@
                 </a:solidFill>
               </a:rPr>
               <a:pPr/>
-              <a:t>2016-09-07</a:t>
+              <a:t>2016-10-05</a:t>
             </a:fld>
             <a:endParaRPr lang="ko-KR" altLang="en-US">
               <a:solidFill>
@@ -23308,7 +23319,7 @@
                 </a:solidFill>
               </a:rPr>
               <a:pPr/>
-              <a:t>2016-09-07</a:t>
+              <a:t>2016-10-05</a:t>
             </a:fld>
             <a:endParaRPr lang="ko-KR" altLang="en-US">
               <a:solidFill>
@@ -23762,7 +23773,7 @@
                 </a:solidFill>
               </a:rPr>
               <a:pPr/>
-              <a:t>2016-09-07</a:t>
+              <a:t>2016-10-05</a:t>
             </a:fld>
             <a:endParaRPr lang="ko-KR" altLang="en-US">
               <a:solidFill>
@@ -23912,7 +23923,7 @@
                 </a:solidFill>
               </a:rPr>
               <a:pPr/>
-              <a:t>2016-09-07</a:t>
+              <a:t>2016-10-05</a:t>
             </a:fld>
             <a:endParaRPr lang="ko-KR" altLang="en-US">
               <a:solidFill>
@@ -24039,7 +24050,7 @@
                 </a:solidFill>
               </a:rPr>
               <a:pPr/>
-              <a:t>2016-09-07</a:t>
+              <a:t>2016-10-05</a:t>
             </a:fld>
             <a:endParaRPr lang="ko-KR" altLang="en-US">
               <a:solidFill>
@@ -24348,7 +24359,7 @@
                 </a:solidFill>
               </a:rPr>
               <a:pPr/>
-              <a:t>2016-09-07</a:t>
+              <a:t>2016-10-05</a:t>
             </a:fld>
             <a:endParaRPr lang="ko-KR" altLang="en-US">
               <a:solidFill>
@@ -24633,7 +24644,7 @@
                 </a:solidFill>
               </a:rPr>
               <a:pPr/>
-              <a:t>2016-09-07</a:t>
+              <a:t>2016-10-05</a:t>
             </a:fld>
             <a:endParaRPr lang="ko-KR" altLang="en-US">
               <a:solidFill>
@@ -24835,7 +24846,7 @@
                 </a:solidFill>
               </a:rPr>
               <a:pPr/>
-              <a:t>2016-09-07</a:t>
+              <a:t>2016-10-05</a:t>
             </a:fld>
             <a:endParaRPr lang="ko-KR" altLang="en-US">
               <a:solidFill>
@@ -25047,7 +25058,7 @@
                 </a:solidFill>
               </a:rPr>
               <a:pPr/>
-              <a:t>2016-09-07</a:t>
+              <a:t>2016-10-05</a:t>
             </a:fld>
             <a:endParaRPr lang="ko-KR" altLang="en-US">
               <a:solidFill>
@@ -25295,7 +25306,7 @@
           <a:p>
             <a:fld id="{F707E34C-A3BC-41D6-B8FA-2FD524A2DDB2}" type="datetimeFigureOut">
               <a:rPr lang="ko-KR" altLang="en-US" smtClean="0"/>
-              <a:t>2016-09-07</a:t>
+              <a:t>2016-10-05</a:t>
             </a:fld>
             <a:endParaRPr lang="ko-KR" altLang="en-US"/>
           </a:p>
@@ -25822,7 +25833,7 @@
                 </a:solidFill>
               </a:rPr>
               <a:pPr/>
-              <a:t>2016-09-07</a:t>
+              <a:t>2016-10-05</a:t>
             </a:fld>
             <a:endParaRPr lang="ko-KR" altLang="en-US">
               <a:solidFill>
@@ -26374,7 +26385,7 @@
                 </a:solidFill>
               </a:rPr>
               <a:pPr/>
-              <a:t>2016-09-07</a:t>
+              <a:t>2016-10-05</a:t>
             </a:fld>
             <a:endParaRPr lang="ko-KR" altLang="en-US">
               <a:solidFill>
@@ -26926,7 +26937,7 @@
                 </a:solidFill>
               </a:rPr>
               <a:pPr/>
-              <a:t>2016-09-07</a:t>
+              <a:t>2016-10-05</a:t>
             </a:fld>
             <a:endParaRPr lang="ko-KR" altLang="en-US">
               <a:solidFill>
@@ -27478,7 +27489,7 @@
                 </a:solidFill>
               </a:rPr>
               <a:pPr/>
-              <a:t>2016-09-07</a:t>
+              <a:t>2016-10-05</a:t>
             </a:fld>
             <a:endParaRPr lang="ko-KR" altLang="en-US">
               <a:solidFill>
@@ -28030,7 +28041,7 @@
                 </a:solidFill>
               </a:rPr>
               <a:pPr/>
-              <a:t>2016-09-07</a:t>
+              <a:t>2016-10-05</a:t>
             </a:fld>
             <a:endParaRPr lang="ko-KR" altLang="en-US">
               <a:solidFill>
@@ -28582,7 +28593,7 @@
                 </a:solidFill>
               </a:rPr>
               <a:pPr/>
-              <a:t>2016-09-07</a:t>
+              <a:t>2016-10-05</a:t>
             </a:fld>
             <a:endParaRPr lang="ko-KR" altLang="en-US">
               <a:solidFill>
@@ -29134,7 +29145,7 @@
                 </a:solidFill>
               </a:rPr>
               <a:pPr/>
-              <a:t>2016-09-07</a:t>
+              <a:t>2016-10-05</a:t>
             </a:fld>
             <a:endParaRPr lang="ko-KR" altLang="en-US">
               <a:solidFill>
@@ -29686,7 +29697,7 @@
                 </a:solidFill>
               </a:rPr>
               <a:pPr/>
-              <a:t>2016-09-07</a:t>
+              <a:t>2016-10-05</a:t>
             </a:fld>
             <a:endParaRPr lang="ko-KR" altLang="en-US">
               <a:solidFill>
@@ -30232,254 +30243,116 @@
             <a:spLocks noGrp="1"/>
           </p:cNvSpPr>
           <p:nvPr>
-            <p:ph type="title"/>
+            <p:ph type="ctrTitle"/>
           </p:nvPr>
         </p:nvSpPr>
         <p:spPr/>
         <p:txBody>
-          <a:bodyPr/>
-          <a:lstStyle/>
-          <a:p>
-            <a:r>
-              <a:rPr lang="ko-KR" altLang="en-US" dirty="0" smtClean="0">
-                <a:solidFill>
-                  <a:srgbClr val="E4007F"/>
+          <a:bodyPr>
+            <a:normAutofit fontScale="90000"/>
+          </a:bodyPr>
+          <a:lstStyle/>
+          <a:p>
+            <a:pPr>
+              <a:lnSpc>
+                <a:spcPct val="150000"/>
+              </a:lnSpc>
+            </a:pPr>
+            <a:r>
+              <a:rPr lang="ko-KR" altLang="en-US" sz="4800" dirty="0" smtClean="0">
+                <a:solidFill>
+                  <a:srgbClr val="FFC000"/>
                 </a:solidFill>
                 <a:latin typeface="소야논8" panose="02020603020101020101" pitchFamily="18" charset="-127"/>
                 <a:ea typeface="소야논8" panose="02020603020101020101" pitchFamily="18" charset="-127"/>
               </a:rPr>
-              <a:t>기타</a:t>
-            </a:r>
-            <a:endParaRPr lang="ko-KR" altLang="en-US" dirty="0">
-              <a:solidFill>
-                <a:srgbClr val="E4007F"/>
-              </a:solidFill>
-              <a:latin typeface="소야논8" panose="02020603020101020101" pitchFamily="18" charset="-127"/>
-              <a:ea typeface="소야논8" panose="02020603020101020101" pitchFamily="18" charset="-127"/>
-            </a:endParaRPr>
-          </a:p>
-        </p:txBody>
-      </p:sp>
-      <p:sp>
-        <p:nvSpPr>
-          <p:cNvPr id="3" name="내용 개체 틀 2"/>
-          <p:cNvSpPr>
-            <a:spLocks noGrp="1"/>
-          </p:cNvSpPr>
-          <p:nvPr>
-            <p:ph idx="1"/>
-          </p:nvPr>
-        </p:nvSpPr>
-        <p:spPr/>
-        <p:txBody>
-          <a:bodyPr>
-            <a:normAutofit/>
-          </a:bodyPr>
-          <a:lstStyle/>
-          <a:p>
-            <a:r>
-              <a:rPr lang="ko-KR" altLang="en-US" sz="2800" dirty="0" smtClean="0">
-                <a:solidFill>
-                  <a:schemeClr val="bg1"/>
+              <a:t>만든 </a:t>
+            </a:r>
+            <a:r>
+              <a:rPr lang="ko-KR" altLang="en-US" sz="4800" dirty="0" smtClean="0">
+                <a:solidFill>
+                  <a:srgbClr val="FFC000"/>
                 </a:solidFill>
                 <a:latin typeface="소야논8" panose="02020603020101020101" pitchFamily="18" charset="-127"/>
                 <a:ea typeface="소야논8" panose="02020603020101020101" pitchFamily="18" charset="-127"/>
               </a:rPr>
-              <a:t>로비</a:t>
-            </a:r>
-            <a:r>
-              <a:rPr lang="en-US" altLang="ko-KR" sz="2800" dirty="0" smtClean="0">
-                <a:solidFill>
-                  <a:schemeClr val="bg1"/>
+              <a:t>기능</a:t>
+            </a:r>
+            <a:r>
+              <a:rPr lang="en-US" altLang="ko-KR" sz="4800" dirty="0" smtClean="0">
+                <a:solidFill>
+                  <a:srgbClr val="FFC000"/>
                 </a:solidFill>
                 <a:latin typeface="소야논8" panose="02020603020101020101" pitchFamily="18" charset="-127"/>
                 <a:ea typeface="소야논8" panose="02020603020101020101" pitchFamily="18" charset="-127"/>
               </a:rPr>
-              <a:t>(</a:t>
-            </a:r>
-            <a:r>
-              <a:rPr lang="ko-KR" altLang="en-US" sz="2800" dirty="0" smtClean="0">
-                <a:solidFill>
-                  <a:schemeClr val="bg1"/>
+              <a:t/>
+            </a:r>
+            <a:br>
+              <a:rPr lang="en-US" altLang="ko-KR" sz="4800" dirty="0" smtClean="0">
+                <a:solidFill>
+                  <a:srgbClr val="FFC000"/>
                 </a:solidFill>
                 <a:latin typeface="소야논8" panose="02020603020101020101" pitchFamily="18" charset="-127"/>
                 <a:ea typeface="소야논8" panose="02020603020101020101" pitchFamily="18" charset="-127"/>
               </a:rPr>
-              <a:t>룸 리스트</a:t>
-            </a:r>
-            <a:r>
-              <a:rPr lang="en-US" altLang="ko-KR" sz="2800" dirty="0" smtClean="0">
-                <a:solidFill>
-                  <a:schemeClr val="bg1"/>
+            </a:br>
+            <a:r>
+              <a:rPr lang="ko-KR" altLang="en-US" sz="4800" dirty="0" smtClean="0">
+                <a:solidFill>
+                  <a:srgbClr val="FFC000"/>
                 </a:solidFill>
                 <a:latin typeface="소야논8" panose="02020603020101020101" pitchFamily="18" charset="-127"/>
                 <a:ea typeface="소야논8" panose="02020603020101020101" pitchFamily="18" charset="-127"/>
               </a:rPr>
-              <a:t>)</a:t>
-            </a:r>
-            <a:r>
-              <a:rPr lang="ko-KR" altLang="en-US" sz="2800" dirty="0" smtClean="0">
-                <a:solidFill>
-                  <a:schemeClr val="bg1"/>
+              <a:t>서버 설명</a:t>
+            </a:r>
+            <a:r>
+              <a:rPr lang="en-US" altLang="ko-KR" sz="4800" dirty="0" smtClean="0">
+                <a:solidFill>
+                  <a:srgbClr val="FFC000"/>
                 </a:solidFill>
                 <a:latin typeface="소야논8" panose="02020603020101020101" pitchFamily="18" charset="-127"/>
                 <a:ea typeface="소야논8" panose="02020603020101020101" pitchFamily="18" charset="-127"/>
               </a:rPr>
-              <a:t>는 없고</a:t>
-            </a:r>
-            <a:r>
-              <a:rPr lang="en-US" altLang="ko-KR" sz="2800" dirty="0" smtClean="0">
-                <a:solidFill>
-                  <a:schemeClr val="bg1"/>
+              <a:t/>
+            </a:r>
+            <a:br>
+              <a:rPr lang="en-US" altLang="ko-KR" sz="4800" dirty="0" smtClean="0">
+                <a:solidFill>
+                  <a:srgbClr val="FFC000"/>
                 </a:solidFill>
                 <a:latin typeface="소야논8" panose="02020603020101020101" pitchFamily="18" charset="-127"/>
                 <a:ea typeface="소야논8" panose="02020603020101020101" pitchFamily="18" charset="-127"/>
               </a:rPr>
-              <a:t>, </a:t>
-            </a:r>
-            <a:r>
-              <a:rPr lang="ko-KR" altLang="en-US" sz="2800" dirty="0" err="1" smtClean="0">
-                <a:solidFill>
-                  <a:schemeClr val="bg1"/>
+            </a:br>
+            <a:r>
+              <a:rPr lang="ko-KR" altLang="en-US" sz="4800" dirty="0" smtClean="0">
+                <a:solidFill>
+                  <a:srgbClr val="FFC000"/>
                 </a:solidFill>
                 <a:latin typeface="소야논8" panose="02020603020101020101" pitchFamily="18" charset="-127"/>
                 <a:ea typeface="소야논8" panose="02020603020101020101" pitchFamily="18" charset="-127"/>
               </a:rPr>
-              <a:t>접속시</a:t>
-            </a:r>
-            <a:r>
-              <a:rPr lang="ko-KR" altLang="en-US" sz="2800" dirty="0" smtClean="0">
-                <a:solidFill>
-                  <a:schemeClr val="bg1"/>
+              <a:t>코</a:t>
+            </a:r>
+            <a:r>
+              <a:rPr lang="ko-KR" altLang="en-US" sz="4800" dirty="0">
+                <a:solidFill>
+                  <a:srgbClr val="FFC000"/>
                 </a:solidFill>
                 <a:latin typeface="소야논8" panose="02020603020101020101" pitchFamily="18" charset="-127"/>
                 <a:ea typeface="소야논8" panose="02020603020101020101" pitchFamily="18" charset="-127"/>
               </a:rPr>
-              <a:t> 빈 방으로 빠른 참여</a:t>
-            </a:r>
-            <a:endParaRPr lang="en-US" altLang="ko-KR" sz="2800" dirty="0" smtClean="0">
-              <a:solidFill>
-                <a:schemeClr val="bg1"/>
-              </a:solidFill>
-              <a:latin typeface="소야논8" panose="02020603020101020101" pitchFamily="18" charset="-127"/>
-              <a:ea typeface="소야논8" panose="02020603020101020101" pitchFamily="18" charset="-127"/>
-            </a:endParaRPr>
-          </a:p>
-          <a:p>
-            <a:endParaRPr lang="en-US" altLang="ko-KR" sz="2800" dirty="0" smtClean="0">
-              <a:solidFill>
-                <a:schemeClr val="bg1"/>
-              </a:solidFill>
-              <a:latin typeface="소야논8" panose="02020603020101020101" pitchFamily="18" charset="-127"/>
-              <a:ea typeface="소야논8" panose="02020603020101020101" pitchFamily="18" charset="-127"/>
-            </a:endParaRPr>
-          </a:p>
-          <a:p>
-            <a:r>
-              <a:rPr lang="ko-KR" altLang="en-US" sz="2800" dirty="0" smtClean="0">
-                <a:solidFill>
-                  <a:schemeClr val="bg1"/>
-                </a:solidFill>
-                <a:latin typeface="소야논8" panose="02020603020101020101" pitchFamily="18" charset="-127"/>
-                <a:ea typeface="소야논8" panose="02020603020101020101" pitchFamily="18" charset="-127"/>
-              </a:rPr>
-              <a:t>칩 충전은 횟수 제한 없음</a:t>
-            </a:r>
-            <a:r>
-              <a:rPr lang="en-US" altLang="ko-KR" sz="2800" dirty="0" smtClean="0">
-                <a:solidFill>
-                  <a:schemeClr val="bg1"/>
-                </a:solidFill>
-                <a:latin typeface="소야논8" panose="02020603020101020101" pitchFamily="18" charset="-127"/>
-                <a:ea typeface="소야논8" panose="02020603020101020101" pitchFamily="18" charset="-127"/>
-              </a:rPr>
-              <a:t>.</a:t>
-            </a:r>
-          </a:p>
-          <a:p>
-            <a:endParaRPr lang="en-US" altLang="ko-KR" sz="2800" dirty="0" smtClean="0">
-              <a:solidFill>
-                <a:schemeClr val="bg1"/>
-              </a:solidFill>
-              <a:latin typeface="소야논8" panose="02020603020101020101" pitchFamily="18" charset="-127"/>
-              <a:ea typeface="소야논8" panose="02020603020101020101" pitchFamily="18" charset="-127"/>
-            </a:endParaRPr>
-          </a:p>
-          <a:p>
-            <a:r>
-              <a:rPr lang="ko-KR" altLang="en-US" sz="2800" dirty="0" smtClean="0">
-                <a:solidFill>
-                  <a:schemeClr val="bg1"/>
-                </a:solidFill>
-                <a:latin typeface="소야논8" panose="02020603020101020101" pitchFamily="18" charset="-127"/>
-                <a:ea typeface="소야논8" panose="02020603020101020101" pitchFamily="18" charset="-127"/>
-              </a:rPr>
-              <a:t>유저마다 고유 </a:t>
-            </a:r>
-            <a:r>
-              <a:rPr lang="ko-KR" altLang="en-US" sz="2800" dirty="0" err="1" smtClean="0">
-                <a:solidFill>
-                  <a:schemeClr val="bg1"/>
-                </a:solidFill>
-                <a:latin typeface="소야논8" panose="02020603020101020101" pitchFamily="18" charset="-127"/>
-                <a:ea typeface="소야논8" panose="02020603020101020101" pitchFamily="18" charset="-127"/>
-              </a:rPr>
-              <a:t>포켓몬</a:t>
-            </a:r>
-            <a:r>
-              <a:rPr lang="en-US" altLang="ko-KR" sz="2800" dirty="0" smtClean="0">
-                <a:solidFill>
-                  <a:schemeClr val="bg1"/>
-                </a:solidFill>
-                <a:latin typeface="소야논8" panose="02020603020101020101" pitchFamily="18" charset="-127"/>
-                <a:ea typeface="소야논8" panose="02020603020101020101" pitchFamily="18" charset="-127"/>
-              </a:rPr>
-              <a:t>(</a:t>
-            </a:r>
-            <a:r>
-              <a:rPr lang="ko-KR" altLang="en-US" sz="2800" dirty="0" smtClean="0">
-                <a:solidFill>
-                  <a:schemeClr val="bg1"/>
-                </a:solidFill>
-                <a:latin typeface="소야논8" panose="02020603020101020101" pitchFamily="18" charset="-127"/>
-                <a:ea typeface="소야논8" panose="02020603020101020101" pitchFamily="18" charset="-127"/>
-              </a:rPr>
-              <a:t>아이콘</a:t>
-            </a:r>
-            <a:r>
-              <a:rPr lang="en-US" altLang="ko-KR" sz="2800" dirty="0" smtClean="0">
-                <a:solidFill>
-                  <a:schemeClr val="bg1"/>
-                </a:solidFill>
-                <a:latin typeface="소야논8" panose="02020603020101020101" pitchFamily="18" charset="-127"/>
-                <a:ea typeface="소야논8" panose="02020603020101020101" pitchFamily="18" charset="-127"/>
-              </a:rPr>
-              <a:t>)</a:t>
-            </a:r>
-            <a:r>
-              <a:rPr lang="ko-KR" altLang="en-US" sz="2800" dirty="0" smtClean="0">
-                <a:solidFill>
-                  <a:schemeClr val="bg1"/>
-                </a:solidFill>
-                <a:latin typeface="소야논8" panose="02020603020101020101" pitchFamily="18" charset="-127"/>
-                <a:ea typeface="소야논8" panose="02020603020101020101" pitchFamily="18" charset="-127"/>
-              </a:rPr>
-              <a:t>이 있다</a:t>
-            </a:r>
-            <a:endParaRPr lang="ko-KR" altLang="en-US" sz="2800" dirty="0">
-              <a:solidFill>
-                <a:schemeClr val="bg1"/>
-              </a:solidFill>
-              <a:latin typeface="소야논8" panose="02020603020101020101" pitchFamily="18" charset="-127"/>
-              <a:ea typeface="소야논8" panose="02020603020101020101" pitchFamily="18" charset="-127"/>
-            </a:endParaRPr>
+              <a:t>드</a:t>
+            </a:r>
           </a:p>
         </p:txBody>
       </p:sp>
     </p:spTree>
     <p:extLst>
       <p:ext uri="{BB962C8B-B14F-4D97-AF65-F5344CB8AC3E}">
-        <p14:creationId xmlns:p14="http://schemas.microsoft.com/office/powerpoint/2010/main" val="2237886472"/>
+        <p14:creationId xmlns:p14="http://schemas.microsoft.com/office/powerpoint/2010/main" val="3913161157"/>
       </p:ext>
     </p:extLst>
   </p:cSld>
@@ -30497,7 +30370,7 @@
 </file>
 
 <file path=ppt/slides/slide11.xml><?xml version="1.0" encoding="utf-8"?>
-<p:sld xmlns:a="http://schemas.openxmlformats.org/drawingml/2006/main" xmlns:r="http://schemas.openxmlformats.org/officeDocument/2006/relationships" xmlns:p="http://schemas.openxmlformats.org/presentationml/2006/main">
+<p:sld xmlns:a="http://schemas.openxmlformats.org/drawingml/2006/main" xmlns:r="http://schemas.openxmlformats.org/officeDocument/2006/relationships" xmlns:p="http://schemas.openxmlformats.org/presentationml/2006/main" showMasterSp="0">
   <p:cSld>
     <p:spTree>
       <p:nvGrpSpPr>
@@ -30520,25 +30393,27 @@
             <a:spLocks noGrp="1"/>
           </p:cNvSpPr>
           <p:nvPr>
-            <p:ph type="title"/>
+            <p:ph type="ctrTitle"/>
           </p:nvPr>
         </p:nvSpPr>
         <p:spPr/>
         <p:txBody>
-          <a:bodyPr/>
-          <a:lstStyle/>
-          <a:p>
-            <a:r>
-              <a:rPr lang="ko-KR" altLang="en-US" dirty="0" smtClean="0">
+          <a:bodyPr>
+            <a:normAutofit/>
+          </a:bodyPr>
+          <a:lstStyle/>
+          <a:p>
+            <a:r>
+              <a:rPr lang="ko-KR" altLang="en-US" sz="4800" dirty="0" smtClean="0">
                 <a:solidFill>
                   <a:srgbClr val="E4007F"/>
                 </a:solidFill>
                 <a:latin typeface="소야논8" panose="02020603020101020101" pitchFamily="18" charset="-127"/>
                 <a:ea typeface="소야논8" panose="02020603020101020101" pitchFamily="18" charset="-127"/>
               </a:rPr>
-              <a:t>기타</a:t>
-            </a:r>
-            <a:endParaRPr lang="ko-KR" altLang="en-US" dirty="0">
+              <a:t>만든 기능</a:t>
+            </a:r>
+            <a:endParaRPr lang="ko-KR" altLang="en-US" sz="4800" dirty="0">
               <a:solidFill>
                 <a:srgbClr val="E4007F"/>
               </a:solidFill>
@@ -30548,105 +30423,10 @@
           </a:p>
         </p:txBody>
       </p:sp>
-      <p:sp>
-        <p:nvSpPr>
-          <p:cNvPr id="3" name="내용 개체 틀 2"/>
-          <p:cNvSpPr>
-            <a:spLocks noGrp="1"/>
-          </p:cNvSpPr>
-          <p:nvPr>
-            <p:ph idx="1"/>
-          </p:nvPr>
-        </p:nvSpPr>
-        <p:spPr/>
-        <p:txBody>
-          <a:bodyPr>
-            <a:normAutofit/>
-          </a:bodyPr>
-          <a:lstStyle/>
-          <a:p>
-            <a:r>
-              <a:rPr lang="ko-KR" altLang="en-US" sz="2800" dirty="0" err="1" smtClean="0">
-                <a:solidFill>
-                  <a:schemeClr val="bg1"/>
-                </a:solidFill>
-                <a:latin typeface="소야논8" panose="02020603020101020101" pitchFamily="18" charset="-127"/>
-                <a:ea typeface="소야논8" panose="02020603020101020101" pitchFamily="18" charset="-127"/>
-              </a:rPr>
-              <a:t>게임룰</a:t>
-            </a:r>
-            <a:endParaRPr lang="en-US" altLang="ko-KR" sz="2800" dirty="0" smtClean="0">
-              <a:solidFill>
-                <a:schemeClr val="bg1"/>
-              </a:solidFill>
-              <a:latin typeface="소야논8" panose="02020603020101020101" pitchFamily="18" charset="-127"/>
-              <a:ea typeface="소야논8" panose="02020603020101020101" pitchFamily="18" charset="-127"/>
-            </a:endParaRPr>
-          </a:p>
-          <a:p>
-            <a:pPr lvl="1">
-              <a:lnSpc>
-                <a:spcPct val="150000"/>
-              </a:lnSpc>
-            </a:pPr>
-            <a:r>
-              <a:rPr lang="en-US" altLang="ko-KR" sz="2400" dirty="0" smtClean="0">
-                <a:solidFill>
-                  <a:schemeClr val="bg1"/>
-                </a:solidFill>
-                <a:latin typeface="소야논8" panose="02020603020101020101" pitchFamily="18" charset="-127"/>
-                <a:ea typeface="소야논8" panose="02020603020101020101" pitchFamily="18" charset="-127"/>
-              </a:rPr>
-              <a:t>17 soft stand</a:t>
-            </a:r>
-          </a:p>
-          <a:p>
-            <a:pPr lvl="1">
-              <a:lnSpc>
-                <a:spcPct val="150000"/>
-              </a:lnSpc>
-            </a:pPr>
-            <a:r>
-              <a:rPr lang="en-US" altLang="ko-KR" sz="2400" dirty="0" smtClean="0">
-                <a:solidFill>
-                  <a:schemeClr val="bg1"/>
-                </a:solidFill>
-                <a:latin typeface="소야논8" panose="02020603020101020101" pitchFamily="18" charset="-127"/>
-                <a:ea typeface="소야논8" panose="02020603020101020101" pitchFamily="18" charset="-127"/>
-              </a:rPr>
-              <a:t>Split : Only 1 time.</a:t>
-            </a:r>
-          </a:p>
-          <a:p>
-            <a:pPr lvl="1">
-              <a:lnSpc>
-                <a:spcPct val="150000"/>
-              </a:lnSpc>
-            </a:pPr>
-            <a:r>
-              <a:rPr lang="en-US" altLang="ko-KR" sz="2400" dirty="0" smtClean="0">
-                <a:solidFill>
-                  <a:schemeClr val="bg1"/>
-                </a:solidFill>
-                <a:latin typeface="소야논8" panose="02020603020101020101" pitchFamily="18" charset="-127"/>
-                <a:ea typeface="소야논8" panose="02020603020101020101" pitchFamily="18" charset="-127"/>
-              </a:rPr>
-              <a:t>Double down : Only when player has 2 cards.</a:t>
-            </a:r>
-            <a:endParaRPr lang="ko-KR" altLang="en-US" sz="2400" dirty="0">
-              <a:solidFill>
-                <a:schemeClr val="bg1"/>
-              </a:solidFill>
-              <a:latin typeface="소야논8" panose="02020603020101020101" pitchFamily="18" charset="-127"/>
-              <a:ea typeface="소야논8" panose="02020603020101020101" pitchFamily="18" charset="-127"/>
-            </a:endParaRPr>
-          </a:p>
-        </p:txBody>
-      </p:sp>
     </p:spTree>
     <p:extLst>
       <p:ext uri="{BB962C8B-B14F-4D97-AF65-F5344CB8AC3E}">
-        <p14:creationId xmlns:p14="http://schemas.microsoft.com/office/powerpoint/2010/main" val="4099276127"/>
+        <p14:creationId xmlns:p14="http://schemas.microsoft.com/office/powerpoint/2010/main" val="1719440299"/>
       </p:ext>
     </p:extLst>
   </p:cSld>
@@ -30664,7 +30444,7 @@
 </file>
 
 <file path=ppt/slides/slide12.xml><?xml version="1.0" encoding="utf-8"?>
-<p:sld xmlns:a="http://schemas.openxmlformats.org/drawingml/2006/main" xmlns:r="http://schemas.openxmlformats.org/officeDocument/2006/relationships" xmlns:p="http://schemas.openxmlformats.org/presentationml/2006/main" showMasterSp="0">
+<p:sld xmlns:a="http://schemas.openxmlformats.org/drawingml/2006/main" xmlns:r="http://schemas.openxmlformats.org/officeDocument/2006/relationships" xmlns:p="http://schemas.openxmlformats.org/presentationml/2006/main">
   <p:cSld>
     <p:spTree>
       <p:nvGrpSpPr>
@@ -30687,29 +30467,27 @@
             <a:spLocks noGrp="1"/>
           </p:cNvSpPr>
           <p:nvPr>
-            <p:ph type="ctrTitle"/>
+            <p:ph type="title"/>
           </p:nvPr>
         </p:nvSpPr>
         <p:spPr/>
         <p:txBody>
-          <a:bodyPr>
-            <a:normAutofit/>
-          </a:bodyPr>
-          <a:lstStyle/>
-          <a:p>
-            <a:r>
-              <a:rPr lang="ko-KR" altLang="en-US" sz="4800" dirty="0" smtClean="0">
-                <a:solidFill>
-                  <a:srgbClr val="FFC000"/>
+          <a:bodyPr/>
+          <a:lstStyle/>
+          <a:p>
+            <a:r>
+              <a:rPr lang="ko-KR" altLang="en-US" dirty="0" smtClean="0">
+                <a:solidFill>
+                  <a:srgbClr val="E4007F"/>
                 </a:solidFill>
                 <a:latin typeface="소야논8" panose="02020603020101020101" pitchFamily="18" charset="-127"/>
                 <a:ea typeface="소야논8" panose="02020603020101020101" pitchFamily="18" charset="-127"/>
               </a:rPr>
-              <a:t>시연</a:t>
-            </a:r>
-            <a:endParaRPr lang="ko-KR" altLang="en-US" sz="4800" dirty="0">
+              <a:t>구조</a:t>
+            </a:r>
+            <a:endParaRPr lang="ko-KR" altLang="en-US" dirty="0">
               <a:solidFill>
-                <a:srgbClr val="FFC000"/>
+                <a:srgbClr val="E4007F"/>
               </a:solidFill>
               <a:latin typeface="소야논8" panose="02020603020101020101" pitchFamily="18" charset="-127"/>
               <a:ea typeface="소야논8" panose="02020603020101020101" pitchFamily="18" charset="-127"/>
@@ -30717,10 +30495,104 @@
           </a:p>
         </p:txBody>
       </p:sp>
+      <p:sp>
+        <p:nvSpPr>
+          <p:cNvPr id="3" name="내용 개체 틀 2"/>
+          <p:cNvSpPr>
+            <a:spLocks noGrp="1"/>
+          </p:cNvSpPr>
+          <p:nvPr>
+            <p:ph idx="1"/>
+          </p:nvPr>
+        </p:nvSpPr>
+        <p:spPr/>
+        <p:txBody>
+          <a:bodyPr/>
+          <a:lstStyle/>
+          <a:p>
+            <a:r>
+              <a:rPr lang="ko-KR" altLang="en-US" dirty="0" smtClean="0">
+                <a:solidFill>
+                  <a:schemeClr val="bg1"/>
+                </a:solidFill>
+                <a:latin typeface="소야논8" panose="02020603020101020101" pitchFamily="18" charset="-127"/>
+                <a:ea typeface="소야논8" panose="02020603020101020101" pitchFamily="18" charset="-127"/>
+              </a:rPr>
+              <a:t>로그인 서버</a:t>
+            </a:r>
+            <a:endParaRPr lang="en-US" altLang="ko-KR" dirty="0" smtClean="0">
+              <a:solidFill>
+                <a:schemeClr val="bg1"/>
+              </a:solidFill>
+              <a:latin typeface="소야논8" panose="02020603020101020101" pitchFamily="18" charset="-127"/>
+              <a:ea typeface="소야논8" panose="02020603020101020101" pitchFamily="18" charset="-127"/>
+            </a:endParaRPr>
+          </a:p>
+          <a:p>
+            <a:endParaRPr lang="en-US" altLang="ko-KR" dirty="0" smtClean="0">
+              <a:solidFill>
+                <a:schemeClr val="bg1"/>
+              </a:solidFill>
+              <a:latin typeface="소야논8" panose="02020603020101020101" pitchFamily="18" charset="-127"/>
+              <a:ea typeface="소야논8" panose="02020603020101020101" pitchFamily="18" charset="-127"/>
+            </a:endParaRPr>
+          </a:p>
+          <a:p>
+            <a:r>
+              <a:rPr lang="ko-KR" altLang="en-US" dirty="0" smtClean="0">
+                <a:solidFill>
+                  <a:schemeClr val="bg1"/>
+                </a:solidFill>
+                <a:latin typeface="소야논8" panose="02020603020101020101" pitchFamily="18" charset="-127"/>
+                <a:ea typeface="소야논8" panose="02020603020101020101" pitchFamily="18" charset="-127"/>
+              </a:rPr>
+              <a:t>채널 서버</a:t>
+            </a:r>
+            <a:endParaRPr lang="en-US" altLang="ko-KR" dirty="0" smtClean="0">
+              <a:solidFill>
+                <a:schemeClr val="bg1"/>
+              </a:solidFill>
+              <a:latin typeface="소야논8" panose="02020603020101020101" pitchFamily="18" charset="-127"/>
+              <a:ea typeface="소야논8" panose="02020603020101020101" pitchFamily="18" charset="-127"/>
+            </a:endParaRPr>
+          </a:p>
+          <a:p>
+            <a:endParaRPr lang="en-US" altLang="ko-KR" dirty="0" smtClean="0">
+              <a:solidFill>
+                <a:schemeClr val="bg1"/>
+              </a:solidFill>
+              <a:latin typeface="소야논8" panose="02020603020101020101" pitchFamily="18" charset="-127"/>
+              <a:ea typeface="소야논8" panose="02020603020101020101" pitchFamily="18" charset="-127"/>
+            </a:endParaRPr>
+          </a:p>
+          <a:p>
+            <a:r>
+              <a:rPr lang="ko-KR" altLang="en-US" dirty="0" smtClean="0">
+                <a:solidFill>
+                  <a:schemeClr val="bg1"/>
+                </a:solidFill>
+                <a:latin typeface="소야논8" panose="02020603020101020101" pitchFamily="18" charset="-127"/>
+                <a:ea typeface="소야논8" panose="02020603020101020101" pitchFamily="18" charset="-127"/>
+              </a:rPr>
+              <a:t>클라이언</a:t>
+            </a:r>
+            <a:r>
+              <a:rPr lang="ko-KR" altLang="en-US" dirty="0">
+                <a:solidFill>
+                  <a:schemeClr val="bg1"/>
+                </a:solidFill>
+                <a:latin typeface="소야논8" panose="02020603020101020101" pitchFamily="18" charset="-127"/>
+                <a:ea typeface="소야논8" panose="02020603020101020101" pitchFamily="18" charset="-127"/>
+              </a:rPr>
+              <a:t>트</a:t>
+            </a:r>
+          </a:p>
+        </p:txBody>
+      </p:sp>
     </p:spTree>
     <p:extLst>
       <p:ext uri="{BB962C8B-B14F-4D97-AF65-F5344CB8AC3E}">
-        <p14:creationId xmlns:p14="http://schemas.microsoft.com/office/powerpoint/2010/main" val="3913161157"/>
+        <p14:creationId xmlns:p14="http://schemas.microsoft.com/office/powerpoint/2010/main" val="605350252"/>
       </p:ext>
     </p:extLst>
   </p:cSld>
@@ -30761,27 +30633,25 @@
             <a:spLocks noGrp="1"/>
           </p:cNvSpPr>
           <p:nvPr>
-            <p:ph type="ctrTitle"/>
+            <p:ph type="title"/>
           </p:nvPr>
         </p:nvSpPr>
         <p:spPr/>
         <p:txBody>
-          <a:bodyPr>
-            <a:normAutofit/>
-          </a:bodyPr>
-          <a:lstStyle/>
-          <a:p>
-            <a:r>
-              <a:rPr lang="ko-KR" altLang="en-US" sz="4800" dirty="0" smtClean="0">
+          <a:bodyPr/>
+          <a:lstStyle/>
+          <a:p>
+            <a:r>
+              <a:rPr lang="ko-KR" altLang="en-US" dirty="0" smtClean="0">
                 <a:solidFill>
                   <a:srgbClr val="E4007F"/>
                 </a:solidFill>
                 <a:latin typeface="소야논8" panose="02020603020101020101" pitchFamily="18" charset="-127"/>
                 <a:ea typeface="소야논8" panose="02020603020101020101" pitchFamily="18" charset="-127"/>
               </a:rPr>
-              <a:t>서버</a:t>
-            </a:r>
-            <a:endParaRPr lang="ko-KR" altLang="en-US" sz="4800" dirty="0">
+              <a:t>만든 기능</a:t>
+            </a:r>
+            <a:endParaRPr lang="ko-KR" altLang="en-US" dirty="0">
               <a:solidFill>
                 <a:srgbClr val="E4007F"/>
               </a:solidFill>
@@ -30791,10 +30661,744 @@
           </a:p>
         </p:txBody>
       </p:sp>
+      <p:sp>
+        <p:nvSpPr>
+          <p:cNvPr id="4" name="직사각형 3"/>
+          <p:cNvSpPr/>
+          <p:nvPr/>
+        </p:nvSpPr>
+        <p:spPr>
+          <a:xfrm>
+            <a:off x="3742121" y="5282714"/>
+            <a:ext cx="2088232" cy="584775"/>
+          </a:xfrm>
+          <a:prstGeom prst="rect">
+            <a:avLst/>
+          </a:prstGeom>
+        </p:spPr>
+        <p:txBody>
+          <a:bodyPr wrap="square">
+            <a:spAutoFit/>
+          </a:bodyPr>
+          <a:lstStyle/>
+          <a:p>
+            <a:r>
+              <a:rPr lang="ko-KR" altLang="en-US" sz="3200" dirty="0">
+                <a:solidFill>
+                  <a:schemeClr val="bg1"/>
+                </a:solidFill>
+                <a:latin typeface="소야논8" panose="02020603020101020101" pitchFamily="18" charset="-127"/>
+                <a:ea typeface="소야논8" panose="02020603020101020101" pitchFamily="18" charset="-127"/>
+              </a:rPr>
+              <a:t>채널 서버</a:t>
+            </a:r>
+            <a:endParaRPr lang="en-US" altLang="ko-KR" sz="3200" dirty="0">
+              <a:solidFill>
+                <a:schemeClr val="bg1"/>
+              </a:solidFill>
+              <a:latin typeface="소야논8" panose="02020603020101020101" pitchFamily="18" charset="-127"/>
+              <a:ea typeface="소야논8" panose="02020603020101020101" pitchFamily="18" charset="-127"/>
+            </a:endParaRPr>
+          </a:p>
+        </p:txBody>
+      </p:sp>
+      <p:sp>
+        <p:nvSpPr>
+          <p:cNvPr id="5" name="직사각형 4"/>
+          <p:cNvSpPr/>
+          <p:nvPr/>
+        </p:nvSpPr>
+        <p:spPr>
+          <a:xfrm>
+            <a:off x="3635922" y="1590333"/>
+            <a:ext cx="2300630" cy="584775"/>
+          </a:xfrm>
+          <a:prstGeom prst="rect">
+            <a:avLst/>
+          </a:prstGeom>
+        </p:spPr>
+        <p:txBody>
+          <a:bodyPr wrap="none">
+            <a:spAutoFit/>
+          </a:bodyPr>
+          <a:lstStyle/>
+          <a:p>
+            <a:r>
+              <a:rPr lang="ko-KR" altLang="en-US" sz="3200" dirty="0">
+                <a:solidFill>
+                  <a:schemeClr val="bg1"/>
+                </a:solidFill>
+                <a:latin typeface="소야논8" panose="02020603020101020101" pitchFamily="18" charset="-127"/>
+                <a:ea typeface="소야논8" panose="02020603020101020101" pitchFamily="18" charset="-127"/>
+              </a:rPr>
+              <a:t>로그인 서버</a:t>
+            </a:r>
+            <a:endParaRPr lang="en-US" altLang="ko-KR" sz="3200" dirty="0">
+              <a:solidFill>
+                <a:schemeClr val="bg1"/>
+              </a:solidFill>
+              <a:latin typeface="소야논8" panose="02020603020101020101" pitchFamily="18" charset="-127"/>
+              <a:ea typeface="소야논8" panose="02020603020101020101" pitchFamily="18" charset="-127"/>
+            </a:endParaRPr>
+          </a:p>
+        </p:txBody>
+      </p:sp>
+      <p:sp>
+        <p:nvSpPr>
+          <p:cNvPr id="7" name="직사각형 6"/>
+          <p:cNvSpPr/>
+          <p:nvPr/>
+        </p:nvSpPr>
+        <p:spPr>
+          <a:xfrm>
+            <a:off x="971600" y="3429000"/>
+            <a:ext cx="2217523" cy="584775"/>
+          </a:xfrm>
+          <a:prstGeom prst="rect">
+            <a:avLst/>
+          </a:prstGeom>
+        </p:spPr>
+        <p:txBody>
+          <a:bodyPr wrap="square">
+            <a:spAutoFit/>
+          </a:bodyPr>
+          <a:lstStyle/>
+          <a:p>
+            <a:r>
+              <a:rPr lang="ko-KR" altLang="en-US" sz="3200" dirty="0">
+                <a:solidFill>
+                  <a:schemeClr val="bg1"/>
+                </a:solidFill>
+                <a:latin typeface="소야논8" panose="02020603020101020101" pitchFamily="18" charset="-127"/>
+                <a:ea typeface="소야논8" panose="02020603020101020101" pitchFamily="18" charset="-127"/>
+              </a:rPr>
+              <a:t>클라이언트</a:t>
+            </a:r>
+          </a:p>
+        </p:txBody>
+      </p:sp>
+      <p:cxnSp>
+        <p:nvCxnSpPr>
+          <p:cNvPr id="9" name="직선 화살표 연결선 8"/>
+          <p:cNvCxnSpPr/>
+          <p:nvPr/>
+        </p:nvCxnSpPr>
+        <p:spPr>
+          <a:xfrm flipV="1">
+            <a:off x="2384667" y="2171662"/>
+            <a:ext cx="1323237" cy="1028690"/>
+          </a:xfrm>
+          <a:prstGeom prst="straightConnector1">
+            <a:avLst/>
+          </a:prstGeom>
+          <a:ln>
+            <a:tailEnd type="triangle"/>
+          </a:ln>
+        </p:spPr>
+        <p:style>
+          <a:lnRef idx="2">
+            <a:schemeClr val="accent6"/>
+          </a:lnRef>
+          <a:fillRef idx="0">
+            <a:schemeClr val="accent6"/>
+          </a:fillRef>
+          <a:effectRef idx="1">
+            <a:schemeClr val="accent6"/>
+          </a:effectRef>
+          <a:fontRef idx="minor">
+            <a:schemeClr val="tx1"/>
+          </a:fontRef>
+        </p:style>
+      </p:cxnSp>
+      <p:cxnSp>
+        <p:nvCxnSpPr>
+          <p:cNvPr id="10" name="직선 화살표 연결선 9"/>
+          <p:cNvCxnSpPr/>
+          <p:nvPr/>
+        </p:nvCxnSpPr>
+        <p:spPr>
+          <a:xfrm>
+            <a:off x="2349210" y="4133566"/>
+            <a:ext cx="1094845" cy="1296983"/>
+          </a:xfrm>
+          <a:prstGeom prst="straightConnector1">
+            <a:avLst/>
+          </a:prstGeom>
+          <a:ln>
+            <a:tailEnd type="triangle"/>
+          </a:ln>
+        </p:spPr>
+        <p:style>
+          <a:lnRef idx="2">
+            <a:schemeClr val="accent6"/>
+          </a:lnRef>
+          <a:fillRef idx="0">
+            <a:schemeClr val="accent6"/>
+          </a:fillRef>
+          <a:effectRef idx="1">
+            <a:schemeClr val="accent6"/>
+          </a:effectRef>
+          <a:fontRef idx="minor">
+            <a:schemeClr val="tx1"/>
+          </a:fontRef>
+        </p:style>
+      </p:cxnSp>
+      <p:cxnSp>
+        <p:nvCxnSpPr>
+          <p:cNvPr id="14" name="직선 화살표 연결선 13"/>
+          <p:cNvCxnSpPr/>
+          <p:nvPr/>
+        </p:nvCxnSpPr>
+        <p:spPr>
+          <a:xfrm>
+            <a:off x="5830353" y="2149999"/>
+            <a:ext cx="1045903" cy="1172931"/>
+          </a:xfrm>
+          <a:prstGeom prst="straightConnector1">
+            <a:avLst/>
+          </a:prstGeom>
+          <a:ln>
+            <a:tailEnd type="triangle"/>
+          </a:ln>
+        </p:spPr>
+        <p:style>
+          <a:lnRef idx="2">
+            <a:schemeClr val="accent6"/>
+          </a:lnRef>
+          <a:fillRef idx="0">
+            <a:schemeClr val="accent6"/>
+          </a:fillRef>
+          <a:effectRef idx="1">
+            <a:schemeClr val="accent6"/>
+          </a:effectRef>
+          <a:fontRef idx="minor">
+            <a:schemeClr val="tx1"/>
+          </a:fontRef>
+        </p:style>
+      </p:cxnSp>
+      <p:cxnSp>
+        <p:nvCxnSpPr>
+          <p:cNvPr id="16" name="직선 화살표 연결선 15"/>
+          <p:cNvCxnSpPr/>
+          <p:nvPr/>
+        </p:nvCxnSpPr>
+        <p:spPr>
+          <a:xfrm flipH="1">
+            <a:off x="2535747" y="2224177"/>
+            <a:ext cx="1354430" cy="1081537"/>
+          </a:xfrm>
+          <a:prstGeom prst="straightConnector1">
+            <a:avLst/>
+          </a:prstGeom>
+          <a:ln>
+            <a:tailEnd type="triangle"/>
+          </a:ln>
+        </p:spPr>
+        <p:style>
+          <a:lnRef idx="2">
+            <a:schemeClr val="accent6"/>
+          </a:lnRef>
+          <a:fillRef idx="0">
+            <a:schemeClr val="accent6"/>
+          </a:fillRef>
+          <a:effectRef idx="1">
+            <a:schemeClr val="accent6"/>
+          </a:effectRef>
+          <a:fontRef idx="minor">
+            <a:schemeClr val="tx1"/>
+          </a:fontRef>
+        </p:style>
+      </p:cxnSp>
+      <p:sp>
+        <p:nvSpPr>
+          <p:cNvPr id="20" name="TextBox 19"/>
+          <p:cNvSpPr txBox="1"/>
+          <p:nvPr/>
+        </p:nvSpPr>
+        <p:spPr>
+          <a:xfrm>
+            <a:off x="2050446" y="2192399"/>
+            <a:ext cx="1146468" cy="338554"/>
+          </a:xfrm>
+          <a:prstGeom prst="rect">
+            <a:avLst/>
+          </a:prstGeom>
+          <a:noFill/>
+        </p:spPr>
+        <p:txBody>
+          <a:bodyPr wrap="none" rtlCol="0">
+            <a:spAutoFit/>
+          </a:bodyPr>
+          <a:lstStyle/>
+          <a:p>
+            <a:r>
+              <a:rPr lang="ko-KR" altLang="en-US" sz="1600" dirty="0" err="1" smtClean="0">
+                <a:solidFill>
+                  <a:schemeClr val="bg1"/>
+                </a:solidFill>
+                <a:latin typeface="나눔고딕" panose="020D0604000000000000" pitchFamily="50" charset="-127"/>
+                <a:ea typeface="나눔고딕" panose="020D0604000000000000" pitchFamily="50" charset="-127"/>
+              </a:rPr>
+              <a:t>로그인요청</a:t>
+            </a:r>
+            <a:endParaRPr lang="ko-KR" altLang="en-US" sz="1600" dirty="0">
+              <a:solidFill>
+                <a:schemeClr val="bg1"/>
+              </a:solidFill>
+              <a:latin typeface="나눔고딕" panose="020D0604000000000000" pitchFamily="50" charset="-127"/>
+              <a:ea typeface="나눔고딕" panose="020D0604000000000000" pitchFamily="50" charset="-127"/>
+            </a:endParaRPr>
+          </a:p>
+        </p:txBody>
+      </p:sp>
+      <p:sp>
+        <p:nvSpPr>
+          <p:cNvPr id="22" name="TextBox 21"/>
+          <p:cNvSpPr txBox="1"/>
+          <p:nvPr/>
+        </p:nvSpPr>
+        <p:spPr>
+          <a:xfrm>
+            <a:off x="3270607" y="2692146"/>
+            <a:ext cx="1050288" cy="369332"/>
+          </a:xfrm>
+          <a:prstGeom prst="rect">
+            <a:avLst/>
+          </a:prstGeom>
+          <a:noFill/>
+        </p:spPr>
+        <p:txBody>
+          <a:bodyPr wrap="none" rtlCol="0">
+            <a:spAutoFit/>
+          </a:bodyPr>
+          <a:lstStyle/>
+          <a:p>
+            <a:r>
+              <a:rPr lang="ko-KR" altLang="en-US" dirty="0" smtClean="0">
+                <a:solidFill>
+                  <a:schemeClr val="bg1"/>
+                </a:solidFill>
+                <a:latin typeface="나눔고딕" panose="020D0604000000000000" pitchFamily="50" charset="-127"/>
+                <a:ea typeface="나눔고딕" panose="020D0604000000000000" pitchFamily="50" charset="-127"/>
+              </a:rPr>
+              <a:t>토큰발급</a:t>
+            </a:r>
+            <a:endParaRPr lang="ko-KR" altLang="en-US" dirty="0">
+              <a:solidFill>
+                <a:schemeClr val="bg1"/>
+              </a:solidFill>
+              <a:latin typeface="나눔고딕" panose="020D0604000000000000" pitchFamily="50" charset="-127"/>
+              <a:ea typeface="나눔고딕" panose="020D0604000000000000" pitchFamily="50" charset="-127"/>
+            </a:endParaRPr>
+          </a:p>
+        </p:txBody>
+      </p:sp>
+      <p:sp>
+        <p:nvSpPr>
+          <p:cNvPr id="23" name="TextBox 22"/>
+          <p:cNvSpPr txBox="1"/>
+          <p:nvPr/>
+        </p:nvSpPr>
+        <p:spPr>
+          <a:xfrm>
+            <a:off x="6265119" y="2177010"/>
+            <a:ext cx="1547218" cy="369332"/>
+          </a:xfrm>
+          <a:prstGeom prst="rect">
+            <a:avLst/>
+          </a:prstGeom>
+          <a:noFill/>
+        </p:spPr>
+        <p:txBody>
+          <a:bodyPr wrap="none" rtlCol="0">
+            <a:spAutoFit/>
+          </a:bodyPr>
+          <a:lstStyle/>
+          <a:p>
+            <a:r>
+              <a:rPr lang="ko-KR" altLang="en-US" dirty="0" smtClean="0">
+                <a:solidFill>
+                  <a:schemeClr val="bg1"/>
+                </a:solidFill>
+                <a:latin typeface="나눔고딕" panose="020D0604000000000000" pitchFamily="50" charset="-127"/>
+                <a:ea typeface="나눔고딕" panose="020D0604000000000000" pitchFamily="50" charset="-127"/>
+              </a:rPr>
+              <a:t>토큰정보 기록</a:t>
+            </a:r>
+            <a:endParaRPr lang="ko-KR" altLang="en-US" dirty="0">
+              <a:solidFill>
+                <a:schemeClr val="bg1"/>
+              </a:solidFill>
+              <a:latin typeface="나눔고딕" panose="020D0604000000000000" pitchFamily="50" charset="-127"/>
+              <a:ea typeface="나눔고딕" panose="020D0604000000000000" pitchFamily="50" charset="-127"/>
+            </a:endParaRPr>
+          </a:p>
+        </p:txBody>
+      </p:sp>
+      <p:sp>
+        <p:nvSpPr>
+          <p:cNvPr id="33" name="직사각형 32"/>
+          <p:cNvSpPr/>
+          <p:nvPr/>
+        </p:nvSpPr>
+        <p:spPr>
+          <a:xfrm>
+            <a:off x="6444208" y="3429000"/>
+            <a:ext cx="2358110" cy="584775"/>
+          </a:xfrm>
+          <a:prstGeom prst="rect">
+            <a:avLst/>
+          </a:prstGeom>
+        </p:spPr>
+        <p:txBody>
+          <a:bodyPr wrap="square">
+            <a:spAutoFit/>
+          </a:bodyPr>
+          <a:lstStyle/>
+          <a:p>
+            <a:r>
+              <a:rPr lang="en-US" altLang="ko-KR" sz="3200" dirty="0" smtClean="0">
+                <a:solidFill>
+                  <a:schemeClr val="bg1"/>
+                </a:solidFill>
+                <a:latin typeface="소야논8" panose="02020603020101020101" pitchFamily="18" charset="-127"/>
+                <a:ea typeface="소야논8" panose="02020603020101020101" pitchFamily="18" charset="-127"/>
+              </a:rPr>
+              <a:t>DB (MySQL)</a:t>
+            </a:r>
+            <a:endParaRPr lang="en-US" altLang="ko-KR" sz="3200" dirty="0">
+              <a:solidFill>
+                <a:schemeClr val="bg1"/>
+              </a:solidFill>
+              <a:latin typeface="소야논8" panose="02020603020101020101" pitchFamily="18" charset="-127"/>
+              <a:ea typeface="소야논8" panose="02020603020101020101" pitchFamily="18" charset="-127"/>
+            </a:endParaRPr>
+          </a:p>
+        </p:txBody>
+      </p:sp>
+      <p:cxnSp>
+        <p:nvCxnSpPr>
+          <p:cNvPr id="37" name="직선 화살표 연결선 36"/>
+          <p:cNvCxnSpPr/>
+          <p:nvPr/>
+        </p:nvCxnSpPr>
+        <p:spPr>
+          <a:xfrm flipV="1">
+            <a:off x="5667156" y="4133566"/>
+            <a:ext cx="1277603" cy="1207245"/>
+          </a:xfrm>
+          <a:prstGeom prst="straightConnector1">
+            <a:avLst/>
+          </a:prstGeom>
+          <a:ln>
+            <a:tailEnd type="triangle"/>
+          </a:ln>
+        </p:spPr>
+        <p:style>
+          <a:lnRef idx="2">
+            <a:schemeClr val="accent6"/>
+          </a:lnRef>
+          <a:fillRef idx="0">
+            <a:schemeClr val="accent6"/>
+          </a:fillRef>
+          <a:effectRef idx="1">
+            <a:schemeClr val="accent6"/>
+          </a:effectRef>
+          <a:fontRef idx="minor">
+            <a:schemeClr val="tx1"/>
+          </a:fontRef>
+        </p:style>
+      </p:cxnSp>
+      <p:cxnSp>
+        <p:nvCxnSpPr>
+          <p:cNvPr id="40" name="직선 화살표 연결선 39"/>
+          <p:cNvCxnSpPr/>
+          <p:nvPr/>
+        </p:nvCxnSpPr>
+        <p:spPr>
+          <a:xfrm flipH="1">
+            <a:off x="5796136" y="4222825"/>
+            <a:ext cx="1277191" cy="1248156"/>
+          </a:xfrm>
+          <a:prstGeom prst="straightConnector1">
+            <a:avLst/>
+          </a:prstGeom>
+          <a:ln>
+            <a:tailEnd type="triangle"/>
+          </a:ln>
+        </p:spPr>
+        <p:style>
+          <a:lnRef idx="2">
+            <a:schemeClr val="accent6"/>
+          </a:lnRef>
+          <a:fillRef idx="0">
+            <a:schemeClr val="accent6"/>
+          </a:fillRef>
+          <a:effectRef idx="1">
+            <a:schemeClr val="accent6"/>
+          </a:effectRef>
+          <a:fontRef idx="minor">
+            <a:schemeClr val="tx1"/>
+          </a:fontRef>
+        </p:style>
+      </p:cxnSp>
+      <p:sp>
+        <p:nvSpPr>
+          <p:cNvPr id="42" name="TextBox 41"/>
+          <p:cNvSpPr txBox="1"/>
+          <p:nvPr/>
+        </p:nvSpPr>
+        <p:spPr>
+          <a:xfrm>
+            <a:off x="5306416" y="4383283"/>
+            <a:ext cx="954107" cy="338554"/>
+          </a:xfrm>
+          <a:prstGeom prst="rect">
+            <a:avLst/>
+          </a:prstGeom>
+          <a:noFill/>
+        </p:spPr>
+        <p:txBody>
+          <a:bodyPr wrap="none" rtlCol="0">
+            <a:spAutoFit/>
+          </a:bodyPr>
+          <a:lstStyle/>
+          <a:p>
+            <a:r>
+              <a:rPr lang="ko-KR" altLang="en-US" sz="1600" dirty="0" smtClean="0">
+                <a:solidFill>
+                  <a:schemeClr val="bg1"/>
+                </a:solidFill>
+                <a:latin typeface="나눔고딕" panose="020D0604000000000000" pitchFamily="50" charset="-127"/>
+                <a:ea typeface="나눔고딕" panose="020D0604000000000000" pitchFamily="50" charset="-127"/>
+              </a:rPr>
+              <a:t>게임기록</a:t>
+            </a:r>
+            <a:endParaRPr lang="ko-KR" altLang="en-US" sz="1600" dirty="0">
+              <a:solidFill>
+                <a:schemeClr val="bg1"/>
+              </a:solidFill>
+              <a:latin typeface="나눔고딕" panose="020D0604000000000000" pitchFamily="50" charset="-127"/>
+              <a:ea typeface="나눔고딕" panose="020D0604000000000000" pitchFamily="50" charset="-127"/>
+            </a:endParaRPr>
+          </a:p>
+        </p:txBody>
+      </p:sp>
+      <p:sp>
+        <p:nvSpPr>
+          <p:cNvPr id="43" name="TextBox 42"/>
+          <p:cNvSpPr txBox="1"/>
+          <p:nvPr/>
+        </p:nvSpPr>
+        <p:spPr>
+          <a:xfrm>
+            <a:off x="6414412" y="4857140"/>
+            <a:ext cx="617477" cy="369332"/>
+          </a:xfrm>
+          <a:prstGeom prst="rect">
+            <a:avLst/>
+          </a:prstGeom>
+          <a:noFill/>
+        </p:spPr>
+        <p:txBody>
+          <a:bodyPr wrap="none" rtlCol="0">
+            <a:spAutoFit/>
+          </a:bodyPr>
+          <a:lstStyle/>
+          <a:p>
+            <a:r>
+              <a:rPr lang="ko-KR" altLang="en-US" dirty="0" smtClean="0">
+                <a:solidFill>
+                  <a:schemeClr val="bg1"/>
+                </a:solidFill>
+                <a:latin typeface="나눔고딕" panose="020D0604000000000000" pitchFamily="50" charset="-127"/>
+                <a:ea typeface="나눔고딕" panose="020D0604000000000000" pitchFamily="50" charset="-127"/>
+              </a:rPr>
+              <a:t>조회</a:t>
+            </a:r>
+            <a:endParaRPr lang="ko-KR" altLang="en-US" dirty="0">
+              <a:solidFill>
+                <a:schemeClr val="bg1"/>
+              </a:solidFill>
+              <a:latin typeface="나눔고딕" panose="020D0604000000000000" pitchFamily="50" charset="-127"/>
+              <a:ea typeface="나눔고딕" panose="020D0604000000000000" pitchFamily="50" charset="-127"/>
+            </a:endParaRPr>
+          </a:p>
+        </p:txBody>
+      </p:sp>
+      <p:cxnSp>
+        <p:nvCxnSpPr>
+          <p:cNvPr id="44" name="직선 화살표 연결선 43"/>
+          <p:cNvCxnSpPr/>
+          <p:nvPr/>
+        </p:nvCxnSpPr>
+        <p:spPr>
+          <a:xfrm flipH="1" flipV="1">
+            <a:off x="5667156" y="2219235"/>
+            <a:ext cx="1016439" cy="1181970"/>
+          </a:xfrm>
+          <a:prstGeom prst="straightConnector1">
+            <a:avLst/>
+          </a:prstGeom>
+          <a:ln>
+            <a:tailEnd type="triangle"/>
+          </a:ln>
+        </p:spPr>
+        <p:style>
+          <a:lnRef idx="2">
+            <a:schemeClr val="accent6"/>
+          </a:lnRef>
+          <a:fillRef idx="0">
+            <a:schemeClr val="accent6"/>
+          </a:fillRef>
+          <a:effectRef idx="1">
+            <a:schemeClr val="accent6"/>
+          </a:effectRef>
+          <a:fontRef idx="minor">
+            <a:schemeClr val="tx1"/>
+          </a:fontRef>
+        </p:style>
+      </p:cxnSp>
+      <p:sp>
+        <p:nvSpPr>
+          <p:cNvPr id="46" name="TextBox 45"/>
+          <p:cNvSpPr txBox="1"/>
+          <p:nvPr/>
+        </p:nvSpPr>
+        <p:spPr>
+          <a:xfrm>
+            <a:off x="5113463" y="2514987"/>
+            <a:ext cx="1011815" cy="584775"/>
+          </a:xfrm>
+          <a:prstGeom prst="rect">
+            <a:avLst/>
+          </a:prstGeom>
+          <a:noFill/>
+        </p:spPr>
+        <p:txBody>
+          <a:bodyPr wrap="none" rtlCol="0">
+            <a:spAutoFit/>
+          </a:bodyPr>
+          <a:lstStyle/>
+          <a:p>
+            <a:r>
+              <a:rPr lang="ko-KR" altLang="en-US" sz="1600" dirty="0" smtClean="0">
+                <a:solidFill>
+                  <a:schemeClr val="bg1"/>
+                </a:solidFill>
+                <a:latin typeface="나눔고딕" panose="020D0604000000000000" pitchFamily="50" charset="-127"/>
+                <a:ea typeface="나눔고딕" panose="020D0604000000000000" pitchFamily="50" charset="-127"/>
+              </a:rPr>
+              <a:t>로그인</a:t>
+            </a:r>
+            <a:endParaRPr lang="en-US" altLang="ko-KR" sz="1600" dirty="0" smtClean="0">
+              <a:solidFill>
+                <a:schemeClr val="bg1"/>
+              </a:solidFill>
+              <a:latin typeface="나눔고딕" panose="020D0604000000000000" pitchFamily="50" charset="-127"/>
+              <a:ea typeface="나눔고딕" panose="020D0604000000000000" pitchFamily="50" charset="-127"/>
+            </a:endParaRPr>
+          </a:p>
+          <a:p>
+            <a:r>
+              <a:rPr lang="ko-KR" altLang="en-US" sz="1600" dirty="0" smtClean="0">
+                <a:solidFill>
+                  <a:schemeClr val="bg1"/>
+                </a:solidFill>
+                <a:latin typeface="나눔고딕" panose="020D0604000000000000" pitchFamily="50" charset="-127"/>
+                <a:ea typeface="나눔고딕" panose="020D0604000000000000" pitchFamily="50" charset="-127"/>
+              </a:rPr>
+              <a:t>정보 조회</a:t>
+            </a:r>
+            <a:endParaRPr lang="en-US" altLang="ko-KR" sz="1600" dirty="0" smtClean="0">
+              <a:solidFill>
+                <a:schemeClr val="bg1"/>
+              </a:solidFill>
+              <a:latin typeface="나눔고딕" panose="020D0604000000000000" pitchFamily="50" charset="-127"/>
+              <a:ea typeface="나눔고딕" panose="020D0604000000000000" pitchFamily="50" charset="-127"/>
+            </a:endParaRPr>
+          </a:p>
+        </p:txBody>
+      </p:sp>
+      <p:cxnSp>
+        <p:nvCxnSpPr>
+          <p:cNvPr id="47" name="직선 화살표 연결선 46"/>
+          <p:cNvCxnSpPr/>
+          <p:nvPr/>
+        </p:nvCxnSpPr>
+        <p:spPr>
+          <a:xfrm flipH="1" flipV="1">
+            <a:off x="2483303" y="3994336"/>
+            <a:ext cx="1071495" cy="1288378"/>
+          </a:xfrm>
+          <a:prstGeom prst="straightConnector1">
+            <a:avLst/>
+          </a:prstGeom>
+          <a:ln>
+            <a:tailEnd type="triangle"/>
+          </a:ln>
+        </p:spPr>
+        <p:style>
+          <a:lnRef idx="2">
+            <a:schemeClr val="accent6"/>
+          </a:lnRef>
+          <a:fillRef idx="0">
+            <a:schemeClr val="accent6"/>
+          </a:fillRef>
+          <a:effectRef idx="1">
+            <a:schemeClr val="accent6"/>
+          </a:effectRef>
+          <a:fontRef idx="minor">
+            <a:schemeClr val="tx1"/>
+          </a:fontRef>
+        </p:style>
+      </p:cxnSp>
+      <p:sp>
+        <p:nvSpPr>
+          <p:cNvPr id="52" name="TextBox 51"/>
+          <p:cNvSpPr txBox="1"/>
+          <p:nvPr/>
+        </p:nvSpPr>
+        <p:spPr>
+          <a:xfrm>
+            <a:off x="1986559" y="4721789"/>
+            <a:ext cx="833883" cy="369332"/>
+          </a:xfrm>
+          <a:prstGeom prst="rect">
+            <a:avLst/>
+          </a:prstGeom>
+          <a:noFill/>
+        </p:spPr>
+        <p:txBody>
+          <a:bodyPr wrap="none" rtlCol="0">
+            <a:spAutoFit/>
+          </a:bodyPr>
+          <a:lstStyle/>
+          <a:p>
+            <a:r>
+              <a:rPr lang="ko-KR" altLang="en-US" dirty="0" smtClean="0">
+                <a:solidFill>
+                  <a:schemeClr val="bg1"/>
+                </a:solidFill>
+                <a:latin typeface="나눔고딕" panose="020D0604000000000000" pitchFamily="50" charset="-127"/>
+                <a:ea typeface="나눔고딕" panose="020D0604000000000000" pitchFamily="50" charset="-127"/>
+              </a:rPr>
+              <a:t>플레이</a:t>
+            </a:r>
+            <a:endParaRPr lang="ko-KR" altLang="en-US" dirty="0">
+              <a:solidFill>
+                <a:schemeClr val="bg1"/>
+              </a:solidFill>
+              <a:latin typeface="나눔고딕" panose="020D0604000000000000" pitchFamily="50" charset="-127"/>
+              <a:ea typeface="나눔고딕" panose="020D0604000000000000" pitchFamily="50" charset="-127"/>
+            </a:endParaRPr>
+          </a:p>
+        </p:txBody>
+      </p:sp>
     </p:spTree>
     <p:extLst>
       <p:ext uri="{BB962C8B-B14F-4D97-AF65-F5344CB8AC3E}">
-        <p14:creationId xmlns:p14="http://schemas.microsoft.com/office/powerpoint/2010/main" val="3082018519"/>
+        <p14:creationId xmlns:p14="http://schemas.microsoft.com/office/powerpoint/2010/main" val="3465871859"/>
       </p:ext>
     </p:extLst>
   </p:cSld>
@@ -30851,7 +31455,7 @@
                 <a:latin typeface="소야논8" panose="02020603020101020101" pitchFamily="18" charset="-127"/>
                 <a:ea typeface="소야논8" panose="02020603020101020101" pitchFamily="18" charset="-127"/>
               </a:rPr>
-              <a:t>서버</a:t>
+              <a:t>로그인 서버</a:t>
             </a:r>
             <a:endParaRPr lang="ko-KR" altLang="en-US" dirty="0">
               <a:solidFill>
@@ -30876,7 +31480,7 @@
         <p:spPr/>
         <p:txBody>
           <a:bodyPr>
-            <a:normAutofit/>
+            <a:normAutofit fontScale="92500" lnSpcReduction="10000"/>
           </a:bodyPr>
           <a:lstStyle/>
           <a:p>
@@ -30886,44 +31490,44 @@
               </a:lnSpc>
             </a:pPr>
             <a:r>
-              <a:rPr lang="ko-KR" altLang="en-US" sz="2800" dirty="0" err="1" smtClean="0">
+              <a:rPr lang="en-US" altLang="ko-KR" sz="2800" dirty="0">
                 <a:solidFill>
                   <a:schemeClr val="bg1"/>
                 </a:solidFill>
                 <a:latin typeface="소야논8" panose="02020603020101020101" pitchFamily="18" charset="-127"/>
                 <a:ea typeface="소야논8" panose="02020603020101020101" pitchFamily="18" charset="-127"/>
               </a:rPr>
-              <a:t>로직</a:t>
-            </a:r>
-            <a:r>
-              <a:rPr lang="ko-KR" altLang="en-US" sz="2800" dirty="0" smtClean="0">
+              <a:t>C#_</a:t>
+            </a:r>
+            <a:r>
+              <a:rPr lang="en-US" altLang="ko-KR" sz="2800" dirty="0" err="1">
                 <a:solidFill>
                   <a:schemeClr val="bg1"/>
                 </a:solidFill>
                 <a:latin typeface="소야논8" panose="02020603020101020101" pitchFamily="18" charset="-127"/>
                 <a:ea typeface="소야논8" panose="02020603020101020101" pitchFamily="18" charset="-127"/>
               </a:rPr>
-              <a:t> </a:t>
-            </a:r>
-            <a:r>
-              <a:rPr lang="ko-KR" altLang="en-US" sz="2800" dirty="0" err="1">
+              <a:t>Asp.Net</a:t>
+            </a:r>
+            <a:r>
+              <a:rPr lang="en-US" altLang="ko-KR" sz="2800" dirty="0">
                 <a:solidFill>
                   <a:schemeClr val="bg1"/>
                 </a:solidFill>
                 <a:latin typeface="소야논8" panose="02020603020101020101" pitchFamily="18" charset="-127"/>
                 <a:ea typeface="소야논8" panose="02020603020101020101" pitchFamily="18" charset="-127"/>
               </a:rPr>
-              <a:t>쓰</a:t>
-            </a:r>
-            <a:r>
-              <a:rPr lang="ko-KR" altLang="en-US" sz="2800" dirty="0" err="1" smtClean="0">
+              <a:t>, Http</a:t>
+            </a:r>
+            <a:r>
+              <a:rPr lang="ko-KR" altLang="en-US" sz="2800" dirty="0">
                 <a:solidFill>
                   <a:schemeClr val="bg1"/>
                 </a:solidFill>
                 <a:latin typeface="소야논8" panose="02020603020101020101" pitchFamily="18" charset="-127"/>
                 <a:ea typeface="소야논8" panose="02020603020101020101" pitchFamily="18" charset="-127"/>
               </a:rPr>
-              <a:t>레드</a:t>
+              <a:t>를 이용하여 </a:t>
             </a:r>
             <a:r>
               <a:rPr lang="ko-KR" altLang="en-US" sz="2800" dirty="0" smtClean="0">
@@ -30933,27 +31537,7 @@
                 <a:latin typeface="소야논8" panose="02020603020101020101" pitchFamily="18" charset="-127"/>
                 <a:ea typeface="소야논8" panose="02020603020101020101" pitchFamily="18" charset="-127"/>
               </a:rPr>
-              <a:t> </a:t>
-            </a:r>
-            <a:r>
-              <a:rPr lang="en-US" altLang="ko-KR" sz="2800" dirty="0" smtClean="0">
-                <a:solidFill>
-                  <a:schemeClr val="bg1"/>
-                </a:solidFill>
-                <a:latin typeface="소야논8" panose="02020603020101020101" pitchFamily="18" charset="-127"/>
-                <a:ea typeface="소야논8" panose="02020603020101020101" pitchFamily="18" charset="-127"/>
-              </a:rPr>
-              <a:t>: 1</a:t>
-            </a:r>
-            <a:r>
-              <a:rPr lang="ko-KR" altLang="en-US" sz="2800" dirty="0" smtClean="0">
-                <a:solidFill>
-                  <a:schemeClr val="bg1"/>
-                </a:solidFill>
-                <a:latin typeface="소야논8" panose="02020603020101020101" pitchFamily="18" charset="-127"/>
-                <a:ea typeface="소야논8" panose="02020603020101020101" pitchFamily="18" charset="-127"/>
-              </a:rPr>
-              <a:t>개</a:t>
+              <a:t>구현</a:t>
             </a:r>
             <a:endParaRPr lang="en-US" altLang="ko-KR" sz="2800" dirty="0" smtClean="0">
               <a:solidFill>
@@ -30969,94 +31553,7 @@
                 <a:spcPct val="150000"/>
               </a:lnSpc>
             </a:pPr>
-            <a:r>
-              <a:rPr lang="ko-KR" altLang="en-US" sz="2800" dirty="0" smtClean="0">
-                <a:solidFill>
-                  <a:schemeClr val="bg1"/>
-                </a:solidFill>
-                <a:latin typeface="소야논8" panose="02020603020101020101" pitchFamily="18" charset="-127"/>
-                <a:ea typeface="소야논8" panose="02020603020101020101" pitchFamily="18" charset="-127"/>
-              </a:rPr>
-              <a:t>네트워크 </a:t>
-            </a:r>
-            <a:r>
-              <a:rPr lang="ko-KR" altLang="en-US" sz="2800" dirty="0" err="1" smtClean="0">
-                <a:solidFill>
-                  <a:schemeClr val="bg1"/>
-                </a:solidFill>
-                <a:latin typeface="소야논8" panose="02020603020101020101" pitchFamily="18" charset="-127"/>
-                <a:ea typeface="소야논8" panose="02020603020101020101" pitchFamily="18" charset="-127"/>
-              </a:rPr>
-              <a:t>쓰레드</a:t>
-            </a:r>
-            <a:r>
-              <a:rPr lang="ko-KR" altLang="en-US" sz="2800" dirty="0" smtClean="0">
-                <a:solidFill>
-                  <a:schemeClr val="bg1"/>
-                </a:solidFill>
-                <a:latin typeface="소야논8" panose="02020603020101020101" pitchFamily="18" charset="-127"/>
-                <a:ea typeface="소야논8" panose="02020603020101020101" pitchFamily="18" charset="-127"/>
-              </a:rPr>
-              <a:t> </a:t>
-            </a:r>
-            <a:r>
-              <a:rPr lang="en-US" altLang="ko-KR" sz="2800" dirty="0" smtClean="0">
-                <a:solidFill>
-                  <a:schemeClr val="bg1"/>
-                </a:solidFill>
-                <a:latin typeface="소야논8" panose="02020603020101020101" pitchFamily="18" charset="-127"/>
-                <a:ea typeface="소야논8" panose="02020603020101020101" pitchFamily="18" charset="-127"/>
-              </a:rPr>
-              <a:t>: </a:t>
-            </a:r>
-          </a:p>
-          <a:p>
-            <a:pPr lvl="1">
-              <a:lnSpc>
-                <a:spcPct val="150000"/>
-              </a:lnSpc>
-            </a:pPr>
-            <a:r>
-              <a:rPr lang="ko-KR" altLang="en-US" sz="2400" dirty="0" err="1" smtClean="0">
-                <a:solidFill>
-                  <a:schemeClr val="bg1"/>
-                </a:solidFill>
-                <a:latin typeface="소야논8" panose="02020603020101020101" pitchFamily="18" charset="-127"/>
-                <a:ea typeface="소야논8" panose="02020603020101020101" pitchFamily="18" charset="-127"/>
-              </a:rPr>
-              <a:t>워커</a:t>
-            </a:r>
-            <a:r>
-              <a:rPr lang="ko-KR" altLang="en-US" sz="2400" dirty="0" smtClean="0">
-                <a:solidFill>
-                  <a:schemeClr val="bg1"/>
-                </a:solidFill>
-                <a:latin typeface="소야논8" panose="02020603020101020101" pitchFamily="18" charset="-127"/>
-                <a:ea typeface="소야논8" panose="02020603020101020101" pitchFamily="18" charset="-127"/>
-              </a:rPr>
-              <a:t> </a:t>
-            </a:r>
-            <a:r>
-              <a:rPr lang="ko-KR" altLang="en-US" sz="2400" dirty="0" err="1" smtClean="0">
-                <a:solidFill>
-                  <a:schemeClr val="bg1"/>
-                </a:solidFill>
-                <a:latin typeface="소야논8" panose="02020603020101020101" pitchFamily="18" charset="-127"/>
-                <a:ea typeface="소야논8" panose="02020603020101020101" pitchFamily="18" charset="-127"/>
-              </a:rPr>
-              <a:t>쓰레드</a:t>
-            </a:r>
-            <a:r>
-              <a:rPr lang="ko-KR" altLang="en-US" sz="2400" dirty="0" smtClean="0">
-                <a:solidFill>
-                  <a:schemeClr val="bg1"/>
-                </a:solidFill>
-                <a:latin typeface="소야논8" panose="02020603020101020101" pitchFamily="18" charset="-127"/>
-                <a:ea typeface="소야논8" panose="02020603020101020101" pitchFamily="18" charset="-127"/>
-              </a:rPr>
-              <a:t> 다수</a:t>
-            </a:r>
-            <a:endParaRPr lang="en-US" altLang="ko-KR" sz="2400" dirty="0">
+            <a:endParaRPr lang="en-US" altLang="ko-KR" sz="2800" dirty="0" smtClean="0">
               <a:solidFill>
                 <a:schemeClr val="bg1"/>
               </a:solidFill>
@@ -31065,23 +31562,23 @@
             </a:endParaRPr>
           </a:p>
           <a:p>
-            <a:pPr lvl="1">
+            <a:pPr>
               <a:lnSpc>
                 <a:spcPct val="150000"/>
               </a:lnSpc>
             </a:pPr>
             <a:r>
-              <a:rPr lang="ko-KR" altLang="en-US" sz="2400" dirty="0" err="1" smtClean="0">
+              <a:rPr lang="ko-KR" altLang="en-US" sz="2800" dirty="0" smtClean="0">
                 <a:solidFill>
                   <a:schemeClr val="bg1"/>
                 </a:solidFill>
                 <a:latin typeface="소야논8" panose="02020603020101020101" pitchFamily="18" charset="-127"/>
                 <a:ea typeface="소야논8" panose="02020603020101020101" pitchFamily="18" charset="-127"/>
               </a:rPr>
-              <a:t>센드</a:t>
-            </a:r>
-            <a:r>
-              <a:rPr lang="ko-KR" altLang="en-US" sz="2400" dirty="0" smtClean="0">
+              <a:t>회원 가입</a:t>
+            </a:r>
+            <a:r>
+              <a:rPr lang="en-US" altLang="ko-KR" sz="2800" dirty="0">
                 <a:solidFill>
                   <a:schemeClr val="bg1"/>
                 </a:solidFill>
@@ -31091,36 +31588,26 @@
               <a:t> </a:t>
             </a:r>
             <a:r>
-              <a:rPr lang="ko-KR" altLang="en-US" sz="2400" dirty="0" err="1" smtClean="0">
+              <a:rPr lang="en-US" altLang="ko-KR" sz="2800" dirty="0" smtClean="0">
                 <a:solidFill>
                   <a:schemeClr val="bg1"/>
                 </a:solidFill>
                 <a:latin typeface="소야논8" panose="02020603020101020101" pitchFamily="18" charset="-127"/>
                 <a:ea typeface="소야논8" panose="02020603020101020101" pitchFamily="18" charset="-127"/>
               </a:rPr>
-              <a:t>쓰레드</a:t>
-            </a:r>
-            <a:r>
-              <a:rPr lang="ko-KR" altLang="en-US" sz="2400" dirty="0" smtClean="0">
+              <a:t>, </a:t>
+            </a:r>
+            <a:r>
+              <a:rPr lang="ko-KR" altLang="en-US" sz="2800" dirty="0" smtClean="0">
                 <a:solidFill>
                   <a:schemeClr val="bg1"/>
                 </a:solidFill>
                 <a:latin typeface="소야논8" panose="02020603020101020101" pitchFamily="18" charset="-127"/>
                 <a:ea typeface="소야논8" panose="02020603020101020101" pitchFamily="18" charset="-127"/>
               </a:rPr>
-              <a:t> </a:t>
-            </a:r>
-            <a:r>
-              <a:rPr lang="en-US" altLang="ko-KR" sz="2400" dirty="0" smtClean="0">
-                <a:solidFill>
-                  <a:schemeClr val="bg1"/>
-                </a:solidFill>
-                <a:latin typeface="소야논8" panose="02020603020101020101" pitchFamily="18" charset="-127"/>
-                <a:ea typeface="소야논8" panose="02020603020101020101" pitchFamily="18" charset="-127"/>
-              </a:rPr>
-              <a:t>1</a:t>
-            </a:r>
-            <a:endParaRPr lang="en-US" altLang="ko-KR" sz="2400" dirty="0">
+              <a:t>로그인</a:t>
+            </a:r>
+            <a:endParaRPr lang="en-US" altLang="ko-KR" sz="2800" dirty="0" smtClean="0">
               <a:solidFill>
                 <a:schemeClr val="bg1"/>
               </a:solidFill>
@@ -31129,6 +31616,391 @@
             </a:endParaRPr>
           </a:p>
           <a:p>
+            <a:pPr>
+              <a:lnSpc>
+                <a:spcPct val="150000"/>
+              </a:lnSpc>
+            </a:pPr>
+            <a:endParaRPr lang="en-US" altLang="ko-KR" sz="2800" dirty="0" smtClean="0">
+              <a:solidFill>
+                <a:schemeClr val="bg1"/>
+              </a:solidFill>
+              <a:latin typeface="소야논8" panose="02020603020101020101" pitchFamily="18" charset="-127"/>
+              <a:ea typeface="소야논8" panose="02020603020101020101" pitchFamily="18" charset="-127"/>
+            </a:endParaRPr>
+          </a:p>
+          <a:p>
+            <a:pPr>
+              <a:lnSpc>
+                <a:spcPct val="150000"/>
+              </a:lnSpc>
+            </a:pPr>
+            <a:r>
+              <a:rPr lang="ko-KR" altLang="en-US" sz="2800" dirty="0" smtClean="0">
+                <a:solidFill>
+                  <a:schemeClr val="bg1"/>
+                </a:solidFill>
+                <a:latin typeface="소야논8" panose="02020603020101020101" pitchFamily="18" charset="-127"/>
+                <a:ea typeface="소야논8" panose="02020603020101020101" pitchFamily="18" charset="-127"/>
+              </a:rPr>
+              <a:t>현재 </a:t>
+            </a:r>
+            <a:r>
+              <a:rPr lang="ko-KR" altLang="en-US" sz="2800" dirty="0">
+                <a:solidFill>
+                  <a:schemeClr val="bg1"/>
+                </a:solidFill>
+                <a:latin typeface="소야논8" panose="02020603020101020101" pitchFamily="18" charset="-127"/>
+                <a:ea typeface="소야논8" panose="02020603020101020101" pitchFamily="18" charset="-127"/>
+              </a:rPr>
+              <a:t>게임에 접속중인 </a:t>
+            </a:r>
+            <a:r>
+              <a:rPr lang="ko-KR" altLang="en-US" sz="2800" dirty="0" smtClean="0">
+                <a:solidFill>
+                  <a:schemeClr val="bg1"/>
+                </a:solidFill>
+                <a:latin typeface="소야논8" panose="02020603020101020101" pitchFamily="18" charset="-127"/>
+                <a:ea typeface="소야논8" panose="02020603020101020101" pitchFamily="18" charset="-127"/>
+              </a:rPr>
+              <a:t>유저 </a:t>
+            </a:r>
+            <a:r>
+              <a:rPr lang="en-US" altLang="ko-KR" sz="2800" dirty="0" smtClean="0">
+                <a:solidFill>
+                  <a:schemeClr val="bg1"/>
+                </a:solidFill>
+                <a:latin typeface="소야논8" panose="02020603020101020101" pitchFamily="18" charset="-127"/>
+                <a:ea typeface="소야논8" panose="02020603020101020101" pitchFamily="18" charset="-127"/>
+              </a:rPr>
+              <a:t>(</a:t>
+            </a:r>
+            <a:r>
+              <a:rPr lang="ko-KR" altLang="en-US" sz="2800" dirty="0" smtClean="0">
+                <a:solidFill>
+                  <a:schemeClr val="bg1"/>
+                </a:solidFill>
+                <a:latin typeface="소야논8" panose="02020603020101020101" pitchFamily="18" charset="-127"/>
+                <a:ea typeface="소야논8" panose="02020603020101020101" pitchFamily="18" charset="-127"/>
+              </a:rPr>
+              <a:t>중복 로그인 방지</a:t>
+            </a:r>
+            <a:r>
+              <a:rPr lang="en-US" altLang="ko-KR" sz="2800" dirty="0" smtClean="0">
+                <a:solidFill>
+                  <a:schemeClr val="bg1"/>
+                </a:solidFill>
+                <a:latin typeface="소야논8" panose="02020603020101020101" pitchFamily="18" charset="-127"/>
+                <a:ea typeface="소야논8" panose="02020603020101020101" pitchFamily="18" charset="-127"/>
+              </a:rPr>
+              <a:t>)</a:t>
+            </a:r>
+            <a:endParaRPr lang="en-US" altLang="ko-KR" sz="2800" dirty="0">
+              <a:solidFill>
+                <a:schemeClr val="bg1"/>
+              </a:solidFill>
+              <a:latin typeface="소야논8" panose="02020603020101020101" pitchFamily="18" charset="-127"/>
+              <a:ea typeface="소야논8" panose="02020603020101020101" pitchFamily="18" charset="-127"/>
+            </a:endParaRPr>
+          </a:p>
+          <a:p>
+            <a:pPr>
+              <a:lnSpc>
+                <a:spcPct val="150000"/>
+              </a:lnSpc>
+            </a:pPr>
+            <a:endParaRPr lang="en-US" altLang="ko-KR" sz="2800" dirty="0" smtClean="0">
+              <a:solidFill>
+                <a:schemeClr val="bg1"/>
+              </a:solidFill>
+              <a:latin typeface="소야논8" panose="02020603020101020101" pitchFamily="18" charset="-127"/>
+              <a:ea typeface="소야논8" panose="02020603020101020101" pitchFamily="18" charset="-127"/>
+            </a:endParaRPr>
+          </a:p>
+          <a:p>
+            <a:pPr>
+              <a:lnSpc>
+                <a:spcPct val="150000"/>
+              </a:lnSpc>
+            </a:pPr>
+            <a:r>
+              <a:rPr lang="ko-KR" altLang="en-US" sz="2800" dirty="0" smtClean="0">
+                <a:solidFill>
+                  <a:schemeClr val="bg1"/>
+                </a:solidFill>
+                <a:latin typeface="소야논8" panose="02020603020101020101" pitchFamily="18" charset="-127"/>
+                <a:ea typeface="소야논8" panose="02020603020101020101" pitchFamily="18" charset="-127"/>
+              </a:rPr>
+              <a:t>현재 가동중인 서버 리스트를 관리 </a:t>
+            </a:r>
+            <a:r>
+              <a:rPr lang="en-US" altLang="ko-KR" sz="2800" dirty="0" smtClean="0">
+                <a:solidFill>
+                  <a:schemeClr val="bg1"/>
+                </a:solidFill>
+                <a:latin typeface="소야논8" panose="02020603020101020101" pitchFamily="18" charset="-127"/>
+                <a:ea typeface="소야논8" panose="02020603020101020101" pitchFamily="18" charset="-127"/>
+              </a:rPr>
+              <a:t>(IP</a:t>
+            </a:r>
+            <a:r>
+              <a:rPr lang="ko-KR" altLang="en-US" sz="2800" dirty="0" smtClean="0">
+                <a:solidFill>
+                  <a:schemeClr val="bg1"/>
+                </a:solidFill>
+                <a:latin typeface="소야논8" panose="02020603020101020101" pitchFamily="18" charset="-127"/>
+                <a:ea typeface="소야논8" panose="02020603020101020101" pitchFamily="18" charset="-127"/>
+              </a:rPr>
+              <a:t>주소 포함</a:t>
+            </a:r>
+            <a:r>
+              <a:rPr lang="en-US" altLang="ko-KR" sz="2800" dirty="0" smtClean="0">
+                <a:solidFill>
+                  <a:schemeClr val="bg1"/>
+                </a:solidFill>
+                <a:latin typeface="소야논8" panose="02020603020101020101" pitchFamily="18" charset="-127"/>
+                <a:ea typeface="소야논8" panose="02020603020101020101" pitchFamily="18" charset="-127"/>
+              </a:rPr>
+              <a:t>)</a:t>
+            </a:r>
+          </a:p>
+        </p:txBody>
+      </p:sp>
+    </p:spTree>
+    <p:extLst>
+      <p:ext uri="{BB962C8B-B14F-4D97-AF65-F5344CB8AC3E}">
+        <p14:creationId xmlns:p14="http://schemas.microsoft.com/office/powerpoint/2010/main" val="1444924957"/>
+      </p:ext>
+    </p:extLst>
+  </p:cSld>
+  <p:clrMapOvr>
+    <a:masterClrMapping/>
+  </p:clrMapOvr>
+  <p:timing>
+    <p:tnLst>
+      <p:par>
+        <p:cTn id="1" dur="indefinite" restart="never" nodeType="tmRoot"/>
+      </p:par>
+    </p:tnLst>
+  </p:timing>
+</p:sld>
+</file>
+
+<file path=ppt/slides/slide15.xml><?xml version="1.0" encoding="utf-8"?>
+<p:sld xmlns:a="http://schemas.openxmlformats.org/drawingml/2006/main" xmlns:r="http://schemas.openxmlformats.org/officeDocument/2006/relationships" xmlns:p="http://schemas.openxmlformats.org/presentationml/2006/main" showMasterSp="0">
+  <p:cSld>
+    <p:spTree>
+      <p:nvGrpSpPr>
+        <p:cNvPr id="1" name=""/>
+        <p:cNvGrpSpPr/>
+        <p:nvPr/>
+      </p:nvGrpSpPr>
+      <p:grpSpPr>
+        <a:xfrm>
+          <a:off x="0" y="0"/>
+          <a:ext cx="0" cy="0"/>
+          <a:chOff x="0" y="0"/>
+          <a:chExt cx="0" cy="0"/>
+        </a:xfrm>
+      </p:grpSpPr>
+      <p:sp>
+        <p:nvSpPr>
+          <p:cNvPr id="2" name="제목 1"/>
+          <p:cNvSpPr>
+            <a:spLocks noGrp="1"/>
+          </p:cNvSpPr>
+          <p:nvPr>
+            <p:ph type="title"/>
+          </p:nvPr>
+        </p:nvSpPr>
+        <p:spPr/>
+        <p:txBody>
+          <a:bodyPr/>
+          <a:lstStyle/>
+          <a:p>
+            <a:r>
+              <a:rPr lang="ko-KR" altLang="en-US" dirty="0" smtClean="0">
+                <a:solidFill>
+                  <a:srgbClr val="E4007F"/>
+                </a:solidFill>
+                <a:latin typeface="소야논8" panose="02020603020101020101" pitchFamily="18" charset="-127"/>
+                <a:ea typeface="소야논8" panose="02020603020101020101" pitchFamily="18" charset="-127"/>
+              </a:rPr>
+              <a:t>채널 서버</a:t>
+            </a:r>
+            <a:endParaRPr lang="ko-KR" altLang="en-US" dirty="0">
+              <a:solidFill>
+                <a:srgbClr val="E4007F"/>
+              </a:solidFill>
+              <a:latin typeface="소야논8" panose="02020603020101020101" pitchFamily="18" charset="-127"/>
+              <a:ea typeface="소야논8" panose="02020603020101020101" pitchFamily="18" charset="-127"/>
+            </a:endParaRPr>
+          </a:p>
+        </p:txBody>
+      </p:sp>
+      <p:sp>
+        <p:nvSpPr>
+          <p:cNvPr id="3" name="내용 개체 틀 2"/>
+          <p:cNvSpPr>
+            <a:spLocks noGrp="1"/>
+          </p:cNvSpPr>
+          <p:nvPr>
+            <p:ph idx="1"/>
+          </p:nvPr>
+        </p:nvSpPr>
+        <p:spPr/>
+        <p:txBody>
+          <a:bodyPr>
+            <a:normAutofit/>
+          </a:bodyPr>
+          <a:lstStyle/>
+          <a:p>
+            <a:pPr>
+              <a:lnSpc>
+                <a:spcPct val="150000"/>
+              </a:lnSpc>
+            </a:pPr>
+            <a:r>
+              <a:rPr lang="en-US" altLang="ko-KR" sz="2800" dirty="0">
+                <a:solidFill>
+                  <a:schemeClr val="bg1"/>
+                </a:solidFill>
+                <a:latin typeface="소야논8" panose="02020603020101020101" pitchFamily="18" charset="-127"/>
+                <a:ea typeface="소야논8" panose="02020603020101020101" pitchFamily="18" charset="-127"/>
+              </a:rPr>
+              <a:t>C++, </a:t>
+            </a:r>
+            <a:r>
+              <a:rPr lang="en-US" altLang="ko-KR" sz="2800" dirty="0" err="1">
+                <a:solidFill>
+                  <a:schemeClr val="bg1"/>
+                </a:solidFill>
+                <a:latin typeface="소야논8" panose="02020603020101020101" pitchFamily="18" charset="-127"/>
+                <a:ea typeface="소야논8" panose="02020603020101020101" pitchFamily="18" charset="-127"/>
+              </a:rPr>
+              <a:t>winsock</a:t>
+            </a:r>
+            <a:r>
+              <a:rPr lang="en-US" altLang="ko-KR" sz="2800" dirty="0">
+                <a:solidFill>
+                  <a:schemeClr val="bg1"/>
+                </a:solidFill>
+                <a:latin typeface="소야논8" panose="02020603020101020101" pitchFamily="18" charset="-127"/>
+                <a:ea typeface="소야논8" panose="02020603020101020101" pitchFamily="18" charset="-127"/>
+              </a:rPr>
+              <a:t>, IOCP</a:t>
+            </a:r>
+            <a:r>
+              <a:rPr lang="ko-KR" altLang="en-US" sz="2800" dirty="0">
+                <a:solidFill>
+                  <a:schemeClr val="bg1"/>
+                </a:solidFill>
+                <a:latin typeface="소야논8" panose="02020603020101020101" pitchFamily="18" charset="-127"/>
+                <a:ea typeface="소야논8" panose="02020603020101020101" pitchFamily="18" charset="-127"/>
+              </a:rPr>
+              <a:t>를 이용하여 구현</a:t>
+            </a:r>
+          </a:p>
+          <a:p>
+            <a:pPr>
+              <a:lnSpc>
+                <a:spcPct val="150000"/>
+              </a:lnSpc>
+            </a:pPr>
+            <a:endParaRPr lang="en-US" altLang="ko-KR" sz="2800" dirty="0" smtClean="0">
+              <a:solidFill>
+                <a:schemeClr val="bg1"/>
+              </a:solidFill>
+              <a:latin typeface="소야논8" panose="02020603020101020101" pitchFamily="18" charset="-127"/>
+              <a:ea typeface="소야논8" panose="02020603020101020101" pitchFamily="18" charset="-127"/>
+            </a:endParaRPr>
+          </a:p>
+          <a:p>
+            <a:pPr>
+              <a:lnSpc>
+                <a:spcPct val="150000"/>
+              </a:lnSpc>
+            </a:pPr>
+            <a:r>
+              <a:rPr lang="ko-KR" altLang="en-US" sz="2800" dirty="0" smtClean="0">
+                <a:solidFill>
+                  <a:schemeClr val="bg1"/>
+                </a:solidFill>
+                <a:latin typeface="소야논8" panose="02020603020101020101" pitchFamily="18" charset="-127"/>
+                <a:ea typeface="소야논8" panose="02020603020101020101" pitchFamily="18" charset="-127"/>
+              </a:rPr>
+              <a:t>방 </a:t>
+            </a:r>
+            <a:r>
+              <a:rPr lang="en-US" altLang="ko-KR" sz="2800" dirty="0" smtClean="0">
+                <a:solidFill>
+                  <a:schemeClr val="bg1"/>
+                </a:solidFill>
+                <a:latin typeface="소야논8" panose="02020603020101020101" pitchFamily="18" charset="-127"/>
+                <a:ea typeface="소야논8" panose="02020603020101020101" pitchFamily="18" charset="-127"/>
+              </a:rPr>
+              <a:t>+ </a:t>
+            </a:r>
+            <a:r>
+              <a:rPr lang="ko-KR" altLang="en-US" sz="2800" dirty="0" smtClean="0">
+                <a:solidFill>
+                  <a:schemeClr val="bg1"/>
+                </a:solidFill>
+                <a:latin typeface="소야논8" panose="02020603020101020101" pitchFamily="18" charset="-127"/>
+                <a:ea typeface="소야논8" panose="02020603020101020101" pitchFamily="18" charset="-127"/>
+              </a:rPr>
+              <a:t>게임 진행</a:t>
+            </a:r>
+            <a:endParaRPr lang="en-US" altLang="ko-KR" sz="2800" dirty="0" smtClean="0">
+              <a:solidFill>
+                <a:schemeClr val="bg1"/>
+              </a:solidFill>
+              <a:latin typeface="소야논8" panose="02020603020101020101" pitchFamily="18" charset="-127"/>
+              <a:ea typeface="소야논8" panose="02020603020101020101" pitchFamily="18" charset="-127"/>
+            </a:endParaRPr>
+          </a:p>
+          <a:p>
+            <a:pPr>
+              <a:lnSpc>
+                <a:spcPct val="150000"/>
+              </a:lnSpc>
+            </a:pPr>
+            <a:endParaRPr lang="en-US" altLang="ko-KR" sz="2800" dirty="0" smtClean="0">
+              <a:solidFill>
+                <a:schemeClr val="bg1"/>
+              </a:solidFill>
+              <a:latin typeface="소야논8" panose="02020603020101020101" pitchFamily="18" charset="-127"/>
+              <a:ea typeface="소야논8" panose="02020603020101020101" pitchFamily="18" charset="-127"/>
+            </a:endParaRPr>
+          </a:p>
+          <a:p>
+            <a:pPr>
+              <a:lnSpc>
+                <a:spcPct val="150000"/>
+              </a:lnSpc>
+            </a:pPr>
+            <a:r>
+              <a:rPr lang="ko-KR" altLang="en-US" sz="2800" dirty="0" smtClean="0">
+                <a:solidFill>
+                  <a:schemeClr val="bg1"/>
+                </a:solidFill>
+                <a:latin typeface="소야논8" panose="02020603020101020101" pitchFamily="18" charset="-127"/>
+                <a:ea typeface="소야논8" panose="02020603020101020101" pitchFamily="18" charset="-127"/>
+              </a:rPr>
+              <a:t>비어있는 방에 바로 집어넣음</a:t>
+            </a:r>
+            <a:r>
+              <a:rPr lang="en-US" altLang="ko-KR" sz="2800" dirty="0" smtClean="0">
+                <a:solidFill>
+                  <a:schemeClr val="bg1"/>
+                </a:solidFill>
+                <a:latin typeface="소야논8" panose="02020603020101020101" pitchFamily="18" charset="-127"/>
+                <a:ea typeface="소야논8" panose="02020603020101020101" pitchFamily="18" charset="-127"/>
+              </a:rPr>
+              <a:t>.</a:t>
+            </a:r>
+          </a:p>
+          <a:p>
             <a:pPr lvl="1">
               <a:lnSpc>
                 <a:spcPct val="150000"/>
@@ -31142,39 +32014,109 @@
                 <a:latin typeface="소야논8" panose="02020603020101020101" pitchFamily="18" charset="-127"/>
                 <a:ea typeface="소야논8" panose="02020603020101020101" pitchFamily="18" charset="-127"/>
               </a:rPr>
-              <a:t>리슨 </a:t>
-            </a:r>
-            <a:r>
-              <a:rPr lang="ko-KR" altLang="en-US" sz="2400" dirty="0" err="1" smtClean="0">
+              <a:t>로비 등등 없음</a:t>
+            </a:r>
+            <a:r>
+              <a:rPr lang="en-US" altLang="ko-KR" sz="2400" dirty="0" smtClean="0">
                 <a:solidFill>
                   <a:schemeClr val="bg1"/>
                 </a:solidFill>
                 <a:latin typeface="소야논8" panose="02020603020101020101" pitchFamily="18" charset="-127"/>
                 <a:ea typeface="소야논8" panose="02020603020101020101" pitchFamily="18" charset="-127"/>
               </a:rPr>
-              <a:t>쓰레드</a:t>
-            </a:r>
-            <a:r>
-              <a:rPr lang="ko-KR" altLang="en-US" sz="2400" dirty="0" smtClean="0">
-                <a:solidFill>
-                  <a:schemeClr val="bg1"/>
+              <a:t>.</a:t>
+            </a:r>
+          </a:p>
+        </p:txBody>
+      </p:sp>
+    </p:spTree>
+    <p:extLst>
+      <p:ext uri="{BB962C8B-B14F-4D97-AF65-F5344CB8AC3E}">
+        <p14:creationId xmlns:p14="http://schemas.microsoft.com/office/powerpoint/2010/main" val="3566497920"/>
+      </p:ext>
+    </p:extLst>
+  </p:cSld>
+  <p:clrMapOvr>
+    <a:masterClrMapping/>
+  </p:clrMapOvr>
+  <p:timing>
+    <p:tnLst>
+      <p:par>
+        <p:cTn id="1" dur="indefinite" restart="never" nodeType="tmRoot"/>
+      </p:par>
+    </p:tnLst>
+  </p:timing>
+</p:sld>
+</file>
+
+<file path=ppt/slides/slide16.xml><?xml version="1.0" encoding="utf-8"?>
+<p:sld xmlns:a="http://schemas.openxmlformats.org/drawingml/2006/main" xmlns:r="http://schemas.openxmlformats.org/officeDocument/2006/relationships" xmlns:p="http://schemas.openxmlformats.org/presentationml/2006/main" showMasterSp="0">
+  <p:cSld>
+    <p:spTree>
+      <p:nvGrpSpPr>
+        <p:cNvPr id="1" name=""/>
+        <p:cNvGrpSpPr/>
+        <p:nvPr/>
+      </p:nvGrpSpPr>
+      <p:grpSpPr>
+        <a:xfrm>
+          <a:off x="0" y="0"/>
+          <a:ext cx="0" cy="0"/>
+          <a:chOff x="0" y="0"/>
+          <a:chExt cx="0" cy="0"/>
+        </a:xfrm>
+      </p:grpSpPr>
+      <p:sp>
+        <p:nvSpPr>
+          <p:cNvPr id="2" name="제목 1"/>
+          <p:cNvSpPr>
+            <a:spLocks noGrp="1"/>
+          </p:cNvSpPr>
+          <p:nvPr>
+            <p:ph type="title"/>
+          </p:nvPr>
+        </p:nvSpPr>
+        <p:spPr/>
+        <p:txBody>
+          <a:bodyPr/>
+          <a:lstStyle/>
+          <a:p>
+            <a:r>
+              <a:rPr lang="ko-KR" altLang="en-US" dirty="0" smtClean="0">
+                <a:solidFill>
+                  <a:srgbClr val="E4007F"/>
                 </a:solidFill>
                 <a:latin typeface="소야논8" panose="02020603020101020101" pitchFamily="18" charset="-127"/>
                 <a:ea typeface="소야논8" panose="02020603020101020101" pitchFamily="18" charset="-127"/>
               </a:rPr>
-              <a:t> </a:t>
-            </a:r>
-            <a:r>
-              <a:rPr lang="en-US" altLang="ko-KR" sz="2400" dirty="0" smtClean="0">
-                <a:solidFill>
-                  <a:schemeClr val="bg1"/>
-                </a:solidFill>
-                <a:latin typeface="소야논8" panose="02020603020101020101" pitchFamily="18" charset="-127"/>
-                <a:ea typeface="소야논8" panose="02020603020101020101" pitchFamily="18" charset="-127"/>
-              </a:rPr>
-              <a:t>1</a:t>
-            </a:r>
-          </a:p>
+              <a:t>클라이언트</a:t>
+            </a:r>
+            <a:endParaRPr lang="ko-KR" altLang="en-US" dirty="0">
+              <a:solidFill>
+                <a:srgbClr val="E4007F"/>
+              </a:solidFill>
+              <a:latin typeface="소야논8" panose="02020603020101020101" pitchFamily="18" charset="-127"/>
+              <a:ea typeface="소야논8" panose="02020603020101020101" pitchFamily="18" charset="-127"/>
+            </a:endParaRPr>
+          </a:p>
+        </p:txBody>
+      </p:sp>
+      <p:sp>
+        <p:nvSpPr>
+          <p:cNvPr id="3" name="내용 개체 틀 2"/>
+          <p:cNvSpPr>
+            <a:spLocks noGrp="1"/>
+          </p:cNvSpPr>
+          <p:nvPr>
+            <p:ph idx="1"/>
+          </p:nvPr>
+        </p:nvSpPr>
+        <p:spPr/>
+        <p:txBody>
+          <a:bodyPr>
+            <a:normAutofit/>
+          </a:bodyPr>
+          <a:lstStyle/>
           <a:p>
             <a:pPr>
               <a:lnSpc>
@@ -31182,36 +32124,125 @@
               </a:lnSpc>
             </a:pPr>
             <a:r>
-              <a:rPr lang="ko-KR" altLang="en-US" sz="2800" dirty="0" err="1" smtClean="0">
+              <a:rPr lang="en-US" altLang="ko-KR" sz="2800" dirty="0">
                 <a:solidFill>
                   <a:schemeClr val="bg1"/>
                 </a:solidFill>
                 <a:latin typeface="소야논8" panose="02020603020101020101" pitchFamily="18" charset="-127"/>
                 <a:ea typeface="소야논8" panose="02020603020101020101" pitchFamily="18" charset="-127"/>
               </a:rPr>
-              <a:t>디비</a:t>
-            </a:r>
-            <a:r>
-              <a:rPr lang="ko-KR" altLang="en-US" sz="2800" dirty="0" smtClean="0">
+              <a:t>C++, Cocos2d-x, </a:t>
+            </a:r>
+            <a:r>
+              <a:rPr lang="en-US" altLang="ko-KR" sz="2800" dirty="0" err="1" smtClean="0">
                 <a:solidFill>
                   <a:schemeClr val="bg1"/>
                 </a:solidFill>
                 <a:latin typeface="소야논8" panose="02020603020101020101" pitchFamily="18" charset="-127"/>
                 <a:ea typeface="소야논8" panose="02020603020101020101" pitchFamily="18" charset="-127"/>
               </a:rPr>
-              <a:t> </a:t>
-            </a:r>
-            <a:r>
-              <a:rPr lang="ko-KR" altLang="en-US" sz="2800" dirty="0" err="1" smtClean="0">
+              <a:t>winsock</a:t>
+            </a:r>
+            <a:endParaRPr lang="en-US" altLang="ko-KR" sz="2800" dirty="0" smtClean="0">
+              <a:solidFill>
+                <a:schemeClr val="bg1"/>
+              </a:solidFill>
+              <a:latin typeface="소야논8" panose="02020603020101020101" pitchFamily="18" charset="-127"/>
+              <a:ea typeface="소야논8" panose="02020603020101020101" pitchFamily="18" charset="-127"/>
+            </a:endParaRPr>
+          </a:p>
+          <a:p>
+            <a:pPr>
+              <a:lnSpc>
+                <a:spcPct val="150000"/>
+              </a:lnSpc>
+            </a:pPr>
+            <a:endParaRPr lang="en-US" altLang="ko-KR" sz="2800" dirty="0">
+              <a:solidFill>
+                <a:schemeClr val="bg1"/>
+              </a:solidFill>
+              <a:latin typeface="소야논8" panose="02020603020101020101" pitchFamily="18" charset="-127"/>
+              <a:ea typeface="소야논8" panose="02020603020101020101" pitchFamily="18" charset="-127"/>
+            </a:endParaRPr>
+          </a:p>
+          <a:p>
+            <a:pPr>
+              <a:lnSpc>
+                <a:spcPct val="150000"/>
+              </a:lnSpc>
+            </a:pPr>
+            <a:r>
+              <a:rPr lang="ko-KR" altLang="en-US" sz="2800" dirty="0" smtClean="0">
                 <a:solidFill>
                   <a:schemeClr val="bg1"/>
                 </a:solidFill>
                 <a:latin typeface="소야논8" panose="02020603020101020101" pitchFamily="18" charset="-127"/>
                 <a:ea typeface="소야논8" panose="02020603020101020101" pitchFamily="18" charset="-127"/>
               </a:rPr>
-              <a:t>쓰레드</a:t>
-            </a:r>
+              <a:t>로그인 서버와 </a:t>
+            </a:r>
+            <a:r>
+              <a:rPr lang="en-US" altLang="ko-KR" sz="2800" dirty="0" smtClean="0">
+                <a:solidFill>
+                  <a:schemeClr val="bg1"/>
+                </a:solidFill>
+                <a:latin typeface="소야논8" panose="02020603020101020101" pitchFamily="18" charset="-127"/>
+                <a:ea typeface="소야논8" panose="02020603020101020101" pitchFamily="18" charset="-127"/>
+              </a:rPr>
+              <a:t>http</a:t>
+            </a:r>
+            <a:r>
+              <a:rPr lang="ko-KR" altLang="en-US" sz="2800" dirty="0" smtClean="0">
+                <a:solidFill>
+                  <a:schemeClr val="bg1"/>
+                </a:solidFill>
+                <a:latin typeface="소야논8" panose="02020603020101020101" pitchFamily="18" charset="-127"/>
+                <a:ea typeface="소야논8" panose="02020603020101020101" pitchFamily="18" charset="-127"/>
+              </a:rPr>
+              <a:t>로 통신 </a:t>
+            </a:r>
+            <a:r>
+              <a:rPr lang="en-US" altLang="ko-KR" sz="2800" dirty="0" smtClean="0">
+                <a:solidFill>
+                  <a:schemeClr val="bg1"/>
+                </a:solidFill>
+                <a:latin typeface="소야논8" panose="02020603020101020101" pitchFamily="18" charset="-127"/>
+                <a:ea typeface="소야논8" panose="02020603020101020101" pitchFamily="18" charset="-127"/>
+              </a:rPr>
+              <a:t>(Cocos2d-x)</a:t>
+            </a:r>
+          </a:p>
+          <a:p>
+            <a:pPr>
+              <a:lnSpc>
+                <a:spcPct val="150000"/>
+              </a:lnSpc>
+            </a:pPr>
             <a:endParaRPr lang="en-US" altLang="ko-KR" sz="2800" dirty="0" smtClean="0">
+              <a:solidFill>
+                <a:schemeClr val="bg1"/>
+              </a:solidFill>
+              <a:latin typeface="소야논8" panose="02020603020101020101" pitchFamily="18" charset="-127"/>
+              <a:ea typeface="소야논8" panose="02020603020101020101" pitchFamily="18" charset="-127"/>
+            </a:endParaRPr>
+          </a:p>
+          <a:p>
+            <a:pPr>
+              <a:lnSpc>
+                <a:spcPct val="150000"/>
+              </a:lnSpc>
+            </a:pPr>
+            <a:r>
+              <a:rPr lang="ko-KR" altLang="en-US" sz="2800" dirty="0" smtClean="0">
+                <a:solidFill>
+                  <a:schemeClr val="bg1"/>
+                </a:solidFill>
+                <a:latin typeface="소야논8" panose="02020603020101020101" pitchFamily="18" charset="-127"/>
+                <a:ea typeface="소야논8" panose="02020603020101020101" pitchFamily="18" charset="-127"/>
+              </a:rPr>
+              <a:t>로그인 서버에게 받은 채널 목록에서 채널선택</a:t>
+            </a:r>
+            <a:endParaRPr lang="ko-KR" altLang="en-US" sz="2800" dirty="0">
               <a:solidFill>
                 <a:schemeClr val="bg1"/>
               </a:solidFill>
@@ -31241,7 +32272,302 @@
 </p:sld>
 </file>
 
-<file path=ppt/slides/slide15.xml><?xml version="1.0" encoding="utf-8"?>
+<file path=ppt/slides/slide17.xml><?xml version="1.0" encoding="utf-8"?>
+<p:sld xmlns:a="http://schemas.openxmlformats.org/drawingml/2006/main" xmlns:r="http://schemas.openxmlformats.org/officeDocument/2006/relationships" xmlns:p="http://schemas.openxmlformats.org/presentationml/2006/main" showMasterSp="0">
+  <p:cSld>
+    <p:spTree>
+      <p:nvGrpSpPr>
+        <p:cNvPr id="1" name=""/>
+        <p:cNvGrpSpPr/>
+        <p:nvPr/>
+      </p:nvGrpSpPr>
+      <p:grpSpPr>
+        <a:xfrm>
+          <a:off x="0" y="0"/>
+          <a:ext cx="0" cy="0"/>
+          <a:chOff x="0" y="0"/>
+          <a:chExt cx="0" cy="0"/>
+        </a:xfrm>
+      </p:grpSpPr>
+      <p:sp>
+        <p:nvSpPr>
+          <p:cNvPr id="2" name="제목 1"/>
+          <p:cNvSpPr>
+            <a:spLocks noGrp="1"/>
+          </p:cNvSpPr>
+          <p:nvPr>
+            <p:ph type="title"/>
+          </p:nvPr>
+        </p:nvSpPr>
+        <p:spPr/>
+        <p:txBody>
+          <a:bodyPr/>
+          <a:lstStyle/>
+          <a:p>
+            <a:r>
+              <a:rPr lang="ko-KR" altLang="en-US" dirty="0" smtClean="0">
+                <a:solidFill>
+                  <a:srgbClr val="E4007F"/>
+                </a:solidFill>
+                <a:latin typeface="소야논8" panose="02020603020101020101" pitchFamily="18" charset="-127"/>
+                <a:ea typeface="소야논8" panose="02020603020101020101" pitchFamily="18" charset="-127"/>
+              </a:rPr>
+              <a:t>기타</a:t>
+            </a:r>
+            <a:endParaRPr lang="ko-KR" altLang="en-US" dirty="0">
+              <a:solidFill>
+                <a:srgbClr val="E4007F"/>
+              </a:solidFill>
+              <a:latin typeface="소야논8" panose="02020603020101020101" pitchFamily="18" charset="-127"/>
+              <a:ea typeface="소야논8" panose="02020603020101020101" pitchFamily="18" charset="-127"/>
+            </a:endParaRPr>
+          </a:p>
+        </p:txBody>
+      </p:sp>
+      <p:sp>
+        <p:nvSpPr>
+          <p:cNvPr id="3" name="내용 개체 틀 2"/>
+          <p:cNvSpPr>
+            <a:spLocks noGrp="1"/>
+          </p:cNvSpPr>
+          <p:nvPr>
+            <p:ph idx="1"/>
+          </p:nvPr>
+        </p:nvSpPr>
+        <p:spPr/>
+        <p:txBody>
+          <a:bodyPr>
+            <a:normAutofit/>
+          </a:bodyPr>
+          <a:lstStyle/>
+          <a:p>
+            <a:r>
+              <a:rPr lang="ko-KR" altLang="en-US" sz="2800" dirty="0" smtClean="0">
+                <a:solidFill>
+                  <a:schemeClr val="bg1"/>
+                </a:solidFill>
+                <a:latin typeface="소야논8" panose="02020603020101020101" pitchFamily="18" charset="-127"/>
+                <a:ea typeface="소야논8" panose="02020603020101020101" pitchFamily="18" charset="-127"/>
+              </a:rPr>
+              <a:t>로비</a:t>
+            </a:r>
+            <a:r>
+              <a:rPr lang="en-US" altLang="ko-KR" sz="2800" dirty="0" smtClean="0">
+                <a:solidFill>
+                  <a:schemeClr val="bg1"/>
+                </a:solidFill>
+                <a:latin typeface="소야논8" panose="02020603020101020101" pitchFamily="18" charset="-127"/>
+                <a:ea typeface="소야논8" panose="02020603020101020101" pitchFamily="18" charset="-127"/>
+              </a:rPr>
+              <a:t>(</a:t>
+            </a:r>
+            <a:r>
+              <a:rPr lang="ko-KR" altLang="en-US" sz="2800" dirty="0" smtClean="0">
+                <a:solidFill>
+                  <a:schemeClr val="bg1"/>
+                </a:solidFill>
+                <a:latin typeface="소야논8" panose="02020603020101020101" pitchFamily="18" charset="-127"/>
+                <a:ea typeface="소야논8" panose="02020603020101020101" pitchFamily="18" charset="-127"/>
+              </a:rPr>
+              <a:t>룸 리스트</a:t>
+            </a:r>
+            <a:r>
+              <a:rPr lang="en-US" altLang="ko-KR" sz="2800" dirty="0" smtClean="0">
+                <a:solidFill>
+                  <a:schemeClr val="bg1"/>
+                </a:solidFill>
+                <a:latin typeface="소야논8" panose="02020603020101020101" pitchFamily="18" charset="-127"/>
+                <a:ea typeface="소야논8" panose="02020603020101020101" pitchFamily="18" charset="-127"/>
+              </a:rPr>
+              <a:t>)</a:t>
+            </a:r>
+            <a:r>
+              <a:rPr lang="ko-KR" altLang="en-US" sz="2800" dirty="0" smtClean="0">
+                <a:solidFill>
+                  <a:schemeClr val="bg1"/>
+                </a:solidFill>
+                <a:latin typeface="소야논8" panose="02020603020101020101" pitchFamily="18" charset="-127"/>
+                <a:ea typeface="소야논8" panose="02020603020101020101" pitchFamily="18" charset="-127"/>
+              </a:rPr>
+              <a:t>는 없고</a:t>
+            </a:r>
+            <a:r>
+              <a:rPr lang="en-US" altLang="ko-KR" sz="2800" dirty="0" smtClean="0">
+                <a:solidFill>
+                  <a:schemeClr val="bg1"/>
+                </a:solidFill>
+                <a:latin typeface="소야논8" panose="02020603020101020101" pitchFamily="18" charset="-127"/>
+                <a:ea typeface="소야논8" panose="02020603020101020101" pitchFamily="18" charset="-127"/>
+              </a:rPr>
+              <a:t>, </a:t>
+            </a:r>
+            <a:r>
+              <a:rPr lang="ko-KR" altLang="en-US" sz="2800" dirty="0" err="1" smtClean="0">
+                <a:solidFill>
+                  <a:schemeClr val="bg1"/>
+                </a:solidFill>
+                <a:latin typeface="소야논8" panose="02020603020101020101" pitchFamily="18" charset="-127"/>
+                <a:ea typeface="소야논8" panose="02020603020101020101" pitchFamily="18" charset="-127"/>
+              </a:rPr>
+              <a:t>접속시</a:t>
+            </a:r>
+            <a:r>
+              <a:rPr lang="ko-KR" altLang="en-US" sz="2800" dirty="0" smtClean="0">
+                <a:solidFill>
+                  <a:schemeClr val="bg1"/>
+                </a:solidFill>
+                <a:latin typeface="소야논8" panose="02020603020101020101" pitchFamily="18" charset="-127"/>
+                <a:ea typeface="소야논8" panose="02020603020101020101" pitchFamily="18" charset="-127"/>
+              </a:rPr>
+              <a:t> 빈 방으로 빠른 참여</a:t>
+            </a:r>
+            <a:endParaRPr lang="en-US" altLang="ko-KR" sz="2800" dirty="0" smtClean="0">
+              <a:solidFill>
+                <a:schemeClr val="bg1"/>
+              </a:solidFill>
+              <a:latin typeface="소야논8" panose="02020603020101020101" pitchFamily="18" charset="-127"/>
+              <a:ea typeface="소야논8" panose="02020603020101020101" pitchFamily="18" charset="-127"/>
+            </a:endParaRPr>
+          </a:p>
+          <a:p>
+            <a:endParaRPr lang="en-US" altLang="ko-KR" sz="2800" dirty="0" smtClean="0">
+              <a:solidFill>
+                <a:schemeClr val="bg1"/>
+              </a:solidFill>
+              <a:latin typeface="소야논8" panose="02020603020101020101" pitchFamily="18" charset="-127"/>
+              <a:ea typeface="소야논8" panose="02020603020101020101" pitchFamily="18" charset="-127"/>
+            </a:endParaRPr>
+          </a:p>
+          <a:p>
+            <a:r>
+              <a:rPr lang="ko-KR" altLang="en-US" sz="2800" dirty="0" smtClean="0">
+                <a:solidFill>
+                  <a:schemeClr val="bg1"/>
+                </a:solidFill>
+                <a:latin typeface="소야논8" panose="02020603020101020101" pitchFamily="18" charset="-127"/>
+                <a:ea typeface="소야논8" panose="02020603020101020101" pitchFamily="18" charset="-127"/>
+              </a:rPr>
+              <a:t>칩 충전은 횟수 제한 </a:t>
+            </a:r>
+            <a:r>
+              <a:rPr lang="ko-KR" altLang="en-US" sz="2800" dirty="0" smtClean="0">
+                <a:solidFill>
+                  <a:schemeClr val="bg1"/>
+                </a:solidFill>
+                <a:latin typeface="소야논8" panose="02020603020101020101" pitchFamily="18" charset="-127"/>
+                <a:ea typeface="소야논8" panose="02020603020101020101" pitchFamily="18" charset="-127"/>
+              </a:rPr>
+              <a:t>없음</a:t>
+            </a:r>
+            <a:endParaRPr lang="en-US" altLang="ko-KR" sz="2800" dirty="0" smtClean="0">
+              <a:solidFill>
+                <a:schemeClr val="bg1"/>
+              </a:solidFill>
+              <a:latin typeface="소야논8" panose="02020603020101020101" pitchFamily="18" charset="-127"/>
+              <a:ea typeface="소야논8" panose="02020603020101020101" pitchFamily="18" charset="-127"/>
+            </a:endParaRPr>
+          </a:p>
+          <a:p>
+            <a:endParaRPr lang="en-US" altLang="ko-KR" sz="2800" dirty="0" smtClean="0">
+              <a:solidFill>
+                <a:schemeClr val="bg1"/>
+              </a:solidFill>
+              <a:latin typeface="소야논8" panose="02020603020101020101" pitchFamily="18" charset="-127"/>
+              <a:ea typeface="소야논8" panose="02020603020101020101" pitchFamily="18" charset="-127"/>
+            </a:endParaRPr>
+          </a:p>
+          <a:p>
+            <a:r>
+              <a:rPr lang="ko-KR" altLang="en-US" sz="2800" dirty="0" smtClean="0">
+                <a:solidFill>
+                  <a:schemeClr val="bg1"/>
+                </a:solidFill>
+                <a:latin typeface="소야논8" panose="02020603020101020101" pitchFamily="18" charset="-127"/>
+                <a:ea typeface="소야논8" panose="02020603020101020101" pitchFamily="18" charset="-127"/>
+              </a:rPr>
+              <a:t>유저마다 고유 </a:t>
+            </a:r>
+            <a:r>
+              <a:rPr lang="ko-KR" altLang="en-US" sz="2800" dirty="0" err="1" smtClean="0">
+                <a:solidFill>
+                  <a:schemeClr val="bg1"/>
+                </a:solidFill>
+                <a:latin typeface="소야논8" panose="02020603020101020101" pitchFamily="18" charset="-127"/>
+                <a:ea typeface="소야논8" panose="02020603020101020101" pitchFamily="18" charset="-127"/>
+              </a:rPr>
+              <a:t>포켓몬</a:t>
+            </a:r>
+            <a:r>
+              <a:rPr lang="en-US" altLang="ko-KR" sz="2800" dirty="0" smtClean="0">
+                <a:solidFill>
+                  <a:schemeClr val="bg1"/>
+                </a:solidFill>
+                <a:latin typeface="소야논8" panose="02020603020101020101" pitchFamily="18" charset="-127"/>
+                <a:ea typeface="소야논8" panose="02020603020101020101" pitchFamily="18" charset="-127"/>
+              </a:rPr>
+              <a:t>(</a:t>
+            </a:r>
+            <a:r>
+              <a:rPr lang="ko-KR" altLang="en-US" sz="2800" dirty="0" smtClean="0">
+                <a:solidFill>
+                  <a:schemeClr val="bg1"/>
+                </a:solidFill>
+                <a:latin typeface="소야논8" panose="02020603020101020101" pitchFamily="18" charset="-127"/>
+                <a:ea typeface="소야논8" panose="02020603020101020101" pitchFamily="18" charset="-127"/>
+              </a:rPr>
+              <a:t>아이콘</a:t>
+            </a:r>
+            <a:r>
+              <a:rPr lang="en-US" altLang="ko-KR" sz="2800" dirty="0" smtClean="0">
+                <a:solidFill>
+                  <a:schemeClr val="bg1"/>
+                </a:solidFill>
+                <a:latin typeface="소야논8" panose="02020603020101020101" pitchFamily="18" charset="-127"/>
+                <a:ea typeface="소야논8" panose="02020603020101020101" pitchFamily="18" charset="-127"/>
+              </a:rPr>
+              <a:t>)</a:t>
+            </a:r>
+            <a:r>
+              <a:rPr lang="ko-KR" altLang="en-US" sz="2800" dirty="0" smtClean="0">
+                <a:solidFill>
+                  <a:schemeClr val="bg1"/>
+                </a:solidFill>
+                <a:latin typeface="소야논8" panose="02020603020101020101" pitchFamily="18" charset="-127"/>
+                <a:ea typeface="소야논8" panose="02020603020101020101" pitchFamily="18" charset="-127"/>
+              </a:rPr>
+              <a:t>이 있다</a:t>
+            </a:r>
+            <a:endParaRPr lang="ko-KR" altLang="en-US" sz="2800" dirty="0">
+              <a:solidFill>
+                <a:schemeClr val="bg1"/>
+              </a:solidFill>
+              <a:latin typeface="소야논8" panose="02020603020101020101" pitchFamily="18" charset="-127"/>
+              <a:ea typeface="소야논8" panose="02020603020101020101" pitchFamily="18" charset="-127"/>
+            </a:endParaRPr>
+          </a:p>
+        </p:txBody>
+      </p:sp>
+    </p:spTree>
+    <p:extLst>
+      <p:ext uri="{BB962C8B-B14F-4D97-AF65-F5344CB8AC3E}">
+        <p14:creationId xmlns:p14="http://schemas.microsoft.com/office/powerpoint/2010/main" val="2237886472"/>
+      </p:ext>
+    </p:extLst>
+  </p:cSld>
+  <p:clrMapOvr>
+    <a:masterClrMapping/>
+  </p:clrMapOvr>
+  <p:timing>
+    <p:tnLst>
+      <p:par>
+        <p:cTn id="1" dur="indefinite" restart="never" nodeType="tmRoot"/>
+      </p:par>
+    </p:tnLst>
+  </p:timing>
+</p:sld>
+</file>
+
+<file path=ppt/slides/slide18.xml><?xml version="1.0" encoding="utf-8"?>
 <p:sld xmlns:a="http://schemas.openxmlformats.org/drawingml/2006/main" xmlns:r="http://schemas.openxmlformats.org/officeDocument/2006/relationships" xmlns:p="http://schemas.openxmlformats.org/presentationml/2006/main">
   <p:cSld>
     <p:spTree>
@@ -31281,7 +32607,7 @@
                 <a:latin typeface="소야논8" panose="02020603020101020101" pitchFamily="18" charset="-127"/>
                 <a:ea typeface="소야논8" panose="02020603020101020101" pitchFamily="18" charset="-127"/>
               </a:rPr>
-              <a:t>서버 구조</a:t>
+              <a:t>기타</a:t>
             </a:r>
             <a:endParaRPr lang="ko-KR" altLang="en-US" dirty="0">
               <a:solidFill>
@@ -31310,14 +32636,1043 @@
           </a:bodyPr>
           <a:lstStyle/>
           <a:p>
+            <a:r>
+              <a:rPr lang="ko-KR" altLang="en-US" sz="2800" dirty="0" err="1" smtClean="0">
+                <a:solidFill>
+                  <a:schemeClr val="bg1"/>
+                </a:solidFill>
+                <a:latin typeface="소야논8" panose="02020603020101020101" pitchFamily="18" charset="-127"/>
+                <a:ea typeface="소야논8" panose="02020603020101020101" pitchFamily="18" charset="-127"/>
+              </a:rPr>
+              <a:t>게임룰</a:t>
+            </a:r>
+            <a:endParaRPr lang="en-US" altLang="ko-KR" sz="2800" dirty="0" smtClean="0">
+              <a:solidFill>
+                <a:schemeClr val="bg1"/>
+              </a:solidFill>
+              <a:latin typeface="소야논8" panose="02020603020101020101" pitchFamily="18" charset="-127"/>
+              <a:ea typeface="소야논8" panose="02020603020101020101" pitchFamily="18" charset="-127"/>
+            </a:endParaRPr>
+          </a:p>
+          <a:p>
+            <a:pPr lvl="1">
+              <a:lnSpc>
+                <a:spcPct val="150000"/>
+              </a:lnSpc>
+            </a:pPr>
+            <a:r>
+              <a:rPr lang="en-US" altLang="ko-KR" sz="2400" dirty="0" smtClean="0">
+                <a:solidFill>
+                  <a:schemeClr val="bg1"/>
+                </a:solidFill>
+                <a:latin typeface="소야논8" panose="02020603020101020101" pitchFamily="18" charset="-127"/>
+                <a:ea typeface="소야논8" panose="02020603020101020101" pitchFamily="18" charset="-127"/>
+              </a:rPr>
+              <a:t>17 soft stand</a:t>
+            </a:r>
+          </a:p>
+          <a:p>
+            <a:pPr lvl="1">
+              <a:lnSpc>
+                <a:spcPct val="150000"/>
+              </a:lnSpc>
+            </a:pPr>
+            <a:r>
+              <a:rPr lang="en-US" altLang="ko-KR" sz="2400" dirty="0" smtClean="0">
+                <a:solidFill>
+                  <a:schemeClr val="bg1"/>
+                </a:solidFill>
+                <a:latin typeface="소야논8" panose="02020603020101020101" pitchFamily="18" charset="-127"/>
+                <a:ea typeface="소야논8" panose="02020603020101020101" pitchFamily="18" charset="-127"/>
+              </a:rPr>
+              <a:t>Split : Only 1 time.</a:t>
+            </a:r>
+          </a:p>
+          <a:p>
+            <a:pPr lvl="1">
+              <a:lnSpc>
+                <a:spcPct val="150000"/>
+              </a:lnSpc>
+            </a:pPr>
+            <a:r>
+              <a:rPr lang="en-US" altLang="ko-KR" sz="2400" dirty="0" smtClean="0">
+                <a:solidFill>
+                  <a:schemeClr val="bg1"/>
+                </a:solidFill>
+                <a:latin typeface="소야논8" panose="02020603020101020101" pitchFamily="18" charset="-127"/>
+                <a:ea typeface="소야논8" panose="02020603020101020101" pitchFamily="18" charset="-127"/>
+              </a:rPr>
+              <a:t>Double down : Only when player has 2 cards.</a:t>
+            </a:r>
+            <a:endParaRPr lang="ko-KR" altLang="en-US" sz="2400" dirty="0">
+              <a:solidFill>
+                <a:schemeClr val="bg1"/>
+              </a:solidFill>
+              <a:latin typeface="소야논8" panose="02020603020101020101" pitchFamily="18" charset="-127"/>
+              <a:ea typeface="소야논8" panose="02020603020101020101" pitchFamily="18" charset="-127"/>
+            </a:endParaRPr>
+          </a:p>
+        </p:txBody>
+      </p:sp>
+    </p:spTree>
+    <p:extLst>
+      <p:ext uri="{BB962C8B-B14F-4D97-AF65-F5344CB8AC3E}">
+        <p14:creationId xmlns:p14="http://schemas.microsoft.com/office/powerpoint/2010/main" val="4099276127"/>
+      </p:ext>
+    </p:extLst>
+  </p:cSld>
+  <p:clrMapOvr>
+    <a:masterClrMapping/>
+  </p:clrMapOvr>
+  <p:timing>
+    <p:tnLst>
+      <p:par>
+        <p:cTn id="1" dur="indefinite" restart="never" nodeType="tmRoot"/>
+      </p:par>
+    </p:tnLst>
+  </p:timing>
+</p:sld>
+</file>
+
+<file path=ppt/slides/slide19.xml><?xml version="1.0" encoding="utf-8"?>
+<p:sld xmlns:a="http://schemas.openxmlformats.org/drawingml/2006/main" xmlns:r="http://schemas.openxmlformats.org/officeDocument/2006/relationships" xmlns:p="http://schemas.openxmlformats.org/presentationml/2006/main" showMasterSp="0">
+  <p:cSld>
+    <p:spTree>
+      <p:nvGrpSpPr>
+        <p:cNvPr id="1" name=""/>
+        <p:cNvGrpSpPr/>
+        <p:nvPr/>
+      </p:nvGrpSpPr>
+      <p:grpSpPr>
+        <a:xfrm>
+          <a:off x="0" y="0"/>
+          <a:ext cx="0" cy="0"/>
+          <a:chOff x="0" y="0"/>
+          <a:chExt cx="0" cy="0"/>
+        </a:xfrm>
+      </p:grpSpPr>
+      <p:sp>
+        <p:nvSpPr>
+          <p:cNvPr id="2" name="제목 1"/>
+          <p:cNvSpPr>
+            <a:spLocks noGrp="1"/>
+          </p:cNvSpPr>
+          <p:nvPr>
+            <p:ph type="ctrTitle"/>
+          </p:nvPr>
+        </p:nvSpPr>
+        <p:spPr/>
+        <p:txBody>
+          <a:bodyPr>
+            <a:normAutofit/>
+          </a:bodyPr>
+          <a:lstStyle/>
+          <a:p>
+            <a:r>
+              <a:rPr lang="ko-KR" altLang="en-US" sz="4800" dirty="0" smtClean="0">
+                <a:solidFill>
+                  <a:srgbClr val="E4007F"/>
+                </a:solidFill>
+                <a:latin typeface="소야논8" panose="02020603020101020101" pitchFamily="18" charset="-127"/>
+                <a:ea typeface="소야논8" panose="02020603020101020101" pitchFamily="18" charset="-127"/>
+              </a:rPr>
+              <a:t>서버</a:t>
+            </a:r>
+            <a:endParaRPr lang="ko-KR" altLang="en-US" sz="4800" dirty="0">
+              <a:solidFill>
+                <a:srgbClr val="E4007F"/>
+              </a:solidFill>
+              <a:latin typeface="소야논8" panose="02020603020101020101" pitchFamily="18" charset="-127"/>
+              <a:ea typeface="소야논8" panose="02020603020101020101" pitchFamily="18" charset="-127"/>
+            </a:endParaRPr>
+          </a:p>
+        </p:txBody>
+      </p:sp>
+    </p:spTree>
+    <p:extLst>
+      <p:ext uri="{BB962C8B-B14F-4D97-AF65-F5344CB8AC3E}">
+        <p14:creationId xmlns:p14="http://schemas.microsoft.com/office/powerpoint/2010/main" val="3082018519"/>
+      </p:ext>
+    </p:extLst>
+  </p:cSld>
+  <p:clrMapOvr>
+    <a:masterClrMapping/>
+  </p:clrMapOvr>
+  <p:timing>
+    <p:tnLst>
+      <p:par>
+        <p:cTn id="1" dur="indefinite" restart="never" nodeType="tmRoot"/>
+      </p:par>
+    </p:tnLst>
+  </p:timing>
+</p:sld>
+</file>
+
+<file path=ppt/slides/slide2.xml><?xml version="1.0" encoding="utf-8"?>
+<p:sld xmlns:a="http://schemas.openxmlformats.org/drawingml/2006/main" xmlns:r="http://schemas.openxmlformats.org/officeDocument/2006/relationships" xmlns:p="http://schemas.openxmlformats.org/presentationml/2006/main">
+  <p:cSld>
+    <p:spTree>
+      <p:nvGrpSpPr>
+        <p:cNvPr id="1" name=""/>
+        <p:cNvGrpSpPr/>
+        <p:nvPr/>
+      </p:nvGrpSpPr>
+      <p:grpSpPr>
+        <a:xfrm>
+          <a:off x="0" y="0"/>
+          <a:ext cx="0" cy="0"/>
+          <a:chOff x="0" y="0"/>
+          <a:chExt cx="0" cy="0"/>
+        </a:xfrm>
+      </p:grpSpPr>
+      <p:sp>
+        <p:nvSpPr>
+          <p:cNvPr id="2" name="제목 1"/>
+          <p:cNvSpPr>
+            <a:spLocks noGrp="1"/>
+          </p:cNvSpPr>
+          <p:nvPr>
+            <p:ph type="title"/>
+          </p:nvPr>
+        </p:nvSpPr>
+        <p:spPr/>
+        <p:txBody>
+          <a:bodyPr/>
+          <a:lstStyle/>
+          <a:p>
+            <a:r>
+              <a:rPr lang="ko-KR" altLang="en-US" dirty="0" smtClean="0">
+                <a:solidFill>
+                  <a:srgbClr val="FFFF00"/>
+                </a:solidFill>
+                <a:latin typeface="소야논8" panose="02020603020101020101" pitchFamily="18" charset="-127"/>
+                <a:ea typeface="소야논8" panose="02020603020101020101" pitchFamily="18" charset="-127"/>
+              </a:rPr>
+              <a:t>팀원</a:t>
+            </a:r>
+            <a:endParaRPr lang="ko-KR" altLang="en-US" dirty="0">
+              <a:solidFill>
+                <a:srgbClr val="FFFF00"/>
+              </a:solidFill>
+              <a:latin typeface="소야논8" panose="02020603020101020101" pitchFamily="18" charset="-127"/>
+              <a:ea typeface="소야논8" panose="02020603020101020101" pitchFamily="18" charset="-127"/>
+            </a:endParaRPr>
+          </a:p>
+        </p:txBody>
+      </p:sp>
+      <p:sp>
+        <p:nvSpPr>
+          <p:cNvPr id="3" name="TextBox 2"/>
+          <p:cNvSpPr txBox="1"/>
+          <p:nvPr/>
+        </p:nvSpPr>
+        <p:spPr>
+          <a:xfrm>
+            <a:off x="179512" y="3861048"/>
+            <a:ext cx="8797601" cy="2862322"/>
+          </a:xfrm>
+          <a:prstGeom prst="rect">
+            <a:avLst/>
+          </a:prstGeom>
+          <a:noFill/>
+        </p:spPr>
+        <p:txBody>
+          <a:bodyPr wrap="none" rtlCol="0">
+            <a:spAutoFit/>
+          </a:bodyPr>
+          <a:lstStyle/>
+          <a:p>
+            <a:r>
+              <a:rPr lang="ko-KR" altLang="en-US" sz="3600" dirty="0" smtClean="0">
+                <a:solidFill>
+                  <a:srgbClr val="00B050"/>
+                </a:solidFill>
+                <a:latin typeface="소야논8" panose="02020603020101020101" pitchFamily="18" charset="-127"/>
+                <a:ea typeface="소야논8" panose="02020603020101020101" pitchFamily="18" charset="-127"/>
+              </a:rPr>
+              <a:t>김명찬</a:t>
+            </a:r>
+            <a:r>
+              <a:rPr lang="ko-KR" altLang="en-US" sz="3600" dirty="0" smtClean="0">
+                <a:solidFill>
+                  <a:schemeClr val="bg1"/>
+                </a:solidFill>
+                <a:latin typeface="소야논8" panose="02020603020101020101" pitchFamily="18" charset="-127"/>
+                <a:ea typeface="소야논8" panose="02020603020101020101" pitchFamily="18" charset="-127"/>
+              </a:rPr>
+              <a:t> </a:t>
+            </a:r>
+            <a:r>
+              <a:rPr lang="en-US" altLang="ko-KR" sz="3600" dirty="0" smtClean="0">
+                <a:solidFill>
+                  <a:schemeClr val="bg1"/>
+                </a:solidFill>
+                <a:latin typeface="소야논8" panose="02020603020101020101" pitchFamily="18" charset="-127"/>
+                <a:ea typeface="소야논8" panose="02020603020101020101" pitchFamily="18" charset="-127"/>
+              </a:rPr>
+              <a:t>- </a:t>
+            </a:r>
+            <a:r>
+              <a:rPr lang="ko-KR" altLang="en-US" sz="3600" dirty="0" smtClean="0">
+                <a:solidFill>
+                  <a:schemeClr val="bg1"/>
+                </a:solidFill>
+                <a:latin typeface="소야논8" panose="02020603020101020101" pitchFamily="18" charset="-127"/>
+                <a:ea typeface="소야논8" panose="02020603020101020101" pitchFamily="18" charset="-127"/>
+              </a:rPr>
+              <a:t>채널서버</a:t>
+            </a:r>
+            <a:r>
+              <a:rPr lang="en-US" altLang="ko-KR" sz="3600" dirty="0" smtClean="0">
+                <a:solidFill>
+                  <a:schemeClr val="bg1"/>
+                </a:solidFill>
+                <a:latin typeface="소야논8" panose="02020603020101020101" pitchFamily="18" charset="-127"/>
+                <a:ea typeface="소야논8" panose="02020603020101020101" pitchFamily="18" charset="-127"/>
+              </a:rPr>
+              <a:t>(</a:t>
+            </a:r>
+            <a:r>
+              <a:rPr lang="ko-KR" altLang="en-US" sz="3600" dirty="0" err="1" smtClean="0">
+                <a:solidFill>
+                  <a:schemeClr val="bg1"/>
+                </a:solidFill>
+                <a:latin typeface="소야논8" panose="02020603020101020101" pitchFamily="18" charset="-127"/>
+                <a:ea typeface="소야논8" panose="02020603020101020101" pitchFamily="18" charset="-127"/>
+              </a:rPr>
+              <a:t>로직</a:t>
+            </a:r>
+            <a:r>
+              <a:rPr lang="en-US" altLang="ko-KR" sz="3600" dirty="0" smtClean="0">
+                <a:solidFill>
+                  <a:schemeClr val="bg1"/>
+                </a:solidFill>
+                <a:latin typeface="소야논8" panose="02020603020101020101" pitchFamily="18" charset="-127"/>
+                <a:ea typeface="소야논8" panose="02020603020101020101" pitchFamily="18" charset="-127"/>
+              </a:rPr>
+              <a:t>), </a:t>
+            </a:r>
+            <a:r>
+              <a:rPr lang="ko-KR" altLang="en-US" sz="3600" dirty="0" smtClean="0">
+                <a:solidFill>
+                  <a:schemeClr val="bg1"/>
+                </a:solidFill>
+                <a:latin typeface="소야논8" panose="02020603020101020101" pitchFamily="18" charset="-127"/>
+                <a:ea typeface="소야논8" panose="02020603020101020101" pitchFamily="18" charset="-127"/>
+              </a:rPr>
+              <a:t>클라이언트</a:t>
+            </a:r>
+            <a:endParaRPr lang="en-US" altLang="ko-KR" sz="3600" dirty="0" smtClean="0">
+              <a:solidFill>
+                <a:schemeClr val="bg1"/>
+              </a:solidFill>
+              <a:latin typeface="소야논8" panose="02020603020101020101" pitchFamily="18" charset="-127"/>
+              <a:ea typeface="소야논8" panose="02020603020101020101" pitchFamily="18" charset="-127"/>
+            </a:endParaRPr>
+          </a:p>
+          <a:p>
+            <a:endParaRPr lang="en-US" altLang="ko-KR" sz="3600" dirty="0" smtClean="0">
+              <a:solidFill>
+                <a:schemeClr val="bg1"/>
+              </a:solidFill>
+              <a:latin typeface="소야논8" panose="02020603020101020101" pitchFamily="18" charset="-127"/>
+              <a:ea typeface="소야논8" panose="02020603020101020101" pitchFamily="18" charset="-127"/>
+            </a:endParaRPr>
+          </a:p>
+          <a:p>
+            <a:r>
+              <a:rPr lang="ko-KR" altLang="en-US" sz="3600" dirty="0" smtClean="0">
+                <a:solidFill>
+                  <a:srgbClr val="00B0F0"/>
+                </a:solidFill>
+                <a:latin typeface="소야논8" panose="02020603020101020101" pitchFamily="18" charset="-127"/>
+                <a:ea typeface="소야논8" panose="02020603020101020101" pitchFamily="18" charset="-127"/>
+              </a:rPr>
+              <a:t>송원석</a:t>
+            </a:r>
+            <a:r>
+              <a:rPr lang="ko-KR" altLang="en-US" sz="3600" dirty="0" smtClean="0">
+                <a:solidFill>
+                  <a:schemeClr val="bg1"/>
+                </a:solidFill>
+                <a:latin typeface="소야논8" panose="02020603020101020101" pitchFamily="18" charset="-127"/>
+                <a:ea typeface="소야논8" panose="02020603020101020101" pitchFamily="18" charset="-127"/>
+              </a:rPr>
+              <a:t> </a:t>
+            </a:r>
+            <a:r>
+              <a:rPr lang="en-US" altLang="ko-KR" sz="3600" dirty="0" smtClean="0">
+                <a:solidFill>
+                  <a:schemeClr val="bg1"/>
+                </a:solidFill>
+                <a:latin typeface="소야논8" panose="02020603020101020101" pitchFamily="18" charset="-127"/>
+                <a:ea typeface="소야논8" panose="02020603020101020101" pitchFamily="18" charset="-127"/>
+              </a:rPr>
+              <a:t>- </a:t>
+            </a:r>
+            <a:r>
+              <a:rPr lang="ko-KR" altLang="en-US" sz="3600" dirty="0" smtClean="0">
+                <a:solidFill>
+                  <a:schemeClr val="bg1"/>
+                </a:solidFill>
+                <a:latin typeface="소야논8" panose="02020603020101020101" pitchFamily="18" charset="-127"/>
+                <a:ea typeface="소야논8" panose="02020603020101020101" pitchFamily="18" charset="-127"/>
+              </a:rPr>
+              <a:t>채널서버</a:t>
+            </a:r>
+            <a:r>
+              <a:rPr lang="en-US" altLang="ko-KR" sz="3600" dirty="0" smtClean="0">
+                <a:solidFill>
+                  <a:schemeClr val="bg1"/>
+                </a:solidFill>
+                <a:latin typeface="소야논8" panose="02020603020101020101" pitchFamily="18" charset="-127"/>
+                <a:ea typeface="소야논8" panose="02020603020101020101" pitchFamily="18" charset="-127"/>
+              </a:rPr>
+              <a:t>(</a:t>
+            </a:r>
+            <a:r>
+              <a:rPr lang="ko-KR" altLang="en-US" sz="3600" dirty="0" err="1" smtClean="0">
+                <a:solidFill>
+                  <a:schemeClr val="bg1"/>
+                </a:solidFill>
+                <a:latin typeface="소야논8" panose="02020603020101020101" pitchFamily="18" charset="-127"/>
+                <a:ea typeface="소야논8" panose="02020603020101020101" pitchFamily="18" charset="-127"/>
+              </a:rPr>
+              <a:t>로직</a:t>
+            </a:r>
+            <a:r>
+              <a:rPr lang="en-US" altLang="ko-KR" sz="3600" dirty="0" smtClean="0">
+                <a:solidFill>
+                  <a:schemeClr val="bg1"/>
+                </a:solidFill>
+                <a:latin typeface="소야논8" panose="02020603020101020101" pitchFamily="18" charset="-127"/>
+                <a:ea typeface="소야논8" panose="02020603020101020101" pitchFamily="18" charset="-127"/>
+              </a:rPr>
+              <a:t>, DB), </a:t>
+            </a:r>
+            <a:r>
+              <a:rPr lang="ko-KR" altLang="en-US" sz="3600" dirty="0" err="1" smtClean="0">
+                <a:solidFill>
+                  <a:schemeClr val="bg1"/>
+                </a:solidFill>
+                <a:latin typeface="소야논8" panose="02020603020101020101" pitchFamily="18" charset="-127"/>
+                <a:ea typeface="소야논8" panose="02020603020101020101" pitchFamily="18" charset="-127"/>
+              </a:rPr>
+              <a:t>로그인서버</a:t>
+            </a:r>
+            <a:endParaRPr lang="en-US" altLang="ko-KR" sz="3600" dirty="0" smtClean="0">
+              <a:solidFill>
+                <a:schemeClr val="bg1"/>
+              </a:solidFill>
+              <a:latin typeface="소야논8" panose="02020603020101020101" pitchFamily="18" charset="-127"/>
+              <a:ea typeface="소야논8" panose="02020603020101020101" pitchFamily="18" charset="-127"/>
+            </a:endParaRPr>
+          </a:p>
+          <a:p>
+            <a:endParaRPr lang="en-US" altLang="ko-KR" sz="3600" dirty="0" smtClean="0">
+              <a:solidFill>
+                <a:schemeClr val="bg1"/>
+              </a:solidFill>
+              <a:latin typeface="소야논8" panose="02020603020101020101" pitchFamily="18" charset="-127"/>
+              <a:ea typeface="소야논8" panose="02020603020101020101" pitchFamily="18" charset="-127"/>
+            </a:endParaRPr>
+          </a:p>
+          <a:p>
+            <a:r>
+              <a:rPr lang="ko-KR" altLang="en-US" sz="3600" dirty="0" smtClean="0">
+                <a:solidFill>
+                  <a:srgbClr val="E4007F"/>
+                </a:solidFill>
+                <a:latin typeface="소야논8" panose="02020603020101020101" pitchFamily="18" charset="-127"/>
+                <a:ea typeface="소야논8" panose="02020603020101020101" pitchFamily="18" charset="-127"/>
+              </a:rPr>
+              <a:t>노석민</a:t>
+            </a:r>
+            <a:r>
+              <a:rPr lang="ko-KR" altLang="en-US" sz="3600" dirty="0" smtClean="0">
+                <a:solidFill>
+                  <a:schemeClr val="bg1"/>
+                </a:solidFill>
+                <a:latin typeface="소야논8" panose="02020603020101020101" pitchFamily="18" charset="-127"/>
+                <a:ea typeface="소야논8" panose="02020603020101020101" pitchFamily="18" charset="-127"/>
+              </a:rPr>
+              <a:t> </a:t>
+            </a:r>
+            <a:r>
+              <a:rPr lang="en-US" altLang="ko-KR" sz="3600" dirty="0">
+                <a:solidFill>
+                  <a:schemeClr val="bg1"/>
+                </a:solidFill>
+                <a:latin typeface="소야논8" panose="02020603020101020101" pitchFamily="18" charset="-127"/>
+                <a:ea typeface="소야논8" panose="02020603020101020101" pitchFamily="18" charset="-127"/>
+              </a:rPr>
+              <a:t>-</a:t>
+            </a:r>
+            <a:r>
+              <a:rPr lang="en-US" altLang="ko-KR" sz="3600" dirty="0" smtClean="0">
+                <a:solidFill>
+                  <a:schemeClr val="bg1"/>
+                </a:solidFill>
+                <a:latin typeface="소야논8" panose="02020603020101020101" pitchFamily="18" charset="-127"/>
+                <a:ea typeface="소야논8" panose="02020603020101020101" pitchFamily="18" charset="-127"/>
+              </a:rPr>
+              <a:t> </a:t>
+            </a:r>
+            <a:r>
+              <a:rPr lang="ko-KR" altLang="en-US" sz="3600" dirty="0" smtClean="0">
+                <a:solidFill>
+                  <a:schemeClr val="bg1"/>
+                </a:solidFill>
+                <a:latin typeface="소야논8" panose="02020603020101020101" pitchFamily="18" charset="-127"/>
+                <a:ea typeface="소야논8" panose="02020603020101020101" pitchFamily="18" charset="-127"/>
+              </a:rPr>
+              <a:t>채널서버</a:t>
+            </a:r>
+            <a:r>
+              <a:rPr lang="en-US" altLang="ko-KR" sz="3600" dirty="0" smtClean="0">
+                <a:solidFill>
+                  <a:schemeClr val="bg1"/>
+                </a:solidFill>
+                <a:latin typeface="소야논8" panose="02020603020101020101" pitchFamily="18" charset="-127"/>
+                <a:ea typeface="소야논8" panose="02020603020101020101" pitchFamily="18" charset="-127"/>
+              </a:rPr>
+              <a:t>(</a:t>
+            </a:r>
+            <a:r>
+              <a:rPr lang="ko-KR" altLang="en-US" sz="3600" dirty="0" smtClean="0">
+                <a:solidFill>
+                  <a:schemeClr val="bg1"/>
+                </a:solidFill>
+                <a:latin typeface="소야논8" panose="02020603020101020101" pitchFamily="18" charset="-127"/>
+                <a:ea typeface="소야논8" panose="02020603020101020101" pitchFamily="18" charset="-127"/>
+              </a:rPr>
+              <a:t>네트워크</a:t>
+            </a:r>
+            <a:r>
+              <a:rPr lang="en-US" altLang="ko-KR" sz="3600" dirty="0" smtClean="0">
+                <a:solidFill>
+                  <a:schemeClr val="bg1"/>
+                </a:solidFill>
+                <a:latin typeface="소야논8" panose="02020603020101020101" pitchFamily="18" charset="-127"/>
+                <a:ea typeface="소야논8" panose="02020603020101020101" pitchFamily="18" charset="-127"/>
+              </a:rPr>
+              <a:t>), </a:t>
+            </a:r>
+            <a:r>
+              <a:rPr lang="ko-KR" altLang="en-US" sz="3600" dirty="0" smtClean="0">
+                <a:solidFill>
+                  <a:schemeClr val="bg1"/>
+                </a:solidFill>
+                <a:latin typeface="소야논8" panose="02020603020101020101" pitchFamily="18" charset="-127"/>
+                <a:ea typeface="소야논8" panose="02020603020101020101" pitchFamily="18" charset="-127"/>
+              </a:rPr>
+              <a:t>클라이언트</a:t>
+            </a:r>
+            <a:endParaRPr lang="ko-KR" altLang="en-US" sz="3600" dirty="0">
+              <a:solidFill>
+                <a:schemeClr val="bg1"/>
+              </a:solidFill>
+              <a:latin typeface="소야논8" panose="02020603020101020101" pitchFamily="18" charset="-127"/>
+              <a:ea typeface="소야논8" panose="02020603020101020101" pitchFamily="18" charset="-127"/>
+            </a:endParaRPr>
+          </a:p>
+        </p:txBody>
+      </p:sp>
+    </p:spTree>
+    <p:extLst>
+      <p:ext uri="{BB962C8B-B14F-4D97-AF65-F5344CB8AC3E}">
+        <p14:creationId xmlns:p14="http://schemas.microsoft.com/office/powerpoint/2010/main" val="3666689309"/>
+      </p:ext>
+    </p:extLst>
+  </p:cSld>
+  <p:clrMapOvr>
+    <a:masterClrMapping/>
+  </p:clrMapOvr>
+  <p:timing>
+    <p:tnLst>
+      <p:par>
+        <p:cTn id="1" dur="indefinite" restart="never" nodeType="tmRoot"/>
+      </p:par>
+    </p:tnLst>
+  </p:timing>
+</p:sld>
+</file>
+
+<file path=ppt/slides/slide20.xml><?xml version="1.0" encoding="utf-8"?>
+<p:sld xmlns:a="http://schemas.openxmlformats.org/drawingml/2006/main" xmlns:r="http://schemas.openxmlformats.org/officeDocument/2006/relationships" xmlns:p="http://schemas.openxmlformats.org/presentationml/2006/main" showMasterSp="0">
+  <p:cSld>
+    <p:spTree>
+      <p:nvGrpSpPr>
+        <p:cNvPr id="1" name=""/>
+        <p:cNvGrpSpPr/>
+        <p:nvPr/>
+      </p:nvGrpSpPr>
+      <p:grpSpPr>
+        <a:xfrm>
+          <a:off x="0" y="0"/>
+          <a:ext cx="0" cy="0"/>
+          <a:chOff x="0" y="0"/>
+          <a:chExt cx="0" cy="0"/>
+        </a:xfrm>
+      </p:grpSpPr>
+      <p:sp>
+        <p:nvSpPr>
+          <p:cNvPr id="2" name="제목 1"/>
+          <p:cNvSpPr>
+            <a:spLocks noGrp="1"/>
+          </p:cNvSpPr>
+          <p:nvPr>
+            <p:ph type="title"/>
+          </p:nvPr>
+        </p:nvSpPr>
+        <p:spPr/>
+        <p:txBody>
+          <a:bodyPr/>
+          <a:lstStyle/>
+          <a:p>
+            <a:r>
+              <a:rPr lang="ko-KR" altLang="en-US" dirty="0" smtClean="0">
+                <a:solidFill>
+                  <a:srgbClr val="E4007F"/>
+                </a:solidFill>
+                <a:latin typeface="소야논8" panose="02020603020101020101" pitchFamily="18" charset="-127"/>
+                <a:ea typeface="소야논8" panose="02020603020101020101" pitchFamily="18" charset="-127"/>
+              </a:rPr>
+              <a:t>서버</a:t>
+            </a:r>
+            <a:endParaRPr lang="ko-KR" altLang="en-US" dirty="0">
+              <a:solidFill>
+                <a:srgbClr val="E4007F"/>
+              </a:solidFill>
+              <a:latin typeface="소야논8" panose="02020603020101020101" pitchFamily="18" charset="-127"/>
+              <a:ea typeface="소야논8" panose="02020603020101020101" pitchFamily="18" charset="-127"/>
+            </a:endParaRPr>
+          </a:p>
+        </p:txBody>
+      </p:sp>
+      <p:sp>
+        <p:nvSpPr>
+          <p:cNvPr id="3" name="내용 개체 틀 2"/>
+          <p:cNvSpPr>
+            <a:spLocks noGrp="1"/>
+          </p:cNvSpPr>
+          <p:nvPr>
+            <p:ph idx="1"/>
+          </p:nvPr>
+        </p:nvSpPr>
+        <p:spPr/>
+        <p:txBody>
+          <a:bodyPr>
+            <a:normAutofit/>
+          </a:bodyPr>
+          <a:lstStyle/>
+          <a:p>
             <a:pPr>
               <a:lnSpc>
                 <a:spcPct val="150000"/>
               </a:lnSpc>
             </a:pPr>
+            <a:r>
+              <a:rPr lang="ko-KR" altLang="en-US" sz="2800" dirty="0" err="1" smtClean="0">
+                <a:solidFill>
+                  <a:schemeClr val="bg1"/>
+                </a:solidFill>
+                <a:latin typeface="소야논8" panose="02020603020101020101" pitchFamily="18" charset="-127"/>
+                <a:ea typeface="소야논8" panose="02020603020101020101" pitchFamily="18" charset="-127"/>
+              </a:rPr>
+              <a:t>로직</a:t>
+            </a:r>
+            <a:r>
+              <a:rPr lang="ko-KR" altLang="en-US" sz="2800" dirty="0" smtClean="0">
+                <a:solidFill>
+                  <a:schemeClr val="bg1"/>
+                </a:solidFill>
+                <a:latin typeface="소야논8" panose="02020603020101020101" pitchFamily="18" charset="-127"/>
+                <a:ea typeface="소야논8" panose="02020603020101020101" pitchFamily="18" charset="-127"/>
+              </a:rPr>
+              <a:t> </a:t>
+            </a:r>
+            <a:r>
+              <a:rPr lang="ko-KR" altLang="en-US" sz="2800" dirty="0" err="1">
+                <a:solidFill>
+                  <a:schemeClr val="bg1"/>
+                </a:solidFill>
+                <a:latin typeface="소야논8" panose="02020603020101020101" pitchFamily="18" charset="-127"/>
+                <a:ea typeface="소야논8" panose="02020603020101020101" pitchFamily="18" charset="-127"/>
+              </a:rPr>
+              <a:t>쓰</a:t>
+            </a:r>
+            <a:r>
+              <a:rPr lang="ko-KR" altLang="en-US" sz="2800" dirty="0" err="1" smtClean="0">
+                <a:solidFill>
+                  <a:schemeClr val="bg1"/>
+                </a:solidFill>
+                <a:latin typeface="소야논8" panose="02020603020101020101" pitchFamily="18" charset="-127"/>
+                <a:ea typeface="소야논8" panose="02020603020101020101" pitchFamily="18" charset="-127"/>
+              </a:rPr>
+              <a:t>레드</a:t>
+            </a:r>
+            <a:r>
+              <a:rPr lang="ko-KR" altLang="en-US" sz="2800" dirty="0" smtClean="0">
+                <a:solidFill>
+                  <a:schemeClr val="bg1"/>
+                </a:solidFill>
+                <a:latin typeface="소야논8" panose="02020603020101020101" pitchFamily="18" charset="-127"/>
+                <a:ea typeface="소야논8" panose="02020603020101020101" pitchFamily="18" charset="-127"/>
+              </a:rPr>
+              <a:t> </a:t>
+            </a:r>
+            <a:r>
+              <a:rPr lang="en-US" altLang="ko-KR" sz="2800" dirty="0" smtClean="0">
+                <a:solidFill>
+                  <a:schemeClr val="bg1"/>
+                </a:solidFill>
+                <a:latin typeface="소야논8" panose="02020603020101020101" pitchFamily="18" charset="-127"/>
+                <a:ea typeface="소야논8" panose="02020603020101020101" pitchFamily="18" charset="-127"/>
+              </a:rPr>
+              <a:t>: 1</a:t>
+            </a:r>
+            <a:r>
+              <a:rPr lang="ko-KR" altLang="en-US" sz="2800" dirty="0" smtClean="0">
+                <a:solidFill>
+                  <a:schemeClr val="bg1"/>
+                </a:solidFill>
+                <a:latin typeface="소야논8" panose="02020603020101020101" pitchFamily="18" charset="-127"/>
+                <a:ea typeface="소야논8" panose="02020603020101020101" pitchFamily="18" charset="-127"/>
+              </a:rPr>
+              <a:t>개</a:t>
+            </a:r>
             <a:endParaRPr lang="en-US" altLang="ko-KR" sz="2800" dirty="0" smtClean="0">
               <a:solidFill>
                 <a:schemeClr val="bg1"/>
+              </a:solidFill>
+              <a:latin typeface="소야논8" panose="02020603020101020101" pitchFamily="18" charset="-127"/>
+              <a:ea typeface="소야논8" panose="02020603020101020101" pitchFamily="18" charset="-127"/>
+            </a:endParaRPr>
+          </a:p>
+          <a:p>
+            <a:pPr>
+              <a:lnSpc>
+                <a:spcPct val="150000"/>
+              </a:lnSpc>
+            </a:pPr>
+            <a:r>
+              <a:rPr lang="ko-KR" altLang="en-US" sz="2800" dirty="0" smtClean="0">
+                <a:solidFill>
+                  <a:schemeClr val="bg1"/>
+                </a:solidFill>
+                <a:latin typeface="소야논8" panose="02020603020101020101" pitchFamily="18" charset="-127"/>
+                <a:ea typeface="소야논8" panose="02020603020101020101" pitchFamily="18" charset="-127"/>
+              </a:rPr>
+              <a:t>네트워크 </a:t>
+            </a:r>
+            <a:r>
+              <a:rPr lang="ko-KR" altLang="en-US" sz="2800" dirty="0" err="1" smtClean="0">
+                <a:solidFill>
+                  <a:schemeClr val="bg1"/>
+                </a:solidFill>
+                <a:latin typeface="소야논8" panose="02020603020101020101" pitchFamily="18" charset="-127"/>
+                <a:ea typeface="소야논8" panose="02020603020101020101" pitchFamily="18" charset="-127"/>
+              </a:rPr>
+              <a:t>쓰레드</a:t>
+            </a:r>
+            <a:r>
+              <a:rPr lang="ko-KR" altLang="en-US" sz="2800" dirty="0" smtClean="0">
+                <a:solidFill>
+                  <a:schemeClr val="bg1"/>
+                </a:solidFill>
+                <a:latin typeface="소야논8" panose="02020603020101020101" pitchFamily="18" charset="-127"/>
+                <a:ea typeface="소야논8" panose="02020603020101020101" pitchFamily="18" charset="-127"/>
+              </a:rPr>
+              <a:t> </a:t>
+            </a:r>
+            <a:r>
+              <a:rPr lang="en-US" altLang="ko-KR" sz="2800" dirty="0" smtClean="0">
+                <a:solidFill>
+                  <a:schemeClr val="bg1"/>
+                </a:solidFill>
+                <a:latin typeface="소야논8" panose="02020603020101020101" pitchFamily="18" charset="-127"/>
+                <a:ea typeface="소야논8" panose="02020603020101020101" pitchFamily="18" charset="-127"/>
+              </a:rPr>
+              <a:t>: </a:t>
+            </a:r>
+          </a:p>
+          <a:p>
+            <a:pPr lvl="1">
+              <a:lnSpc>
+                <a:spcPct val="150000"/>
+              </a:lnSpc>
+            </a:pPr>
+            <a:r>
+              <a:rPr lang="ko-KR" altLang="en-US" sz="2400" dirty="0" err="1" smtClean="0">
+                <a:solidFill>
+                  <a:schemeClr val="bg1"/>
+                </a:solidFill>
+                <a:latin typeface="소야논8" panose="02020603020101020101" pitchFamily="18" charset="-127"/>
+                <a:ea typeface="소야논8" panose="02020603020101020101" pitchFamily="18" charset="-127"/>
+              </a:rPr>
+              <a:t>워커</a:t>
+            </a:r>
+            <a:r>
+              <a:rPr lang="ko-KR" altLang="en-US" sz="2400" dirty="0" smtClean="0">
+                <a:solidFill>
+                  <a:schemeClr val="bg1"/>
+                </a:solidFill>
+                <a:latin typeface="소야논8" panose="02020603020101020101" pitchFamily="18" charset="-127"/>
+                <a:ea typeface="소야논8" panose="02020603020101020101" pitchFamily="18" charset="-127"/>
+              </a:rPr>
+              <a:t> </a:t>
+            </a:r>
+            <a:r>
+              <a:rPr lang="ko-KR" altLang="en-US" sz="2400" dirty="0" err="1" smtClean="0">
+                <a:solidFill>
+                  <a:schemeClr val="bg1"/>
+                </a:solidFill>
+                <a:latin typeface="소야논8" panose="02020603020101020101" pitchFamily="18" charset="-127"/>
+                <a:ea typeface="소야논8" panose="02020603020101020101" pitchFamily="18" charset="-127"/>
+              </a:rPr>
+              <a:t>쓰레드</a:t>
+            </a:r>
+            <a:r>
+              <a:rPr lang="ko-KR" altLang="en-US" sz="2400" dirty="0" smtClean="0">
+                <a:solidFill>
+                  <a:schemeClr val="bg1"/>
+                </a:solidFill>
+                <a:latin typeface="소야논8" panose="02020603020101020101" pitchFamily="18" charset="-127"/>
+                <a:ea typeface="소야논8" panose="02020603020101020101" pitchFamily="18" charset="-127"/>
+              </a:rPr>
+              <a:t> 다수</a:t>
+            </a:r>
+            <a:endParaRPr lang="en-US" altLang="ko-KR" sz="2400" dirty="0">
+              <a:solidFill>
+                <a:schemeClr val="bg1"/>
+              </a:solidFill>
+              <a:latin typeface="소야논8" panose="02020603020101020101" pitchFamily="18" charset="-127"/>
+              <a:ea typeface="소야논8" panose="02020603020101020101" pitchFamily="18" charset="-127"/>
+            </a:endParaRPr>
+          </a:p>
+          <a:p>
+            <a:pPr lvl="1">
+              <a:lnSpc>
+                <a:spcPct val="150000"/>
+              </a:lnSpc>
+            </a:pPr>
+            <a:r>
+              <a:rPr lang="ko-KR" altLang="en-US" sz="2400" dirty="0" err="1" smtClean="0">
+                <a:solidFill>
+                  <a:schemeClr val="bg1"/>
+                </a:solidFill>
+                <a:latin typeface="소야논8" panose="02020603020101020101" pitchFamily="18" charset="-127"/>
+                <a:ea typeface="소야논8" panose="02020603020101020101" pitchFamily="18" charset="-127"/>
+              </a:rPr>
+              <a:t>센드</a:t>
+            </a:r>
+            <a:r>
+              <a:rPr lang="ko-KR" altLang="en-US" sz="2400" dirty="0" smtClean="0">
+                <a:solidFill>
+                  <a:schemeClr val="bg1"/>
+                </a:solidFill>
+                <a:latin typeface="소야논8" panose="02020603020101020101" pitchFamily="18" charset="-127"/>
+                <a:ea typeface="소야논8" panose="02020603020101020101" pitchFamily="18" charset="-127"/>
+              </a:rPr>
+              <a:t> </a:t>
+            </a:r>
+            <a:r>
+              <a:rPr lang="ko-KR" altLang="en-US" sz="2400" dirty="0" err="1" smtClean="0">
+                <a:solidFill>
+                  <a:schemeClr val="bg1"/>
+                </a:solidFill>
+                <a:latin typeface="소야논8" panose="02020603020101020101" pitchFamily="18" charset="-127"/>
+                <a:ea typeface="소야논8" panose="02020603020101020101" pitchFamily="18" charset="-127"/>
+              </a:rPr>
+              <a:t>쓰레드</a:t>
+            </a:r>
+            <a:r>
+              <a:rPr lang="ko-KR" altLang="en-US" sz="2400" dirty="0" smtClean="0">
+                <a:solidFill>
+                  <a:schemeClr val="bg1"/>
+                </a:solidFill>
+                <a:latin typeface="소야논8" panose="02020603020101020101" pitchFamily="18" charset="-127"/>
+                <a:ea typeface="소야논8" panose="02020603020101020101" pitchFamily="18" charset="-127"/>
+              </a:rPr>
+              <a:t> </a:t>
+            </a:r>
+            <a:r>
+              <a:rPr lang="en-US" altLang="ko-KR" sz="2400" dirty="0" smtClean="0">
+                <a:solidFill>
+                  <a:schemeClr val="bg1"/>
+                </a:solidFill>
+                <a:latin typeface="소야논8" panose="02020603020101020101" pitchFamily="18" charset="-127"/>
+                <a:ea typeface="소야논8" panose="02020603020101020101" pitchFamily="18" charset="-127"/>
+              </a:rPr>
+              <a:t>1</a:t>
+            </a:r>
+            <a:endParaRPr lang="en-US" altLang="ko-KR" sz="2400" dirty="0">
+              <a:solidFill>
+                <a:schemeClr val="bg1"/>
+              </a:solidFill>
+              <a:latin typeface="소야논8" panose="02020603020101020101" pitchFamily="18" charset="-127"/>
+              <a:ea typeface="소야논8" panose="02020603020101020101" pitchFamily="18" charset="-127"/>
+            </a:endParaRPr>
+          </a:p>
+          <a:p>
+            <a:pPr lvl="1">
+              <a:lnSpc>
+                <a:spcPct val="150000"/>
+              </a:lnSpc>
+            </a:pPr>
+            <a:r>
+              <a:rPr lang="ko-KR" altLang="en-US" sz="2400" dirty="0" smtClean="0">
+                <a:solidFill>
+                  <a:schemeClr val="bg1"/>
+                </a:solidFill>
+                <a:latin typeface="소야논8" panose="02020603020101020101" pitchFamily="18" charset="-127"/>
+                <a:ea typeface="소야논8" panose="02020603020101020101" pitchFamily="18" charset="-127"/>
+              </a:rPr>
+              <a:t>리슨 </a:t>
+            </a:r>
+            <a:r>
+              <a:rPr lang="ko-KR" altLang="en-US" sz="2400" dirty="0" err="1" smtClean="0">
+                <a:solidFill>
+                  <a:schemeClr val="bg1"/>
+                </a:solidFill>
+                <a:latin typeface="소야논8" panose="02020603020101020101" pitchFamily="18" charset="-127"/>
+                <a:ea typeface="소야논8" panose="02020603020101020101" pitchFamily="18" charset="-127"/>
+              </a:rPr>
+              <a:t>쓰레드</a:t>
+            </a:r>
+            <a:r>
+              <a:rPr lang="ko-KR" altLang="en-US" sz="2400" dirty="0" smtClean="0">
+                <a:solidFill>
+                  <a:schemeClr val="bg1"/>
+                </a:solidFill>
+                <a:latin typeface="소야논8" panose="02020603020101020101" pitchFamily="18" charset="-127"/>
+                <a:ea typeface="소야논8" panose="02020603020101020101" pitchFamily="18" charset="-127"/>
+              </a:rPr>
+              <a:t> </a:t>
+            </a:r>
+            <a:r>
+              <a:rPr lang="en-US" altLang="ko-KR" sz="2400" dirty="0" smtClean="0">
+                <a:solidFill>
+                  <a:schemeClr val="bg1"/>
+                </a:solidFill>
+                <a:latin typeface="소야논8" panose="02020603020101020101" pitchFamily="18" charset="-127"/>
+                <a:ea typeface="소야논8" panose="02020603020101020101" pitchFamily="18" charset="-127"/>
+              </a:rPr>
+              <a:t>1</a:t>
+            </a:r>
+          </a:p>
+          <a:p>
+            <a:pPr>
+              <a:lnSpc>
+                <a:spcPct val="150000"/>
+              </a:lnSpc>
+            </a:pPr>
+            <a:r>
+              <a:rPr lang="ko-KR" altLang="en-US" sz="2800" dirty="0" err="1" smtClean="0">
+                <a:solidFill>
+                  <a:schemeClr val="bg1"/>
+                </a:solidFill>
+                <a:latin typeface="소야논8" panose="02020603020101020101" pitchFamily="18" charset="-127"/>
+                <a:ea typeface="소야논8" panose="02020603020101020101" pitchFamily="18" charset="-127"/>
+              </a:rPr>
+              <a:t>디비</a:t>
+            </a:r>
+            <a:r>
+              <a:rPr lang="ko-KR" altLang="en-US" sz="2800" dirty="0" smtClean="0">
+                <a:solidFill>
+                  <a:schemeClr val="bg1"/>
+                </a:solidFill>
+                <a:latin typeface="소야논8" panose="02020603020101020101" pitchFamily="18" charset="-127"/>
+                <a:ea typeface="소야논8" panose="02020603020101020101" pitchFamily="18" charset="-127"/>
+              </a:rPr>
+              <a:t> </a:t>
+            </a:r>
+            <a:r>
+              <a:rPr lang="ko-KR" altLang="en-US" sz="2800" dirty="0" err="1" smtClean="0">
+                <a:solidFill>
+                  <a:schemeClr val="bg1"/>
+                </a:solidFill>
+                <a:latin typeface="소야논8" panose="02020603020101020101" pitchFamily="18" charset="-127"/>
+                <a:ea typeface="소야논8" panose="02020603020101020101" pitchFamily="18" charset="-127"/>
+              </a:rPr>
+              <a:t>쓰레드</a:t>
+            </a:r>
+            <a:endParaRPr lang="en-US" altLang="ko-KR" sz="2800" dirty="0" smtClean="0">
+              <a:solidFill>
+                <a:schemeClr val="bg1"/>
+              </a:solidFill>
+              <a:latin typeface="소야논8" panose="02020603020101020101" pitchFamily="18" charset="-127"/>
+              <a:ea typeface="소야논8" panose="02020603020101020101" pitchFamily="18" charset="-127"/>
+            </a:endParaRPr>
+          </a:p>
+        </p:txBody>
+      </p:sp>
+    </p:spTree>
+    <p:extLst>
+      <p:ext uri="{BB962C8B-B14F-4D97-AF65-F5344CB8AC3E}">
+        <p14:creationId xmlns:p14="http://schemas.microsoft.com/office/powerpoint/2010/main" val="2237886472"/>
+      </p:ext>
+    </p:extLst>
+  </p:cSld>
+  <p:clrMapOvr>
+    <a:masterClrMapping/>
+  </p:clrMapOvr>
+  <p:timing>
+    <p:tnLst>
+      <p:par>
+        <p:cTn id="1" dur="indefinite" restart="never" nodeType="tmRoot"/>
+      </p:par>
+    </p:tnLst>
+  </p:timing>
+</p:sld>
+</file>
+
+<file path=ppt/slides/slide21.xml><?xml version="1.0" encoding="utf-8"?>
+<p:sld xmlns:a="http://schemas.openxmlformats.org/drawingml/2006/main" xmlns:r="http://schemas.openxmlformats.org/officeDocument/2006/relationships" xmlns:p="http://schemas.openxmlformats.org/presentationml/2006/main">
+  <p:cSld>
+    <p:spTree>
+      <p:nvGrpSpPr>
+        <p:cNvPr id="1" name=""/>
+        <p:cNvGrpSpPr/>
+        <p:nvPr/>
+      </p:nvGrpSpPr>
+      <p:grpSpPr>
+        <a:xfrm>
+          <a:off x="0" y="0"/>
+          <a:ext cx="0" cy="0"/>
+          <a:chOff x="0" y="0"/>
+          <a:chExt cx="0" cy="0"/>
+        </a:xfrm>
+      </p:grpSpPr>
+      <p:sp>
+        <p:nvSpPr>
+          <p:cNvPr id="2" name="제목 1"/>
+          <p:cNvSpPr>
+            <a:spLocks noGrp="1"/>
+          </p:cNvSpPr>
+          <p:nvPr>
+            <p:ph type="title"/>
+          </p:nvPr>
+        </p:nvSpPr>
+        <p:spPr/>
+        <p:txBody>
+          <a:bodyPr/>
+          <a:lstStyle/>
+          <a:p>
+            <a:r>
+              <a:rPr lang="ko-KR" altLang="en-US" dirty="0" smtClean="0">
+                <a:solidFill>
+                  <a:srgbClr val="E4007F"/>
+                </a:solidFill>
+                <a:latin typeface="소야논8" panose="02020603020101020101" pitchFamily="18" charset="-127"/>
+                <a:ea typeface="소야논8" panose="02020603020101020101" pitchFamily="18" charset="-127"/>
+              </a:rPr>
+              <a:t>서버 구조</a:t>
+            </a:r>
+            <a:endParaRPr lang="ko-KR" altLang="en-US" dirty="0">
+              <a:solidFill>
+                <a:srgbClr val="E4007F"/>
               </a:solidFill>
               <a:latin typeface="소야논8" panose="02020603020101020101" pitchFamily="18" charset="-127"/>
               <a:ea typeface="소야논8" panose="02020603020101020101" pitchFamily="18" charset="-127"/>
@@ -32179,7 +34534,7 @@
 </p:sld>
 </file>
 
-<file path=ppt/slides/slide16.xml><?xml version="1.0" encoding="utf-8"?>
+<file path=ppt/slides/slide22.xml><?xml version="1.0" encoding="utf-8"?>
 <p:sld xmlns:a="http://schemas.openxmlformats.org/drawingml/2006/main" xmlns:r="http://schemas.openxmlformats.org/officeDocument/2006/relationships" xmlns:p="http://schemas.openxmlformats.org/presentationml/2006/main" showMasterSp="0">
   <p:cSld>
     <p:spTree>
@@ -32376,7 +34731,7 @@
 </p:sld>
 </file>
 
-<file path=ppt/slides/slide17.xml><?xml version="1.0" encoding="utf-8"?>
+<file path=ppt/slides/slide23.xml><?xml version="1.0" encoding="utf-8"?>
 <p:sld xmlns:a="http://schemas.openxmlformats.org/drawingml/2006/main" xmlns:r="http://schemas.openxmlformats.org/officeDocument/2006/relationships" xmlns:p="http://schemas.openxmlformats.org/presentationml/2006/main">
   <p:cSld>
     <p:spTree>
@@ -32421,38 +34776,6 @@
             <a:endParaRPr lang="ko-KR" altLang="en-US" dirty="0">
               <a:solidFill>
                 <a:srgbClr val="E4007F"/>
-              </a:solidFill>
-              <a:latin typeface="소야논8" panose="02020603020101020101" pitchFamily="18" charset="-127"/>
-              <a:ea typeface="소야논8" panose="02020603020101020101" pitchFamily="18" charset="-127"/>
-            </a:endParaRPr>
-          </a:p>
-        </p:txBody>
-      </p:sp>
-      <p:sp>
-        <p:nvSpPr>
-          <p:cNvPr id="3" name="내용 개체 틀 2"/>
-          <p:cNvSpPr>
-            <a:spLocks noGrp="1"/>
-          </p:cNvSpPr>
-          <p:nvPr>
-            <p:ph idx="1"/>
-          </p:nvPr>
-        </p:nvSpPr>
-        <p:spPr/>
-        <p:txBody>
-          <a:bodyPr>
-            <a:normAutofit/>
-          </a:bodyPr>
-          <a:lstStyle/>
-          <a:p>
-            <a:pPr>
-              <a:lnSpc>
-                <a:spcPct val="150000"/>
-              </a:lnSpc>
-            </a:pPr>
-            <a:endParaRPr lang="en-US" altLang="ko-KR" sz="2800" dirty="0" smtClean="0">
-              <a:solidFill>
-                <a:schemeClr val="bg1"/>
               </a:solidFill>
               <a:latin typeface="소야논8" panose="02020603020101020101" pitchFamily="18" charset="-127"/>
               <a:ea typeface="소야논8" panose="02020603020101020101" pitchFamily="18" charset="-127"/>
@@ -33402,7 +35725,7 @@
 </p:sld>
 </file>
 
-<file path=ppt/slides/slide18.xml><?xml version="1.0" encoding="utf-8"?>
+<file path=ppt/slides/slide24.xml><?xml version="1.0" encoding="utf-8"?>
 <p:sld xmlns:a="http://schemas.openxmlformats.org/drawingml/2006/main" xmlns:r="http://schemas.openxmlformats.org/officeDocument/2006/relationships" xmlns:p="http://schemas.openxmlformats.org/presentationml/2006/main">
   <p:cSld>
     <p:spTree>
@@ -33663,7 +35986,7 @@
 </p:sld>
 </file>
 
-<file path=ppt/slides/slide19.xml><?xml version="1.0" encoding="utf-8"?>
+<file path=ppt/slides/slide25.xml><?xml version="1.0" encoding="utf-8"?>
 <p:sld xmlns:a="http://schemas.openxmlformats.org/drawingml/2006/main" xmlns:r="http://schemas.openxmlformats.org/officeDocument/2006/relationships" xmlns:p="http://schemas.openxmlformats.org/presentationml/2006/main">
   <p:cSld>
     <p:spTree>
@@ -34730,7 +37053,7 @@
 </p:sld>
 </file>
 
-<file path=ppt/slides/slide2.xml><?xml version="1.0" encoding="utf-8"?>
+<file path=ppt/slides/slide26.xml><?xml version="1.0" encoding="utf-8"?>
 <p:sld xmlns:a="http://schemas.openxmlformats.org/drawingml/2006/main" xmlns:r="http://schemas.openxmlformats.org/officeDocument/2006/relationships" xmlns:p="http://schemas.openxmlformats.org/presentationml/2006/main">
   <p:cSld>
     <p:spTree>
@@ -34763,44 +37086,14 @@
           <a:lstStyle/>
           <a:p>
             <a:r>
-              <a:rPr lang="ko-KR" altLang="en-US" dirty="0" err="1" smtClean="0">
+              <a:rPr lang="ko-KR" altLang="en-US" dirty="0" smtClean="0">
                 <a:solidFill>
                   <a:srgbClr val="E4007F"/>
                 </a:solidFill>
                 <a:latin typeface="소야논8" panose="02020603020101020101" pitchFamily="18" charset="-127"/>
                 <a:ea typeface="소야논8" panose="02020603020101020101" pitchFamily="18" charset="-127"/>
               </a:rPr>
-              <a:t>스크린샷</a:t>
-            </a:r>
-            <a:r>
-              <a:rPr lang="ko-KR" altLang="en-US" dirty="0" smtClean="0">
-                <a:solidFill>
-                  <a:srgbClr val="E4007F"/>
-                </a:solidFill>
-                <a:latin typeface="소야논8" panose="02020603020101020101" pitchFamily="18" charset="-127"/>
-                <a:ea typeface="소야논8" panose="02020603020101020101" pitchFamily="18" charset="-127"/>
-              </a:rPr>
-              <a:t> </a:t>
-            </a:r>
-            <a:r>
-              <a:rPr lang="en-US" altLang="ko-KR" dirty="0" smtClean="0">
-                <a:solidFill>
-                  <a:srgbClr val="E4007F"/>
-                </a:solidFill>
-                <a:latin typeface="소야논8" panose="02020603020101020101" pitchFamily="18" charset="-127"/>
-                <a:ea typeface="소야논8" panose="02020603020101020101" pitchFamily="18" charset="-127"/>
-              </a:rPr>
-              <a:t>: </a:t>
-            </a:r>
-            <a:r>
-              <a:rPr lang="ko-KR" altLang="en-US" dirty="0" err="1" smtClean="0">
-                <a:solidFill>
-                  <a:srgbClr val="E4007F"/>
-                </a:solidFill>
-                <a:latin typeface="소야논8" panose="02020603020101020101" pitchFamily="18" charset="-127"/>
-                <a:ea typeface="소야논8" panose="02020603020101020101" pitchFamily="18" charset="-127"/>
-              </a:rPr>
-              <a:t>블랙잭</a:t>
+              <a:t>네트워크</a:t>
             </a:r>
             <a:endParaRPr lang="ko-KR" altLang="en-US" dirty="0">
               <a:solidFill>
@@ -34812,102 +37105,6 @@
           </a:p>
         </p:txBody>
       </p:sp>
-      <p:pic>
-        <p:nvPicPr>
-          <p:cNvPr id="4" name="그림 3"/>
-          <p:cNvPicPr>
-            <a:picLocks noChangeAspect="1"/>
-          </p:cNvPicPr>
-          <p:nvPr/>
-        </p:nvPicPr>
-        <p:blipFill>
-          <a:blip r:embed="rId2"/>
-          <a:stretch>
-            <a:fillRect/>
-          </a:stretch>
-        </p:blipFill>
-        <p:spPr>
-          <a:xfrm>
-            <a:off x="1320710" y="2060848"/>
-            <a:ext cx="6502580" cy="3783043"/>
-          </a:xfrm>
-          <a:prstGeom prst="rect">
-            <a:avLst/>
-          </a:prstGeom>
-        </p:spPr>
-      </p:pic>
-    </p:spTree>
-    <p:extLst>
-      <p:ext uri="{BB962C8B-B14F-4D97-AF65-F5344CB8AC3E}">
-        <p14:creationId xmlns:p14="http://schemas.microsoft.com/office/powerpoint/2010/main" val="3666689309"/>
-      </p:ext>
-    </p:extLst>
-  </p:cSld>
-  <p:clrMapOvr>
-    <a:masterClrMapping/>
-  </p:clrMapOvr>
-  <p:timing>
-    <p:tnLst>
-      <p:par>
-        <p:cTn id="1" dur="indefinite" restart="never" nodeType="tmRoot"/>
-      </p:par>
-    </p:tnLst>
-  </p:timing>
-</p:sld>
-</file>
-
-<file path=ppt/slides/slide20.xml><?xml version="1.0" encoding="utf-8"?>
-<p:sld xmlns:a="http://schemas.openxmlformats.org/drawingml/2006/main" xmlns:r="http://schemas.openxmlformats.org/officeDocument/2006/relationships" xmlns:p="http://schemas.openxmlformats.org/presentationml/2006/main">
-  <p:cSld>
-    <p:spTree>
-      <p:nvGrpSpPr>
-        <p:cNvPr id="1" name=""/>
-        <p:cNvGrpSpPr/>
-        <p:nvPr/>
-      </p:nvGrpSpPr>
-      <p:grpSpPr>
-        <a:xfrm>
-          <a:off x="0" y="0"/>
-          <a:ext cx="0" cy="0"/>
-          <a:chOff x="0" y="0"/>
-          <a:chExt cx="0" cy="0"/>
-        </a:xfrm>
-      </p:grpSpPr>
-      <p:sp>
-        <p:nvSpPr>
-          <p:cNvPr id="2" name="제목 1"/>
-          <p:cNvSpPr>
-            <a:spLocks noGrp="1"/>
-          </p:cNvSpPr>
-          <p:nvPr>
-            <p:ph type="title"/>
-          </p:nvPr>
-        </p:nvSpPr>
-        <p:spPr/>
-        <p:txBody>
-          <a:bodyPr/>
-          <a:lstStyle/>
-          <a:p>
-            <a:r>
-              <a:rPr lang="ko-KR" altLang="en-US" dirty="0" smtClean="0">
-                <a:solidFill>
-                  <a:srgbClr val="E4007F"/>
-                </a:solidFill>
-                <a:latin typeface="소야논8" panose="02020603020101020101" pitchFamily="18" charset="-127"/>
-                <a:ea typeface="소야논8" panose="02020603020101020101" pitchFamily="18" charset="-127"/>
-              </a:rPr>
-              <a:t>네트워크</a:t>
-            </a:r>
-            <a:endParaRPr lang="ko-KR" altLang="en-US" dirty="0">
-              <a:solidFill>
-                <a:srgbClr val="E4007F"/>
-              </a:solidFill>
-              <a:latin typeface="소야논8" panose="02020603020101020101" pitchFamily="18" charset="-127"/>
-              <a:ea typeface="소야논8" panose="02020603020101020101" pitchFamily="18" charset="-127"/>
-            </a:endParaRPr>
-          </a:p>
-        </p:txBody>
-      </p:sp>
       <p:sp>
         <p:nvSpPr>
           <p:cNvPr id="3" name="내용 개체 틀 2"/>
@@ -35027,1465 +37224,6 @@
     <p:extLst>
       <p:ext uri="{BB962C8B-B14F-4D97-AF65-F5344CB8AC3E}">
         <p14:creationId xmlns:p14="http://schemas.microsoft.com/office/powerpoint/2010/main" val="163537651"/>
-      </p:ext>
-    </p:extLst>
-  </p:cSld>
-  <p:clrMapOvr>
-    <a:masterClrMapping/>
-  </p:clrMapOvr>
-  <p:timing>
-    <p:tnLst>
-      <p:par>
-        <p:cTn id="1" dur="indefinite" restart="never" nodeType="tmRoot"/>
-      </p:par>
-    </p:tnLst>
-  </p:timing>
-</p:sld>
-</file>
-
-<file path=ppt/slides/slide21.xml><?xml version="1.0" encoding="utf-8"?>
-<p:sld xmlns:a="http://schemas.openxmlformats.org/drawingml/2006/main" xmlns:r="http://schemas.openxmlformats.org/officeDocument/2006/relationships" xmlns:p="http://schemas.openxmlformats.org/presentationml/2006/main" showMasterSp="0">
-  <p:cSld>
-    <p:spTree>
-      <p:nvGrpSpPr>
-        <p:cNvPr id="1" name=""/>
-        <p:cNvGrpSpPr/>
-        <p:nvPr/>
-      </p:nvGrpSpPr>
-      <p:grpSpPr>
-        <a:xfrm>
-          <a:off x="0" y="0"/>
-          <a:ext cx="0" cy="0"/>
-          <a:chOff x="0" y="0"/>
-          <a:chExt cx="0" cy="0"/>
-        </a:xfrm>
-      </p:grpSpPr>
-      <p:sp>
-        <p:nvSpPr>
-          <p:cNvPr id="2" name="제목 1"/>
-          <p:cNvSpPr>
-            <a:spLocks noGrp="1"/>
-          </p:cNvSpPr>
-          <p:nvPr>
-            <p:ph type="title"/>
-          </p:nvPr>
-        </p:nvSpPr>
-        <p:spPr/>
-        <p:txBody>
-          <a:bodyPr/>
-          <a:lstStyle/>
-          <a:p>
-            <a:r>
-              <a:rPr lang="ko-KR" altLang="en-US" dirty="0" err="1" smtClean="0">
-                <a:solidFill>
-                  <a:srgbClr val="E4007F"/>
-                </a:solidFill>
-                <a:latin typeface="소야논8" panose="02020603020101020101" pitchFamily="18" charset="-127"/>
-                <a:ea typeface="소야논8" panose="02020603020101020101" pitchFamily="18" charset="-127"/>
-              </a:rPr>
-              <a:t>로직</a:t>
-            </a:r>
-            <a:endParaRPr lang="ko-KR" altLang="en-US" dirty="0">
-              <a:solidFill>
-                <a:srgbClr val="E4007F"/>
-              </a:solidFill>
-              <a:latin typeface="소야논8" panose="02020603020101020101" pitchFamily="18" charset="-127"/>
-              <a:ea typeface="소야논8" panose="02020603020101020101" pitchFamily="18" charset="-127"/>
-            </a:endParaRPr>
-          </a:p>
-        </p:txBody>
-      </p:sp>
-      <p:sp>
-        <p:nvSpPr>
-          <p:cNvPr id="3" name="내용 개체 틀 2"/>
-          <p:cNvSpPr>
-            <a:spLocks noGrp="1"/>
-          </p:cNvSpPr>
-          <p:nvPr>
-            <p:ph idx="1"/>
-          </p:nvPr>
-        </p:nvSpPr>
-        <p:spPr/>
-        <p:txBody>
-          <a:bodyPr>
-            <a:normAutofit/>
-          </a:bodyPr>
-          <a:lstStyle/>
-          <a:p>
-            <a:pPr>
-              <a:lnSpc>
-                <a:spcPct val="200000"/>
-              </a:lnSpc>
-            </a:pPr>
-            <a:r>
-              <a:rPr lang="en-US" altLang="ko-KR" sz="2800" dirty="0" err="1" smtClean="0">
-                <a:solidFill>
-                  <a:schemeClr val="bg1"/>
-                </a:solidFill>
-                <a:latin typeface="소야논8" panose="02020603020101020101" pitchFamily="18" charset="-127"/>
-                <a:ea typeface="소야논8" panose="02020603020101020101" pitchFamily="18" charset="-127"/>
-              </a:rPr>
-              <a:t>RecvPacketQueue</a:t>
-            </a:r>
-            <a:r>
-              <a:rPr lang="ko-KR" altLang="en-US" sz="2800" dirty="0" smtClean="0">
-                <a:solidFill>
-                  <a:schemeClr val="bg1"/>
-                </a:solidFill>
-                <a:latin typeface="소야논8" panose="02020603020101020101" pitchFamily="18" charset="-127"/>
-                <a:ea typeface="소야논8" panose="02020603020101020101" pitchFamily="18" charset="-127"/>
-              </a:rPr>
-              <a:t>에서 하나씩 꺼내서 처리한다</a:t>
-            </a:r>
-            <a:r>
-              <a:rPr lang="en-US" altLang="ko-KR" sz="2800" dirty="0" smtClean="0">
-                <a:solidFill>
-                  <a:schemeClr val="bg1"/>
-                </a:solidFill>
-                <a:latin typeface="소야논8" panose="02020603020101020101" pitchFamily="18" charset="-127"/>
-                <a:ea typeface="소야논8" panose="02020603020101020101" pitchFamily="18" charset="-127"/>
-              </a:rPr>
-              <a:t>.</a:t>
-            </a:r>
-          </a:p>
-          <a:p>
-            <a:pPr>
-              <a:lnSpc>
-                <a:spcPct val="200000"/>
-              </a:lnSpc>
-            </a:pPr>
-            <a:r>
-              <a:rPr lang="ko-KR" altLang="en-US" sz="2800" dirty="0" smtClean="0">
-                <a:solidFill>
-                  <a:schemeClr val="bg1"/>
-                </a:solidFill>
-                <a:latin typeface="소야논8" panose="02020603020101020101" pitchFamily="18" charset="-127"/>
-                <a:ea typeface="소야논8" panose="02020603020101020101" pitchFamily="18" charset="-127"/>
-              </a:rPr>
-              <a:t>클라이언트에게 </a:t>
-            </a:r>
-            <a:r>
-              <a:rPr lang="ko-KR" altLang="en-US" sz="2800" dirty="0" err="1" smtClean="0">
-                <a:solidFill>
-                  <a:schemeClr val="bg1"/>
-                </a:solidFill>
-                <a:latin typeface="소야논8" panose="02020603020101020101" pitchFamily="18" charset="-127"/>
-                <a:ea typeface="소야논8" panose="02020603020101020101" pitchFamily="18" charset="-127"/>
-              </a:rPr>
-              <a:t>알릴때는</a:t>
-            </a:r>
-            <a:r>
-              <a:rPr lang="ko-KR" altLang="en-US" sz="2800" dirty="0" smtClean="0">
-                <a:solidFill>
-                  <a:schemeClr val="bg1"/>
-                </a:solidFill>
-                <a:latin typeface="소야논8" panose="02020603020101020101" pitchFamily="18" charset="-127"/>
-                <a:ea typeface="소야논8" panose="02020603020101020101" pitchFamily="18" charset="-127"/>
-              </a:rPr>
-              <a:t> </a:t>
-            </a:r>
-            <a:r>
-              <a:rPr lang="en-US" altLang="ko-KR" sz="2800" dirty="0" err="1" smtClean="0">
-                <a:solidFill>
-                  <a:schemeClr val="bg1"/>
-                </a:solidFill>
-                <a:latin typeface="소야논8" panose="02020603020101020101" pitchFamily="18" charset="-127"/>
-                <a:ea typeface="소야논8" panose="02020603020101020101" pitchFamily="18" charset="-127"/>
-              </a:rPr>
-              <a:t>SendPackQue</a:t>
-            </a:r>
-            <a:r>
-              <a:rPr lang="en-US" altLang="ko-KR" sz="2800" dirty="0" smtClean="0">
-                <a:solidFill>
-                  <a:schemeClr val="bg1"/>
-                </a:solidFill>
-                <a:latin typeface="소야논8" panose="02020603020101020101" pitchFamily="18" charset="-127"/>
-                <a:ea typeface="소야논8" panose="02020603020101020101" pitchFamily="18" charset="-127"/>
-              </a:rPr>
-              <a:t> </a:t>
-            </a:r>
-            <a:r>
-              <a:rPr lang="ko-KR" altLang="en-US" sz="2800" dirty="0" smtClean="0">
-                <a:solidFill>
-                  <a:schemeClr val="bg1"/>
-                </a:solidFill>
-                <a:latin typeface="소야논8" panose="02020603020101020101" pitchFamily="18" charset="-127"/>
-                <a:ea typeface="소야논8" panose="02020603020101020101" pitchFamily="18" charset="-127"/>
-              </a:rPr>
-              <a:t>이용</a:t>
-            </a:r>
-            <a:r>
-              <a:rPr lang="en-US" altLang="ko-KR" sz="2800" dirty="0" smtClean="0">
-                <a:solidFill>
-                  <a:schemeClr val="bg1"/>
-                </a:solidFill>
-                <a:latin typeface="소야논8" panose="02020603020101020101" pitchFamily="18" charset="-127"/>
-                <a:ea typeface="소야논8" panose="02020603020101020101" pitchFamily="18" charset="-127"/>
-              </a:rPr>
-              <a:t>.</a:t>
-            </a:r>
-          </a:p>
-          <a:p>
-            <a:pPr>
-              <a:lnSpc>
-                <a:spcPct val="200000"/>
-              </a:lnSpc>
-            </a:pPr>
-            <a:r>
-              <a:rPr lang="en-US" altLang="ko-KR" sz="2800" dirty="0" smtClean="0">
-                <a:solidFill>
-                  <a:schemeClr val="bg1"/>
-                </a:solidFill>
-                <a:latin typeface="소야논8" panose="02020603020101020101" pitchFamily="18" charset="-127"/>
-                <a:ea typeface="소야논8" panose="02020603020101020101" pitchFamily="18" charset="-127"/>
-              </a:rPr>
-              <a:t>DB</a:t>
-            </a:r>
-            <a:r>
-              <a:rPr lang="ko-KR" altLang="en-US" sz="2800" dirty="0" smtClean="0">
-                <a:solidFill>
-                  <a:schemeClr val="bg1"/>
-                </a:solidFill>
-                <a:latin typeface="소야논8" panose="02020603020101020101" pitchFamily="18" charset="-127"/>
-                <a:ea typeface="소야논8" panose="02020603020101020101" pitchFamily="18" charset="-127"/>
-              </a:rPr>
-              <a:t>작업이 필요할 경우 </a:t>
-            </a:r>
-            <a:r>
-              <a:rPr lang="en-US" altLang="ko-KR" sz="2800" dirty="0" smtClean="0">
-                <a:solidFill>
-                  <a:schemeClr val="bg1"/>
-                </a:solidFill>
-                <a:latin typeface="소야논8" panose="02020603020101020101" pitchFamily="18" charset="-127"/>
-                <a:ea typeface="소야논8" panose="02020603020101020101" pitchFamily="18" charset="-127"/>
-              </a:rPr>
-              <a:t>DB</a:t>
-            </a:r>
-            <a:r>
-              <a:rPr lang="ko-KR" altLang="en-US" sz="2800" dirty="0" err="1" smtClean="0">
-                <a:solidFill>
-                  <a:schemeClr val="bg1"/>
-                </a:solidFill>
-                <a:latin typeface="소야논8" panose="02020603020101020101" pitchFamily="18" charset="-127"/>
-                <a:ea typeface="소야논8" panose="02020603020101020101" pitchFamily="18" charset="-127"/>
-              </a:rPr>
-              <a:t>작업</a:t>
-            </a:r>
-            <a:r>
-              <a:rPr lang="ko-KR" altLang="en-US" sz="2800" dirty="0" err="1">
-                <a:solidFill>
-                  <a:schemeClr val="bg1"/>
-                </a:solidFill>
-                <a:latin typeface="소야논8" panose="02020603020101020101" pitchFamily="18" charset="-127"/>
-                <a:ea typeface="소야논8" panose="02020603020101020101" pitchFamily="18" charset="-127"/>
-              </a:rPr>
-              <a:t>큐</a:t>
-            </a:r>
-            <a:r>
-              <a:rPr lang="ko-KR" altLang="en-US" sz="2800" dirty="0" err="1" smtClean="0">
-                <a:solidFill>
-                  <a:schemeClr val="bg1"/>
-                </a:solidFill>
-                <a:latin typeface="소야논8" panose="02020603020101020101" pitchFamily="18" charset="-127"/>
-                <a:ea typeface="소야논8" panose="02020603020101020101" pitchFamily="18" charset="-127"/>
-              </a:rPr>
-              <a:t>에</a:t>
-            </a:r>
-            <a:r>
-              <a:rPr lang="ko-KR" altLang="en-US" sz="2800" dirty="0" smtClean="0">
-                <a:solidFill>
-                  <a:schemeClr val="bg1"/>
-                </a:solidFill>
-                <a:latin typeface="소야논8" panose="02020603020101020101" pitchFamily="18" charset="-127"/>
-                <a:ea typeface="소야논8" panose="02020603020101020101" pitchFamily="18" charset="-127"/>
-              </a:rPr>
-              <a:t> 넣음</a:t>
-            </a:r>
-            <a:endParaRPr lang="en-US" altLang="ko-KR" sz="2800" dirty="0" smtClean="0">
-              <a:solidFill>
-                <a:schemeClr val="bg1"/>
-              </a:solidFill>
-              <a:latin typeface="소야논8" panose="02020603020101020101" pitchFamily="18" charset="-127"/>
-              <a:ea typeface="소야논8" panose="02020603020101020101" pitchFamily="18" charset="-127"/>
-            </a:endParaRPr>
-          </a:p>
-        </p:txBody>
-      </p:sp>
-    </p:spTree>
-    <p:extLst>
-      <p:ext uri="{BB962C8B-B14F-4D97-AF65-F5344CB8AC3E}">
-        <p14:creationId xmlns:p14="http://schemas.microsoft.com/office/powerpoint/2010/main" val="820179635"/>
-      </p:ext>
-    </p:extLst>
-  </p:cSld>
-  <p:clrMapOvr>
-    <a:masterClrMapping/>
-  </p:clrMapOvr>
-  <p:timing>
-    <p:tnLst>
-      <p:par>
-        <p:cTn id="1" dur="indefinite" restart="never" nodeType="tmRoot"/>
-      </p:par>
-    </p:tnLst>
-  </p:timing>
-</p:sld>
-</file>
-
-<file path=ppt/slides/slide22.xml><?xml version="1.0" encoding="utf-8"?>
-<p:sld xmlns:a="http://schemas.openxmlformats.org/drawingml/2006/main" xmlns:r="http://schemas.openxmlformats.org/officeDocument/2006/relationships" xmlns:p="http://schemas.openxmlformats.org/presentationml/2006/main">
-  <p:cSld>
-    <p:spTree>
-      <p:nvGrpSpPr>
-        <p:cNvPr id="1" name=""/>
-        <p:cNvGrpSpPr/>
-        <p:nvPr/>
-      </p:nvGrpSpPr>
-      <p:grpSpPr>
-        <a:xfrm>
-          <a:off x="0" y="0"/>
-          <a:ext cx="0" cy="0"/>
-          <a:chOff x="0" y="0"/>
-          <a:chExt cx="0" cy="0"/>
-        </a:xfrm>
-      </p:grpSpPr>
-      <p:sp>
-        <p:nvSpPr>
-          <p:cNvPr id="2" name="제목 1"/>
-          <p:cNvSpPr>
-            <a:spLocks noGrp="1"/>
-          </p:cNvSpPr>
-          <p:nvPr>
-            <p:ph type="title"/>
-          </p:nvPr>
-        </p:nvSpPr>
-        <p:spPr/>
-        <p:txBody>
-          <a:bodyPr/>
-          <a:lstStyle/>
-          <a:p>
-            <a:r>
-              <a:rPr lang="en-US" altLang="ko-KR" dirty="0" smtClean="0">
-                <a:solidFill>
-                  <a:srgbClr val="E4007F"/>
-                </a:solidFill>
-                <a:latin typeface="소야논8" panose="02020603020101020101" pitchFamily="18" charset="-127"/>
-                <a:ea typeface="소야논8" panose="02020603020101020101" pitchFamily="18" charset="-127"/>
-              </a:rPr>
-              <a:t>DB</a:t>
-            </a:r>
-            <a:endParaRPr lang="ko-KR" altLang="en-US" dirty="0">
-              <a:solidFill>
-                <a:srgbClr val="E4007F"/>
-              </a:solidFill>
-              <a:latin typeface="소야논8" panose="02020603020101020101" pitchFamily="18" charset="-127"/>
-              <a:ea typeface="소야논8" panose="02020603020101020101" pitchFamily="18" charset="-127"/>
-            </a:endParaRPr>
-          </a:p>
-        </p:txBody>
-      </p:sp>
-      <p:sp>
-        <p:nvSpPr>
-          <p:cNvPr id="3" name="내용 개체 틀 2"/>
-          <p:cNvSpPr>
-            <a:spLocks noGrp="1"/>
-          </p:cNvSpPr>
-          <p:nvPr>
-            <p:ph idx="1"/>
-          </p:nvPr>
-        </p:nvSpPr>
-        <p:spPr/>
-        <p:txBody>
-          <a:bodyPr>
-            <a:normAutofit/>
-          </a:bodyPr>
-          <a:lstStyle/>
-          <a:p>
-            <a:pPr>
-              <a:lnSpc>
-                <a:spcPct val="200000"/>
-              </a:lnSpc>
-            </a:pPr>
-            <a:r>
-              <a:rPr lang="en-US" altLang="ko-KR" sz="2800" dirty="0" smtClean="0">
-                <a:solidFill>
-                  <a:schemeClr val="bg1"/>
-                </a:solidFill>
-                <a:latin typeface="소야논8" panose="02020603020101020101" pitchFamily="18" charset="-127"/>
-                <a:ea typeface="소야논8" panose="02020603020101020101" pitchFamily="18" charset="-127"/>
-              </a:rPr>
-              <a:t>DB</a:t>
-            </a:r>
-            <a:r>
-              <a:rPr lang="ko-KR" altLang="en-US" sz="2800" dirty="0" smtClean="0">
-                <a:solidFill>
-                  <a:schemeClr val="bg1"/>
-                </a:solidFill>
-                <a:latin typeface="소야논8" panose="02020603020101020101" pitchFamily="18" charset="-127"/>
-                <a:ea typeface="소야논8" panose="02020603020101020101" pitchFamily="18" charset="-127"/>
-              </a:rPr>
-              <a:t> </a:t>
-            </a:r>
-            <a:r>
-              <a:rPr lang="ko-KR" altLang="en-US" sz="2800" dirty="0" err="1" smtClean="0">
-                <a:solidFill>
-                  <a:schemeClr val="bg1"/>
-                </a:solidFill>
-                <a:latin typeface="소야논8" panose="02020603020101020101" pitchFamily="18" charset="-127"/>
-                <a:ea typeface="소야논8" panose="02020603020101020101" pitchFamily="18" charset="-127"/>
-              </a:rPr>
-              <a:t>쓰레드는</a:t>
-            </a:r>
-            <a:r>
-              <a:rPr lang="ko-KR" altLang="en-US" sz="2800" dirty="0" smtClean="0">
-                <a:solidFill>
-                  <a:schemeClr val="bg1"/>
-                </a:solidFill>
-                <a:latin typeface="소야논8" panose="02020603020101020101" pitchFamily="18" charset="-127"/>
-                <a:ea typeface="소야논8" panose="02020603020101020101" pitchFamily="18" charset="-127"/>
-              </a:rPr>
-              <a:t> </a:t>
-            </a:r>
-            <a:r>
-              <a:rPr lang="en-US" altLang="ko-KR" sz="2800" dirty="0" smtClean="0">
-                <a:solidFill>
-                  <a:schemeClr val="bg1"/>
-                </a:solidFill>
-                <a:latin typeface="소야논8" panose="02020603020101020101" pitchFamily="18" charset="-127"/>
-                <a:ea typeface="소야논8" panose="02020603020101020101" pitchFamily="18" charset="-127"/>
-              </a:rPr>
-              <a:t>DB</a:t>
-            </a:r>
-            <a:r>
-              <a:rPr lang="ko-KR" altLang="en-US" sz="2800" dirty="0" err="1" smtClean="0">
-                <a:solidFill>
-                  <a:schemeClr val="bg1"/>
-                </a:solidFill>
-                <a:latin typeface="소야논8" panose="02020603020101020101" pitchFamily="18" charset="-127"/>
-                <a:ea typeface="소야논8" panose="02020603020101020101" pitchFamily="18" charset="-127"/>
-              </a:rPr>
-              <a:t>작업</a:t>
-            </a:r>
-            <a:r>
-              <a:rPr lang="ko-KR" altLang="en-US" sz="2800" dirty="0" err="1">
-                <a:solidFill>
-                  <a:schemeClr val="bg1"/>
-                </a:solidFill>
-                <a:latin typeface="소야논8" panose="02020603020101020101" pitchFamily="18" charset="-127"/>
-                <a:ea typeface="소야논8" panose="02020603020101020101" pitchFamily="18" charset="-127"/>
-              </a:rPr>
-              <a:t>큐</a:t>
-            </a:r>
-            <a:r>
-              <a:rPr lang="ko-KR" altLang="en-US" sz="2800" dirty="0" err="1" smtClean="0">
-                <a:solidFill>
-                  <a:schemeClr val="bg1"/>
-                </a:solidFill>
-                <a:latin typeface="소야논8" panose="02020603020101020101" pitchFamily="18" charset="-127"/>
-                <a:ea typeface="소야논8" panose="02020603020101020101" pitchFamily="18" charset="-127"/>
-              </a:rPr>
-              <a:t>에</a:t>
-            </a:r>
-            <a:r>
-              <a:rPr lang="ko-KR" altLang="en-US" sz="2800" dirty="0" smtClean="0">
-                <a:solidFill>
-                  <a:schemeClr val="bg1"/>
-                </a:solidFill>
-                <a:latin typeface="소야논8" panose="02020603020101020101" pitchFamily="18" charset="-127"/>
-                <a:ea typeface="소야논8" panose="02020603020101020101" pitchFamily="18" charset="-127"/>
-              </a:rPr>
-              <a:t> 내용물이 들어올 때마다 해당 작업을 처리한 후 </a:t>
-            </a:r>
-            <a:r>
-              <a:rPr lang="en-US" altLang="ko-KR" sz="2800" dirty="0" smtClean="0">
-                <a:solidFill>
-                  <a:schemeClr val="bg1"/>
-                </a:solidFill>
-                <a:latin typeface="소야논8" panose="02020603020101020101" pitchFamily="18" charset="-127"/>
-                <a:ea typeface="소야논8" panose="02020603020101020101" pitchFamily="18" charset="-127"/>
-              </a:rPr>
-              <a:t>DB</a:t>
-            </a:r>
-            <a:r>
-              <a:rPr lang="ko-KR" altLang="en-US" sz="2800" dirty="0" err="1" smtClean="0">
-                <a:solidFill>
-                  <a:schemeClr val="bg1"/>
-                </a:solidFill>
-                <a:latin typeface="소야논8" panose="02020603020101020101" pitchFamily="18" charset="-127"/>
-                <a:ea typeface="소야논8" panose="02020603020101020101" pitchFamily="18" charset="-127"/>
-              </a:rPr>
-              <a:t>작업완료큐에</a:t>
-            </a:r>
-            <a:r>
-              <a:rPr lang="ko-KR" altLang="en-US" sz="2800" dirty="0" smtClean="0">
-                <a:solidFill>
-                  <a:schemeClr val="bg1"/>
-                </a:solidFill>
-                <a:latin typeface="소야논8" panose="02020603020101020101" pitchFamily="18" charset="-127"/>
-                <a:ea typeface="소야논8" panose="02020603020101020101" pitchFamily="18" charset="-127"/>
-              </a:rPr>
-              <a:t> 넣는다</a:t>
-            </a:r>
-            <a:r>
-              <a:rPr lang="en-US" altLang="ko-KR" sz="2800" dirty="0" smtClean="0">
-                <a:solidFill>
-                  <a:schemeClr val="bg1"/>
-                </a:solidFill>
-                <a:latin typeface="소야논8" panose="02020603020101020101" pitchFamily="18" charset="-127"/>
-                <a:ea typeface="소야논8" panose="02020603020101020101" pitchFamily="18" charset="-127"/>
-              </a:rPr>
-              <a:t>.</a:t>
-            </a:r>
-          </a:p>
-          <a:p>
-            <a:pPr>
-              <a:lnSpc>
-                <a:spcPct val="200000"/>
-              </a:lnSpc>
-            </a:pPr>
-            <a:r>
-              <a:rPr lang="ko-KR" altLang="en-US" sz="2800" dirty="0" err="1" smtClean="0">
-                <a:solidFill>
-                  <a:schemeClr val="bg1"/>
-                </a:solidFill>
-                <a:latin typeface="소야논8" panose="02020603020101020101" pitchFamily="18" charset="-127"/>
-                <a:ea typeface="소야논8" panose="02020603020101020101" pitchFamily="18" charset="-127"/>
-              </a:rPr>
-              <a:t>로직은</a:t>
-            </a:r>
-            <a:r>
-              <a:rPr lang="ko-KR" altLang="en-US" sz="2800" dirty="0" smtClean="0">
-                <a:solidFill>
-                  <a:schemeClr val="bg1"/>
-                </a:solidFill>
-                <a:latin typeface="소야논8" panose="02020603020101020101" pitchFamily="18" charset="-127"/>
-                <a:ea typeface="소야논8" panose="02020603020101020101" pitchFamily="18" charset="-127"/>
-              </a:rPr>
-              <a:t> </a:t>
-            </a:r>
-            <a:r>
-              <a:rPr lang="en-US" altLang="ko-KR" sz="2800" dirty="0" smtClean="0">
-                <a:solidFill>
-                  <a:schemeClr val="bg1"/>
-                </a:solidFill>
-                <a:latin typeface="소야논8" panose="02020603020101020101" pitchFamily="18" charset="-127"/>
-                <a:ea typeface="소야논8" panose="02020603020101020101" pitchFamily="18" charset="-127"/>
-              </a:rPr>
-              <a:t>DB</a:t>
-            </a:r>
-            <a:r>
-              <a:rPr lang="ko-KR" altLang="en-US" sz="2800" dirty="0" err="1" smtClean="0">
-                <a:solidFill>
-                  <a:schemeClr val="bg1"/>
-                </a:solidFill>
-                <a:latin typeface="소야논8" panose="02020603020101020101" pitchFamily="18" charset="-127"/>
-                <a:ea typeface="소야논8" panose="02020603020101020101" pitchFamily="18" charset="-127"/>
-              </a:rPr>
-              <a:t>작업완료큐에</a:t>
-            </a:r>
-            <a:r>
-              <a:rPr lang="ko-KR" altLang="en-US" sz="2800" dirty="0" smtClean="0">
-                <a:solidFill>
-                  <a:schemeClr val="bg1"/>
-                </a:solidFill>
-                <a:latin typeface="소야논8" panose="02020603020101020101" pitchFamily="18" charset="-127"/>
-                <a:ea typeface="소야논8" panose="02020603020101020101" pitchFamily="18" charset="-127"/>
-              </a:rPr>
-              <a:t> 내용물이 들어올 때마다 미뤄두었던 해당 </a:t>
-            </a:r>
-            <a:r>
-              <a:rPr lang="ko-KR" altLang="en-US" sz="2800" dirty="0" err="1" smtClean="0">
-                <a:solidFill>
-                  <a:schemeClr val="bg1"/>
-                </a:solidFill>
-                <a:latin typeface="소야논8" panose="02020603020101020101" pitchFamily="18" charset="-127"/>
-                <a:ea typeface="소야논8" panose="02020603020101020101" pitchFamily="18" charset="-127"/>
-              </a:rPr>
-              <a:t>로직을</a:t>
-            </a:r>
-            <a:r>
-              <a:rPr lang="ko-KR" altLang="en-US" sz="2800" dirty="0" smtClean="0">
-                <a:solidFill>
-                  <a:schemeClr val="bg1"/>
-                </a:solidFill>
-                <a:latin typeface="소야논8" panose="02020603020101020101" pitchFamily="18" charset="-127"/>
-                <a:ea typeface="소야논8" panose="02020603020101020101" pitchFamily="18" charset="-127"/>
-              </a:rPr>
-              <a:t> 마저 처리한다</a:t>
-            </a:r>
-            <a:r>
-              <a:rPr lang="en-US" altLang="ko-KR" sz="2800" dirty="0" smtClean="0">
-                <a:solidFill>
-                  <a:schemeClr val="bg1"/>
-                </a:solidFill>
-                <a:latin typeface="소야논8" panose="02020603020101020101" pitchFamily="18" charset="-127"/>
-                <a:ea typeface="소야논8" panose="02020603020101020101" pitchFamily="18" charset="-127"/>
-              </a:rPr>
-              <a:t>.</a:t>
-            </a:r>
-          </a:p>
-        </p:txBody>
-      </p:sp>
-    </p:spTree>
-    <p:extLst>
-      <p:ext uri="{BB962C8B-B14F-4D97-AF65-F5344CB8AC3E}">
-        <p14:creationId xmlns:p14="http://schemas.microsoft.com/office/powerpoint/2010/main" val="4249808207"/>
-      </p:ext>
-    </p:extLst>
-  </p:cSld>
-  <p:clrMapOvr>
-    <a:masterClrMapping/>
-  </p:clrMapOvr>
-  <p:timing>
-    <p:tnLst>
-      <p:par>
-        <p:cTn id="1" dur="indefinite" restart="never" nodeType="tmRoot"/>
-      </p:par>
-    </p:tnLst>
-  </p:timing>
-</p:sld>
-</file>
-
-<file path=ppt/slides/slide23.xml><?xml version="1.0" encoding="utf-8"?>
-<p:sld xmlns:a="http://schemas.openxmlformats.org/drawingml/2006/main" xmlns:r="http://schemas.openxmlformats.org/officeDocument/2006/relationships" xmlns:p="http://schemas.openxmlformats.org/presentationml/2006/main" showMasterSp="0">
-  <p:cSld>
-    <p:spTree>
-      <p:nvGrpSpPr>
-        <p:cNvPr id="1" name=""/>
-        <p:cNvGrpSpPr/>
-        <p:nvPr/>
-      </p:nvGrpSpPr>
-      <p:grpSpPr>
-        <a:xfrm>
-          <a:off x="0" y="0"/>
-          <a:ext cx="0" cy="0"/>
-          <a:chOff x="0" y="0"/>
-          <a:chExt cx="0" cy="0"/>
-        </a:xfrm>
-      </p:grpSpPr>
-      <p:sp>
-        <p:nvSpPr>
-          <p:cNvPr id="2" name="제목 1"/>
-          <p:cNvSpPr>
-            <a:spLocks noGrp="1"/>
-          </p:cNvSpPr>
-          <p:nvPr>
-            <p:ph type="title"/>
-          </p:nvPr>
-        </p:nvSpPr>
-        <p:spPr/>
-        <p:txBody>
-          <a:bodyPr/>
-          <a:lstStyle/>
-          <a:p>
-            <a:r>
-              <a:rPr lang="ko-KR" altLang="en-US" dirty="0" smtClean="0">
-                <a:solidFill>
-                  <a:srgbClr val="E4007F"/>
-                </a:solidFill>
-                <a:latin typeface="소야논8" panose="02020603020101020101" pitchFamily="18" charset="-127"/>
-                <a:ea typeface="소야논8" panose="02020603020101020101" pitchFamily="18" charset="-127"/>
-              </a:rPr>
-              <a:t>클라이언</a:t>
-            </a:r>
-            <a:r>
-              <a:rPr lang="ko-KR" altLang="en-US" dirty="0">
-                <a:solidFill>
-                  <a:srgbClr val="E4007F"/>
-                </a:solidFill>
-                <a:latin typeface="소야논8" panose="02020603020101020101" pitchFamily="18" charset="-127"/>
-                <a:ea typeface="소야논8" panose="02020603020101020101" pitchFamily="18" charset="-127"/>
-              </a:rPr>
-              <a:t>트</a:t>
-            </a:r>
-          </a:p>
-        </p:txBody>
-      </p:sp>
-      <p:sp>
-        <p:nvSpPr>
-          <p:cNvPr id="3" name="내용 개체 틀 2"/>
-          <p:cNvSpPr>
-            <a:spLocks noGrp="1"/>
-          </p:cNvSpPr>
-          <p:nvPr>
-            <p:ph idx="1"/>
-          </p:nvPr>
-        </p:nvSpPr>
-        <p:spPr/>
-        <p:txBody>
-          <a:bodyPr>
-            <a:normAutofit/>
-          </a:bodyPr>
-          <a:lstStyle/>
-          <a:p>
-            <a:pPr>
-              <a:lnSpc>
-                <a:spcPct val="150000"/>
-              </a:lnSpc>
-            </a:pPr>
-            <a:r>
-              <a:rPr lang="en-US" altLang="ko-KR" sz="2800" dirty="0" err="1" smtClean="0">
-                <a:solidFill>
-                  <a:schemeClr val="bg1"/>
-                </a:solidFill>
-                <a:latin typeface="소야논8" panose="02020603020101020101" pitchFamily="18" charset="-127"/>
-                <a:ea typeface="소야논8" panose="02020603020101020101" pitchFamily="18" charset="-127"/>
-              </a:rPr>
-              <a:t>Recv</a:t>
-            </a:r>
-            <a:r>
-              <a:rPr lang="en-US" altLang="ko-KR" sz="2800" dirty="0" smtClean="0">
-                <a:solidFill>
-                  <a:schemeClr val="bg1"/>
-                </a:solidFill>
-                <a:latin typeface="소야논8" panose="02020603020101020101" pitchFamily="18" charset="-127"/>
-                <a:ea typeface="소야논8" panose="02020603020101020101" pitchFamily="18" charset="-127"/>
-              </a:rPr>
-              <a:t> </a:t>
-            </a:r>
-            <a:r>
-              <a:rPr lang="ko-KR" altLang="en-US" sz="2800" dirty="0" err="1" smtClean="0">
-                <a:solidFill>
-                  <a:schemeClr val="bg1"/>
-                </a:solidFill>
-                <a:latin typeface="소야논8" panose="02020603020101020101" pitchFamily="18" charset="-127"/>
-                <a:ea typeface="소야논8" panose="02020603020101020101" pitchFamily="18" charset="-127"/>
-              </a:rPr>
-              <a:t>쓰레드</a:t>
-            </a:r>
-            <a:r>
-              <a:rPr lang="ko-KR" altLang="en-US" sz="2800" dirty="0" smtClean="0">
-                <a:solidFill>
-                  <a:schemeClr val="bg1"/>
-                </a:solidFill>
-                <a:latin typeface="소야논8" panose="02020603020101020101" pitchFamily="18" charset="-127"/>
-                <a:ea typeface="소야논8" panose="02020603020101020101" pitchFamily="18" charset="-127"/>
-              </a:rPr>
-              <a:t> 하나 띄워서 그냥 계속 </a:t>
-            </a:r>
-            <a:r>
-              <a:rPr lang="en-US" altLang="ko-KR" sz="2800" dirty="0" err="1" smtClean="0">
-                <a:solidFill>
-                  <a:schemeClr val="bg1"/>
-                </a:solidFill>
-                <a:latin typeface="소야논8" panose="02020603020101020101" pitchFamily="18" charset="-127"/>
-                <a:ea typeface="소야논8" panose="02020603020101020101" pitchFamily="18" charset="-127"/>
-              </a:rPr>
-              <a:t>Recv</a:t>
-            </a:r>
-            <a:r>
-              <a:rPr lang="en-US" altLang="ko-KR" sz="2800" dirty="0" smtClean="0">
-                <a:solidFill>
-                  <a:schemeClr val="bg1"/>
-                </a:solidFill>
-                <a:latin typeface="소야논8" panose="02020603020101020101" pitchFamily="18" charset="-127"/>
-                <a:ea typeface="소야논8" panose="02020603020101020101" pitchFamily="18" charset="-127"/>
-              </a:rPr>
-              <a:t> </a:t>
-            </a:r>
-            <a:r>
-              <a:rPr lang="ko-KR" altLang="en-US" sz="2800" dirty="0" smtClean="0">
-                <a:solidFill>
-                  <a:schemeClr val="bg1"/>
-                </a:solidFill>
-                <a:latin typeface="소야논8" panose="02020603020101020101" pitchFamily="18" charset="-127"/>
-                <a:ea typeface="소야논8" panose="02020603020101020101" pitchFamily="18" charset="-127"/>
-              </a:rPr>
-              <a:t>하다가 </a:t>
-            </a:r>
-            <a:r>
-              <a:rPr lang="ko-KR" altLang="en-US" sz="2800" dirty="0" err="1" smtClean="0">
-                <a:solidFill>
-                  <a:schemeClr val="bg1"/>
-                </a:solidFill>
-                <a:latin typeface="소야논8" panose="02020603020101020101" pitchFamily="18" charset="-127"/>
-                <a:ea typeface="소야논8" panose="02020603020101020101" pitchFamily="18" charset="-127"/>
-              </a:rPr>
-              <a:t>패킷</a:t>
-            </a:r>
-            <a:r>
-              <a:rPr lang="ko-KR" altLang="en-US" sz="2800" dirty="0" smtClean="0">
-                <a:solidFill>
-                  <a:schemeClr val="bg1"/>
-                </a:solidFill>
-                <a:latin typeface="소야논8" panose="02020603020101020101" pitchFamily="18" charset="-127"/>
-                <a:ea typeface="소야논8" panose="02020603020101020101" pitchFamily="18" charset="-127"/>
-              </a:rPr>
-              <a:t> 만들어서 </a:t>
-            </a:r>
-            <a:r>
-              <a:rPr lang="ko-KR" altLang="en-US" sz="2800" dirty="0" err="1" smtClean="0">
-                <a:solidFill>
-                  <a:schemeClr val="bg1"/>
-                </a:solidFill>
-                <a:latin typeface="소야논8" panose="02020603020101020101" pitchFamily="18" charset="-127"/>
-                <a:ea typeface="소야논8" panose="02020603020101020101" pitchFamily="18" charset="-127"/>
-              </a:rPr>
-              <a:t>메인쓰레드의</a:t>
-            </a:r>
-            <a:r>
-              <a:rPr lang="ko-KR" altLang="en-US" sz="2800" dirty="0" smtClean="0">
-                <a:solidFill>
-                  <a:schemeClr val="bg1"/>
-                </a:solidFill>
-                <a:latin typeface="소야논8" panose="02020603020101020101" pitchFamily="18" charset="-127"/>
-                <a:ea typeface="소야논8" panose="02020603020101020101" pitchFamily="18" charset="-127"/>
-              </a:rPr>
-              <a:t> </a:t>
-            </a:r>
-            <a:r>
-              <a:rPr lang="en-US" altLang="ko-KR" sz="2800" dirty="0" smtClean="0">
-                <a:solidFill>
-                  <a:schemeClr val="bg1"/>
-                </a:solidFill>
-                <a:latin typeface="소야논8" panose="02020603020101020101" pitchFamily="18" charset="-127"/>
-                <a:ea typeface="소야논8" panose="02020603020101020101" pitchFamily="18" charset="-127"/>
-              </a:rPr>
-              <a:t>Job Queue</a:t>
-            </a:r>
-            <a:r>
-              <a:rPr lang="ko-KR" altLang="en-US" sz="2800" dirty="0" smtClean="0">
-                <a:solidFill>
-                  <a:schemeClr val="bg1"/>
-                </a:solidFill>
-                <a:latin typeface="소야논8" panose="02020603020101020101" pitchFamily="18" charset="-127"/>
-                <a:ea typeface="소야논8" panose="02020603020101020101" pitchFamily="18" charset="-127"/>
-              </a:rPr>
-              <a:t>에 넣어줌</a:t>
-            </a:r>
-            <a:endParaRPr lang="en-US" altLang="ko-KR" sz="2800" dirty="0" smtClean="0">
-              <a:solidFill>
-                <a:schemeClr val="bg1"/>
-              </a:solidFill>
-              <a:latin typeface="소야논8" panose="02020603020101020101" pitchFamily="18" charset="-127"/>
-              <a:ea typeface="소야논8" panose="02020603020101020101" pitchFamily="18" charset="-127"/>
-            </a:endParaRPr>
-          </a:p>
-          <a:p>
-            <a:endParaRPr lang="en-US" altLang="ko-KR" sz="2800" dirty="0" smtClean="0">
-              <a:solidFill>
-                <a:schemeClr val="bg1"/>
-              </a:solidFill>
-              <a:latin typeface="소야논8" panose="02020603020101020101" pitchFamily="18" charset="-127"/>
-              <a:ea typeface="소야논8" panose="02020603020101020101" pitchFamily="18" charset="-127"/>
-            </a:endParaRPr>
-          </a:p>
-          <a:p>
-            <a:r>
-              <a:rPr lang="ko-KR" altLang="en-US" sz="2800" dirty="0" smtClean="0">
-                <a:solidFill>
-                  <a:schemeClr val="bg1"/>
-                </a:solidFill>
-                <a:latin typeface="소야논8" panose="02020603020101020101" pitchFamily="18" charset="-127"/>
-                <a:ea typeface="소야논8" panose="02020603020101020101" pitchFamily="18" charset="-127"/>
-              </a:rPr>
-              <a:t>그 외 서버 과목이니까 생략</a:t>
-            </a:r>
-            <a:endParaRPr lang="en-US" altLang="ko-KR" sz="2800" dirty="0" smtClean="0">
-              <a:solidFill>
-                <a:schemeClr val="bg1"/>
-              </a:solidFill>
-              <a:latin typeface="소야논8" panose="02020603020101020101" pitchFamily="18" charset="-127"/>
-              <a:ea typeface="소야논8" panose="02020603020101020101" pitchFamily="18" charset="-127"/>
-            </a:endParaRPr>
-          </a:p>
-        </p:txBody>
-      </p:sp>
-    </p:spTree>
-    <p:extLst>
-      <p:ext uri="{BB962C8B-B14F-4D97-AF65-F5344CB8AC3E}">
-        <p14:creationId xmlns:p14="http://schemas.microsoft.com/office/powerpoint/2010/main" val="820179635"/>
-      </p:ext>
-    </p:extLst>
-  </p:cSld>
-  <p:clrMapOvr>
-    <a:masterClrMapping/>
-  </p:clrMapOvr>
-  <p:timing>
-    <p:tnLst>
-      <p:par>
-        <p:cTn id="1" dur="indefinite" restart="never" nodeType="tmRoot"/>
-      </p:par>
-    </p:tnLst>
-  </p:timing>
-</p:sld>
-</file>
-
-<file path=ppt/slides/slide24.xml><?xml version="1.0" encoding="utf-8"?>
-<p:sld xmlns:a="http://schemas.openxmlformats.org/drawingml/2006/main" xmlns:r="http://schemas.openxmlformats.org/officeDocument/2006/relationships" xmlns:p="http://schemas.openxmlformats.org/presentationml/2006/main" showMasterSp="0">
-  <p:cSld>
-    <p:spTree>
-      <p:nvGrpSpPr>
-        <p:cNvPr id="1" name=""/>
-        <p:cNvGrpSpPr/>
-        <p:nvPr/>
-      </p:nvGrpSpPr>
-      <p:grpSpPr>
-        <a:xfrm>
-          <a:off x="0" y="0"/>
-          <a:ext cx="0" cy="0"/>
-          <a:chOff x="0" y="0"/>
-          <a:chExt cx="0" cy="0"/>
-        </a:xfrm>
-      </p:grpSpPr>
-      <p:sp>
-        <p:nvSpPr>
-          <p:cNvPr id="2" name="제목 1"/>
-          <p:cNvSpPr>
-            <a:spLocks noGrp="1"/>
-          </p:cNvSpPr>
-          <p:nvPr>
-            <p:ph type="ctrTitle"/>
-          </p:nvPr>
-        </p:nvSpPr>
-        <p:spPr/>
-        <p:txBody>
-          <a:bodyPr>
-            <a:normAutofit/>
-          </a:bodyPr>
-          <a:lstStyle/>
-          <a:p>
-            <a:r>
-              <a:rPr lang="ko-KR" altLang="en-US" sz="4800" dirty="0" smtClean="0">
-                <a:solidFill>
-                  <a:srgbClr val="E4007F"/>
-                </a:solidFill>
-                <a:latin typeface="소야논8" panose="02020603020101020101" pitchFamily="18" charset="-127"/>
-                <a:ea typeface="소야논8" panose="02020603020101020101" pitchFamily="18" charset="-127"/>
-              </a:rPr>
-              <a:t>힘들었던 점</a:t>
-            </a:r>
-            <a:endParaRPr lang="ko-KR" altLang="en-US" sz="4800" dirty="0">
-              <a:solidFill>
-                <a:srgbClr val="E4007F"/>
-              </a:solidFill>
-              <a:latin typeface="소야논8" panose="02020603020101020101" pitchFamily="18" charset="-127"/>
-              <a:ea typeface="소야논8" panose="02020603020101020101" pitchFamily="18" charset="-127"/>
-            </a:endParaRPr>
-          </a:p>
-        </p:txBody>
-      </p:sp>
-    </p:spTree>
-    <p:extLst>
-      <p:ext uri="{BB962C8B-B14F-4D97-AF65-F5344CB8AC3E}">
-        <p14:creationId xmlns:p14="http://schemas.microsoft.com/office/powerpoint/2010/main" val="3190729377"/>
-      </p:ext>
-    </p:extLst>
-  </p:cSld>
-  <p:clrMapOvr>
-    <a:masterClrMapping/>
-  </p:clrMapOvr>
-  <p:timing>
-    <p:tnLst>
-      <p:par>
-        <p:cTn id="1" dur="indefinite" restart="never" nodeType="tmRoot"/>
-      </p:par>
-    </p:tnLst>
-  </p:timing>
-</p:sld>
-</file>
-
-<file path=ppt/slides/slide25.xml><?xml version="1.0" encoding="utf-8"?>
-<p:sld xmlns:a="http://schemas.openxmlformats.org/drawingml/2006/main" xmlns:r="http://schemas.openxmlformats.org/officeDocument/2006/relationships" xmlns:p="http://schemas.openxmlformats.org/presentationml/2006/main" showMasterSp="0">
-  <p:cSld>
-    <p:spTree>
-      <p:nvGrpSpPr>
-        <p:cNvPr id="1" name=""/>
-        <p:cNvGrpSpPr/>
-        <p:nvPr/>
-      </p:nvGrpSpPr>
-      <p:grpSpPr>
-        <a:xfrm>
-          <a:off x="0" y="0"/>
-          <a:ext cx="0" cy="0"/>
-          <a:chOff x="0" y="0"/>
-          <a:chExt cx="0" cy="0"/>
-        </a:xfrm>
-      </p:grpSpPr>
-      <p:sp>
-        <p:nvSpPr>
-          <p:cNvPr id="2" name="제목 1"/>
-          <p:cNvSpPr>
-            <a:spLocks noGrp="1"/>
-          </p:cNvSpPr>
-          <p:nvPr>
-            <p:ph type="title"/>
-          </p:nvPr>
-        </p:nvSpPr>
-        <p:spPr/>
-        <p:txBody>
-          <a:bodyPr/>
-          <a:lstStyle/>
-          <a:p>
-            <a:r>
-              <a:rPr lang="ko-KR" altLang="en-US" dirty="0" smtClean="0">
-                <a:solidFill>
-                  <a:srgbClr val="E4007F"/>
-                </a:solidFill>
-                <a:latin typeface="소야논8" panose="02020603020101020101" pitchFamily="18" charset="-127"/>
-                <a:ea typeface="소야논8" panose="02020603020101020101" pitchFamily="18" charset="-127"/>
-              </a:rPr>
-              <a:t>힘들었던 </a:t>
-            </a:r>
-            <a:r>
-              <a:rPr lang="ko-KR" altLang="en-US" dirty="0">
-                <a:solidFill>
-                  <a:srgbClr val="E4007F"/>
-                </a:solidFill>
-                <a:latin typeface="소야논8" panose="02020603020101020101" pitchFamily="18" charset="-127"/>
-                <a:ea typeface="소야논8" panose="02020603020101020101" pitchFamily="18" charset="-127"/>
-              </a:rPr>
-              <a:t>점</a:t>
-            </a:r>
-          </a:p>
-        </p:txBody>
-      </p:sp>
-      <p:sp>
-        <p:nvSpPr>
-          <p:cNvPr id="3" name="내용 개체 틀 2"/>
-          <p:cNvSpPr>
-            <a:spLocks noGrp="1"/>
-          </p:cNvSpPr>
-          <p:nvPr>
-            <p:ph idx="1"/>
-          </p:nvPr>
-        </p:nvSpPr>
-        <p:spPr/>
-        <p:txBody>
-          <a:bodyPr>
-            <a:normAutofit/>
-          </a:bodyPr>
-          <a:lstStyle/>
-          <a:p>
-            <a:r>
-              <a:rPr lang="ko-KR" altLang="en-US" sz="2800" dirty="0" err="1" smtClean="0">
-                <a:solidFill>
-                  <a:schemeClr val="bg1"/>
-                </a:solidFill>
-                <a:latin typeface="소야논8" panose="02020603020101020101" pitchFamily="18" charset="-127"/>
-                <a:ea typeface="소야논8" panose="02020603020101020101" pitchFamily="18" charset="-127"/>
-              </a:rPr>
-              <a:t>멀티스레드</a:t>
-            </a:r>
-            <a:r>
-              <a:rPr lang="en-US" altLang="ko-KR" sz="2800" dirty="0" smtClean="0">
-                <a:solidFill>
-                  <a:schemeClr val="bg1"/>
-                </a:solidFill>
-                <a:latin typeface="소야논8" panose="02020603020101020101" pitchFamily="18" charset="-127"/>
-                <a:ea typeface="소야논8" panose="02020603020101020101" pitchFamily="18" charset="-127"/>
-              </a:rPr>
-              <a:t>…</a:t>
-            </a:r>
-            <a:endParaRPr lang="en-US" altLang="ko-KR" sz="2800" dirty="0">
-              <a:solidFill>
-                <a:schemeClr val="bg1"/>
-              </a:solidFill>
-              <a:latin typeface="소야논8" panose="02020603020101020101" pitchFamily="18" charset="-127"/>
-              <a:ea typeface="소야논8" panose="02020603020101020101" pitchFamily="18" charset="-127"/>
-            </a:endParaRPr>
-          </a:p>
-          <a:p>
-            <a:pPr lvl="1"/>
-            <a:r>
-              <a:rPr lang="ko-KR" altLang="en-US" sz="2400" dirty="0" smtClean="0">
-                <a:solidFill>
-                  <a:schemeClr val="bg1"/>
-                </a:solidFill>
-                <a:latin typeface="소야논8" panose="02020603020101020101" pitchFamily="18" charset="-127"/>
-                <a:ea typeface="소야논8" panose="02020603020101020101" pitchFamily="18" charset="-127"/>
-              </a:rPr>
-              <a:t>성능이 </a:t>
-            </a:r>
-            <a:r>
-              <a:rPr lang="ko-KR" altLang="en-US" sz="2400" dirty="0" err="1" smtClean="0">
-                <a:solidFill>
-                  <a:schemeClr val="bg1"/>
-                </a:solidFill>
-                <a:latin typeface="소야논8" panose="02020603020101020101" pitchFamily="18" charset="-127"/>
-                <a:ea typeface="소야논8" panose="02020603020101020101" pitchFamily="18" charset="-127"/>
-              </a:rPr>
-              <a:t>안나오는데</a:t>
-            </a:r>
-            <a:r>
-              <a:rPr lang="ko-KR" altLang="en-US" sz="2400" dirty="0" smtClean="0">
-                <a:solidFill>
-                  <a:schemeClr val="bg1"/>
-                </a:solidFill>
-                <a:latin typeface="소야논8" panose="02020603020101020101" pitchFamily="18" charset="-127"/>
-                <a:ea typeface="소야논8" panose="02020603020101020101" pitchFamily="18" charset="-127"/>
-              </a:rPr>
-              <a:t> 이유를 몰라서 고생</a:t>
-            </a:r>
-            <a:endParaRPr lang="en-US" altLang="ko-KR" sz="2400" dirty="0" smtClean="0">
-              <a:solidFill>
-                <a:schemeClr val="bg1"/>
-              </a:solidFill>
-              <a:latin typeface="소야논8" panose="02020603020101020101" pitchFamily="18" charset="-127"/>
-              <a:ea typeface="소야논8" panose="02020603020101020101" pitchFamily="18" charset="-127"/>
-            </a:endParaRPr>
-          </a:p>
-          <a:p>
-            <a:pPr lvl="1"/>
-            <a:endParaRPr lang="en-US" altLang="ko-KR" sz="2400" dirty="0">
-              <a:solidFill>
-                <a:schemeClr val="bg1"/>
-              </a:solidFill>
-              <a:latin typeface="소야논8" panose="02020603020101020101" pitchFamily="18" charset="-127"/>
-              <a:ea typeface="소야논8" panose="02020603020101020101" pitchFamily="18" charset="-127"/>
-            </a:endParaRPr>
-          </a:p>
-          <a:p>
-            <a:r>
-              <a:rPr lang="en-US" altLang="ko-KR" dirty="0" smtClean="0">
-                <a:solidFill>
-                  <a:schemeClr val="bg1"/>
-                </a:solidFill>
-                <a:latin typeface="소야논8" panose="02020603020101020101" pitchFamily="18" charset="-127"/>
-                <a:ea typeface="소야논8" panose="02020603020101020101" pitchFamily="18" charset="-127"/>
-              </a:rPr>
-              <a:t>DB, ASP.NET, IOCP </a:t>
-            </a:r>
-            <a:r>
-              <a:rPr lang="ko-KR" altLang="en-US" dirty="0" smtClean="0">
-                <a:solidFill>
-                  <a:schemeClr val="bg1"/>
-                </a:solidFill>
-                <a:latin typeface="소야논8" panose="02020603020101020101" pitchFamily="18" charset="-127"/>
-                <a:ea typeface="소야논8" panose="02020603020101020101" pitchFamily="18" charset="-127"/>
-              </a:rPr>
-              <a:t>골고루 사용하느라</a:t>
-            </a:r>
-            <a:r>
-              <a:rPr lang="en-US" altLang="ko-KR" dirty="0" smtClean="0">
-                <a:solidFill>
-                  <a:schemeClr val="bg1"/>
-                </a:solidFill>
-                <a:latin typeface="소야논8" panose="02020603020101020101" pitchFamily="18" charset="-127"/>
-                <a:ea typeface="소야논8" panose="02020603020101020101" pitchFamily="18" charset="-127"/>
-              </a:rPr>
-              <a:t>…</a:t>
-            </a:r>
-          </a:p>
-          <a:p>
-            <a:endParaRPr lang="en-US" altLang="ko-KR" dirty="0">
-              <a:solidFill>
-                <a:schemeClr val="bg1"/>
-              </a:solidFill>
-              <a:latin typeface="소야논8" panose="02020603020101020101" pitchFamily="18" charset="-127"/>
-              <a:ea typeface="소야논8" panose="02020603020101020101" pitchFamily="18" charset="-127"/>
-            </a:endParaRPr>
-          </a:p>
-          <a:p>
-            <a:r>
-              <a:rPr lang="ko-KR" altLang="en-US" dirty="0" smtClean="0">
-                <a:solidFill>
-                  <a:schemeClr val="bg1"/>
-                </a:solidFill>
-                <a:latin typeface="소야논8" panose="02020603020101020101" pitchFamily="18" charset="-127"/>
-                <a:ea typeface="소야논8" panose="02020603020101020101" pitchFamily="18" charset="-127"/>
-              </a:rPr>
-              <a:t>미리 좀 </a:t>
-            </a:r>
-            <a:r>
-              <a:rPr lang="ko-KR" altLang="en-US" dirty="0" err="1" smtClean="0">
-                <a:solidFill>
-                  <a:schemeClr val="bg1"/>
-                </a:solidFill>
-                <a:latin typeface="소야논8" panose="02020603020101020101" pitchFamily="18" charset="-127"/>
-                <a:ea typeface="소야논8" panose="02020603020101020101" pitchFamily="18" charset="-127"/>
-              </a:rPr>
-              <a:t>할껄</a:t>
-            </a:r>
-            <a:endParaRPr lang="en-US" altLang="ko-KR" dirty="0" smtClean="0">
-              <a:solidFill>
-                <a:schemeClr val="bg1"/>
-              </a:solidFill>
-              <a:latin typeface="소야논8" panose="02020603020101020101" pitchFamily="18" charset="-127"/>
-              <a:ea typeface="소야논8" panose="02020603020101020101" pitchFamily="18" charset="-127"/>
-            </a:endParaRPr>
-          </a:p>
-          <a:p>
-            <a:pPr lvl="1"/>
-            <a:r>
-              <a:rPr lang="ko-KR" altLang="en-US" dirty="0" smtClean="0">
-                <a:solidFill>
-                  <a:schemeClr val="bg1"/>
-                </a:solidFill>
-                <a:latin typeface="소야논8" panose="02020603020101020101" pitchFamily="18" charset="-127"/>
-                <a:ea typeface="소야논8" panose="02020603020101020101" pitchFamily="18" charset="-127"/>
-              </a:rPr>
-              <a:t>지금이 제일 </a:t>
-            </a:r>
-            <a:r>
-              <a:rPr lang="ko-KR" altLang="en-US" dirty="0" err="1" smtClean="0">
-                <a:solidFill>
-                  <a:schemeClr val="bg1"/>
-                </a:solidFill>
-                <a:latin typeface="소야논8" panose="02020603020101020101" pitchFamily="18" charset="-127"/>
-                <a:ea typeface="소야논8" panose="02020603020101020101" pitchFamily="18" charset="-127"/>
-              </a:rPr>
-              <a:t>힘듬</a:t>
-            </a:r>
-            <a:r>
-              <a:rPr lang="en-US" altLang="ko-KR" dirty="0" smtClean="0">
-                <a:solidFill>
-                  <a:schemeClr val="bg1"/>
-                </a:solidFill>
-                <a:latin typeface="소야논8" panose="02020603020101020101" pitchFamily="18" charset="-127"/>
-                <a:ea typeface="소야논8" panose="02020603020101020101" pitchFamily="18" charset="-127"/>
-              </a:rPr>
-              <a:t>. </a:t>
-            </a:r>
-            <a:r>
-              <a:rPr lang="ko-KR" altLang="en-US" dirty="0" smtClean="0">
-                <a:solidFill>
-                  <a:schemeClr val="bg1"/>
-                </a:solidFill>
-                <a:latin typeface="소야논8" panose="02020603020101020101" pitchFamily="18" charset="-127"/>
-                <a:ea typeface="소야논8" panose="02020603020101020101" pitchFamily="18" charset="-127"/>
-              </a:rPr>
-              <a:t>졸려</a:t>
-            </a:r>
-            <a:r>
-              <a:rPr lang="en-US" altLang="ko-KR" dirty="0" smtClean="0">
-                <a:solidFill>
-                  <a:schemeClr val="bg1"/>
-                </a:solidFill>
-                <a:latin typeface="소야논8" panose="02020603020101020101" pitchFamily="18" charset="-127"/>
-                <a:ea typeface="소야논8" panose="02020603020101020101" pitchFamily="18" charset="-127"/>
-              </a:rPr>
-              <a:t>…</a:t>
-            </a:r>
-          </a:p>
-        </p:txBody>
-      </p:sp>
-    </p:spTree>
-    <p:extLst>
-      <p:ext uri="{BB962C8B-B14F-4D97-AF65-F5344CB8AC3E}">
-        <p14:creationId xmlns:p14="http://schemas.microsoft.com/office/powerpoint/2010/main" val="3280314044"/>
-      </p:ext>
-    </p:extLst>
-  </p:cSld>
-  <p:clrMapOvr>
-    <a:masterClrMapping/>
-  </p:clrMapOvr>
-  <p:timing>
-    <p:tnLst>
-      <p:par>
-        <p:cTn id="1" dur="indefinite" restart="never" nodeType="tmRoot"/>
-      </p:par>
-    </p:tnLst>
-  </p:timing>
-</p:sld>
-</file>
-
-<file path=ppt/slides/slide26.xml><?xml version="1.0" encoding="utf-8"?>
-<p:sld xmlns:a="http://schemas.openxmlformats.org/drawingml/2006/main" xmlns:r="http://schemas.openxmlformats.org/officeDocument/2006/relationships" xmlns:p="http://schemas.openxmlformats.org/presentationml/2006/main" showMasterSp="0">
-  <p:cSld>
-    <p:spTree>
-      <p:nvGrpSpPr>
-        <p:cNvPr id="1" name=""/>
-        <p:cNvGrpSpPr/>
-        <p:nvPr/>
-      </p:nvGrpSpPr>
-      <p:grpSpPr>
-        <a:xfrm>
-          <a:off x="0" y="0"/>
-          <a:ext cx="0" cy="0"/>
-          <a:chOff x="0" y="0"/>
-          <a:chExt cx="0" cy="0"/>
-        </a:xfrm>
-      </p:grpSpPr>
-      <p:sp>
-        <p:nvSpPr>
-          <p:cNvPr id="2" name="제목 1"/>
-          <p:cNvSpPr>
-            <a:spLocks noGrp="1"/>
-          </p:cNvSpPr>
-          <p:nvPr>
-            <p:ph type="title"/>
-          </p:nvPr>
-        </p:nvSpPr>
-        <p:spPr/>
-        <p:txBody>
-          <a:bodyPr/>
-          <a:lstStyle/>
-          <a:p>
-            <a:r>
-              <a:rPr lang="ko-KR" altLang="en-US" dirty="0" smtClean="0">
-                <a:solidFill>
-                  <a:srgbClr val="E4007F"/>
-                </a:solidFill>
-                <a:latin typeface="소야논8" panose="02020603020101020101" pitchFamily="18" charset="-127"/>
-                <a:ea typeface="소야논8" panose="02020603020101020101" pitchFamily="18" charset="-127"/>
-              </a:rPr>
-              <a:t>다시 만든다면</a:t>
-            </a:r>
-            <a:r>
-              <a:rPr lang="en-US" altLang="ko-KR" dirty="0" smtClean="0">
-                <a:solidFill>
-                  <a:srgbClr val="E4007F"/>
-                </a:solidFill>
-                <a:latin typeface="소야논8" panose="02020603020101020101" pitchFamily="18" charset="-127"/>
-                <a:ea typeface="소야논8" panose="02020603020101020101" pitchFamily="18" charset="-127"/>
-              </a:rPr>
-              <a:t>? - </a:t>
-            </a:r>
-            <a:r>
-              <a:rPr lang="ko-KR" altLang="en-US" dirty="0" smtClean="0">
-                <a:solidFill>
-                  <a:srgbClr val="E4007F"/>
-                </a:solidFill>
-                <a:latin typeface="소야논8" panose="02020603020101020101" pitchFamily="18" charset="-127"/>
-                <a:ea typeface="소야논8" panose="02020603020101020101" pitchFamily="18" charset="-127"/>
-              </a:rPr>
-              <a:t>명</a:t>
-            </a:r>
-            <a:r>
-              <a:rPr lang="ko-KR" altLang="en-US" dirty="0">
-                <a:solidFill>
-                  <a:srgbClr val="E4007F"/>
-                </a:solidFill>
-                <a:latin typeface="소야논8" panose="02020603020101020101" pitchFamily="18" charset="-127"/>
-                <a:ea typeface="소야논8" panose="02020603020101020101" pitchFamily="18" charset="-127"/>
-              </a:rPr>
-              <a:t>찬</a:t>
-            </a:r>
-          </a:p>
-        </p:txBody>
-      </p:sp>
-      <p:sp>
-        <p:nvSpPr>
-          <p:cNvPr id="3" name="내용 개체 틀 2"/>
-          <p:cNvSpPr>
-            <a:spLocks noGrp="1"/>
-          </p:cNvSpPr>
-          <p:nvPr>
-            <p:ph idx="1"/>
-          </p:nvPr>
-        </p:nvSpPr>
-        <p:spPr/>
-        <p:txBody>
-          <a:bodyPr>
-            <a:normAutofit/>
-          </a:bodyPr>
-          <a:lstStyle/>
-          <a:p>
-            <a:r>
-              <a:rPr lang="en-US" altLang="ko-KR" sz="2800" dirty="0" smtClean="0">
-                <a:solidFill>
-                  <a:schemeClr val="bg1"/>
-                </a:solidFill>
-                <a:latin typeface="소야논8" panose="02020603020101020101" pitchFamily="18" charset="-127"/>
-                <a:ea typeface="소야논8" panose="02020603020101020101" pitchFamily="18" charset="-127"/>
-              </a:rPr>
-              <a:t>DB </a:t>
-            </a:r>
-            <a:r>
-              <a:rPr lang="ko-KR" altLang="en-US" sz="2800" dirty="0" err="1" smtClean="0">
-                <a:solidFill>
-                  <a:schemeClr val="bg1"/>
-                </a:solidFill>
-                <a:latin typeface="소야논8" panose="02020603020101020101" pitchFamily="18" charset="-127"/>
-                <a:ea typeface="소야논8" panose="02020603020101020101" pitchFamily="18" charset="-127"/>
-              </a:rPr>
-              <a:t>쓰레드쪽을</a:t>
-            </a:r>
-            <a:r>
-              <a:rPr lang="ko-KR" altLang="en-US" sz="2800" dirty="0" smtClean="0">
-                <a:solidFill>
-                  <a:schemeClr val="bg1"/>
-                </a:solidFill>
-                <a:latin typeface="소야논8" panose="02020603020101020101" pitchFamily="18" charset="-127"/>
-                <a:ea typeface="소야논8" panose="02020603020101020101" pitchFamily="18" charset="-127"/>
-              </a:rPr>
-              <a:t> 최적화 하고 싶음</a:t>
-            </a:r>
-            <a:r>
-              <a:rPr lang="en-US" altLang="ko-KR" sz="2800" dirty="0" smtClean="0">
-                <a:solidFill>
-                  <a:schemeClr val="bg1"/>
-                </a:solidFill>
-                <a:latin typeface="소야논8" panose="02020603020101020101" pitchFamily="18" charset="-127"/>
-                <a:ea typeface="소야논8" panose="02020603020101020101" pitchFamily="18" charset="-127"/>
-              </a:rPr>
-              <a:t>. </a:t>
-            </a:r>
-          </a:p>
-          <a:p>
-            <a:endParaRPr lang="en-US" altLang="ko-KR" sz="2800" dirty="0">
-              <a:solidFill>
-                <a:schemeClr val="bg1"/>
-              </a:solidFill>
-              <a:latin typeface="소야논8" panose="02020603020101020101" pitchFamily="18" charset="-127"/>
-              <a:ea typeface="소야논8" panose="02020603020101020101" pitchFamily="18" charset="-127"/>
-            </a:endParaRPr>
-          </a:p>
-          <a:p>
-            <a:r>
-              <a:rPr lang="en-US" altLang="ko-KR" sz="2800" dirty="0" smtClean="0">
-                <a:solidFill>
-                  <a:schemeClr val="bg1"/>
-                </a:solidFill>
-                <a:latin typeface="소야논8" panose="020B0600000101010101" charset="-127"/>
-                <a:ea typeface="소야논8" panose="020B0600000101010101" charset="-127"/>
-              </a:rPr>
-              <a:t>AWS</a:t>
-            </a:r>
-            <a:r>
-              <a:rPr lang="ko-KR" altLang="en-US" sz="2800" dirty="0">
-                <a:solidFill>
-                  <a:schemeClr val="bg1"/>
-                </a:solidFill>
-                <a:latin typeface="소야논8" panose="020B0600000101010101" charset="-127"/>
-                <a:ea typeface="소야논8" panose="020B0600000101010101" charset="-127"/>
-              </a:rPr>
-              <a:t> </a:t>
-            </a:r>
-            <a:r>
-              <a:rPr lang="ko-KR" altLang="en-US" sz="2800" dirty="0" smtClean="0">
-                <a:solidFill>
-                  <a:schemeClr val="bg1"/>
-                </a:solidFill>
-                <a:latin typeface="소야논8" panose="020B0600000101010101" charset="-127"/>
-                <a:ea typeface="소야논8" panose="020B0600000101010101" charset="-127"/>
-              </a:rPr>
-              <a:t>위에서 </a:t>
-            </a:r>
-            <a:r>
-              <a:rPr lang="ko-KR" altLang="en-US" sz="2800" dirty="0" err="1" smtClean="0">
-                <a:solidFill>
-                  <a:schemeClr val="bg1"/>
-                </a:solidFill>
-                <a:latin typeface="소야논8" panose="020B0600000101010101" charset="-127"/>
-                <a:ea typeface="소야논8" panose="020B0600000101010101" charset="-127"/>
-              </a:rPr>
-              <a:t>돌려보는것이</a:t>
-            </a:r>
-            <a:r>
-              <a:rPr lang="ko-KR" altLang="en-US" sz="2800" dirty="0" smtClean="0">
-                <a:solidFill>
-                  <a:schemeClr val="bg1"/>
-                </a:solidFill>
-                <a:latin typeface="소야논8" panose="020B0600000101010101" charset="-127"/>
-                <a:ea typeface="소야논8" panose="020B0600000101010101" charset="-127"/>
-              </a:rPr>
-              <a:t> 목표</a:t>
-            </a:r>
-            <a:endParaRPr lang="en-US" altLang="ko-KR" sz="2800" dirty="0" smtClean="0">
-              <a:solidFill>
-                <a:schemeClr val="bg1"/>
-              </a:solidFill>
-              <a:latin typeface="소야논8" panose="020B0600000101010101" charset="-127"/>
-              <a:ea typeface="소야논8" panose="020B0600000101010101" charset="-127"/>
-            </a:endParaRPr>
-          </a:p>
-        </p:txBody>
-      </p:sp>
-    </p:spTree>
-    <p:extLst>
-      <p:ext uri="{BB962C8B-B14F-4D97-AF65-F5344CB8AC3E}">
-        <p14:creationId xmlns:p14="http://schemas.microsoft.com/office/powerpoint/2010/main" val="1497429585"/>
       </p:ext>
     </p:extLst>
   </p:cSld>
@@ -36526,6 +37264,1413 @@
             <a:spLocks noGrp="1"/>
           </p:cNvSpPr>
           <p:nvPr>
+            <p:ph type="title"/>
+          </p:nvPr>
+        </p:nvSpPr>
+        <p:spPr/>
+        <p:txBody>
+          <a:bodyPr/>
+          <a:lstStyle/>
+          <a:p>
+            <a:r>
+              <a:rPr lang="ko-KR" altLang="en-US" dirty="0" err="1" smtClean="0">
+                <a:solidFill>
+                  <a:srgbClr val="E4007F"/>
+                </a:solidFill>
+                <a:latin typeface="소야논8" panose="02020603020101020101" pitchFamily="18" charset="-127"/>
+                <a:ea typeface="소야논8" panose="02020603020101020101" pitchFamily="18" charset="-127"/>
+              </a:rPr>
+              <a:t>로직</a:t>
+            </a:r>
+            <a:endParaRPr lang="ko-KR" altLang="en-US" dirty="0">
+              <a:solidFill>
+                <a:srgbClr val="E4007F"/>
+              </a:solidFill>
+              <a:latin typeface="소야논8" panose="02020603020101020101" pitchFamily="18" charset="-127"/>
+              <a:ea typeface="소야논8" panose="02020603020101020101" pitchFamily="18" charset="-127"/>
+            </a:endParaRPr>
+          </a:p>
+        </p:txBody>
+      </p:sp>
+      <p:sp>
+        <p:nvSpPr>
+          <p:cNvPr id="3" name="내용 개체 틀 2"/>
+          <p:cNvSpPr>
+            <a:spLocks noGrp="1"/>
+          </p:cNvSpPr>
+          <p:nvPr>
+            <p:ph idx="1"/>
+          </p:nvPr>
+        </p:nvSpPr>
+        <p:spPr/>
+        <p:txBody>
+          <a:bodyPr>
+            <a:normAutofit/>
+          </a:bodyPr>
+          <a:lstStyle/>
+          <a:p>
+            <a:pPr>
+              <a:lnSpc>
+                <a:spcPct val="200000"/>
+              </a:lnSpc>
+            </a:pPr>
+            <a:r>
+              <a:rPr lang="en-US" altLang="ko-KR" sz="2800" dirty="0" err="1" smtClean="0">
+                <a:solidFill>
+                  <a:schemeClr val="bg1"/>
+                </a:solidFill>
+                <a:latin typeface="소야논8" panose="02020603020101020101" pitchFamily="18" charset="-127"/>
+                <a:ea typeface="소야논8" panose="02020603020101020101" pitchFamily="18" charset="-127"/>
+              </a:rPr>
+              <a:t>RecvPacketQueue</a:t>
+            </a:r>
+            <a:r>
+              <a:rPr lang="ko-KR" altLang="en-US" sz="2800" dirty="0" smtClean="0">
+                <a:solidFill>
+                  <a:schemeClr val="bg1"/>
+                </a:solidFill>
+                <a:latin typeface="소야논8" panose="02020603020101020101" pitchFamily="18" charset="-127"/>
+                <a:ea typeface="소야논8" panose="02020603020101020101" pitchFamily="18" charset="-127"/>
+              </a:rPr>
+              <a:t>에서 하나씩 꺼내서 처리한다</a:t>
+            </a:r>
+            <a:r>
+              <a:rPr lang="en-US" altLang="ko-KR" sz="2800" dirty="0" smtClean="0">
+                <a:solidFill>
+                  <a:schemeClr val="bg1"/>
+                </a:solidFill>
+                <a:latin typeface="소야논8" panose="02020603020101020101" pitchFamily="18" charset="-127"/>
+                <a:ea typeface="소야논8" panose="02020603020101020101" pitchFamily="18" charset="-127"/>
+              </a:rPr>
+              <a:t>.</a:t>
+            </a:r>
+          </a:p>
+          <a:p>
+            <a:pPr>
+              <a:lnSpc>
+                <a:spcPct val="200000"/>
+              </a:lnSpc>
+            </a:pPr>
+            <a:r>
+              <a:rPr lang="ko-KR" altLang="en-US" sz="2800" dirty="0" smtClean="0">
+                <a:solidFill>
+                  <a:schemeClr val="bg1"/>
+                </a:solidFill>
+                <a:latin typeface="소야논8" panose="02020603020101020101" pitchFamily="18" charset="-127"/>
+                <a:ea typeface="소야논8" panose="02020603020101020101" pitchFamily="18" charset="-127"/>
+              </a:rPr>
+              <a:t>클라이언트에게 </a:t>
+            </a:r>
+            <a:r>
+              <a:rPr lang="ko-KR" altLang="en-US" sz="2800" dirty="0" err="1" smtClean="0">
+                <a:solidFill>
+                  <a:schemeClr val="bg1"/>
+                </a:solidFill>
+                <a:latin typeface="소야논8" panose="02020603020101020101" pitchFamily="18" charset="-127"/>
+                <a:ea typeface="소야논8" panose="02020603020101020101" pitchFamily="18" charset="-127"/>
+              </a:rPr>
+              <a:t>알릴때는</a:t>
+            </a:r>
+            <a:r>
+              <a:rPr lang="ko-KR" altLang="en-US" sz="2800" dirty="0" smtClean="0">
+                <a:solidFill>
+                  <a:schemeClr val="bg1"/>
+                </a:solidFill>
+                <a:latin typeface="소야논8" panose="02020603020101020101" pitchFamily="18" charset="-127"/>
+                <a:ea typeface="소야논8" panose="02020603020101020101" pitchFamily="18" charset="-127"/>
+              </a:rPr>
+              <a:t> </a:t>
+            </a:r>
+            <a:r>
+              <a:rPr lang="en-US" altLang="ko-KR" sz="2800" dirty="0" err="1" smtClean="0">
+                <a:solidFill>
+                  <a:schemeClr val="bg1"/>
+                </a:solidFill>
+                <a:latin typeface="소야논8" panose="02020603020101020101" pitchFamily="18" charset="-127"/>
+                <a:ea typeface="소야논8" panose="02020603020101020101" pitchFamily="18" charset="-127"/>
+              </a:rPr>
+              <a:t>SendPackQue</a:t>
+            </a:r>
+            <a:r>
+              <a:rPr lang="en-US" altLang="ko-KR" sz="2800" dirty="0" smtClean="0">
+                <a:solidFill>
+                  <a:schemeClr val="bg1"/>
+                </a:solidFill>
+                <a:latin typeface="소야논8" panose="02020603020101020101" pitchFamily="18" charset="-127"/>
+                <a:ea typeface="소야논8" panose="02020603020101020101" pitchFamily="18" charset="-127"/>
+              </a:rPr>
+              <a:t> </a:t>
+            </a:r>
+            <a:r>
+              <a:rPr lang="ko-KR" altLang="en-US" sz="2800" dirty="0" smtClean="0">
+                <a:solidFill>
+                  <a:schemeClr val="bg1"/>
+                </a:solidFill>
+                <a:latin typeface="소야논8" panose="02020603020101020101" pitchFamily="18" charset="-127"/>
+                <a:ea typeface="소야논8" panose="02020603020101020101" pitchFamily="18" charset="-127"/>
+              </a:rPr>
+              <a:t>이용</a:t>
+            </a:r>
+            <a:r>
+              <a:rPr lang="en-US" altLang="ko-KR" sz="2800" dirty="0" smtClean="0">
+                <a:solidFill>
+                  <a:schemeClr val="bg1"/>
+                </a:solidFill>
+                <a:latin typeface="소야논8" panose="02020603020101020101" pitchFamily="18" charset="-127"/>
+                <a:ea typeface="소야논8" panose="02020603020101020101" pitchFamily="18" charset="-127"/>
+              </a:rPr>
+              <a:t>.</a:t>
+            </a:r>
+          </a:p>
+          <a:p>
+            <a:pPr>
+              <a:lnSpc>
+                <a:spcPct val="200000"/>
+              </a:lnSpc>
+            </a:pPr>
+            <a:r>
+              <a:rPr lang="en-US" altLang="ko-KR" sz="2800" dirty="0" smtClean="0">
+                <a:solidFill>
+                  <a:schemeClr val="bg1"/>
+                </a:solidFill>
+                <a:latin typeface="소야논8" panose="02020603020101020101" pitchFamily="18" charset="-127"/>
+                <a:ea typeface="소야논8" panose="02020603020101020101" pitchFamily="18" charset="-127"/>
+              </a:rPr>
+              <a:t>DB</a:t>
+            </a:r>
+            <a:r>
+              <a:rPr lang="ko-KR" altLang="en-US" sz="2800" dirty="0" smtClean="0">
+                <a:solidFill>
+                  <a:schemeClr val="bg1"/>
+                </a:solidFill>
+                <a:latin typeface="소야논8" panose="02020603020101020101" pitchFamily="18" charset="-127"/>
+                <a:ea typeface="소야논8" panose="02020603020101020101" pitchFamily="18" charset="-127"/>
+              </a:rPr>
+              <a:t>작업이 필요할 경우 </a:t>
+            </a:r>
+            <a:r>
+              <a:rPr lang="en-US" altLang="ko-KR" sz="2800" dirty="0" smtClean="0">
+                <a:solidFill>
+                  <a:schemeClr val="bg1"/>
+                </a:solidFill>
+                <a:latin typeface="소야논8" panose="02020603020101020101" pitchFamily="18" charset="-127"/>
+                <a:ea typeface="소야논8" panose="02020603020101020101" pitchFamily="18" charset="-127"/>
+              </a:rPr>
+              <a:t>DB</a:t>
+            </a:r>
+            <a:r>
+              <a:rPr lang="ko-KR" altLang="en-US" sz="2800" dirty="0" err="1" smtClean="0">
+                <a:solidFill>
+                  <a:schemeClr val="bg1"/>
+                </a:solidFill>
+                <a:latin typeface="소야논8" panose="02020603020101020101" pitchFamily="18" charset="-127"/>
+                <a:ea typeface="소야논8" panose="02020603020101020101" pitchFamily="18" charset="-127"/>
+              </a:rPr>
+              <a:t>작업</a:t>
+            </a:r>
+            <a:r>
+              <a:rPr lang="ko-KR" altLang="en-US" sz="2800" dirty="0" err="1">
+                <a:solidFill>
+                  <a:schemeClr val="bg1"/>
+                </a:solidFill>
+                <a:latin typeface="소야논8" panose="02020603020101020101" pitchFamily="18" charset="-127"/>
+                <a:ea typeface="소야논8" panose="02020603020101020101" pitchFamily="18" charset="-127"/>
+              </a:rPr>
+              <a:t>큐</a:t>
+            </a:r>
+            <a:r>
+              <a:rPr lang="ko-KR" altLang="en-US" sz="2800" dirty="0" err="1" smtClean="0">
+                <a:solidFill>
+                  <a:schemeClr val="bg1"/>
+                </a:solidFill>
+                <a:latin typeface="소야논8" panose="02020603020101020101" pitchFamily="18" charset="-127"/>
+                <a:ea typeface="소야논8" panose="02020603020101020101" pitchFamily="18" charset="-127"/>
+              </a:rPr>
+              <a:t>에</a:t>
+            </a:r>
+            <a:r>
+              <a:rPr lang="ko-KR" altLang="en-US" sz="2800" dirty="0" smtClean="0">
+                <a:solidFill>
+                  <a:schemeClr val="bg1"/>
+                </a:solidFill>
+                <a:latin typeface="소야논8" panose="02020603020101020101" pitchFamily="18" charset="-127"/>
+                <a:ea typeface="소야논8" panose="02020603020101020101" pitchFamily="18" charset="-127"/>
+              </a:rPr>
+              <a:t> 넣음</a:t>
+            </a:r>
+            <a:endParaRPr lang="en-US" altLang="ko-KR" sz="2800" dirty="0" smtClean="0">
+              <a:solidFill>
+                <a:schemeClr val="bg1"/>
+              </a:solidFill>
+              <a:latin typeface="소야논8" panose="02020603020101020101" pitchFamily="18" charset="-127"/>
+              <a:ea typeface="소야논8" panose="02020603020101020101" pitchFamily="18" charset="-127"/>
+            </a:endParaRPr>
+          </a:p>
+        </p:txBody>
+      </p:sp>
+    </p:spTree>
+    <p:extLst>
+      <p:ext uri="{BB962C8B-B14F-4D97-AF65-F5344CB8AC3E}">
+        <p14:creationId xmlns:p14="http://schemas.microsoft.com/office/powerpoint/2010/main" val="820179635"/>
+      </p:ext>
+    </p:extLst>
+  </p:cSld>
+  <p:clrMapOvr>
+    <a:masterClrMapping/>
+  </p:clrMapOvr>
+  <p:timing>
+    <p:tnLst>
+      <p:par>
+        <p:cTn id="1" dur="indefinite" restart="never" nodeType="tmRoot"/>
+      </p:par>
+    </p:tnLst>
+  </p:timing>
+</p:sld>
+</file>
+
+<file path=ppt/slides/slide28.xml><?xml version="1.0" encoding="utf-8"?>
+<p:sld xmlns:a="http://schemas.openxmlformats.org/drawingml/2006/main" xmlns:r="http://schemas.openxmlformats.org/officeDocument/2006/relationships" xmlns:p="http://schemas.openxmlformats.org/presentationml/2006/main">
+  <p:cSld>
+    <p:spTree>
+      <p:nvGrpSpPr>
+        <p:cNvPr id="1" name=""/>
+        <p:cNvGrpSpPr/>
+        <p:nvPr/>
+      </p:nvGrpSpPr>
+      <p:grpSpPr>
+        <a:xfrm>
+          <a:off x="0" y="0"/>
+          <a:ext cx="0" cy="0"/>
+          <a:chOff x="0" y="0"/>
+          <a:chExt cx="0" cy="0"/>
+        </a:xfrm>
+      </p:grpSpPr>
+      <p:sp>
+        <p:nvSpPr>
+          <p:cNvPr id="2" name="제목 1"/>
+          <p:cNvSpPr>
+            <a:spLocks noGrp="1"/>
+          </p:cNvSpPr>
+          <p:nvPr>
+            <p:ph type="title"/>
+          </p:nvPr>
+        </p:nvSpPr>
+        <p:spPr/>
+        <p:txBody>
+          <a:bodyPr/>
+          <a:lstStyle/>
+          <a:p>
+            <a:r>
+              <a:rPr lang="en-US" altLang="ko-KR" dirty="0" smtClean="0">
+                <a:solidFill>
+                  <a:srgbClr val="E4007F"/>
+                </a:solidFill>
+                <a:latin typeface="소야논8" panose="02020603020101020101" pitchFamily="18" charset="-127"/>
+                <a:ea typeface="소야논8" panose="02020603020101020101" pitchFamily="18" charset="-127"/>
+              </a:rPr>
+              <a:t>DB</a:t>
+            </a:r>
+            <a:endParaRPr lang="ko-KR" altLang="en-US" dirty="0">
+              <a:solidFill>
+                <a:srgbClr val="E4007F"/>
+              </a:solidFill>
+              <a:latin typeface="소야논8" panose="02020603020101020101" pitchFamily="18" charset="-127"/>
+              <a:ea typeface="소야논8" panose="02020603020101020101" pitchFamily="18" charset="-127"/>
+            </a:endParaRPr>
+          </a:p>
+        </p:txBody>
+      </p:sp>
+      <p:sp>
+        <p:nvSpPr>
+          <p:cNvPr id="3" name="내용 개체 틀 2"/>
+          <p:cNvSpPr>
+            <a:spLocks noGrp="1"/>
+          </p:cNvSpPr>
+          <p:nvPr>
+            <p:ph idx="1"/>
+          </p:nvPr>
+        </p:nvSpPr>
+        <p:spPr/>
+        <p:txBody>
+          <a:bodyPr>
+            <a:normAutofit/>
+          </a:bodyPr>
+          <a:lstStyle/>
+          <a:p>
+            <a:pPr>
+              <a:lnSpc>
+                <a:spcPct val="200000"/>
+              </a:lnSpc>
+            </a:pPr>
+            <a:r>
+              <a:rPr lang="en-US" altLang="ko-KR" sz="2800" dirty="0" smtClean="0">
+                <a:solidFill>
+                  <a:schemeClr val="bg1"/>
+                </a:solidFill>
+                <a:latin typeface="소야논8" panose="02020603020101020101" pitchFamily="18" charset="-127"/>
+                <a:ea typeface="소야논8" panose="02020603020101020101" pitchFamily="18" charset="-127"/>
+              </a:rPr>
+              <a:t>DB</a:t>
+            </a:r>
+            <a:r>
+              <a:rPr lang="ko-KR" altLang="en-US" sz="2800" dirty="0" smtClean="0">
+                <a:solidFill>
+                  <a:schemeClr val="bg1"/>
+                </a:solidFill>
+                <a:latin typeface="소야논8" panose="02020603020101020101" pitchFamily="18" charset="-127"/>
+                <a:ea typeface="소야논8" panose="02020603020101020101" pitchFamily="18" charset="-127"/>
+              </a:rPr>
+              <a:t> </a:t>
+            </a:r>
+            <a:r>
+              <a:rPr lang="ko-KR" altLang="en-US" sz="2800" dirty="0" err="1" smtClean="0">
+                <a:solidFill>
+                  <a:schemeClr val="bg1"/>
+                </a:solidFill>
+                <a:latin typeface="소야논8" panose="02020603020101020101" pitchFamily="18" charset="-127"/>
+                <a:ea typeface="소야논8" panose="02020603020101020101" pitchFamily="18" charset="-127"/>
+              </a:rPr>
+              <a:t>쓰레드는</a:t>
+            </a:r>
+            <a:r>
+              <a:rPr lang="ko-KR" altLang="en-US" sz="2800" dirty="0" smtClean="0">
+                <a:solidFill>
+                  <a:schemeClr val="bg1"/>
+                </a:solidFill>
+                <a:latin typeface="소야논8" panose="02020603020101020101" pitchFamily="18" charset="-127"/>
+                <a:ea typeface="소야논8" panose="02020603020101020101" pitchFamily="18" charset="-127"/>
+              </a:rPr>
+              <a:t> </a:t>
+            </a:r>
+            <a:r>
+              <a:rPr lang="en-US" altLang="ko-KR" sz="2800" dirty="0" smtClean="0">
+                <a:solidFill>
+                  <a:schemeClr val="bg1"/>
+                </a:solidFill>
+                <a:latin typeface="소야논8" panose="02020603020101020101" pitchFamily="18" charset="-127"/>
+                <a:ea typeface="소야논8" panose="02020603020101020101" pitchFamily="18" charset="-127"/>
+              </a:rPr>
+              <a:t>DB</a:t>
+            </a:r>
+            <a:r>
+              <a:rPr lang="ko-KR" altLang="en-US" sz="2800" dirty="0" err="1" smtClean="0">
+                <a:solidFill>
+                  <a:schemeClr val="bg1"/>
+                </a:solidFill>
+                <a:latin typeface="소야논8" panose="02020603020101020101" pitchFamily="18" charset="-127"/>
+                <a:ea typeface="소야논8" panose="02020603020101020101" pitchFamily="18" charset="-127"/>
+              </a:rPr>
+              <a:t>작업</a:t>
+            </a:r>
+            <a:r>
+              <a:rPr lang="ko-KR" altLang="en-US" sz="2800" dirty="0" err="1">
+                <a:solidFill>
+                  <a:schemeClr val="bg1"/>
+                </a:solidFill>
+                <a:latin typeface="소야논8" panose="02020603020101020101" pitchFamily="18" charset="-127"/>
+                <a:ea typeface="소야논8" panose="02020603020101020101" pitchFamily="18" charset="-127"/>
+              </a:rPr>
+              <a:t>큐</a:t>
+            </a:r>
+            <a:r>
+              <a:rPr lang="ko-KR" altLang="en-US" sz="2800" dirty="0" err="1" smtClean="0">
+                <a:solidFill>
+                  <a:schemeClr val="bg1"/>
+                </a:solidFill>
+                <a:latin typeface="소야논8" panose="02020603020101020101" pitchFamily="18" charset="-127"/>
+                <a:ea typeface="소야논8" panose="02020603020101020101" pitchFamily="18" charset="-127"/>
+              </a:rPr>
+              <a:t>에</a:t>
+            </a:r>
+            <a:r>
+              <a:rPr lang="ko-KR" altLang="en-US" sz="2800" dirty="0" smtClean="0">
+                <a:solidFill>
+                  <a:schemeClr val="bg1"/>
+                </a:solidFill>
+                <a:latin typeface="소야논8" panose="02020603020101020101" pitchFamily="18" charset="-127"/>
+                <a:ea typeface="소야논8" panose="02020603020101020101" pitchFamily="18" charset="-127"/>
+              </a:rPr>
+              <a:t> 내용물이 들어올 때마다 해당 작업을 처리한 후 </a:t>
+            </a:r>
+            <a:r>
+              <a:rPr lang="en-US" altLang="ko-KR" sz="2800" dirty="0" smtClean="0">
+                <a:solidFill>
+                  <a:schemeClr val="bg1"/>
+                </a:solidFill>
+                <a:latin typeface="소야논8" panose="02020603020101020101" pitchFamily="18" charset="-127"/>
+                <a:ea typeface="소야논8" panose="02020603020101020101" pitchFamily="18" charset="-127"/>
+              </a:rPr>
+              <a:t>DB</a:t>
+            </a:r>
+            <a:r>
+              <a:rPr lang="ko-KR" altLang="en-US" sz="2800" dirty="0" err="1" smtClean="0">
+                <a:solidFill>
+                  <a:schemeClr val="bg1"/>
+                </a:solidFill>
+                <a:latin typeface="소야논8" panose="02020603020101020101" pitchFamily="18" charset="-127"/>
+                <a:ea typeface="소야논8" panose="02020603020101020101" pitchFamily="18" charset="-127"/>
+              </a:rPr>
+              <a:t>작업완료큐에</a:t>
+            </a:r>
+            <a:r>
+              <a:rPr lang="ko-KR" altLang="en-US" sz="2800" dirty="0" smtClean="0">
+                <a:solidFill>
+                  <a:schemeClr val="bg1"/>
+                </a:solidFill>
+                <a:latin typeface="소야논8" panose="02020603020101020101" pitchFamily="18" charset="-127"/>
+                <a:ea typeface="소야논8" panose="02020603020101020101" pitchFamily="18" charset="-127"/>
+              </a:rPr>
+              <a:t> 넣는다</a:t>
+            </a:r>
+            <a:r>
+              <a:rPr lang="en-US" altLang="ko-KR" sz="2800" dirty="0" smtClean="0">
+                <a:solidFill>
+                  <a:schemeClr val="bg1"/>
+                </a:solidFill>
+                <a:latin typeface="소야논8" panose="02020603020101020101" pitchFamily="18" charset="-127"/>
+                <a:ea typeface="소야논8" panose="02020603020101020101" pitchFamily="18" charset="-127"/>
+              </a:rPr>
+              <a:t>.</a:t>
+            </a:r>
+          </a:p>
+          <a:p>
+            <a:pPr>
+              <a:lnSpc>
+                <a:spcPct val="200000"/>
+              </a:lnSpc>
+            </a:pPr>
+            <a:r>
+              <a:rPr lang="ko-KR" altLang="en-US" sz="2800" dirty="0" err="1" smtClean="0">
+                <a:solidFill>
+                  <a:schemeClr val="bg1"/>
+                </a:solidFill>
+                <a:latin typeface="소야논8" panose="02020603020101020101" pitchFamily="18" charset="-127"/>
+                <a:ea typeface="소야논8" panose="02020603020101020101" pitchFamily="18" charset="-127"/>
+              </a:rPr>
+              <a:t>로직은</a:t>
+            </a:r>
+            <a:r>
+              <a:rPr lang="ko-KR" altLang="en-US" sz="2800" dirty="0" smtClean="0">
+                <a:solidFill>
+                  <a:schemeClr val="bg1"/>
+                </a:solidFill>
+                <a:latin typeface="소야논8" panose="02020603020101020101" pitchFamily="18" charset="-127"/>
+                <a:ea typeface="소야논8" panose="02020603020101020101" pitchFamily="18" charset="-127"/>
+              </a:rPr>
+              <a:t> </a:t>
+            </a:r>
+            <a:r>
+              <a:rPr lang="en-US" altLang="ko-KR" sz="2800" dirty="0" smtClean="0">
+                <a:solidFill>
+                  <a:schemeClr val="bg1"/>
+                </a:solidFill>
+                <a:latin typeface="소야논8" panose="02020603020101020101" pitchFamily="18" charset="-127"/>
+                <a:ea typeface="소야논8" panose="02020603020101020101" pitchFamily="18" charset="-127"/>
+              </a:rPr>
+              <a:t>DB</a:t>
+            </a:r>
+            <a:r>
+              <a:rPr lang="ko-KR" altLang="en-US" sz="2800" dirty="0" err="1" smtClean="0">
+                <a:solidFill>
+                  <a:schemeClr val="bg1"/>
+                </a:solidFill>
+                <a:latin typeface="소야논8" panose="02020603020101020101" pitchFamily="18" charset="-127"/>
+                <a:ea typeface="소야논8" panose="02020603020101020101" pitchFamily="18" charset="-127"/>
+              </a:rPr>
+              <a:t>작업완료큐에</a:t>
+            </a:r>
+            <a:r>
+              <a:rPr lang="ko-KR" altLang="en-US" sz="2800" dirty="0" smtClean="0">
+                <a:solidFill>
+                  <a:schemeClr val="bg1"/>
+                </a:solidFill>
+                <a:latin typeface="소야논8" panose="02020603020101020101" pitchFamily="18" charset="-127"/>
+                <a:ea typeface="소야논8" panose="02020603020101020101" pitchFamily="18" charset="-127"/>
+              </a:rPr>
+              <a:t> 내용물이 들어올 때마다 미뤄두었던 해당 </a:t>
+            </a:r>
+            <a:r>
+              <a:rPr lang="ko-KR" altLang="en-US" sz="2800" dirty="0" err="1" smtClean="0">
+                <a:solidFill>
+                  <a:schemeClr val="bg1"/>
+                </a:solidFill>
+                <a:latin typeface="소야논8" panose="02020603020101020101" pitchFamily="18" charset="-127"/>
+                <a:ea typeface="소야논8" panose="02020603020101020101" pitchFamily="18" charset="-127"/>
+              </a:rPr>
+              <a:t>로직을</a:t>
+            </a:r>
+            <a:r>
+              <a:rPr lang="ko-KR" altLang="en-US" sz="2800" dirty="0" smtClean="0">
+                <a:solidFill>
+                  <a:schemeClr val="bg1"/>
+                </a:solidFill>
+                <a:latin typeface="소야논8" panose="02020603020101020101" pitchFamily="18" charset="-127"/>
+                <a:ea typeface="소야논8" panose="02020603020101020101" pitchFamily="18" charset="-127"/>
+              </a:rPr>
+              <a:t> 마저 처리한다</a:t>
+            </a:r>
+            <a:r>
+              <a:rPr lang="en-US" altLang="ko-KR" sz="2800" dirty="0" smtClean="0">
+                <a:solidFill>
+                  <a:schemeClr val="bg1"/>
+                </a:solidFill>
+                <a:latin typeface="소야논8" panose="02020603020101020101" pitchFamily="18" charset="-127"/>
+                <a:ea typeface="소야논8" panose="02020603020101020101" pitchFamily="18" charset="-127"/>
+              </a:rPr>
+              <a:t>.</a:t>
+            </a:r>
+          </a:p>
+        </p:txBody>
+      </p:sp>
+    </p:spTree>
+    <p:extLst>
+      <p:ext uri="{BB962C8B-B14F-4D97-AF65-F5344CB8AC3E}">
+        <p14:creationId xmlns:p14="http://schemas.microsoft.com/office/powerpoint/2010/main" val="4249808207"/>
+      </p:ext>
+    </p:extLst>
+  </p:cSld>
+  <p:clrMapOvr>
+    <a:masterClrMapping/>
+  </p:clrMapOvr>
+  <p:timing>
+    <p:tnLst>
+      <p:par>
+        <p:cTn id="1" dur="indefinite" restart="never" nodeType="tmRoot"/>
+      </p:par>
+    </p:tnLst>
+  </p:timing>
+</p:sld>
+</file>
+
+<file path=ppt/slides/slide29.xml><?xml version="1.0" encoding="utf-8"?>
+<p:sld xmlns:a="http://schemas.openxmlformats.org/drawingml/2006/main" xmlns:r="http://schemas.openxmlformats.org/officeDocument/2006/relationships" xmlns:p="http://schemas.openxmlformats.org/presentationml/2006/main" showMasterSp="0">
+  <p:cSld>
+    <p:spTree>
+      <p:nvGrpSpPr>
+        <p:cNvPr id="1" name=""/>
+        <p:cNvGrpSpPr/>
+        <p:nvPr/>
+      </p:nvGrpSpPr>
+      <p:grpSpPr>
+        <a:xfrm>
+          <a:off x="0" y="0"/>
+          <a:ext cx="0" cy="0"/>
+          <a:chOff x="0" y="0"/>
+          <a:chExt cx="0" cy="0"/>
+        </a:xfrm>
+      </p:grpSpPr>
+      <p:sp>
+        <p:nvSpPr>
+          <p:cNvPr id="2" name="제목 1"/>
+          <p:cNvSpPr>
+            <a:spLocks noGrp="1"/>
+          </p:cNvSpPr>
+          <p:nvPr>
+            <p:ph type="title"/>
+          </p:nvPr>
+        </p:nvSpPr>
+        <p:spPr/>
+        <p:txBody>
+          <a:bodyPr/>
+          <a:lstStyle/>
+          <a:p>
+            <a:r>
+              <a:rPr lang="ko-KR" altLang="en-US" dirty="0" smtClean="0">
+                <a:solidFill>
+                  <a:srgbClr val="E4007F"/>
+                </a:solidFill>
+                <a:latin typeface="소야논8" panose="02020603020101020101" pitchFamily="18" charset="-127"/>
+                <a:ea typeface="소야논8" panose="02020603020101020101" pitchFamily="18" charset="-127"/>
+              </a:rPr>
+              <a:t>클라이언</a:t>
+            </a:r>
+            <a:r>
+              <a:rPr lang="ko-KR" altLang="en-US" dirty="0">
+                <a:solidFill>
+                  <a:srgbClr val="E4007F"/>
+                </a:solidFill>
+                <a:latin typeface="소야논8" panose="02020603020101020101" pitchFamily="18" charset="-127"/>
+                <a:ea typeface="소야논8" panose="02020603020101020101" pitchFamily="18" charset="-127"/>
+              </a:rPr>
+              <a:t>트</a:t>
+            </a:r>
+          </a:p>
+        </p:txBody>
+      </p:sp>
+      <p:sp>
+        <p:nvSpPr>
+          <p:cNvPr id="3" name="내용 개체 틀 2"/>
+          <p:cNvSpPr>
+            <a:spLocks noGrp="1"/>
+          </p:cNvSpPr>
+          <p:nvPr>
+            <p:ph idx="1"/>
+          </p:nvPr>
+        </p:nvSpPr>
+        <p:spPr/>
+        <p:txBody>
+          <a:bodyPr>
+            <a:normAutofit/>
+          </a:bodyPr>
+          <a:lstStyle/>
+          <a:p>
+            <a:pPr>
+              <a:lnSpc>
+                <a:spcPct val="150000"/>
+              </a:lnSpc>
+            </a:pPr>
+            <a:r>
+              <a:rPr lang="en-US" altLang="ko-KR" sz="2800" dirty="0" err="1" smtClean="0">
+                <a:solidFill>
+                  <a:schemeClr val="bg1"/>
+                </a:solidFill>
+                <a:latin typeface="소야논8" panose="02020603020101020101" pitchFamily="18" charset="-127"/>
+                <a:ea typeface="소야논8" panose="02020603020101020101" pitchFamily="18" charset="-127"/>
+              </a:rPr>
+              <a:t>Recv</a:t>
+            </a:r>
+            <a:r>
+              <a:rPr lang="en-US" altLang="ko-KR" sz="2800" dirty="0" smtClean="0">
+                <a:solidFill>
+                  <a:schemeClr val="bg1"/>
+                </a:solidFill>
+                <a:latin typeface="소야논8" panose="02020603020101020101" pitchFamily="18" charset="-127"/>
+                <a:ea typeface="소야논8" panose="02020603020101020101" pitchFamily="18" charset="-127"/>
+              </a:rPr>
+              <a:t> </a:t>
+            </a:r>
+            <a:r>
+              <a:rPr lang="ko-KR" altLang="en-US" sz="2800" dirty="0" err="1" smtClean="0">
+                <a:solidFill>
+                  <a:schemeClr val="bg1"/>
+                </a:solidFill>
+                <a:latin typeface="소야논8" panose="02020603020101020101" pitchFamily="18" charset="-127"/>
+                <a:ea typeface="소야논8" panose="02020603020101020101" pitchFamily="18" charset="-127"/>
+              </a:rPr>
+              <a:t>쓰레드</a:t>
+            </a:r>
+            <a:r>
+              <a:rPr lang="ko-KR" altLang="en-US" sz="2800" dirty="0" smtClean="0">
+                <a:solidFill>
+                  <a:schemeClr val="bg1"/>
+                </a:solidFill>
+                <a:latin typeface="소야논8" panose="02020603020101020101" pitchFamily="18" charset="-127"/>
+                <a:ea typeface="소야논8" panose="02020603020101020101" pitchFamily="18" charset="-127"/>
+              </a:rPr>
+              <a:t> 하나 띄워서 그냥 계속 </a:t>
+            </a:r>
+            <a:r>
+              <a:rPr lang="en-US" altLang="ko-KR" sz="2800" dirty="0" err="1" smtClean="0">
+                <a:solidFill>
+                  <a:schemeClr val="bg1"/>
+                </a:solidFill>
+                <a:latin typeface="소야논8" panose="02020603020101020101" pitchFamily="18" charset="-127"/>
+                <a:ea typeface="소야논8" panose="02020603020101020101" pitchFamily="18" charset="-127"/>
+              </a:rPr>
+              <a:t>Recv</a:t>
+            </a:r>
+            <a:r>
+              <a:rPr lang="en-US" altLang="ko-KR" sz="2800" dirty="0" smtClean="0">
+                <a:solidFill>
+                  <a:schemeClr val="bg1"/>
+                </a:solidFill>
+                <a:latin typeface="소야논8" panose="02020603020101020101" pitchFamily="18" charset="-127"/>
+                <a:ea typeface="소야논8" panose="02020603020101020101" pitchFamily="18" charset="-127"/>
+              </a:rPr>
+              <a:t> </a:t>
+            </a:r>
+            <a:r>
+              <a:rPr lang="ko-KR" altLang="en-US" sz="2800" dirty="0" smtClean="0">
+                <a:solidFill>
+                  <a:schemeClr val="bg1"/>
+                </a:solidFill>
+                <a:latin typeface="소야논8" panose="02020603020101020101" pitchFamily="18" charset="-127"/>
+                <a:ea typeface="소야논8" panose="02020603020101020101" pitchFamily="18" charset="-127"/>
+              </a:rPr>
+              <a:t>하다가 </a:t>
+            </a:r>
+            <a:r>
+              <a:rPr lang="ko-KR" altLang="en-US" sz="2800" dirty="0" err="1" smtClean="0">
+                <a:solidFill>
+                  <a:schemeClr val="bg1"/>
+                </a:solidFill>
+                <a:latin typeface="소야논8" panose="02020603020101020101" pitchFamily="18" charset="-127"/>
+                <a:ea typeface="소야논8" panose="02020603020101020101" pitchFamily="18" charset="-127"/>
+              </a:rPr>
+              <a:t>패킷</a:t>
+            </a:r>
+            <a:r>
+              <a:rPr lang="ko-KR" altLang="en-US" sz="2800" dirty="0" smtClean="0">
+                <a:solidFill>
+                  <a:schemeClr val="bg1"/>
+                </a:solidFill>
+                <a:latin typeface="소야논8" panose="02020603020101020101" pitchFamily="18" charset="-127"/>
+                <a:ea typeface="소야논8" panose="02020603020101020101" pitchFamily="18" charset="-127"/>
+              </a:rPr>
+              <a:t> 만들어서 </a:t>
+            </a:r>
+            <a:r>
+              <a:rPr lang="ko-KR" altLang="en-US" sz="2800" dirty="0" err="1" smtClean="0">
+                <a:solidFill>
+                  <a:schemeClr val="bg1"/>
+                </a:solidFill>
+                <a:latin typeface="소야논8" panose="02020603020101020101" pitchFamily="18" charset="-127"/>
+                <a:ea typeface="소야논8" panose="02020603020101020101" pitchFamily="18" charset="-127"/>
+              </a:rPr>
+              <a:t>메인쓰레드의</a:t>
+            </a:r>
+            <a:r>
+              <a:rPr lang="ko-KR" altLang="en-US" sz="2800" dirty="0" smtClean="0">
+                <a:solidFill>
+                  <a:schemeClr val="bg1"/>
+                </a:solidFill>
+                <a:latin typeface="소야논8" panose="02020603020101020101" pitchFamily="18" charset="-127"/>
+                <a:ea typeface="소야논8" panose="02020603020101020101" pitchFamily="18" charset="-127"/>
+              </a:rPr>
+              <a:t> </a:t>
+            </a:r>
+            <a:r>
+              <a:rPr lang="en-US" altLang="ko-KR" sz="2800" dirty="0" smtClean="0">
+                <a:solidFill>
+                  <a:schemeClr val="bg1"/>
+                </a:solidFill>
+                <a:latin typeface="소야논8" panose="02020603020101020101" pitchFamily="18" charset="-127"/>
+                <a:ea typeface="소야논8" panose="02020603020101020101" pitchFamily="18" charset="-127"/>
+              </a:rPr>
+              <a:t>Job Queue</a:t>
+            </a:r>
+            <a:r>
+              <a:rPr lang="ko-KR" altLang="en-US" sz="2800" dirty="0" smtClean="0">
+                <a:solidFill>
+                  <a:schemeClr val="bg1"/>
+                </a:solidFill>
+                <a:latin typeface="소야논8" panose="02020603020101020101" pitchFamily="18" charset="-127"/>
+                <a:ea typeface="소야논8" panose="02020603020101020101" pitchFamily="18" charset="-127"/>
+              </a:rPr>
+              <a:t>에 넣어줌</a:t>
+            </a:r>
+            <a:endParaRPr lang="en-US" altLang="ko-KR" sz="2800" dirty="0" smtClean="0">
+              <a:solidFill>
+                <a:schemeClr val="bg1"/>
+              </a:solidFill>
+              <a:latin typeface="소야논8" panose="02020603020101020101" pitchFamily="18" charset="-127"/>
+              <a:ea typeface="소야논8" panose="02020603020101020101" pitchFamily="18" charset="-127"/>
+            </a:endParaRPr>
+          </a:p>
+          <a:p>
+            <a:endParaRPr lang="en-US" altLang="ko-KR" sz="2800" dirty="0" smtClean="0">
+              <a:solidFill>
+                <a:schemeClr val="bg1"/>
+              </a:solidFill>
+              <a:latin typeface="소야논8" panose="02020603020101020101" pitchFamily="18" charset="-127"/>
+              <a:ea typeface="소야논8" panose="02020603020101020101" pitchFamily="18" charset="-127"/>
+            </a:endParaRPr>
+          </a:p>
+          <a:p>
+            <a:r>
+              <a:rPr lang="ko-KR" altLang="en-US" sz="2800" dirty="0" smtClean="0">
+                <a:solidFill>
+                  <a:schemeClr val="bg1"/>
+                </a:solidFill>
+                <a:latin typeface="소야논8" panose="02020603020101020101" pitchFamily="18" charset="-127"/>
+                <a:ea typeface="소야논8" panose="02020603020101020101" pitchFamily="18" charset="-127"/>
+              </a:rPr>
+              <a:t>그 외 서버 과목이니까 생략</a:t>
+            </a:r>
+            <a:endParaRPr lang="en-US" altLang="ko-KR" sz="2800" dirty="0" smtClean="0">
+              <a:solidFill>
+                <a:schemeClr val="bg1"/>
+              </a:solidFill>
+              <a:latin typeface="소야논8" panose="02020603020101020101" pitchFamily="18" charset="-127"/>
+              <a:ea typeface="소야논8" panose="02020603020101020101" pitchFamily="18" charset="-127"/>
+            </a:endParaRPr>
+          </a:p>
+        </p:txBody>
+      </p:sp>
+    </p:spTree>
+    <p:extLst>
+      <p:ext uri="{BB962C8B-B14F-4D97-AF65-F5344CB8AC3E}">
+        <p14:creationId xmlns:p14="http://schemas.microsoft.com/office/powerpoint/2010/main" val="820179635"/>
+      </p:ext>
+    </p:extLst>
+  </p:cSld>
+  <p:clrMapOvr>
+    <a:masterClrMapping/>
+  </p:clrMapOvr>
+  <p:timing>
+    <p:tnLst>
+      <p:par>
+        <p:cTn id="1" dur="indefinite" restart="never" nodeType="tmRoot"/>
+      </p:par>
+    </p:tnLst>
+  </p:timing>
+</p:sld>
+</file>
+
+<file path=ppt/slides/slide3.xml><?xml version="1.0" encoding="utf-8"?>
+<p:sld xmlns:a="http://schemas.openxmlformats.org/drawingml/2006/main" xmlns:r="http://schemas.openxmlformats.org/officeDocument/2006/relationships" xmlns:p="http://schemas.openxmlformats.org/presentationml/2006/main">
+  <p:cSld>
+    <p:spTree>
+      <p:nvGrpSpPr>
+        <p:cNvPr id="1" name=""/>
+        <p:cNvGrpSpPr/>
+        <p:nvPr/>
+      </p:nvGrpSpPr>
+      <p:grpSpPr>
+        <a:xfrm>
+          <a:off x="0" y="0"/>
+          <a:ext cx="0" cy="0"/>
+          <a:chOff x="0" y="0"/>
+          <a:chExt cx="0" cy="0"/>
+        </a:xfrm>
+      </p:grpSpPr>
+      <p:sp>
+        <p:nvSpPr>
+          <p:cNvPr id="2" name="제목 1"/>
+          <p:cNvSpPr>
+            <a:spLocks noGrp="1"/>
+          </p:cNvSpPr>
+          <p:nvPr>
+            <p:ph type="title"/>
+          </p:nvPr>
+        </p:nvSpPr>
+        <p:spPr/>
+        <p:txBody>
+          <a:bodyPr/>
+          <a:lstStyle/>
+          <a:p>
+            <a:r>
+              <a:rPr lang="ko-KR" altLang="en-US" dirty="0" smtClean="0">
+                <a:solidFill>
+                  <a:srgbClr val="E4007F"/>
+                </a:solidFill>
+                <a:latin typeface="소야논8" panose="02020603020101020101" pitchFamily="18" charset="-127"/>
+                <a:ea typeface="소야논8" panose="02020603020101020101" pitchFamily="18" charset="-127"/>
+              </a:rPr>
+              <a:t>만들려던 것</a:t>
+            </a:r>
+            <a:endParaRPr lang="ko-KR" altLang="en-US" dirty="0">
+              <a:solidFill>
+                <a:srgbClr val="E4007F"/>
+              </a:solidFill>
+              <a:latin typeface="소야논8" panose="02020603020101020101" pitchFamily="18" charset="-127"/>
+              <a:ea typeface="소야논8" panose="02020603020101020101" pitchFamily="18" charset="-127"/>
+            </a:endParaRPr>
+          </a:p>
+        </p:txBody>
+      </p:sp>
+      <p:pic>
+        <p:nvPicPr>
+          <p:cNvPr id="1026" name="Picture 2" descr="D:\DATA\Picture\resource\블랙잭_로그인.png"/>
+          <p:cNvPicPr>
+            <a:picLocks noChangeAspect="1" noChangeArrowheads="1"/>
+          </p:cNvPicPr>
+          <p:nvPr/>
+        </p:nvPicPr>
+        <p:blipFill>
+          <a:blip r:embed="rId2">
+            <a:extLst>
+              <a:ext uri="{28A0092B-C50C-407E-A947-70E740481C1C}">
+                <a14:useLocalDpi xmlns:a14="http://schemas.microsoft.com/office/drawing/2010/main" val="0"/>
+              </a:ext>
+            </a:extLst>
+          </a:blip>
+          <a:srcRect/>
+          <a:stretch>
+            <a:fillRect/>
+          </a:stretch>
+        </p:blipFill>
+        <p:spPr bwMode="auto">
+          <a:xfrm>
+            <a:off x="923595" y="1376772"/>
+            <a:ext cx="7296810" cy="4104456"/>
+          </a:xfrm>
+          <a:prstGeom prst="rect">
+            <a:avLst/>
+          </a:prstGeom>
+          <a:noFill/>
+          <a:extLst>
+            <a:ext uri="{909E8E84-426E-40DD-AFC4-6F175D3DCCD1}">
+              <a14:hiddenFill xmlns:a14="http://schemas.microsoft.com/office/drawing/2010/main">
+                <a:solidFill>
+                  <a:srgbClr val="FFFFFF"/>
+                </a:solidFill>
+              </a14:hiddenFill>
+            </a:ext>
+          </a:extLst>
+        </p:spPr>
+      </p:pic>
+    </p:spTree>
+    <p:extLst>
+      <p:ext uri="{BB962C8B-B14F-4D97-AF65-F5344CB8AC3E}">
+        <p14:creationId xmlns:p14="http://schemas.microsoft.com/office/powerpoint/2010/main" val="3909213293"/>
+      </p:ext>
+    </p:extLst>
+  </p:cSld>
+  <p:clrMapOvr>
+    <a:masterClrMapping/>
+  </p:clrMapOvr>
+  <p:timing>
+    <p:tnLst>
+      <p:par>
+        <p:cTn id="1" dur="indefinite" restart="never" nodeType="tmRoot"/>
+      </p:par>
+    </p:tnLst>
+  </p:timing>
+</p:sld>
+</file>
+
+<file path=ppt/slides/slide30.xml><?xml version="1.0" encoding="utf-8"?>
+<p:sld xmlns:a="http://schemas.openxmlformats.org/drawingml/2006/main" xmlns:r="http://schemas.openxmlformats.org/officeDocument/2006/relationships" xmlns:p="http://schemas.openxmlformats.org/presentationml/2006/main" showMasterSp="0">
+  <p:cSld>
+    <p:spTree>
+      <p:nvGrpSpPr>
+        <p:cNvPr id="1" name=""/>
+        <p:cNvGrpSpPr/>
+        <p:nvPr/>
+      </p:nvGrpSpPr>
+      <p:grpSpPr>
+        <a:xfrm>
+          <a:off x="0" y="0"/>
+          <a:ext cx="0" cy="0"/>
+          <a:chOff x="0" y="0"/>
+          <a:chExt cx="0" cy="0"/>
+        </a:xfrm>
+      </p:grpSpPr>
+      <p:sp>
+        <p:nvSpPr>
+          <p:cNvPr id="2" name="제목 1"/>
+          <p:cNvSpPr>
+            <a:spLocks noGrp="1"/>
+          </p:cNvSpPr>
+          <p:nvPr>
+            <p:ph type="ctrTitle"/>
+          </p:nvPr>
+        </p:nvSpPr>
+        <p:spPr/>
+        <p:txBody>
+          <a:bodyPr>
+            <a:normAutofit/>
+          </a:bodyPr>
+          <a:lstStyle/>
+          <a:p>
+            <a:r>
+              <a:rPr lang="ko-KR" altLang="en-US" sz="4800" dirty="0" smtClean="0">
+                <a:solidFill>
+                  <a:srgbClr val="E4007F"/>
+                </a:solidFill>
+                <a:latin typeface="소야논8" panose="02020603020101020101" pitchFamily="18" charset="-127"/>
+                <a:ea typeface="소야논8" panose="02020603020101020101" pitchFamily="18" charset="-127"/>
+              </a:rPr>
+              <a:t>힘들었던 점</a:t>
+            </a:r>
+            <a:endParaRPr lang="ko-KR" altLang="en-US" sz="4800" dirty="0">
+              <a:solidFill>
+                <a:srgbClr val="E4007F"/>
+              </a:solidFill>
+              <a:latin typeface="소야논8" panose="02020603020101020101" pitchFamily="18" charset="-127"/>
+              <a:ea typeface="소야논8" panose="02020603020101020101" pitchFamily="18" charset="-127"/>
+            </a:endParaRPr>
+          </a:p>
+        </p:txBody>
+      </p:sp>
+    </p:spTree>
+    <p:extLst>
+      <p:ext uri="{BB962C8B-B14F-4D97-AF65-F5344CB8AC3E}">
+        <p14:creationId xmlns:p14="http://schemas.microsoft.com/office/powerpoint/2010/main" val="3190729377"/>
+      </p:ext>
+    </p:extLst>
+  </p:cSld>
+  <p:clrMapOvr>
+    <a:masterClrMapping/>
+  </p:clrMapOvr>
+  <p:timing>
+    <p:tnLst>
+      <p:par>
+        <p:cTn id="1" dur="indefinite" restart="never" nodeType="tmRoot"/>
+      </p:par>
+    </p:tnLst>
+  </p:timing>
+</p:sld>
+</file>
+
+<file path=ppt/slides/slide31.xml><?xml version="1.0" encoding="utf-8"?>
+<p:sld xmlns:a="http://schemas.openxmlformats.org/drawingml/2006/main" xmlns:r="http://schemas.openxmlformats.org/officeDocument/2006/relationships" xmlns:p="http://schemas.openxmlformats.org/presentationml/2006/main" showMasterSp="0">
+  <p:cSld>
+    <p:spTree>
+      <p:nvGrpSpPr>
+        <p:cNvPr id="1" name=""/>
+        <p:cNvGrpSpPr/>
+        <p:nvPr/>
+      </p:nvGrpSpPr>
+      <p:grpSpPr>
+        <a:xfrm>
+          <a:off x="0" y="0"/>
+          <a:ext cx="0" cy="0"/>
+          <a:chOff x="0" y="0"/>
+          <a:chExt cx="0" cy="0"/>
+        </a:xfrm>
+      </p:grpSpPr>
+      <p:sp>
+        <p:nvSpPr>
+          <p:cNvPr id="2" name="제목 1"/>
+          <p:cNvSpPr>
+            <a:spLocks noGrp="1"/>
+          </p:cNvSpPr>
+          <p:nvPr>
+            <p:ph type="title"/>
+          </p:nvPr>
+        </p:nvSpPr>
+        <p:spPr/>
+        <p:txBody>
+          <a:bodyPr/>
+          <a:lstStyle/>
+          <a:p>
+            <a:r>
+              <a:rPr lang="ko-KR" altLang="en-US" dirty="0" smtClean="0">
+                <a:solidFill>
+                  <a:srgbClr val="E4007F"/>
+                </a:solidFill>
+                <a:latin typeface="소야논8" panose="02020603020101020101" pitchFamily="18" charset="-127"/>
+                <a:ea typeface="소야논8" panose="02020603020101020101" pitchFamily="18" charset="-127"/>
+              </a:rPr>
+              <a:t>힘들었던 </a:t>
+            </a:r>
+            <a:r>
+              <a:rPr lang="ko-KR" altLang="en-US" dirty="0">
+                <a:solidFill>
+                  <a:srgbClr val="E4007F"/>
+                </a:solidFill>
+                <a:latin typeface="소야논8" panose="02020603020101020101" pitchFamily="18" charset="-127"/>
+                <a:ea typeface="소야논8" panose="02020603020101020101" pitchFamily="18" charset="-127"/>
+              </a:rPr>
+              <a:t>점</a:t>
+            </a:r>
+          </a:p>
+        </p:txBody>
+      </p:sp>
+      <p:sp>
+        <p:nvSpPr>
+          <p:cNvPr id="3" name="내용 개체 틀 2"/>
+          <p:cNvSpPr>
+            <a:spLocks noGrp="1"/>
+          </p:cNvSpPr>
+          <p:nvPr>
+            <p:ph idx="1"/>
+          </p:nvPr>
+        </p:nvSpPr>
+        <p:spPr/>
+        <p:txBody>
+          <a:bodyPr>
+            <a:normAutofit/>
+          </a:bodyPr>
+          <a:lstStyle/>
+          <a:p>
+            <a:r>
+              <a:rPr lang="ko-KR" altLang="en-US" sz="2800" dirty="0" err="1" smtClean="0">
+                <a:solidFill>
+                  <a:schemeClr val="bg1"/>
+                </a:solidFill>
+                <a:latin typeface="소야논8" panose="02020603020101020101" pitchFamily="18" charset="-127"/>
+                <a:ea typeface="소야논8" panose="02020603020101020101" pitchFamily="18" charset="-127"/>
+              </a:rPr>
+              <a:t>멀티스레드</a:t>
+            </a:r>
+            <a:r>
+              <a:rPr lang="ko-KR" altLang="en-US" sz="2800" dirty="0" smtClean="0">
+                <a:solidFill>
+                  <a:schemeClr val="bg1"/>
+                </a:solidFill>
+                <a:latin typeface="소야논8" panose="02020603020101020101" pitchFamily="18" charset="-127"/>
+                <a:ea typeface="소야논8" panose="02020603020101020101" pitchFamily="18" charset="-127"/>
+              </a:rPr>
+              <a:t> 프로그래밍</a:t>
+            </a:r>
+            <a:endParaRPr lang="en-US" altLang="ko-KR" sz="2800" dirty="0" smtClean="0">
+              <a:solidFill>
+                <a:schemeClr val="bg1"/>
+              </a:solidFill>
+              <a:latin typeface="소야논8" panose="02020603020101020101" pitchFamily="18" charset="-127"/>
+              <a:ea typeface="소야논8" panose="02020603020101020101" pitchFamily="18" charset="-127"/>
+            </a:endParaRPr>
+          </a:p>
+          <a:p>
+            <a:pPr lvl="1"/>
+            <a:r>
+              <a:rPr lang="ko-KR" altLang="en-US" sz="2000" dirty="0" smtClean="0">
+                <a:solidFill>
+                  <a:schemeClr val="bg1"/>
+                </a:solidFill>
+                <a:latin typeface="소야논8" panose="02020603020101020101" pitchFamily="18" charset="-127"/>
+                <a:ea typeface="소야논8" panose="02020603020101020101" pitchFamily="18" charset="-127"/>
+              </a:rPr>
+              <a:t>처음 해봐서</a:t>
+            </a:r>
+            <a:r>
+              <a:rPr lang="en-US" altLang="ko-KR" sz="2000" dirty="0" smtClean="0">
+                <a:solidFill>
+                  <a:schemeClr val="bg1"/>
+                </a:solidFill>
+                <a:latin typeface="소야논8" panose="02020603020101020101" pitchFamily="18" charset="-127"/>
+                <a:ea typeface="소야논8" panose="02020603020101020101" pitchFamily="18" charset="-127"/>
+              </a:rPr>
+              <a:t>…. </a:t>
+            </a:r>
+            <a:r>
+              <a:rPr lang="ko-KR" altLang="en-US" sz="2000" dirty="0" smtClean="0">
+                <a:solidFill>
+                  <a:schemeClr val="bg1"/>
+                </a:solidFill>
+                <a:latin typeface="소야논8" panose="02020603020101020101" pitchFamily="18" charset="-127"/>
+                <a:ea typeface="소야논8" panose="02020603020101020101" pitchFamily="18" charset="-127"/>
+              </a:rPr>
+              <a:t>공부는 많이 되었다</a:t>
+            </a:r>
+            <a:r>
+              <a:rPr lang="en-US" altLang="ko-KR" sz="2000" dirty="0" smtClean="0">
+                <a:solidFill>
+                  <a:schemeClr val="bg1"/>
+                </a:solidFill>
+                <a:latin typeface="소야논8" panose="02020603020101020101" pitchFamily="18" charset="-127"/>
+                <a:ea typeface="소야논8" panose="02020603020101020101" pitchFamily="18" charset="-127"/>
+              </a:rPr>
+              <a:t>.</a:t>
+            </a:r>
+            <a:endParaRPr lang="en-US" altLang="ko-KR" sz="2000" dirty="0">
+              <a:solidFill>
+                <a:schemeClr val="bg1"/>
+              </a:solidFill>
+              <a:latin typeface="소야논8" panose="02020603020101020101" pitchFamily="18" charset="-127"/>
+              <a:ea typeface="소야논8" panose="02020603020101020101" pitchFamily="18" charset="-127"/>
+            </a:endParaRPr>
+          </a:p>
+          <a:p>
+            <a:r>
+              <a:rPr lang="en-US" altLang="ko-KR" dirty="0" smtClean="0">
+                <a:solidFill>
+                  <a:schemeClr val="bg1"/>
+                </a:solidFill>
+                <a:latin typeface="소야논8" panose="02020603020101020101" pitchFamily="18" charset="-127"/>
+                <a:ea typeface="소야논8" panose="02020603020101020101" pitchFamily="18" charset="-127"/>
+              </a:rPr>
+              <a:t>DB, ASP.NET, IOCP </a:t>
+            </a:r>
+            <a:r>
+              <a:rPr lang="ko-KR" altLang="en-US" smtClean="0">
+                <a:solidFill>
+                  <a:schemeClr val="bg1"/>
+                </a:solidFill>
+                <a:latin typeface="소야논8" panose="02020603020101020101" pitchFamily="18" charset="-127"/>
+                <a:ea typeface="소야논8" panose="02020603020101020101" pitchFamily="18" charset="-127"/>
+              </a:rPr>
+              <a:t>골고루 </a:t>
+            </a:r>
+            <a:r>
+              <a:rPr lang="ko-KR" altLang="en-US" smtClean="0">
+                <a:solidFill>
+                  <a:schemeClr val="bg1"/>
+                </a:solidFill>
+                <a:latin typeface="소야논8" panose="02020603020101020101" pitchFamily="18" charset="-127"/>
+                <a:ea typeface="소야논8" panose="02020603020101020101" pitchFamily="18" charset="-127"/>
+              </a:rPr>
+              <a:t>사용하느라</a:t>
+            </a:r>
+            <a:endParaRPr lang="en-US" altLang="ko-KR" dirty="0" smtClean="0">
+              <a:solidFill>
+                <a:schemeClr val="bg1"/>
+              </a:solidFill>
+              <a:latin typeface="소야논8" panose="02020603020101020101" pitchFamily="18" charset="-127"/>
+              <a:ea typeface="소야논8" panose="02020603020101020101" pitchFamily="18" charset="-127"/>
+            </a:endParaRPr>
+          </a:p>
+        </p:txBody>
+      </p:sp>
+    </p:spTree>
+    <p:extLst>
+      <p:ext uri="{BB962C8B-B14F-4D97-AF65-F5344CB8AC3E}">
+        <p14:creationId xmlns:p14="http://schemas.microsoft.com/office/powerpoint/2010/main" val="3280314044"/>
+      </p:ext>
+    </p:extLst>
+  </p:cSld>
+  <p:clrMapOvr>
+    <a:masterClrMapping/>
+  </p:clrMapOvr>
+  <p:timing>
+    <p:tnLst>
+      <p:par>
+        <p:cTn id="1" dur="indefinite" restart="never" nodeType="tmRoot"/>
+      </p:par>
+    </p:tnLst>
+  </p:timing>
+</p:sld>
+</file>
+
+<file path=ppt/slides/slide32.xml><?xml version="1.0" encoding="utf-8"?>
+<p:sld xmlns:a="http://schemas.openxmlformats.org/drawingml/2006/main" xmlns:r="http://schemas.openxmlformats.org/officeDocument/2006/relationships" xmlns:p="http://schemas.openxmlformats.org/presentationml/2006/main" showMasterSp="0">
+  <p:cSld>
+    <p:spTree>
+      <p:nvGrpSpPr>
+        <p:cNvPr id="1" name=""/>
+        <p:cNvGrpSpPr/>
+        <p:nvPr/>
+      </p:nvGrpSpPr>
+      <p:grpSpPr>
+        <a:xfrm>
+          <a:off x="0" y="0"/>
+          <a:ext cx="0" cy="0"/>
+          <a:chOff x="0" y="0"/>
+          <a:chExt cx="0" cy="0"/>
+        </a:xfrm>
+      </p:grpSpPr>
+      <p:sp>
+        <p:nvSpPr>
+          <p:cNvPr id="2" name="제목 1"/>
+          <p:cNvSpPr>
+            <a:spLocks noGrp="1"/>
+          </p:cNvSpPr>
+          <p:nvPr>
+            <p:ph type="title"/>
+          </p:nvPr>
+        </p:nvSpPr>
+        <p:spPr/>
+        <p:txBody>
+          <a:bodyPr/>
+          <a:lstStyle/>
+          <a:p>
+            <a:r>
+              <a:rPr lang="ko-KR" altLang="en-US" dirty="0" smtClean="0">
+                <a:solidFill>
+                  <a:srgbClr val="E4007F"/>
+                </a:solidFill>
+                <a:latin typeface="소야논8" panose="02020603020101020101" pitchFamily="18" charset="-127"/>
+                <a:ea typeface="소야논8" panose="02020603020101020101" pitchFamily="18" charset="-127"/>
+              </a:rPr>
+              <a:t>다시 만든다면</a:t>
+            </a:r>
+            <a:r>
+              <a:rPr lang="en-US" altLang="ko-KR" dirty="0" smtClean="0">
+                <a:solidFill>
+                  <a:srgbClr val="E4007F"/>
+                </a:solidFill>
+                <a:latin typeface="소야논8" panose="02020603020101020101" pitchFamily="18" charset="-127"/>
+                <a:ea typeface="소야논8" panose="02020603020101020101" pitchFamily="18" charset="-127"/>
+              </a:rPr>
+              <a:t>?</a:t>
+            </a:r>
+            <a:endParaRPr lang="ko-KR" altLang="en-US" dirty="0">
+              <a:solidFill>
+                <a:srgbClr val="E4007F"/>
+              </a:solidFill>
+              <a:latin typeface="소야논8" panose="02020603020101020101" pitchFamily="18" charset="-127"/>
+              <a:ea typeface="소야논8" panose="02020603020101020101" pitchFamily="18" charset="-127"/>
+            </a:endParaRPr>
+          </a:p>
+        </p:txBody>
+      </p:sp>
+      <p:sp>
+        <p:nvSpPr>
+          <p:cNvPr id="3" name="내용 개체 틀 2"/>
+          <p:cNvSpPr>
+            <a:spLocks noGrp="1"/>
+          </p:cNvSpPr>
+          <p:nvPr>
+            <p:ph idx="1"/>
+          </p:nvPr>
+        </p:nvSpPr>
+        <p:spPr/>
+        <p:txBody>
+          <a:bodyPr>
+            <a:normAutofit/>
+          </a:bodyPr>
+          <a:lstStyle/>
+          <a:p>
+            <a:r>
+              <a:rPr lang="en-US" altLang="ko-KR" sz="2800" dirty="0" smtClean="0">
+                <a:solidFill>
+                  <a:schemeClr val="bg1"/>
+                </a:solidFill>
+                <a:latin typeface="소야논8" panose="02020603020101020101" pitchFamily="18" charset="-127"/>
+                <a:ea typeface="소야논8" panose="02020603020101020101" pitchFamily="18" charset="-127"/>
+              </a:rPr>
+              <a:t>DB </a:t>
+            </a:r>
+            <a:r>
+              <a:rPr lang="ko-KR" altLang="en-US" sz="2800" dirty="0" err="1" smtClean="0">
+                <a:solidFill>
+                  <a:schemeClr val="bg1"/>
+                </a:solidFill>
+                <a:latin typeface="소야논8" panose="02020603020101020101" pitchFamily="18" charset="-127"/>
+                <a:ea typeface="소야논8" panose="02020603020101020101" pitchFamily="18" charset="-127"/>
+              </a:rPr>
+              <a:t>쓰레드쪽을</a:t>
+            </a:r>
+            <a:r>
+              <a:rPr lang="ko-KR" altLang="en-US" sz="2800" dirty="0" smtClean="0">
+                <a:solidFill>
+                  <a:schemeClr val="bg1"/>
+                </a:solidFill>
+                <a:latin typeface="소야논8" panose="02020603020101020101" pitchFamily="18" charset="-127"/>
+                <a:ea typeface="소야논8" panose="02020603020101020101" pitchFamily="18" charset="-127"/>
+              </a:rPr>
+              <a:t> 최적화 하고 싶음</a:t>
+            </a:r>
+            <a:r>
+              <a:rPr lang="en-US" altLang="ko-KR" sz="2800" dirty="0" smtClean="0">
+                <a:solidFill>
+                  <a:schemeClr val="bg1"/>
+                </a:solidFill>
+                <a:latin typeface="소야논8" panose="02020603020101020101" pitchFamily="18" charset="-127"/>
+                <a:ea typeface="소야논8" panose="02020603020101020101" pitchFamily="18" charset="-127"/>
+              </a:rPr>
+              <a:t>. </a:t>
+            </a:r>
+          </a:p>
+        </p:txBody>
+      </p:sp>
+    </p:spTree>
+    <p:extLst>
+      <p:ext uri="{BB962C8B-B14F-4D97-AF65-F5344CB8AC3E}">
+        <p14:creationId xmlns:p14="http://schemas.microsoft.com/office/powerpoint/2010/main" val="1497429585"/>
+      </p:ext>
+    </p:extLst>
+  </p:cSld>
+  <p:clrMapOvr>
+    <a:masterClrMapping/>
+  </p:clrMapOvr>
+  <p:timing>
+    <p:tnLst>
+      <p:par>
+        <p:cTn id="1" dur="indefinite" restart="never" nodeType="tmRoot"/>
+      </p:par>
+    </p:tnLst>
+  </p:timing>
+</p:sld>
+</file>
+
+<file path=ppt/slides/slide33.xml><?xml version="1.0" encoding="utf-8"?>
+<p:sld xmlns:a="http://schemas.openxmlformats.org/drawingml/2006/main" xmlns:r="http://schemas.openxmlformats.org/officeDocument/2006/relationships" xmlns:p="http://schemas.openxmlformats.org/presentationml/2006/main" showMasterSp="0">
+  <p:cSld>
+    <p:spTree>
+      <p:nvGrpSpPr>
+        <p:cNvPr id="1" name=""/>
+        <p:cNvGrpSpPr/>
+        <p:nvPr/>
+      </p:nvGrpSpPr>
+      <p:grpSpPr>
+        <a:xfrm>
+          <a:off x="0" y="0"/>
+          <a:ext cx="0" cy="0"/>
+          <a:chOff x="0" y="0"/>
+          <a:chExt cx="0" cy="0"/>
+        </a:xfrm>
+      </p:grpSpPr>
+      <p:sp>
+        <p:nvSpPr>
+          <p:cNvPr id="2" name="제목 1"/>
+          <p:cNvSpPr>
+            <a:spLocks noGrp="1"/>
+          </p:cNvSpPr>
+          <p:nvPr>
             <p:ph type="ctrTitle"/>
           </p:nvPr>
         </p:nvSpPr>
@@ -36576,8 +38721,8 @@
 </p:sld>
 </file>
 
-<file path=ppt/slides/slide3.xml><?xml version="1.0" encoding="utf-8"?>
-<p:sld xmlns:a="http://schemas.openxmlformats.org/drawingml/2006/main" xmlns:r="http://schemas.openxmlformats.org/officeDocument/2006/relationships" xmlns:p="http://schemas.openxmlformats.org/presentationml/2006/main" showMasterSp="0">
+<file path=ppt/slides/slide4.xml><?xml version="1.0" encoding="utf-8"?>
+<p:sld xmlns:a="http://schemas.openxmlformats.org/drawingml/2006/main" xmlns:r="http://schemas.openxmlformats.org/officeDocument/2006/relationships" xmlns:p="http://schemas.openxmlformats.org/presentationml/2006/main">
   <p:cSld>
     <p:spTree>
       <p:nvGrpSpPr>
@@ -36600,196 +38745,25 @@
             <a:spLocks noGrp="1"/>
           </p:cNvSpPr>
           <p:nvPr>
-            <p:ph type="ctrTitle"/>
+            <p:ph type="title"/>
           </p:nvPr>
         </p:nvSpPr>
         <p:spPr/>
         <p:txBody>
-          <a:bodyPr>
-            <a:normAutofit fontScale="90000"/>
-          </a:bodyPr>
-          <a:lstStyle/>
-          <a:p>
-            <a:pPr>
-              <a:lnSpc>
-                <a:spcPct val="150000"/>
-              </a:lnSpc>
-            </a:pPr>
-            <a:r>
-              <a:rPr lang="ko-KR" altLang="en-US" sz="4800" dirty="0" smtClean="0">
-                <a:solidFill>
-                  <a:srgbClr val="FFC000"/>
+          <a:bodyPr/>
+          <a:lstStyle/>
+          <a:p>
+            <a:r>
+              <a:rPr lang="ko-KR" altLang="en-US" dirty="0" smtClean="0">
+                <a:solidFill>
+                  <a:srgbClr val="E4007F"/>
                 </a:solidFill>
                 <a:latin typeface="소야논8" panose="02020603020101020101" pitchFamily="18" charset="-127"/>
                 <a:ea typeface="소야논8" panose="02020603020101020101" pitchFamily="18" charset="-127"/>
               </a:rPr>
-              <a:t>만든 기능</a:t>
-            </a:r>
-            <a:r>
-              <a:rPr lang="en-US" altLang="ko-KR" sz="4800" dirty="0" smtClean="0">
-                <a:solidFill>
-                  <a:srgbClr val="FFC000"/>
-                </a:solidFill>
-                <a:latin typeface="소야논8" panose="02020603020101020101" pitchFamily="18" charset="-127"/>
-                <a:ea typeface="소야논8" panose="02020603020101020101" pitchFamily="18" charset="-127"/>
-              </a:rPr>
-              <a:t/>
-            </a:r>
-            <a:br>
-              <a:rPr lang="en-US" altLang="ko-KR" sz="4800" dirty="0" smtClean="0">
-                <a:solidFill>
-                  <a:srgbClr val="FFC000"/>
-                </a:solidFill>
-                <a:latin typeface="소야논8" panose="02020603020101020101" pitchFamily="18" charset="-127"/>
-                <a:ea typeface="소야논8" panose="02020603020101020101" pitchFamily="18" charset="-127"/>
-              </a:rPr>
-            </a:br>
-            <a:r>
-              <a:rPr lang="ko-KR" altLang="en-US" sz="4800" dirty="0" smtClean="0">
-                <a:solidFill>
-                  <a:srgbClr val="FFC000"/>
-                </a:solidFill>
-                <a:latin typeface="소야논8" panose="02020603020101020101" pitchFamily="18" charset="-127"/>
-                <a:ea typeface="소야논8" panose="02020603020101020101" pitchFamily="18" charset="-127"/>
-              </a:rPr>
-              <a:t>시연</a:t>
-            </a:r>
-            <a:r>
-              <a:rPr lang="en-US" altLang="ko-KR" sz="4800" dirty="0" smtClean="0">
-                <a:solidFill>
-                  <a:srgbClr val="FFC000"/>
-                </a:solidFill>
-                <a:latin typeface="소야논8" panose="02020603020101020101" pitchFamily="18" charset="-127"/>
-                <a:ea typeface="소야논8" panose="02020603020101020101" pitchFamily="18" charset="-127"/>
-              </a:rPr>
-              <a:t/>
-            </a:r>
-            <a:br>
-              <a:rPr lang="en-US" altLang="ko-KR" sz="4800" dirty="0" smtClean="0">
-                <a:solidFill>
-                  <a:srgbClr val="FFC000"/>
-                </a:solidFill>
-                <a:latin typeface="소야논8" panose="02020603020101020101" pitchFamily="18" charset="-127"/>
-                <a:ea typeface="소야논8" panose="02020603020101020101" pitchFamily="18" charset="-127"/>
-              </a:rPr>
-            </a:br>
-            <a:r>
-              <a:rPr lang="ko-KR" altLang="en-US" sz="4800" dirty="0" smtClean="0">
-                <a:solidFill>
-                  <a:srgbClr val="FFC000"/>
-                </a:solidFill>
-                <a:latin typeface="소야논8" panose="02020603020101020101" pitchFamily="18" charset="-127"/>
-                <a:ea typeface="소야논8" panose="02020603020101020101" pitchFamily="18" charset="-127"/>
-              </a:rPr>
-              <a:t>서버 설명</a:t>
-            </a:r>
-            <a:r>
-              <a:rPr lang="en-US" altLang="ko-KR" sz="4800" dirty="0" smtClean="0">
-                <a:solidFill>
-                  <a:srgbClr val="FFC000"/>
-                </a:solidFill>
-                <a:latin typeface="소야논8" panose="02020603020101020101" pitchFamily="18" charset="-127"/>
-                <a:ea typeface="소야논8" panose="02020603020101020101" pitchFamily="18" charset="-127"/>
-              </a:rPr>
-              <a:t/>
-            </a:r>
-            <a:br>
-              <a:rPr lang="en-US" altLang="ko-KR" sz="4800" dirty="0" smtClean="0">
-                <a:solidFill>
-                  <a:srgbClr val="FFC000"/>
-                </a:solidFill>
-                <a:latin typeface="소야논8" panose="02020603020101020101" pitchFamily="18" charset="-127"/>
-                <a:ea typeface="소야논8" panose="02020603020101020101" pitchFamily="18" charset="-127"/>
-              </a:rPr>
-            </a:br>
-            <a:r>
-              <a:rPr lang="ko-KR" altLang="en-US" sz="4800" dirty="0" smtClean="0">
-                <a:solidFill>
-                  <a:srgbClr val="FFC000"/>
-                </a:solidFill>
-                <a:latin typeface="소야논8" panose="02020603020101020101" pitchFamily="18" charset="-127"/>
-                <a:ea typeface="소야논8" panose="02020603020101020101" pitchFamily="18" charset="-127"/>
-              </a:rPr>
-              <a:t>코</a:t>
-            </a:r>
-            <a:r>
-              <a:rPr lang="ko-KR" altLang="en-US" sz="4800" dirty="0">
-                <a:solidFill>
-                  <a:srgbClr val="FFC000"/>
-                </a:solidFill>
-                <a:latin typeface="소야논8" panose="02020603020101020101" pitchFamily="18" charset="-127"/>
-                <a:ea typeface="소야논8" panose="02020603020101020101" pitchFamily="18" charset="-127"/>
-              </a:rPr>
-              <a:t>드</a:t>
-            </a:r>
-          </a:p>
-        </p:txBody>
-      </p:sp>
-    </p:spTree>
-    <p:extLst>
-      <p:ext uri="{BB962C8B-B14F-4D97-AF65-F5344CB8AC3E}">
-        <p14:creationId xmlns:p14="http://schemas.microsoft.com/office/powerpoint/2010/main" val="3913161157"/>
-      </p:ext>
-    </p:extLst>
-  </p:cSld>
-  <p:clrMapOvr>
-    <a:masterClrMapping/>
-  </p:clrMapOvr>
-  <p:timing>
-    <p:tnLst>
-      <p:par>
-        <p:cTn id="1" dur="indefinite" restart="never" nodeType="tmRoot"/>
-      </p:par>
-    </p:tnLst>
-  </p:timing>
-</p:sld>
-</file>
-
-<file path=ppt/slides/slide4.xml><?xml version="1.0" encoding="utf-8"?>
-<p:sld xmlns:a="http://schemas.openxmlformats.org/drawingml/2006/main" xmlns:r="http://schemas.openxmlformats.org/officeDocument/2006/relationships" xmlns:p="http://schemas.openxmlformats.org/presentationml/2006/main" showMasterSp="0">
-  <p:cSld>
-    <p:spTree>
-      <p:nvGrpSpPr>
-        <p:cNvPr id="1" name=""/>
-        <p:cNvGrpSpPr/>
-        <p:nvPr/>
-      </p:nvGrpSpPr>
-      <p:grpSpPr>
-        <a:xfrm>
-          <a:off x="0" y="0"/>
-          <a:ext cx="0" cy="0"/>
-          <a:chOff x="0" y="0"/>
-          <a:chExt cx="0" cy="0"/>
-        </a:xfrm>
-      </p:grpSpPr>
-      <p:sp>
-        <p:nvSpPr>
-          <p:cNvPr id="2" name="제목 1"/>
-          <p:cNvSpPr>
-            <a:spLocks noGrp="1"/>
-          </p:cNvSpPr>
-          <p:nvPr>
-            <p:ph type="ctrTitle"/>
-          </p:nvPr>
-        </p:nvSpPr>
-        <p:spPr/>
-        <p:txBody>
-          <a:bodyPr>
-            <a:normAutofit/>
-          </a:bodyPr>
-          <a:lstStyle/>
-          <a:p>
-            <a:r>
-              <a:rPr lang="ko-KR" altLang="en-US" sz="4800" dirty="0" smtClean="0">
-                <a:solidFill>
-                  <a:srgbClr val="E4007F"/>
-                </a:solidFill>
-                <a:latin typeface="소야논8" panose="02020603020101020101" pitchFamily="18" charset="-127"/>
-                <a:ea typeface="소야논8" panose="02020603020101020101" pitchFamily="18" charset="-127"/>
-              </a:rPr>
-              <a:t>만든 기능</a:t>
-            </a:r>
-            <a:endParaRPr lang="ko-KR" altLang="en-US" sz="4800" dirty="0">
+              <a:t>만들려던 것</a:t>
+            </a:r>
+            <a:endParaRPr lang="ko-KR" altLang="en-US" dirty="0">
               <a:solidFill>
                 <a:srgbClr val="E4007F"/>
               </a:solidFill>
@@ -36799,10 +38773,51 @@
           </a:p>
         </p:txBody>
       </p:sp>
+      <p:pic>
+        <p:nvPicPr>
+          <p:cNvPr id="2050" name="Picture 2" descr="D:\DATA\Picture\resource\블랙잭_로비.png"/>
+          <p:cNvPicPr>
+            <a:picLocks noChangeAspect="1" noChangeArrowheads="1"/>
+          </p:cNvPicPr>
+          <p:nvPr/>
+        </p:nvPicPr>
+        <p:blipFill>
+          <a:blip r:embed="rId2">
+            <a:extLst>
+              <a:ext uri="{28A0092B-C50C-407E-A947-70E740481C1C}">
+                <a14:useLocalDpi xmlns:a14="http://schemas.microsoft.com/office/drawing/2010/main" val="0"/>
+              </a:ext>
+            </a:extLst>
+          </a:blip>
+          <a:srcRect/>
+          <a:stretch>
+            <a:fillRect/>
+          </a:stretch>
+        </p:blipFill>
+        <p:spPr bwMode="auto">
+          <a:xfrm>
+            <a:off x="923595" y="1340768"/>
+            <a:ext cx="7296810" cy="4104456"/>
+          </a:xfrm>
+          <a:prstGeom prst="rect">
+            <a:avLst/>
+          </a:prstGeom>
+          <a:noFill/>
+          <a:extLst>
+            <a:ext uri="{909E8E84-426E-40DD-AFC4-6F175D3DCCD1}">
+              <a14:hiddenFill xmlns:a14="http://schemas.microsoft.com/office/drawing/2010/main">
+                <a:solidFill>
+                  <a:srgbClr val="FFFFFF"/>
+                </a:solidFill>
+              </a14:hiddenFill>
+            </a:ext>
+          </a:extLst>
+        </p:spPr>
+      </p:pic>
     </p:spTree>
     <p:extLst>
       <p:ext uri="{BB962C8B-B14F-4D97-AF65-F5344CB8AC3E}">
-        <p14:creationId xmlns:p14="http://schemas.microsoft.com/office/powerpoint/2010/main" val="1719440299"/>
+        <p14:creationId xmlns:p14="http://schemas.microsoft.com/office/powerpoint/2010/main" val="1170983752"/>
       </p:ext>
     </p:extLst>
   </p:cSld>
@@ -36859,7 +38874,7 @@
                 <a:latin typeface="소야논8" panose="02020603020101020101" pitchFamily="18" charset="-127"/>
                 <a:ea typeface="소야논8" panose="02020603020101020101" pitchFamily="18" charset="-127"/>
               </a:rPr>
-              <a:t>구조</a:t>
+              <a:t>만들려던 것</a:t>
             </a:r>
             <a:endParaRPr lang="ko-KR" altLang="en-US" dirty="0">
               <a:solidFill>
@@ -36871,104 +38886,51 @@
           </a:p>
         </p:txBody>
       </p:sp>
-      <p:sp>
-        <p:nvSpPr>
-          <p:cNvPr id="3" name="내용 개체 틀 2"/>
-          <p:cNvSpPr>
-            <a:spLocks noGrp="1"/>
-          </p:cNvSpPr>
-          <p:nvPr>
-            <p:ph idx="1"/>
-          </p:nvPr>
-        </p:nvSpPr>
-        <p:spPr/>
-        <p:txBody>
-          <a:bodyPr/>
-          <a:lstStyle/>
-          <a:p>
-            <a:r>
-              <a:rPr lang="ko-KR" altLang="en-US" dirty="0" smtClean="0">
-                <a:solidFill>
-                  <a:schemeClr val="bg1"/>
-                </a:solidFill>
-                <a:latin typeface="소야논8" panose="02020603020101020101" pitchFamily="18" charset="-127"/>
-                <a:ea typeface="소야논8" panose="02020603020101020101" pitchFamily="18" charset="-127"/>
-              </a:rPr>
-              <a:t>로그인 서버</a:t>
-            </a:r>
-            <a:endParaRPr lang="en-US" altLang="ko-KR" dirty="0" smtClean="0">
-              <a:solidFill>
-                <a:schemeClr val="bg1"/>
-              </a:solidFill>
-              <a:latin typeface="소야논8" panose="02020603020101020101" pitchFamily="18" charset="-127"/>
-              <a:ea typeface="소야논8" panose="02020603020101020101" pitchFamily="18" charset="-127"/>
-            </a:endParaRPr>
-          </a:p>
-          <a:p>
-            <a:endParaRPr lang="en-US" altLang="ko-KR" dirty="0" smtClean="0">
-              <a:solidFill>
-                <a:schemeClr val="bg1"/>
-              </a:solidFill>
-              <a:latin typeface="소야논8" panose="02020603020101020101" pitchFamily="18" charset="-127"/>
-              <a:ea typeface="소야논8" panose="02020603020101020101" pitchFamily="18" charset="-127"/>
-            </a:endParaRPr>
-          </a:p>
-          <a:p>
-            <a:r>
-              <a:rPr lang="ko-KR" altLang="en-US" dirty="0" smtClean="0">
-                <a:solidFill>
-                  <a:schemeClr val="bg1"/>
-                </a:solidFill>
-                <a:latin typeface="소야논8" panose="02020603020101020101" pitchFamily="18" charset="-127"/>
-                <a:ea typeface="소야논8" panose="02020603020101020101" pitchFamily="18" charset="-127"/>
-              </a:rPr>
-              <a:t>채널 서버</a:t>
-            </a:r>
-            <a:endParaRPr lang="en-US" altLang="ko-KR" dirty="0" smtClean="0">
-              <a:solidFill>
-                <a:schemeClr val="bg1"/>
-              </a:solidFill>
-              <a:latin typeface="소야논8" panose="02020603020101020101" pitchFamily="18" charset="-127"/>
-              <a:ea typeface="소야논8" panose="02020603020101020101" pitchFamily="18" charset="-127"/>
-            </a:endParaRPr>
-          </a:p>
-          <a:p>
-            <a:endParaRPr lang="en-US" altLang="ko-KR" dirty="0" smtClean="0">
-              <a:solidFill>
-                <a:schemeClr val="bg1"/>
-              </a:solidFill>
-              <a:latin typeface="소야논8" panose="02020603020101020101" pitchFamily="18" charset="-127"/>
-              <a:ea typeface="소야논8" panose="02020603020101020101" pitchFamily="18" charset="-127"/>
-            </a:endParaRPr>
-          </a:p>
-          <a:p>
-            <a:r>
-              <a:rPr lang="ko-KR" altLang="en-US" dirty="0" smtClean="0">
-                <a:solidFill>
-                  <a:schemeClr val="bg1"/>
-                </a:solidFill>
-                <a:latin typeface="소야논8" panose="02020603020101020101" pitchFamily="18" charset="-127"/>
-                <a:ea typeface="소야논8" panose="02020603020101020101" pitchFamily="18" charset="-127"/>
-              </a:rPr>
-              <a:t>클라이언</a:t>
-            </a:r>
-            <a:r>
-              <a:rPr lang="ko-KR" altLang="en-US" dirty="0">
-                <a:solidFill>
-                  <a:schemeClr val="bg1"/>
-                </a:solidFill>
-                <a:latin typeface="소야논8" panose="02020603020101020101" pitchFamily="18" charset="-127"/>
-                <a:ea typeface="소야논8" panose="02020603020101020101" pitchFamily="18" charset="-127"/>
-              </a:rPr>
-              <a:t>트</a:t>
-            </a:r>
-          </a:p>
-        </p:txBody>
-      </p:sp>
+      <p:pic>
+        <p:nvPicPr>
+          <p:cNvPr id="3074" name="Picture 2" descr="D:\DATA\Picture\resource\채널 변경.png"/>
+          <p:cNvPicPr>
+            <a:picLocks noChangeAspect="1" noChangeArrowheads="1"/>
+          </p:cNvPicPr>
+          <p:nvPr/>
+        </p:nvPicPr>
+        <p:blipFill>
+          <a:blip r:embed="rId2">
+            <a:extLst>
+              <a:ext uri="{28A0092B-C50C-407E-A947-70E740481C1C}">
+                <a14:useLocalDpi xmlns:a14="http://schemas.microsoft.com/office/drawing/2010/main" val="0"/>
+              </a:ext>
+            </a:extLst>
+          </a:blip>
+          <a:srcRect/>
+          <a:stretch>
+            <a:fillRect/>
+          </a:stretch>
+        </p:blipFill>
+        <p:spPr bwMode="auto">
+          <a:xfrm>
+            <a:off x="923595" y="1340768"/>
+            <a:ext cx="7296810" cy="4104456"/>
+          </a:xfrm>
+          <a:prstGeom prst="rect">
+            <a:avLst/>
+          </a:prstGeom>
+          <a:noFill/>
+          <a:extLst>
+            <a:ext uri="{909E8E84-426E-40DD-AFC4-6F175D3DCCD1}">
+              <a14:hiddenFill xmlns:a14="http://schemas.microsoft.com/office/drawing/2010/main">
+                <a:solidFill>
+                  <a:srgbClr val="FFFFFF"/>
+                </a:solidFill>
+              </a14:hiddenFill>
+            </a:ext>
+          </a:extLst>
+        </p:spPr>
+      </p:pic>
     </p:spTree>
     <p:extLst>
       <p:ext uri="{BB962C8B-B14F-4D97-AF65-F5344CB8AC3E}">
-        <p14:creationId xmlns:p14="http://schemas.microsoft.com/office/powerpoint/2010/main" val="605350252"/>
+        <p14:creationId xmlns:p14="http://schemas.microsoft.com/office/powerpoint/2010/main" val="133450669"/>
       </p:ext>
     </p:extLst>
   </p:cSld>
@@ -36986,7 +38948,7 @@
 </file>
 
 <file path=ppt/slides/slide6.xml><?xml version="1.0" encoding="utf-8"?>
-<p:sld xmlns:a="http://schemas.openxmlformats.org/drawingml/2006/main" xmlns:r="http://schemas.openxmlformats.org/officeDocument/2006/relationships" xmlns:p="http://schemas.openxmlformats.org/presentationml/2006/main" showMasterSp="0">
+<p:sld xmlns:a="http://schemas.openxmlformats.org/drawingml/2006/main" xmlns:r="http://schemas.openxmlformats.org/officeDocument/2006/relationships" xmlns:p="http://schemas.openxmlformats.org/presentationml/2006/main">
   <p:cSld>
     <p:spTree>
       <p:nvGrpSpPr>
@@ -37025,7 +38987,7 @@
                 <a:latin typeface="소야논8" panose="02020603020101020101" pitchFamily="18" charset="-127"/>
                 <a:ea typeface="소야논8" panose="02020603020101020101" pitchFamily="18" charset="-127"/>
               </a:rPr>
-              <a:t>만든 기능</a:t>
+              <a:t>만들려던 것</a:t>
             </a:r>
             <a:endParaRPr lang="ko-KR" altLang="en-US" dirty="0">
               <a:solidFill>
@@ -37037,712 +38999,51 @@
           </a:p>
         </p:txBody>
       </p:sp>
-      <p:sp>
-        <p:nvSpPr>
-          <p:cNvPr id="4" name="직사각형 3"/>
-          <p:cNvSpPr/>
+      <p:pic>
+        <p:nvPicPr>
+          <p:cNvPr id="4098" name="Picture 2" descr="D:\DATA\Picture\resource\블랙잭.png"/>
+          <p:cNvPicPr>
+            <a:picLocks noChangeAspect="1" noChangeArrowheads="1"/>
+          </p:cNvPicPr>
           <p:nvPr/>
-        </p:nvSpPr>
-        <p:spPr>
+        </p:nvPicPr>
+        <p:blipFill>
+          <a:blip r:embed="rId2">
+            <a:extLst>
+              <a:ext uri="{28A0092B-C50C-407E-A947-70E740481C1C}">
+                <a14:useLocalDpi xmlns:a14="http://schemas.microsoft.com/office/drawing/2010/main" val="0"/>
+              </a:ext>
+            </a:extLst>
+          </a:blip>
+          <a:srcRect/>
+          <a:stretch>
+            <a:fillRect/>
+          </a:stretch>
+        </p:blipFill>
+        <p:spPr bwMode="auto">
           <a:xfrm>
-            <a:off x="3742121" y="5282714"/>
-            <a:ext cx="2088232" cy="584775"/>
-          </a:xfrm>
-          <a:prstGeom prst="rect">
-            <a:avLst/>
-          </a:prstGeom>
-        </p:spPr>
-        <p:txBody>
-          <a:bodyPr wrap="square">
-            <a:spAutoFit/>
-          </a:bodyPr>
-          <a:lstStyle/>
-          <a:p>
-            <a:r>
-              <a:rPr lang="ko-KR" altLang="en-US" sz="3200" dirty="0">
-                <a:solidFill>
-                  <a:schemeClr val="bg1"/>
-                </a:solidFill>
-                <a:latin typeface="소야논8" panose="02020603020101020101" pitchFamily="18" charset="-127"/>
-                <a:ea typeface="소야논8" panose="02020603020101020101" pitchFamily="18" charset="-127"/>
-              </a:rPr>
-              <a:t>채널 서버</a:t>
-            </a:r>
-            <a:endParaRPr lang="en-US" altLang="ko-KR" sz="3200" dirty="0">
-              <a:solidFill>
-                <a:schemeClr val="bg1"/>
-              </a:solidFill>
-              <a:latin typeface="소야논8" panose="02020603020101020101" pitchFamily="18" charset="-127"/>
-              <a:ea typeface="소야논8" panose="02020603020101020101" pitchFamily="18" charset="-127"/>
-            </a:endParaRPr>
-          </a:p>
-        </p:txBody>
-      </p:sp>
-      <p:sp>
-        <p:nvSpPr>
-          <p:cNvPr id="5" name="직사각형 4"/>
-          <p:cNvSpPr/>
-          <p:nvPr/>
-        </p:nvSpPr>
-        <p:spPr>
-          <a:xfrm>
-            <a:off x="3635922" y="1590333"/>
-            <a:ext cx="2300630" cy="584775"/>
-          </a:xfrm>
-          <a:prstGeom prst="rect">
-            <a:avLst/>
-          </a:prstGeom>
-        </p:spPr>
-        <p:txBody>
-          <a:bodyPr wrap="none">
-            <a:spAutoFit/>
-          </a:bodyPr>
-          <a:lstStyle/>
-          <a:p>
-            <a:r>
-              <a:rPr lang="ko-KR" altLang="en-US" sz="3200" dirty="0">
-                <a:solidFill>
-                  <a:schemeClr val="bg1"/>
-                </a:solidFill>
-                <a:latin typeface="소야논8" panose="02020603020101020101" pitchFamily="18" charset="-127"/>
-                <a:ea typeface="소야논8" panose="02020603020101020101" pitchFamily="18" charset="-127"/>
-              </a:rPr>
-              <a:t>로그인 서버</a:t>
-            </a:r>
-            <a:endParaRPr lang="en-US" altLang="ko-KR" sz="3200" dirty="0">
-              <a:solidFill>
-                <a:schemeClr val="bg1"/>
-              </a:solidFill>
-              <a:latin typeface="소야논8" panose="02020603020101020101" pitchFamily="18" charset="-127"/>
-              <a:ea typeface="소야논8" panose="02020603020101020101" pitchFamily="18" charset="-127"/>
-            </a:endParaRPr>
-          </a:p>
-        </p:txBody>
-      </p:sp>
-      <p:sp>
-        <p:nvSpPr>
-          <p:cNvPr id="7" name="직사각형 6"/>
-          <p:cNvSpPr/>
-          <p:nvPr/>
-        </p:nvSpPr>
-        <p:spPr>
-          <a:xfrm>
-            <a:off x="971600" y="3429000"/>
-            <a:ext cx="2217523" cy="584775"/>
-          </a:xfrm>
-          <a:prstGeom prst="rect">
-            <a:avLst/>
-          </a:prstGeom>
-        </p:spPr>
-        <p:txBody>
-          <a:bodyPr wrap="square">
-            <a:spAutoFit/>
-          </a:bodyPr>
-          <a:lstStyle/>
-          <a:p>
-            <a:r>
-              <a:rPr lang="ko-KR" altLang="en-US" sz="3200" dirty="0">
-                <a:solidFill>
-                  <a:schemeClr val="bg1"/>
-                </a:solidFill>
-                <a:latin typeface="소야논8" panose="02020603020101020101" pitchFamily="18" charset="-127"/>
-                <a:ea typeface="소야논8" panose="02020603020101020101" pitchFamily="18" charset="-127"/>
-              </a:rPr>
-              <a:t>클라이언트</a:t>
-            </a:r>
-          </a:p>
-        </p:txBody>
-      </p:sp>
-      <p:cxnSp>
-        <p:nvCxnSpPr>
-          <p:cNvPr id="9" name="직선 화살표 연결선 8"/>
-          <p:cNvCxnSpPr/>
-          <p:nvPr/>
-        </p:nvCxnSpPr>
-        <p:spPr>
-          <a:xfrm flipV="1">
-            <a:off x="2384667" y="2171662"/>
-            <a:ext cx="1323237" cy="1028690"/>
-          </a:xfrm>
-          <a:prstGeom prst="straightConnector1">
-            <a:avLst/>
-          </a:prstGeom>
-          <a:ln>
-            <a:tailEnd type="triangle"/>
-          </a:ln>
-        </p:spPr>
-        <p:style>
-          <a:lnRef idx="2">
-            <a:schemeClr val="accent6"/>
-          </a:lnRef>
-          <a:fillRef idx="0">
-            <a:schemeClr val="accent6"/>
-          </a:fillRef>
-          <a:effectRef idx="1">
-            <a:schemeClr val="accent6"/>
-          </a:effectRef>
-          <a:fontRef idx="minor">
-            <a:schemeClr val="tx1"/>
-          </a:fontRef>
-        </p:style>
-      </p:cxnSp>
-      <p:cxnSp>
-        <p:nvCxnSpPr>
-          <p:cNvPr id="10" name="직선 화살표 연결선 9"/>
-          <p:cNvCxnSpPr/>
-          <p:nvPr/>
-        </p:nvCxnSpPr>
-        <p:spPr>
-          <a:xfrm>
-            <a:off x="2349210" y="4133566"/>
-            <a:ext cx="1094845" cy="1296983"/>
-          </a:xfrm>
-          <a:prstGeom prst="straightConnector1">
-            <a:avLst/>
-          </a:prstGeom>
-          <a:ln>
-            <a:tailEnd type="triangle"/>
-          </a:ln>
-        </p:spPr>
-        <p:style>
-          <a:lnRef idx="2">
-            <a:schemeClr val="accent6"/>
-          </a:lnRef>
-          <a:fillRef idx="0">
-            <a:schemeClr val="accent6"/>
-          </a:fillRef>
-          <a:effectRef idx="1">
-            <a:schemeClr val="accent6"/>
-          </a:effectRef>
-          <a:fontRef idx="minor">
-            <a:schemeClr val="tx1"/>
-          </a:fontRef>
-        </p:style>
-      </p:cxnSp>
-      <p:cxnSp>
-        <p:nvCxnSpPr>
-          <p:cNvPr id="14" name="직선 화살표 연결선 13"/>
-          <p:cNvCxnSpPr/>
-          <p:nvPr/>
-        </p:nvCxnSpPr>
-        <p:spPr>
-          <a:xfrm>
-            <a:off x="5830353" y="2149999"/>
-            <a:ext cx="1045903" cy="1172931"/>
-          </a:xfrm>
-          <a:prstGeom prst="straightConnector1">
-            <a:avLst/>
-          </a:prstGeom>
-          <a:ln>
-            <a:tailEnd type="triangle"/>
-          </a:ln>
-        </p:spPr>
-        <p:style>
-          <a:lnRef idx="2">
-            <a:schemeClr val="accent6"/>
-          </a:lnRef>
-          <a:fillRef idx="0">
-            <a:schemeClr val="accent6"/>
-          </a:fillRef>
-          <a:effectRef idx="1">
-            <a:schemeClr val="accent6"/>
-          </a:effectRef>
-          <a:fontRef idx="minor">
-            <a:schemeClr val="tx1"/>
-          </a:fontRef>
-        </p:style>
-      </p:cxnSp>
-      <p:cxnSp>
-        <p:nvCxnSpPr>
-          <p:cNvPr id="16" name="직선 화살표 연결선 15"/>
-          <p:cNvCxnSpPr/>
-          <p:nvPr/>
-        </p:nvCxnSpPr>
-        <p:spPr>
-          <a:xfrm flipH="1">
-            <a:off x="2535747" y="2224177"/>
-            <a:ext cx="1354430" cy="1081537"/>
-          </a:xfrm>
-          <a:prstGeom prst="straightConnector1">
-            <a:avLst/>
-          </a:prstGeom>
-          <a:ln>
-            <a:tailEnd type="triangle"/>
-          </a:ln>
-        </p:spPr>
-        <p:style>
-          <a:lnRef idx="2">
-            <a:schemeClr val="accent6"/>
-          </a:lnRef>
-          <a:fillRef idx="0">
-            <a:schemeClr val="accent6"/>
-          </a:fillRef>
-          <a:effectRef idx="1">
-            <a:schemeClr val="accent6"/>
-          </a:effectRef>
-          <a:fontRef idx="minor">
-            <a:schemeClr val="tx1"/>
-          </a:fontRef>
-        </p:style>
-      </p:cxnSp>
-      <p:sp>
-        <p:nvSpPr>
-          <p:cNvPr id="20" name="TextBox 19"/>
-          <p:cNvSpPr txBox="1"/>
-          <p:nvPr/>
-        </p:nvSpPr>
-        <p:spPr>
-          <a:xfrm>
-            <a:off x="2050446" y="2192399"/>
-            <a:ext cx="1210588" cy="338554"/>
+            <a:off x="923595" y="1340768"/>
+            <a:ext cx="7296810" cy="4104456"/>
           </a:xfrm>
           <a:prstGeom prst="rect">
             <a:avLst/>
           </a:prstGeom>
           <a:noFill/>
+          <a:extLst>
+            <a:ext uri="{909E8E84-426E-40DD-AFC4-6F175D3DCCD1}">
+              <a14:hiddenFill xmlns:a14="http://schemas.microsoft.com/office/drawing/2010/main">
+                <a:solidFill>
+                  <a:srgbClr val="FFFFFF"/>
+                </a:solidFill>
+              </a14:hiddenFill>
+            </a:ext>
+          </a:extLst>
         </p:spPr>
-        <p:txBody>
-          <a:bodyPr wrap="none" rtlCol="0">
-            <a:spAutoFit/>
-          </a:bodyPr>
-          <a:lstStyle/>
-          <a:p>
-            <a:r>
-              <a:rPr lang="ko-KR" altLang="en-US" sz="1600" dirty="0" err="1" smtClean="0">
-                <a:solidFill>
-                  <a:schemeClr val="bg1"/>
-                </a:solidFill>
-              </a:rPr>
-              <a:t>로그인요청</a:t>
-            </a:r>
-            <a:endParaRPr lang="ko-KR" altLang="en-US" sz="1600" dirty="0">
-              <a:solidFill>
-                <a:schemeClr val="bg1"/>
-              </a:solidFill>
-            </a:endParaRPr>
-          </a:p>
-        </p:txBody>
-      </p:sp>
-      <p:sp>
-        <p:nvSpPr>
-          <p:cNvPr id="22" name="TextBox 21"/>
-          <p:cNvSpPr txBox="1"/>
-          <p:nvPr/>
-        </p:nvSpPr>
-        <p:spPr>
-          <a:xfrm>
-            <a:off x="3270607" y="2692146"/>
-            <a:ext cx="1107996" cy="369332"/>
-          </a:xfrm>
-          <a:prstGeom prst="rect">
-            <a:avLst/>
-          </a:prstGeom>
-          <a:noFill/>
-        </p:spPr>
-        <p:txBody>
-          <a:bodyPr wrap="none" rtlCol="0">
-            <a:spAutoFit/>
-          </a:bodyPr>
-          <a:lstStyle/>
-          <a:p>
-            <a:r>
-              <a:rPr lang="ko-KR" altLang="en-US" dirty="0" smtClean="0">
-                <a:solidFill>
-                  <a:schemeClr val="bg1"/>
-                </a:solidFill>
-              </a:rPr>
-              <a:t>토큰발급</a:t>
-            </a:r>
-            <a:endParaRPr lang="ko-KR" altLang="en-US" dirty="0">
-              <a:solidFill>
-                <a:schemeClr val="bg1"/>
-              </a:solidFill>
-            </a:endParaRPr>
-          </a:p>
-        </p:txBody>
-      </p:sp>
-      <p:sp>
-        <p:nvSpPr>
-          <p:cNvPr id="23" name="TextBox 22"/>
-          <p:cNvSpPr txBox="1"/>
-          <p:nvPr/>
-        </p:nvSpPr>
-        <p:spPr>
-          <a:xfrm>
-            <a:off x="6265119" y="2177010"/>
-            <a:ext cx="1651414" cy="369332"/>
-          </a:xfrm>
-          <a:prstGeom prst="rect">
-            <a:avLst/>
-          </a:prstGeom>
-          <a:noFill/>
-        </p:spPr>
-        <p:txBody>
-          <a:bodyPr wrap="none" rtlCol="0">
-            <a:spAutoFit/>
-          </a:bodyPr>
-          <a:lstStyle/>
-          <a:p>
-            <a:r>
-              <a:rPr lang="ko-KR" altLang="en-US" dirty="0" smtClean="0">
-                <a:solidFill>
-                  <a:schemeClr val="bg1"/>
-                </a:solidFill>
-              </a:rPr>
-              <a:t>토큰정보 기록</a:t>
-            </a:r>
-            <a:endParaRPr lang="ko-KR" altLang="en-US" dirty="0">
-              <a:solidFill>
-                <a:schemeClr val="bg1"/>
-              </a:solidFill>
-            </a:endParaRPr>
-          </a:p>
-        </p:txBody>
-      </p:sp>
-      <p:sp>
-        <p:nvSpPr>
-          <p:cNvPr id="33" name="직사각형 32"/>
-          <p:cNvSpPr/>
-          <p:nvPr/>
-        </p:nvSpPr>
-        <p:spPr>
-          <a:xfrm>
-            <a:off x="6444208" y="3429000"/>
-            <a:ext cx="2358110" cy="584775"/>
-          </a:xfrm>
-          <a:prstGeom prst="rect">
-            <a:avLst/>
-          </a:prstGeom>
-        </p:spPr>
-        <p:txBody>
-          <a:bodyPr wrap="square">
-            <a:spAutoFit/>
-          </a:bodyPr>
-          <a:lstStyle/>
-          <a:p>
-            <a:r>
-              <a:rPr lang="en-US" altLang="ko-KR" sz="3200" dirty="0" smtClean="0">
-                <a:solidFill>
-                  <a:schemeClr val="bg1"/>
-                </a:solidFill>
-                <a:latin typeface="소야논8" panose="02020603020101020101" pitchFamily="18" charset="-127"/>
-                <a:ea typeface="소야논8" panose="02020603020101020101" pitchFamily="18" charset="-127"/>
-              </a:rPr>
-              <a:t>DB (MySQL)</a:t>
-            </a:r>
-            <a:endParaRPr lang="en-US" altLang="ko-KR" sz="3200" dirty="0">
-              <a:solidFill>
-                <a:schemeClr val="bg1"/>
-              </a:solidFill>
-              <a:latin typeface="소야논8" panose="02020603020101020101" pitchFamily="18" charset="-127"/>
-              <a:ea typeface="소야논8" panose="02020603020101020101" pitchFamily="18" charset="-127"/>
-            </a:endParaRPr>
-          </a:p>
-        </p:txBody>
-      </p:sp>
-      <p:cxnSp>
-        <p:nvCxnSpPr>
-          <p:cNvPr id="37" name="직선 화살표 연결선 36"/>
-          <p:cNvCxnSpPr/>
-          <p:nvPr/>
-        </p:nvCxnSpPr>
-        <p:spPr>
-          <a:xfrm flipV="1">
-            <a:off x="5667156" y="4133566"/>
-            <a:ext cx="1277603" cy="1207245"/>
-          </a:xfrm>
-          <a:prstGeom prst="straightConnector1">
-            <a:avLst/>
-          </a:prstGeom>
-          <a:ln>
-            <a:tailEnd type="triangle"/>
-          </a:ln>
-        </p:spPr>
-        <p:style>
-          <a:lnRef idx="2">
-            <a:schemeClr val="accent6"/>
-          </a:lnRef>
-          <a:fillRef idx="0">
-            <a:schemeClr val="accent6"/>
-          </a:fillRef>
-          <a:effectRef idx="1">
-            <a:schemeClr val="accent6"/>
-          </a:effectRef>
-          <a:fontRef idx="minor">
-            <a:schemeClr val="tx1"/>
-          </a:fontRef>
-        </p:style>
-      </p:cxnSp>
-      <p:cxnSp>
-        <p:nvCxnSpPr>
-          <p:cNvPr id="40" name="직선 화살표 연결선 39"/>
-          <p:cNvCxnSpPr/>
-          <p:nvPr/>
-        </p:nvCxnSpPr>
-        <p:spPr>
-          <a:xfrm flipH="1">
-            <a:off x="5796136" y="4222825"/>
-            <a:ext cx="1277191" cy="1248156"/>
-          </a:xfrm>
-          <a:prstGeom prst="straightConnector1">
-            <a:avLst/>
-          </a:prstGeom>
-          <a:ln>
-            <a:tailEnd type="triangle"/>
-          </a:ln>
-        </p:spPr>
-        <p:style>
-          <a:lnRef idx="2">
-            <a:schemeClr val="accent6"/>
-          </a:lnRef>
-          <a:fillRef idx="0">
-            <a:schemeClr val="accent6"/>
-          </a:fillRef>
-          <a:effectRef idx="1">
-            <a:schemeClr val="accent6"/>
-          </a:effectRef>
-          <a:fontRef idx="minor">
-            <a:schemeClr val="tx1"/>
-          </a:fontRef>
-        </p:style>
-      </p:cxnSp>
-      <p:sp>
-        <p:nvSpPr>
-          <p:cNvPr id="42" name="TextBox 41"/>
-          <p:cNvSpPr txBox="1"/>
-          <p:nvPr/>
-        </p:nvSpPr>
-        <p:spPr>
-          <a:xfrm>
-            <a:off x="5306416" y="4383283"/>
-            <a:ext cx="1005403" cy="338554"/>
-          </a:xfrm>
-          <a:prstGeom prst="rect">
-            <a:avLst/>
-          </a:prstGeom>
-          <a:noFill/>
-        </p:spPr>
-        <p:txBody>
-          <a:bodyPr wrap="none" rtlCol="0">
-            <a:spAutoFit/>
-          </a:bodyPr>
-          <a:lstStyle/>
-          <a:p>
-            <a:r>
-              <a:rPr lang="ko-KR" altLang="en-US" sz="1600" dirty="0" smtClean="0">
-                <a:solidFill>
-                  <a:schemeClr val="bg1"/>
-                </a:solidFill>
-              </a:rPr>
-              <a:t>게임기록</a:t>
-            </a:r>
-            <a:endParaRPr lang="ko-KR" altLang="en-US" sz="1600" dirty="0">
-              <a:solidFill>
-                <a:schemeClr val="bg1"/>
-              </a:solidFill>
-            </a:endParaRPr>
-          </a:p>
-        </p:txBody>
-      </p:sp>
-      <p:sp>
-        <p:nvSpPr>
-          <p:cNvPr id="43" name="TextBox 42"/>
-          <p:cNvSpPr txBox="1"/>
-          <p:nvPr/>
-        </p:nvSpPr>
-        <p:spPr>
-          <a:xfrm>
-            <a:off x="6414412" y="4857140"/>
-            <a:ext cx="646331" cy="369332"/>
-          </a:xfrm>
-          <a:prstGeom prst="rect">
-            <a:avLst/>
-          </a:prstGeom>
-          <a:noFill/>
-        </p:spPr>
-        <p:txBody>
-          <a:bodyPr wrap="none" rtlCol="0">
-            <a:spAutoFit/>
-          </a:bodyPr>
-          <a:lstStyle/>
-          <a:p>
-            <a:r>
-              <a:rPr lang="ko-KR" altLang="en-US" dirty="0" smtClean="0">
-                <a:solidFill>
-                  <a:schemeClr val="bg1"/>
-                </a:solidFill>
-              </a:rPr>
-              <a:t>조회</a:t>
-            </a:r>
-            <a:endParaRPr lang="ko-KR" altLang="en-US" dirty="0">
-              <a:solidFill>
-                <a:schemeClr val="bg1"/>
-              </a:solidFill>
-            </a:endParaRPr>
-          </a:p>
-        </p:txBody>
-      </p:sp>
-      <p:cxnSp>
-        <p:nvCxnSpPr>
-          <p:cNvPr id="44" name="직선 화살표 연결선 43"/>
-          <p:cNvCxnSpPr/>
-          <p:nvPr/>
-        </p:nvCxnSpPr>
-        <p:spPr>
-          <a:xfrm flipH="1" flipV="1">
-            <a:off x="5667156" y="2219235"/>
-            <a:ext cx="1016439" cy="1181970"/>
-          </a:xfrm>
-          <a:prstGeom prst="straightConnector1">
-            <a:avLst/>
-          </a:prstGeom>
-          <a:ln>
-            <a:tailEnd type="triangle"/>
-          </a:ln>
-        </p:spPr>
-        <p:style>
-          <a:lnRef idx="2">
-            <a:schemeClr val="accent6"/>
-          </a:lnRef>
-          <a:fillRef idx="0">
-            <a:schemeClr val="accent6"/>
-          </a:fillRef>
-          <a:effectRef idx="1">
-            <a:schemeClr val="accent6"/>
-          </a:effectRef>
-          <a:fontRef idx="minor">
-            <a:schemeClr val="tx1"/>
-          </a:fontRef>
-        </p:style>
-      </p:cxnSp>
-      <p:sp>
-        <p:nvSpPr>
-          <p:cNvPr id="46" name="TextBox 45"/>
-          <p:cNvSpPr txBox="1"/>
-          <p:nvPr/>
-        </p:nvSpPr>
-        <p:spPr>
-          <a:xfrm>
-            <a:off x="5113463" y="2514987"/>
-            <a:ext cx="1077539" cy="584775"/>
-          </a:xfrm>
-          <a:prstGeom prst="rect">
-            <a:avLst/>
-          </a:prstGeom>
-          <a:noFill/>
-        </p:spPr>
-        <p:txBody>
-          <a:bodyPr wrap="none" rtlCol="0">
-            <a:spAutoFit/>
-          </a:bodyPr>
-          <a:lstStyle/>
-          <a:p>
-            <a:r>
-              <a:rPr lang="ko-KR" altLang="en-US" sz="1600" dirty="0" smtClean="0">
-                <a:solidFill>
-                  <a:schemeClr val="bg1"/>
-                </a:solidFill>
-              </a:rPr>
-              <a:t>로그인</a:t>
-            </a:r>
-            <a:endParaRPr lang="en-US" altLang="ko-KR" sz="1600" dirty="0" smtClean="0">
-              <a:solidFill>
-                <a:schemeClr val="bg1"/>
-              </a:solidFill>
-            </a:endParaRPr>
-          </a:p>
-          <a:p>
-            <a:r>
-              <a:rPr lang="ko-KR" altLang="en-US" sz="1600" dirty="0" smtClean="0">
-                <a:solidFill>
-                  <a:schemeClr val="bg1"/>
-                </a:solidFill>
-              </a:rPr>
-              <a:t>정보 조회</a:t>
-            </a:r>
-            <a:endParaRPr lang="en-US" altLang="ko-KR" sz="1600" dirty="0" smtClean="0">
-              <a:solidFill>
-                <a:schemeClr val="bg1"/>
-              </a:solidFill>
-            </a:endParaRPr>
-          </a:p>
-        </p:txBody>
-      </p:sp>
-      <p:cxnSp>
-        <p:nvCxnSpPr>
-          <p:cNvPr id="47" name="직선 화살표 연결선 46"/>
-          <p:cNvCxnSpPr/>
-          <p:nvPr/>
-        </p:nvCxnSpPr>
-        <p:spPr>
-          <a:xfrm flipH="1" flipV="1">
-            <a:off x="2483303" y="3994336"/>
-            <a:ext cx="1071495" cy="1288378"/>
-          </a:xfrm>
-          <a:prstGeom prst="straightConnector1">
-            <a:avLst/>
-          </a:prstGeom>
-          <a:ln>
-            <a:tailEnd type="triangle"/>
-          </a:ln>
-        </p:spPr>
-        <p:style>
-          <a:lnRef idx="2">
-            <a:schemeClr val="accent6"/>
-          </a:lnRef>
-          <a:fillRef idx="0">
-            <a:schemeClr val="accent6"/>
-          </a:fillRef>
-          <a:effectRef idx="1">
-            <a:schemeClr val="accent6"/>
-          </a:effectRef>
-          <a:fontRef idx="minor">
-            <a:schemeClr val="tx1"/>
-          </a:fontRef>
-        </p:style>
-      </p:cxnSp>
-      <p:sp>
-        <p:nvSpPr>
-          <p:cNvPr id="52" name="TextBox 51"/>
-          <p:cNvSpPr txBox="1"/>
-          <p:nvPr/>
-        </p:nvSpPr>
-        <p:spPr>
-          <a:xfrm>
-            <a:off x="1986559" y="4721789"/>
-            <a:ext cx="877163" cy="369332"/>
-          </a:xfrm>
-          <a:prstGeom prst="rect">
-            <a:avLst/>
-          </a:prstGeom>
-          <a:noFill/>
-        </p:spPr>
-        <p:txBody>
-          <a:bodyPr wrap="none" rtlCol="0">
-            <a:spAutoFit/>
-          </a:bodyPr>
-          <a:lstStyle/>
-          <a:p>
-            <a:r>
-              <a:rPr lang="ko-KR" altLang="en-US" dirty="0" smtClean="0">
-                <a:solidFill>
-                  <a:schemeClr val="bg1"/>
-                </a:solidFill>
-              </a:rPr>
-              <a:t>플레이</a:t>
-            </a:r>
-            <a:endParaRPr lang="ko-KR" altLang="en-US" dirty="0">
-              <a:solidFill>
-                <a:schemeClr val="bg1"/>
-              </a:solidFill>
-            </a:endParaRPr>
-          </a:p>
-        </p:txBody>
-      </p:sp>
+      </p:pic>
     </p:spTree>
     <p:extLst>
       <p:ext uri="{BB962C8B-B14F-4D97-AF65-F5344CB8AC3E}">
-        <p14:creationId xmlns:p14="http://schemas.microsoft.com/office/powerpoint/2010/main" val="3465871859"/>
+        <p14:creationId xmlns:p14="http://schemas.microsoft.com/office/powerpoint/2010/main" val="4143063086"/>
       </p:ext>
     </p:extLst>
   </p:cSld>
@@ -37760,7 +39061,7 @@
 </file>
 
 <file path=ppt/slides/slide7.xml><?xml version="1.0" encoding="utf-8"?>
-<p:sld xmlns:a="http://schemas.openxmlformats.org/drawingml/2006/main" xmlns:r="http://schemas.openxmlformats.org/officeDocument/2006/relationships" xmlns:p="http://schemas.openxmlformats.org/presentationml/2006/main" showMasterSp="0">
+<p:sld xmlns:a="http://schemas.openxmlformats.org/drawingml/2006/main" xmlns:r="http://schemas.openxmlformats.org/officeDocument/2006/relationships" xmlns:p="http://schemas.openxmlformats.org/presentationml/2006/main">
   <p:cSld>
     <p:spTree>
       <p:nvGrpSpPr>
@@ -37799,7 +39100,7 @@
                 <a:latin typeface="소야논8" panose="02020603020101020101" pitchFamily="18" charset="-127"/>
                 <a:ea typeface="소야논8" panose="02020603020101020101" pitchFamily="18" charset="-127"/>
               </a:rPr>
-              <a:t>로그인 서버</a:t>
+              <a:t>만든 것</a:t>
             </a:r>
             <a:endParaRPr lang="ko-KR" altLang="en-US" dirty="0">
               <a:solidFill>
@@ -37811,309 +39112,51 @@
           </a:p>
         </p:txBody>
       </p:sp>
-      <p:sp>
-        <p:nvSpPr>
-          <p:cNvPr id="3" name="내용 개체 틀 2"/>
-          <p:cNvSpPr>
-            <a:spLocks noGrp="1"/>
-          </p:cNvSpPr>
-          <p:nvPr>
-            <p:ph idx="1"/>
-          </p:nvPr>
-        </p:nvSpPr>
-        <p:spPr/>
-        <p:txBody>
-          <a:bodyPr>
-            <a:normAutofit fontScale="92500" lnSpcReduction="10000"/>
-          </a:bodyPr>
-          <a:lstStyle/>
-          <a:p>
-            <a:pPr>
-              <a:lnSpc>
-                <a:spcPct val="150000"/>
-              </a:lnSpc>
-            </a:pPr>
-            <a:r>
-              <a:rPr lang="en-US" altLang="ko-KR" sz="2800" dirty="0">
-                <a:solidFill>
-                  <a:schemeClr val="bg1"/>
-                </a:solidFill>
-                <a:latin typeface="소야논8" panose="02020603020101020101" pitchFamily="18" charset="-127"/>
-                <a:ea typeface="소야논8" panose="02020603020101020101" pitchFamily="18" charset="-127"/>
-              </a:rPr>
-              <a:t>C#_</a:t>
-            </a:r>
-            <a:r>
-              <a:rPr lang="en-US" altLang="ko-KR" sz="2800" dirty="0" err="1">
-                <a:solidFill>
-                  <a:schemeClr val="bg1"/>
-                </a:solidFill>
-                <a:latin typeface="소야논8" panose="02020603020101020101" pitchFamily="18" charset="-127"/>
-                <a:ea typeface="소야논8" panose="02020603020101020101" pitchFamily="18" charset="-127"/>
-              </a:rPr>
-              <a:t>Asp.Net</a:t>
-            </a:r>
-            <a:r>
-              <a:rPr lang="en-US" altLang="ko-KR" sz="2800" dirty="0">
-                <a:solidFill>
-                  <a:schemeClr val="bg1"/>
-                </a:solidFill>
-                <a:latin typeface="소야논8" panose="02020603020101020101" pitchFamily="18" charset="-127"/>
-                <a:ea typeface="소야논8" panose="02020603020101020101" pitchFamily="18" charset="-127"/>
-              </a:rPr>
-              <a:t>, Http</a:t>
-            </a:r>
-            <a:r>
-              <a:rPr lang="ko-KR" altLang="en-US" sz="2800" dirty="0">
-                <a:solidFill>
-                  <a:schemeClr val="bg1"/>
-                </a:solidFill>
-                <a:latin typeface="소야논8" panose="02020603020101020101" pitchFamily="18" charset="-127"/>
-                <a:ea typeface="소야논8" panose="02020603020101020101" pitchFamily="18" charset="-127"/>
-              </a:rPr>
-              <a:t>를 이용하여 </a:t>
-            </a:r>
-            <a:r>
-              <a:rPr lang="ko-KR" altLang="en-US" sz="2800" dirty="0" smtClean="0">
-                <a:solidFill>
-                  <a:schemeClr val="bg1"/>
-                </a:solidFill>
-                <a:latin typeface="소야논8" panose="02020603020101020101" pitchFamily="18" charset="-127"/>
-                <a:ea typeface="소야논8" panose="02020603020101020101" pitchFamily="18" charset="-127"/>
-              </a:rPr>
-              <a:t>구현</a:t>
-            </a:r>
-            <a:endParaRPr lang="en-US" altLang="ko-KR" sz="2800" dirty="0" smtClean="0">
-              <a:solidFill>
-                <a:schemeClr val="bg1"/>
-              </a:solidFill>
-              <a:latin typeface="소야논8" panose="02020603020101020101" pitchFamily="18" charset="-127"/>
-              <a:ea typeface="소야논8" panose="02020603020101020101" pitchFamily="18" charset="-127"/>
-            </a:endParaRPr>
-          </a:p>
-          <a:p>
-            <a:pPr>
-              <a:lnSpc>
-                <a:spcPct val="150000"/>
-              </a:lnSpc>
-            </a:pPr>
-            <a:endParaRPr lang="en-US" altLang="ko-KR" sz="2800" dirty="0" smtClean="0">
-              <a:solidFill>
-                <a:schemeClr val="bg1"/>
-              </a:solidFill>
-              <a:latin typeface="소야논8" panose="02020603020101020101" pitchFamily="18" charset="-127"/>
-              <a:ea typeface="소야논8" panose="02020603020101020101" pitchFamily="18" charset="-127"/>
-            </a:endParaRPr>
-          </a:p>
-          <a:p>
-            <a:pPr>
-              <a:lnSpc>
-                <a:spcPct val="150000"/>
-              </a:lnSpc>
-            </a:pPr>
-            <a:r>
-              <a:rPr lang="ko-KR" altLang="en-US" sz="2800" dirty="0" smtClean="0">
-                <a:solidFill>
-                  <a:schemeClr val="bg1"/>
-                </a:solidFill>
-                <a:latin typeface="소야논8" panose="02020603020101020101" pitchFamily="18" charset="-127"/>
-                <a:ea typeface="소야논8" panose="02020603020101020101" pitchFamily="18" charset="-127"/>
-              </a:rPr>
-              <a:t>회원 가입</a:t>
-            </a:r>
-            <a:r>
-              <a:rPr lang="en-US" altLang="ko-KR" sz="2800" dirty="0">
-                <a:solidFill>
-                  <a:schemeClr val="bg1"/>
-                </a:solidFill>
-                <a:latin typeface="소야논8" panose="02020603020101020101" pitchFamily="18" charset="-127"/>
-                <a:ea typeface="소야논8" panose="02020603020101020101" pitchFamily="18" charset="-127"/>
-              </a:rPr>
-              <a:t> </a:t>
-            </a:r>
-            <a:r>
-              <a:rPr lang="en-US" altLang="ko-KR" sz="2800" dirty="0" smtClean="0">
-                <a:solidFill>
-                  <a:schemeClr val="bg1"/>
-                </a:solidFill>
-                <a:latin typeface="소야논8" panose="02020603020101020101" pitchFamily="18" charset="-127"/>
-                <a:ea typeface="소야논8" panose="02020603020101020101" pitchFamily="18" charset="-127"/>
-              </a:rPr>
-              <a:t>, </a:t>
-            </a:r>
-            <a:r>
-              <a:rPr lang="ko-KR" altLang="en-US" sz="2800" dirty="0" smtClean="0">
-                <a:solidFill>
-                  <a:schemeClr val="bg1"/>
-                </a:solidFill>
-                <a:latin typeface="소야논8" panose="02020603020101020101" pitchFamily="18" charset="-127"/>
-                <a:ea typeface="소야논8" panose="02020603020101020101" pitchFamily="18" charset="-127"/>
-              </a:rPr>
-              <a:t>로그인</a:t>
-            </a:r>
-            <a:endParaRPr lang="en-US" altLang="ko-KR" sz="2800" dirty="0" smtClean="0">
-              <a:solidFill>
-                <a:schemeClr val="bg1"/>
-              </a:solidFill>
-              <a:latin typeface="소야논8" panose="02020603020101020101" pitchFamily="18" charset="-127"/>
-              <a:ea typeface="소야논8" panose="02020603020101020101" pitchFamily="18" charset="-127"/>
-            </a:endParaRPr>
-          </a:p>
-          <a:p>
-            <a:pPr>
-              <a:lnSpc>
-                <a:spcPct val="150000"/>
-              </a:lnSpc>
-            </a:pPr>
-            <a:endParaRPr lang="en-US" altLang="ko-KR" sz="2800" dirty="0" smtClean="0">
-              <a:solidFill>
-                <a:schemeClr val="bg1"/>
-              </a:solidFill>
-              <a:latin typeface="소야논8" panose="02020603020101020101" pitchFamily="18" charset="-127"/>
-              <a:ea typeface="소야논8" panose="02020603020101020101" pitchFamily="18" charset="-127"/>
-            </a:endParaRPr>
-          </a:p>
-          <a:p>
-            <a:pPr>
-              <a:lnSpc>
-                <a:spcPct val="150000"/>
-              </a:lnSpc>
-            </a:pPr>
-            <a:r>
-              <a:rPr lang="ko-KR" altLang="en-US" sz="2800" dirty="0" smtClean="0">
-                <a:solidFill>
-                  <a:schemeClr val="bg1"/>
-                </a:solidFill>
-                <a:latin typeface="소야논8" panose="02020603020101020101" pitchFamily="18" charset="-127"/>
-                <a:ea typeface="소야논8" panose="02020603020101020101" pitchFamily="18" charset="-127"/>
-              </a:rPr>
-              <a:t>현재 </a:t>
-            </a:r>
-            <a:r>
-              <a:rPr lang="ko-KR" altLang="en-US" sz="2800" dirty="0">
-                <a:solidFill>
-                  <a:schemeClr val="bg1"/>
-                </a:solidFill>
-                <a:latin typeface="소야논8" panose="02020603020101020101" pitchFamily="18" charset="-127"/>
-                <a:ea typeface="소야논8" panose="02020603020101020101" pitchFamily="18" charset="-127"/>
-              </a:rPr>
-              <a:t>게임에 접속중인 </a:t>
-            </a:r>
-            <a:r>
-              <a:rPr lang="ko-KR" altLang="en-US" sz="2800" dirty="0" smtClean="0">
-                <a:solidFill>
-                  <a:schemeClr val="bg1"/>
-                </a:solidFill>
-                <a:latin typeface="소야논8" panose="02020603020101020101" pitchFamily="18" charset="-127"/>
-                <a:ea typeface="소야논8" panose="02020603020101020101" pitchFamily="18" charset="-127"/>
-              </a:rPr>
-              <a:t>유저 </a:t>
-            </a:r>
-            <a:r>
-              <a:rPr lang="en-US" altLang="ko-KR" sz="2800" dirty="0" smtClean="0">
-                <a:solidFill>
-                  <a:schemeClr val="bg1"/>
-                </a:solidFill>
-                <a:latin typeface="소야논8" panose="02020603020101020101" pitchFamily="18" charset="-127"/>
-                <a:ea typeface="소야논8" panose="02020603020101020101" pitchFamily="18" charset="-127"/>
-              </a:rPr>
-              <a:t>(</a:t>
-            </a:r>
-            <a:r>
-              <a:rPr lang="ko-KR" altLang="en-US" sz="2800" dirty="0" smtClean="0">
-                <a:solidFill>
-                  <a:schemeClr val="bg1"/>
-                </a:solidFill>
-                <a:latin typeface="소야논8" panose="02020603020101020101" pitchFamily="18" charset="-127"/>
-                <a:ea typeface="소야논8" panose="02020603020101020101" pitchFamily="18" charset="-127"/>
-              </a:rPr>
-              <a:t>중복 로그인 방지</a:t>
-            </a:r>
-            <a:r>
-              <a:rPr lang="en-US" altLang="ko-KR" sz="2800" dirty="0" smtClean="0">
-                <a:solidFill>
-                  <a:schemeClr val="bg1"/>
-                </a:solidFill>
-                <a:latin typeface="소야논8" panose="02020603020101020101" pitchFamily="18" charset="-127"/>
-                <a:ea typeface="소야논8" panose="02020603020101020101" pitchFamily="18" charset="-127"/>
-              </a:rPr>
-              <a:t>)</a:t>
-            </a:r>
-            <a:endParaRPr lang="en-US" altLang="ko-KR" sz="2800" dirty="0">
-              <a:solidFill>
-                <a:schemeClr val="bg1"/>
-              </a:solidFill>
-              <a:latin typeface="소야논8" panose="02020603020101020101" pitchFamily="18" charset="-127"/>
-              <a:ea typeface="소야논8" panose="02020603020101020101" pitchFamily="18" charset="-127"/>
-            </a:endParaRPr>
-          </a:p>
-          <a:p>
-            <a:pPr>
-              <a:lnSpc>
-                <a:spcPct val="150000"/>
-              </a:lnSpc>
-            </a:pPr>
-            <a:endParaRPr lang="en-US" altLang="ko-KR" sz="2800" dirty="0" smtClean="0">
-              <a:solidFill>
-                <a:schemeClr val="bg1"/>
-              </a:solidFill>
-              <a:latin typeface="소야논8" panose="02020603020101020101" pitchFamily="18" charset="-127"/>
-              <a:ea typeface="소야논8" panose="02020603020101020101" pitchFamily="18" charset="-127"/>
-            </a:endParaRPr>
-          </a:p>
-          <a:p>
-            <a:pPr>
-              <a:lnSpc>
-                <a:spcPct val="150000"/>
-              </a:lnSpc>
-            </a:pPr>
-            <a:r>
-              <a:rPr lang="ko-KR" altLang="en-US" sz="2800" dirty="0" smtClean="0">
-                <a:solidFill>
-                  <a:schemeClr val="bg1"/>
-                </a:solidFill>
-                <a:latin typeface="소야논8" panose="02020603020101020101" pitchFamily="18" charset="-127"/>
-                <a:ea typeface="소야논8" panose="02020603020101020101" pitchFamily="18" charset="-127"/>
-              </a:rPr>
-              <a:t>현재 가동중인 서버 리스트를 관리 </a:t>
-            </a:r>
-            <a:r>
-              <a:rPr lang="en-US" altLang="ko-KR" sz="2800" dirty="0" smtClean="0">
-                <a:solidFill>
-                  <a:schemeClr val="bg1"/>
-                </a:solidFill>
-                <a:latin typeface="소야논8" panose="02020603020101020101" pitchFamily="18" charset="-127"/>
-                <a:ea typeface="소야논8" panose="02020603020101020101" pitchFamily="18" charset="-127"/>
-              </a:rPr>
-              <a:t>(IP</a:t>
-            </a:r>
-            <a:r>
-              <a:rPr lang="ko-KR" altLang="en-US" sz="2800" dirty="0" smtClean="0">
-                <a:solidFill>
-                  <a:schemeClr val="bg1"/>
-                </a:solidFill>
-                <a:latin typeface="소야논8" panose="02020603020101020101" pitchFamily="18" charset="-127"/>
-                <a:ea typeface="소야논8" panose="02020603020101020101" pitchFamily="18" charset="-127"/>
-              </a:rPr>
-              <a:t>주소 포함</a:t>
-            </a:r>
-            <a:r>
-              <a:rPr lang="en-US" altLang="ko-KR" sz="2800" dirty="0" smtClean="0">
-                <a:solidFill>
-                  <a:schemeClr val="bg1"/>
-                </a:solidFill>
-                <a:latin typeface="소야논8" panose="02020603020101020101" pitchFamily="18" charset="-127"/>
-                <a:ea typeface="소야논8" panose="02020603020101020101" pitchFamily="18" charset="-127"/>
-              </a:rPr>
-              <a:t>)</a:t>
-            </a:r>
-          </a:p>
-        </p:txBody>
-      </p:sp>
+      <p:pic>
+        <p:nvPicPr>
+          <p:cNvPr id="5122" name="Picture 2" descr="D:\DATA\Work\2016 넥스트\WTL 발표\이미지 237.png"/>
+          <p:cNvPicPr>
+            <a:picLocks noChangeAspect="1" noChangeArrowheads="1"/>
+          </p:cNvPicPr>
+          <p:nvPr/>
+        </p:nvPicPr>
+        <p:blipFill>
+          <a:blip r:embed="rId2">
+            <a:extLst>
+              <a:ext uri="{28A0092B-C50C-407E-A947-70E740481C1C}">
+                <a14:useLocalDpi xmlns:a14="http://schemas.microsoft.com/office/drawing/2010/main" val="0"/>
+              </a:ext>
+            </a:extLst>
+          </a:blip>
+          <a:srcRect/>
+          <a:stretch>
+            <a:fillRect/>
+          </a:stretch>
+        </p:blipFill>
+        <p:spPr bwMode="auto">
+          <a:xfrm>
+            <a:off x="1331756" y="2060848"/>
+            <a:ext cx="6480488" cy="3776072"/>
+          </a:xfrm>
+          <a:prstGeom prst="rect">
+            <a:avLst/>
+          </a:prstGeom>
+          <a:noFill/>
+          <a:extLst>
+            <a:ext uri="{909E8E84-426E-40DD-AFC4-6F175D3DCCD1}">
+              <a14:hiddenFill xmlns:a14="http://schemas.microsoft.com/office/drawing/2010/main">
+                <a:solidFill>
+                  <a:srgbClr val="FFFFFF"/>
+                </a:solidFill>
+              </a14:hiddenFill>
+            </a:ext>
+          </a:extLst>
+        </p:spPr>
+      </p:pic>
     </p:spTree>
     <p:extLst>
       <p:ext uri="{BB962C8B-B14F-4D97-AF65-F5344CB8AC3E}">
-        <p14:creationId xmlns:p14="http://schemas.microsoft.com/office/powerpoint/2010/main" val="1444924957"/>
+        <p14:creationId xmlns:p14="http://schemas.microsoft.com/office/powerpoint/2010/main" val="737129517"/>
       </p:ext>
     </p:extLst>
   </p:cSld>
@@ -38131,7 +39174,7 @@
 </file>
 
 <file path=ppt/slides/slide8.xml><?xml version="1.0" encoding="utf-8"?>
-<p:sld xmlns:a="http://schemas.openxmlformats.org/drawingml/2006/main" xmlns:r="http://schemas.openxmlformats.org/officeDocument/2006/relationships" xmlns:p="http://schemas.openxmlformats.org/presentationml/2006/main" showMasterSp="0">
+<p:sld xmlns:a="http://schemas.openxmlformats.org/drawingml/2006/main" xmlns:r="http://schemas.openxmlformats.org/officeDocument/2006/relationships" xmlns:p="http://schemas.openxmlformats.org/presentationml/2006/main">
   <p:cSld>
     <p:spTree>
       <p:nvGrpSpPr>
@@ -38170,7 +39213,7 @@
                 <a:latin typeface="소야논8" panose="02020603020101020101" pitchFamily="18" charset="-127"/>
                 <a:ea typeface="소야논8" panose="02020603020101020101" pitchFamily="18" charset="-127"/>
               </a:rPr>
-              <a:t>채널 서버</a:t>
+              <a:t>만든 것</a:t>
             </a:r>
             <a:endParaRPr lang="ko-KR" altLang="en-US" dirty="0">
               <a:solidFill>
@@ -38182,201 +39225,51 @@
           </a:p>
         </p:txBody>
       </p:sp>
-      <p:sp>
-        <p:nvSpPr>
-          <p:cNvPr id="3" name="내용 개체 틀 2"/>
-          <p:cNvSpPr>
-            <a:spLocks noGrp="1"/>
-          </p:cNvSpPr>
-          <p:nvPr>
-            <p:ph idx="1"/>
-          </p:nvPr>
-        </p:nvSpPr>
-        <p:spPr/>
-        <p:txBody>
-          <a:bodyPr>
-            <a:normAutofit/>
-          </a:bodyPr>
-          <a:lstStyle/>
-          <a:p>
-            <a:pPr>
-              <a:lnSpc>
-                <a:spcPct val="150000"/>
-              </a:lnSpc>
-            </a:pPr>
-            <a:r>
-              <a:rPr lang="en-US" altLang="ko-KR" sz="2800" dirty="0">
-                <a:solidFill>
-                  <a:schemeClr val="bg1"/>
-                </a:solidFill>
-                <a:latin typeface="소야논8" panose="02020603020101020101" pitchFamily="18" charset="-127"/>
-                <a:ea typeface="소야논8" panose="02020603020101020101" pitchFamily="18" charset="-127"/>
-              </a:rPr>
-              <a:t>C++, </a:t>
-            </a:r>
-            <a:r>
-              <a:rPr lang="en-US" altLang="ko-KR" sz="2800" dirty="0" err="1">
-                <a:solidFill>
-                  <a:schemeClr val="bg1"/>
-                </a:solidFill>
-                <a:latin typeface="소야논8" panose="02020603020101020101" pitchFamily="18" charset="-127"/>
-                <a:ea typeface="소야논8" panose="02020603020101020101" pitchFamily="18" charset="-127"/>
-              </a:rPr>
-              <a:t>winsock</a:t>
-            </a:r>
-            <a:r>
-              <a:rPr lang="en-US" altLang="ko-KR" sz="2800" dirty="0">
-                <a:solidFill>
-                  <a:schemeClr val="bg1"/>
-                </a:solidFill>
-                <a:latin typeface="소야논8" panose="02020603020101020101" pitchFamily="18" charset="-127"/>
-                <a:ea typeface="소야논8" panose="02020603020101020101" pitchFamily="18" charset="-127"/>
-              </a:rPr>
-              <a:t>, IOCP</a:t>
-            </a:r>
-            <a:r>
-              <a:rPr lang="ko-KR" altLang="en-US" sz="2800" dirty="0">
-                <a:solidFill>
-                  <a:schemeClr val="bg1"/>
-                </a:solidFill>
-                <a:latin typeface="소야논8" panose="02020603020101020101" pitchFamily="18" charset="-127"/>
-                <a:ea typeface="소야논8" panose="02020603020101020101" pitchFamily="18" charset="-127"/>
-              </a:rPr>
-              <a:t>를 이용하여 구현</a:t>
-            </a:r>
-          </a:p>
-          <a:p>
-            <a:pPr>
-              <a:lnSpc>
-                <a:spcPct val="150000"/>
-              </a:lnSpc>
-            </a:pPr>
-            <a:endParaRPr lang="en-US" altLang="ko-KR" sz="2800" dirty="0" smtClean="0">
-              <a:solidFill>
-                <a:schemeClr val="bg1"/>
-              </a:solidFill>
-              <a:latin typeface="소야논8" panose="02020603020101020101" pitchFamily="18" charset="-127"/>
-              <a:ea typeface="소야논8" panose="02020603020101020101" pitchFamily="18" charset="-127"/>
-            </a:endParaRPr>
-          </a:p>
-          <a:p>
-            <a:pPr>
-              <a:lnSpc>
-                <a:spcPct val="150000"/>
-              </a:lnSpc>
-            </a:pPr>
-            <a:r>
-              <a:rPr lang="ko-KR" altLang="en-US" sz="2800" dirty="0" smtClean="0">
-                <a:solidFill>
-                  <a:schemeClr val="bg1"/>
-                </a:solidFill>
-                <a:latin typeface="소야논8" panose="02020603020101020101" pitchFamily="18" charset="-127"/>
-                <a:ea typeface="소야논8" panose="02020603020101020101" pitchFamily="18" charset="-127"/>
-              </a:rPr>
-              <a:t>방 </a:t>
-            </a:r>
-            <a:r>
-              <a:rPr lang="en-US" altLang="ko-KR" sz="2800" dirty="0" smtClean="0">
-                <a:solidFill>
-                  <a:schemeClr val="bg1"/>
-                </a:solidFill>
-                <a:latin typeface="소야논8" panose="02020603020101020101" pitchFamily="18" charset="-127"/>
-                <a:ea typeface="소야논8" panose="02020603020101020101" pitchFamily="18" charset="-127"/>
-              </a:rPr>
-              <a:t>+ </a:t>
-            </a:r>
-            <a:r>
-              <a:rPr lang="ko-KR" altLang="en-US" sz="2800" dirty="0" smtClean="0">
-                <a:solidFill>
-                  <a:schemeClr val="bg1"/>
-                </a:solidFill>
-                <a:latin typeface="소야논8" panose="02020603020101020101" pitchFamily="18" charset="-127"/>
-                <a:ea typeface="소야논8" panose="02020603020101020101" pitchFamily="18" charset="-127"/>
-              </a:rPr>
-              <a:t>게임 진행</a:t>
-            </a:r>
-            <a:endParaRPr lang="en-US" altLang="ko-KR" sz="2800" dirty="0" smtClean="0">
-              <a:solidFill>
-                <a:schemeClr val="bg1"/>
-              </a:solidFill>
-              <a:latin typeface="소야논8" panose="02020603020101020101" pitchFamily="18" charset="-127"/>
-              <a:ea typeface="소야논8" panose="02020603020101020101" pitchFamily="18" charset="-127"/>
-            </a:endParaRPr>
-          </a:p>
-          <a:p>
-            <a:pPr>
-              <a:lnSpc>
-                <a:spcPct val="150000"/>
-              </a:lnSpc>
-            </a:pPr>
-            <a:endParaRPr lang="en-US" altLang="ko-KR" sz="2800" dirty="0" smtClean="0">
-              <a:solidFill>
-                <a:schemeClr val="bg1"/>
-              </a:solidFill>
-              <a:latin typeface="소야논8" panose="02020603020101020101" pitchFamily="18" charset="-127"/>
-              <a:ea typeface="소야논8" panose="02020603020101020101" pitchFamily="18" charset="-127"/>
-            </a:endParaRPr>
-          </a:p>
-          <a:p>
-            <a:pPr>
-              <a:lnSpc>
-                <a:spcPct val="150000"/>
-              </a:lnSpc>
-            </a:pPr>
-            <a:r>
-              <a:rPr lang="ko-KR" altLang="en-US" sz="2800" dirty="0" smtClean="0">
-                <a:solidFill>
-                  <a:schemeClr val="bg1"/>
-                </a:solidFill>
-                <a:latin typeface="소야논8" panose="02020603020101020101" pitchFamily="18" charset="-127"/>
-                <a:ea typeface="소야논8" panose="02020603020101020101" pitchFamily="18" charset="-127"/>
-              </a:rPr>
-              <a:t>비어있는 방에 바로 집어넣음</a:t>
-            </a:r>
-            <a:r>
-              <a:rPr lang="en-US" altLang="ko-KR" sz="2800" dirty="0" smtClean="0">
-                <a:solidFill>
-                  <a:schemeClr val="bg1"/>
-                </a:solidFill>
-                <a:latin typeface="소야논8" panose="02020603020101020101" pitchFamily="18" charset="-127"/>
-                <a:ea typeface="소야논8" panose="02020603020101020101" pitchFamily="18" charset="-127"/>
-              </a:rPr>
-              <a:t>.</a:t>
-            </a:r>
-          </a:p>
-          <a:p>
-            <a:pPr lvl="1">
-              <a:lnSpc>
-                <a:spcPct val="150000"/>
-              </a:lnSpc>
-            </a:pPr>
-            <a:r>
-              <a:rPr lang="ko-KR" altLang="en-US" sz="2400" dirty="0" smtClean="0">
-                <a:solidFill>
-                  <a:schemeClr val="bg1"/>
-                </a:solidFill>
-                <a:latin typeface="소야논8" panose="02020603020101020101" pitchFamily="18" charset="-127"/>
-                <a:ea typeface="소야논8" panose="02020603020101020101" pitchFamily="18" charset="-127"/>
-              </a:rPr>
-              <a:t>로비 등등 없음</a:t>
-            </a:r>
-            <a:r>
-              <a:rPr lang="en-US" altLang="ko-KR" sz="2400" dirty="0" smtClean="0">
-                <a:solidFill>
-                  <a:schemeClr val="bg1"/>
-                </a:solidFill>
-                <a:latin typeface="소야논8" panose="02020603020101020101" pitchFamily="18" charset="-127"/>
-                <a:ea typeface="소야논8" panose="02020603020101020101" pitchFamily="18" charset="-127"/>
-              </a:rPr>
-              <a:t>.</a:t>
-            </a:r>
-          </a:p>
-        </p:txBody>
-      </p:sp>
+      <p:pic>
+        <p:nvPicPr>
+          <p:cNvPr id="6146" name="Picture 2" descr="D:\DATA\Work\2016 넥스트\WTL 발표\이미지 239.png"/>
+          <p:cNvPicPr>
+            <a:picLocks noChangeAspect="1" noChangeArrowheads="1"/>
+          </p:cNvPicPr>
+          <p:nvPr/>
+        </p:nvPicPr>
+        <p:blipFill>
+          <a:blip r:embed="rId2">
+            <a:extLst>
+              <a:ext uri="{28A0092B-C50C-407E-A947-70E740481C1C}">
+                <a14:useLocalDpi xmlns:a14="http://schemas.microsoft.com/office/drawing/2010/main" val="0"/>
+              </a:ext>
+            </a:extLst>
+          </a:blip>
+          <a:srcRect/>
+          <a:stretch>
+            <a:fillRect/>
+          </a:stretch>
+        </p:blipFill>
+        <p:spPr bwMode="auto">
+          <a:xfrm>
+            <a:off x="28952" y="1340768"/>
+            <a:ext cx="7151156" cy="4166860"/>
+          </a:xfrm>
+          <a:prstGeom prst="rect">
+            <a:avLst/>
+          </a:prstGeom>
+          <a:noFill/>
+          <a:extLst>
+            <a:ext uri="{909E8E84-426E-40DD-AFC4-6F175D3DCCD1}">
+              <a14:hiddenFill xmlns:a14="http://schemas.microsoft.com/office/drawing/2010/main">
+                <a:solidFill>
+                  <a:srgbClr val="FFFFFF"/>
+                </a:solidFill>
+              </a14:hiddenFill>
+            </a:ext>
+          </a:extLst>
+        </p:spPr>
+      </p:pic>
     </p:spTree>
     <p:extLst>
       <p:ext uri="{BB962C8B-B14F-4D97-AF65-F5344CB8AC3E}">
-        <p14:creationId xmlns:p14="http://schemas.microsoft.com/office/powerpoint/2010/main" val="3566497920"/>
+        <p14:creationId xmlns:p14="http://schemas.microsoft.com/office/powerpoint/2010/main" val="3493511854"/>
       </p:ext>
     </p:extLst>
   </p:cSld>
@@ -38394,7 +39287,7 @@
 </file>
 
 <file path=ppt/slides/slide9.xml><?xml version="1.0" encoding="utf-8"?>
-<p:sld xmlns:a="http://schemas.openxmlformats.org/drawingml/2006/main" xmlns:r="http://schemas.openxmlformats.org/officeDocument/2006/relationships" xmlns:p="http://schemas.openxmlformats.org/presentationml/2006/main" showMasterSp="0">
+<p:sld xmlns:a="http://schemas.openxmlformats.org/drawingml/2006/main" xmlns:r="http://schemas.openxmlformats.org/officeDocument/2006/relationships" xmlns:p="http://schemas.openxmlformats.org/presentationml/2006/main">
   <p:cSld>
     <p:spTree>
       <p:nvGrpSpPr>
@@ -38433,7 +39326,7 @@
                 <a:latin typeface="소야논8" panose="02020603020101020101" pitchFamily="18" charset="-127"/>
                 <a:ea typeface="소야논8" panose="02020603020101020101" pitchFamily="18" charset="-127"/>
               </a:rPr>
-              <a:t>클라이언트</a:t>
+              <a:t>만든 것</a:t>
             </a:r>
             <a:endParaRPr lang="ko-KR" altLang="en-US" dirty="0">
               <a:solidFill>
@@ -38445,161 +39338,51 @@
           </a:p>
         </p:txBody>
       </p:sp>
-      <p:sp>
-        <p:nvSpPr>
-          <p:cNvPr id="3" name="내용 개체 틀 2"/>
-          <p:cNvSpPr>
-            <a:spLocks noGrp="1"/>
-          </p:cNvSpPr>
-          <p:nvPr>
-            <p:ph idx="1"/>
-          </p:nvPr>
-        </p:nvSpPr>
-        <p:spPr/>
-        <p:txBody>
-          <a:bodyPr>
-            <a:normAutofit/>
-          </a:bodyPr>
-          <a:lstStyle/>
-          <a:p>
-            <a:pPr>
-              <a:lnSpc>
-                <a:spcPct val="150000"/>
-              </a:lnSpc>
-            </a:pPr>
-            <a:r>
-              <a:rPr lang="en-US" altLang="ko-KR" sz="2800" dirty="0">
-                <a:solidFill>
-                  <a:schemeClr val="bg1"/>
-                </a:solidFill>
-                <a:latin typeface="소야논8" panose="02020603020101020101" pitchFamily="18" charset="-127"/>
-                <a:ea typeface="소야논8" panose="02020603020101020101" pitchFamily="18" charset="-127"/>
-              </a:rPr>
-              <a:t>C++, Cocos2d-x, </a:t>
-            </a:r>
-            <a:r>
-              <a:rPr lang="en-US" altLang="ko-KR" sz="2800" dirty="0" err="1" smtClean="0">
-                <a:solidFill>
-                  <a:schemeClr val="bg1"/>
-                </a:solidFill>
-                <a:latin typeface="소야논8" panose="02020603020101020101" pitchFamily="18" charset="-127"/>
-                <a:ea typeface="소야논8" panose="02020603020101020101" pitchFamily="18" charset="-127"/>
-              </a:rPr>
-              <a:t>winsock</a:t>
-            </a:r>
-            <a:endParaRPr lang="en-US" altLang="ko-KR" sz="2800" dirty="0" smtClean="0">
-              <a:solidFill>
-                <a:schemeClr val="bg1"/>
-              </a:solidFill>
-              <a:latin typeface="소야논8" panose="02020603020101020101" pitchFamily="18" charset="-127"/>
-              <a:ea typeface="소야논8" panose="02020603020101020101" pitchFamily="18" charset="-127"/>
-            </a:endParaRPr>
-          </a:p>
-          <a:p>
-            <a:pPr>
-              <a:lnSpc>
-                <a:spcPct val="150000"/>
-              </a:lnSpc>
-            </a:pPr>
-            <a:endParaRPr lang="en-US" altLang="ko-KR" sz="2800" dirty="0">
-              <a:solidFill>
-                <a:schemeClr val="bg1"/>
-              </a:solidFill>
-              <a:latin typeface="소야논8" panose="02020603020101020101" pitchFamily="18" charset="-127"/>
-              <a:ea typeface="소야논8" panose="02020603020101020101" pitchFamily="18" charset="-127"/>
-            </a:endParaRPr>
-          </a:p>
-          <a:p>
-            <a:pPr>
-              <a:lnSpc>
-                <a:spcPct val="150000"/>
-              </a:lnSpc>
-            </a:pPr>
-            <a:r>
-              <a:rPr lang="ko-KR" altLang="en-US" sz="2800" dirty="0" smtClean="0">
-                <a:solidFill>
-                  <a:schemeClr val="bg1"/>
-                </a:solidFill>
-                <a:latin typeface="소야논8" panose="02020603020101020101" pitchFamily="18" charset="-127"/>
-                <a:ea typeface="소야논8" panose="02020603020101020101" pitchFamily="18" charset="-127"/>
-              </a:rPr>
-              <a:t>로그인 서버와 </a:t>
-            </a:r>
-            <a:r>
-              <a:rPr lang="en-US" altLang="ko-KR" sz="2800" dirty="0" smtClean="0">
-                <a:solidFill>
-                  <a:schemeClr val="bg1"/>
-                </a:solidFill>
-                <a:latin typeface="소야논8" panose="02020603020101020101" pitchFamily="18" charset="-127"/>
-                <a:ea typeface="소야논8" panose="02020603020101020101" pitchFamily="18" charset="-127"/>
-              </a:rPr>
-              <a:t>http</a:t>
-            </a:r>
-            <a:r>
-              <a:rPr lang="ko-KR" altLang="en-US" sz="2800" dirty="0" smtClean="0">
-                <a:solidFill>
-                  <a:schemeClr val="bg1"/>
-                </a:solidFill>
-                <a:latin typeface="소야논8" panose="02020603020101020101" pitchFamily="18" charset="-127"/>
-                <a:ea typeface="소야논8" panose="02020603020101020101" pitchFamily="18" charset="-127"/>
-              </a:rPr>
-              <a:t>로 통신 </a:t>
-            </a:r>
-            <a:r>
-              <a:rPr lang="en-US" altLang="ko-KR" sz="2800" dirty="0" smtClean="0">
-                <a:solidFill>
-                  <a:schemeClr val="bg1"/>
-                </a:solidFill>
-                <a:latin typeface="소야논8" panose="02020603020101020101" pitchFamily="18" charset="-127"/>
-                <a:ea typeface="소야논8" panose="02020603020101020101" pitchFamily="18" charset="-127"/>
-              </a:rPr>
-              <a:t>(Cocos2d-x)</a:t>
-            </a:r>
-          </a:p>
-          <a:p>
-            <a:pPr>
-              <a:lnSpc>
-                <a:spcPct val="150000"/>
-              </a:lnSpc>
-            </a:pPr>
-            <a:endParaRPr lang="en-US" altLang="ko-KR" sz="2800" dirty="0" smtClean="0">
-              <a:solidFill>
-                <a:schemeClr val="bg1"/>
-              </a:solidFill>
-              <a:latin typeface="소야논8" panose="02020603020101020101" pitchFamily="18" charset="-127"/>
-              <a:ea typeface="소야논8" panose="02020603020101020101" pitchFamily="18" charset="-127"/>
-            </a:endParaRPr>
-          </a:p>
-          <a:p>
-            <a:pPr>
-              <a:lnSpc>
-                <a:spcPct val="150000"/>
-              </a:lnSpc>
-            </a:pPr>
-            <a:r>
-              <a:rPr lang="ko-KR" altLang="en-US" sz="2800" dirty="0" smtClean="0">
-                <a:solidFill>
-                  <a:schemeClr val="bg1"/>
-                </a:solidFill>
-                <a:latin typeface="소야논8" panose="02020603020101020101" pitchFamily="18" charset="-127"/>
-                <a:ea typeface="소야논8" panose="02020603020101020101" pitchFamily="18" charset="-127"/>
-              </a:rPr>
-              <a:t>로그인 서버에게 받은 채널 목록에서 채널선택</a:t>
-            </a:r>
-            <a:endParaRPr lang="ko-KR" altLang="en-US" sz="2800" dirty="0">
-              <a:solidFill>
-                <a:schemeClr val="bg1"/>
-              </a:solidFill>
-              <a:latin typeface="소야논8" panose="02020603020101020101" pitchFamily="18" charset="-127"/>
-              <a:ea typeface="소야논8" panose="02020603020101020101" pitchFamily="18" charset="-127"/>
-            </a:endParaRPr>
-          </a:p>
-        </p:txBody>
-      </p:sp>
+      <p:pic>
+        <p:nvPicPr>
+          <p:cNvPr id="7170" name="Picture 2" descr="D:\DATA\Work\2016 넥스트\WTL 발표\이미지 241.png"/>
+          <p:cNvPicPr>
+            <a:picLocks noChangeAspect="1" noChangeArrowheads="1"/>
+          </p:cNvPicPr>
+          <p:nvPr/>
+        </p:nvPicPr>
+        <p:blipFill>
+          <a:blip r:embed="rId2">
+            <a:extLst>
+              <a:ext uri="{28A0092B-C50C-407E-A947-70E740481C1C}">
+                <a14:useLocalDpi xmlns:a14="http://schemas.microsoft.com/office/drawing/2010/main" val="0"/>
+              </a:ext>
+            </a:extLst>
+          </a:blip>
+          <a:srcRect/>
+          <a:stretch>
+            <a:fillRect/>
+          </a:stretch>
+        </p:blipFill>
+        <p:spPr bwMode="auto">
+          <a:xfrm>
+            <a:off x="1412613" y="2204864"/>
+            <a:ext cx="7551875" cy="4393498"/>
+          </a:xfrm>
+          <a:prstGeom prst="rect">
+            <a:avLst/>
+          </a:prstGeom>
+          <a:noFill/>
+          <a:extLst>
+            <a:ext uri="{909E8E84-426E-40DD-AFC4-6F175D3DCCD1}">
+              <a14:hiddenFill xmlns:a14="http://schemas.microsoft.com/office/drawing/2010/main">
+                <a:solidFill>
+                  <a:srgbClr val="FFFFFF"/>
+                </a:solidFill>
+              </a14:hiddenFill>
+            </a:ext>
+          </a:extLst>
+        </p:spPr>
+      </p:pic>
     </p:spTree>
     <p:extLst>
       <p:ext uri="{BB962C8B-B14F-4D97-AF65-F5344CB8AC3E}">
-        <p14:creationId xmlns:p14="http://schemas.microsoft.com/office/powerpoint/2010/main" val="2237886472"/>
+        <p14:creationId xmlns:p14="http://schemas.microsoft.com/office/powerpoint/2010/main" val="3493511854"/>
       </p:ext>
     </p:extLst>
   </p:cSld>

--- a/서버프로젝트.pptx
+++ b/서버프로젝트.pptx
@@ -20,41 +20,38 @@
     <p:sldId id="291" r:id="rId14"/>
     <p:sldId id="292" r:id="rId15"/>
     <p:sldId id="289" r:id="rId16"/>
-    <p:sldId id="293" r:id="rId17"/>
-    <p:sldId id="294" r:id="rId18"/>
-    <p:sldId id="269" r:id="rId19"/>
-    <p:sldId id="259" r:id="rId20"/>
-    <p:sldId id="280" r:id="rId21"/>
-    <p:sldId id="257" r:id="rId22"/>
-    <p:sldId id="260" r:id="rId23"/>
-    <p:sldId id="261" r:id="rId24"/>
-    <p:sldId id="262" r:id="rId25"/>
-    <p:sldId id="263" r:id="rId26"/>
-    <p:sldId id="282" r:id="rId27"/>
-    <p:sldId id="265" r:id="rId28"/>
-    <p:sldId id="264" r:id="rId29"/>
-    <p:sldId id="283" r:id="rId30"/>
-    <p:sldId id="266" r:id="rId31"/>
-    <p:sldId id="284" r:id="rId32"/>
-    <p:sldId id="285" r:id="rId33"/>
-    <p:sldId id="286" r:id="rId34"/>
-    <p:sldId id="287" r:id="rId35"/>
-    <p:sldId id="267" r:id="rId36"/>
-    <p:sldId id="288" r:id="rId37"/>
-    <p:sldId id="268" r:id="rId38"/>
-    <p:sldId id="274" r:id="rId39"/>
-    <p:sldId id="271" r:id="rId40"/>
-    <p:sldId id="275" r:id="rId41"/>
-    <p:sldId id="278" r:id="rId42"/>
+    <p:sldId id="296" r:id="rId17"/>
+    <p:sldId id="293" r:id="rId18"/>
+    <p:sldId id="294" r:id="rId19"/>
+    <p:sldId id="269" r:id="rId20"/>
+    <p:sldId id="259" r:id="rId21"/>
+    <p:sldId id="280" r:id="rId22"/>
+    <p:sldId id="257" r:id="rId23"/>
+    <p:sldId id="260" r:id="rId24"/>
+    <p:sldId id="261" r:id="rId25"/>
+    <p:sldId id="262" r:id="rId26"/>
+    <p:sldId id="263" r:id="rId27"/>
+    <p:sldId id="282" r:id="rId28"/>
+    <p:sldId id="265" r:id="rId29"/>
+    <p:sldId id="264" r:id="rId30"/>
+    <p:sldId id="283" r:id="rId31"/>
+    <p:sldId id="266" r:id="rId32"/>
+    <p:sldId id="284" r:id="rId33"/>
+    <p:sldId id="285" r:id="rId34"/>
+    <p:sldId id="286" r:id="rId35"/>
+    <p:sldId id="287" r:id="rId36"/>
+    <p:sldId id="267" r:id="rId37"/>
+    <p:sldId id="288" r:id="rId38"/>
+    <p:sldId id="268" r:id="rId39"/>
+    <p:sldId id="274" r:id="rId40"/>
+    <p:sldId id="271" r:id="rId41"/>
+    <p:sldId id="297" r:id="rId42"/>
+    <p:sldId id="275" r:id="rId43"/>
+    <p:sldId id="278" r:id="rId44"/>
   </p:sldIdLst>
   <p:sldSz cx="9144000" cy="6858000" type="screen4x3"/>
   <p:notesSz cx="6858000" cy="9144000"/>
   <p:embeddedFontLst>
-    <p:embeddedFont>
-      <p:font typeface="나눔고딕" panose="020D0604000000000000" pitchFamily="50" charset="-127"/>
-      <p:regular r:id="rId43"/>
-      <p:bold r:id="rId44"/>
-    </p:embeddedFont>
     <p:embeddedFont>
       <p:font typeface="소야논8" panose="02020603020101020101" pitchFamily="18" charset="-127"/>
       <p:regular r:id="rId45"/>
@@ -63,6 +60,11 @@
       <p:font typeface="맑은 고딕" panose="020B0503020000020004" pitchFamily="50" charset="-127"/>
       <p:regular r:id="rId46"/>
       <p:bold r:id="rId47"/>
+    </p:embeddedFont>
+    <p:embeddedFont>
+      <p:font typeface="나눔고딕" panose="020D0604000000000000" pitchFamily="50" charset="-127"/>
+      <p:regular r:id="rId48"/>
+      <p:bold r:id="rId49"/>
     </p:embeddedFont>
   </p:embeddedFontLst>
   <p:defaultTextStyle>
@@ -162,7 +164,7 @@
   </p:defaultTextStyle>
   <p:extLst>
     <p:ext uri="{EFAFB233-063F-42B5-8137-9DF3F51BA10A}">
-      <p15:sldGuideLst xmlns:p15="http://schemas.microsoft.com/office/powerpoint/2012/main" xmlns="">
+      <p15:sldGuideLst xmlns="" xmlns:p15="http://schemas.microsoft.com/office/powerpoint/2012/main">
         <p15:guide id="1" orient="horz" pos="2160">
           <p15:clr>
             <a:srgbClr val="A4A3A4"/>
@@ -30220,7 +30222,7 @@
 </file>
 
 <file path=ppt/slides/slide10.xml><?xml version="1.0" encoding="utf-8"?>
-<p:sld xmlns:a="http://schemas.openxmlformats.org/drawingml/2006/main" xmlns:r="http://schemas.openxmlformats.org/officeDocument/2006/relationships" xmlns:p="http://schemas.openxmlformats.org/presentationml/2006/main" showMasterSp="0">
+<p:sld xmlns:a="http://schemas.openxmlformats.org/drawingml/2006/main" xmlns:r="http://schemas.openxmlformats.org/officeDocument/2006/relationships" xmlns:p="http://schemas.openxmlformats.org/presentationml/2006/main">
   <p:cSld>
     <p:spTree>
       <p:nvGrpSpPr>
@@ -30243,116 +30245,79 @@
             <a:spLocks noGrp="1"/>
           </p:cNvSpPr>
           <p:nvPr>
-            <p:ph type="ctrTitle"/>
+            <p:ph type="title"/>
           </p:nvPr>
         </p:nvSpPr>
         <p:spPr/>
         <p:txBody>
-          <a:bodyPr>
-            <a:normAutofit fontScale="90000"/>
-          </a:bodyPr>
-          <a:lstStyle/>
-          <a:p>
-            <a:pPr>
-              <a:lnSpc>
-                <a:spcPct val="150000"/>
-              </a:lnSpc>
-            </a:pPr>
-            <a:r>
-              <a:rPr lang="ko-KR" altLang="en-US" sz="4800" dirty="0" smtClean="0">
-                <a:solidFill>
-                  <a:srgbClr val="FFC000"/>
+          <a:bodyPr/>
+          <a:lstStyle/>
+          <a:p>
+            <a:r>
+              <a:rPr lang="ko-KR" altLang="en-US" dirty="0" smtClean="0">
+                <a:solidFill>
+                  <a:srgbClr val="E4007F"/>
                 </a:solidFill>
                 <a:latin typeface="소야논8" panose="02020603020101020101" pitchFamily="18" charset="-127"/>
                 <a:ea typeface="소야논8" panose="02020603020101020101" pitchFamily="18" charset="-127"/>
               </a:rPr>
-              <a:t>만든 </a:t>
-            </a:r>
-            <a:r>
-              <a:rPr lang="ko-KR" altLang="en-US" sz="4800" dirty="0" smtClean="0">
-                <a:solidFill>
-                  <a:srgbClr val="FFC000"/>
-                </a:solidFill>
-                <a:latin typeface="소야논8" panose="02020603020101020101" pitchFamily="18" charset="-127"/>
-                <a:ea typeface="소야논8" panose="02020603020101020101" pitchFamily="18" charset="-127"/>
-              </a:rPr>
-              <a:t>기능</a:t>
-            </a:r>
-            <a:r>
-              <a:rPr lang="en-US" altLang="ko-KR" sz="4800" dirty="0" smtClean="0">
-                <a:solidFill>
-                  <a:srgbClr val="FFC000"/>
-                </a:solidFill>
-                <a:latin typeface="소야논8" panose="02020603020101020101" pitchFamily="18" charset="-127"/>
-                <a:ea typeface="소야논8" panose="02020603020101020101" pitchFamily="18" charset="-127"/>
-              </a:rPr>
-              <a:t/>
-            </a:r>
-            <a:br>
-              <a:rPr lang="en-US" altLang="ko-KR" sz="4800" dirty="0" smtClean="0">
-                <a:solidFill>
-                  <a:srgbClr val="FFC000"/>
-                </a:solidFill>
-                <a:latin typeface="소야논8" panose="02020603020101020101" pitchFamily="18" charset="-127"/>
-                <a:ea typeface="소야논8" panose="02020603020101020101" pitchFamily="18" charset="-127"/>
-              </a:rPr>
-            </a:br>
-            <a:r>
-              <a:rPr lang="ko-KR" altLang="en-US" sz="4800" dirty="0" smtClean="0">
-                <a:solidFill>
-                  <a:srgbClr val="FFC000"/>
-                </a:solidFill>
-                <a:latin typeface="소야논8" panose="02020603020101020101" pitchFamily="18" charset="-127"/>
-                <a:ea typeface="소야논8" panose="02020603020101020101" pitchFamily="18" charset="-127"/>
-              </a:rPr>
-              <a:t>서버 설명</a:t>
-            </a:r>
-            <a:r>
-              <a:rPr lang="en-US" altLang="ko-KR" sz="4800" dirty="0" smtClean="0">
-                <a:solidFill>
-                  <a:srgbClr val="FFC000"/>
-                </a:solidFill>
-                <a:latin typeface="소야논8" panose="02020603020101020101" pitchFamily="18" charset="-127"/>
-                <a:ea typeface="소야논8" panose="02020603020101020101" pitchFamily="18" charset="-127"/>
-              </a:rPr>
-              <a:t/>
-            </a:r>
-            <a:br>
-              <a:rPr lang="en-US" altLang="ko-KR" sz="4800" dirty="0" smtClean="0">
-                <a:solidFill>
-                  <a:srgbClr val="FFC000"/>
-                </a:solidFill>
-                <a:latin typeface="소야논8" panose="02020603020101020101" pitchFamily="18" charset="-127"/>
-                <a:ea typeface="소야논8" panose="02020603020101020101" pitchFamily="18" charset="-127"/>
-              </a:rPr>
-            </a:br>
-            <a:r>
-              <a:rPr lang="ko-KR" altLang="en-US" sz="4800" dirty="0" smtClean="0">
-                <a:solidFill>
-                  <a:srgbClr val="FFC000"/>
-                </a:solidFill>
-                <a:latin typeface="소야논8" panose="02020603020101020101" pitchFamily="18" charset="-127"/>
-                <a:ea typeface="소야논8" panose="02020603020101020101" pitchFamily="18" charset="-127"/>
-              </a:rPr>
-              <a:t>코</a:t>
-            </a:r>
-            <a:r>
-              <a:rPr lang="ko-KR" altLang="en-US" sz="4800" dirty="0">
-                <a:solidFill>
-                  <a:srgbClr val="FFC000"/>
-                </a:solidFill>
-                <a:latin typeface="소야논8" panose="02020603020101020101" pitchFamily="18" charset="-127"/>
-                <a:ea typeface="소야논8" panose="02020603020101020101" pitchFamily="18" charset="-127"/>
-              </a:rPr>
-              <a:t>드</a:t>
-            </a:r>
-          </a:p>
-        </p:txBody>
-      </p:sp>
+              <a:t>만든 것</a:t>
+            </a:r>
+            <a:endParaRPr lang="ko-KR" altLang="en-US" dirty="0">
+              <a:solidFill>
+                <a:srgbClr val="E4007F"/>
+              </a:solidFill>
+              <a:latin typeface="소야논8" panose="02020603020101020101" pitchFamily="18" charset="-127"/>
+              <a:ea typeface="소야논8" panose="02020603020101020101" pitchFamily="18" charset="-127"/>
+            </a:endParaRPr>
+          </a:p>
+        </p:txBody>
+      </p:sp>
+      <p:pic>
+        <p:nvPicPr>
+          <p:cNvPr id="7170" name="Picture 2" descr="D:\DATA\Work\2016 넥스트\WTL 발표\이미지 241.png"/>
+          <p:cNvPicPr>
+            <a:picLocks noChangeAspect="1" noChangeArrowheads="1"/>
+          </p:cNvPicPr>
+          <p:nvPr/>
+        </p:nvPicPr>
+        <p:blipFill>
+          <a:blip r:embed="rId2">
+            <a:extLst>
+              <a:ext uri="{28A0092B-C50C-407E-A947-70E740481C1C}">
+                <a14:useLocalDpi xmlns:a14="http://schemas.microsoft.com/office/drawing/2010/main" val="0"/>
+              </a:ext>
+            </a:extLst>
+          </a:blip>
+          <a:srcRect/>
+          <a:stretch>
+            <a:fillRect/>
+          </a:stretch>
+        </p:blipFill>
+        <p:spPr bwMode="auto">
+          <a:xfrm>
+            <a:off x="1412613" y="2204864"/>
+            <a:ext cx="7551875" cy="4393498"/>
+          </a:xfrm>
+          <a:prstGeom prst="rect">
+            <a:avLst/>
+          </a:prstGeom>
+          <a:noFill/>
+          <a:extLst>
+            <a:ext uri="{909E8E84-426E-40DD-AFC4-6F175D3DCCD1}">
+              <a14:hiddenFill xmlns:a14="http://schemas.microsoft.com/office/drawing/2010/main">
+                <a:solidFill>
+                  <a:srgbClr val="FFFFFF"/>
+                </a:solidFill>
+              </a14:hiddenFill>
+            </a:ext>
+          </a:extLst>
+        </p:spPr>
+      </p:pic>
     </p:spTree>
     <p:extLst>
       <p:ext uri="{BB962C8B-B14F-4D97-AF65-F5344CB8AC3E}">
-        <p14:creationId xmlns:p14="http://schemas.microsoft.com/office/powerpoint/2010/main" val="3913161157"/>
+        <p14:creationId xmlns:p14="http://schemas.microsoft.com/office/powerpoint/2010/main" val="3493511854"/>
       </p:ext>
     </p:extLst>
   </p:cSld>
@@ -30399,6 +30364,146 @@
         <p:spPr/>
         <p:txBody>
           <a:bodyPr>
+            <a:normAutofit fontScale="90000"/>
+          </a:bodyPr>
+          <a:lstStyle/>
+          <a:p>
+            <a:pPr>
+              <a:lnSpc>
+                <a:spcPct val="150000"/>
+              </a:lnSpc>
+            </a:pPr>
+            <a:r>
+              <a:rPr lang="ko-KR" altLang="en-US" sz="4800" dirty="0" smtClean="0">
+                <a:solidFill>
+                  <a:srgbClr val="FFC000"/>
+                </a:solidFill>
+                <a:latin typeface="소야논8" panose="02020603020101020101" pitchFamily="18" charset="-127"/>
+                <a:ea typeface="소야논8" panose="02020603020101020101" pitchFamily="18" charset="-127"/>
+              </a:rPr>
+              <a:t>만든 기능</a:t>
+            </a:r>
+            <a:r>
+              <a:rPr lang="en-US" altLang="ko-KR" sz="4800" dirty="0" smtClean="0">
+                <a:solidFill>
+                  <a:srgbClr val="FFC000"/>
+                </a:solidFill>
+                <a:latin typeface="소야논8" panose="02020603020101020101" pitchFamily="18" charset="-127"/>
+                <a:ea typeface="소야논8" panose="02020603020101020101" pitchFamily="18" charset="-127"/>
+              </a:rPr>
+              <a:t/>
+            </a:r>
+            <a:br>
+              <a:rPr lang="en-US" altLang="ko-KR" sz="4800" dirty="0" smtClean="0">
+                <a:solidFill>
+                  <a:srgbClr val="FFC000"/>
+                </a:solidFill>
+                <a:latin typeface="소야논8" panose="02020603020101020101" pitchFamily="18" charset="-127"/>
+                <a:ea typeface="소야논8" panose="02020603020101020101" pitchFamily="18" charset="-127"/>
+              </a:rPr>
+            </a:br>
+            <a:r>
+              <a:rPr lang="ko-KR" altLang="en-US" sz="4800" dirty="0" smtClean="0">
+                <a:solidFill>
+                  <a:srgbClr val="FFC000"/>
+                </a:solidFill>
+                <a:latin typeface="소야논8" panose="02020603020101020101" pitchFamily="18" charset="-127"/>
+                <a:ea typeface="소야논8" panose="02020603020101020101" pitchFamily="18" charset="-127"/>
+              </a:rPr>
+              <a:t>서버 설명</a:t>
+            </a:r>
+            <a:r>
+              <a:rPr lang="en-US" altLang="ko-KR" sz="4800" dirty="0" smtClean="0">
+                <a:solidFill>
+                  <a:srgbClr val="FFC000"/>
+                </a:solidFill>
+                <a:latin typeface="소야논8" panose="02020603020101020101" pitchFamily="18" charset="-127"/>
+                <a:ea typeface="소야논8" panose="02020603020101020101" pitchFamily="18" charset="-127"/>
+              </a:rPr>
+              <a:t/>
+            </a:r>
+            <a:br>
+              <a:rPr lang="en-US" altLang="ko-KR" sz="4800" dirty="0" smtClean="0">
+                <a:solidFill>
+                  <a:srgbClr val="FFC000"/>
+                </a:solidFill>
+                <a:latin typeface="소야논8" panose="02020603020101020101" pitchFamily="18" charset="-127"/>
+                <a:ea typeface="소야논8" panose="02020603020101020101" pitchFamily="18" charset="-127"/>
+              </a:rPr>
+            </a:br>
+            <a:r>
+              <a:rPr lang="ko-KR" altLang="en-US" sz="4800" dirty="0" smtClean="0">
+                <a:solidFill>
+                  <a:srgbClr val="FFC000"/>
+                </a:solidFill>
+                <a:latin typeface="소야논8" panose="02020603020101020101" pitchFamily="18" charset="-127"/>
+                <a:ea typeface="소야논8" panose="02020603020101020101" pitchFamily="18" charset="-127"/>
+              </a:rPr>
+              <a:t>코</a:t>
+            </a:r>
+            <a:r>
+              <a:rPr lang="ko-KR" altLang="en-US" sz="4800" dirty="0">
+                <a:solidFill>
+                  <a:srgbClr val="FFC000"/>
+                </a:solidFill>
+                <a:latin typeface="소야논8" panose="02020603020101020101" pitchFamily="18" charset="-127"/>
+                <a:ea typeface="소야논8" panose="02020603020101020101" pitchFamily="18" charset="-127"/>
+              </a:rPr>
+              <a:t>드</a:t>
+            </a:r>
+          </a:p>
+        </p:txBody>
+      </p:sp>
+    </p:spTree>
+    <p:extLst>
+      <p:ext uri="{BB962C8B-B14F-4D97-AF65-F5344CB8AC3E}">
+        <p14:creationId xmlns:p14="http://schemas.microsoft.com/office/powerpoint/2010/main" val="3913161157"/>
+      </p:ext>
+    </p:extLst>
+  </p:cSld>
+  <p:clrMapOvr>
+    <a:masterClrMapping/>
+  </p:clrMapOvr>
+  <p:timing>
+    <p:tnLst>
+      <p:par>
+        <p:cTn id="1" dur="indefinite" restart="never" nodeType="tmRoot"/>
+      </p:par>
+    </p:tnLst>
+  </p:timing>
+</p:sld>
+</file>
+
+<file path=ppt/slides/slide12.xml><?xml version="1.0" encoding="utf-8"?>
+<p:sld xmlns:a="http://schemas.openxmlformats.org/drawingml/2006/main" xmlns:r="http://schemas.openxmlformats.org/officeDocument/2006/relationships" xmlns:p="http://schemas.openxmlformats.org/presentationml/2006/main" showMasterSp="0">
+  <p:cSld>
+    <p:spTree>
+      <p:nvGrpSpPr>
+        <p:cNvPr id="1" name=""/>
+        <p:cNvGrpSpPr/>
+        <p:nvPr/>
+      </p:nvGrpSpPr>
+      <p:grpSpPr>
+        <a:xfrm>
+          <a:off x="0" y="0"/>
+          <a:ext cx="0" cy="0"/>
+          <a:chOff x="0" y="0"/>
+          <a:chExt cx="0" cy="0"/>
+        </a:xfrm>
+      </p:grpSpPr>
+      <p:sp>
+        <p:nvSpPr>
+          <p:cNvPr id="2" name="제목 1"/>
+          <p:cNvSpPr>
+            <a:spLocks noGrp="1"/>
+          </p:cNvSpPr>
+          <p:nvPr>
+            <p:ph type="ctrTitle"/>
+          </p:nvPr>
+        </p:nvSpPr>
+        <p:spPr/>
+        <p:txBody>
+          <a:bodyPr>
             <a:normAutofit/>
           </a:bodyPr>
           <a:lstStyle/>
@@ -30443,7 +30548,7 @@
 </p:sld>
 </file>
 
-<file path=ppt/slides/slide12.xml><?xml version="1.0" encoding="utf-8"?>
+<file path=ppt/slides/slide13.xml><?xml version="1.0" encoding="utf-8"?>
 <p:sld xmlns:a="http://schemas.openxmlformats.org/drawingml/2006/main" xmlns:r="http://schemas.openxmlformats.org/officeDocument/2006/relationships" xmlns:p="http://schemas.openxmlformats.org/presentationml/2006/main">
   <p:cSld>
     <p:spTree>
@@ -30609,7 +30714,7 @@
 </p:sld>
 </file>
 
-<file path=ppt/slides/slide13.xml><?xml version="1.0" encoding="utf-8"?>
+<file path=ppt/slides/slide14.xml><?xml version="1.0" encoding="utf-8"?>
 <p:sld xmlns:a="http://schemas.openxmlformats.org/drawingml/2006/main" xmlns:r="http://schemas.openxmlformats.org/officeDocument/2006/relationships" xmlns:p="http://schemas.openxmlformats.org/presentationml/2006/main" showMasterSp="0">
   <p:cSld>
     <p:spTree>
@@ -31415,377 +31520,6 @@
 </p:sld>
 </file>
 
-<file path=ppt/slides/slide14.xml><?xml version="1.0" encoding="utf-8"?>
-<p:sld xmlns:a="http://schemas.openxmlformats.org/drawingml/2006/main" xmlns:r="http://schemas.openxmlformats.org/officeDocument/2006/relationships" xmlns:p="http://schemas.openxmlformats.org/presentationml/2006/main" showMasterSp="0">
-  <p:cSld>
-    <p:spTree>
-      <p:nvGrpSpPr>
-        <p:cNvPr id="1" name=""/>
-        <p:cNvGrpSpPr/>
-        <p:nvPr/>
-      </p:nvGrpSpPr>
-      <p:grpSpPr>
-        <a:xfrm>
-          <a:off x="0" y="0"/>
-          <a:ext cx="0" cy="0"/>
-          <a:chOff x="0" y="0"/>
-          <a:chExt cx="0" cy="0"/>
-        </a:xfrm>
-      </p:grpSpPr>
-      <p:sp>
-        <p:nvSpPr>
-          <p:cNvPr id="2" name="제목 1"/>
-          <p:cNvSpPr>
-            <a:spLocks noGrp="1"/>
-          </p:cNvSpPr>
-          <p:nvPr>
-            <p:ph type="title"/>
-          </p:nvPr>
-        </p:nvSpPr>
-        <p:spPr/>
-        <p:txBody>
-          <a:bodyPr/>
-          <a:lstStyle/>
-          <a:p>
-            <a:r>
-              <a:rPr lang="ko-KR" altLang="en-US" dirty="0" smtClean="0">
-                <a:solidFill>
-                  <a:srgbClr val="E4007F"/>
-                </a:solidFill>
-                <a:latin typeface="소야논8" panose="02020603020101020101" pitchFamily="18" charset="-127"/>
-                <a:ea typeface="소야논8" panose="02020603020101020101" pitchFamily="18" charset="-127"/>
-              </a:rPr>
-              <a:t>로그인 서버</a:t>
-            </a:r>
-            <a:endParaRPr lang="ko-KR" altLang="en-US" dirty="0">
-              <a:solidFill>
-                <a:srgbClr val="E4007F"/>
-              </a:solidFill>
-              <a:latin typeface="소야논8" panose="02020603020101020101" pitchFamily="18" charset="-127"/>
-              <a:ea typeface="소야논8" panose="02020603020101020101" pitchFamily="18" charset="-127"/>
-            </a:endParaRPr>
-          </a:p>
-        </p:txBody>
-      </p:sp>
-      <p:sp>
-        <p:nvSpPr>
-          <p:cNvPr id="3" name="내용 개체 틀 2"/>
-          <p:cNvSpPr>
-            <a:spLocks noGrp="1"/>
-          </p:cNvSpPr>
-          <p:nvPr>
-            <p:ph idx="1"/>
-          </p:nvPr>
-        </p:nvSpPr>
-        <p:spPr/>
-        <p:txBody>
-          <a:bodyPr>
-            <a:normAutofit fontScale="92500" lnSpcReduction="10000"/>
-          </a:bodyPr>
-          <a:lstStyle/>
-          <a:p>
-            <a:pPr>
-              <a:lnSpc>
-                <a:spcPct val="150000"/>
-              </a:lnSpc>
-            </a:pPr>
-            <a:r>
-              <a:rPr lang="en-US" altLang="ko-KR" sz="2800" dirty="0">
-                <a:solidFill>
-                  <a:schemeClr val="bg1"/>
-                </a:solidFill>
-                <a:latin typeface="소야논8" panose="02020603020101020101" pitchFamily="18" charset="-127"/>
-                <a:ea typeface="소야논8" panose="02020603020101020101" pitchFamily="18" charset="-127"/>
-              </a:rPr>
-              <a:t>C#_</a:t>
-            </a:r>
-            <a:r>
-              <a:rPr lang="en-US" altLang="ko-KR" sz="2800" dirty="0" err="1">
-                <a:solidFill>
-                  <a:schemeClr val="bg1"/>
-                </a:solidFill>
-                <a:latin typeface="소야논8" panose="02020603020101020101" pitchFamily="18" charset="-127"/>
-                <a:ea typeface="소야논8" panose="02020603020101020101" pitchFamily="18" charset="-127"/>
-              </a:rPr>
-              <a:t>Asp.Net</a:t>
-            </a:r>
-            <a:r>
-              <a:rPr lang="en-US" altLang="ko-KR" sz="2800" dirty="0">
-                <a:solidFill>
-                  <a:schemeClr val="bg1"/>
-                </a:solidFill>
-                <a:latin typeface="소야논8" panose="02020603020101020101" pitchFamily="18" charset="-127"/>
-                <a:ea typeface="소야논8" panose="02020603020101020101" pitchFamily="18" charset="-127"/>
-              </a:rPr>
-              <a:t>, Http</a:t>
-            </a:r>
-            <a:r>
-              <a:rPr lang="ko-KR" altLang="en-US" sz="2800" dirty="0">
-                <a:solidFill>
-                  <a:schemeClr val="bg1"/>
-                </a:solidFill>
-                <a:latin typeface="소야논8" panose="02020603020101020101" pitchFamily="18" charset="-127"/>
-                <a:ea typeface="소야논8" panose="02020603020101020101" pitchFamily="18" charset="-127"/>
-              </a:rPr>
-              <a:t>를 이용하여 </a:t>
-            </a:r>
-            <a:r>
-              <a:rPr lang="ko-KR" altLang="en-US" sz="2800" dirty="0" smtClean="0">
-                <a:solidFill>
-                  <a:schemeClr val="bg1"/>
-                </a:solidFill>
-                <a:latin typeface="소야논8" panose="02020603020101020101" pitchFamily="18" charset="-127"/>
-                <a:ea typeface="소야논8" panose="02020603020101020101" pitchFamily="18" charset="-127"/>
-              </a:rPr>
-              <a:t>구현</a:t>
-            </a:r>
-            <a:endParaRPr lang="en-US" altLang="ko-KR" sz="2800" dirty="0" smtClean="0">
-              <a:solidFill>
-                <a:schemeClr val="bg1"/>
-              </a:solidFill>
-              <a:latin typeface="소야논8" panose="02020603020101020101" pitchFamily="18" charset="-127"/>
-              <a:ea typeface="소야논8" panose="02020603020101020101" pitchFamily="18" charset="-127"/>
-            </a:endParaRPr>
-          </a:p>
-          <a:p>
-            <a:pPr>
-              <a:lnSpc>
-                <a:spcPct val="150000"/>
-              </a:lnSpc>
-            </a:pPr>
-            <a:endParaRPr lang="en-US" altLang="ko-KR" sz="2800" dirty="0" smtClean="0">
-              <a:solidFill>
-                <a:schemeClr val="bg1"/>
-              </a:solidFill>
-              <a:latin typeface="소야논8" panose="02020603020101020101" pitchFamily="18" charset="-127"/>
-              <a:ea typeface="소야논8" panose="02020603020101020101" pitchFamily="18" charset="-127"/>
-            </a:endParaRPr>
-          </a:p>
-          <a:p>
-            <a:pPr>
-              <a:lnSpc>
-                <a:spcPct val="150000"/>
-              </a:lnSpc>
-            </a:pPr>
-            <a:r>
-              <a:rPr lang="ko-KR" altLang="en-US" sz="2800" dirty="0" smtClean="0">
-                <a:solidFill>
-                  <a:schemeClr val="bg1"/>
-                </a:solidFill>
-                <a:latin typeface="소야논8" panose="02020603020101020101" pitchFamily="18" charset="-127"/>
-                <a:ea typeface="소야논8" panose="02020603020101020101" pitchFamily="18" charset="-127"/>
-              </a:rPr>
-              <a:t>회원 가입</a:t>
-            </a:r>
-            <a:r>
-              <a:rPr lang="en-US" altLang="ko-KR" sz="2800" dirty="0">
-                <a:solidFill>
-                  <a:schemeClr val="bg1"/>
-                </a:solidFill>
-                <a:latin typeface="소야논8" panose="02020603020101020101" pitchFamily="18" charset="-127"/>
-                <a:ea typeface="소야논8" panose="02020603020101020101" pitchFamily="18" charset="-127"/>
-              </a:rPr>
-              <a:t> </a:t>
-            </a:r>
-            <a:r>
-              <a:rPr lang="en-US" altLang="ko-KR" sz="2800" dirty="0" smtClean="0">
-                <a:solidFill>
-                  <a:schemeClr val="bg1"/>
-                </a:solidFill>
-                <a:latin typeface="소야논8" panose="02020603020101020101" pitchFamily="18" charset="-127"/>
-                <a:ea typeface="소야논8" panose="02020603020101020101" pitchFamily="18" charset="-127"/>
-              </a:rPr>
-              <a:t>, </a:t>
-            </a:r>
-            <a:r>
-              <a:rPr lang="ko-KR" altLang="en-US" sz="2800" dirty="0" smtClean="0">
-                <a:solidFill>
-                  <a:schemeClr val="bg1"/>
-                </a:solidFill>
-                <a:latin typeface="소야논8" panose="02020603020101020101" pitchFamily="18" charset="-127"/>
-                <a:ea typeface="소야논8" panose="02020603020101020101" pitchFamily="18" charset="-127"/>
-              </a:rPr>
-              <a:t>로그인</a:t>
-            </a:r>
-            <a:endParaRPr lang="en-US" altLang="ko-KR" sz="2800" dirty="0" smtClean="0">
-              <a:solidFill>
-                <a:schemeClr val="bg1"/>
-              </a:solidFill>
-              <a:latin typeface="소야논8" panose="02020603020101020101" pitchFamily="18" charset="-127"/>
-              <a:ea typeface="소야논8" panose="02020603020101020101" pitchFamily="18" charset="-127"/>
-            </a:endParaRPr>
-          </a:p>
-          <a:p>
-            <a:pPr>
-              <a:lnSpc>
-                <a:spcPct val="150000"/>
-              </a:lnSpc>
-            </a:pPr>
-            <a:endParaRPr lang="en-US" altLang="ko-KR" sz="2800" dirty="0" smtClean="0">
-              <a:solidFill>
-                <a:schemeClr val="bg1"/>
-              </a:solidFill>
-              <a:latin typeface="소야논8" panose="02020603020101020101" pitchFamily="18" charset="-127"/>
-              <a:ea typeface="소야논8" panose="02020603020101020101" pitchFamily="18" charset="-127"/>
-            </a:endParaRPr>
-          </a:p>
-          <a:p>
-            <a:pPr>
-              <a:lnSpc>
-                <a:spcPct val="150000"/>
-              </a:lnSpc>
-            </a:pPr>
-            <a:r>
-              <a:rPr lang="ko-KR" altLang="en-US" sz="2800" dirty="0" smtClean="0">
-                <a:solidFill>
-                  <a:schemeClr val="bg1"/>
-                </a:solidFill>
-                <a:latin typeface="소야논8" panose="02020603020101020101" pitchFamily="18" charset="-127"/>
-                <a:ea typeface="소야논8" panose="02020603020101020101" pitchFamily="18" charset="-127"/>
-              </a:rPr>
-              <a:t>현재 </a:t>
-            </a:r>
-            <a:r>
-              <a:rPr lang="ko-KR" altLang="en-US" sz="2800" dirty="0">
-                <a:solidFill>
-                  <a:schemeClr val="bg1"/>
-                </a:solidFill>
-                <a:latin typeface="소야논8" panose="02020603020101020101" pitchFamily="18" charset="-127"/>
-                <a:ea typeface="소야논8" panose="02020603020101020101" pitchFamily="18" charset="-127"/>
-              </a:rPr>
-              <a:t>게임에 접속중인 </a:t>
-            </a:r>
-            <a:r>
-              <a:rPr lang="ko-KR" altLang="en-US" sz="2800" dirty="0" smtClean="0">
-                <a:solidFill>
-                  <a:schemeClr val="bg1"/>
-                </a:solidFill>
-                <a:latin typeface="소야논8" panose="02020603020101020101" pitchFamily="18" charset="-127"/>
-                <a:ea typeface="소야논8" panose="02020603020101020101" pitchFamily="18" charset="-127"/>
-              </a:rPr>
-              <a:t>유저 </a:t>
-            </a:r>
-            <a:r>
-              <a:rPr lang="en-US" altLang="ko-KR" sz="2800" dirty="0" smtClean="0">
-                <a:solidFill>
-                  <a:schemeClr val="bg1"/>
-                </a:solidFill>
-                <a:latin typeface="소야논8" panose="02020603020101020101" pitchFamily="18" charset="-127"/>
-                <a:ea typeface="소야논8" panose="02020603020101020101" pitchFamily="18" charset="-127"/>
-              </a:rPr>
-              <a:t>(</a:t>
-            </a:r>
-            <a:r>
-              <a:rPr lang="ko-KR" altLang="en-US" sz="2800" dirty="0" smtClean="0">
-                <a:solidFill>
-                  <a:schemeClr val="bg1"/>
-                </a:solidFill>
-                <a:latin typeface="소야논8" panose="02020603020101020101" pitchFamily="18" charset="-127"/>
-                <a:ea typeface="소야논8" panose="02020603020101020101" pitchFamily="18" charset="-127"/>
-              </a:rPr>
-              <a:t>중복 로그인 방지</a:t>
-            </a:r>
-            <a:r>
-              <a:rPr lang="en-US" altLang="ko-KR" sz="2800" dirty="0" smtClean="0">
-                <a:solidFill>
-                  <a:schemeClr val="bg1"/>
-                </a:solidFill>
-                <a:latin typeface="소야논8" panose="02020603020101020101" pitchFamily="18" charset="-127"/>
-                <a:ea typeface="소야논8" panose="02020603020101020101" pitchFamily="18" charset="-127"/>
-              </a:rPr>
-              <a:t>)</a:t>
-            </a:r>
-            <a:endParaRPr lang="en-US" altLang="ko-KR" sz="2800" dirty="0">
-              <a:solidFill>
-                <a:schemeClr val="bg1"/>
-              </a:solidFill>
-              <a:latin typeface="소야논8" panose="02020603020101020101" pitchFamily="18" charset="-127"/>
-              <a:ea typeface="소야논8" panose="02020603020101020101" pitchFamily="18" charset="-127"/>
-            </a:endParaRPr>
-          </a:p>
-          <a:p>
-            <a:pPr>
-              <a:lnSpc>
-                <a:spcPct val="150000"/>
-              </a:lnSpc>
-            </a:pPr>
-            <a:endParaRPr lang="en-US" altLang="ko-KR" sz="2800" dirty="0" smtClean="0">
-              <a:solidFill>
-                <a:schemeClr val="bg1"/>
-              </a:solidFill>
-              <a:latin typeface="소야논8" panose="02020603020101020101" pitchFamily="18" charset="-127"/>
-              <a:ea typeface="소야논8" panose="02020603020101020101" pitchFamily="18" charset="-127"/>
-            </a:endParaRPr>
-          </a:p>
-          <a:p>
-            <a:pPr>
-              <a:lnSpc>
-                <a:spcPct val="150000"/>
-              </a:lnSpc>
-            </a:pPr>
-            <a:r>
-              <a:rPr lang="ko-KR" altLang="en-US" sz="2800" dirty="0" smtClean="0">
-                <a:solidFill>
-                  <a:schemeClr val="bg1"/>
-                </a:solidFill>
-                <a:latin typeface="소야논8" panose="02020603020101020101" pitchFamily="18" charset="-127"/>
-                <a:ea typeface="소야논8" panose="02020603020101020101" pitchFamily="18" charset="-127"/>
-              </a:rPr>
-              <a:t>현재 가동중인 서버 리스트를 관리 </a:t>
-            </a:r>
-            <a:r>
-              <a:rPr lang="en-US" altLang="ko-KR" sz="2800" dirty="0" smtClean="0">
-                <a:solidFill>
-                  <a:schemeClr val="bg1"/>
-                </a:solidFill>
-                <a:latin typeface="소야논8" panose="02020603020101020101" pitchFamily="18" charset="-127"/>
-                <a:ea typeface="소야논8" panose="02020603020101020101" pitchFamily="18" charset="-127"/>
-              </a:rPr>
-              <a:t>(IP</a:t>
-            </a:r>
-            <a:r>
-              <a:rPr lang="ko-KR" altLang="en-US" sz="2800" dirty="0" smtClean="0">
-                <a:solidFill>
-                  <a:schemeClr val="bg1"/>
-                </a:solidFill>
-                <a:latin typeface="소야논8" panose="02020603020101020101" pitchFamily="18" charset="-127"/>
-                <a:ea typeface="소야논8" panose="02020603020101020101" pitchFamily="18" charset="-127"/>
-              </a:rPr>
-              <a:t>주소 포함</a:t>
-            </a:r>
-            <a:r>
-              <a:rPr lang="en-US" altLang="ko-KR" sz="2800" dirty="0" smtClean="0">
-                <a:solidFill>
-                  <a:schemeClr val="bg1"/>
-                </a:solidFill>
-                <a:latin typeface="소야논8" panose="02020603020101020101" pitchFamily="18" charset="-127"/>
-                <a:ea typeface="소야논8" panose="02020603020101020101" pitchFamily="18" charset="-127"/>
-              </a:rPr>
-              <a:t>)</a:t>
-            </a:r>
-          </a:p>
-        </p:txBody>
-      </p:sp>
-    </p:spTree>
-    <p:extLst>
-      <p:ext uri="{BB962C8B-B14F-4D97-AF65-F5344CB8AC3E}">
-        <p14:creationId xmlns:p14="http://schemas.microsoft.com/office/powerpoint/2010/main" val="1444924957"/>
-      </p:ext>
-    </p:extLst>
-  </p:cSld>
-  <p:clrMapOvr>
-    <a:masterClrMapping/>
-  </p:clrMapOvr>
-  <p:timing>
-    <p:tnLst>
-      <p:par>
-        <p:cTn id="1" dur="indefinite" restart="never" nodeType="tmRoot"/>
-      </p:par>
-    </p:tnLst>
-  </p:timing>
-</p:sld>
-</file>
-
 <file path=ppt/slides/slide15.xml><?xml version="1.0" encoding="utf-8"?>
 <p:sld xmlns:a="http://schemas.openxmlformats.org/drawingml/2006/main" xmlns:r="http://schemas.openxmlformats.org/officeDocument/2006/relationships" xmlns:p="http://schemas.openxmlformats.org/presentationml/2006/main" showMasterSp="0">
   <p:cSld>
@@ -31826,7 +31560,7 @@
                 <a:latin typeface="소야논8" panose="02020603020101020101" pitchFamily="18" charset="-127"/>
                 <a:ea typeface="소야논8" panose="02020603020101020101" pitchFamily="18" charset="-127"/>
               </a:rPr>
-              <a:t>채널 서버</a:t>
+              <a:t>로그인 서버</a:t>
             </a:r>
             <a:endParaRPr lang="ko-KR" altLang="en-US" dirty="0">
               <a:solidFill>
@@ -31851,7 +31585,7 @@
         <p:spPr/>
         <p:txBody>
           <a:bodyPr>
-            <a:normAutofit/>
+            <a:normAutofit fontScale="92500" lnSpcReduction="10000"/>
           </a:bodyPr>
           <a:lstStyle/>
           <a:p>
@@ -31868,7 +31602,7 @@
                 <a:latin typeface="소야논8" panose="02020603020101020101" pitchFamily="18" charset="-127"/>
                 <a:ea typeface="소야논8" panose="02020603020101020101" pitchFamily="18" charset="-127"/>
               </a:rPr>
-              <a:t>C++, </a:t>
+              <a:t>C#_</a:t>
             </a:r>
             <a:r>
               <a:rPr lang="en-US" altLang="ko-KR" sz="2800" dirty="0" err="1">
@@ -31878,7 +31612,7 @@
                 <a:latin typeface="소야논8" panose="02020603020101020101" pitchFamily="18" charset="-127"/>
                 <a:ea typeface="소야논8" panose="02020603020101020101" pitchFamily="18" charset="-127"/>
               </a:rPr>
-              <a:t>winsock</a:t>
+              <a:t>Asp.Net</a:t>
             </a:r>
             <a:r>
               <a:rPr lang="en-US" altLang="ko-KR" sz="2800" dirty="0">
@@ -31888,7 +31622,7 @@
                 <a:latin typeface="소야논8" panose="02020603020101020101" pitchFamily="18" charset="-127"/>
                 <a:ea typeface="소야논8" panose="02020603020101020101" pitchFamily="18" charset="-127"/>
               </a:rPr>
-              <a:t>, IOCP</a:t>
+              <a:t>, Http</a:t>
             </a:r>
             <a:r>
               <a:rPr lang="ko-KR" altLang="en-US" sz="2800" dirty="0">
@@ -31898,8 +31632,25 @@
                 <a:latin typeface="소야논8" panose="02020603020101020101" pitchFamily="18" charset="-127"/>
                 <a:ea typeface="소야논8" panose="02020603020101020101" pitchFamily="18" charset="-127"/>
               </a:rPr>
-              <a:t>를 이용하여 구현</a:t>
-            </a:r>
+              <a:t>를 이용하여 </a:t>
+            </a:r>
+            <a:r>
+              <a:rPr lang="ko-KR" altLang="en-US" sz="2800" dirty="0" smtClean="0">
+                <a:solidFill>
+                  <a:schemeClr val="bg1"/>
+                </a:solidFill>
+                <a:latin typeface="소야논8" panose="02020603020101020101" pitchFamily="18" charset="-127"/>
+                <a:ea typeface="소야논8" panose="02020603020101020101" pitchFamily="18" charset="-127"/>
+              </a:rPr>
+              <a:t>구현</a:t>
+            </a:r>
+            <a:endParaRPr lang="en-US" altLang="ko-KR" sz="2800" dirty="0" smtClean="0">
+              <a:solidFill>
+                <a:schemeClr val="bg1"/>
+              </a:solidFill>
+              <a:latin typeface="소야논8" panose="02020603020101020101" pitchFamily="18" charset="-127"/>
+              <a:ea typeface="소야논8" panose="02020603020101020101" pitchFamily="18" charset="-127"/>
+            </a:endParaRPr>
           </a:p>
           <a:p>
             <a:pPr>
@@ -31929,27 +31680,37 @@
                 <a:latin typeface="소야논8" panose="02020603020101020101" pitchFamily="18" charset="-127"/>
                 <a:ea typeface="소야논8" panose="02020603020101020101" pitchFamily="18" charset="-127"/>
               </a:rPr>
-              <a:t>방 </a:t>
-            </a:r>
-            <a:r>
-              <a:rPr lang="en-US" altLang="ko-KR" sz="2800" dirty="0" smtClean="0">
+              <a:t>회원 가입</a:t>
+            </a:r>
+            <a:r>
+              <a:rPr lang="en-US" altLang="ko-KR" sz="2800" dirty="0">
                 <a:solidFill>
                   <a:schemeClr val="bg1"/>
                 </a:solidFill>
                 <a:latin typeface="소야논8" panose="02020603020101020101" pitchFamily="18" charset="-127"/>
                 <a:ea typeface="소야논8" panose="02020603020101020101" pitchFamily="18" charset="-127"/>
               </a:rPr>
-              <a:t>+ </a:t>
-            </a:r>
-            <a:r>
-              <a:rPr lang="ko-KR" altLang="en-US" sz="2800" dirty="0" smtClean="0">
+              <a:t> </a:t>
+            </a:r>
+            <a:r>
+              <a:rPr lang="en-US" altLang="ko-KR" sz="2800" dirty="0" smtClean="0">
                 <a:solidFill>
                   <a:schemeClr val="bg1"/>
                 </a:solidFill>
                 <a:latin typeface="소야논8" panose="02020603020101020101" pitchFamily="18" charset="-127"/>
                 <a:ea typeface="소야논8" panose="02020603020101020101" pitchFamily="18" charset="-127"/>
               </a:rPr>
-              <a:t>게임 진행</a:t>
+              <a:t>, </a:t>
+            </a:r>
+            <a:r>
+              <a:rPr lang="ko-KR" altLang="en-US" sz="2800" dirty="0" smtClean="0">
+                <a:solidFill>
+                  <a:schemeClr val="bg1"/>
+                </a:solidFill>
+                <a:latin typeface="소야논8" panose="02020603020101020101" pitchFamily="18" charset="-127"/>
+                <a:ea typeface="소야논8" panose="02020603020101020101" pitchFamily="18" charset="-127"/>
+              </a:rPr>
+              <a:t>로그인</a:t>
             </a:r>
             <a:endParaRPr lang="en-US" altLang="ko-KR" sz="2800" dirty="0" smtClean="0">
               <a:solidFill>
@@ -31987,44 +31748,125 @@
                 <a:latin typeface="소야논8" panose="02020603020101020101" pitchFamily="18" charset="-127"/>
                 <a:ea typeface="소야논8" panose="02020603020101020101" pitchFamily="18" charset="-127"/>
               </a:rPr>
-              <a:t>비어있는 방에 바로 집어넣음</a:t>
-            </a:r>
-            <a:r>
-              <a:rPr lang="en-US" altLang="ko-KR" sz="2800" dirty="0" smtClean="0">
+              <a:t>현재 </a:t>
+            </a:r>
+            <a:r>
+              <a:rPr lang="ko-KR" altLang="en-US" sz="2800" dirty="0">
                 <a:solidFill>
                   <a:schemeClr val="bg1"/>
                 </a:solidFill>
                 <a:latin typeface="소야논8" panose="02020603020101020101" pitchFamily="18" charset="-127"/>
                 <a:ea typeface="소야논8" panose="02020603020101020101" pitchFamily="18" charset="-127"/>
               </a:rPr>
-              <a:t>.</a:t>
-            </a:r>
-          </a:p>
-          <a:p>
-            <a:pPr lvl="1">
+              <a:t>게임에 접속중인 </a:t>
+            </a:r>
+            <a:r>
+              <a:rPr lang="ko-KR" altLang="en-US" sz="2800" dirty="0" smtClean="0">
+                <a:solidFill>
+                  <a:schemeClr val="bg1"/>
+                </a:solidFill>
+                <a:latin typeface="소야논8" panose="02020603020101020101" pitchFamily="18" charset="-127"/>
+                <a:ea typeface="소야논8" panose="02020603020101020101" pitchFamily="18" charset="-127"/>
+              </a:rPr>
+              <a:t>유저 </a:t>
+            </a:r>
+            <a:r>
+              <a:rPr lang="en-US" altLang="ko-KR" sz="2800" dirty="0" smtClean="0">
+                <a:solidFill>
+                  <a:schemeClr val="bg1"/>
+                </a:solidFill>
+                <a:latin typeface="소야논8" panose="02020603020101020101" pitchFamily="18" charset="-127"/>
+                <a:ea typeface="소야논8" panose="02020603020101020101" pitchFamily="18" charset="-127"/>
+              </a:rPr>
+              <a:t>(</a:t>
+            </a:r>
+            <a:r>
+              <a:rPr lang="ko-KR" altLang="en-US" sz="2800" dirty="0" smtClean="0">
+                <a:solidFill>
+                  <a:schemeClr val="bg1"/>
+                </a:solidFill>
+                <a:latin typeface="소야논8" panose="02020603020101020101" pitchFamily="18" charset="-127"/>
+                <a:ea typeface="소야논8" panose="02020603020101020101" pitchFamily="18" charset="-127"/>
+              </a:rPr>
+              <a:t>중복 로그인 방지</a:t>
+            </a:r>
+            <a:r>
+              <a:rPr lang="en-US" altLang="ko-KR" sz="2800" dirty="0" smtClean="0">
+                <a:solidFill>
+                  <a:schemeClr val="bg1"/>
+                </a:solidFill>
+                <a:latin typeface="소야논8" panose="02020603020101020101" pitchFamily="18" charset="-127"/>
+                <a:ea typeface="소야논8" panose="02020603020101020101" pitchFamily="18" charset="-127"/>
+              </a:rPr>
+              <a:t>)</a:t>
+            </a:r>
+            <a:endParaRPr lang="en-US" altLang="ko-KR" sz="2800" dirty="0">
+              <a:solidFill>
+                <a:schemeClr val="bg1"/>
+              </a:solidFill>
+              <a:latin typeface="소야논8" panose="02020603020101020101" pitchFamily="18" charset="-127"/>
+              <a:ea typeface="소야논8" panose="02020603020101020101" pitchFamily="18" charset="-127"/>
+            </a:endParaRPr>
+          </a:p>
+          <a:p>
+            <a:pPr>
               <a:lnSpc>
                 <a:spcPct val="150000"/>
               </a:lnSpc>
             </a:pPr>
-            <a:r>
-              <a:rPr lang="ko-KR" altLang="en-US" sz="2400" dirty="0" smtClean="0">
+            <a:endParaRPr lang="en-US" altLang="ko-KR" sz="2800" dirty="0" smtClean="0">
+              <a:solidFill>
+                <a:schemeClr val="bg1"/>
+              </a:solidFill>
+              <a:latin typeface="소야논8" panose="02020603020101020101" pitchFamily="18" charset="-127"/>
+              <a:ea typeface="소야논8" panose="02020603020101020101" pitchFamily="18" charset="-127"/>
+            </a:endParaRPr>
+          </a:p>
+          <a:p>
+            <a:pPr>
+              <a:lnSpc>
+                <a:spcPct val="150000"/>
+              </a:lnSpc>
+            </a:pPr>
+            <a:r>
+              <a:rPr lang="ko-KR" altLang="en-US" sz="2800" dirty="0" smtClean="0">
                 <a:solidFill>
                   <a:schemeClr val="bg1"/>
                 </a:solidFill>
                 <a:latin typeface="소야논8" panose="02020603020101020101" pitchFamily="18" charset="-127"/>
                 <a:ea typeface="소야논8" panose="02020603020101020101" pitchFamily="18" charset="-127"/>
               </a:rPr>
-              <a:t>로비 등등 없음</a:t>
-            </a:r>
-            <a:r>
-              <a:rPr lang="en-US" altLang="ko-KR" sz="2400" dirty="0" smtClean="0">
+              <a:t>현재 가동중인 서버 리스트를 관리 </a:t>
+            </a:r>
+            <a:r>
+              <a:rPr lang="en-US" altLang="ko-KR" sz="2800" dirty="0" smtClean="0">
                 <a:solidFill>
                   <a:schemeClr val="bg1"/>
                 </a:solidFill>
                 <a:latin typeface="소야논8" panose="02020603020101020101" pitchFamily="18" charset="-127"/>
                 <a:ea typeface="소야논8" panose="02020603020101020101" pitchFamily="18" charset="-127"/>
               </a:rPr>
-              <a:t>.</a:t>
+              <a:t>(IP</a:t>
+            </a:r>
+            <a:r>
+              <a:rPr lang="ko-KR" altLang="en-US" sz="2800" dirty="0" smtClean="0">
+                <a:solidFill>
+                  <a:schemeClr val="bg1"/>
+                </a:solidFill>
+                <a:latin typeface="소야논8" panose="02020603020101020101" pitchFamily="18" charset="-127"/>
+                <a:ea typeface="소야논8" panose="02020603020101020101" pitchFamily="18" charset="-127"/>
+              </a:rPr>
+              <a:t>주소 포함</a:t>
+            </a:r>
+            <a:r>
+              <a:rPr lang="en-US" altLang="ko-KR" sz="2800" dirty="0" smtClean="0">
+                <a:solidFill>
+                  <a:schemeClr val="bg1"/>
+                </a:solidFill>
+                <a:latin typeface="소야논8" panose="02020603020101020101" pitchFamily="18" charset="-127"/>
+                <a:ea typeface="소야논8" panose="02020603020101020101" pitchFamily="18" charset="-127"/>
+              </a:rPr>
+              <a:t>)</a:t>
             </a:r>
           </a:p>
         </p:txBody>
@@ -32032,7 +31874,7 @@
     </p:spTree>
     <p:extLst>
       <p:ext uri="{BB962C8B-B14F-4D97-AF65-F5344CB8AC3E}">
-        <p14:creationId xmlns:p14="http://schemas.microsoft.com/office/powerpoint/2010/main" val="3566497920"/>
+        <p14:creationId xmlns:p14="http://schemas.microsoft.com/office/powerpoint/2010/main" val="1444924957"/>
       </p:ext>
     </p:extLst>
   </p:cSld>
@@ -32089,7 +31931,7 @@
                 <a:latin typeface="소야논8" panose="02020603020101020101" pitchFamily="18" charset="-127"/>
                 <a:ea typeface="소야논8" panose="02020603020101020101" pitchFamily="18" charset="-127"/>
               </a:rPr>
-              <a:t>클라이언트</a:t>
+              <a:t>채널 서버</a:t>
             </a:r>
             <a:endParaRPr lang="ko-KR" altLang="en-US" dirty="0">
               <a:solidFill>
@@ -32131,10 +31973,10 @@
                 <a:latin typeface="소야논8" panose="02020603020101020101" pitchFamily="18" charset="-127"/>
                 <a:ea typeface="소야논8" panose="02020603020101020101" pitchFamily="18" charset="-127"/>
               </a:rPr>
-              <a:t>C++, Cocos2d-x, </a:t>
-            </a:r>
-            <a:r>
-              <a:rPr lang="en-US" altLang="ko-KR" sz="2800" dirty="0" err="1" smtClean="0">
+              <a:t>C++, </a:t>
+            </a:r>
+            <a:r>
+              <a:rPr lang="en-US" altLang="ko-KR" sz="2800" dirty="0" err="1">
                 <a:solidFill>
                   <a:schemeClr val="bg1"/>
                 </a:solidFill>
@@ -32143,73 +31985,25 @@
               </a:rPr>
               <a:t>winsock</a:t>
             </a:r>
-            <a:endParaRPr lang="en-US" altLang="ko-KR" sz="2800" dirty="0" smtClean="0">
-              <a:solidFill>
-                <a:schemeClr val="bg1"/>
-              </a:solidFill>
-              <a:latin typeface="소야논8" panose="02020603020101020101" pitchFamily="18" charset="-127"/>
-              <a:ea typeface="소야논8" panose="02020603020101020101" pitchFamily="18" charset="-127"/>
-            </a:endParaRPr>
-          </a:p>
-          <a:p>
-            <a:pPr>
-              <a:lnSpc>
-                <a:spcPct val="150000"/>
-              </a:lnSpc>
-            </a:pPr>
-            <a:endParaRPr lang="en-US" altLang="ko-KR" sz="2800" dirty="0">
-              <a:solidFill>
-                <a:schemeClr val="bg1"/>
-              </a:solidFill>
-              <a:latin typeface="소야논8" panose="02020603020101020101" pitchFamily="18" charset="-127"/>
-              <a:ea typeface="소야논8" panose="02020603020101020101" pitchFamily="18" charset="-127"/>
-            </a:endParaRPr>
-          </a:p>
-          <a:p>
-            <a:pPr>
-              <a:lnSpc>
-                <a:spcPct val="150000"/>
-              </a:lnSpc>
-            </a:pPr>
-            <a:r>
-              <a:rPr lang="ko-KR" altLang="en-US" sz="2800" dirty="0" smtClean="0">
+            <a:r>
+              <a:rPr lang="en-US" altLang="ko-KR" sz="2800" dirty="0">
                 <a:solidFill>
                   <a:schemeClr val="bg1"/>
                 </a:solidFill>
                 <a:latin typeface="소야논8" panose="02020603020101020101" pitchFamily="18" charset="-127"/>
                 <a:ea typeface="소야논8" panose="02020603020101020101" pitchFamily="18" charset="-127"/>
               </a:rPr>
-              <a:t>로그인 서버와 </a:t>
-            </a:r>
-            <a:r>
-              <a:rPr lang="en-US" altLang="ko-KR" sz="2800" dirty="0" smtClean="0">
+              <a:t>, IOCP</a:t>
+            </a:r>
+            <a:r>
+              <a:rPr lang="ko-KR" altLang="en-US" sz="2800" dirty="0">
                 <a:solidFill>
                   <a:schemeClr val="bg1"/>
                 </a:solidFill>
                 <a:latin typeface="소야논8" panose="02020603020101020101" pitchFamily="18" charset="-127"/>
                 <a:ea typeface="소야논8" panose="02020603020101020101" pitchFamily="18" charset="-127"/>
               </a:rPr>
-              <a:t>http</a:t>
-            </a:r>
-            <a:r>
-              <a:rPr lang="ko-KR" altLang="en-US" sz="2800" dirty="0" smtClean="0">
-                <a:solidFill>
-                  <a:schemeClr val="bg1"/>
-                </a:solidFill>
-                <a:latin typeface="소야논8" panose="02020603020101020101" pitchFamily="18" charset="-127"/>
-                <a:ea typeface="소야논8" panose="02020603020101020101" pitchFamily="18" charset="-127"/>
-              </a:rPr>
-              <a:t>로 통신 </a:t>
-            </a:r>
-            <a:r>
-              <a:rPr lang="en-US" altLang="ko-KR" sz="2800" dirty="0" smtClean="0">
-                <a:solidFill>
-                  <a:schemeClr val="bg1"/>
-                </a:solidFill>
-                <a:latin typeface="소야논8" panose="02020603020101020101" pitchFamily="18" charset="-127"/>
-                <a:ea typeface="소야논8" panose="02020603020101020101" pitchFamily="18" charset="-127"/>
-              </a:rPr>
-              <a:t>(Cocos2d-x)</a:t>
+              <a:t>를 이용하여 구현</a:t>
             </a:r>
           </a:p>
           <a:p>
@@ -32240,9 +32034,29 @@
                 <a:latin typeface="소야논8" panose="02020603020101020101" pitchFamily="18" charset="-127"/>
                 <a:ea typeface="소야논8" panose="02020603020101020101" pitchFamily="18" charset="-127"/>
               </a:rPr>
-              <a:t>로그인 서버에게 받은 채널 목록에서 채널선택</a:t>
-            </a:r>
-            <a:endParaRPr lang="ko-KR" altLang="en-US" sz="2800" dirty="0">
+              <a:t>방 </a:t>
+            </a:r>
+            <a:r>
+              <a:rPr lang="en-US" altLang="ko-KR" sz="2800" dirty="0" smtClean="0">
+                <a:solidFill>
+                  <a:schemeClr val="bg1"/>
+                </a:solidFill>
+                <a:latin typeface="소야논8" panose="02020603020101020101" pitchFamily="18" charset="-127"/>
+                <a:ea typeface="소야논8" panose="02020603020101020101" pitchFamily="18" charset="-127"/>
+              </a:rPr>
+              <a:t>+ </a:t>
+            </a:r>
+            <a:r>
+              <a:rPr lang="ko-KR" altLang="en-US" sz="2800" dirty="0" smtClean="0">
+                <a:solidFill>
+                  <a:schemeClr val="bg1"/>
+                </a:solidFill>
+                <a:latin typeface="소야논8" panose="02020603020101020101" pitchFamily="18" charset="-127"/>
+                <a:ea typeface="소야논8" panose="02020603020101020101" pitchFamily="18" charset="-127"/>
+              </a:rPr>
+              <a:t>게임 진행</a:t>
+            </a:r>
+            <a:endParaRPr lang="en-US" altLang="ko-KR" sz="2800" dirty="0" smtClean="0">
               <a:solidFill>
                 <a:schemeClr val="bg1"/>
               </a:solidFill>
@@ -32250,12 +32064,80 @@
               <a:ea typeface="소야논8" panose="02020603020101020101" pitchFamily="18" charset="-127"/>
             </a:endParaRPr>
           </a:p>
+          <a:p>
+            <a:pPr>
+              <a:lnSpc>
+                <a:spcPct val="150000"/>
+              </a:lnSpc>
+            </a:pPr>
+            <a:endParaRPr lang="en-US" altLang="ko-KR" sz="2800" dirty="0" smtClean="0">
+              <a:solidFill>
+                <a:schemeClr val="bg1"/>
+              </a:solidFill>
+              <a:latin typeface="소야논8" panose="02020603020101020101" pitchFamily="18" charset="-127"/>
+              <a:ea typeface="소야논8" panose="02020603020101020101" pitchFamily="18" charset="-127"/>
+            </a:endParaRPr>
+          </a:p>
+          <a:p>
+            <a:pPr>
+              <a:lnSpc>
+                <a:spcPct val="150000"/>
+              </a:lnSpc>
+            </a:pPr>
+            <a:r>
+              <a:rPr lang="ko-KR" altLang="en-US" sz="2800" dirty="0" smtClean="0">
+                <a:solidFill>
+                  <a:schemeClr val="bg1"/>
+                </a:solidFill>
+                <a:latin typeface="소야논8" panose="02020603020101020101" pitchFamily="18" charset="-127"/>
+                <a:ea typeface="소야논8" panose="02020603020101020101" pitchFamily="18" charset="-127"/>
+              </a:rPr>
+              <a:t>비어있는 방에 바로 집어넣음</a:t>
+            </a:r>
+            <a:r>
+              <a:rPr lang="en-US" altLang="ko-KR" sz="2800" dirty="0" smtClean="0">
+                <a:solidFill>
+                  <a:schemeClr val="bg1"/>
+                </a:solidFill>
+                <a:latin typeface="소야논8" panose="02020603020101020101" pitchFamily="18" charset="-127"/>
+                <a:ea typeface="소야논8" panose="02020603020101020101" pitchFamily="18" charset="-127"/>
+              </a:rPr>
+              <a:t>.</a:t>
+            </a:r>
+          </a:p>
+          <a:p>
+            <a:pPr lvl="1">
+              <a:lnSpc>
+                <a:spcPct val="150000"/>
+              </a:lnSpc>
+            </a:pPr>
+            <a:r>
+              <a:rPr lang="ko-KR" altLang="en-US" sz="2400" dirty="0" smtClean="0">
+                <a:solidFill>
+                  <a:schemeClr val="bg1"/>
+                </a:solidFill>
+                <a:latin typeface="소야논8" panose="02020603020101020101" pitchFamily="18" charset="-127"/>
+                <a:ea typeface="소야논8" panose="02020603020101020101" pitchFamily="18" charset="-127"/>
+              </a:rPr>
+              <a:t>로비 등등 없음</a:t>
+            </a:r>
+            <a:r>
+              <a:rPr lang="en-US" altLang="ko-KR" sz="2400" dirty="0" smtClean="0">
+                <a:solidFill>
+                  <a:schemeClr val="bg1"/>
+                </a:solidFill>
+                <a:latin typeface="소야논8" panose="02020603020101020101" pitchFamily="18" charset="-127"/>
+                <a:ea typeface="소야논8" panose="02020603020101020101" pitchFamily="18" charset="-127"/>
+              </a:rPr>
+              <a:t>.</a:t>
+            </a:r>
+          </a:p>
         </p:txBody>
       </p:sp>
     </p:spTree>
     <p:extLst>
       <p:ext uri="{BB962C8B-B14F-4D97-AF65-F5344CB8AC3E}">
-        <p14:creationId xmlns:p14="http://schemas.microsoft.com/office/powerpoint/2010/main" val="2237886472"/>
+        <p14:creationId xmlns:p14="http://schemas.microsoft.com/office/powerpoint/2010/main" val="3566497920"/>
       </p:ext>
     </p:extLst>
   </p:cSld>
@@ -32312,7 +32194,7 @@
                 <a:latin typeface="소야논8" panose="02020603020101020101" pitchFamily="18" charset="-127"/>
                 <a:ea typeface="소야논8" panose="02020603020101020101" pitchFamily="18" charset="-127"/>
               </a:rPr>
-              <a:t>기타</a:t>
+              <a:t>클라이언트</a:t>
             </a:r>
             <a:endParaRPr lang="ko-KR" altLang="en-US" dirty="0">
               <a:solidFill>
@@ -32341,85 +32223,30 @@
           </a:bodyPr>
           <a:lstStyle/>
           <a:p>
-            <a:r>
-              <a:rPr lang="ko-KR" altLang="en-US" sz="2800" dirty="0" smtClean="0">
+            <a:pPr>
+              <a:lnSpc>
+                <a:spcPct val="150000"/>
+              </a:lnSpc>
+            </a:pPr>
+            <a:r>
+              <a:rPr lang="en-US" altLang="ko-KR" sz="2800" dirty="0">
                 <a:solidFill>
                   <a:schemeClr val="bg1"/>
                 </a:solidFill>
                 <a:latin typeface="소야논8" panose="02020603020101020101" pitchFamily="18" charset="-127"/>
                 <a:ea typeface="소야논8" panose="02020603020101020101" pitchFamily="18" charset="-127"/>
               </a:rPr>
-              <a:t>로비</a:t>
-            </a:r>
-            <a:r>
-              <a:rPr lang="en-US" altLang="ko-KR" sz="2800" dirty="0" smtClean="0">
+              <a:t>C++, Cocos2d-x, </a:t>
+            </a:r>
+            <a:r>
+              <a:rPr lang="en-US" altLang="ko-KR" sz="2800" dirty="0" err="1" smtClean="0">
                 <a:solidFill>
                   <a:schemeClr val="bg1"/>
                 </a:solidFill>
                 <a:latin typeface="소야논8" panose="02020603020101020101" pitchFamily="18" charset="-127"/>
                 <a:ea typeface="소야논8" panose="02020603020101020101" pitchFamily="18" charset="-127"/>
               </a:rPr>
-              <a:t>(</a:t>
-            </a:r>
-            <a:r>
-              <a:rPr lang="ko-KR" altLang="en-US" sz="2800" dirty="0" smtClean="0">
-                <a:solidFill>
-                  <a:schemeClr val="bg1"/>
-                </a:solidFill>
-                <a:latin typeface="소야논8" panose="02020603020101020101" pitchFamily="18" charset="-127"/>
-                <a:ea typeface="소야논8" panose="02020603020101020101" pitchFamily="18" charset="-127"/>
-              </a:rPr>
-              <a:t>룸 리스트</a:t>
-            </a:r>
-            <a:r>
-              <a:rPr lang="en-US" altLang="ko-KR" sz="2800" dirty="0" smtClean="0">
-                <a:solidFill>
-                  <a:schemeClr val="bg1"/>
-                </a:solidFill>
-                <a:latin typeface="소야논8" panose="02020603020101020101" pitchFamily="18" charset="-127"/>
-                <a:ea typeface="소야논8" panose="02020603020101020101" pitchFamily="18" charset="-127"/>
-              </a:rPr>
-              <a:t>)</a:t>
-            </a:r>
-            <a:r>
-              <a:rPr lang="ko-KR" altLang="en-US" sz="2800" dirty="0" smtClean="0">
-                <a:solidFill>
-                  <a:schemeClr val="bg1"/>
-                </a:solidFill>
-                <a:latin typeface="소야논8" panose="02020603020101020101" pitchFamily="18" charset="-127"/>
-                <a:ea typeface="소야논8" panose="02020603020101020101" pitchFamily="18" charset="-127"/>
-              </a:rPr>
-              <a:t>는 없고</a:t>
-            </a:r>
-            <a:r>
-              <a:rPr lang="en-US" altLang="ko-KR" sz="2800" dirty="0" smtClean="0">
-                <a:solidFill>
-                  <a:schemeClr val="bg1"/>
-                </a:solidFill>
-                <a:latin typeface="소야논8" panose="02020603020101020101" pitchFamily="18" charset="-127"/>
-                <a:ea typeface="소야논8" panose="02020603020101020101" pitchFamily="18" charset="-127"/>
-              </a:rPr>
-              <a:t>, </a:t>
-            </a:r>
-            <a:r>
-              <a:rPr lang="ko-KR" altLang="en-US" sz="2800" dirty="0" err="1" smtClean="0">
-                <a:solidFill>
-                  <a:schemeClr val="bg1"/>
-                </a:solidFill>
-                <a:latin typeface="소야논8" panose="02020603020101020101" pitchFamily="18" charset="-127"/>
-                <a:ea typeface="소야논8" panose="02020603020101020101" pitchFamily="18" charset="-127"/>
-              </a:rPr>
-              <a:t>접속시</a:t>
-            </a:r>
-            <a:r>
-              <a:rPr lang="ko-KR" altLang="en-US" sz="2800" dirty="0" smtClean="0">
-                <a:solidFill>
-                  <a:schemeClr val="bg1"/>
-                </a:solidFill>
-                <a:latin typeface="소야논8" panose="02020603020101020101" pitchFamily="18" charset="-127"/>
-                <a:ea typeface="소야논8" panose="02020603020101020101" pitchFamily="18" charset="-127"/>
-              </a:rPr>
-              <a:t> 빈 방으로 빠른 참여</a:t>
+              <a:t>winsock</a:t>
             </a:r>
             <a:endParaRPr lang="en-US" altLang="ko-KR" sz="2800" dirty="0" smtClean="0">
               <a:solidFill>
@@ -32430,6 +32257,72 @@
             </a:endParaRPr>
           </a:p>
           <a:p>
+            <a:pPr>
+              <a:lnSpc>
+                <a:spcPct val="150000"/>
+              </a:lnSpc>
+            </a:pPr>
+            <a:endParaRPr lang="en-US" altLang="ko-KR" sz="2800" dirty="0">
+              <a:solidFill>
+                <a:schemeClr val="bg1"/>
+              </a:solidFill>
+              <a:latin typeface="소야논8" panose="02020603020101020101" pitchFamily="18" charset="-127"/>
+              <a:ea typeface="소야논8" panose="02020603020101020101" pitchFamily="18" charset="-127"/>
+            </a:endParaRPr>
+          </a:p>
+          <a:p>
+            <a:pPr>
+              <a:lnSpc>
+                <a:spcPct val="150000"/>
+              </a:lnSpc>
+            </a:pPr>
+            <a:r>
+              <a:rPr lang="ko-KR" altLang="en-US" sz="2800" dirty="0" smtClean="0">
+                <a:solidFill>
+                  <a:schemeClr val="bg1"/>
+                </a:solidFill>
+                <a:latin typeface="소야논8" panose="02020603020101020101" pitchFamily="18" charset="-127"/>
+                <a:ea typeface="소야논8" panose="02020603020101020101" pitchFamily="18" charset="-127"/>
+              </a:rPr>
+              <a:t>로그인 서버와 </a:t>
+            </a:r>
+            <a:r>
+              <a:rPr lang="en-US" altLang="ko-KR" sz="2800" dirty="0" smtClean="0">
+                <a:solidFill>
+                  <a:schemeClr val="bg1"/>
+                </a:solidFill>
+                <a:latin typeface="소야논8" panose="02020603020101020101" pitchFamily="18" charset="-127"/>
+                <a:ea typeface="소야논8" panose="02020603020101020101" pitchFamily="18" charset="-127"/>
+              </a:rPr>
+              <a:t>http</a:t>
+            </a:r>
+            <a:r>
+              <a:rPr lang="ko-KR" altLang="en-US" sz="2800" dirty="0" smtClean="0">
+                <a:solidFill>
+                  <a:schemeClr val="bg1"/>
+                </a:solidFill>
+                <a:latin typeface="소야논8" panose="02020603020101020101" pitchFamily="18" charset="-127"/>
+                <a:ea typeface="소야논8" panose="02020603020101020101" pitchFamily="18" charset="-127"/>
+              </a:rPr>
+              <a:t>로 통신 </a:t>
+            </a:r>
+            <a:r>
+              <a:rPr lang="en-US" altLang="ko-KR" sz="2800" dirty="0" smtClean="0">
+                <a:solidFill>
+                  <a:schemeClr val="bg1"/>
+                </a:solidFill>
+                <a:latin typeface="소야논8" panose="02020603020101020101" pitchFamily="18" charset="-127"/>
+                <a:ea typeface="소야논8" panose="02020603020101020101" pitchFamily="18" charset="-127"/>
+              </a:rPr>
+              <a:t>(Cocos2d-x)</a:t>
+            </a:r>
+          </a:p>
+          <a:p>
+            <a:pPr>
+              <a:lnSpc>
+                <a:spcPct val="150000"/>
+              </a:lnSpc>
+            </a:pPr>
             <a:endParaRPr lang="en-US" altLang="ko-KR" sz="2800" dirty="0" smtClean="0">
               <a:solidFill>
                 <a:schemeClr val="bg1"/>
@@ -32439,6 +32332,11 @@
             </a:endParaRPr>
           </a:p>
           <a:p>
+            <a:pPr>
+              <a:lnSpc>
+                <a:spcPct val="150000"/>
+              </a:lnSpc>
+            </a:pPr>
             <a:r>
               <a:rPr lang="ko-KR" altLang="en-US" sz="2800" dirty="0" smtClean="0">
                 <a:solidFill>
@@ -32447,95 +32345,7 @@
                 <a:latin typeface="소야논8" panose="02020603020101020101" pitchFamily="18" charset="-127"/>
                 <a:ea typeface="소야논8" panose="02020603020101020101" pitchFamily="18" charset="-127"/>
               </a:rPr>
-              <a:t>칩 충전은 횟수 제한 </a:t>
-            </a:r>
-            <a:r>
-              <a:rPr lang="ko-KR" altLang="en-US" sz="2800" dirty="0" smtClean="0">
-                <a:solidFill>
-                  <a:schemeClr val="bg1"/>
-                </a:solidFill>
-                <a:latin typeface="소야논8" panose="02020603020101020101" pitchFamily="18" charset="-127"/>
-                <a:ea typeface="소야논8" panose="02020603020101020101" pitchFamily="18" charset="-127"/>
-              </a:rPr>
-              <a:t>없음</a:t>
-            </a:r>
-            <a:endParaRPr lang="en-US" altLang="ko-KR" sz="2800" dirty="0" smtClean="0">
-              <a:solidFill>
-                <a:schemeClr val="bg1"/>
-              </a:solidFill>
-              <a:latin typeface="소야논8" panose="02020603020101020101" pitchFamily="18" charset="-127"/>
-              <a:ea typeface="소야논8" panose="02020603020101020101" pitchFamily="18" charset="-127"/>
-            </a:endParaRPr>
-          </a:p>
-          <a:p>
-            <a:endParaRPr lang="en-US" altLang="ko-KR" sz="2800" dirty="0" smtClean="0">
-              <a:solidFill>
-                <a:schemeClr val="bg1"/>
-              </a:solidFill>
-              <a:latin typeface="소야논8" panose="02020603020101020101" pitchFamily="18" charset="-127"/>
-              <a:ea typeface="소야논8" panose="02020603020101020101" pitchFamily="18" charset="-127"/>
-            </a:endParaRPr>
-          </a:p>
-          <a:p>
-            <a:r>
-              <a:rPr lang="ko-KR" altLang="en-US" sz="2800" dirty="0" smtClean="0">
-                <a:solidFill>
-                  <a:schemeClr val="bg1"/>
-                </a:solidFill>
-                <a:latin typeface="소야논8" panose="02020603020101020101" pitchFamily="18" charset="-127"/>
-                <a:ea typeface="소야논8" panose="02020603020101020101" pitchFamily="18" charset="-127"/>
-              </a:rPr>
-              <a:t>유저마다 고유 </a:t>
-            </a:r>
-            <a:r>
-              <a:rPr lang="ko-KR" altLang="en-US" sz="2800" dirty="0" err="1" smtClean="0">
-                <a:solidFill>
-                  <a:schemeClr val="bg1"/>
-                </a:solidFill>
-                <a:latin typeface="소야논8" panose="02020603020101020101" pitchFamily="18" charset="-127"/>
-                <a:ea typeface="소야논8" panose="02020603020101020101" pitchFamily="18" charset="-127"/>
-              </a:rPr>
-              <a:t>포켓몬</a:t>
-            </a:r>
-            <a:r>
-              <a:rPr lang="en-US" altLang="ko-KR" sz="2800" dirty="0" smtClean="0">
-                <a:solidFill>
-                  <a:schemeClr val="bg1"/>
-                </a:solidFill>
-                <a:latin typeface="소야논8" panose="02020603020101020101" pitchFamily="18" charset="-127"/>
-                <a:ea typeface="소야논8" panose="02020603020101020101" pitchFamily="18" charset="-127"/>
-              </a:rPr>
-              <a:t>(</a:t>
-            </a:r>
-            <a:r>
-              <a:rPr lang="ko-KR" altLang="en-US" sz="2800" dirty="0" smtClean="0">
-                <a:solidFill>
-                  <a:schemeClr val="bg1"/>
-                </a:solidFill>
-                <a:latin typeface="소야논8" panose="02020603020101020101" pitchFamily="18" charset="-127"/>
-                <a:ea typeface="소야논8" panose="02020603020101020101" pitchFamily="18" charset="-127"/>
-              </a:rPr>
-              <a:t>아이콘</a:t>
-            </a:r>
-            <a:r>
-              <a:rPr lang="en-US" altLang="ko-KR" sz="2800" dirty="0" smtClean="0">
-                <a:solidFill>
-                  <a:schemeClr val="bg1"/>
-                </a:solidFill>
-                <a:latin typeface="소야논8" panose="02020603020101020101" pitchFamily="18" charset="-127"/>
-                <a:ea typeface="소야논8" panose="02020603020101020101" pitchFamily="18" charset="-127"/>
-              </a:rPr>
-              <a:t>)</a:t>
-            </a:r>
-            <a:r>
-              <a:rPr lang="ko-KR" altLang="en-US" sz="2800" dirty="0" smtClean="0">
-                <a:solidFill>
-                  <a:schemeClr val="bg1"/>
-                </a:solidFill>
-                <a:latin typeface="소야논8" panose="02020603020101020101" pitchFamily="18" charset="-127"/>
-                <a:ea typeface="소야논8" panose="02020603020101020101" pitchFamily="18" charset="-127"/>
-              </a:rPr>
-              <a:t>이 있다</a:t>
+              <a:t>로그인 서버에게 받은 채널 목록에서 채널선택</a:t>
             </a:r>
             <a:endParaRPr lang="ko-KR" altLang="en-US" sz="2800" dirty="0">
               <a:solidFill>
@@ -32568,7 +32378,7 @@
 </file>
 
 <file path=ppt/slides/slide18.xml><?xml version="1.0" encoding="utf-8"?>
-<p:sld xmlns:a="http://schemas.openxmlformats.org/drawingml/2006/main" xmlns:r="http://schemas.openxmlformats.org/officeDocument/2006/relationships" xmlns:p="http://schemas.openxmlformats.org/presentationml/2006/main">
+<p:sld xmlns:a="http://schemas.openxmlformats.org/drawingml/2006/main" xmlns:r="http://schemas.openxmlformats.org/officeDocument/2006/relationships" xmlns:p="http://schemas.openxmlformats.org/presentationml/2006/main" showMasterSp="0">
   <p:cSld>
     <p:spTree>
       <p:nvGrpSpPr>
@@ -32637,14 +32447,84 @@
           <a:lstStyle/>
           <a:p>
             <a:r>
-              <a:rPr lang="ko-KR" altLang="en-US" sz="2800" dirty="0" err="1" smtClean="0">
+              <a:rPr lang="ko-KR" altLang="en-US" sz="2800" dirty="0" smtClean="0">
                 <a:solidFill>
                   <a:schemeClr val="bg1"/>
                 </a:solidFill>
                 <a:latin typeface="소야논8" panose="02020603020101020101" pitchFamily="18" charset="-127"/>
                 <a:ea typeface="소야논8" panose="02020603020101020101" pitchFamily="18" charset="-127"/>
               </a:rPr>
-              <a:t>게임룰</a:t>
+              <a:t>로비</a:t>
+            </a:r>
+            <a:r>
+              <a:rPr lang="en-US" altLang="ko-KR" sz="2800" dirty="0" smtClean="0">
+                <a:solidFill>
+                  <a:schemeClr val="bg1"/>
+                </a:solidFill>
+                <a:latin typeface="소야논8" panose="02020603020101020101" pitchFamily="18" charset="-127"/>
+                <a:ea typeface="소야논8" panose="02020603020101020101" pitchFamily="18" charset="-127"/>
+              </a:rPr>
+              <a:t>(</a:t>
+            </a:r>
+            <a:r>
+              <a:rPr lang="ko-KR" altLang="en-US" sz="2800" dirty="0" smtClean="0">
+                <a:solidFill>
+                  <a:schemeClr val="bg1"/>
+                </a:solidFill>
+                <a:latin typeface="소야논8" panose="02020603020101020101" pitchFamily="18" charset="-127"/>
+                <a:ea typeface="소야논8" panose="02020603020101020101" pitchFamily="18" charset="-127"/>
+              </a:rPr>
+              <a:t>룸 리스트</a:t>
+            </a:r>
+            <a:r>
+              <a:rPr lang="en-US" altLang="ko-KR" sz="2800" dirty="0" smtClean="0">
+                <a:solidFill>
+                  <a:schemeClr val="bg1"/>
+                </a:solidFill>
+                <a:latin typeface="소야논8" panose="02020603020101020101" pitchFamily="18" charset="-127"/>
+                <a:ea typeface="소야논8" panose="02020603020101020101" pitchFamily="18" charset="-127"/>
+              </a:rPr>
+              <a:t>)</a:t>
+            </a:r>
+            <a:r>
+              <a:rPr lang="ko-KR" altLang="en-US" sz="2800" dirty="0" smtClean="0">
+                <a:solidFill>
+                  <a:schemeClr val="bg1"/>
+                </a:solidFill>
+                <a:latin typeface="소야논8" panose="02020603020101020101" pitchFamily="18" charset="-127"/>
+                <a:ea typeface="소야논8" panose="02020603020101020101" pitchFamily="18" charset="-127"/>
+              </a:rPr>
+              <a:t>는 없고</a:t>
+            </a:r>
+            <a:r>
+              <a:rPr lang="en-US" altLang="ko-KR" sz="2800" dirty="0" smtClean="0">
+                <a:solidFill>
+                  <a:schemeClr val="bg1"/>
+                </a:solidFill>
+                <a:latin typeface="소야논8" panose="02020603020101020101" pitchFamily="18" charset="-127"/>
+                <a:ea typeface="소야논8" panose="02020603020101020101" pitchFamily="18" charset="-127"/>
+              </a:rPr>
+              <a:t>, </a:t>
+            </a:r>
+            <a:r>
+              <a:rPr lang="ko-KR" altLang="en-US" sz="2800" dirty="0" err="1" smtClean="0">
+                <a:solidFill>
+                  <a:schemeClr val="bg1"/>
+                </a:solidFill>
+                <a:latin typeface="소야논8" panose="02020603020101020101" pitchFamily="18" charset="-127"/>
+                <a:ea typeface="소야논8" panose="02020603020101020101" pitchFamily="18" charset="-127"/>
+              </a:rPr>
+              <a:t>접속시</a:t>
+            </a:r>
+            <a:r>
+              <a:rPr lang="ko-KR" altLang="en-US" sz="2800" dirty="0" smtClean="0">
+                <a:solidFill>
+                  <a:schemeClr val="bg1"/>
+                </a:solidFill>
+                <a:latin typeface="소야논8" panose="02020603020101020101" pitchFamily="18" charset="-127"/>
+                <a:ea typeface="소야논8" panose="02020603020101020101" pitchFamily="18" charset="-127"/>
+              </a:rPr>
+              <a:t> 빈 방으로 빠른 참여</a:t>
             </a:r>
             <a:endParaRPr lang="en-US" altLang="ko-KR" sz="2800" dirty="0" smtClean="0">
               <a:solidFill>
@@ -32655,56 +32535,7 @@
             </a:endParaRPr>
           </a:p>
           <a:p>
-            <a:pPr lvl="1">
-              <a:lnSpc>
-                <a:spcPct val="150000"/>
-              </a:lnSpc>
-            </a:pPr>
-            <a:r>
-              <a:rPr lang="en-US" altLang="ko-KR" sz="2400" dirty="0" smtClean="0">
-                <a:solidFill>
-                  <a:schemeClr val="bg1"/>
-                </a:solidFill>
-                <a:latin typeface="소야논8" panose="02020603020101020101" pitchFamily="18" charset="-127"/>
-                <a:ea typeface="소야논8" panose="02020603020101020101" pitchFamily="18" charset="-127"/>
-              </a:rPr>
-              <a:t>17 soft stand</a:t>
-            </a:r>
-          </a:p>
-          <a:p>
-            <a:pPr lvl="1">
-              <a:lnSpc>
-                <a:spcPct val="150000"/>
-              </a:lnSpc>
-            </a:pPr>
-            <a:r>
-              <a:rPr lang="en-US" altLang="ko-KR" sz="2400" dirty="0" smtClean="0">
-                <a:solidFill>
-                  <a:schemeClr val="bg1"/>
-                </a:solidFill>
-                <a:latin typeface="소야논8" panose="02020603020101020101" pitchFamily="18" charset="-127"/>
-                <a:ea typeface="소야논8" panose="02020603020101020101" pitchFamily="18" charset="-127"/>
-              </a:rPr>
-              <a:t>Split : Only 1 time.</a:t>
-            </a:r>
-          </a:p>
-          <a:p>
-            <a:pPr lvl="1">
-              <a:lnSpc>
-                <a:spcPct val="150000"/>
-              </a:lnSpc>
-            </a:pPr>
-            <a:r>
-              <a:rPr lang="en-US" altLang="ko-KR" sz="2400" dirty="0" smtClean="0">
-                <a:solidFill>
-                  <a:schemeClr val="bg1"/>
-                </a:solidFill>
-                <a:latin typeface="소야논8" panose="02020603020101020101" pitchFamily="18" charset="-127"/>
-                <a:ea typeface="소야논8" panose="02020603020101020101" pitchFamily="18" charset="-127"/>
-              </a:rPr>
-              <a:t>Double down : Only when player has 2 cards.</a:t>
-            </a:r>
-            <a:endParaRPr lang="ko-KR" altLang="en-US" sz="2400" dirty="0">
+            <a:endParaRPr lang="en-US" altLang="ko-KR" sz="2800" dirty="0" smtClean="0">
               <a:solidFill>
                 <a:schemeClr val="bg1"/>
               </a:solidFill>
@@ -32712,12 +32543,109 @@
               <a:ea typeface="소야논8" panose="02020603020101020101" pitchFamily="18" charset="-127"/>
             </a:endParaRPr>
           </a:p>
+          <a:p>
+            <a:r>
+              <a:rPr lang="ko-KR" altLang="en-US" sz="2800" dirty="0" smtClean="0">
+                <a:solidFill>
+                  <a:schemeClr val="bg1"/>
+                </a:solidFill>
+                <a:latin typeface="소야논8" panose="02020603020101020101" pitchFamily="18" charset="-127"/>
+                <a:ea typeface="소야논8" panose="02020603020101020101" pitchFamily="18" charset="-127"/>
+              </a:rPr>
+              <a:t>칩 충전은 횟수 제한 없음</a:t>
+            </a:r>
+            <a:endParaRPr lang="en-US" altLang="ko-KR" sz="2800" dirty="0" smtClean="0">
+              <a:solidFill>
+                <a:schemeClr val="bg1"/>
+              </a:solidFill>
+              <a:latin typeface="소야논8" panose="02020603020101020101" pitchFamily="18" charset="-127"/>
+              <a:ea typeface="소야논8" panose="02020603020101020101" pitchFamily="18" charset="-127"/>
+            </a:endParaRPr>
+          </a:p>
+          <a:p>
+            <a:endParaRPr lang="en-US" altLang="ko-KR" sz="2800" dirty="0" smtClean="0">
+              <a:solidFill>
+                <a:schemeClr val="bg1"/>
+              </a:solidFill>
+              <a:latin typeface="소야논8" panose="02020603020101020101" pitchFamily="18" charset="-127"/>
+              <a:ea typeface="소야논8" panose="02020603020101020101" pitchFamily="18" charset="-127"/>
+            </a:endParaRPr>
+          </a:p>
+          <a:p>
+            <a:r>
+              <a:rPr lang="ko-KR" altLang="en-US" sz="2800" dirty="0" smtClean="0">
+                <a:solidFill>
+                  <a:schemeClr val="bg1"/>
+                </a:solidFill>
+                <a:latin typeface="소야논8" panose="02020603020101020101" pitchFamily="18" charset="-127"/>
+                <a:ea typeface="소야논8" panose="02020603020101020101" pitchFamily="18" charset="-127"/>
+              </a:rPr>
+              <a:t>유저마다 고유 </a:t>
+            </a:r>
+            <a:r>
+              <a:rPr lang="ko-KR" altLang="en-US" sz="2800" dirty="0" err="1" smtClean="0">
+                <a:solidFill>
+                  <a:schemeClr val="bg1"/>
+                </a:solidFill>
+                <a:latin typeface="소야논8" panose="02020603020101020101" pitchFamily="18" charset="-127"/>
+                <a:ea typeface="소야논8" panose="02020603020101020101" pitchFamily="18" charset="-127"/>
+              </a:rPr>
+              <a:t>포켓몬</a:t>
+            </a:r>
+            <a:r>
+              <a:rPr lang="en-US" altLang="ko-KR" sz="2800" dirty="0" smtClean="0">
+                <a:solidFill>
+                  <a:schemeClr val="bg1"/>
+                </a:solidFill>
+                <a:latin typeface="소야논8" panose="02020603020101020101" pitchFamily="18" charset="-127"/>
+                <a:ea typeface="소야논8" panose="02020603020101020101" pitchFamily="18" charset="-127"/>
+              </a:rPr>
+              <a:t>(</a:t>
+            </a:r>
+            <a:r>
+              <a:rPr lang="ko-KR" altLang="en-US" sz="2800" dirty="0" smtClean="0">
+                <a:solidFill>
+                  <a:schemeClr val="bg1"/>
+                </a:solidFill>
+                <a:latin typeface="소야논8" panose="02020603020101020101" pitchFamily="18" charset="-127"/>
+                <a:ea typeface="소야논8" panose="02020603020101020101" pitchFamily="18" charset="-127"/>
+              </a:rPr>
+              <a:t>아이콘</a:t>
+            </a:r>
+            <a:r>
+              <a:rPr lang="en-US" altLang="ko-KR" sz="2800" dirty="0" smtClean="0">
+                <a:solidFill>
+                  <a:schemeClr val="bg1"/>
+                </a:solidFill>
+                <a:latin typeface="소야논8" panose="02020603020101020101" pitchFamily="18" charset="-127"/>
+                <a:ea typeface="소야논8" panose="02020603020101020101" pitchFamily="18" charset="-127"/>
+              </a:rPr>
+              <a:t>)</a:t>
+            </a:r>
+            <a:r>
+              <a:rPr lang="ko-KR" altLang="en-US" sz="2800" dirty="0" smtClean="0">
+                <a:solidFill>
+                  <a:schemeClr val="bg1"/>
+                </a:solidFill>
+                <a:latin typeface="소야논8" panose="02020603020101020101" pitchFamily="18" charset="-127"/>
+                <a:ea typeface="소야논8" panose="02020603020101020101" pitchFamily="18" charset="-127"/>
+              </a:rPr>
+              <a:t>이 있다</a:t>
+            </a:r>
+            <a:endParaRPr lang="ko-KR" altLang="en-US" sz="2800" dirty="0">
+              <a:solidFill>
+                <a:schemeClr val="bg1"/>
+              </a:solidFill>
+              <a:latin typeface="소야논8" panose="02020603020101020101" pitchFamily="18" charset="-127"/>
+              <a:ea typeface="소야논8" panose="02020603020101020101" pitchFamily="18" charset="-127"/>
+            </a:endParaRPr>
+          </a:p>
         </p:txBody>
       </p:sp>
     </p:spTree>
     <p:extLst>
       <p:ext uri="{BB962C8B-B14F-4D97-AF65-F5344CB8AC3E}">
-        <p14:creationId xmlns:p14="http://schemas.microsoft.com/office/powerpoint/2010/main" val="4099276127"/>
+        <p14:creationId xmlns:p14="http://schemas.microsoft.com/office/powerpoint/2010/main" val="2237886472"/>
       </p:ext>
     </p:extLst>
   </p:cSld>
@@ -32735,7 +32663,7 @@
 </file>
 
 <file path=ppt/slides/slide19.xml><?xml version="1.0" encoding="utf-8"?>
-<p:sld xmlns:a="http://schemas.openxmlformats.org/drawingml/2006/main" xmlns:r="http://schemas.openxmlformats.org/officeDocument/2006/relationships" xmlns:p="http://schemas.openxmlformats.org/presentationml/2006/main" showMasterSp="0">
+<p:sld xmlns:a="http://schemas.openxmlformats.org/drawingml/2006/main" xmlns:r="http://schemas.openxmlformats.org/officeDocument/2006/relationships" xmlns:p="http://schemas.openxmlformats.org/presentationml/2006/main">
   <p:cSld>
     <p:spTree>
       <p:nvGrpSpPr>
@@ -32758,27 +32686,25 @@
             <a:spLocks noGrp="1"/>
           </p:cNvSpPr>
           <p:nvPr>
-            <p:ph type="ctrTitle"/>
+            <p:ph type="title"/>
           </p:nvPr>
         </p:nvSpPr>
         <p:spPr/>
         <p:txBody>
-          <a:bodyPr>
-            <a:normAutofit/>
-          </a:bodyPr>
-          <a:lstStyle/>
-          <a:p>
-            <a:r>
-              <a:rPr lang="ko-KR" altLang="en-US" sz="4800" dirty="0" smtClean="0">
+          <a:bodyPr/>
+          <a:lstStyle/>
+          <a:p>
+            <a:r>
+              <a:rPr lang="ko-KR" altLang="en-US" dirty="0" smtClean="0">
                 <a:solidFill>
                   <a:srgbClr val="E4007F"/>
                 </a:solidFill>
                 <a:latin typeface="소야논8" panose="02020603020101020101" pitchFamily="18" charset="-127"/>
                 <a:ea typeface="소야논8" panose="02020603020101020101" pitchFamily="18" charset="-127"/>
               </a:rPr>
-              <a:t>서버</a:t>
-            </a:r>
-            <a:endParaRPr lang="ko-KR" altLang="en-US" sz="4800" dirty="0">
+              <a:t>기타</a:t>
+            </a:r>
+            <a:endParaRPr lang="ko-KR" altLang="en-US" dirty="0">
               <a:solidFill>
                 <a:srgbClr val="E4007F"/>
               </a:solidFill>
@@ -32788,10 +32714,105 @@
           </a:p>
         </p:txBody>
       </p:sp>
+      <p:sp>
+        <p:nvSpPr>
+          <p:cNvPr id="3" name="내용 개체 틀 2"/>
+          <p:cNvSpPr>
+            <a:spLocks noGrp="1"/>
+          </p:cNvSpPr>
+          <p:nvPr>
+            <p:ph idx="1"/>
+          </p:nvPr>
+        </p:nvSpPr>
+        <p:spPr/>
+        <p:txBody>
+          <a:bodyPr>
+            <a:normAutofit/>
+          </a:bodyPr>
+          <a:lstStyle/>
+          <a:p>
+            <a:r>
+              <a:rPr lang="ko-KR" altLang="en-US" sz="2800" dirty="0" err="1" smtClean="0">
+                <a:solidFill>
+                  <a:schemeClr val="bg1"/>
+                </a:solidFill>
+                <a:latin typeface="소야논8" panose="02020603020101020101" pitchFamily="18" charset="-127"/>
+                <a:ea typeface="소야논8" panose="02020603020101020101" pitchFamily="18" charset="-127"/>
+              </a:rPr>
+              <a:t>게임룰</a:t>
+            </a:r>
+            <a:endParaRPr lang="en-US" altLang="ko-KR" sz="2800" dirty="0" smtClean="0">
+              <a:solidFill>
+                <a:schemeClr val="bg1"/>
+              </a:solidFill>
+              <a:latin typeface="소야논8" panose="02020603020101020101" pitchFamily="18" charset="-127"/>
+              <a:ea typeface="소야논8" panose="02020603020101020101" pitchFamily="18" charset="-127"/>
+            </a:endParaRPr>
+          </a:p>
+          <a:p>
+            <a:pPr lvl="1">
+              <a:lnSpc>
+                <a:spcPct val="150000"/>
+              </a:lnSpc>
+            </a:pPr>
+            <a:r>
+              <a:rPr lang="en-US" altLang="ko-KR" sz="2400" dirty="0" smtClean="0">
+                <a:solidFill>
+                  <a:schemeClr val="bg1"/>
+                </a:solidFill>
+                <a:latin typeface="소야논8" panose="02020603020101020101" pitchFamily="18" charset="-127"/>
+                <a:ea typeface="소야논8" panose="02020603020101020101" pitchFamily="18" charset="-127"/>
+              </a:rPr>
+              <a:t>17 soft stand</a:t>
+            </a:r>
+          </a:p>
+          <a:p>
+            <a:pPr lvl="1">
+              <a:lnSpc>
+                <a:spcPct val="150000"/>
+              </a:lnSpc>
+            </a:pPr>
+            <a:r>
+              <a:rPr lang="en-US" altLang="ko-KR" sz="2400" dirty="0" smtClean="0">
+                <a:solidFill>
+                  <a:schemeClr val="bg1"/>
+                </a:solidFill>
+                <a:latin typeface="소야논8" panose="02020603020101020101" pitchFamily="18" charset="-127"/>
+                <a:ea typeface="소야논8" panose="02020603020101020101" pitchFamily="18" charset="-127"/>
+              </a:rPr>
+              <a:t>Split : Only 1 time.</a:t>
+            </a:r>
+          </a:p>
+          <a:p>
+            <a:pPr lvl="1">
+              <a:lnSpc>
+                <a:spcPct val="150000"/>
+              </a:lnSpc>
+            </a:pPr>
+            <a:r>
+              <a:rPr lang="en-US" altLang="ko-KR" sz="2400" dirty="0" smtClean="0">
+                <a:solidFill>
+                  <a:schemeClr val="bg1"/>
+                </a:solidFill>
+                <a:latin typeface="소야논8" panose="02020603020101020101" pitchFamily="18" charset="-127"/>
+                <a:ea typeface="소야논8" panose="02020603020101020101" pitchFamily="18" charset="-127"/>
+              </a:rPr>
+              <a:t>Double down : Only when player has 2 cards.</a:t>
+            </a:r>
+            <a:endParaRPr lang="ko-KR" altLang="en-US" sz="2400" dirty="0">
+              <a:solidFill>
+                <a:schemeClr val="bg1"/>
+              </a:solidFill>
+              <a:latin typeface="소야논8" panose="02020603020101020101" pitchFamily="18" charset="-127"/>
+              <a:ea typeface="소야논8" panose="02020603020101020101" pitchFamily="18" charset="-127"/>
+            </a:endParaRPr>
+          </a:p>
+        </p:txBody>
+      </p:sp>
     </p:spTree>
     <p:extLst>
       <p:ext uri="{BB962C8B-B14F-4D97-AF65-F5344CB8AC3E}">
-        <p14:creationId xmlns:p14="http://schemas.microsoft.com/office/powerpoint/2010/main" val="3082018519"/>
+        <p14:creationId xmlns:p14="http://schemas.microsoft.com/office/powerpoint/2010/main" val="4099276127"/>
       </p:ext>
     </p:extLst>
   </p:cSld>
@@ -32825,6 +32846,58 @@
           <a:chExt cx="0" cy="0"/>
         </a:xfrm>
       </p:grpSpPr>
+      <p:sp>
+        <p:nvSpPr>
+          <p:cNvPr id="4" name="직사각형 3"/>
+          <p:cNvSpPr/>
+          <p:nvPr/>
+        </p:nvSpPr>
+        <p:spPr>
+          <a:xfrm>
+            <a:off x="0" y="0"/>
+            <a:ext cx="9144000" cy="6858000"/>
+          </a:xfrm>
+          <a:prstGeom prst="rect">
+            <a:avLst/>
+          </a:prstGeom>
+          <a:blipFill dpi="0" rotWithShape="1">
+            <a:blip r:embed="rId2">
+              <a:alphaModFix amt="6000"/>
+            </a:blip>
+            <a:srcRect/>
+            <a:stretch>
+              <a:fillRect/>
+            </a:stretch>
+          </a:blipFill>
+          <a:ln>
+            <a:noFill/>
+          </a:ln>
+        </p:spPr>
+        <p:style>
+          <a:lnRef idx="2">
+            <a:schemeClr val="accent1">
+              <a:shade val="50000"/>
+            </a:schemeClr>
+          </a:lnRef>
+          <a:fillRef idx="1">
+            <a:schemeClr val="accent1"/>
+          </a:fillRef>
+          <a:effectRef idx="0">
+            <a:schemeClr val="accent1"/>
+          </a:effectRef>
+          <a:fontRef idx="minor">
+            <a:schemeClr val="lt1"/>
+          </a:fontRef>
+        </p:style>
+        <p:txBody>
+          <a:bodyPr rtlCol="0" anchor="ctr"/>
+          <a:lstStyle/>
+          <a:p>
+            <a:pPr algn="ctr"/>
+            <a:endParaRPr lang="ko-KR" altLang="en-US"/>
+          </a:p>
+        </p:txBody>
+      </p:sp>
       <p:sp>
         <p:nvSpPr>
           <p:cNvPr id="2" name="제목 1"/>
@@ -33222,6 +33295,80 @@
             <a:spLocks noGrp="1"/>
           </p:cNvSpPr>
           <p:nvPr>
+            <p:ph type="ctrTitle"/>
+          </p:nvPr>
+        </p:nvSpPr>
+        <p:spPr/>
+        <p:txBody>
+          <a:bodyPr>
+            <a:normAutofit/>
+          </a:bodyPr>
+          <a:lstStyle/>
+          <a:p>
+            <a:r>
+              <a:rPr lang="ko-KR" altLang="en-US" sz="4800" dirty="0" smtClean="0">
+                <a:solidFill>
+                  <a:srgbClr val="E4007F"/>
+                </a:solidFill>
+                <a:latin typeface="소야논8" panose="02020603020101020101" pitchFamily="18" charset="-127"/>
+                <a:ea typeface="소야논8" panose="02020603020101020101" pitchFamily="18" charset="-127"/>
+              </a:rPr>
+              <a:t>서버</a:t>
+            </a:r>
+            <a:endParaRPr lang="ko-KR" altLang="en-US" sz="4800" dirty="0">
+              <a:solidFill>
+                <a:srgbClr val="E4007F"/>
+              </a:solidFill>
+              <a:latin typeface="소야논8" panose="02020603020101020101" pitchFamily="18" charset="-127"/>
+              <a:ea typeface="소야논8" panose="02020603020101020101" pitchFamily="18" charset="-127"/>
+            </a:endParaRPr>
+          </a:p>
+        </p:txBody>
+      </p:sp>
+    </p:spTree>
+    <p:extLst>
+      <p:ext uri="{BB962C8B-B14F-4D97-AF65-F5344CB8AC3E}">
+        <p14:creationId xmlns:p14="http://schemas.microsoft.com/office/powerpoint/2010/main" val="3082018519"/>
+      </p:ext>
+    </p:extLst>
+  </p:cSld>
+  <p:clrMapOvr>
+    <a:masterClrMapping/>
+  </p:clrMapOvr>
+  <p:timing>
+    <p:tnLst>
+      <p:par>
+        <p:cTn id="1" dur="indefinite" restart="never" nodeType="tmRoot"/>
+      </p:par>
+    </p:tnLst>
+  </p:timing>
+</p:sld>
+</file>
+
+<file path=ppt/slides/slide21.xml><?xml version="1.0" encoding="utf-8"?>
+<p:sld xmlns:a="http://schemas.openxmlformats.org/drawingml/2006/main" xmlns:r="http://schemas.openxmlformats.org/officeDocument/2006/relationships" xmlns:p="http://schemas.openxmlformats.org/presentationml/2006/main" showMasterSp="0">
+  <p:cSld>
+    <p:spTree>
+      <p:nvGrpSpPr>
+        <p:cNvPr id="1" name=""/>
+        <p:cNvGrpSpPr/>
+        <p:nvPr/>
+      </p:nvGrpSpPr>
+      <p:grpSpPr>
+        <a:xfrm>
+          <a:off x="0" y="0"/>
+          <a:ext cx="0" cy="0"/>
+          <a:chOff x="0" y="0"/>
+          <a:chExt cx="0" cy="0"/>
+        </a:xfrm>
+      </p:grpSpPr>
+      <p:sp>
+        <p:nvSpPr>
+          <p:cNvPr id="2" name="제목 1"/>
+          <p:cNvSpPr>
+            <a:spLocks noGrp="1"/>
+          </p:cNvSpPr>
+          <p:nvPr>
             <p:ph type="title"/>
           </p:nvPr>
         </p:nvSpPr>
@@ -33628,7 +33775,7 @@
 </p:sld>
 </file>
 
-<file path=ppt/slides/slide21.xml><?xml version="1.0" encoding="utf-8"?>
+<file path=ppt/slides/slide22.xml><?xml version="1.0" encoding="utf-8"?>
 <p:sld xmlns:a="http://schemas.openxmlformats.org/drawingml/2006/main" xmlns:r="http://schemas.openxmlformats.org/officeDocument/2006/relationships" xmlns:p="http://schemas.openxmlformats.org/presentationml/2006/main">
   <p:cSld>
     <p:spTree>
@@ -34534,7 +34681,7 @@
 </p:sld>
 </file>
 
-<file path=ppt/slides/slide22.xml><?xml version="1.0" encoding="utf-8"?>
+<file path=ppt/slides/slide23.xml><?xml version="1.0" encoding="utf-8"?>
 <p:sld xmlns:a="http://schemas.openxmlformats.org/drawingml/2006/main" xmlns:r="http://schemas.openxmlformats.org/officeDocument/2006/relationships" xmlns:p="http://schemas.openxmlformats.org/presentationml/2006/main" showMasterSp="0">
   <p:cSld>
     <p:spTree>
@@ -34731,7 +34878,7 @@
 </p:sld>
 </file>
 
-<file path=ppt/slides/slide23.xml><?xml version="1.0" encoding="utf-8"?>
+<file path=ppt/slides/slide24.xml><?xml version="1.0" encoding="utf-8"?>
 <p:sld xmlns:a="http://schemas.openxmlformats.org/drawingml/2006/main" xmlns:r="http://schemas.openxmlformats.org/officeDocument/2006/relationships" xmlns:p="http://schemas.openxmlformats.org/presentationml/2006/main">
   <p:cSld>
     <p:spTree>
@@ -35725,7 +35872,7 @@
 </p:sld>
 </file>
 
-<file path=ppt/slides/slide24.xml><?xml version="1.0" encoding="utf-8"?>
+<file path=ppt/slides/slide25.xml><?xml version="1.0" encoding="utf-8"?>
 <p:sld xmlns:a="http://schemas.openxmlformats.org/drawingml/2006/main" xmlns:r="http://schemas.openxmlformats.org/officeDocument/2006/relationships" xmlns:p="http://schemas.openxmlformats.org/presentationml/2006/main">
   <p:cSld>
     <p:spTree>
@@ -35986,7 +36133,7 @@
 </p:sld>
 </file>
 
-<file path=ppt/slides/slide25.xml><?xml version="1.0" encoding="utf-8"?>
+<file path=ppt/slides/slide26.xml><?xml version="1.0" encoding="utf-8"?>
 <p:sld xmlns:a="http://schemas.openxmlformats.org/drawingml/2006/main" xmlns:r="http://schemas.openxmlformats.org/officeDocument/2006/relationships" xmlns:p="http://schemas.openxmlformats.org/presentationml/2006/main">
   <p:cSld>
     <p:spTree>
@@ -37053,7 +37200,7 @@
 </p:sld>
 </file>
 
-<file path=ppt/slides/slide26.xml><?xml version="1.0" encoding="utf-8"?>
+<file path=ppt/slides/slide27.xml><?xml version="1.0" encoding="utf-8"?>
 <p:sld xmlns:a="http://schemas.openxmlformats.org/drawingml/2006/main" xmlns:r="http://schemas.openxmlformats.org/officeDocument/2006/relationships" xmlns:p="http://schemas.openxmlformats.org/presentationml/2006/main">
   <p:cSld>
     <p:spTree>
@@ -37240,7 +37387,7 @@
 </p:sld>
 </file>
 
-<file path=ppt/slides/slide27.xml><?xml version="1.0" encoding="utf-8"?>
+<file path=ppt/slides/slide28.xml><?xml version="1.0" encoding="utf-8"?>
 <p:sld xmlns:a="http://schemas.openxmlformats.org/drawingml/2006/main" xmlns:r="http://schemas.openxmlformats.org/officeDocument/2006/relationships" xmlns:p="http://schemas.openxmlformats.org/presentationml/2006/main" showMasterSp="0">
   <p:cSld>
     <p:spTree>
@@ -37528,7 +37675,7 @@
 </p:sld>
 </file>
 
-<file path=ppt/slides/slide28.xml><?xml version="1.0" encoding="utf-8"?>
+<file path=ppt/slides/slide29.xml><?xml version="1.0" encoding="utf-8"?>
 <p:sld xmlns:a="http://schemas.openxmlformats.org/drawingml/2006/main" xmlns:r="http://schemas.openxmlformats.org/officeDocument/2006/relationships" xmlns:p="http://schemas.openxmlformats.org/presentationml/2006/main">
   <p:cSld>
     <p:spTree>
@@ -37826,271 +37973,6 @@
     <p:extLst>
       <p:ext uri="{BB962C8B-B14F-4D97-AF65-F5344CB8AC3E}">
         <p14:creationId xmlns:p14="http://schemas.microsoft.com/office/powerpoint/2010/main" val="4249808207"/>
-      </p:ext>
-    </p:extLst>
-  </p:cSld>
-  <p:clrMapOvr>
-    <a:masterClrMapping/>
-  </p:clrMapOvr>
-  <p:timing>
-    <p:tnLst>
-      <p:par>
-        <p:cTn id="1" dur="indefinite" restart="never" nodeType="tmRoot"/>
-      </p:par>
-    </p:tnLst>
-  </p:timing>
-</p:sld>
-</file>
-
-<file path=ppt/slides/slide29.xml><?xml version="1.0" encoding="utf-8"?>
-<p:sld xmlns:a="http://schemas.openxmlformats.org/drawingml/2006/main" xmlns:r="http://schemas.openxmlformats.org/officeDocument/2006/relationships" xmlns:p="http://schemas.openxmlformats.org/presentationml/2006/main" showMasterSp="0">
-  <p:cSld>
-    <p:spTree>
-      <p:nvGrpSpPr>
-        <p:cNvPr id="1" name=""/>
-        <p:cNvGrpSpPr/>
-        <p:nvPr/>
-      </p:nvGrpSpPr>
-      <p:grpSpPr>
-        <a:xfrm>
-          <a:off x="0" y="0"/>
-          <a:ext cx="0" cy="0"/>
-          <a:chOff x="0" y="0"/>
-          <a:chExt cx="0" cy="0"/>
-        </a:xfrm>
-      </p:grpSpPr>
-      <p:sp>
-        <p:nvSpPr>
-          <p:cNvPr id="2" name="제목 1"/>
-          <p:cNvSpPr>
-            <a:spLocks noGrp="1"/>
-          </p:cNvSpPr>
-          <p:nvPr>
-            <p:ph type="title"/>
-          </p:nvPr>
-        </p:nvSpPr>
-        <p:spPr/>
-        <p:txBody>
-          <a:bodyPr/>
-          <a:lstStyle/>
-          <a:p>
-            <a:r>
-              <a:rPr lang="ko-KR" altLang="en-US" dirty="0" smtClean="0">
-                <a:solidFill>
-                  <a:srgbClr val="E4007F"/>
-                </a:solidFill>
-                <a:latin typeface="소야논8" panose="02020603020101020101" pitchFamily="18" charset="-127"/>
-                <a:ea typeface="소야논8" panose="02020603020101020101" pitchFamily="18" charset="-127"/>
-              </a:rPr>
-              <a:t>클라이언</a:t>
-            </a:r>
-            <a:r>
-              <a:rPr lang="ko-KR" altLang="en-US" dirty="0">
-                <a:solidFill>
-                  <a:srgbClr val="E4007F"/>
-                </a:solidFill>
-                <a:latin typeface="소야논8" panose="02020603020101020101" pitchFamily="18" charset="-127"/>
-                <a:ea typeface="소야논8" panose="02020603020101020101" pitchFamily="18" charset="-127"/>
-              </a:rPr>
-              <a:t>트</a:t>
-            </a:r>
-          </a:p>
-        </p:txBody>
-      </p:sp>
-      <p:sp>
-        <p:nvSpPr>
-          <p:cNvPr id="3" name="내용 개체 틀 2"/>
-          <p:cNvSpPr>
-            <a:spLocks noGrp="1"/>
-          </p:cNvSpPr>
-          <p:nvPr>
-            <p:ph idx="1"/>
-          </p:nvPr>
-        </p:nvSpPr>
-        <p:spPr/>
-        <p:txBody>
-          <a:bodyPr>
-            <a:normAutofit/>
-          </a:bodyPr>
-          <a:lstStyle/>
-          <a:p>
-            <a:pPr>
-              <a:lnSpc>
-                <a:spcPct val="150000"/>
-              </a:lnSpc>
-            </a:pPr>
-            <a:r>
-              <a:rPr lang="en-US" altLang="ko-KR" sz="2800" dirty="0" err="1" smtClean="0">
-                <a:solidFill>
-                  <a:schemeClr val="bg1"/>
-                </a:solidFill>
-                <a:latin typeface="소야논8" panose="02020603020101020101" pitchFamily="18" charset="-127"/>
-                <a:ea typeface="소야논8" panose="02020603020101020101" pitchFamily="18" charset="-127"/>
-              </a:rPr>
-              <a:t>Recv</a:t>
-            </a:r>
-            <a:r>
-              <a:rPr lang="en-US" altLang="ko-KR" sz="2800" dirty="0" smtClean="0">
-                <a:solidFill>
-                  <a:schemeClr val="bg1"/>
-                </a:solidFill>
-                <a:latin typeface="소야논8" panose="02020603020101020101" pitchFamily="18" charset="-127"/>
-                <a:ea typeface="소야논8" panose="02020603020101020101" pitchFamily="18" charset="-127"/>
-              </a:rPr>
-              <a:t> </a:t>
-            </a:r>
-            <a:r>
-              <a:rPr lang="ko-KR" altLang="en-US" sz="2800" dirty="0" err="1" smtClean="0">
-                <a:solidFill>
-                  <a:schemeClr val="bg1"/>
-                </a:solidFill>
-                <a:latin typeface="소야논8" panose="02020603020101020101" pitchFamily="18" charset="-127"/>
-                <a:ea typeface="소야논8" panose="02020603020101020101" pitchFamily="18" charset="-127"/>
-              </a:rPr>
-              <a:t>쓰레드</a:t>
-            </a:r>
-            <a:r>
-              <a:rPr lang="ko-KR" altLang="en-US" sz="2800" dirty="0" smtClean="0">
-                <a:solidFill>
-                  <a:schemeClr val="bg1"/>
-                </a:solidFill>
-                <a:latin typeface="소야논8" panose="02020603020101020101" pitchFamily="18" charset="-127"/>
-                <a:ea typeface="소야논8" panose="02020603020101020101" pitchFamily="18" charset="-127"/>
-              </a:rPr>
-              <a:t> 하나 띄워서 그냥 계속 </a:t>
-            </a:r>
-            <a:r>
-              <a:rPr lang="en-US" altLang="ko-KR" sz="2800" dirty="0" err="1" smtClean="0">
-                <a:solidFill>
-                  <a:schemeClr val="bg1"/>
-                </a:solidFill>
-                <a:latin typeface="소야논8" panose="02020603020101020101" pitchFamily="18" charset="-127"/>
-                <a:ea typeface="소야논8" panose="02020603020101020101" pitchFamily="18" charset="-127"/>
-              </a:rPr>
-              <a:t>Recv</a:t>
-            </a:r>
-            <a:r>
-              <a:rPr lang="en-US" altLang="ko-KR" sz="2800" dirty="0" smtClean="0">
-                <a:solidFill>
-                  <a:schemeClr val="bg1"/>
-                </a:solidFill>
-                <a:latin typeface="소야논8" panose="02020603020101020101" pitchFamily="18" charset="-127"/>
-                <a:ea typeface="소야논8" panose="02020603020101020101" pitchFamily="18" charset="-127"/>
-              </a:rPr>
-              <a:t> </a:t>
-            </a:r>
-            <a:r>
-              <a:rPr lang="ko-KR" altLang="en-US" sz="2800" dirty="0" smtClean="0">
-                <a:solidFill>
-                  <a:schemeClr val="bg1"/>
-                </a:solidFill>
-                <a:latin typeface="소야논8" panose="02020603020101020101" pitchFamily="18" charset="-127"/>
-                <a:ea typeface="소야논8" panose="02020603020101020101" pitchFamily="18" charset="-127"/>
-              </a:rPr>
-              <a:t>하다가 </a:t>
-            </a:r>
-            <a:r>
-              <a:rPr lang="ko-KR" altLang="en-US" sz="2800" dirty="0" err="1" smtClean="0">
-                <a:solidFill>
-                  <a:schemeClr val="bg1"/>
-                </a:solidFill>
-                <a:latin typeface="소야논8" panose="02020603020101020101" pitchFamily="18" charset="-127"/>
-                <a:ea typeface="소야논8" panose="02020603020101020101" pitchFamily="18" charset="-127"/>
-              </a:rPr>
-              <a:t>패킷</a:t>
-            </a:r>
-            <a:r>
-              <a:rPr lang="ko-KR" altLang="en-US" sz="2800" dirty="0" smtClean="0">
-                <a:solidFill>
-                  <a:schemeClr val="bg1"/>
-                </a:solidFill>
-                <a:latin typeface="소야논8" panose="02020603020101020101" pitchFamily="18" charset="-127"/>
-                <a:ea typeface="소야논8" panose="02020603020101020101" pitchFamily="18" charset="-127"/>
-              </a:rPr>
-              <a:t> 만들어서 </a:t>
-            </a:r>
-            <a:r>
-              <a:rPr lang="ko-KR" altLang="en-US" sz="2800" dirty="0" err="1" smtClean="0">
-                <a:solidFill>
-                  <a:schemeClr val="bg1"/>
-                </a:solidFill>
-                <a:latin typeface="소야논8" panose="02020603020101020101" pitchFamily="18" charset="-127"/>
-                <a:ea typeface="소야논8" panose="02020603020101020101" pitchFamily="18" charset="-127"/>
-              </a:rPr>
-              <a:t>메인쓰레드의</a:t>
-            </a:r>
-            <a:r>
-              <a:rPr lang="ko-KR" altLang="en-US" sz="2800" dirty="0" smtClean="0">
-                <a:solidFill>
-                  <a:schemeClr val="bg1"/>
-                </a:solidFill>
-                <a:latin typeface="소야논8" panose="02020603020101020101" pitchFamily="18" charset="-127"/>
-                <a:ea typeface="소야논8" panose="02020603020101020101" pitchFamily="18" charset="-127"/>
-              </a:rPr>
-              <a:t> </a:t>
-            </a:r>
-            <a:r>
-              <a:rPr lang="en-US" altLang="ko-KR" sz="2800" dirty="0" smtClean="0">
-                <a:solidFill>
-                  <a:schemeClr val="bg1"/>
-                </a:solidFill>
-                <a:latin typeface="소야논8" panose="02020603020101020101" pitchFamily="18" charset="-127"/>
-                <a:ea typeface="소야논8" panose="02020603020101020101" pitchFamily="18" charset="-127"/>
-              </a:rPr>
-              <a:t>Job Queue</a:t>
-            </a:r>
-            <a:r>
-              <a:rPr lang="ko-KR" altLang="en-US" sz="2800" dirty="0" smtClean="0">
-                <a:solidFill>
-                  <a:schemeClr val="bg1"/>
-                </a:solidFill>
-                <a:latin typeface="소야논8" panose="02020603020101020101" pitchFamily="18" charset="-127"/>
-                <a:ea typeface="소야논8" panose="02020603020101020101" pitchFamily="18" charset="-127"/>
-              </a:rPr>
-              <a:t>에 넣어줌</a:t>
-            </a:r>
-            <a:endParaRPr lang="en-US" altLang="ko-KR" sz="2800" dirty="0" smtClean="0">
-              <a:solidFill>
-                <a:schemeClr val="bg1"/>
-              </a:solidFill>
-              <a:latin typeface="소야논8" panose="02020603020101020101" pitchFamily="18" charset="-127"/>
-              <a:ea typeface="소야논8" panose="02020603020101020101" pitchFamily="18" charset="-127"/>
-            </a:endParaRPr>
-          </a:p>
-          <a:p>
-            <a:endParaRPr lang="en-US" altLang="ko-KR" sz="2800" dirty="0" smtClean="0">
-              <a:solidFill>
-                <a:schemeClr val="bg1"/>
-              </a:solidFill>
-              <a:latin typeface="소야논8" panose="02020603020101020101" pitchFamily="18" charset="-127"/>
-              <a:ea typeface="소야논8" panose="02020603020101020101" pitchFamily="18" charset="-127"/>
-            </a:endParaRPr>
-          </a:p>
-          <a:p>
-            <a:r>
-              <a:rPr lang="ko-KR" altLang="en-US" sz="2800" dirty="0" smtClean="0">
-                <a:solidFill>
-                  <a:schemeClr val="bg1"/>
-                </a:solidFill>
-                <a:latin typeface="소야논8" panose="02020603020101020101" pitchFamily="18" charset="-127"/>
-                <a:ea typeface="소야논8" panose="02020603020101020101" pitchFamily="18" charset="-127"/>
-              </a:rPr>
-              <a:t>그 외 서버 과목이니까 생략</a:t>
-            </a:r>
-            <a:endParaRPr lang="en-US" altLang="ko-KR" sz="2800" dirty="0" smtClean="0">
-              <a:solidFill>
-                <a:schemeClr val="bg1"/>
-              </a:solidFill>
-              <a:latin typeface="소야논8" panose="02020603020101020101" pitchFamily="18" charset="-127"/>
-              <a:ea typeface="소야논8" panose="02020603020101020101" pitchFamily="18" charset="-127"/>
-            </a:endParaRPr>
-          </a:p>
-        </p:txBody>
-      </p:sp>
-    </p:spTree>
-    <p:extLst>
-      <p:ext uri="{BB962C8B-B14F-4D97-AF65-F5344CB8AC3E}">
-        <p14:creationId xmlns:p14="http://schemas.microsoft.com/office/powerpoint/2010/main" val="820179635"/>
       </p:ext>
     </p:extLst>
   </p:cSld>
@@ -38244,7 +38126,45 @@
             <a:spLocks noGrp="1"/>
           </p:cNvSpPr>
           <p:nvPr>
-            <p:ph type="ctrTitle"/>
+            <p:ph type="title"/>
+          </p:nvPr>
+        </p:nvSpPr>
+        <p:spPr/>
+        <p:txBody>
+          <a:bodyPr/>
+          <a:lstStyle/>
+          <a:p>
+            <a:r>
+              <a:rPr lang="ko-KR" altLang="en-US" dirty="0" smtClean="0">
+                <a:solidFill>
+                  <a:srgbClr val="E4007F"/>
+                </a:solidFill>
+                <a:latin typeface="소야논8" panose="02020603020101020101" pitchFamily="18" charset="-127"/>
+                <a:ea typeface="소야논8" panose="02020603020101020101" pitchFamily="18" charset="-127"/>
+              </a:rPr>
+              <a:t>클라이언</a:t>
+            </a:r>
+            <a:r>
+              <a:rPr lang="ko-KR" altLang="en-US" dirty="0">
+                <a:solidFill>
+                  <a:srgbClr val="E4007F"/>
+                </a:solidFill>
+                <a:latin typeface="소야논8" panose="02020603020101020101" pitchFamily="18" charset="-127"/>
+                <a:ea typeface="소야논8" panose="02020603020101020101" pitchFamily="18" charset="-127"/>
+              </a:rPr>
+              <a:t>트</a:t>
+            </a:r>
+          </a:p>
+        </p:txBody>
+      </p:sp>
+      <p:sp>
+        <p:nvSpPr>
+          <p:cNvPr id="3" name="내용 개체 틀 2"/>
+          <p:cNvSpPr>
+            <a:spLocks noGrp="1"/>
+          </p:cNvSpPr>
+          <p:nvPr>
+            <p:ph idx="1"/>
           </p:nvPr>
         </p:nvSpPr>
         <p:spPr/>
@@ -38254,30 +38174,183 @@
           </a:bodyPr>
           <a:lstStyle/>
           <a:p>
-            <a:r>
-              <a:rPr lang="ko-KR" altLang="en-US" sz="4800" dirty="0" smtClean="0">
-                <a:solidFill>
-                  <a:srgbClr val="E4007F"/>
+            <a:pPr>
+              <a:lnSpc>
+                <a:spcPct val="150000"/>
+              </a:lnSpc>
+            </a:pPr>
+            <a:r>
+              <a:rPr lang="en-US" altLang="ko-KR" sz="2800" dirty="0" err="1" smtClean="0">
+                <a:solidFill>
+                  <a:schemeClr val="bg1"/>
                 </a:solidFill>
                 <a:latin typeface="소야논8" panose="02020603020101020101" pitchFamily="18" charset="-127"/>
                 <a:ea typeface="소야논8" panose="02020603020101020101" pitchFamily="18" charset="-127"/>
               </a:rPr>
-              <a:t>힘들었던 점</a:t>
-            </a:r>
-            <a:endParaRPr lang="ko-KR" altLang="en-US" sz="4800" dirty="0">
+              <a:t>Recv</a:t>
+            </a:r>
+            <a:r>
+              <a:rPr lang="en-US" altLang="ko-KR" sz="2800" dirty="0" smtClean="0">
+                <a:solidFill>
+                  <a:schemeClr val="bg1"/>
+                </a:solidFill>
+                <a:latin typeface="소야논8" panose="02020603020101020101" pitchFamily="18" charset="-127"/>
+                <a:ea typeface="소야논8" panose="02020603020101020101" pitchFamily="18" charset="-127"/>
+              </a:rPr>
+              <a:t> </a:t>
+            </a:r>
+            <a:r>
+              <a:rPr lang="ko-KR" altLang="en-US" sz="2800" dirty="0" err="1" smtClean="0">
+                <a:solidFill>
+                  <a:schemeClr val="bg1"/>
+                </a:solidFill>
+                <a:latin typeface="소야논8" panose="02020603020101020101" pitchFamily="18" charset="-127"/>
+                <a:ea typeface="소야논8" panose="02020603020101020101" pitchFamily="18" charset="-127"/>
+              </a:rPr>
+              <a:t>쓰레드</a:t>
+            </a:r>
+            <a:r>
+              <a:rPr lang="ko-KR" altLang="en-US" sz="2800" dirty="0" smtClean="0">
+                <a:solidFill>
+                  <a:schemeClr val="bg1"/>
+                </a:solidFill>
+                <a:latin typeface="소야논8" panose="02020603020101020101" pitchFamily="18" charset="-127"/>
+                <a:ea typeface="소야논8" panose="02020603020101020101" pitchFamily="18" charset="-127"/>
+              </a:rPr>
+              <a:t> 하나 띄워서 그냥 계속 </a:t>
+            </a:r>
+            <a:r>
+              <a:rPr lang="en-US" altLang="ko-KR" sz="2800" dirty="0" err="1" smtClean="0">
+                <a:solidFill>
+                  <a:schemeClr val="bg1"/>
+                </a:solidFill>
+                <a:latin typeface="소야논8" panose="02020603020101020101" pitchFamily="18" charset="-127"/>
+                <a:ea typeface="소야논8" panose="02020603020101020101" pitchFamily="18" charset="-127"/>
+              </a:rPr>
+              <a:t>Recv</a:t>
+            </a:r>
+            <a:r>
+              <a:rPr lang="en-US" altLang="ko-KR" sz="2800" dirty="0" smtClean="0">
+                <a:solidFill>
+                  <a:schemeClr val="bg1"/>
+                </a:solidFill>
+                <a:latin typeface="소야논8" panose="02020603020101020101" pitchFamily="18" charset="-127"/>
+                <a:ea typeface="소야논8" panose="02020603020101020101" pitchFamily="18" charset="-127"/>
+              </a:rPr>
+              <a:t> </a:t>
+            </a:r>
+            <a:r>
+              <a:rPr lang="ko-KR" altLang="en-US" sz="2800" dirty="0" smtClean="0">
+                <a:solidFill>
+                  <a:schemeClr val="bg1"/>
+                </a:solidFill>
+                <a:latin typeface="소야논8" panose="02020603020101020101" pitchFamily="18" charset="-127"/>
+                <a:ea typeface="소야논8" panose="02020603020101020101" pitchFamily="18" charset="-127"/>
+              </a:rPr>
+              <a:t>하다가 </a:t>
+            </a:r>
+            <a:r>
+              <a:rPr lang="ko-KR" altLang="en-US" sz="2800" dirty="0" err="1" smtClean="0">
+                <a:solidFill>
+                  <a:schemeClr val="bg1"/>
+                </a:solidFill>
+                <a:latin typeface="소야논8" panose="02020603020101020101" pitchFamily="18" charset="-127"/>
+                <a:ea typeface="소야논8" panose="02020603020101020101" pitchFamily="18" charset="-127"/>
+              </a:rPr>
+              <a:t>패킷</a:t>
+            </a:r>
+            <a:r>
+              <a:rPr lang="ko-KR" altLang="en-US" sz="2800" dirty="0" smtClean="0">
+                <a:solidFill>
+                  <a:schemeClr val="bg1"/>
+                </a:solidFill>
+                <a:latin typeface="소야논8" panose="02020603020101020101" pitchFamily="18" charset="-127"/>
+                <a:ea typeface="소야논8" panose="02020603020101020101" pitchFamily="18" charset="-127"/>
+              </a:rPr>
+              <a:t> 만들어서 </a:t>
+            </a:r>
+            <a:r>
+              <a:rPr lang="ko-KR" altLang="en-US" sz="2800" dirty="0" err="1" smtClean="0">
+                <a:solidFill>
+                  <a:schemeClr val="bg1"/>
+                </a:solidFill>
+                <a:latin typeface="소야논8" panose="02020603020101020101" pitchFamily="18" charset="-127"/>
+                <a:ea typeface="소야논8" panose="02020603020101020101" pitchFamily="18" charset="-127"/>
+              </a:rPr>
+              <a:t>메인쓰레드의</a:t>
+            </a:r>
+            <a:r>
+              <a:rPr lang="ko-KR" altLang="en-US" sz="2800" dirty="0" smtClean="0">
+                <a:solidFill>
+                  <a:schemeClr val="bg1"/>
+                </a:solidFill>
+                <a:latin typeface="소야논8" panose="02020603020101020101" pitchFamily="18" charset="-127"/>
+                <a:ea typeface="소야논8" panose="02020603020101020101" pitchFamily="18" charset="-127"/>
+              </a:rPr>
+              <a:t> </a:t>
+            </a:r>
+            <a:r>
+              <a:rPr lang="en-US" altLang="ko-KR" sz="2800" dirty="0" smtClean="0">
+                <a:solidFill>
+                  <a:schemeClr val="bg1"/>
+                </a:solidFill>
+                <a:latin typeface="소야논8" panose="02020603020101020101" pitchFamily="18" charset="-127"/>
+                <a:ea typeface="소야논8" panose="02020603020101020101" pitchFamily="18" charset="-127"/>
+              </a:rPr>
+              <a:t>Job Queue</a:t>
+            </a:r>
+            <a:r>
+              <a:rPr lang="ko-KR" altLang="en-US" sz="2800" dirty="0" smtClean="0">
+                <a:solidFill>
+                  <a:schemeClr val="bg1"/>
+                </a:solidFill>
+                <a:latin typeface="소야논8" panose="02020603020101020101" pitchFamily="18" charset="-127"/>
+                <a:ea typeface="소야논8" panose="02020603020101020101" pitchFamily="18" charset="-127"/>
+              </a:rPr>
+              <a:t>에 넣어줌</a:t>
+            </a:r>
+            <a:endParaRPr lang="en-US" altLang="ko-KR" sz="2800" dirty="0" smtClean="0">
               <a:solidFill>
-                <a:srgbClr val="E4007F"/>
+                <a:schemeClr val="bg1"/>
               </a:solidFill>
               <a:latin typeface="소야논8" panose="02020603020101020101" pitchFamily="18" charset="-127"/>
               <a:ea typeface="소야논8" panose="02020603020101020101" pitchFamily="18" charset="-127"/>
             </a:endParaRPr>
           </a:p>
+          <a:p>
+            <a:endParaRPr lang="en-US" altLang="ko-KR" sz="2800" dirty="0" smtClean="0">
+              <a:solidFill>
+                <a:schemeClr val="bg1"/>
+              </a:solidFill>
+              <a:latin typeface="소야논8" panose="02020603020101020101" pitchFamily="18" charset="-127"/>
+              <a:ea typeface="소야논8" panose="02020603020101020101" pitchFamily="18" charset="-127"/>
+            </a:endParaRPr>
+          </a:p>
+          <a:p>
+            <a:r>
+              <a:rPr lang="ko-KR" altLang="en-US" sz="2800" dirty="0" smtClean="0">
+                <a:solidFill>
+                  <a:schemeClr val="bg1"/>
+                </a:solidFill>
+                <a:latin typeface="소야논8" panose="02020603020101020101" pitchFamily="18" charset="-127"/>
+                <a:ea typeface="소야논8" panose="02020603020101020101" pitchFamily="18" charset="-127"/>
+              </a:rPr>
+              <a:t>그 외 서버 과목이니까 생략</a:t>
+            </a:r>
+            <a:endParaRPr lang="en-US" altLang="ko-KR" sz="2800" dirty="0" smtClean="0">
+              <a:solidFill>
+                <a:schemeClr val="bg1"/>
+              </a:solidFill>
+              <a:latin typeface="소야논8" panose="02020603020101020101" pitchFamily="18" charset="-127"/>
+              <a:ea typeface="소야논8" panose="02020603020101020101" pitchFamily="18" charset="-127"/>
+            </a:endParaRPr>
+          </a:p>
         </p:txBody>
       </p:sp>
     </p:spTree>
     <p:extLst>
       <p:ext uri="{BB962C8B-B14F-4D97-AF65-F5344CB8AC3E}">
-        <p14:creationId xmlns:p14="http://schemas.microsoft.com/office/powerpoint/2010/main" val="3190729377"/>
+        <p14:creationId xmlns:p14="http://schemas.microsoft.com/office/powerpoint/2010/main" val="820179635"/>
       </p:ext>
     </p:extLst>
   </p:cSld>
@@ -38318,45 +38391,7 @@
             <a:spLocks noGrp="1"/>
           </p:cNvSpPr>
           <p:nvPr>
-            <p:ph type="title"/>
-          </p:nvPr>
-        </p:nvSpPr>
-        <p:spPr/>
-        <p:txBody>
-          <a:bodyPr/>
-          <a:lstStyle/>
-          <a:p>
-            <a:r>
-              <a:rPr lang="ko-KR" altLang="en-US" dirty="0" smtClean="0">
-                <a:solidFill>
-                  <a:srgbClr val="E4007F"/>
-                </a:solidFill>
-                <a:latin typeface="소야논8" panose="02020603020101020101" pitchFamily="18" charset="-127"/>
-                <a:ea typeface="소야논8" panose="02020603020101020101" pitchFamily="18" charset="-127"/>
-              </a:rPr>
-              <a:t>힘들었던 </a:t>
-            </a:r>
-            <a:r>
-              <a:rPr lang="ko-KR" altLang="en-US" dirty="0">
-                <a:solidFill>
-                  <a:srgbClr val="E4007F"/>
-                </a:solidFill>
-                <a:latin typeface="소야논8" panose="02020603020101020101" pitchFamily="18" charset="-127"/>
-                <a:ea typeface="소야논8" panose="02020603020101020101" pitchFamily="18" charset="-127"/>
-              </a:rPr>
-              <a:t>점</a:t>
-            </a:r>
-          </a:p>
-        </p:txBody>
-      </p:sp>
-      <p:sp>
-        <p:nvSpPr>
-          <p:cNvPr id="3" name="내용 개체 틀 2"/>
-          <p:cNvSpPr>
-            <a:spLocks noGrp="1"/>
-          </p:cNvSpPr>
-          <p:nvPr>
-            <p:ph idx="1"/>
+            <p:ph type="ctrTitle"/>
           </p:nvPr>
         </p:nvSpPr>
         <p:spPr/>
@@ -38367,128 +38402,69 @@
           <a:lstStyle/>
           <a:p>
             <a:r>
-              <a:rPr lang="ko-KR" altLang="en-US" sz="2800" dirty="0" err="1" smtClean="0">
-                <a:solidFill>
-                  <a:schemeClr val="bg1"/>
+              <a:rPr lang="ko-KR" altLang="en-US" sz="4800" dirty="0" err="1" smtClean="0">
+                <a:solidFill>
+                  <a:srgbClr val="E4007F"/>
                 </a:solidFill>
                 <a:latin typeface="소야논8" panose="02020603020101020101" pitchFamily="18" charset="-127"/>
                 <a:ea typeface="소야논8" panose="02020603020101020101" pitchFamily="18" charset="-127"/>
               </a:rPr>
-              <a:t>멀티스레드</a:t>
-            </a:r>
-            <a:r>
-              <a:rPr lang="ko-KR" altLang="en-US" sz="2800" dirty="0" smtClean="0">
-                <a:solidFill>
-                  <a:schemeClr val="bg1"/>
+              <a:t>힘들</a:t>
+            </a:r>
+            <a:r>
+              <a:rPr lang="ko-KR" altLang="en-US" sz="4800" dirty="0" err="1" smtClean="0">
+                <a:solidFill>
+                  <a:srgbClr val="E4007F"/>
                 </a:solidFill>
                 <a:latin typeface="소야논8" panose="02020603020101020101" pitchFamily="18" charset="-127"/>
                 <a:ea typeface="소야논8" panose="02020603020101020101" pitchFamily="18" charset="-127"/>
               </a:rPr>
-              <a:t> 프로그래밍</a:t>
-            </a:r>
-            <a:endParaRPr lang="en-US" altLang="ko-KR" sz="2800" dirty="0" smtClean="0">
+              <a:t>좋았</a:t>
+            </a:r>
+            <a:r>
+              <a:rPr lang="ko-KR" altLang="en-US" sz="4800" dirty="0" err="1" smtClean="0">
+                <a:solidFill>
+                  <a:srgbClr val="E4007F"/>
+                </a:solidFill>
+                <a:latin typeface="소야논8" panose="02020603020101020101" pitchFamily="18" charset="-127"/>
+                <a:ea typeface="소야논8" panose="02020603020101020101" pitchFamily="18" charset="-127"/>
+              </a:rPr>
+              <a:t>던</a:t>
+            </a:r>
+            <a:r>
+              <a:rPr lang="ko-KR" altLang="en-US" sz="4800" dirty="0" smtClean="0">
+                <a:solidFill>
+                  <a:srgbClr val="E4007F"/>
+                </a:solidFill>
+                <a:latin typeface="소야논8" panose="02020603020101020101" pitchFamily="18" charset="-127"/>
+                <a:ea typeface="소야논8" panose="02020603020101020101" pitchFamily="18" charset="-127"/>
+              </a:rPr>
+              <a:t> </a:t>
+            </a:r>
+            <a:r>
+              <a:rPr lang="ko-KR" altLang="en-US" sz="4800" dirty="0" smtClean="0">
+                <a:solidFill>
+                  <a:srgbClr val="E4007F"/>
+                </a:solidFill>
+                <a:latin typeface="소야논8" panose="02020603020101020101" pitchFamily="18" charset="-127"/>
+                <a:ea typeface="소야논8" panose="02020603020101020101" pitchFamily="18" charset="-127"/>
+              </a:rPr>
+              <a:t>점</a:t>
+            </a:r>
+            <a:endParaRPr lang="ko-KR" altLang="en-US" sz="4800" dirty="0">
               <a:solidFill>
-                <a:schemeClr val="bg1"/>
+                <a:srgbClr val="E4007F"/>
               </a:solidFill>
               <a:latin typeface="소야논8" panose="02020603020101020101" pitchFamily="18" charset="-127"/>
               <a:ea typeface="소야논8" panose="02020603020101020101" pitchFamily="18" charset="-127"/>
             </a:endParaRPr>
           </a:p>
-          <a:p>
-            <a:pPr lvl="1"/>
-            <a:r>
-              <a:rPr lang="ko-KR" altLang="en-US" sz="2000" dirty="0" smtClean="0">
-                <a:solidFill>
-                  <a:schemeClr val="bg1"/>
-                </a:solidFill>
-                <a:latin typeface="소야논8" panose="02020603020101020101" pitchFamily="18" charset="-127"/>
-                <a:ea typeface="소야논8" panose="02020603020101020101" pitchFamily="18" charset="-127"/>
-              </a:rPr>
-              <a:t>처음 해봐서</a:t>
-            </a:r>
-            <a:r>
-              <a:rPr lang="en-US" altLang="ko-KR" sz="2000" dirty="0" smtClean="0">
-                <a:solidFill>
-                  <a:schemeClr val="bg1"/>
-                </a:solidFill>
-                <a:latin typeface="소야논8" panose="02020603020101020101" pitchFamily="18" charset="-127"/>
-                <a:ea typeface="소야논8" panose="02020603020101020101" pitchFamily="18" charset="-127"/>
-              </a:rPr>
-              <a:t>…. </a:t>
-            </a:r>
-            <a:r>
-              <a:rPr lang="ko-KR" altLang="en-US" sz="2000" dirty="0" smtClean="0">
-                <a:solidFill>
-                  <a:schemeClr val="bg1"/>
-                </a:solidFill>
-                <a:latin typeface="소야논8" panose="02020603020101020101" pitchFamily="18" charset="-127"/>
-                <a:ea typeface="소야논8" panose="02020603020101020101" pitchFamily="18" charset="-127"/>
-              </a:rPr>
-              <a:t>공부는 많이 되었다</a:t>
-            </a:r>
-            <a:r>
-              <a:rPr lang="en-US" altLang="ko-KR" sz="2000" dirty="0" smtClean="0">
-                <a:solidFill>
-                  <a:schemeClr val="bg1"/>
-                </a:solidFill>
-                <a:latin typeface="소야논8" panose="02020603020101020101" pitchFamily="18" charset="-127"/>
-                <a:ea typeface="소야논8" panose="02020603020101020101" pitchFamily="18" charset="-127"/>
-              </a:rPr>
-              <a:t>.</a:t>
-            </a:r>
-            <a:endParaRPr lang="en-US" altLang="ko-KR" sz="2000" dirty="0">
-              <a:solidFill>
-                <a:schemeClr val="bg1"/>
-              </a:solidFill>
-              <a:latin typeface="소야논8" panose="02020603020101020101" pitchFamily="18" charset="-127"/>
-              <a:ea typeface="소야논8" panose="02020603020101020101" pitchFamily="18" charset="-127"/>
-            </a:endParaRPr>
-          </a:p>
-          <a:p>
-            <a:r>
-              <a:rPr lang="en-US" altLang="ko-KR" dirty="0" smtClean="0">
-                <a:solidFill>
-                  <a:schemeClr val="bg1"/>
-                </a:solidFill>
-                <a:latin typeface="소야논8" panose="02020603020101020101" pitchFamily="18" charset="-127"/>
-                <a:ea typeface="소야논8" panose="02020603020101020101" pitchFamily="18" charset="-127"/>
-              </a:rPr>
-              <a:t>DB, ASP.NET, IOCP </a:t>
-            </a:r>
-            <a:r>
-              <a:rPr lang="ko-KR" altLang="en-US" smtClean="0">
-                <a:solidFill>
-                  <a:schemeClr val="bg1"/>
-                </a:solidFill>
-                <a:latin typeface="소야논8" panose="02020603020101020101" pitchFamily="18" charset="-127"/>
-                <a:ea typeface="소야논8" panose="02020603020101020101" pitchFamily="18" charset="-127"/>
-              </a:rPr>
-              <a:t>골고루 </a:t>
-            </a:r>
-            <a:r>
-              <a:rPr lang="ko-KR" altLang="en-US" smtClean="0">
-                <a:solidFill>
-                  <a:schemeClr val="bg1"/>
-                </a:solidFill>
-                <a:latin typeface="소야논8" panose="02020603020101020101" pitchFamily="18" charset="-127"/>
-                <a:ea typeface="소야논8" panose="02020603020101020101" pitchFamily="18" charset="-127"/>
-              </a:rPr>
-              <a:t>사용하느라</a:t>
-            </a:r>
-            <a:endParaRPr lang="en-US" altLang="ko-KR" dirty="0" smtClean="0">
-              <a:solidFill>
-                <a:schemeClr val="bg1"/>
-              </a:solidFill>
-              <a:latin typeface="소야논8" panose="02020603020101020101" pitchFamily="18" charset="-127"/>
-              <a:ea typeface="소야논8" panose="02020603020101020101" pitchFamily="18" charset="-127"/>
-            </a:endParaRPr>
-          </a:p>
         </p:txBody>
       </p:sp>
     </p:spTree>
     <p:extLst>
       <p:ext uri="{BB962C8B-B14F-4D97-AF65-F5344CB8AC3E}">
-        <p14:creationId xmlns:p14="http://schemas.microsoft.com/office/powerpoint/2010/main" val="3280314044"/>
+        <p14:creationId xmlns:p14="http://schemas.microsoft.com/office/powerpoint/2010/main" val="3190729377"/>
       </p:ext>
     </p:extLst>
   </p:cSld>
@@ -38545,92 +38521,373 @@
                 <a:latin typeface="소야논8" panose="02020603020101020101" pitchFamily="18" charset="-127"/>
                 <a:ea typeface="소야논8" panose="02020603020101020101" pitchFamily="18" charset="-127"/>
               </a:rPr>
-              <a:t>다시 만든다면</a:t>
-            </a:r>
-            <a:r>
-              <a:rPr lang="en-US" altLang="ko-KR" dirty="0" smtClean="0">
+              <a:t>힘들었던 </a:t>
+            </a:r>
+            <a:r>
+              <a:rPr lang="ko-KR" altLang="en-US" dirty="0">
                 <a:solidFill>
                   <a:srgbClr val="E4007F"/>
                 </a:solidFill>
                 <a:latin typeface="소야논8" panose="02020603020101020101" pitchFamily="18" charset="-127"/>
                 <a:ea typeface="소야논8" panose="02020603020101020101" pitchFamily="18" charset="-127"/>
               </a:rPr>
-              <a:t>?</a:t>
-            </a:r>
-            <a:endParaRPr lang="ko-KR" altLang="en-US" dirty="0">
+              <a:t>점</a:t>
+            </a:r>
+          </a:p>
+        </p:txBody>
+      </p:sp>
+      <p:sp>
+        <p:nvSpPr>
+          <p:cNvPr id="3" name="내용 개체 틀 2"/>
+          <p:cNvSpPr>
+            <a:spLocks noGrp="1"/>
+          </p:cNvSpPr>
+          <p:nvPr>
+            <p:ph idx="1"/>
+          </p:nvPr>
+        </p:nvSpPr>
+        <p:spPr/>
+        <p:txBody>
+          <a:bodyPr>
+            <a:normAutofit/>
+          </a:bodyPr>
+          <a:lstStyle/>
+          <a:p>
+            <a:r>
+              <a:rPr lang="ko-KR" altLang="en-US" dirty="0" err="1" smtClean="0">
+                <a:solidFill>
+                  <a:schemeClr val="bg1"/>
+                </a:solidFill>
+                <a:latin typeface="소야논8" panose="02020603020101020101" pitchFamily="18" charset="-127"/>
+                <a:ea typeface="소야논8" panose="02020603020101020101" pitchFamily="18" charset="-127"/>
+              </a:rPr>
+              <a:t>멀티스레드</a:t>
+            </a:r>
+            <a:r>
+              <a:rPr lang="ko-KR" altLang="en-US" dirty="0" smtClean="0">
+                <a:solidFill>
+                  <a:schemeClr val="bg1"/>
+                </a:solidFill>
+                <a:latin typeface="소야논8" panose="02020603020101020101" pitchFamily="18" charset="-127"/>
+                <a:ea typeface="소야논8" panose="02020603020101020101" pitchFamily="18" charset="-127"/>
+              </a:rPr>
+              <a:t> 프로그래밍</a:t>
+            </a:r>
+            <a:endParaRPr lang="en-US" altLang="ko-KR" dirty="0" smtClean="0">
               <a:solidFill>
-                <a:srgbClr val="E4007F"/>
+                <a:schemeClr val="bg1"/>
               </a:solidFill>
               <a:latin typeface="소야논8" panose="02020603020101020101" pitchFamily="18" charset="-127"/>
               <a:ea typeface="소야논8" panose="02020603020101020101" pitchFamily="18" charset="-127"/>
             </a:endParaRPr>
           </a:p>
-        </p:txBody>
-      </p:sp>
-      <p:sp>
-        <p:nvSpPr>
-          <p:cNvPr id="3" name="내용 개체 틀 2"/>
-          <p:cNvSpPr>
-            <a:spLocks noGrp="1"/>
-          </p:cNvSpPr>
-          <p:nvPr>
-            <p:ph idx="1"/>
-          </p:nvPr>
-        </p:nvSpPr>
-        <p:spPr/>
-        <p:txBody>
-          <a:bodyPr>
-            <a:normAutofit/>
-          </a:bodyPr>
-          <a:lstStyle/>
-          <a:p>
-            <a:r>
-              <a:rPr lang="en-US" altLang="ko-KR" sz="2800" dirty="0" smtClean="0">
+          <a:p>
+            <a:pPr lvl="1"/>
+            <a:r>
+              <a:rPr lang="ko-KR" altLang="en-US" sz="2000" dirty="0" smtClean="0">
                 <a:solidFill>
                   <a:schemeClr val="bg1"/>
                 </a:solidFill>
                 <a:latin typeface="소야논8" panose="02020603020101020101" pitchFamily="18" charset="-127"/>
                 <a:ea typeface="소야논8" panose="02020603020101020101" pitchFamily="18" charset="-127"/>
               </a:rPr>
-              <a:t>DB </a:t>
-            </a:r>
-            <a:r>
-              <a:rPr lang="ko-KR" altLang="en-US" sz="2800" dirty="0" err="1" smtClean="0">
+              <a:t>의도했던 만큼 성능이 안 나오는데 이유를 몰라서 고생</a:t>
+            </a:r>
+            <a:endParaRPr lang="en-US" altLang="ko-KR" sz="2000" dirty="0" smtClean="0">
+              <a:solidFill>
+                <a:schemeClr val="bg1"/>
+              </a:solidFill>
+              <a:latin typeface="소야논8" panose="02020603020101020101" pitchFamily="18" charset="-127"/>
+              <a:ea typeface="소야논8" panose="02020603020101020101" pitchFamily="18" charset="-127"/>
+            </a:endParaRPr>
+          </a:p>
+          <a:p>
+            <a:pPr lvl="1"/>
+            <a:r>
+              <a:rPr lang="ko-KR" altLang="en-US" sz="2000" dirty="0" smtClean="0">
                 <a:solidFill>
                   <a:schemeClr val="bg1"/>
                 </a:solidFill>
                 <a:latin typeface="소야논8" panose="02020603020101020101" pitchFamily="18" charset="-127"/>
                 <a:ea typeface="소야논8" panose="02020603020101020101" pitchFamily="18" charset="-127"/>
               </a:rPr>
-              <a:t>쓰레드쪽을</a:t>
-            </a:r>
-            <a:r>
-              <a:rPr lang="ko-KR" altLang="en-US" sz="2800" dirty="0" smtClean="0">
+              <a:t>처음 </a:t>
+            </a:r>
+            <a:r>
+              <a:rPr lang="ko-KR" altLang="en-US" sz="2000" dirty="0" smtClean="0">
                 <a:solidFill>
                   <a:schemeClr val="bg1"/>
                 </a:solidFill>
                 <a:latin typeface="소야논8" panose="02020603020101020101" pitchFamily="18" charset="-127"/>
                 <a:ea typeface="소야논8" panose="02020603020101020101" pitchFamily="18" charset="-127"/>
               </a:rPr>
-              <a:t> 최적화 하고 싶음</a:t>
-            </a:r>
-            <a:r>
-              <a:rPr lang="en-US" altLang="ko-KR" sz="2800" dirty="0" smtClean="0">
+              <a:t>해봐서</a:t>
+            </a:r>
+            <a:r>
+              <a:rPr lang="en-US" altLang="ko-KR" sz="2000" dirty="0" smtClean="0">
                 <a:solidFill>
                   <a:schemeClr val="bg1"/>
                 </a:solidFill>
                 <a:latin typeface="소야논8" panose="02020603020101020101" pitchFamily="18" charset="-127"/>
                 <a:ea typeface="소야논8" panose="02020603020101020101" pitchFamily="18" charset="-127"/>
               </a:rPr>
-              <a:t>. </a:t>
-            </a:r>
+              <a:t>…. </a:t>
+            </a:r>
+            <a:r>
+              <a:rPr lang="ko-KR" altLang="en-US" sz="2000" dirty="0" smtClean="0">
+                <a:solidFill>
+                  <a:schemeClr val="bg1"/>
+                </a:solidFill>
+                <a:latin typeface="소야논8" panose="02020603020101020101" pitchFamily="18" charset="-127"/>
+                <a:ea typeface="소야논8" panose="02020603020101020101" pitchFamily="18" charset="-127"/>
+              </a:rPr>
+              <a:t>공부는 많이 되었다</a:t>
+            </a:r>
+            <a:r>
+              <a:rPr lang="en-US" altLang="ko-KR" sz="2000" dirty="0" smtClean="0">
+                <a:solidFill>
+                  <a:schemeClr val="bg1"/>
+                </a:solidFill>
+                <a:latin typeface="소야논8" panose="02020603020101020101" pitchFamily="18" charset="-127"/>
+                <a:ea typeface="소야논8" panose="02020603020101020101" pitchFamily="18" charset="-127"/>
+              </a:rPr>
+              <a:t>.</a:t>
+            </a:r>
+            <a:endParaRPr lang="en-US" altLang="ko-KR" sz="2000" dirty="0">
+              <a:solidFill>
+                <a:schemeClr val="bg1"/>
+              </a:solidFill>
+              <a:latin typeface="소야논8" panose="02020603020101020101" pitchFamily="18" charset="-127"/>
+              <a:ea typeface="소야논8" panose="02020603020101020101" pitchFamily="18" charset="-127"/>
+            </a:endParaRPr>
+          </a:p>
+          <a:p>
+            <a:r>
+              <a:rPr lang="en-US" altLang="ko-KR" dirty="0" smtClean="0">
+                <a:solidFill>
+                  <a:schemeClr val="bg1"/>
+                </a:solidFill>
+                <a:latin typeface="소야논8" panose="02020603020101020101" pitchFamily="18" charset="-127"/>
+                <a:ea typeface="소야논8" panose="02020603020101020101" pitchFamily="18" charset="-127"/>
+              </a:rPr>
+              <a:t>DB, ASP.NET, </a:t>
+            </a:r>
+            <a:r>
+              <a:rPr lang="en-US" altLang="ko-KR" dirty="0" smtClean="0">
+                <a:solidFill>
+                  <a:schemeClr val="bg1"/>
+                </a:solidFill>
+                <a:latin typeface="소야논8" panose="02020603020101020101" pitchFamily="18" charset="-127"/>
+                <a:ea typeface="소야논8" panose="02020603020101020101" pitchFamily="18" charset="-127"/>
+              </a:rPr>
+              <a:t>IOCP</a:t>
+            </a:r>
+          </a:p>
+          <a:p>
+            <a:pPr lvl="1"/>
+            <a:r>
+              <a:rPr lang="ko-KR" altLang="en-US" sz="2000" dirty="0" smtClean="0">
+                <a:solidFill>
+                  <a:schemeClr val="bg1"/>
+                </a:solidFill>
+                <a:latin typeface="소야논8" panose="02020603020101020101" pitchFamily="18" charset="-127"/>
+                <a:ea typeface="소야논8" panose="02020603020101020101" pitchFamily="18" charset="-127"/>
+              </a:rPr>
+              <a:t>처음 써보는 것들이 많아 노력에 비해 생산성이 많이 떨어짐</a:t>
+            </a:r>
+            <a:endParaRPr lang="en-US" altLang="ko-KR" sz="2000" dirty="0">
+              <a:solidFill>
+                <a:schemeClr val="bg1"/>
+              </a:solidFill>
+              <a:latin typeface="소야논8" panose="02020603020101020101" pitchFamily="18" charset="-127"/>
+              <a:ea typeface="소야논8" panose="02020603020101020101" pitchFamily="18" charset="-127"/>
+            </a:endParaRPr>
+          </a:p>
+          <a:p>
+            <a:r>
+              <a:rPr lang="ko-KR" altLang="en-US" dirty="0" smtClean="0">
+                <a:solidFill>
+                  <a:schemeClr val="bg1"/>
+                </a:solidFill>
+                <a:latin typeface="소야논8" panose="02020603020101020101" pitchFamily="18" charset="-127"/>
+                <a:ea typeface="소야논8" panose="02020603020101020101" pitchFamily="18" charset="-127"/>
+              </a:rPr>
+              <a:t>네트워크 게임을 처음 만들어봄</a:t>
+            </a:r>
+            <a:endParaRPr lang="en-US" altLang="ko-KR" dirty="0" smtClean="0">
+              <a:solidFill>
+                <a:schemeClr val="bg1"/>
+              </a:solidFill>
+              <a:latin typeface="소야논8" panose="02020603020101020101" pitchFamily="18" charset="-127"/>
+              <a:ea typeface="소야논8" panose="02020603020101020101" pitchFamily="18" charset="-127"/>
+            </a:endParaRPr>
+          </a:p>
+          <a:p>
+            <a:pPr lvl="1"/>
+            <a:r>
+              <a:rPr lang="ko-KR" altLang="en-US" sz="2000" dirty="0" smtClean="0">
+                <a:solidFill>
+                  <a:schemeClr val="bg1"/>
+                </a:solidFill>
+                <a:latin typeface="소야논8" panose="02020603020101020101" pitchFamily="18" charset="-127"/>
+                <a:ea typeface="소야논8" panose="02020603020101020101" pitchFamily="18" charset="-127"/>
+              </a:rPr>
+              <a:t>문제 발생 </a:t>
+            </a:r>
+            <a:r>
+              <a:rPr lang="en-US" altLang="ko-KR" sz="2000" dirty="0" smtClean="0">
+                <a:solidFill>
+                  <a:schemeClr val="bg1"/>
+                </a:solidFill>
+                <a:latin typeface="소야논8" panose="02020603020101020101" pitchFamily="18" charset="-127"/>
+                <a:ea typeface="소야논8" panose="02020603020101020101" pitchFamily="18" charset="-127"/>
+              </a:rPr>
+              <a:t>-&gt; </a:t>
+            </a:r>
+            <a:r>
+              <a:rPr lang="ko-KR" altLang="en-US" sz="2000" dirty="0" err="1" smtClean="0">
+                <a:solidFill>
+                  <a:schemeClr val="bg1"/>
+                </a:solidFill>
+                <a:latin typeface="소야논8" panose="02020603020101020101" pitchFamily="18" charset="-127"/>
+                <a:ea typeface="소야논8" panose="02020603020101020101" pitchFamily="18" charset="-127"/>
+              </a:rPr>
+              <a:t>로직</a:t>
+            </a:r>
+            <a:r>
+              <a:rPr lang="ko-KR" altLang="en-US" sz="2000" dirty="0" smtClean="0">
+                <a:solidFill>
+                  <a:schemeClr val="bg1"/>
+                </a:solidFill>
+                <a:latin typeface="소야논8" panose="02020603020101020101" pitchFamily="18" charset="-127"/>
+                <a:ea typeface="소야논8" panose="02020603020101020101" pitchFamily="18" charset="-127"/>
+              </a:rPr>
+              <a:t> 문제일거야 </a:t>
+            </a:r>
+            <a:r>
+              <a:rPr lang="en-US" altLang="ko-KR" sz="2000" dirty="0" smtClean="0">
+                <a:solidFill>
+                  <a:schemeClr val="bg1"/>
+                </a:solidFill>
+                <a:latin typeface="소야논8" panose="02020603020101020101" pitchFamily="18" charset="-127"/>
+                <a:ea typeface="소야논8" panose="02020603020101020101" pitchFamily="18" charset="-127"/>
+              </a:rPr>
+              <a:t>-&gt; </a:t>
+            </a:r>
+            <a:r>
+              <a:rPr lang="ko-KR" altLang="en-US" sz="2000" dirty="0" smtClean="0">
+                <a:solidFill>
+                  <a:schemeClr val="bg1"/>
+                </a:solidFill>
+                <a:latin typeface="소야논8" panose="02020603020101020101" pitchFamily="18" charset="-127"/>
+                <a:ea typeface="소야논8" panose="02020603020101020101" pitchFamily="18" charset="-127"/>
+              </a:rPr>
+              <a:t>형</a:t>
+            </a:r>
+            <a:r>
+              <a:rPr lang="en-US" altLang="ko-KR" sz="2000" dirty="0" smtClean="0">
+                <a:solidFill>
+                  <a:schemeClr val="bg1"/>
+                </a:solidFill>
+                <a:latin typeface="소야논8" panose="02020603020101020101" pitchFamily="18" charset="-127"/>
+                <a:ea typeface="소야논8" panose="02020603020101020101" pitchFamily="18" charset="-127"/>
+              </a:rPr>
+              <a:t>, </a:t>
+            </a:r>
+            <a:r>
+              <a:rPr lang="ko-KR" altLang="en-US" sz="2000" dirty="0" smtClean="0">
+                <a:solidFill>
+                  <a:schemeClr val="bg1"/>
+                </a:solidFill>
+                <a:latin typeface="소야논8" panose="02020603020101020101" pitchFamily="18" charset="-127"/>
+                <a:ea typeface="소야논8" panose="02020603020101020101" pitchFamily="18" charset="-127"/>
+              </a:rPr>
+              <a:t>서버 코드 봐봐요 </a:t>
+            </a:r>
+            <a:r>
+              <a:rPr lang="ko-KR" altLang="en-US" sz="2000" dirty="0" err="1" smtClean="0">
+                <a:solidFill>
+                  <a:schemeClr val="bg1"/>
+                </a:solidFill>
+                <a:latin typeface="소야논8" panose="02020603020101020101" pitchFamily="18" charset="-127"/>
+                <a:ea typeface="소야논8" panose="02020603020101020101" pitchFamily="18" charset="-127"/>
+              </a:rPr>
+              <a:t>패킷</a:t>
+            </a:r>
+            <a:r>
+              <a:rPr lang="ko-KR" altLang="en-US" sz="2000" dirty="0" smtClean="0">
+                <a:solidFill>
+                  <a:schemeClr val="bg1"/>
+                </a:solidFill>
+                <a:latin typeface="소야논8" panose="02020603020101020101" pitchFamily="18" charset="-127"/>
+                <a:ea typeface="소야논8" panose="02020603020101020101" pitchFamily="18" charset="-127"/>
+              </a:rPr>
+              <a:t> 이상하게 오는 것 같은데</a:t>
+            </a:r>
+            <a:r>
+              <a:rPr lang="en-US" altLang="ko-KR" sz="2000" dirty="0" smtClean="0">
+                <a:solidFill>
+                  <a:schemeClr val="bg1"/>
+                </a:solidFill>
+                <a:latin typeface="소야논8" panose="02020603020101020101" pitchFamily="18" charset="-127"/>
+                <a:ea typeface="소야논8" panose="02020603020101020101" pitchFamily="18" charset="-127"/>
+              </a:rPr>
+              <a:t>... -&gt; </a:t>
+            </a:r>
+            <a:r>
+              <a:rPr lang="ko-KR" altLang="en-US" sz="2000" dirty="0" err="1" smtClean="0">
+                <a:solidFill>
+                  <a:schemeClr val="bg1"/>
+                </a:solidFill>
+                <a:latin typeface="소야논8" panose="02020603020101020101" pitchFamily="18" charset="-127"/>
+                <a:ea typeface="소야논8" panose="02020603020101020101" pitchFamily="18" charset="-127"/>
+              </a:rPr>
+              <a:t>클라문제였음</a:t>
+            </a:r>
+            <a:r>
+              <a:rPr lang="ko-KR" altLang="en-US" sz="2000" dirty="0" smtClean="0">
+                <a:solidFill>
+                  <a:schemeClr val="bg1"/>
+                </a:solidFill>
+                <a:latin typeface="소야논8" panose="02020603020101020101" pitchFamily="18" charset="-127"/>
+                <a:ea typeface="소야논8" panose="02020603020101020101" pitchFamily="18" charset="-127"/>
+              </a:rPr>
+              <a:t> </a:t>
+            </a:r>
+            <a:r>
+              <a:rPr lang="en-US" altLang="ko-KR" sz="2000" dirty="0" smtClean="0">
+                <a:solidFill>
+                  <a:schemeClr val="bg1"/>
+                </a:solidFill>
+                <a:latin typeface="소야논8" panose="02020603020101020101" pitchFamily="18" charset="-127"/>
+                <a:ea typeface="소야논8" panose="02020603020101020101" pitchFamily="18" charset="-127"/>
+              </a:rPr>
+              <a:t>-&gt; </a:t>
+            </a:r>
+            <a:r>
+              <a:rPr lang="ko-KR" altLang="en-US" sz="2000" dirty="0" smtClean="0">
+                <a:solidFill>
+                  <a:schemeClr val="bg1"/>
+                </a:solidFill>
+                <a:latin typeface="소야논8" panose="02020603020101020101" pitchFamily="18" charset="-127"/>
+                <a:ea typeface="소야논8" panose="02020603020101020101" pitchFamily="18" charset="-127"/>
+              </a:rPr>
+              <a:t>반복</a:t>
+            </a:r>
+            <a:endParaRPr lang="en-US" altLang="ko-KR" sz="2000" dirty="0" smtClean="0">
+              <a:solidFill>
+                <a:schemeClr val="bg1"/>
+              </a:solidFill>
+              <a:latin typeface="소야논8" panose="02020603020101020101" pitchFamily="18" charset="-127"/>
+              <a:ea typeface="소야논8" panose="02020603020101020101" pitchFamily="18" charset="-127"/>
+            </a:endParaRPr>
           </a:p>
         </p:txBody>
       </p:sp>
     </p:spTree>
     <p:extLst>
       <p:ext uri="{BB962C8B-B14F-4D97-AF65-F5344CB8AC3E}">
-        <p14:creationId xmlns:p14="http://schemas.microsoft.com/office/powerpoint/2010/main" val="1497429585"/>
+        <p14:creationId xmlns:p14="http://schemas.microsoft.com/office/powerpoint/2010/main" val="3280314044"/>
       </p:ext>
     </p:extLst>
   </p:cSld>
@@ -38640,14 +38897,946 @@
   <p:timing>
     <p:tnLst>
       <p:par>
-        <p:cTn id="1" dur="indefinite" restart="never" nodeType="tmRoot"/>
+        <p:cTn id="1" dur="indefinite" restart="never" nodeType="tmRoot">
+          <p:childTnLst>
+            <p:seq concurrent="1" nextAc="seek">
+              <p:cTn id="2" dur="indefinite" nodeType="mainSeq">
+                <p:childTnLst>
+                  <p:par>
+                    <p:cTn id="3" fill="hold">
+                      <p:stCondLst>
+                        <p:cond delay="indefinite"/>
+                      </p:stCondLst>
+                      <p:childTnLst>
+                        <p:par>
+                          <p:cTn id="4" fill="hold">
+                            <p:stCondLst>
+                              <p:cond delay="0"/>
+                            </p:stCondLst>
+                            <p:childTnLst>
+                              <p:par>
+                                <p:cTn id="5" presetID="1" presetClass="entr" presetSubtype="0" fill="hold" grpId="0" nodeType="clickEffect">
+                                  <p:stCondLst>
+                                    <p:cond delay="0"/>
+                                  </p:stCondLst>
+                                  <p:childTnLst>
+                                    <p:set>
+                                      <p:cBhvr>
+                                        <p:cTn id="6" dur="1" fill="hold">
+                                          <p:stCondLst>
+                                            <p:cond delay="0"/>
+                                          </p:stCondLst>
+                                        </p:cTn>
+                                        <p:tgtEl>
+                                          <p:spTgt spid="3">
+                                            <p:txEl>
+                                              <p:pRg st="0" end="0"/>
+                                            </p:txEl>
+                                          </p:spTgt>
+                                        </p:tgtEl>
+                                        <p:attrNameLst>
+                                          <p:attrName>style.visibility</p:attrName>
+                                        </p:attrNameLst>
+                                      </p:cBhvr>
+                                      <p:to>
+                                        <p:strVal val="visible"/>
+                                      </p:to>
+                                    </p:set>
+                                  </p:childTnLst>
+                                </p:cTn>
+                              </p:par>
+                              <p:par>
+                                <p:cTn id="7" presetID="1" presetClass="entr" presetSubtype="0" fill="hold" grpId="0" nodeType="withEffect">
+                                  <p:stCondLst>
+                                    <p:cond delay="0"/>
+                                  </p:stCondLst>
+                                  <p:childTnLst>
+                                    <p:set>
+                                      <p:cBhvr>
+                                        <p:cTn id="8" dur="1" fill="hold">
+                                          <p:stCondLst>
+                                            <p:cond delay="0"/>
+                                          </p:stCondLst>
+                                        </p:cTn>
+                                        <p:tgtEl>
+                                          <p:spTgt spid="3">
+                                            <p:txEl>
+                                              <p:pRg st="1" end="1"/>
+                                            </p:txEl>
+                                          </p:spTgt>
+                                        </p:tgtEl>
+                                        <p:attrNameLst>
+                                          <p:attrName>style.visibility</p:attrName>
+                                        </p:attrNameLst>
+                                      </p:cBhvr>
+                                      <p:to>
+                                        <p:strVal val="visible"/>
+                                      </p:to>
+                                    </p:set>
+                                  </p:childTnLst>
+                                </p:cTn>
+                              </p:par>
+                              <p:par>
+                                <p:cTn id="9" presetID="1" presetClass="entr" presetSubtype="0" fill="hold" grpId="0" nodeType="withEffect">
+                                  <p:stCondLst>
+                                    <p:cond delay="0"/>
+                                  </p:stCondLst>
+                                  <p:childTnLst>
+                                    <p:set>
+                                      <p:cBhvr>
+                                        <p:cTn id="10" dur="1" fill="hold">
+                                          <p:stCondLst>
+                                            <p:cond delay="0"/>
+                                          </p:stCondLst>
+                                        </p:cTn>
+                                        <p:tgtEl>
+                                          <p:spTgt spid="3">
+                                            <p:txEl>
+                                              <p:pRg st="2" end="2"/>
+                                            </p:txEl>
+                                          </p:spTgt>
+                                        </p:tgtEl>
+                                        <p:attrNameLst>
+                                          <p:attrName>style.visibility</p:attrName>
+                                        </p:attrNameLst>
+                                      </p:cBhvr>
+                                      <p:to>
+                                        <p:strVal val="visible"/>
+                                      </p:to>
+                                    </p:set>
+                                  </p:childTnLst>
+                                </p:cTn>
+                              </p:par>
+                            </p:childTnLst>
+                          </p:cTn>
+                        </p:par>
+                      </p:childTnLst>
+                    </p:cTn>
+                  </p:par>
+                  <p:par>
+                    <p:cTn id="11" fill="hold">
+                      <p:stCondLst>
+                        <p:cond delay="indefinite"/>
+                      </p:stCondLst>
+                      <p:childTnLst>
+                        <p:par>
+                          <p:cTn id="12" fill="hold">
+                            <p:stCondLst>
+                              <p:cond delay="0"/>
+                            </p:stCondLst>
+                            <p:childTnLst>
+                              <p:par>
+                                <p:cTn id="13" presetID="1" presetClass="entr" presetSubtype="0" fill="hold" grpId="0" nodeType="clickEffect">
+                                  <p:stCondLst>
+                                    <p:cond delay="0"/>
+                                  </p:stCondLst>
+                                  <p:childTnLst>
+                                    <p:set>
+                                      <p:cBhvr>
+                                        <p:cTn id="14" dur="1" fill="hold">
+                                          <p:stCondLst>
+                                            <p:cond delay="0"/>
+                                          </p:stCondLst>
+                                        </p:cTn>
+                                        <p:tgtEl>
+                                          <p:spTgt spid="3">
+                                            <p:txEl>
+                                              <p:pRg st="3" end="3"/>
+                                            </p:txEl>
+                                          </p:spTgt>
+                                        </p:tgtEl>
+                                        <p:attrNameLst>
+                                          <p:attrName>style.visibility</p:attrName>
+                                        </p:attrNameLst>
+                                      </p:cBhvr>
+                                      <p:to>
+                                        <p:strVal val="visible"/>
+                                      </p:to>
+                                    </p:set>
+                                  </p:childTnLst>
+                                </p:cTn>
+                              </p:par>
+                              <p:par>
+                                <p:cTn id="15" presetID="1" presetClass="entr" presetSubtype="0" fill="hold" grpId="0" nodeType="withEffect">
+                                  <p:stCondLst>
+                                    <p:cond delay="0"/>
+                                  </p:stCondLst>
+                                  <p:childTnLst>
+                                    <p:set>
+                                      <p:cBhvr>
+                                        <p:cTn id="16" dur="1" fill="hold">
+                                          <p:stCondLst>
+                                            <p:cond delay="0"/>
+                                          </p:stCondLst>
+                                        </p:cTn>
+                                        <p:tgtEl>
+                                          <p:spTgt spid="3">
+                                            <p:txEl>
+                                              <p:pRg st="4" end="4"/>
+                                            </p:txEl>
+                                          </p:spTgt>
+                                        </p:tgtEl>
+                                        <p:attrNameLst>
+                                          <p:attrName>style.visibility</p:attrName>
+                                        </p:attrNameLst>
+                                      </p:cBhvr>
+                                      <p:to>
+                                        <p:strVal val="visible"/>
+                                      </p:to>
+                                    </p:set>
+                                  </p:childTnLst>
+                                </p:cTn>
+                              </p:par>
+                            </p:childTnLst>
+                          </p:cTn>
+                        </p:par>
+                      </p:childTnLst>
+                    </p:cTn>
+                  </p:par>
+                  <p:par>
+                    <p:cTn id="17" fill="hold">
+                      <p:stCondLst>
+                        <p:cond delay="indefinite"/>
+                      </p:stCondLst>
+                      <p:childTnLst>
+                        <p:par>
+                          <p:cTn id="18" fill="hold">
+                            <p:stCondLst>
+                              <p:cond delay="0"/>
+                            </p:stCondLst>
+                            <p:childTnLst>
+                              <p:par>
+                                <p:cTn id="19" presetID="1" presetClass="entr" presetSubtype="0" fill="hold" grpId="0" nodeType="clickEffect">
+                                  <p:stCondLst>
+                                    <p:cond delay="0"/>
+                                  </p:stCondLst>
+                                  <p:childTnLst>
+                                    <p:set>
+                                      <p:cBhvr>
+                                        <p:cTn id="20" dur="1" fill="hold">
+                                          <p:stCondLst>
+                                            <p:cond delay="0"/>
+                                          </p:stCondLst>
+                                        </p:cTn>
+                                        <p:tgtEl>
+                                          <p:spTgt spid="3">
+                                            <p:txEl>
+                                              <p:pRg st="5" end="5"/>
+                                            </p:txEl>
+                                          </p:spTgt>
+                                        </p:tgtEl>
+                                        <p:attrNameLst>
+                                          <p:attrName>style.visibility</p:attrName>
+                                        </p:attrNameLst>
+                                      </p:cBhvr>
+                                      <p:to>
+                                        <p:strVal val="visible"/>
+                                      </p:to>
+                                    </p:set>
+                                  </p:childTnLst>
+                                </p:cTn>
+                              </p:par>
+                              <p:par>
+                                <p:cTn id="21" presetID="1" presetClass="entr" presetSubtype="0" fill="hold" grpId="0" nodeType="withEffect">
+                                  <p:stCondLst>
+                                    <p:cond delay="0"/>
+                                  </p:stCondLst>
+                                  <p:childTnLst>
+                                    <p:set>
+                                      <p:cBhvr>
+                                        <p:cTn id="22" dur="1" fill="hold">
+                                          <p:stCondLst>
+                                            <p:cond delay="0"/>
+                                          </p:stCondLst>
+                                        </p:cTn>
+                                        <p:tgtEl>
+                                          <p:spTgt spid="3">
+                                            <p:txEl>
+                                              <p:pRg st="6" end="6"/>
+                                            </p:txEl>
+                                          </p:spTgt>
+                                        </p:tgtEl>
+                                        <p:attrNameLst>
+                                          <p:attrName>style.visibility</p:attrName>
+                                        </p:attrNameLst>
+                                      </p:cBhvr>
+                                      <p:to>
+                                        <p:strVal val="visible"/>
+                                      </p:to>
+                                    </p:set>
+                                  </p:childTnLst>
+                                </p:cTn>
+                              </p:par>
+                            </p:childTnLst>
+                          </p:cTn>
+                        </p:par>
+                      </p:childTnLst>
+                    </p:cTn>
+                  </p:par>
+                </p:childTnLst>
+              </p:cTn>
+              <p:prevCondLst>
+                <p:cond evt="onPrev" delay="0">
+                  <p:tgtEl>
+                    <p:sldTgt/>
+                  </p:tgtEl>
+                </p:cond>
+              </p:prevCondLst>
+              <p:nextCondLst>
+                <p:cond evt="onNext" delay="0">
+                  <p:tgtEl>
+                    <p:sldTgt/>
+                  </p:tgtEl>
+                </p:cond>
+              </p:nextCondLst>
+            </p:seq>
+          </p:childTnLst>
+        </p:cTn>
       </p:par>
     </p:tnLst>
+    <p:bldLst>
+      <p:bldP spid="3" grpId="0" build="p"/>
+    </p:bldLst>
   </p:timing>
 </p:sld>
 </file>
 
 <file path=ppt/slides/slide33.xml><?xml version="1.0" encoding="utf-8"?>
+<p:sld xmlns:a="http://schemas.openxmlformats.org/drawingml/2006/main" xmlns:r="http://schemas.openxmlformats.org/officeDocument/2006/relationships" xmlns:p="http://schemas.openxmlformats.org/presentationml/2006/main">
+  <p:cSld>
+    <p:spTree>
+      <p:nvGrpSpPr>
+        <p:cNvPr id="1" name=""/>
+        <p:cNvGrpSpPr/>
+        <p:nvPr/>
+      </p:nvGrpSpPr>
+      <p:grpSpPr>
+        <a:xfrm>
+          <a:off x="0" y="0"/>
+          <a:ext cx="0" cy="0"/>
+          <a:chOff x="0" y="0"/>
+          <a:chExt cx="0" cy="0"/>
+        </a:xfrm>
+      </p:grpSpPr>
+      <p:sp>
+        <p:nvSpPr>
+          <p:cNvPr id="2" name="제목 1"/>
+          <p:cNvSpPr>
+            <a:spLocks noGrp="1"/>
+          </p:cNvSpPr>
+          <p:nvPr>
+            <p:ph type="title"/>
+          </p:nvPr>
+        </p:nvSpPr>
+        <p:spPr/>
+        <p:txBody>
+          <a:bodyPr/>
+          <a:lstStyle/>
+          <a:p>
+            <a:r>
+              <a:rPr lang="ko-KR" altLang="en-US" dirty="0" smtClean="0">
+                <a:solidFill>
+                  <a:srgbClr val="E4007F"/>
+                </a:solidFill>
+                <a:latin typeface="소야논8" panose="02020603020101020101" pitchFamily="18" charset="-127"/>
+                <a:ea typeface="소야논8" panose="02020603020101020101" pitchFamily="18" charset="-127"/>
+              </a:rPr>
+              <a:t>좋았던 점</a:t>
+            </a:r>
+            <a:endParaRPr lang="ko-KR" altLang="en-US" dirty="0">
+              <a:solidFill>
+                <a:srgbClr val="E4007F"/>
+              </a:solidFill>
+              <a:latin typeface="소야논8" panose="02020603020101020101" pitchFamily="18" charset="-127"/>
+              <a:ea typeface="소야논8" panose="02020603020101020101" pitchFamily="18" charset="-127"/>
+            </a:endParaRPr>
+          </a:p>
+        </p:txBody>
+      </p:sp>
+      <p:sp>
+        <p:nvSpPr>
+          <p:cNvPr id="3" name="내용 개체 틀 2"/>
+          <p:cNvSpPr>
+            <a:spLocks noGrp="1"/>
+          </p:cNvSpPr>
+          <p:nvPr>
+            <p:ph idx="1"/>
+          </p:nvPr>
+        </p:nvSpPr>
+        <p:spPr/>
+        <p:txBody>
+          <a:bodyPr>
+            <a:normAutofit/>
+          </a:bodyPr>
+          <a:lstStyle/>
+          <a:p>
+            <a:r>
+              <a:rPr lang="ko-KR" altLang="en-US" dirty="0" err="1" smtClean="0">
+                <a:solidFill>
+                  <a:schemeClr val="bg1"/>
+                </a:solidFill>
+                <a:latin typeface="소야논8" panose="02020603020101020101" pitchFamily="18" charset="-127"/>
+                <a:ea typeface="소야논8" panose="02020603020101020101" pitchFamily="18" charset="-127"/>
+              </a:rPr>
+              <a:t>멀티스레드</a:t>
+            </a:r>
+            <a:r>
+              <a:rPr lang="ko-KR" altLang="en-US" dirty="0" smtClean="0">
+                <a:solidFill>
+                  <a:schemeClr val="bg1"/>
+                </a:solidFill>
+                <a:latin typeface="소야논8" panose="02020603020101020101" pitchFamily="18" charset="-127"/>
+                <a:ea typeface="소야논8" panose="02020603020101020101" pitchFamily="18" charset="-127"/>
+              </a:rPr>
+              <a:t> </a:t>
+            </a:r>
+            <a:r>
+              <a:rPr lang="ko-KR" altLang="en-US" dirty="0" smtClean="0">
+                <a:solidFill>
+                  <a:schemeClr val="bg1"/>
+                </a:solidFill>
+                <a:latin typeface="소야논8" panose="02020603020101020101" pitchFamily="18" charset="-127"/>
+                <a:ea typeface="소야논8" panose="02020603020101020101" pitchFamily="18" charset="-127"/>
+              </a:rPr>
+              <a:t>프로그래밍</a:t>
+            </a:r>
+            <a:endParaRPr lang="en-US" altLang="ko-KR" dirty="0" smtClean="0">
+              <a:solidFill>
+                <a:schemeClr val="bg1"/>
+              </a:solidFill>
+              <a:latin typeface="소야논8" panose="02020603020101020101" pitchFamily="18" charset="-127"/>
+              <a:ea typeface="소야논8" panose="02020603020101020101" pitchFamily="18" charset="-127"/>
+            </a:endParaRPr>
+          </a:p>
+          <a:p>
+            <a:pPr lvl="1"/>
+            <a:r>
+              <a:rPr lang="ko-KR" altLang="en-US" sz="2000" dirty="0" smtClean="0">
+                <a:solidFill>
+                  <a:schemeClr val="bg1"/>
+                </a:solidFill>
+                <a:latin typeface="소야논8" panose="02020603020101020101" pitchFamily="18" charset="-127"/>
+                <a:ea typeface="소야논8" panose="02020603020101020101" pitchFamily="18" charset="-127"/>
+              </a:rPr>
+              <a:t>재미있다 하하</a:t>
+            </a:r>
+            <a:endParaRPr lang="en-US" altLang="ko-KR" sz="2000" dirty="0" smtClean="0">
+              <a:solidFill>
+                <a:schemeClr val="bg1"/>
+              </a:solidFill>
+              <a:latin typeface="소야논8" panose="02020603020101020101" pitchFamily="18" charset="-127"/>
+              <a:ea typeface="소야논8" panose="02020603020101020101" pitchFamily="18" charset="-127"/>
+            </a:endParaRPr>
+          </a:p>
+          <a:p>
+            <a:pPr lvl="1"/>
+            <a:endParaRPr lang="en-US" altLang="ko-KR" sz="2000" dirty="0" smtClean="0">
+              <a:solidFill>
+                <a:schemeClr val="bg1"/>
+              </a:solidFill>
+              <a:latin typeface="소야논8" panose="02020603020101020101" pitchFamily="18" charset="-127"/>
+              <a:ea typeface="소야논8" panose="02020603020101020101" pitchFamily="18" charset="-127"/>
+            </a:endParaRPr>
+          </a:p>
+          <a:p>
+            <a:r>
+              <a:rPr lang="ko-KR" altLang="en-US" dirty="0" smtClean="0">
+                <a:solidFill>
+                  <a:schemeClr val="bg1"/>
+                </a:solidFill>
+                <a:latin typeface="소야논8" panose="02020603020101020101" pitchFamily="18" charset="-127"/>
+                <a:ea typeface="소야논8" panose="02020603020101020101" pitchFamily="18" charset="-127"/>
+              </a:rPr>
+              <a:t>실력</a:t>
+            </a:r>
+            <a:endParaRPr lang="en-US" altLang="ko-KR" dirty="0" smtClean="0">
+              <a:solidFill>
+                <a:schemeClr val="bg1"/>
+              </a:solidFill>
+              <a:latin typeface="소야논8" panose="02020603020101020101" pitchFamily="18" charset="-127"/>
+              <a:ea typeface="소야논8" panose="02020603020101020101" pitchFamily="18" charset="-127"/>
+            </a:endParaRPr>
+          </a:p>
+          <a:p>
+            <a:pPr lvl="1"/>
+            <a:r>
+              <a:rPr lang="ko-KR" altLang="en-US" sz="2000" dirty="0" smtClean="0">
+                <a:solidFill>
+                  <a:schemeClr val="bg1"/>
+                </a:solidFill>
+                <a:latin typeface="소야논8" panose="02020603020101020101" pitchFamily="18" charset="-127"/>
+                <a:ea typeface="소야논8" panose="02020603020101020101" pitchFamily="18" charset="-127"/>
+              </a:rPr>
+              <a:t>정말 많이 늘었다</a:t>
+            </a:r>
+            <a:r>
+              <a:rPr lang="en-US" altLang="ko-KR" sz="2000" dirty="0" smtClean="0">
+                <a:solidFill>
+                  <a:schemeClr val="bg1"/>
+                </a:solidFill>
+                <a:latin typeface="소야논8" panose="02020603020101020101" pitchFamily="18" charset="-127"/>
+                <a:ea typeface="소야논8" panose="02020603020101020101" pitchFamily="18" charset="-127"/>
+              </a:rPr>
+              <a:t>.</a:t>
+            </a:r>
+          </a:p>
+          <a:p>
+            <a:pPr lvl="1"/>
+            <a:r>
+              <a:rPr lang="ko-KR" altLang="en-US" sz="2000" dirty="0" smtClean="0">
+                <a:solidFill>
+                  <a:schemeClr val="bg1"/>
+                </a:solidFill>
+                <a:latin typeface="소야논8" panose="02020603020101020101" pitchFamily="18" charset="-127"/>
+                <a:ea typeface="소야논8" panose="02020603020101020101" pitchFamily="18" charset="-127"/>
+              </a:rPr>
+              <a:t>기본에 대한 중요성을 많이 느낌</a:t>
+            </a:r>
+            <a:r>
+              <a:rPr lang="en-US" altLang="ko-KR" sz="2000" dirty="0" smtClean="0">
+                <a:solidFill>
+                  <a:schemeClr val="bg1"/>
+                </a:solidFill>
+                <a:latin typeface="소야논8" panose="02020603020101020101" pitchFamily="18" charset="-127"/>
+                <a:ea typeface="소야논8" panose="02020603020101020101" pitchFamily="18" charset="-127"/>
+              </a:rPr>
+              <a:t>.</a:t>
+            </a:r>
+            <a:br>
+              <a:rPr lang="en-US" altLang="ko-KR" sz="2000" dirty="0" smtClean="0">
+                <a:solidFill>
+                  <a:schemeClr val="bg1"/>
+                </a:solidFill>
+                <a:latin typeface="소야논8" panose="02020603020101020101" pitchFamily="18" charset="-127"/>
+                <a:ea typeface="소야논8" panose="02020603020101020101" pitchFamily="18" charset="-127"/>
+              </a:rPr>
+            </a:br>
+            <a:r>
+              <a:rPr lang="ko-KR" altLang="en-US" sz="2000" dirty="0" err="1" smtClean="0">
+                <a:solidFill>
+                  <a:schemeClr val="bg1"/>
+                </a:solidFill>
+                <a:latin typeface="소야논8" panose="02020603020101020101" pitchFamily="18" charset="-127"/>
+                <a:ea typeface="소야논8" panose="02020603020101020101" pitchFamily="18" charset="-127"/>
+              </a:rPr>
+              <a:t>시스템아키텍쳐</a:t>
+            </a:r>
+            <a:r>
+              <a:rPr lang="en-US" altLang="ko-KR" sz="2000" dirty="0" smtClean="0">
+                <a:solidFill>
+                  <a:schemeClr val="bg1"/>
+                </a:solidFill>
+                <a:latin typeface="소야논8" panose="02020603020101020101" pitchFamily="18" charset="-127"/>
+                <a:ea typeface="소야논8" panose="02020603020101020101" pitchFamily="18" charset="-127"/>
+              </a:rPr>
+              <a:t>,</a:t>
+            </a:r>
+            <a:r>
+              <a:rPr lang="ko-KR" altLang="en-US" sz="2000" dirty="0" smtClean="0">
+                <a:solidFill>
+                  <a:schemeClr val="bg1"/>
+                </a:solidFill>
+                <a:latin typeface="소야논8" panose="02020603020101020101" pitchFamily="18" charset="-127"/>
+                <a:ea typeface="소야논8" panose="02020603020101020101" pitchFamily="18" charset="-127"/>
+              </a:rPr>
+              <a:t> 네트워크에서 배웠던 내용들도</a:t>
+            </a:r>
+            <a:r>
+              <a:rPr lang="en-US" altLang="ko-KR" sz="2000" dirty="0" smtClean="0">
+                <a:solidFill>
+                  <a:schemeClr val="bg1"/>
+                </a:solidFill>
+                <a:latin typeface="소야논8" panose="02020603020101020101" pitchFamily="18" charset="-127"/>
+                <a:ea typeface="소야논8" panose="02020603020101020101" pitchFamily="18" charset="-127"/>
+              </a:rPr>
+              <a:t>..</a:t>
+            </a:r>
+          </a:p>
+          <a:p>
+            <a:pPr lvl="1"/>
+            <a:endParaRPr lang="en-US" altLang="ko-KR" sz="2000" dirty="0" smtClean="0">
+              <a:solidFill>
+                <a:schemeClr val="bg1"/>
+              </a:solidFill>
+              <a:latin typeface="소야논8" panose="02020603020101020101" pitchFamily="18" charset="-127"/>
+              <a:ea typeface="소야논8" panose="02020603020101020101" pitchFamily="18" charset="-127"/>
+            </a:endParaRPr>
+          </a:p>
+          <a:p>
+            <a:r>
+              <a:rPr lang="ko-KR" altLang="en-US" dirty="0" smtClean="0">
+                <a:solidFill>
+                  <a:schemeClr val="bg1"/>
+                </a:solidFill>
+                <a:latin typeface="소야논8" panose="02020603020101020101" pitchFamily="18" charset="-127"/>
+                <a:ea typeface="소야논8" panose="02020603020101020101" pitchFamily="18" charset="-127"/>
+              </a:rPr>
+              <a:t>온라인 게임</a:t>
+            </a:r>
+            <a:r>
+              <a:rPr lang="en-US" altLang="ko-KR" dirty="0" smtClean="0">
+                <a:solidFill>
+                  <a:schemeClr val="bg1"/>
+                </a:solidFill>
+                <a:latin typeface="소야논8" panose="02020603020101020101" pitchFamily="18" charset="-127"/>
+                <a:ea typeface="소야논8" panose="02020603020101020101" pitchFamily="18" charset="-127"/>
+              </a:rPr>
+              <a:t>!!!</a:t>
+            </a:r>
+          </a:p>
+          <a:p>
+            <a:pPr lvl="1"/>
+            <a:r>
+              <a:rPr lang="ko-KR" altLang="en-US" sz="2000" dirty="0" err="1" smtClean="0">
+                <a:solidFill>
+                  <a:schemeClr val="bg1"/>
+                </a:solidFill>
+                <a:latin typeface="소야논8" panose="02020603020101020101" pitchFamily="18" charset="-127"/>
+                <a:ea typeface="소야논8" panose="02020603020101020101" pitchFamily="18" charset="-127"/>
+              </a:rPr>
+              <a:t>초고수들만</a:t>
+            </a:r>
+            <a:r>
+              <a:rPr lang="ko-KR" altLang="en-US" sz="2000" dirty="0" smtClean="0">
+                <a:solidFill>
+                  <a:schemeClr val="bg1"/>
+                </a:solidFill>
+                <a:latin typeface="소야논8" panose="02020603020101020101" pitchFamily="18" charset="-127"/>
+                <a:ea typeface="소야논8" panose="02020603020101020101" pitchFamily="18" charset="-127"/>
+              </a:rPr>
+              <a:t> 만들 수 있는 건 줄 알았는데</a:t>
+            </a:r>
+            <a:r>
+              <a:rPr lang="en-US" altLang="ko-KR" sz="2000" dirty="0" smtClean="0">
+                <a:solidFill>
+                  <a:schemeClr val="bg1"/>
+                </a:solidFill>
+                <a:latin typeface="소야논8" panose="02020603020101020101" pitchFamily="18" charset="-127"/>
+                <a:ea typeface="소야논8" panose="02020603020101020101" pitchFamily="18" charset="-127"/>
+              </a:rPr>
+              <a:t>..</a:t>
+            </a:r>
+          </a:p>
+        </p:txBody>
+      </p:sp>
+    </p:spTree>
+    <p:extLst>
+      <p:ext uri="{BB962C8B-B14F-4D97-AF65-F5344CB8AC3E}">
+        <p14:creationId xmlns:p14="http://schemas.microsoft.com/office/powerpoint/2010/main" val="1170350607"/>
+      </p:ext>
+    </p:extLst>
+  </p:cSld>
+  <p:clrMapOvr>
+    <a:masterClrMapping/>
+  </p:clrMapOvr>
+  <p:timing>
+    <p:tnLst>
+      <p:par>
+        <p:cTn id="1" dur="indefinite" restart="never" nodeType="tmRoot">
+          <p:childTnLst>
+            <p:seq concurrent="1" nextAc="seek">
+              <p:cTn id="2" dur="indefinite" nodeType="mainSeq">
+                <p:childTnLst>
+                  <p:par>
+                    <p:cTn id="3" fill="hold">
+                      <p:stCondLst>
+                        <p:cond delay="indefinite"/>
+                      </p:stCondLst>
+                      <p:childTnLst>
+                        <p:par>
+                          <p:cTn id="4" fill="hold">
+                            <p:stCondLst>
+                              <p:cond delay="0"/>
+                            </p:stCondLst>
+                            <p:childTnLst>
+                              <p:par>
+                                <p:cTn id="5" presetID="1" presetClass="entr" presetSubtype="0" fill="hold" grpId="0" nodeType="clickEffect">
+                                  <p:stCondLst>
+                                    <p:cond delay="0"/>
+                                  </p:stCondLst>
+                                  <p:childTnLst>
+                                    <p:set>
+                                      <p:cBhvr>
+                                        <p:cTn id="6" dur="1" fill="hold">
+                                          <p:stCondLst>
+                                            <p:cond delay="0"/>
+                                          </p:stCondLst>
+                                        </p:cTn>
+                                        <p:tgtEl>
+                                          <p:spTgt spid="3">
+                                            <p:txEl>
+                                              <p:pRg st="0" end="0"/>
+                                            </p:txEl>
+                                          </p:spTgt>
+                                        </p:tgtEl>
+                                        <p:attrNameLst>
+                                          <p:attrName>style.visibility</p:attrName>
+                                        </p:attrNameLst>
+                                      </p:cBhvr>
+                                      <p:to>
+                                        <p:strVal val="visible"/>
+                                      </p:to>
+                                    </p:set>
+                                  </p:childTnLst>
+                                </p:cTn>
+                              </p:par>
+                              <p:par>
+                                <p:cTn id="7" presetID="1" presetClass="entr" presetSubtype="0" fill="hold" grpId="0" nodeType="withEffect">
+                                  <p:stCondLst>
+                                    <p:cond delay="0"/>
+                                  </p:stCondLst>
+                                  <p:childTnLst>
+                                    <p:set>
+                                      <p:cBhvr>
+                                        <p:cTn id="8" dur="1" fill="hold">
+                                          <p:stCondLst>
+                                            <p:cond delay="0"/>
+                                          </p:stCondLst>
+                                        </p:cTn>
+                                        <p:tgtEl>
+                                          <p:spTgt spid="3">
+                                            <p:txEl>
+                                              <p:pRg st="1" end="1"/>
+                                            </p:txEl>
+                                          </p:spTgt>
+                                        </p:tgtEl>
+                                        <p:attrNameLst>
+                                          <p:attrName>style.visibility</p:attrName>
+                                        </p:attrNameLst>
+                                      </p:cBhvr>
+                                      <p:to>
+                                        <p:strVal val="visible"/>
+                                      </p:to>
+                                    </p:set>
+                                  </p:childTnLst>
+                                </p:cTn>
+                              </p:par>
+                            </p:childTnLst>
+                          </p:cTn>
+                        </p:par>
+                      </p:childTnLst>
+                    </p:cTn>
+                  </p:par>
+                  <p:par>
+                    <p:cTn id="9" fill="hold">
+                      <p:stCondLst>
+                        <p:cond delay="indefinite"/>
+                      </p:stCondLst>
+                      <p:childTnLst>
+                        <p:par>
+                          <p:cTn id="10" fill="hold">
+                            <p:stCondLst>
+                              <p:cond delay="0"/>
+                            </p:stCondLst>
+                            <p:childTnLst>
+                              <p:par>
+                                <p:cTn id="11" presetID="1" presetClass="entr" presetSubtype="0" fill="hold" grpId="0" nodeType="clickEffect">
+                                  <p:stCondLst>
+                                    <p:cond delay="0"/>
+                                  </p:stCondLst>
+                                  <p:childTnLst>
+                                    <p:set>
+                                      <p:cBhvr>
+                                        <p:cTn id="12" dur="1" fill="hold">
+                                          <p:stCondLst>
+                                            <p:cond delay="0"/>
+                                          </p:stCondLst>
+                                        </p:cTn>
+                                        <p:tgtEl>
+                                          <p:spTgt spid="3">
+                                            <p:txEl>
+                                              <p:pRg st="3" end="3"/>
+                                            </p:txEl>
+                                          </p:spTgt>
+                                        </p:tgtEl>
+                                        <p:attrNameLst>
+                                          <p:attrName>style.visibility</p:attrName>
+                                        </p:attrNameLst>
+                                      </p:cBhvr>
+                                      <p:to>
+                                        <p:strVal val="visible"/>
+                                      </p:to>
+                                    </p:set>
+                                  </p:childTnLst>
+                                </p:cTn>
+                              </p:par>
+                              <p:par>
+                                <p:cTn id="13" presetID="1" presetClass="entr" presetSubtype="0" fill="hold" grpId="0" nodeType="withEffect">
+                                  <p:stCondLst>
+                                    <p:cond delay="0"/>
+                                  </p:stCondLst>
+                                  <p:childTnLst>
+                                    <p:set>
+                                      <p:cBhvr>
+                                        <p:cTn id="14" dur="1" fill="hold">
+                                          <p:stCondLst>
+                                            <p:cond delay="0"/>
+                                          </p:stCondLst>
+                                        </p:cTn>
+                                        <p:tgtEl>
+                                          <p:spTgt spid="3">
+                                            <p:txEl>
+                                              <p:pRg st="4" end="4"/>
+                                            </p:txEl>
+                                          </p:spTgt>
+                                        </p:tgtEl>
+                                        <p:attrNameLst>
+                                          <p:attrName>style.visibility</p:attrName>
+                                        </p:attrNameLst>
+                                      </p:cBhvr>
+                                      <p:to>
+                                        <p:strVal val="visible"/>
+                                      </p:to>
+                                    </p:set>
+                                  </p:childTnLst>
+                                </p:cTn>
+                              </p:par>
+                              <p:par>
+                                <p:cTn id="15" presetID="1" presetClass="entr" presetSubtype="0" fill="hold" grpId="0" nodeType="withEffect">
+                                  <p:stCondLst>
+                                    <p:cond delay="0"/>
+                                  </p:stCondLst>
+                                  <p:childTnLst>
+                                    <p:set>
+                                      <p:cBhvr>
+                                        <p:cTn id="16" dur="1" fill="hold">
+                                          <p:stCondLst>
+                                            <p:cond delay="0"/>
+                                          </p:stCondLst>
+                                        </p:cTn>
+                                        <p:tgtEl>
+                                          <p:spTgt spid="3">
+                                            <p:txEl>
+                                              <p:pRg st="5" end="5"/>
+                                            </p:txEl>
+                                          </p:spTgt>
+                                        </p:tgtEl>
+                                        <p:attrNameLst>
+                                          <p:attrName>style.visibility</p:attrName>
+                                        </p:attrNameLst>
+                                      </p:cBhvr>
+                                      <p:to>
+                                        <p:strVal val="visible"/>
+                                      </p:to>
+                                    </p:set>
+                                  </p:childTnLst>
+                                </p:cTn>
+                              </p:par>
+                            </p:childTnLst>
+                          </p:cTn>
+                        </p:par>
+                      </p:childTnLst>
+                    </p:cTn>
+                  </p:par>
+                  <p:par>
+                    <p:cTn id="17" fill="hold">
+                      <p:stCondLst>
+                        <p:cond delay="indefinite"/>
+                      </p:stCondLst>
+                      <p:childTnLst>
+                        <p:par>
+                          <p:cTn id="18" fill="hold">
+                            <p:stCondLst>
+                              <p:cond delay="0"/>
+                            </p:stCondLst>
+                            <p:childTnLst>
+                              <p:par>
+                                <p:cTn id="19" presetID="1" presetClass="entr" presetSubtype="0" fill="hold" grpId="0" nodeType="clickEffect">
+                                  <p:stCondLst>
+                                    <p:cond delay="0"/>
+                                  </p:stCondLst>
+                                  <p:childTnLst>
+                                    <p:set>
+                                      <p:cBhvr>
+                                        <p:cTn id="20" dur="1" fill="hold">
+                                          <p:stCondLst>
+                                            <p:cond delay="0"/>
+                                          </p:stCondLst>
+                                        </p:cTn>
+                                        <p:tgtEl>
+                                          <p:spTgt spid="3">
+                                            <p:txEl>
+                                              <p:pRg st="7" end="7"/>
+                                            </p:txEl>
+                                          </p:spTgt>
+                                        </p:tgtEl>
+                                        <p:attrNameLst>
+                                          <p:attrName>style.visibility</p:attrName>
+                                        </p:attrNameLst>
+                                      </p:cBhvr>
+                                      <p:to>
+                                        <p:strVal val="visible"/>
+                                      </p:to>
+                                    </p:set>
+                                  </p:childTnLst>
+                                </p:cTn>
+                              </p:par>
+                              <p:par>
+                                <p:cTn id="21" presetID="1" presetClass="entr" presetSubtype="0" fill="hold" grpId="0" nodeType="withEffect">
+                                  <p:stCondLst>
+                                    <p:cond delay="0"/>
+                                  </p:stCondLst>
+                                  <p:childTnLst>
+                                    <p:set>
+                                      <p:cBhvr>
+                                        <p:cTn id="22" dur="1" fill="hold">
+                                          <p:stCondLst>
+                                            <p:cond delay="0"/>
+                                          </p:stCondLst>
+                                        </p:cTn>
+                                        <p:tgtEl>
+                                          <p:spTgt spid="3">
+                                            <p:txEl>
+                                              <p:pRg st="8" end="8"/>
+                                            </p:txEl>
+                                          </p:spTgt>
+                                        </p:tgtEl>
+                                        <p:attrNameLst>
+                                          <p:attrName>style.visibility</p:attrName>
+                                        </p:attrNameLst>
+                                      </p:cBhvr>
+                                      <p:to>
+                                        <p:strVal val="visible"/>
+                                      </p:to>
+                                    </p:set>
+                                  </p:childTnLst>
+                                </p:cTn>
+                              </p:par>
+                            </p:childTnLst>
+                          </p:cTn>
+                        </p:par>
+                      </p:childTnLst>
+                    </p:cTn>
+                  </p:par>
+                </p:childTnLst>
+              </p:cTn>
+              <p:prevCondLst>
+                <p:cond evt="onPrev" delay="0">
+                  <p:tgtEl>
+                    <p:sldTgt/>
+                  </p:tgtEl>
+                </p:cond>
+              </p:prevCondLst>
+              <p:nextCondLst>
+                <p:cond evt="onNext" delay="0">
+                  <p:tgtEl>
+                    <p:sldTgt/>
+                  </p:tgtEl>
+                </p:cond>
+              </p:nextCondLst>
+            </p:seq>
+          </p:childTnLst>
+        </p:cTn>
+      </p:par>
+    </p:tnLst>
+    <p:bldLst>
+      <p:bldP spid="3" grpId="0" build="p"/>
+    </p:bldLst>
+  </p:timing>
+</p:sld>
+</file>
+
+<file path=ppt/slides/slide34.xml><?xml version="1.0" encoding="utf-8"?>
 <p:sld xmlns:a="http://schemas.openxmlformats.org/drawingml/2006/main" xmlns:r="http://schemas.openxmlformats.org/officeDocument/2006/relationships" xmlns:p="http://schemas.openxmlformats.org/presentationml/2006/main" showMasterSp="0">
   <p:cSld>
     <p:spTree>
@@ -38671,7 +39860,52 @@
             <a:spLocks noGrp="1"/>
           </p:cNvSpPr>
           <p:nvPr>
-            <p:ph type="ctrTitle"/>
+            <p:ph type="title"/>
+          </p:nvPr>
+        </p:nvSpPr>
+        <p:spPr/>
+        <p:txBody>
+          <a:bodyPr/>
+          <a:lstStyle/>
+          <a:p>
+            <a:r>
+              <a:rPr lang="ko-KR" altLang="en-US" dirty="0" smtClean="0">
+                <a:solidFill>
+                  <a:srgbClr val="E4007F"/>
+                </a:solidFill>
+                <a:latin typeface="소야논8" panose="02020603020101020101" pitchFamily="18" charset="-127"/>
+                <a:ea typeface="소야논8" panose="02020603020101020101" pitchFamily="18" charset="-127"/>
+              </a:rPr>
+              <a:t>다시 만든다면</a:t>
+            </a:r>
+            <a:r>
+              <a:rPr lang="en-US" altLang="ko-KR" dirty="0" smtClean="0">
+                <a:solidFill>
+                  <a:srgbClr val="E4007F"/>
+                </a:solidFill>
+                <a:latin typeface="소야논8" panose="02020603020101020101" pitchFamily="18" charset="-127"/>
+                <a:ea typeface="소야논8" panose="02020603020101020101" pitchFamily="18" charset="-127"/>
+              </a:rPr>
+              <a:t>?</a:t>
+            </a:r>
+            <a:endParaRPr lang="ko-KR" altLang="en-US" dirty="0">
+              <a:solidFill>
+                <a:srgbClr val="E4007F"/>
+              </a:solidFill>
+              <a:latin typeface="소야논8" panose="02020603020101020101" pitchFamily="18" charset="-127"/>
+              <a:ea typeface="소야논8" panose="02020603020101020101" pitchFamily="18" charset="-127"/>
+            </a:endParaRPr>
+          </a:p>
+        </p:txBody>
+      </p:sp>
+      <p:sp>
+        <p:nvSpPr>
+          <p:cNvPr id="3" name="내용 개체 틀 2"/>
+          <p:cNvSpPr>
+            <a:spLocks noGrp="1"/>
+          </p:cNvSpPr>
+          <p:nvPr>
+            <p:ph idx="1"/>
           </p:nvPr>
         </p:nvSpPr>
         <p:spPr/>
@@ -38681,15 +39915,551 @@
           </a:bodyPr>
           <a:lstStyle/>
           <a:p>
-            <a:r>
-              <a:rPr lang="ko-KR" altLang="en-US" sz="4800" dirty="0" err="1" smtClean="0">
-                <a:solidFill>
-                  <a:srgbClr val="E4007F"/>
+            <a:pPr marL="0" indent="0">
+              <a:buNone/>
+            </a:pPr>
+            <a:endParaRPr lang="en-US" altLang="ko-KR" sz="2800" dirty="0" smtClean="0">
+              <a:solidFill>
+                <a:schemeClr val="bg1"/>
+              </a:solidFill>
+              <a:latin typeface="소야논8" panose="02020603020101020101" pitchFamily="18" charset="-127"/>
+              <a:ea typeface="소야논8" panose="02020603020101020101" pitchFamily="18" charset="-127"/>
+            </a:endParaRPr>
+          </a:p>
+          <a:p>
+            <a:r>
+              <a:rPr lang="en-US" altLang="ko-KR" sz="2800" dirty="0" smtClean="0">
+                <a:solidFill>
+                  <a:schemeClr val="bg1"/>
                 </a:solidFill>
                 <a:latin typeface="소야논8" panose="02020603020101020101" pitchFamily="18" charset="-127"/>
                 <a:ea typeface="소야논8" panose="02020603020101020101" pitchFamily="18" charset="-127"/>
               </a:rPr>
-              <a:t>땡큐</a:t>
+              <a:t>DB </a:t>
+            </a:r>
+            <a:r>
+              <a:rPr lang="ko-KR" altLang="en-US" sz="2800" dirty="0" err="1" smtClean="0">
+                <a:solidFill>
+                  <a:schemeClr val="bg1"/>
+                </a:solidFill>
+                <a:latin typeface="소야논8" panose="02020603020101020101" pitchFamily="18" charset="-127"/>
+                <a:ea typeface="소야논8" panose="02020603020101020101" pitchFamily="18" charset="-127"/>
+              </a:rPr>
+              <a:t>쓰레드쪽을</a:t>
+            </a:r>
+            <a:r>
+              <a:rPr lang="ko-KR" altLang="en-US" sz="2800" dirty="0" smtClean="0">
+                <a:solidFill>
+                  <a:schemeClr val="bg1"/>
+                </a:solidFill>
+                <a:latin typeface="소야논8" panose="02020603020101020101" pitchFamily="18" charset="-127"/>
+                <a:ea typeface="소야논8" panose="02020603020101020101" pitchFamily="18" charset="-127"/>
+              </a:rPr>
+              <a:t> 최적화 하고 싶음</a:t>
+            </a:r>
+            <a:r>
+              <a:rPr lang="en-US" altLang="ko-KR" sz="2800" dirty="0" smtClean="0">
+                <a:solidFill>
+                  <a:schemeClr val="bg1"/>
+                </a:solidFill>
+                <a:latin typeface="소야논8" panose="02020603020101020101" pitchFamily="18" charset="-127"/>
+                <a:ea typeface="소야논8" panose="02020603020101020101" pitchFamily="18" charset="-127"/>
+              </a:rPr>
+              <a:t>.</a:t>
+            </a:r>
+          </a:p>
+          <a:p>
+            <a:endParaRPr lang="en-US" altLang="ko-KR" sz="2800" dirty="0">
+              <a:solidFill>
+                <a:schemeClr val="bg1"/>
+              </a:solidFill>
+              <a:latin typeface="소야논8" panose="02020603020101020101" pitchFamily="18" charset="-127"/>
+              <a:ea typeface="소야논8" panose="02020603020101020101" pitchFamily="18" charset="-127"/>
+            </a:endParaRPr>
+          </a:p>
+          <a:p>
+            <a:r>
+              <a:rPr lang="ko-KR" altLang="en-US" sz="2800" dirty="0" smtClean="0">
+                <a:solidFill>
+                  <a:schemeClr val="bg1"/>
+                </a:solidFill>
+                <a:latin typeface="소야논8" panose="02020603020101020101" pitchFamily="18" charset="-127"/>
+                <a:ea typeface="소야논8" panose="02020603020101020101" pitchFamily="18" charset="-127"/>
+              </a:rPr>
+              <a:t>개발 기간 때문에 대충 타협하고 넘어간 부분들을 전부 신경 써서 최적화하고 싶음</a:t>
+            </a:r>
+            <a:r>
+              <a:rPr lang="en-US" altLang="ko-KR" sz="2800" dirty="0" smtClean="0">
+                <a:solidFill>
+                  <a:schemeClr val="bg1"/>
+                </a:solidFill>
+                <a:latin typeface="소야논8" panose="02020603020101020101" pitchFamily="18" charset="-127"/>
+                <a:ea typeface="소야논8" panose="02020603020101020101" pitchFamily="18" charset="-127"/>
+              </a:rPr>
+              <a:t>.</a:t>
+            </a:r>
+          </a:p>
+          <a:p>
+            <a:pPr marL="0" indent="0">
+              <a:buNone/>
+            </a:pPr>
+            <a:endParaRPr lang="en-US" altLang="ko-KR" sz="2800" dirty="0" smtClean="0">
+              <a:solidFill>
+                <a:schemeClr val="bg1"/>
+              </a:solidFill>
+              <a:latin typeface="소야논8" panose="02020603020101020101" pitchFamily="18" charset="-127"/>
+              <a:ea typeface="소야논8" panose="02020603020101020101" pitchFamily="18" charset="-127"/>
+            </a:endParaRPr>
+          </a:p>
+          <a:p>
+            <a:r>
+              <a:rPr lang="ko-KR" altLang="en-US" sz="2800" dirty="0" err="1" smtClean="0">
+                <a:solidFill>
+                  <a:schemeClr val="bg1"/>
+                </a:solidFill>
+                <a:latin typeface="소야논8" panose="02020603020101020101" pitchFamily="18" charset="-127"/>
+                <a:ea typeface="소야논8" panose="02020603020101020101" pitchFamily="18" charset="-127"/>
+              </a:rPr>
+              <a:t>닌텐도와</a:t>
+            </a:r>
+            <a:r>
+              <a:rPr lang="ko-KR" altLang="en-US" sz="2800" dirty="0" smtClean="0">
+                <a:solidFill>
+                  <a:schemeClr val="bg1"/>
+                </a:solidFill>
+                <a:latin typeface="소야논8" panose="02020603020101020101" pitchFamily="18" charset="-127"/>
+                <a:ea typeface="소야논8" panose="02020603020101020101" pitchFamily="18" charset="-127"/>
+              </a:rPr>
+              <a:t> </a:t>
+            </a:r>
+            <a:r>
+              <a:rPr lang="ko-KR" altLang="en-US" sz="2800" dirty="0" err="1" smtClean="0">
+                <a:solidFill>
+                  <a:schemeClr val="bg1"/>
+                </a:solidFill>
+                <a:latin typeface="소야논8" panose="02020603020101020101" pitchFamily="18" charset="-127"/>
+                <a:ea typeface="소야논8" panose="02020603020101020101" pitchFamily="18" charset="-127"/>
+              </a:rPr>
+              <a:t>잭블랙에게</a:t>
+            </a:r>
+            <a:r>
+              <a:rPr lang="ko-KR" altLang="en-US" sz="2800" dirty="0" smtClean="0">
+                <a:solidFill>
+                  <a:schemeClr val="bg1"/>
+                </a:solidFill>
+                <a:latin typeface="소야논8" panose="02020603020101020101" pitchFamily="18" charset="-127"/>
+                <a:ea typeface="소야논8" panose="02020603020101020101" pitchFamily="18" charset="-127"/>
+              </a:rPr>
+              <a:t> 라이선스를 받아</a:t>
+            </a:r>
+            <a:r>
+              <a:rPr lang="en-US" altLang="ko-KR" sz="2800" dirty="0" smtClean="0">
+                <a:solidFill>
+                  <a:schemeClr val="bg1"/>
+                </a:solidFill>
+                <a:latin typeface="소야논8" panose="02020603020101020101" pitchFamily="18" charset="-127"/>
+                <a:ea typeface="소야논8" panose="02020603020101020101" pitchFamily="18" charset="-127"/>
+              </a:rPr>
+              <a:t/>
+            </a:r>
+            <a:br>
+              <a:rPr lang="en-US" altLang="ko-KR" sz="2800" dirty="0" smtClean="0">
+                <a:solidFill>
+                  <a:schemeClr val="bg1"/>
+                </a:solidFill>
+                <a:latin typeface="소야논8" panose="02020603020101020101" pitchFamily="18" charset="-127"/>
+                <a:ea typeface="소야논8" panose="02020603020101020101" pitchFamily="18" charset="-127"/>
+              </a:rPr>
+            </a:br>
+            <a:r>
+              <a:rPr lang="ko-KR" altLang="en-US" sz="2800" dirty="0" smtClean="0">
+                <a:solidFill>
+                  <a:schemeClr val="bg1"/>
+                </a:solidFill>
+                <a:latin typeface="소야논8" panose="02020603020101020101" pitchFamily="18" charset="-127"/>
+                <a:ea typeface="소야논8" panose="02020603020101020101" pitchFamily="18" charset="-127"/>
+              </a:rPr>
+              <a:t>출시하고 싶다</a:t>
+            </a:r>
+            <a:r>
+              <a:rPr lang="en-US" altLang="ko-KR" sz="2800" dirty="0" smtClean="0">
+                <a:solidFill>
+                  <a:schemeClr val="bg1"/>
+                </a:solidFill>
+                <a:latin typeface="소야논8" panose="02020603020101020101" pitchFamily="18" charset="-127"/>
+                <a:ea typeface="소야논8" panose="02020603020101020101" pitchFamily="18" charset="-127"/>
+              </a:rPr>
+              <a:t>.</a:t>
+            </a:r>
+          </a:p>
+        </p:txBody>
+      </p:sp>
+    </p:spTree>
+    <p:extLst>
+      <p:ext uri="{BB962C8B-B14F-4D97-AF65-F5344CB8AC3E}">
+        <p14:creationId xmlns:p14="http://schemas.microsoft.com/office/powerpoint/2010/main" val="1497429585"/>
+      </p:ext>
+    </p:extLst>
+  </p:cSld>
+  <p:clrMapOvr>
+    <a:masterClrMapping/>
+  </p:clrMapOvr>
+  <p:timing>
+    <p:tnLst>
+      <p:par>
+        <p:cTn id="1" dur="indefinite" restart="never" nodeType="tmRoot">
+          <p:childTnLst>
+            <p:seq concurrent="1" nextAc="seek">
+              <p:cTn id="2" dur="indefinite" nodeType="mainSeq">
+                <p:childTnLst>
+                  <p:par>
+                    <p:cTn id="3" fill="hold">
+                      <p:stCondLst>
+                        <p:cond delay="indefinite"/>
+                      </p:stCondLst>
+                      <p:childTnLst>
+                        <p:par>
+                          <p:cTn id="4" fill="hold">
+                            <p:stCondLst>
+                              <p:cond delay="0"/>
+                            </p:stCondLst>
+                            <p:childTnLst>
+                              <p:par>
+                                <p:cTn id="5" presetID="1" presetClass="entr" presetSubtype="0" fill="hold" grpId="0" nodeType="clickEffect">
+                                  <p:stCondLst>
+                                    <p:cond delay="0"/>
+                                  </p:stCondLst>
+                                  <p:childTnLst>
+                                    <p:set>
+                                      <p:cBhvr>
+                                        <p:cTn id="6" dur="1" fill="hold">
+                                          <p:stCondLst>
+                                            <p:cond delay="0"/>
+                                          </p:stCondLst>
+                                        </p:cTn>
+                                        <p:tgtEl>
+                                          <p:spTgt spid="3">
+                                            <p:txEl>
+                                              <p:pRg st="1" end="1"/>
+                                            </p:txEl>
+                                          </p:spTgt>
+                                        </p:tgtEl>
+                                        <p:attrNameLst>
+                                          <p:attrName>style.visibility</p:attrName>
+                                        </p:attrNameLst>
+                                      </p:cBhvr>
+                                      <p:to>
+                                        <p:strVal val="visible"/>
+                                      </p:to>
+                                    </p:set>
+                                  </p:childTnLst>
+                                </p:cTn>
+                              </p:par>
+                            </p:childTnLst>
+                          </p:cTn>
+                        </p:par>
+                      </p:childTnLst>
+                    </p:cTn>
+                  </p:par>
+                  <p:par>
+                    <p:cTn id="7" fill="hold">
+                      <p:stCondLst>
+                        <p:cond delay="indefinite"/>
+                      </p:stCondLst>
+                      <p:childTnLst>
+                        <p:par>
+                          <p:cTn id="8" fill="hold">
+                            <p:stCondLst>
+                              <p:cond delay="0"/>
+                            </p:stCondLst>
+                            <p:childTnLst>
+                              <p:par>
+                                <p:cTn id="9" presetID="1" presetClass="entr" presetSubtype="0" fill="hold" grpId="0" nodeType="clickEffect">
+                                  <p:stCondLst>
+                                    <p:cond delay="0"/>
+                                  </p:stCondLst>
+                                  <p:childTnLst>
+                                    <p:set>
+                                      <p:cBhvr>
+                                        <p:cTn id="10" dur="1" fill="hold">
+                                          <p:stCondLst>
+                                            <p:cond delay="0"/>
+                                          </p:stCondLst>
+                                        </p:cTn>
+                                        <p:tgtEl>
+                                          <p:spTgt spid="3">
+                                            <p:txEl>
+                                              <p:pRg st="3" end="3"/>
+                                            </p:txEl>
+                                          </p:spTgt>
+                                        </p:tgtEl>
+                                        <p:attrNameLst>
+                                          <p:attrName>style.visibility</p:attrName>
+                                        </p:attrNameLst>
+                                      </p:cBhvr>
+                                      <p:to>
+                                        <p:strVal val="visible"/>
+                                      </p:to>
+                                    </p:set>
+                                  </p:childTnLst>
+                                </p:cTn>
+                              </p:par>
+                            </p:childTnLst>
+                          </p:cTn>
+                        </p:par>
+                      </p:childTnLst>
+                    </p:cTn>
+                  </p:par>
+                  <p:par>
+                    <p:cTn id="11" fill="hold">
+                      <p:stCondLst>
+                        <p:cond delay="indefinite"/>
+                      </p:stCondLst>
+                      <p:childTnLst>
+                        <p:par>
+                          <p:cTn id="12" fill="hold">
+                            <p:stCondLst>
+                              <p:cond delay="0"/>
+                            </p:stCondLst>
+                            <p:childTnLst>
+                              <p:par>
+                                <p:cTn id="13" presetID="1" presetClass="entr" presetSubtype="0" fill="hold" grpId="0" nodeType="clickEffect">
+                                  <p:stCondLst>
+                                    <p:cond delay="0"/>
+                                  </p:stCondLst>
+                                  <p:childTnLst>
+                                    <p:set>
+                                      <p:cBhvr>
+                                        <p:cTn id="14" dur="1" fill="hold">
+                                          <p:stCondLst>
+                                            <p:cond delay="0"/>
+                                          </p:stCondLst>
+                                        </p:cTn>
+                                        <p:tgtEl>
+                                          <p:spTgt spid="3">
+                                            <p:txEl>
+                                              <p:pRg st="5" end="5"/>
+                                            </p:txEl>
+                                          </p:spTgt>
+                                        </p:tgtEl>
+                                        <p:attrNameLst>
+                                          <p:attrName>style.visibility</p:attrName>
+                                        </p:attrNameLst>
+                                      </p:cBhvr>
+                                      <p:to>
+                                        <p:strVal val="visible"/>
+                                      </p:to>
+                                    </p:set>
+                                  </p:childTnLst>
+                                </p:cTn>
+                              </p:par>
+                            </p:childTnLst>
+                          </p:cTn>
+                        </p:par>
+                      </p:childTnLst>
+                    </p:cTn>
+                  </p:par>
+                </p:childTnLst>
+              </p:cTn>
+              <p:prevCondLst>
+                <p:cond evt="onPrev" delay="0">
+                  <p:tgtEl>
+                    <p:sldTgt/>
+                  </p:tgtEl>
+                </p:cond>
+              </p:prevCondLst>
+              <p:nextCondLst>
+                <p:cond evt="onNext" delay="0">
+                  <p:tgtEl>
+                    <p:sldTgt/>
+                  </p:tgtEl>
+                </p:cond>
+              </p:nextCondLst>
+            </p:seq>
+          </p:childTnLst>
+        </p:cTn>
+      </p:par>
+    </p:tnLst>
+    <p:bldLst>
+      <p:bldP spid="3" grpId="0" build="p"/>
+    </p:bldLst>
+  </p:timing>
+</p:sld>
+</file>
+
+<file path=ppt/slides/slide35.xml><?xml version="1.0" encoding="utf-8"?>
+<p:sld xmlns:a="http://schemas.openxmlformats.org/drawingml/2006/main" xmlns:r="http://schemas.openxmlformats.org/officeDocument/2006/relationships" xmlns:p="http://schemas.openxmlformats.org/presentationml/2006/main" showMasterSp="0">
+  <p:cSld>
+    <p:spTree>
+      <p:nvGrpSpPr>
+        <p:cNvPr id="1" name=""/>
+        <p:cNvGrpSpPr/>
+        <p:nvPr/>
+      </p:nvGrpSpPr>
+      <p:grpSpPr>
+        <a:xfrm>
+          <a:off x="0" y="0"/>
+          <a:ext cx="0" cy="0"/>
+          <a:chOff x="0" y="0"/>
+          <a:chExt cx="0" cy="0"/>
+        </a:xfrm>
+      </p:grpSpPr>
+      <p:sp>
+        <p:nvSpPr>
+          <p:cNvPr id="2" name="제목 1"/>
+          <p:cNvSpPr>
+            <a:spLocks noGrp="1"/>
+          </p:cNvSpPr>
+          <p:nvPr>
+            <p:ph type="ctrTitle"/>
+          </p:nvPr>
+        </p:nvSpPr>
+        <p:spPr>
+          <a:xfrm>
+            <a:off x="683568" y="2884423"/>
+            <a:ext cx="7772400" cy="1470025"/>
+          </a:xfrm>
+        </p:spPr>
+        <p:txBody>
+          <a:bodyPr>
+            <a:normAutofit fontScale="90000"/>
+          </a:bodyPr>
+          <a:lstStyle/>
+          <a:p>
+            <a:r>
+              <a:rPr lang="ko-KR" altLang="en-US" sz="4800" dirty="0" err="1" smtClean="0">
+                <a:solidFill>
+                  <a:srgbClr val="E4007F"/>
+                </a:solidFill>
+                <a:latin typeface="소야논8" panose="02020603020101020101" pitchFamily="18" charset="-127"/>
+                <a:ea typeface="소야논8" panose="02020603020101020101" pitchFamily="18" charset="-127"/>
+              </a:rPr>
+              <a:t>쌩</a:t>
+            </a:r>
+            <a:r>
+              <a:rPr lang="ko-KR" altLang="en-US" sz="4800" dirty="0" err="1" smtClean="0">
+                <a:solidFill>
+                  <a:srgbClr val="E4007F"/>
+                </a:solidFill>
+                <a:latin typeface="소야논8" panose="02020603020101020101" pitchFamily="18" charset="-127"/>
+                <a:ea typeface="소야논8" panose="02020603020101020101" pitchFamily="18" charset="-127"/>
+              </a:rPr>
+              <a:t>큐</a:t>
+            </a:r>
+            <a:r>
+              <a:rPr lang="en-US" altLang="ko-KR" sz="4800" dirty="0" smtClean="0">
+                <a:solidFill>
+                  <a:srgbClr val="E4007F"/>
+                </a:solidFill>
+                <a:latin typeface="소야논8" panose="02020603020101020101" pitchFamily="18" charset="-127"/>
+                <a:ea typeface="소야논8" panose="02020603020101020101" pitchFamily="18" charset="-127"/>
+              </a:rPr>
+              <a:t/>
+            </a:r>
+            <a:br>
+              <a:rPr lang="en-US" altLang="ko-KR" sz="4800" dirty="0" smtClean="0">
+                <a:solidFill>
+                  <a:srgbClr val="E4007F"/>
+                </a:solidFill>
+                <a:latin typeface="소야논8" panose="02020603020101020101" pitchFamily="18" charset="-127"/>
+                <a:ea typeface="소야논8" panose="02020603020101020101" pitchFamily="18" charset="-127"/>
+              </a:rPr>
+            </a:br>
+            <a:r>
+              <a:rPr lang="en-US" altLang="ko-KR" sz="4800" dirty="0">
+                <a:solidFill>
+                  <a:srgbClr val="E4007F"/>
+                </a:solidFill>
+                <a:latin typeface="소야논8" panose="02020603020101020101" pitchFamily="18" charset="-127"/>
+                <a:ea typeface="소야논8" panose="02020603020101020101" pitchFamily="18" charset="-127"/>
+              </a:rPr>
+              <a:t/>
+            </a:r>
+            <a:br>
+              <a:rPr lang="en-US" altLang="ko-KR" sz="4800" dirty="0">
+                <a:solidFill>
+                  <a:srgbClr val="E4007F"/>
+                </a:solidFill>
+                <a:latin typeface="소야논8" panose="02020603020101020101" pitchFamily="18" charset="-127"/>
+                <a:ea typeface="소야논8" panose="02020603020101020101" pitchFamily="18" charset="-127"/>
+              </a:rPr>
+            </a:br>
+            <a:r>
+              <a:rPr lang="en-US" altLang="ko-KR" sz="4800" dirty="0" smtClean="0">
+                <a:solidFill>
+                  <a:srgbClr val="E4007F"/>
+                </a:solidFill>
+                <a:latin typeface="소야논8" panose="02020603020101020101" pitchFamily="18" charset="-127"/>
+                <a:ea typeface="소야논8" panose="02020603020101020101" pitchFamily="18" charset="-127"/>
+              </a:rPr>
+              <a:t/>
+            </a:r>
+            <a:br>
+              <a:rPr lang="en-US" altLang="ko-KR" sz="4800" dirty="0" smtClean="0">
+                <a:solidFill>
+                  <a:srgbClr val="E4007F"/>
+                </a:solidFill>
+                <a:latin typeface="소야논8" panose="02020603020101020101" pitchFamily="18" charset="-127"/>
+                <a:ea typeface="소야논8" panose="02020603020101020101" pitchFamily="18" charset="-127"/>
+              </a:rPr>
+            </a:br>
+            <a:r>
+              <a:rPr lang="en-US" altLang="ko-KR" sz="4800" dirty="0">
+                <a:solidFill>
+                  <a:srgbClr val="E4007F"/>
+                </a:solidFill>
+                <a:latin typeface="소야논8" panose="02020603020101020101" pitchFamily="18" charset="-127"/>
+                <a:ea typeface="소야논8" panose="02020603020101020101" pitchFamily="18" charset="-127"/>
+              </a:rPr>
+              <a:t/>
+            </a:r>
+            <a:br>
+              <a:rPr lang="en-US" altLang="ko-KR" sz="4800" dirty="0">
+                <a:solidFill>
+                  <a:srgbClr val="E4007F"/>
+                </a:solidFill>
+                <a:latin typeface="소야논8" panose="02020603020101020101" pitchFamily="18" charset="-127"/>
+                <a:ea typeface="소야논8" panose="02020603020101020101" pitchFamily="18" charset="-127"/>
+              </a:rPr>
+            </a:br>
+            <a:r>
+              <a:rPr lang="en-US" altLang="ko-KR" sz="4800" dirty="0">
+                <a:solidFill>
+                  <a:srgbClr val="E4007F"/>
+                </a:solidFill>
+                <a:latin typeface="소야논8" panose="02020603020101020101" pitchFamily="18" charset="-127"/>
+                <a:ea typeface="소야논8" panose="02020603020101020101" pitchFamily="18" charset="-127"/>
+              </a:rPr>
+              <a:t/>
+            </a:r>
+            <a:br>
+              <a:rPr lang="en-US" altLang="ko-KR" sz="4800" dirty="0">
+                <a:solidFill>
+                  <a:srgbClr val="E4007F"/>
+                </a:solidFill>
+                <a:latin typeface="소야논8" panose="02020603020101020101" pitchFamily="18" charset="-127"/>
+                <a:ea typeface="소야논8" panose="02020603020101020101" pitchFamily="18" charset="-127"/>
+              </a:rPr>
+            </a:br>
+            <a:r>
+              <a:rPr lang="ko-KR" altLang="en-US" sz="4800" dirty="0" smtClean="0">
+                <a:solidFill>
+                  <a:srgbClr val="E4007F"/>
+                </a:solidFill>
+                <a:latin typeface="소야논8" panose="02020603020101020101" pitchFamily="18" charset="-127"/>
+                <a:ea typeface="소야논8" panose="02020603020101020101" pitchFamily="18" charset="-127"/>
+              </a:rPr>
+              <a:t>질문</a:t>
+            </a:r>
+            <a:r>
+              <a:rPr lang="en-US" altLang="ko-KR" sz="4800" dirty="0" smtClean="0">
+                <a:solidFill>
+                  <a:srgbClr val="E4007F"/>
+                </a:solidFill>
+                <a:latin typeface="소야논8" panose="02020603020101020101" pitchFamily="18" charset="-127"/>
+                <a:ea typeface="소야논8" panose="02020603020101020101" pitchFamily="18" charset="-127"/>
+              </a:rPr>
+              <a:t>?</a:t>
             </a:r>
             <a:endParaRPr lang="ko-KR" altLang="en-US" sz="4800" dirty="0">
               <a:solidFill>
@@ -38698,6 +40468,58 @@
               <a:latin typeface="소야논8" panose="02020603020101020101" pitchFamily="18" charset="-127"/>
               <a:ea typeface="소야논8" panose="02020603020101020101" pitchFamily="18" charset="-127"/>
             </a:endParaRPr>
+          </a:p>
+        </p:txBody>
+      </p:sp>
+      <p:sp>
+        <p:nvSpPr>
+          <p:cNvPr id="3" name="직사각형 2"/>
+          <p:cNvSpPr/>
+          <p:nvPr/>
+        </p:nvSpPr>
+        <p:spPr>
+          <a:xfrm>
+            <a:off x="0" y="-6444"/>
+            <a:ext cx="9144000" cy="6858000"/>
+          </a:xfrm>
+          <a:prstGeom prst="rect">
+            <a:avLst/>
+          </a:prstGeom>
+          <a:blipFill dpi="0" rotWithShape="1">
+            <a:blip r:embed="rId2">
+              <a:alphaModFix amt="9000"/>
+            </a:blip>
+            <a:srcRect/>
+            <a:stretch>
+              <a:fillRect/>
+            </a:stretch>
+          </a:blipFill>
+          <a:ln>
+            <a:noFill/>
+          </a:ln>
+        </p:spPr>
+        <p:style>
+          <a:lnRef idx="2">
+            <a:schemeClr val="accent1">
+              <a:shade val="50000"/>
+            </a:schemeClr>
+          </a:lnRef>
+          <a:fillRef idx="1">
+            <a:schemeClr val="accent1"/>
+          </a:fillRef>
+          <a:effectRef idx="0">
+            <a:schemeClr val="accent1"/>
+          </a:effectRef>
+          <a:fontRef idx="minor">
+            <a:schemeClr val="lt1"/>
+          </a:fontRef>
+        </p:style>
+        <p:txBody>
+          <a:bodyPr rtlCol="0" anchor="ctr"/>
+          <a:lstStyle/>
+          <a:p>
+            <a:pPr algn="ctr"/>
+            <a:endParaRPr lang="ko-KR" altLang="en-US"/>
           </a:p>
         </p:txBody>
       </p:sp>
@@ -39112,47 +40934,46 @@
           </a:p>
         </p:txBody>
       </p:sp>
-      <p:pic>
-        <p:nvPicPr>
-          <p:cNvPr id="5122" name="Picture 2" descr="D:\DATA\Work\2016 넥스트\WTL 발표\이미지 237.png"/>
-          <p:cNvPicPr>
-            <a:picLocks noChangeAspect="1" noChangeArrowheads="1"/>
-          </p:cNvPicPr>
+      <p:sp>
+        <p:nvSpPr>
+          <p:cNvPr id="3" name="TextBox 2"/>
+          <p:cNvSpPr txBox="1"/>
           <p:nvPr/>
-        </p:nvPicPr>
-        <p:blipFill>
-          <a:blip r:embed="rId2">
-            <a:extLst>
-              <a:ext uri="{28A0092B-C50C-407E-A947-70E740481C1C}">
-                <a14:useLocalDpi xmlns:a14="http://schemas.microsoft.com/office/drawing/2010/main" val="0"/>
-              </a:ext>
-            </a:extLst>
-          </a:blip>
-          <a:srcRect/>
-          <a:stretch>
-            <a:fillRect/>
-          </a:stretch>
-        </p:blipFill>
-        <p:spPr bwMode="auto">
+        </p:nvSpPr>
+        <p:spPr>
           <a:xfrm>
-            <a:off x="1331756" y="2060848"/>
-            <a:ext cx="6480488" cy="3776072"/>
+            <a:off x="251520" y="1412776"/>
+            <a:ext cx="8892480" cy="1107996"/>
           </a:xfrm>
           <a:prstGeom prst="rect">
             <a:avLst/>
           </a:prstGeom>
           <a:noFill/>
-          <a:extLst>
-            <a:ext uri="{909E8E84-426E-40DD-AFC4-6F175D3DCCD1}">
-              <a14:hiddenFill xmlns:a14="http://schemas.microsoft.com/office/drawing/2010/main">
-                <a:solidFill>
-                  <a:srgbClr val="FFFFFF"/>
-                </a:solidFill>
-              </a14:hiddenFill>
-            </a:ext>
-          </a:extLst>
         </p:spPr>
-      </p:pic>
+        <p:txBody>
+          <a:bodyPr wrap="square" rtlCol="0">
+            <a:spAutoFit/>
+          </a:bodyPr>
+          <a:lstStyle/>
+          <a:p>
+            <a:r>
+              <a:rPr lang="en-US" altLang="ko-KR" sz="6600" dirty="0">
+                <a:solidFill>
+                  <a:srgbClr val="00B0F0"/>
+                </a:solidFill>
+              </a:rPr>
+              <a:t>https://goo.gl/y16cju</a:t>
+            </a:r>
+            <a:endParaRPr lang="ko-KR" altLang="en-US" sz="6600" dirty="0">
+              <a:solidFill>
+                <a:srgbClr val="00B0F0"/>
+              </a:solidFill>
+              <a:latin typeface="나눔고딕" panose="020D0604000000000000" pitchFamily="50" charset="-127"/>
+              <a:ea typeface="나눔고딕" panose="020D0604000000000000" pitchFamily="50" charset="-127"/>
+            </a:endParaRPr>
+          </a:p>
+        </p:txBody>
+      </p:sp>
     </p:spTree>
     <p:extLst>
       <p:ext uri="{BB962C8B-B14F-4D97-AF65-F5344CB8AC3E}">
@@ -39227,7 +41048,7 @@
       </p:sp>
       <p:pic>
         <p:nvPicPr>
-          <p:cNvPr id="6146" name="Picture 2" descr="D:\DATA\Work\2016 넥스트\WTL 발표\이미지 239.png"/>
+          <p:cNvPr id="5122" name="Picture 2" descr="D:\DATA\Work\2016 넥스트\WTL 발표\이미지 237.png"/>
           <p:cNvPicPr>
             <a:picLocks noChangeAspect="1" noChangeArrowheads="1"/>
           </p:cNvPicPr>
@@ -39248,8 +41069,8 @@
         </p:blipFill>
         <p:spPr bwMode="auto">
           <a:xfrm>
-            <a:off x="28952" y="1340768"/>
-            <a:ext cx="7151156" cy="4166860"/>
+            <a:off x="1331756" y="2052856"/>
+            <a:ext cx="6480488" cy="3776072"/>
           </a:xfrm>
           <a:prstGeom prst="rect">
             <a:avLst/>
@@ -39269,7 +41090,7 @@
     </p:spTree>
     <p:extLst>
       <p:ext uri="{BB962C8B-B14F-4D97-AF65-F5344CB8AC3E}">
-        <p14:creationId xmlns:p14="http://schemas.microsoft.com/office/powerpoint/2010/main" val="3493511854"/>
+        <p14:creationId xmlns:p14="http://schemas.microsoft.com/office/powerpoint/2010/main" val="1168395947"/>
       </p:ext>
     </p:extLst>
   </p:cSld>
@@ -39340,7 +41161,7 @@
       </p:sp>
       <p:pic>
         <p:nvPicPr>
-          <p:cNvPr id="7170" name="Picture 2" descr="D:\DATA\Work\2016 넥스트\WTL 발표\이미지 241.png"/>
+          <p:cNvPr id="6146" name="Picture 2" descr="D:\DATA\Work\2016 넥스트\WTL 발표\이미지 239.png"/>
           <p:cNvPicPr>
             <a:picLocks noChangeAspect="1" noChangeArrowheads="1"/>
           </p:cNvPicPr>
@@ -39361,8 +41182,8 @@
         </p:blipFill>
         <p:spPr bwMode="auto">
           <a:xfrm>
-            <a:off x="1412613" y="2204864"/>
-            <a:ext cx="7551875" cy="4393498"/>
+            <a:off x="28952" y="1340768"/>
+            <a:ext cx="7151156" cy="4166860"/>
           </a:xfrm>
           <a:prstGeom prst="rect">
             <a:avLst/>

--- a/서버프로젝트.pptx
+++ b/서버프로젝트.pptx
@@ -53,18 +53,18 @@
   <p:notesSz cx="6858000" cy="9144000"/>
   <p:embeddedFontLst>
     <p:embeddedFont>
-      <p:font typeface="소야논8" panose="02020603020101020101" pitchFamily="18" charset="-127"/>
+      <p:font typeface="나눔고딕" panose="020D0604000000000000" pitchFamily="50" charset="-127"/>
       <p:regular r:id="rId45"/>
+      <p:bold r:id="rId46"/>
     </p:embeddedFont>
     <p:embeddedFont>
       <p:font typeface="맑은 고딕" panose="020B0503020000020004" pitchFamily="50" charset="-127"/>
-      <p:regular r:id="rId46"/>
-      <p:bold r:id="rId47"/>
+      <p:regular r:id="rId47"/>
+      <p:bold r:id="rId48"/>
     </p:embeddedFont>
     <p:embeddedFont>
-      <p:font typeface="나눔고딕" panose="020D0604000000000000" pitchFamily="50" charset="-127"/>
-      <p:regular r:id="rId48"/>
-      <p:bold r:id="rId49"/>
+      <p:font typeface="소야논8" panose="02020603020101020101" pitchFamily="18" charset="-127"/>
+      <p:regular r:id="rId49"/>
     </p:embeddedFont>
   </p:embeddedFontLst>
   <p:defaultTextStyle>
@@ -164,7 +164,7 @@
   </p:defaultTextStyle>
   <p:extLst>
     <p:ext uri="{EFAFB233-063F-42B5-8137-9DF3F51BA10A}">
-      <p15:sldGuideLst xmlns="" xmlns:p15="http://schemas.microsoft.com/office/powerpoint/2012/main">
+      <p15:sldGuideLst xmlns:p15="http://schemas.microsoft.com/office/powerpoint/2012/main" xmlns="">
         <p15:guide id="1" orient="horz" pos="2160">
           <p15:clr>
             <a:srgbClr val="A4A3A4"/>
@@ -38409,27 +38409,7 @@
                 <a:latin typeface="소야논8" panose="02020603020101020101" pitchFamily="18" charset="-127"/>
                 <a:ea typeface="소야논8" panose="02020603020101020101" pitchFamily="18" charset="-127"/>
               </a:rPr>
-              <a:t>힘들</a:t>
-            </a:r>
-            <a:r>
-              <a:rPr lang="ko-KR" altLang="en-US" sz="4800" dirty="0" err="1" smtClean="0">
-                <a:solidFill>
-                  <a:srgbClr val="E4007F"/>
-                </a:solidFill>
-                <a:latin typeface="소야논8" panose="02020603020101020101" pitchFamily="18" charset="-127"/>
-                <a:ea typeface="소야논8" panose="02020603020101020101" pitchFamily="18" charset="-127"/>
-              </a:rPr>
-              <a:t>좋았</a:t>
-            </a:r>
-            <a:r>
-              <a:rPr lang="ko-KR" altLang="en-US" sz="4800" dirty="0" err="1" smtClean="0">
-                <a:solidFill>
-                  <a:srgbClr val="E4007F"/>
-                </a:solidFill>
-                <a:latin typeface="소야논8" panose="02020603020101020101" pitchFamily="18" charset="-127"/>
-                <a:ea typeface="소야논8" panose="02020603020101020101" pitchFamily="18" charset="-127"/>
-              </a:rPr>
-              <a:t>던</a:t>
+              <a:t>힘들좋았아쉬웠던</a:t>
             </a:r>
             <a:r>
               <a:rPr lang="ko-KR" altLang="en-US" sz="4800" dirty="0" smtClean="0">
@@ -38611,17 +38591,7 @@
                 <a:latin typeface="소야논8" panose="02020603020101020101" pitchFamily="18" charset="-127"/>
                 <a:ea typeface="소야논8" panose="02020603020101020101" pitchFamily="18" charset="-127"/>
               </a:rPr>
-              <a:t>처음 </a:t>
-            </a:r>
-            <a:r>
-              <a:rPr lang="ko-KR" altLang="en-US" sz="2000" dirty="0" smtClean="0">
-                <a:solidFill>
-                  <a:schemeClr val="bg1"/>
-                </a:solidFill>
-                <a:latin typeface="소야논8" panose="02020603020101020101" pitchFamily="18" charset="-127"/>
-                <a:ea typeface="소야논8" panose="02020603020101020101" pitchFamily="18" charset="-127"/>
-              </a:rPr>
-              <a:t>해봐서</a:t>
+              <a:t>처음 해봐서</a:t>
             </a:r>
             <a:r>
               <a:rPr lang="en-US" altLang="ko-KR" sz="2000" dirty="0" smtClean="0">
@@ -38670,17 +38640,7 @@
                 <a:latin typeface="소야논8" panose="02020603020101020101" pitchFamily="18" charset="-127"/>
                 <a:ea typeface="소야논8" panose="02020603020101020101" pitchFamily="18" charset="-127"/>
               </a:rPr>
-              <a:t>DB, ASP.NET, </a:t>
-            </a:r>
-            <a:r>
-              <a:rPr lang="en-US" altLang="ko-KR" dirty="0" smtClean="0">
-                <a:solidFill>
-                  <a:schemeClr val="bg1"/>
-                </a:solidFill>
-                <a:latin typeface="소야논8" panose="02020603020101020101" pitchFamily="18" charset="-127"/>
-                <a:ea typeface="소야논8" panose="02020603020101020101" pitchFamily="18" charset="-127"/>
-              </a:rPr>
-              <a:t>IOCP</a:t>
+              <a:t>DB, ASP.NET, IOCP</a:t>
             </a:r>
           </a:p>
           <a:p>
@@ -39288,17 +39248,7 @@
                 <a:latin typeface="소야논8" panose="02020603020101020101" pitchFamily="18" charset="-127"/>
                 <a:ea typeface="소야논8" panose="02020603020101020101" pitchFamily="18" charset="-127"/>
               </a:rPr>
-              <a:t> </a:t>
-            </a:r>
-            <a:r>
-              <a:rPr lang="ko-KR" altLang="en-US" dirty="0" smtClean="0">
-                <a:solidFill>
-                  <a:schemeClr val="bg1"/>
-                </a:solidFill>
-                <a:latin typeface="소야논8" panose="02020603020101020101" pitchFamily="18" charset="-127"/>
-                <a:ea typeface="소야논8" panose="02020603020101020101" pitchFamily="18" charset="-127"/>
-              </a:rPr>
-              <a:t>프로그래밍</a:t>
+              <a:t> 프로그래밍</a:t>
             </a:r>
             <a:endParaRPr lang="en-US" altLang="ko-KR" dirty="0" smtClean="0">
               <a:solidFill>
@@ -39876,17 +39826,7 @@
                 <a:latin typeface="소야논8" panose="02020603020101020101" pitchFamily="18" charset="-127"/>
                 <a:ea typeface="소야논8" panose="02020603020101020101" pitchFamily="18" charset="-127"/>
               </a:rPr>
-              <a:t>다시 만든다면</a:t>
-            </a:r>
-            <a:r>
-              <a:rPr lang="en-US" altLang="ko-KR" dirty="0" smtClean="0">
-                <a:solidFill>
-                  <a:srgbClr val="E4007F"/>
-                </a:solidFill>
-                <a:latin typeface="소야논8" panose="02020603020101020101" pitchFamily="18" charset="-127"/>
-                <a:ea typeface="소야논8" panose="02020603020101020101" pitchFamily="18" charset="-127"/>
-              </a:rPr>
-              <a:t>?</a:t>
+              <a:t>아쉬웠던 점</a:t>
             </a:r>
             <a:endParaRPr lang="ko-KR" altLang="en-US" dirty="0">
               <a:solidFill>
@@ -39911,13 +39851,85 @@
         <p:spPr/>
         <p:txBody>
           <a:bodyPr>
-            <a:normAutofit/>
+            <a:normAutofit fontScale="92500" lnSpcReduction="20000"/>
           </a:bodyPr>
           <a:lstStyle/>
           <a:p>
             <a:pPr marL="0" indent="0">
               <a:buNone/>
             </a:pPr>
+            <a:endParaRPr lang="en-US" altLang="ko-KR" sz="2800" dirty="0">
+              <a:solidFill>
+                <a:schemeClr val="bg1"/>
+              </a:solidFill>
+              <a:latin typeface="소야논8" panose="02020603020101020101" pitchFamily="18" charset="-127"/>
+              <a:ea typeface="소야논8" panose="02020603020101020101" pitchFamily="18" charset="-127"/>
+            </a:endParaRPr>
+          </a:p>
+          <a:p>
+            <a:r>
+              <a:rPr lang="ko-KR" altLang="en-US" sz="2800" dirty="0" smtClean="0">
+                <a:solidFill>
+                  <a:schemeClr val="bg1"/>
+                </a:solidFill>
+                <a:latin typeface="소야논8" panose="02020603020101020101" pitchFamily="18" charset="-127"/>
+                <a:ea typeface="소야논8" panose="02020603020101020101" pitchFamily="18" charset="-127"/>
+              </a:rPr>
+              <a:t>개발 기간 때문에 대충 타협하고 넘어간 부분들을 전부 신경 써서 최적화하고 싶음</a:t>
+            </a:r>
+            <a:r>
+              <a:rPr lang="en-US" altLang="ko-KR" sz="2800" dirty="0" smtClean="0">
+                <a:solidFill>
+                  <a:schemeClr val="bg1"/>
+                </a:solidFill>
+                <a:latin typeface="소야논8" panose="02020603020101020101" pitchFamily="18" charset="-127"/>
+                <a:ea typeface="소야논8" panose="02020603020101020101" pitchFamily="18" charset="-127"/>
+              </a:rPr>
+              <a:t>.</a:t>
+            </a:r>
+          </a:p>
+          <a:p>
+            <a:endParaRPr lang="en-US" altLang="ko-KR" sz="2800" dirty="0">
+              <a:solidFill>
+                <a:schemeClr val="bg1"/>
+              </a:solidFill>
+              <a:latin typeface="소야논8" panose="02020603020101020101" pitchFamily="18" charset="-127"/>
+              <a:ea typeface="소야논8" panose="02020603020101020101" pitchFamily="18" charset="-127"/>
+            </a:endParaRPr>
+          </a:p>
+          <a:p>
+            <a:r>
+              <a:rPr lang="ko-KR" altLang="en-US" sz="2800" dirty="0" err="1" smtClean="0">
+                <a:solidFill>
+                  <a:schemeClr val="bg1"/>
+                </a:solidFill>
+                <a:latin typeface="소야논8" panose="02020603020101020101" pitchFamily="18" charset="-127"/>
+                <a:ea typeface="소야논8" panose="02020603020101020101" pitchFamily="18" charset="-127"/>
+              </a:rPr>
+              <a:t>동접자</a:t>
+            </a:r>
+            <a:r>
+              <a:rPr lang="ko-KR" altLang="en-US" sz="2800" dirty="0" smtClean="0">
+                <a:solidFill>
+                  <a:schemeClr val="bg1"/>
+                </a:solidFill>
+                <a:latin typeface="소야논8" panose="02020603020101020101" pitchFamily="18" charset="-127"/>
+                <a:ea typeface="소야논8" panose="02020603020101020101" pitchFamily="18" charset="-127"/>
+              </a:rPr>
+              <a:t> 테스트를 제대로 해보고 싶다</a:t>
+            </a:r>
+            <a:r>
+              <a:rPr lang="en-US" altLang="ko-KR" sz="2800" dirty="0" smtClean="0">
+                <a:solidFill>
+                  <a:schemeClr val="bg1"/>
+                </a:solidFill>
+                <a:latin typeface="소야논8" panose="02020603020101020101" pitchFamily="18" charset="-127"/>
+                <a:ea typeface="소야논8" panose="02020603020101020101" pitchFamily="18" charset="-127"/>
+              </a:rPr>
+              <a:t>.</a:t>
+            </a:r>
+          </a:p>
+          <a:p>
             <a:endParaRPr lang="en-US" altLang="ko-KR" sz="2800" dirty="0" smtClean="0">
               <a:solidFill>
                 <a:schemeClr val="bg1"/>
@@ -39928,76 +39940,165 @@
           </a:p>
           <a:p>
             <a:r>
-              <a:rPr lang="en-US" altLang="ko-KR" sz="2800" dirty="0" smtClean="0">
+              <a:rPr lang="ko-KR" altLang="en-US" sz="2800" dirty="0" err="1" smtClean="0">
                 <a:solidFill>
                   <a:schemeClr val="bg1"/>
                 </a:solidFill>
                 <a:latin typeface="소야논8" panose="02020603020101020101" pitchFamily="18" charset="-127"/>
                 <a:ea typeface="소야논8" panose="02020603020101020101" pitchFamily="18" charset="-127"/>
               </a:rPr>
-              <a:t>DB </a:t>
-            </a:r>
-            <a:r>
-              <a:rPr lang="ko-KR" altLang="en-US" sz="2800" dirty="0" err="1" smtClean="0">
+              <a:t>모바일</a:t>
+            </a:r>
+            <a:r>
+              <a:rPr lang="ko-KR" altLang="en-US" sz="2800" dirty="0" smtClean="0">
                 <a:solidFill>
                   <a:schemeClr val="bg1"/>
                 </a:solidFill>
                 <a:latin typeface="소야논8" panose="02020603020101020101" pitchFamily="18" charset="-127"/>
                 <a:ea typeface="소야논8" panose="02020603020101020101" pitchFamily="18" charset="-127"/>
               </a:rPr>
-              <a:t>쓰레드쪽을</a:t>
-            </a:r>
-            <a:r>
-              <a:rPr lang="ko-KR" altLang="en-US" sz="2800" dirty="0" smtClean="0">
+              <a:t> 버전으로 만들어 보고 싶다</a:t>
+            </a:r>
+            <a:r>
+              <a:rPr lang="en-US" altLang="ko-KR" sz="2800" dirty="0" smtClean="0">
                 <a:solidFill>
                   <a:schemeClr val="bg1"/>
                 </a:solidFill>
                 <a:latin typeface="소야논8" panose="02020603020101020101" pitchFamily="18" charset="-127"/>
                 <a:ea typeface="소야논8" panose="02020603020101020101" pitchFamily="18" charset="-127"/>
               </a:rPr>
-              <a:t> 최적화 하고 싶음</a:t>
-            </a:r>
-            <a:r>
-              <a:rPr lang="en-US" altLang="ko-KR" sz="2800" dirty="0" smtClean="0">
+              <a:t>.</a:t>
+            </a:r>
+          </a:p>
+          <a:p>
+            <a:pPr lvl="1"/>
+            <a:r>
+              <a:rPr lang="en-US" altLang="ko-KR" sz="2400" dirty="0" smtClean="0">
                 <a:solidFill>
                   <a:schemeClr val="bg1"/>
                 </a:solidFill>
                 <a:latin typeface="소야논8" panose="02020603020101020101" pitchFamily="18" charset="-127"/>
                 <a:ea typeface="소야논8" panose="02020603020101020101" pitchFamily="18" charset="-127"/>
               </a:rPr>
-              <a:t>.</a:t>
-            </a:r>
-          </a:p>
-          <a:p>
-            <a:endParaRPr lang="en-US" altLang="ko-KR" sz="2800" dirty="0">
+              <a:t>Cocos2d-x</a:t>
+            </a:r>
+            <a:r>
+              <a:rPr lang="ko-KR" altLang="en-US" sz="2400" dirty="0" smtClean="0">
+                <a:solidFill>
+                  <a:schemeClr val="bg1"/>
+                </a:solidFill>
+                <a:latin typeface="소야논8" panose="02020603020101020101" pitchFamily="18" charset="-127"/>
+                <a:ea typeface="소야논8" panose="02020603020101020101" pitchFamily="18" charset="-127"/>
+              </a:rPr>
+              <a:t>를 썼으나</a:t>
+            </a:r>
+            <a:r>
+              <a:rPr lang="en-US" altLang="ko-KR" sz="2400" dirty="0" smtClean="0">
+                <a:solidFill>
+                  <a:schemeClr val="bg1"/>
+                </a:solidFill>
+                <a:latin typeface="소야논8" panose="02020603020101020101" pitchFamily="18" charset="-127"/>
+                <a:ea typeface="소야논8" panose="02020603020101020101" pitchFamily="18" charset="-127"/>
+              </a:rPr>
+              <a:t>, </a:t>
+            </a:r>
+            <a:r>
+              <a:rPr lang="en-US" altLang="ko-KR" sz="2400" dirty="0" err="1" smtClean="0">
+                <a:solidFill>
+                  <a:schemeClr val="bg1"/>
+                </a:solidFill>
+                <a:latin typeface="소야논8" panose="02020603020101020101" pitchFamily="18" charset="-127"/>
+                <a:ea typeface="소야논8" panose="02020603020101020101" pitchFamily="18" charset="-127"/>
+              </a:rPr>
+              <a:t>winsock</a:t>
+            </a:r>
+            <a:r>
+              <a:rPr lang="ko-KR" altLang="en-US" sz="2400" dirty="0" smtClean="0">
+                <a:solidFill>
+                  <a:schemeClr val="bg1"/>
+                </a:solidFill>
+                <a:latin typeface="소야논8" panose="02020603020101020101" pitchFamily="18" charset="-127"/>
+                <a:ea typeface="소야논8" panose="02020603020101020101" pitchFamily="18" charset="-127"/>
+              </a:rPr>
+              <a:t>을 쓴 데다 </a:t>
+            </a:r>
+            <a:r>
+              <a:rPr lang="en-US" altLang="ko-KR" sz="2400" dirty="0" smtClean="0">
+                <a:solidFill>
+                  <a:schemeClr val="bg1"/>
+                </a:solidFill>
+                <a:latin typeface="소야논8" panose="02020603020101020101" pitchFamily="18" charset="-127"/>
+                <a:ea typeface="소야논8" panose="02020603020101020101" pitchFamily="18" charset="-127"/>
+              </a:rPr>
+              <a:t>windows </a:t>
+            </a:r>
+            <a:r>
+              <a:rPr lang="en-US" altLang="ko-KR" sz="2400" dirty="0" err="1" smtClean="0">
+                <a:solidFill>
+                  <a:schemeClr val="bg1"/>
+                </a:solidFill>
+                <a:latin typeface="소야논8" panose="02020603020101020101" pitchFamily="18" charset="-127"/>
+                <a:ea typeface="소야논8" panose="02020603020101020101" pitchFamily="18" charset="-127"/>
+              </a:rPr>
+              <a:t>api</a:t>
+            </a:r>
+            <a:r>
+              <a:rPr lang="ko-KR" altLang="en-US" sz="2400" dirty="0" smtClean="0">
+                <a:solidFill>
+                  <a:schemeClr val="bg1"/>
+                </a:solidFill>
+                <a:latin typeface="소야논8" panose="02020603020101020101" pitchFamily="18" charset="-127"/>
+                <a:ea typeface="소야논8" panose="02020603020101020101" pitchFamily="18" charset="-127"/>
+              </a:rPr>
+              <a:t>를 여기저기 쑤셔 </a:t>
+            </a:r>
+            <a:r>
+              <a:rPr lang="ko-KR" altLang="en-US" sz="2400" smtClean="0">
+                <a:solidFill>
+                  <a:schemeClr val="bg1"/>
+                </a:solidFill>
+                <a:latin typeface="소야논8" panose="02020603020101020101" pitchFamily="18" charset="-127"/>
+                <a:ea typeface="소야논8" panose="02020603020101020101" pitchFamily="18" charset="-127"/>
+              </a:rPr>
+              <a:t>넣어서 포팅하려면 </a:t>
+            </a:r>
+            <a:r>
+              <a:rPr lang="ko-KR" altLang="en-US" sz="2400" dirty="0" smtClean="0">
+                <a:solidFill>
+                  <a:schemeClr val="bg1"/>
+                </a:solidFill>
+                <a:latin typeface="소야논8" panose="02020603020101020101" pitchFamily="18" charset="-127"/>
+                <a:ea typeface="소야논8" panose="02020603020101020101" pitchFamily="18" charset="-127"/>
+              </a:rPr>
+              <a:t>고생 좀 할 듯</a:t>
+            </a:r>
+            <a:r>
+              <a:rPr lang="en-US" altLang="ko-KR" sz="2400" dirty="0" smtClean="0">
+                <a:solidFill>
+                  <a:schemeClr val="bg1"/>
+                </a:solidFill>
+                <a:latin typeface="소야논8" panose="02020603020101020101" pitchFamily="18" charset="-127"/>
+                <a:ea typeface="소야논8" panose="02020603020101020101" pitchFamily="18" charset="-127"/>
+              </a:rPr>
+              <a:t>..</a:t>
+            </a:r>
+            <a:r>
+              <a:rPr lang="ko-KR" altLang="en-US" sz="2400" dirty="0" smtClean="0">
+                <a:solidFill>
+                  <a:schemeClr val="bg1"/>
+                </a:solidFill>
+                <a:latin typeface="소야논8" panose="02020603020101020101" pitchFamily="18" charset="-127"/>
+                <a:ea typeface="소야논8" panose="02020603020101020101" pitchFamily="18" charset="-127"/>
+              </a:rPr>
+              <a:t> </a:t>
+            </a:r>
+            <a:endParaRPr lang="en-US" altLang="ko-KR" sz="2400" dirty="0" smtClean="0">
               <a:solidFill>
                 <a:schemeClr val="bg1"/>
               </a:solidFill>
               <a:latin typeface="소야논8" panose="02020603020101020101" pitchFamily="18" charset="-127"/>
               <a:ea typeface="소야논8" panose="02020603020101020101" pitchFamily="18" charset="-127"/>
             </a:endParaRPr>
-          </a:p>
-          <a:p>
-            <a:r>
-              <a:rPr lang="ko-KR" altLang="en-US" sz="2800" dirty="0" smtClean="0">
-                <a:solidFill>
-                  <a:schemeClr val="bg1"/>
-                </a:solidFill>
-                <a:latin typeface="소야논8" panose="02020603020101020101" pitchFamily="18" charset="-127"/>
-                <a:ea typeface="소야논8" panose="02020603020101020101" pitchFamily="18" charset="-127"/>
-              </a:rPr>
-              <a:t>개발 기간 때문에 대충 타협하고 넘어간 부분들을 전부 신경 써서 최적화하고 싶음</a:t>
-            </a:r>
-            <a:r>
-              <a:rPr lang="en-US" altLang="ko-KR" sz="2800" dirty="0" smtClean="0">
-                <a:solidFill>
-                  <a:schemeClr val="bg1"/>
-                </a:solidFill>
-                <a:latin typeface="소야논8" panose="02020603020101020101" pitchFamily="18" charset="-127"/>
-                <a:ea typeface="소야논8" panose="02020603020101020101" pitchFamily="18" charset="-127"/>
-              </a:rPr>
-              <a:t>.</a:t>
-            </a:r>
           </a:p>
           <a:p>
             <a:pPr marL="0" indent="0">
@@ -40253,6 +40354,86 @@
                                   </p:childTnLst>
                                 </p:cTn>
                               </p:par>
+                              <p:par>
+                                <p:cTn id="15" presetID="1" presetClass="entr" presetSubtype="0" fill="hold" grpId="0" nodeType="withEffect">
+                                  <p:stCondLst>
+                                    <p:cond delay="0"/>
+                                  </p:stCondLst>
+                                  <p:childTnLst>
+                                    <p:set>
+                                      <p:cBhvr>
+                                        <p:cTn id="16" dur="1" fill="hold">
+                                          <p:stCondLst>
+                                            <p:cond delay="0"/>
+                                          </p:stCondLst>
+                                        </p:cTn>
+                                        <p:tgtEl>
+                                          <p:spTgt spid="3">
+                                            <p:txEl>
+                                              <p:pRg st="6" end="6"/>
+                                            </p:txEl>
+                                          </p:spTgt>
+                                        </p:tgtEl>
+                                        <p:attrNameLst>
+                                          <p:attrName>style.visibility</p:attrName>
+                                        </p:attrNameLst>
+                                      </p:cBhvr>
+                                      <p:to>
+                                        <p:strVal val="visible"/>
+                                      </p:to>
+                                    </p:set>
+                                  </p:childTnLst>
+                                </p:cTn>
+                              </p:par>
+                            </p:childTnLst>
+                          </p:cTn>
+                        </p:par>
+                      </p:childTnLst>
+                    </p:cTn>
+                  </p:par>
+                  <p:par>
+                    <p:cTn id="17" fill="hold">
+                      <p:stCondLst>
+                        <p:cond delay="indefinite"/>
+                      </p:stCondLst>
+                      <p:childTnLst>
+                        <p:par>
+                          <p:cTn id="18" fill="hold">
+                            <p:stCondLst>
+                              <p:cond delay="0"/>
+                            </p:stCondLst>
+                            <p:childTnLst>
+                              <p:par>
+                                <p:cTn id="19" presetID="1" presetClass="entr" presetSubtype="0" fill="hold" grpId="0" nodeType="clickEffect">
+                                  <p:stCondLst>
+                                    <p:cond delay="0"/>
+                                  </p:stCondLst>
+                                  <p:childTnLst>
+                                    <p:set>
+                                      <p:cBhvr>
+                                        <p:cTn id="20" dur="1" fill="hold">
+                                          <p:stCondLst>
+                                            <p:cond delay="0"/>
+                                          </p:stCondLst>
+                                        </p:cTn>
+                                        <p:tgtEl>
+                                          <p:spTgt spid="3">
+                                            <p:txEl>
+                                              <p:pRg st="8" end="8"/>
+                                            </p:txEl>
+                                          </p:spTgt>
+                                        </p:tgtEl>
+                                        <p:attrNameLst>
+                                          <p:attrName>style.visibility</p:attrName>
+                                        </p:attrNameLst>
+                                      </p:cBhvr>
+                                      <p:to>
+                                        <p:strVal val="visible"/>
+                                      </p:to>
+                                    </p:set>
+                                  </p:childTnLst>
+                                </p:cTn>
+                              </p:par>
                             </p:childTnLst>
                           </p:cTn>
                         </p:par>
@@ -40334,17 +40515,7 @@
                 <a:latin typeface="소야논8" panose="02020603020101020101" pitchFamily="18" charset="-127"/>
                 <a:ea typeface="소야논8" panose="02020603020101020101" pitchFamily="18" charset="-127"/>
               </a:rPr>
-              <a:t>쌩</a:t>
-            </a:r>
-            <a:r>
-              <a:rPr lang="ko-KR" altLang="en-US" sz="4800" dirty="0" err="1" smtClean="0">
-                <a:solidFill>
-                  <a:srgbClr val="E4007F"/>
-                </a:solidFill>
-                <a:latin typeface="소야논8" panose="02020603020101020101" pitchFamily="18" charset="-127"/>
-                <a:ea typeface="소야논8" panose="02020603020101020101" pitchFamily="18" charset="-127"/>
-              </a:rPr>
-              <a:t>큐</a:t>
+              <a:t>쌩큐</a:t>
             </a:r>
             <a:r>
               <a:rPr lang="en-US" altLang="ko-KR" sz="4800" dirty="0" smtClean="0">

--- a/서버프로젝트.pptx
+++ b/서버프로젝트.pptx
@@ -40050,17 +40050,17 @@
                 <a:latin typeface="소야논8" panose="02020603020101020101" pitchFamily="18" charset="-127"/>
                 <a:ea typeface="소야논8" panose="02020603020101020101" pitchFamily="18" charset="-127"/>
               </a:rPr>
-              <a:t>를 여기저기 쑤셔 </a:t>
-            </a:r>
-            <a:r>
-              <a:rPr lang="ko-KR" altLang="en-US" sz="2400" smtClean="0">
+              <a:t>를 여기저기 쑤셔 넣어서 </a:t>
+            </a:r>
+            <a:r>
+              <a:rPr lang="ko-KR" altLang="en-US" sz="2400" dirty="0" err="1" smtClean="0">
                 <a:solidFill>
                   <a:schemeClr val="bg1"/>
                 </a:solidFill>
                 <a:latin typeface="소야논8" panose="02020603020101020101" pitchFamily="18" charset="-127"/>
                 <a:ea typeface="소야논8" panose="02020603020101020101" pitchFamily="18" charset="-127"/>
               </a:rPr>
-              <a:t>넣어서 포팅하려면 </a:t>
+              <a:t>포팅하려면</a:t>
             </a:r>
             <a:r>
               <a:rPr lang="ko-KR" altLang="en-US" sz="2400" dirty="0" smtClean="0">
@@ -40070,7 +40070,7 @@
                 <a:latin typeface="소야논8" panose="02020603020101020101" pitchFamily="18" charset="-127"/>
                 <a:ea typeface="소야논8" panose="02020603020101020101" pitchFamily="18" charset="-127"/>
               </a:rPr>
-              <a:t>고생 좀 할 듯</a:t>
+              <a:t> 고생 좀 할 듯</a:t>
             </a:r>
             <a:r>
               <a:rPr lang="en-US" altLang="ko-KR" sz="2400" dirty="0" smtClean="0">

--- a/서버프로젝트.pptx
+++ b/서버프로젝트.pptx
@@ -13,7 +13,7 @@
     <p:sldMasterId id="2147483780" r:id="rId9"/>
   </p:sldMasterIdLst>
   <p:sldIdLst>
-    <p:sldId id="256" r:id="rId10"/>
+    <p:sldId id="298" r:id="rId10"/>
     <p:sldId id="281" r:id="rId11"/>
     <p:sldId id="295" r:id="rId12"/>
     <p:sldId id="290" r:id="rId13"/>
@@ -53,18 +53,18 @@
   <p:notesSz cx="6858000" cy="9144000"/>
   <p:embeddedFontLst>
     <p:embeddedFont>
-      <p:font typeface="나눔고딕" panose="020D0604000000000000" pitchFamily="50" charset="-127"/>
+      <p:font typeface="나눔고딕" panose="020B0600000101010101" charset="-127"/>
       <p:regular r:id="rId45"/>
       <p:bold r:id="rId46"/>
     </p:embeddedFont>
     <p:embeddedFont>
-      <p:font typeface="맑은 고딕" panose="020B0503020000020004" pitchFamily="50" charset="-127"/>
+      <p:font typeface="소야논8" panose="02020603020101020101" pitchFamily="18" charset="-127"/>
       <p:regular r:id="rId47"/>
-      <p:bold r:id="rId48"/>
     </p:embeddedFont>
     <p:embeddedFont>
-      <p:font typeface="소야논8" panose="02020603020101020101" pitchFamily="18" charset="-127"/>
-      <p:regular r:id="rId49"/>
+      <p:font typeface="맑은 고딕" panose="020B0503020000020004" pitchFamily="50" charset="-127"/>
+      <p:regular r:id="rId48"/>
+      <p:bold r:id="rId49"/>
     </p:embeddedFont>
   </p:embeddedFontLst>
   <p:defaultTextStyle>
@@ -164,7 +164,7 @@
   </p:defaultTextStyle>
   <p:extLst>
     <p:ext uri="{EFAFB233-063F-42B5-8137-9DF3F51BA10A}">
-      <p15:sldGuideLst xmlns:p15="http://schemas.microsoft.com/office/powerpoint/2012/main" xmlns="">
+      <p15:sldGuideLst xmlns="" xmlns:p15="http://schemas.microsoft.com/office/powerpoint/2012/main">
         <p15:guide id="1" orient="horz" pos="2160">
           <p15:clr>
             <a:srgbClr val="A4A3A4"/>
@@ -30083,7 +30083,7 @@
 </file>
 
 <file path=ppt/slides/slide1.xml><?xml version="1.0" encoding="utf-8"?>
-<p:sld xmlns:a="http://schemas.openxmlformats.org/drawingml/2006/main" xmlns:r="http://schemas.openxmlformats.org/officeDocument/2006/relationships" xmlns:p="http://schemas.openxmlformats.org/presentationml/2006/main" showMasterSp="0">
+<p:sld xmlns:a="http://schemas.openxmlformats.org/drawingml/2006/main" xmlns:r="http://schemas.openxmlformats.org/officeDocument/2006/relationships" xmlns:p="http://schemas.openxmlformats.org/presentationml/2006/main">
   <p:cSld>
     <p:spTree>
       <p:nvGrpSpPr>
@@ -30204,7 +30204,7 @@
     </p:spTree>
     <p:extLst>
       <p:ext uri="{BB962C8B-B14F-4D97-AF65-F5344CB8AC3E}">
-        <p14:creationId xmlns:p14="http://schemas.microsoft.com/office/powerpoint/2010/main" val="2198901104"/>
+        <p14:creationId xmlns:p14="http://schemas.microsoft.com/office/powerpoint/2010/main" val="4270469127"/>
       </p:ext>
     </p:extLst>
   </p:cSld>
@@ -38419,17 +38419,7 @@
                 <a:latin typeface="소야논8" panose="02020603020101020101" pitchFamily="18" charset="-127"/>
                 <a:ea typeface="소야논8" panose="02020603020101020101" pitchFamily="18" charset="-127"/>
               </a:rPr>
-              <a:t> </a:t>
-            </a:r>
-            <a:r>
-              <a:rPr lang="ko-KR" altLang="en-US" sz="4800" dirty="0" smtClean="0">
-                <a:solidFill>
-                  <a:srgbClr val="E4007F"/>
-                </a:solidFill>
-                <a:latin typeface="소야논8" panose="02020603020101020101" pitchFamily="18" charset="-127"/>
-                <a:ea typeface="소야논8" panose="02020603020101020101" pitchFamily="18" charset="-127"/>
-              </a:rPr>
-              <a:t>점</a:t>
+              <a:t> 점</a:t>
             </a:r>
             <a:endParaRPr lang="ko-KR" altLang="en-US" sz="4800" dirty="0">
               <a:solidFill>

--- a/서버프로젝트.pptx
+++ b/서버프로젝트.pptx
@@ -38335,7 +38335,37 @@
                 <a:latin typeface="소야논8" panose="02020603020101020101" pitchFamily="18" charset="-127"/>
                 <a:ea typeface="소야논8" panose="02020603020101020101" pitchFamily="18" charset="-127"/>
               </a:rPr>
-              <a:t>그 외 서버 과목이니까 생략</a:t>
+              <a:t>그 </a:t>
+            </a:r>
+            <a:r>
+              <a:rPr lang="ko-KR" altLang="en-US" sz="2800" smtClean="0">
+                <a:solidFill>
+                  <a:schemeClr val="bg1"/>
+                </a:solidFill>
+                <a:latin typeface="소야논8" panose="02020603020101020101" pitchFamily="18" charset="-127"/>
+                <a:ea typeface="소야논8" panose="02020603020101020101" pitchFamily="18" charset="-127"/>
+              </a:rPr>
+              <a:t>외 </a:t>
+            </a:r>
+            <a:r>
+              <a:rPr lang="ko-KR" altLang="en-US" sz="2800" smtClean="0">
+                <a:solidFill>
+                  <a:schemeClr val="bg1"/>
+                </a:solidFill>
+                <a:latin typeface="소야논8" panose="02020603020101020101" pitchFamily="18" charset="-127"/>
+                <a:ea typeface="소야논8" panose="02020603020101020101" pitchFamily="18" charset="-127"/>
+              </a:rPr>
+              <a:t>어쩌고 저쩌고 </a:t>
+            </a:r>
+            <a:r>
+              <a:rPr lang="ko-KR" altLang="en-US" sz="2800" dirty="0" smtClean="0">
+                <a:solidFill>
+                  <a:schemeClr val="bg1"/>
+                </a:solidFill>
+                <a:latin typeface="소야논8" panose="02020603020101020101" pitchFamily="18" charset="-127"/>
+                <a:ea typeface="소야논8" panose="02020603020101020101" pitchFamily="18" charset="-127"/>
+              </a:rPr>
+              <a:t>생략</a:t>
             </a:r>
             <a:endParaRPr lang="en-US" altLang="ko-KR" sz="2800" dirty="0" smtClean="0">
               <a:solidFill>

--- a/서버프로젝트.pptx
+++ b/서버프로젝트.pptx
@@ -32941,8 +32941,8 @@
         </p:nvSpPr>
         <p:spPr>
           <a:xfrm>
-            <a:off x="179512" y="3861048"/>
-            <a:ext cx="8797601" cy="2862322"/>
+            <a:off x="179510" y="2364221"/>
+            <a:ext cx="8581195" cy="3416320"/>
           </a:xfrm>
           <a:prstGeom prst="rect">
             <a:avLst/>
@@ -33241,13 +33241,99 @@
               </a:rPr>
               <a:t>클라이언트</a:t>
             </a:r>
-            <a:endParaRPr lang="ko-KR" altLang="en-US" sz="3600" dirty="0">
+            <a:endParaRPr lang="en-US" altLang="ko-KR" sz="3600" dirty="0" smtClean="0">
               <a:solidFill>
                 <a:schemeClr val="bg1"/>
               </a:solidFill>
               <a:latin typeface="소야논8" panose="02020603020101020101" pitchFamily="18" charset="-127"/>
               <a:ea typeface="소야논8" panose="02020603020101020101" pitchFamily="18" charset="-127"/>
             </a:endParaRPr>
+          </a:p>
+          <a:p>
+            <a:endParaRPr lang="en-US" altLang="ko-KR" sz="3600" dirty="0">
+              <a:solidFill>
+                <a:schemeClr val="bg1"/>
+              </a:solidFill>
+              <a:latin typeface="소야논8" panose="02020603020101020101" pitchFamily="18" charset="-127"/>
+              <a:ea typeface="소야논8" panose="02020603020101020101" pitchFamily="18" charset="-127"/>
+            </a:endParaRPr>
+          </a:p>
+        </p:txBody>
+      </p:sp>
+      <p:sp>
+        <p:nvSpPr>
+          <p:cNvPr id="5" name="TextBox 4"/>
+          <p:cNvSpPr txBox="1"/>
+          <p:nvPr/>
+        </p:nvSpPr>
+        <p:spPr>
+          <a:xfrm>
+            <a:off x="179510" y="5499333"/>
+            <a:ext cx="10513168" cy="1754326"/>
+          </a:xfrm>
+          <a:prstGeom prst="rect">
+            <a:avLst/>
+          </a:prstGeom>
+          <a:noFill/>
+        </p:spPr>
+        <p:txBody>
+          <a:bodyPr wrap="square" rtlCol="0">
+            <a:spAutoFit/>
+          </a:bodyPr>
+          <a:lstStyle/>
+          <a:p>
+            <a:r>
+              <a:rPr lang="ko-KR" altLang="en-US" sz="3600" dirty="0">
+                <a:solidFill>
+                  <a:schemeClr val="bg1"/>
+                </a:solidFill>
+                <a:latin typeface="소야논8" panose="02020603020101020101" pitchFamily="18" charset="-127"/>
+                <a:ea typeface="소야논8" panose="02020603020101020101" pitchFamily="18" charset="-127"/>
+              </a:rPr>
+              <a:t>게임 서버 만드는 법을 가르쳐 주신</a:t>
+            </a:r>
+            <a:r>
+              <a:rPr lang="en-US" altLang="ko-KR" sz="3600" dirty="0">
+                <a:solidFill>
+                  <a:schemeClr val="bg1"/>
+                </a:solidFill>
+                <a:latin typeface="소야논8" panose="02020603020101020101" pitchFamily="18" charset="-127"/>
+                <a:ea typeface="소야논8" panose="02020603020101020101" pitchFamily="18" charset="-127"/>
+              </a:rPr>
+              <a:t/>
+            </a:r>
+            <a:br>
+              <a:rPr lang="en-US" altLang="ko-KR" sz="3600" dirty="0">
+                <a:solidFill>
+                  <a:schemeClr val="bg1"/>
+                </a:solidFill>
+                <a:latin typeface="소야논8" panose="02020603020101020101" pitchFamily="18" charset="-127"/>
+                <a:ea typeface="소야논8" panose="02020603020101020101" pitchFamily="18" charset="-127"/>
+              </a:rPr>
+            </a:br>
+            <a:r>
+              <a:rPr lang="en-US" altLang="ko-KR" sz="3600" dirty="0">
+                <a:solidFill>
+                  <a:schemeClr val="bg1"/>
+                </a:solidFill>
+                <a:latin typeface="소야논8" panose="02020603020101020101" pitchFamily="18" charset="-127"/>
+                <a:ea typeface="소야논8" panose="02020603020101020101" pitchFamily="18" charset="-127"/>
+              </a:rPr>
+              <a:t>						</a:t>
+            </a:r>
+            <a:r>
+              <a:rPr lang="ko-KR" altLang="en-US" sz="3600" dirty="0">
+                <a:solidFill>
+                  <a:srgbClr val="FFFF00"/>
+                </a:solidFill>
+                <a:latin typeface="소야논8" panose="02020603020101020101" pitchFamily="18" charset="-127"/>
+                <a:ea typeface="소야논8" panose="02020603020101020101" pitchFamily="18" charset="-127"/>
+              </a:rPr>
+              <a:t>최흥배 교수님</a:t>
+            </a:r>
+          </a:p>
+          <a:p>
+            <a:endParaRPr lang="ko-KR" altLang="en-US" sz="3600" dirty="0"/>
           </a:p>
         </p:txBody>
       </p:sp>
@@ -33264,9 +33350,80 @@
   <p:timing>
     <p:tnLst>
       <p:par>
-        <p:cTn id="1" dur="indefinite" restart="never" nodeType="tmRoot"/>
+        <p:cTn id="1" dur="indefinite" restart="never" nodeType="tmRoot">
+          <p:childTnLst>
+            <p:seq concurrent="1" nextAc="seek">
+              <p:cTn id="2" dur="indefinite" nodeType="mainSeq">
+                <p:childTnLst>
+                  <p:par>
+                    <p:cTn id="3" fill="hold">
+                      <p:stCondLst>
+                        <p:cond delay="indefinite"/>
+                      </p:stCondLst>
+                      <p:childTnLst>
+                        <p:par>
+                          <p:cTn id="4" fill="hold">
+                            <p:stCondLst>
+                              <p:cond delay="0"/>
+                            </p:stCondLst>
+                            <p:childTnLst>
+                              <p:par>
+                                <p:cTn id="5" presetID="1" presetClass="entr" presetSubtype="0" fill="hold" grpId="0" nodeType="clickEffect">
+                                  <p:stCondLst>
+                                    <p:cond delay="0"/>
+                                  </p:stCondLst>
+                                  <p:childTnLst>
+                                    <p:set>
+                                      <p:cBhvr>
+                                        <p:cTn id="6" dur="1" fill="hold">
+                                          <p:stCondLst>
+                                            <p:cond delay="0"/>
+                                          </p:stCondLst>
+                                        </p:cTn>
+                                        <p:tgtEl>
+                                          <p:spTgt spid="5"/>
+                                        </p:tgtEl>
+                                        <p:attrNameLst>
+                                          <p:attrName>style.visibility</p:attrName>
+                                        </p:attrNameLst>
+                                      </p:cBhvr>
+                                      <p:to>
+                                        <p:strVal val="visible"/>
+                                      </p:to>
+                                    </p:set>
+                                  </p:childTnLst>
+                                </p:cTn>
+                              </p:par>
+                            </p:childTnLst>
+                          </p:cTn>
+                        </p:par>
+                      </p:childTnLst>
+                    </p:cTn>
+                  </p:par>
+                </p:childTnLst>
+              </p:cTn>
+              <p:prevCondLst>
+                <p:cond evt="onPrev" delay="0">
+                  <p:tgtEl>
+                    <p:sldTgt/>
+                  </p:tgtEl>
+                </p:cond>
+              </p:prevCondLst>
+              <p:nextCondLst>
+                <p:cond evt="onNext" delay="0">
+                  <p:tgtEl>
+                    <p:sldTgt/>
+                  </p:tgtEl>
+                </p:cond>
+              </p:nextCondLst>
+            </p:seq>
+          </p:childTnLst>
+        </p:cTn>
       </p:par>
     </p:tnLst>
+    <p:bldLst>
+      <p:bldP spid="5" grpId="0"/>
+    </p:bldLst>
   </p:timing>
 </p:sld>
 </file>
@@ -38335,20 +38492,10 @@
                 <a:latin typeface="소야논8" panose="02020603020101020101" pitchFamily="18" charset="-127"/>
                 <a:ea typeface="소야논8" panose="02020603020101020101" pitchFamily="18" charset="-127"/>
               </a:rPr>
-              <a:t>그 </a:t>
-            </a:r>
-            <a:r>
-              <a:rPr lang="ko-KR" altLang="en-US" sz="2800" smtClean="0">
-                <a:solidFill>
-                  <a:schemeClr val="bg1"/>
-                </a:solidFill>
-                <a:latin typeface="소야논8" panose="02020603020101020101" pitchFamily="18" charset="-127"/>
-                <a:ea typeface="소야논8" panose="02020603020101020101" pitchFamily="18" charset="-127"/>
-              </a:rPr>
-              <a:t>외 </a:t>
-            </a:r>
-            <a:r>
-              <a:rPr lang="ko-KR" altLang="en-US" sz="2800" smtClean="0">
+              <a:t>그 외 </a:t>
+            </a:r>
+            <a:r>
+              <a:rPr lang="ko-KR" altLang="en-US" sz="2800" dirty="0" smtClean="0">
                 <a:solidFill>
                   <a:schemeClr val="bg1"/>
                 </a:solidFill>
